--- a/spring13/slides13/law-of-large-numbers.pptx
+++ b/spring13/slides13/law-of-large-numbers.pptx
@@ -3244,7 +3244,52 @@
                 <a:uFillTx/>
                 <a:latin typeface="Comic Sans MS" pitchFamily="66" charset="0"/>
               </a:rPr>
-              <a:t>Albert R Meyer,                May 10, 2013</a:t>
+              <a:t>Albert R Meyer,                </a:t>
+            </a:r>
+            <a:r>
+              <a:rPr kumimoji="0" lang="en-US" sz="1200" b="0" i="0" u="none" strike="noStrike" kern="1200" cap="none" spc="0" normalizeH="0" baseline="0" noProof="0" smtClean="0">
+                <a:ln>
+                  <a:noFill/>
+                </a:ln>
+                <a:solidFill>
+                  <a:schemeClr val="tx1"/>
+                </a:solidFill>
+                <a:effectLst/>
+                <a:uLnTx/>
+                <a:uFillTx/>
+                <a:latin typeface="Comic Sans MS" pitchFamily="66" charset="0"/>
+              </a:rPr>
+              <a:t>May </a:t>
+            </a:r>
+            <a:r>
+              <a:rPr kumimoji="0" lang="en-US" sz="1200" b="0" i="0" u="none" strike="noStrike" kern="1200" cap="none" spc="0" normalizeH="0" baseline="0" noProof="0" smtClean="0">
+                <a:ln>
+                  <a:noFill/>
+                </a:ln>
+                <a:solidFill>
+                  <a:schemeClr val="tx1"/>
+                </a:solidFill>
+                <a:effectLst/>
+                <a:uLnTx/>
+                <a:uFillTx/>
+                <a:latin typeface="Comic Sans MS" pitchFamily="66" charset="0"/>
+              </a:rPr>
+              <a:t>13, </a:t>
+            </a:r>
+            <a:r>
+              <a:rPr kumimoji="0" lang="en-US" sz="1200" b="0" i="0" u="none" strike="noStrike" kern="1200" cap="none" spc="0" normalizeH="0" baseline="0" noProof="0" dirty="0" smtClean="0">
+                <a:ln>
+                  <a:noFill/>
+                </a:ln>
+                <a:solidFill>
+                  <a:schemeClr val="tx1"/>
+                </a:solidFill>
+                <a:effectLst/>
+                <a:uLnTx/>
+                <a:uFillTx/>
+                <a:latin typeface="Comic Sans MS" pitchFamily="66" charset="0"/>
+              </a:rPr>
+              <a:t>2013</a:t>
             </a:r>
             <a:endParaRPr kumimoji="0" lang="en-US" sz="1200" b="0" i="0" u="none" strike="noStrike" kern="1200" cap="none" spc="0" normalizeH="0" baseline="0" noProof="0" dirty="0">
               <a:ln>
@@ -5272,7 +5317,7 @@
           <a:graphicData uri="http://schemas.openxmlformats.org/presentationml/2006/ole">
             <mc:AlternateContent xmlns:mc="http://schemas.openxmlformats.org/markup-compatibility/2006">
               <mc:Choice xmlns:v="urn:schemas-microsoft-com:vml" Requires="v">
-                <p:oleObj spid="_x0000_s144465" name="Equation" r:id="rId5" imgW="1295400" imgH="355600" progId="Equation.DSMT4">
+                <p:oleObj spid="_x0000_s144468" name="Equation" r:id="rId5" imgW="1295400" imgH="355600" progId="Equation.DSMT4">
                   <p:embed/>
                 </p:oleObj>
               </mc:Choice>
@@ -5574,7 +5619,7 @@
           <a:graphicData uri="http://schemas.openxmlformats.org/presentationml/2006/ole">
             <mc:AlternateContent xmlns:mc="http://schemas.openxmlformats.org/markup-compatibility/2006">
               <mc:Choice xmlns:v="urn:schemas-microsoft-com:vml" Requires="v">
-                <p:oleObj spid="_x0000_s144466" name="Equation" r:id="rId7" imgW="1524000" imgH="495300" progId="Equation.DSMT4">
+                <p:oleObj spid="_x0000_s144469" name="Equation" r:id="rId7" imgW="1524000" imgH="495300" progId="Equation.DSMT4">
                   <p:embed/>
                 </p:oleObj>
               </mc:Choice>
@@ -6004,7 +6049,7 @@
           <a:graphicData uri="http://schemas.openxmlformats.org/presentationml/2006/ole">
             <mc:AlternateContent xmlns:mc="http://schemas.openxmlformats.org/markup-compatibility/2006">
               <mc:Choice xmlns:v="urn:schemas-microsoft-com:vml" Requires="v">
-                <p:oleObj spid="_x0000_s187506" name="Equation" r:id="rId4" imgW="1092200" imgH="355600" progId="Equation.DSMT4">
+                <p:oleObj spid="_x0000_s187510" name="Equation" r:id="rId4" imgW="1092200" imgH="355600" progId="Equation.DSMT4">
                   <p:embed/>
                 </p:oleObj>
               </mc:Choice>
@@ -6074,7 +6119,7 @@
           <a:graphicData uri="http://schemas.openxmlformats.org/presentationml/2006/ole">
             <mc:AlternateContent xmlns:mc="http://schemas.openxmlformats.org/markup-compatibility/2006">
               <mc:Choice xmlns:v="urn:schemas-microsoft-com:vml" Requires="v">
-                <p:oleObj spid="_x0000_s187507" name="Equation" r:id="rId6" imgW="1117600" imgH="444500" progId="Equation.DSMT4">
+                <p:oleObj spid="_x0000_s187511" name="Equation" r:id="rId6" imgW="1117600" imgH="444500" progId="Equation.DSMT4">
                   <p:embed/>
                 </p:oleObj>
               </mc:Choice>
@@ -6312,7 +6357,7 @@
           <a:graphicData uri="http://schemas.openxmlformats.org/presentationml/2006/ole">
             <mc:AlternateContent xmlns:mc="http://schemas.openxmlformats.org/markup-compatibility/2006">
               <mc:Choice xmlns:v="urn:schemas-microsoft-com:vml" Requires="v">
-                <p:oleObj spid="_x0000_s187508" name="Equation" r:id="rId8" imgW="1473120" imgH="431640" progId="Equation.DSMT4">
+                <p:oleObj spid="_x0000_s187512" name="Equation" r:id="rId8" imgW="1473120" imgH="431640" progId="Equation.DSMT4">
                   <p:embed/>
                 </p:oleObj>
               </mc:Choice>
@@ -7024,7 +7069,7 @@
           <a:graphicData uri="http://schemas.openxmlformats.org/presentationml/2006/ole">
             <mc:AlternateContent xmlns:mc="http://schemas.openxmlformats.org/markup-compatibility/2006">
               <mc:Choice xmlns:v="urn:schemas-microsoft-com:vml" Requires="v">
-                <p:oleObj spid="_x0000_s169050" name="Equation" r:id="rId5" imgW="1536700" imgH="355600" progId="Equation.DSMT4">
+                <p:oleObj spid="_x0000_s169052" name="Equation" r:id="rId5" imgW="1536700" imgH="355600" progId="Equation.DSMT4">
                   <p:embed/>
                 </p:oleObj>
               </mc:Choice>
@@ -7812,7 +7857,7 @@
           <a:graphicData uri="http://schemas.openxmlformats.org/presentationml/2006/ole">
             <mc:AlternateContent xmlns:mc="http://schemas.openxmlformats.org/markup-compatibility/2006">
               <mc:Choice xmlns:v="urn:schemas-microsoft-com:vml" Requires="v">
-                <p:oleObj spid="_x0000_s185399" name="Equation" r:id="rId4" imgW="1549400" imgH="355600" progId="Equation.DSMT4">
+                <p:oleObj spid="_x0000_s185401" name="Equation" r:id="rId4" imgW="1549400" imgH="355600" progId="Equation.DSMT4">
                   <p:embed/>
                 </p:oleObj>
               </mc:Choice>
@@ -8443,7 +8488,7 @@
           <a:graphicData uri="http://schemas.openxmlformats.org/presentationml/2006/ole">
             <mc:AlternateContent xmlns:mc="http://schemas.openxmlformats.org/markup-compatibility/2006">
               <mc:Choice xmlns:v="urn:schemas-microsoft-com:vml" Requires="v">
-                <p:oleObj spid="_x0000_s213078" name="Equation" r:id="rId4" imgW="1828800" imgH="469900" progId="Equation.DSMT4">
+                <p:oleObj spid="_x0000_s213081" name="Equation" r:id="rId4" imgW="1828800" imgH="469900" progId="Equation.DSMT4">
                   <p:embed/>
                 </p:oleObj>
               </mc:Choice>
@@ -8627,7 +8672,7 @@
           <a:graphicData uri="http://schemas.openxmlformats.org/presentationml/2006/ole">
             <mc:AlternateContent xmlns:mc="http://schemas.openxmlformats.org/markup-compatibility/2006">
               <mc:Choice xmlns:v="urn:schemas-microsoft-com:vml" Requires="v">
-                <p:oleObj spid="_x0000_s213079" name="Equation" r:id="rId7" imgW="901700" imgH="469900" progId="Equation.DSMT4">
+                <p:oleObj spid="_x0000_s213082" name="Equation" r:id="rId7" imgW="901700" imgH="469900" progId="Equation.DSMT4">
                   <p:embed/>
                 </p:oleObj>
               </mc:Choice>
@@ -8864,7 +8909,7 @@
           <a:graphicData uri="http://schemas.openxmlformats.org/presentationml/2006/ole">
             <mc:AlternateContent xmlns:mc="http://schemas.openxmlformats.org/markup-compatibility/2006">
               <mc:Choice xmlns:v="urn:schemas-microsoft-com:vml" Requires="v">
-                <p:oleObj spid="_x0000_s319575" name="Equation" r:id="rId4" imgW="1828800" imgH="469900" progId="Equation.DSMT4">
+                <p:oleObj spid="_x0000_s319578" name="Equation" r:id="rId4" imgW="1828800" imgH="469900" progId="Equation.DSMT4">
                   <p:embed/>
                 </p:oleObj>
               </mc:Choice>
@@ -9082,7 +9127,7 @@
           <a:graphicData uri="http://schemas.openxmlformats.org/presentationml/2006/ole">
             <mc:AlternateContent xmlns:mc="http://schemas.openxmlformats.org/markup-compatibility/2006">
               <mc:Choice xmlns:v="urn:schemas-microsoft-com:vml" Requires="v">
-                <p:oleObj spid="_x0000_s319576" name="Equation" r:id="rId7" imgW="1638300" imgH="469900" progId="Equation.DSMT4">
+                <p:oleObj spid="_x0000_s319579" name="Equation" r:id="rId7" imgW="1638300" imgH="469900" progId="Equation.DSMT4">
                   <p:embed/>
                 </p:oleObj>
               </mc:Choice>
@@ -9449,7 +9494,7 @@
           <a:graphicData uri="http://schemas.openxmlformats.org/presentationml/2006/ole">
             <mc:AlternateContent xmlns:mc="http://schemas.openxmlformats.org/markup-compatibility/2006">
               <mc:Choice xmlns:v="urn:schemas-microsoft-com:vml" Requires="v">
-                <p:oleObj spid="_x0000_s323635" name="Equation" r:id="rId5" imgW="1638300" imgH="469900" progId="Equation.DSMT4">
+                <p:oleObj spid="_x0000_s323637" name="Equation" r:id="rId5" imgW="1638300" imgH="469900" progId="Equation.DSMT4">
                   <p:embed/>
                 </p:oleObj>
               </mc:Choice>
@@ -9697,7 +9742,7 @@
           <a:graphicData uri="http://schemas.openxmlformats.org/presentationml/2006/ole">
             <mc:AlternateContent xmlns:mc="http://schemas.openxmlformats.org/markup-compatibility/2006">
               <mc:Choice xmlns:v="urn:schemas-microsoft-com:vml" Requires="v">
-                <p:oleObj spid="_x0000_s312369" name="Equation" r:id="rId3" imgW="1790700" imgH="469900" progId="Equation.DSMT4">
+                <p:oleObj spid="_x0000_s312371" name="Equation" r:id="rId3" imgW="1790700" imgH="469900" progId="Equation.DSMT4">
                   <p:embed/>
                 </p:oleObj>
               </mc:Choice>
@@ -10395,7 +10440,7 @@
           <a:graphicData uri="http://schemas.openxmlformats.org/presentationml/2006/ole">
             <mc:AlternateContent xmlns:mc="http://schemas.openxmlformats.org/markup-compatibility/2006">
               <mc:Choice xmlns:v="urn:schemas-microsoft-com:vml" Requires="v">
-                <p:oleObj spid="_x0000_s317520" name="Equation" r:id="rId4" imgW="1524000" imgH="469900" progId="Equation.DSMT4">
+                <p:oleObj spid="_x0000_s317523" name="Equation" r:id="rId4" imgW="1524000" imgH="469900" progId="Equation.DSMT4">
                   <p:embed/>
                 </p:oleObj>
               </mc:Choice>
@@ -10503,7 +10548,7 @@
           <a:graphicData uri="http://schemas.openxmlformats.org/presentationml/2006/ole">
             <mc:AlternateContent xmlns:mc="http://schemas.openxmlformats.org/markup-compatibility/2006">
               <mc:Choice xmlns:v="urn:schemas-microsoft-com:vml" Requires="v">
-                <p:oleObj spid="_x0000_s317521" name="Equation" r:id="rId6" imgW="1549400" imgH="228600" progId="Equation.DSMT4">
+                <p:oleObj spid="_x0000_s317524" name="Equation" r:id="rId6" imgW="1549400" imgH="228600" progId="Equation.DSMT4">
                   <p:embed/>
                 </p:oleObj>
               </mc:Choice>
@@ -10771,7 +10816,7 @@
           <a:graphicData uri="http://schemas.openxmlformats.org/presentationml/2006/ole">
             <mc:AlternateContent xmlns:mc="http://schemas.openxmlformats.org/markup-compatibility/2006">
               <mc:Choice xmlns:v="urn:schemas-microsoft-com:vml" Requires="v">
-                <p:oleObj spid="_x0000_s313393" name="Equation" r:id="rId3" imgW="1981200" imgH="228600" progId="Equation.DSMT4">
+                <p:oleObj spid="_x0000_s313395" name="Equation" r:id="rId3" imgW="1981200" imgH="228600" progId="Equation.DSMT4">
                   <p:embed/>
                 </p:oleObj>
               </mc:Choice>
@@ -11406,7 +11451,7 @@
           <a:graphicData uri="http://schemas.openxmlformats.org/presentationml/2006/ole">
             <mc:AlternateContent xmlns:mc="http://schemas.openxmlformats.org/markup-compatibility/2006">
               <mc:Choice xmlns:v="urn:schemas-microsoft-com:vml" Requires="v">
-                <p:oleObj spid="_x0000_s314417" name="Equation" r:id="rId3" imgW="1955800" imgH="228600" progId="Equation.DSMT4">
+                <p:oleObj spid="_x0000_s314419" name="Equation" r:id="rId3" imgW="1955800" imgH="228600" progId="Equation.DSMT4">
                   <p:embed/>
                 </p:oleObj>
               </mc:Choice>

--- a/spring13/slides13/law-of-large-numbers.pptx
+++ b/spring13/slides13/law-of-large-numbers.pptx
@@ -3259,22 +3259,7 @@
                 <a:uFillTx/>
                 <a:latin typeface="Comic Sans MS" pitchFamily="66" charset="0"/>
               </a:rPr>
-              <a:t>May </a:t>
-            </a:r>
-            <a:r>
-              <a:rPr kumimoji="0" lang="en-US" sz="1200" b="0" i="0" u="none" strike="noStrike" kern="1200" cap="none" spc="0" normalizeH="0" baseline="0" noProof="0" smtClean="0">
-                <a:ln>
-                  <a:noFill/>
-                </a:ln>
-                <a:solidFill>
-                  <a:schemeClr val="tx1"/>
-                </a:solidFill>
-                <a:effectLst/>
-                <a:uLnTx/>
-                <a:uFillTx/>
-                <a:latin typeface="Comic Sans MS" pitchFamily="66" charset="0"/>
-              </a:rPr>
-              <a:t>13, </a:t>
+              <a:t>May 13, </a:t>
             </a:r>
             <a:r>
               <a:rPr kumimoji="0" lang="en-US" sz="1200" b="0" i="0" u="none" strike="noStrike" kern="1200" cap="none" spc="0" normalizeH="0" baseline="0" noProof="0" dirty="0" smtClean="0">
@@ -5307,22 +5292,28 @@
           <p:cNvGraphicFramePr>
             <a:graphicFrameLocks noChangeAspect="1"/>
           </p:cNvGraphicFramePr>
-          <p:nvPr/>
+          <p:nvPr>
+            <p:extLst>
+              <p:ext uri="{D42A27DB-BD31-4B8C-83A1-F6EECF244321}">
+                <p14:modId xmlns:p14="http://schemas.microsoft.com/office/powerpoint/2010/main" val="2128321388"/>
+              </p:ext>
+            </p:extLst>
+          </p:nvPr>
         </p:nvGraphicFramePr>
         <p:xfrm>
-          <a:off x="1933575" y="5019645"/>
-          <a:ext cx="5280025" cy="1449388"/>
+          <a:off x="1727200" y="5148263"/>
+          <a:ext cx="5692775" cy="1190625"/>
         </p:xfrm>
         <a:graphic>
           <a:graphicData uri="http://schemas.openxmlformats.org/presentationml/2006/ole">
             <mc:AlternateContent xmlns:mc="http://schemas.openxmlformats.org/markup-compatibility/2006">
               <mc:Choice xmlns:v="urn:schemas-microsoft-com:vml" Requires="v">
-                <p:oleObj spid="_x0000_s144468" name="Equation" r:id="rId5" imgW="1295400" imgH="355600" progId="Equation.DSMT4">
+                <p:oleObj spid="_x0000_s144473" name="Equation" r:id="rId5" imgW="1397000" imgH="292100" progId="Equation.DSMT4">
                   <p:embed/>
                 </p:oleObj>
               </mc:Choice>
               <mc:Fallback>
-                <p:oleObj name="Equation" r:id="rId5" imgW="1295400" imgH="355600" progId="Equation.DSMT4">
+                <p:oleObj name="Equation" r:id="rId5" imgW="1397000" imgH="292100" progId="Equation.DSMT4">
                   <p:embed/>
                   <p:pic>
                     <p:nvPicPr>
@@ -5333,13 +5324,7 @@
                       <p:nvPr/>
                     </p:nvPicPr>
                     <p:blipFill>
-                      <a:blip r:embed="rId6">
-                        <a:extLst>
-                          <a:ext uri="{28A0092B-C50C-407E-A947-70E740481C1C}">
-                            <a14:useLocalDpi xmlns:a14="http://schemas.microsoft.com/office/drawing/2010/main" val="0"/>
-                          </a:ext>
-                        </a:extLst>
-                      </a:blip>
+                      <a:blip r:embed="rId6"/>
                       <a:srcRect/>
                       <a:stretch>
                         <a:fillRect/>
@@ -5347,8 +5332,8 @@
                     </p:blipFill>
                     <p:spPr bwMode="auto">
                       <a:xfrm>
-                        <a:off x="1933575" y="5019645"/>
-                        <a:ext cx="5280025" cy="1449388"/>
+                        <a:off x="1727200" y="5148263"/>
+                        <a:ext cx="5692775" cy="1190625"/>
                       </a:xfrm>
                       <a:prstGeom prst="rect">
                         <a:avLst/>
@@ -5501,7 +5486,7 @@
               <a:t> </a:t>
             </a:r>
             <a:r>
-              <a:rPr lang="en-US" sz="4800" b="1" i="1" dirty="0" err="1" smtClean="0">
+              <a:rPr lang="en-US" sz="4800" b="1" dirty="0" err="1" smtClean="0">
                 <a:solidFill>
                   <a:srgbClr val="0000FF"/>
                 </a:solidFill>
@@ -5563,7 +5548,7 @@
         </p:nvSpPr>
         <p:spPr bwMode="auto">
           <a:xfrm>
-            <a:off x="7103031" y="5177331"/>
+            <a:off x="7433231" y="5177331"/>
             <a:ext cx="587020" cy="1015663"/>
           </a:xfrm>
           <a:prstGeom prst="rect">
@@ -5619,7 +5604,7 @@
           <a:graphicData uri="http://schemas.openxmlformats.org/presentationml/2006/ole">
             <mc:AlternateContent xmlns:mc="http://schemas.openxmlformats.org/markup-compatibility/2006">
               <mc:Choice xmlns:v="urn:schemas-microsoft-com:vml" Requires="v">
-                <p:oleObj spid="_x0000_s144469" name="Equation" r:id="rId7" imgW="1524000" imgH="495300" progId="Equation.DSMT4">
+                <p:oleObj spid="_x0000_s144474" name="Equation" r:id="rId7" imgW="1524000" imgH="495300" progId="Equation.DSMT4">
                   <p:embed/>
                 </p:oleObj>
               </mc:Choice>
@@ -6029,36 +6014,36 @@
       </p:grpSpPr>
       <p:graphicFrame>
         <p:nvGraphicFramePr>
-          <p:cNvPr id="10" name="Object 9"/>
+          <p:cNvPr id="81936" name="Object 16"/>
           <p:cNvGraphicFramePr>
             <a:graphicFrameLocks noChangeAspect="1"/>
           </p:cNvGraphicFramePr>
           <p:nvPr>
             <p:extLst>
               <p:ext uri="{D42A27DB-BD31-4B8C-83A1-F6EECF244321}">
-                <p14:modId xmlns:p14="http://schemas.microsoft.com/office/powerpoint/2010/main" val="3508318367"/>
+                <p14:modId xmlns:p14="http://schemas.microsoft.com/office/powerpoint/2010/main" val="2576467023"/>
               </p:ext>
             </p:extLst>
           </p:nvPr>
         </p:nvGraphicFramePr>
         <p:xfrm>
-          <a:off x="2347963" y="4067013"/>
-          <a:ext cx="4450639" cy="1449045"/>
+          <a:off x="3953560" y="4330700"/>
+          <a:ext cx="4021137" cy="1598613"/>
         </p:xfrm>
         <a:graphic>
           <a:graphicData uri="http://schemas.openxmlformats.org/presentationml/2006/ole">
             <mc:AlternateContent xmlns:mc="http://schemas.openxmlformats.org/markup-compatibility/2006">
               <mc:Choice xmlns:v="urn:schemas-microsoft-com:vml" Requires="v">
-                <p:oleObj spid="_x0000_s187510" name="Equation" r:id="rId4" imgW="1092200" imgH="355600" progId="Equation.DSMT4">
+                <p:oleObj spid="_x0000_s187517" name="Equation" r:id="rId4" imgW="1117600" imgH="444500" progId="Equation.DSMT4">
                   <p:embed/>
                 </p:oleObj>
               </mc:Choice>
               <mc:Fallback>
-                <p:oleObj name="Equation" r:id="rId4" imgW="1092200" imgH="355600" progId="Equation.DSMT4">
+                <p:oleObj name="Equation" r:id="rId4" imgW="1117600" imgH="444500" progId="Equation.DSMT4">
                   <p:embed/>
                   <p:pic>
                     <p:nvPicPr>
-                      <p:cNvPr id="0" name="Picture 4"/>
+                      <p:cNvPr id="0" name="Picture 2"/>
                       <p:cNvPicPr>
                         <a:picLocks noChangeAspect="1" noChangeArrowheads="1"/>
                       </p:cNvPicPr>
@@ -6073,77 +6058,7 @@
                     </p:blipFill>
                     <p:spPr bwMode="auto">
                       <a:xfrm>
-                        <a:off x="2347963" y="4067013"/>
-                        <a:ext cx="4450639" cy="1449045"/>
-                      </a:xfrm>
-                      <a:prstGeom prst="rect">
-                        <a:avLst/>
-                      </a:prstGeom>
-                      <a:noFill/>
-                      <a:extLst>
-                        <a:ext uri="{909E8E84-426E-40dd-AFC4-6F175D3DCCD1}">
-                          <a14:hiddenFill xmlns:a14="http://schemas.microsoft.com/office/drawing/2010/main">
-                            <a:solidFill>
-                              <a:srgbClr val="FFFFFF"/>
-                            </a:solidFill>
-                          </a14:hiddenFill>
-                        </a:ext>
-                      </a:extLst>
-                    </p:spPr>
-                  </p:pic>
-                </p:oleObj>
-              </mc:Fallback>
-            </mc:AlternateContent>
-          </a:graphicData>
-        </a:graphic>
-      </p:graphicFrame>
-      <p:graphicFrame>
-        <p:nvGraphicFramePr>
-          <p:cNvPr id="81936" name="Object 16"/>
-          <p:cNvGraphicFramePr>
-            <a:graphicFrameLocks noChangeAspect="1"/>
-          </p:cNvGraphicFramePr>
-          <p:nvPr>
-            <p:extLst>
-              <p:ext uri="{D42A27DB-BD31-4B8C-83A1-F6EECF244321}">
-                <p14:modId xmlns:p14="http://schemas.microsoft.com/office/powerpoint/2010/main" val="2195163813"/>
-              </p:ext>
-            </p:extLst>
-          </p:nvPr>
-        </p:nvGraphicFramePr>
-        <p:xfrm>
-          <a:off x="4194860" y="4406900"/>
-          <a:ext cx="4021137" cy="1598613"/>
-        </p:xfrm>
-        <a:graphic>
-          <a:graphicData uri="http://schemas.openxmlformats.org/presentationml/2006/ole">
-            <mc:AlternateContent xmlns:mc="http://schemas.openxmlformats.org/markup-compatibility/2006">
-              <mc:Choice xmlns:v="urn:schemas-microsoft-com:vml" Requires="v">
-                <p:oleObj spid="_x0000_s187511" name="Equation" r:id="rId6" imgW="1117600" imgH="444500" progId="Equation.DSMT4">
-                  <p:embed/>
-                </p:oleObj>
-              </mc:Choice>
-              <mc:Fallback>
-                <p:oleObj name="Equation" r:id="rId6" imgW="1117600" imgH="444500" progId="Equation.DSMT4">
-                  <p:embed/>
-                  <p:pic>
-                    <p:nvPicPr>
-                      <p:cNvPr id="0" name="Picture 2"/>
-                      <p:cNvPicPr>
-                        <a:picLocks noChangeAspect="1" noChangeArrowheads="1"/>
-                      </p:cNvPicPr>
-                      <p:nvPr/>
-                    </p:nvPicPr>
-                    <p:blipFill>
-                      <a:blip r:embed="rId7"/>
-                      <a:srcRect/>
-                      <a:stretch>
-                        <a:fillRect/>
-                      </a:stretch>
-                    </p:blipFill>
-                    <p:spPr bwMode="auto">
-                      <a:xfrm>
-                        <a:off x="4194860" y="4406900"/>
+                        <a:off x="3953560" y="4330700"/>
                         <a:ext cx="4021137" cy="1598613"/>
                       </a:xfrm>
                       <a:prstGeom prst="rect">
@@ -6219,7 +6134,7 @@
         <p:spPr bwMode="auto">
           <a:xfrm>
             <a:off x="621296" y="3315093"/>
-            <a:ext cx="5781642" cy="830997"/>
+            <a:ext cx="6482185" cy="923330"/>
           </a:xfrm>
           <a:prstGeom prst="rect">
             <a:avLst/>
@@ -6240,14 +6155,14 @@
           <a:lstStyle/>
           <a:p>
             <a:r>
-              <a:rPr lang="en-US" sz="4800" dirty="0" smtClean="0">
+              <a:rPr lang="en-US" sz="5400" dirty="0" smtClean="0">
                 <a:latin typeface="Comic Sans MS"/>
                 <a:cs typeface="Comic Sans MS"/>
               </a:rPr>
               <a:t>probably </a:t>
             </a:r>
             <a:r>
-              <a:rPr lang="en-US" sz="4800" dirty="0" smtClean="0">
+              <a:rPr lang="en-US" sz="5400" dirty="0" smtClean="0">
                 <a:solidFill>
                   <a:srgbClr val="7030A0"/>
                 </a:solidFill>
@@ -6257,28 +6172,28 @@
               <a:t>close</a:t>
             </a:r>
             <a:r>
-              <a:rPr lang="en-US" sz="4800" dirty="0" smtClean="0">
+              <a:rPr lang="en-US" sz="5400" dirty="0" smtClean="0">
                 <a:latin typeface="Comic Sans MS"/>
                 <a:cs typeface="Comic Sans MS"/>
               </a:rPr>
               <a:t> </a:t>
             </a:r>
             <a:r>
-              <a:rPr lang="en-US" sz="4800" dirty="0">
+              <a:rPr lang="en-US" sz="5400" dirty="0">
                 <a:latin typeface="Comic Sans MS"/>
                 <a:cs typeface="Comic Sans MS"/>
               </a:rPr>
               <a:t>to</a:t>
             </a:r>
             <a:r>
-              <a:rPr lang="en-US" sz="4800" dirty="0" smtClean="0">
+              <a:rPr lang="en-US" sz="5400" dirty="0" smtClean="0">
                 <a:latin typeface="Comic Sans MS"/>
                 <a:cs typeface="Comic Sans MS"/>
               </a:rPr>
               <a:t> </a:t>
             </a:r>
             <a:r>
-              <a:rPr lang="en-US" sz="4800" i="1" dirty="0" err="1" smtClean="0">
+              <a:rPr lang="en-US" sz="5400" b="1" dirty="0" err="1" smtClean="0">
                 <a:solidFill>
                   <a:srgbClr val="0000FF"/>
                 </a:solidFill>
@@ -6287,57 +6202,13 @@
               </a:rPr>
               <a:t>μ</a:t>
             </a:r>
-            <a:endParaRPr lang="en-US" sz="4800" i="1" dirty="0">
+            <a:endParaRPr lang="en-US" sz="5400" b="1" dirty="0">
               <a:solidFill>
                 <a:srgbClr val="0000FF"/>
               </a:solidFill>
               <a:latin typeface="Euclid Symbol" charset="2"/>
               <a:cs typeface="Euclid Symbol" charset="2"/>
             </a:endParaRPr>
-          </a:p>
-        </p:txBody>
-      </p:sp>
-      <p:sp>
-        <p:nvSpPr>
-          <p:cNvPr id="81938" name="Text Box 18"/>
-          <p:cNvSpPr txBox="1">
-            <a:spLocks noChangeArrowheads="1"/>
-          </p:cNvSpPr>
-          <p:nvPr/>
-        </p:nvSpPr>
-        <p:spPr bwMode="auto">
-          <a:xfrm>
-            <a:off x="6748360" y="4157927"/>
-            <a:ext cx="587020" cy="1015663"/>
-          </a:xfrm>
-          <a:prstGeom prst="rect">
-            <a:avLst/>
-          </a:prstGeom>
-          <a:noFill/>
-          <a:ln w="28575">
-            <a:noFill/>
-            <a:miter lim="800000"/>
-            <a:headEnd/>
-            <a:tailEnd/>
-          </a:ln>
-          <a:effectLst/>
-        </p:spPr>
-        <p:txBody>
-          <a:bodyPr wrap="none">
-            <a:spAutoFit/>
-          </a:bodyPr>
-          <a:lstStyle/>
-          <a:p>
-            <a:r>
-              <a:rPr lang="en-US" sz="6000" dirty="0">
-                <a:solidFill>
-                  <a:srgbClr val="CC0000"/>
-                </a:solidFill>
-                <a:latin typeface="Comic Sans MS"/>
-                <a:cs typeface="Comic Sans MS"/>
-              </a:rPr>
-              <a:t>?</a:t>
-            </a:r>
           </a:p>
         </p:txBody>
       </p:sp>
@@ -6357,12 +6228,12 @@
           <a:graphicData uri="http://schemas.openxmlformats.org/presentationml/2006/ole">
             <mc:AlternateContent xmlns:mc="http://schemas.openxmlformats.org/markup-compatibility/2006">
               <mc:Choice xmlns:v="urn:schemas-microsoft-com:vml" Requires="v">
-                <p:oleObj spid="_x0000_s187512" name="Equation" r:id="rId8" imgW="1473120" imgH="431640" progId="Equation.DSMT4">
+                <p:oleObj spid="_x0000_s187518" name="Equation" r:id="rId6" imgW="1473120" imgH="431640" progId="Equation.DSMT4">
                   <p:embed/>
                 </p:oleObj>
               </mc:Choice>
               <mc:Fallback>
-                <p:oleObj name="Equation" r:id="rId8" imgW="1473120" imgH="431640" progId="Equation.DSMT4">
+                <p:oleObj name="Equation" r:id="rId6" imgW="1473120" imgH="431640" progId="Equation.DSMT4">
                   <p:embed/>
                   <p:pic>
                     <p:nvPicPr>
@@ -6373,7 +6244,7 @@
                       <p:nvPr/>
                     </p:nvPicPr>
                     <p:blipFill>
-                      <a:blip r:embed="rId9">
+                      <a:blip r:embed="rId7">
                         <a:extLst>
                           <a:ext uri="{28A0092B-C50C-407E-A947-70E740481C1C}">
                             <a14:useLocalDpi xmlns:a14="http://schemas.microsoft.com/office/drawing/2010/main" val="0"/>
@@ -6491,6 +6362,120 @@
               <a:ea typeface="+mj-ea"/>
               <a:cs typeface="Comic Sans MS"/>
             </a:endParaRPr>
+          </a:p>
+        </p:txBody>
+      </p:sp>
+      <p:graphicFrame>
+        <p:nvGraphicFramePr>
+          <p:cNvPr id="11" name="Object 10"/>
+          <p:cNvGraphicFramePr>
+            <a:graphicFrameLocks noChangeAspect="1"/>
+          </p:cNvGraphicFramePr>
+          <p:nvPr>
+            <p:extLst>
+              <p:ext uri="{D42A27DB-BD31-4B8C-83A1-F6EECF244321}">
+                <p14:modId xmlns:p14="http://schemas.microsoft.com/office/powerpoint/2010/main" val="3733722421"/>
+              </p:ext>
+            </p:extLst>
+          </p:nvPr>
+        </p:nvGraphicFramePr>
+        <p:xfrm>
+          <a:off x="1730375" y="4106863"/>
+          <a:ext cx="5692775" cy="1190625"/>
+        </p:xfrm>
+        <a:graphic>
+          <a:graphicData uri="http://schemas.openxmlformats.org/presentationml/2006/ole">
+            <mc:AlternateContent xmlns:mc="http://schemas.openxmlformats.org/markup-compatibility/2006">
+              <mc:Choice xmlns:v="urn:schemas-microsoft-com:vml" Requires="v">
+                <p:oleObj spid="_x0000_s187519" name="Equation" r:id="rId8" imgW="1397000" imgH="292100" progId="Equation.DSMT4">
+                  <p:embed/>
+                </p:oleObj>
+              </mc:Choice>
+              <mc:Fallback>
+                <p:oleObj name="Equation" r:id="rId8" imgW="1397000" imgH="292100" progId="Equation.DSMT4">
+                  <p:embed/>
+                  <p:pic>
+                    <p:nvPicPr>
+                      <p:cNvPr id="0" name=""/>
+                      <p:cNvPicPr>
+                        <a:picLocks noChangeAspect="1" noChangeArrowheads="1"/>
+                      </p:cNvPicPr>
+                      <p:nvPr/>
+                    </p:nvPicPr>
+                    <p:blipFill>
+                      <a:blip r:embed="rId9"/>
+                      <a:srcRect/>
+                      <a:stretch>
+                        <a:fillRect/>
+                      </a:stretch>
+                    </p:blipFill>
+                    <p:spPr bwMode="auto">
+                      <a:xfrm>
+                        <a:off x="1730375" y="4106863"/>
+                        <a:ext cx="5692775" cy="1190625"/>
+                      </a:xfrm>
+                      <a:prstGeom prst="rect">
+                        <a:avLst/>
+                      </a:prstGeom>
+                      <a:noFill/>
+                      <a:extLst>
+                        <a:ext uri="{909E8E84-426E-40dd-AFC4-6F175D3DCCD1}">
+                          <a14:hiddenFill xmlns:a14="http://schemas.microsoft.com/office/drawing/2010/main">
+                            <a:solidFill>
+                              <a:srgbClr val="FFFFFF"/>
+                            </a:solidFill>
+                          </a14:hiddenFill>
+                        </a:ext>
+                      </a:extLst>
+                    </p:spPr>
+                  </p:pic>
+                </p:oleObj>
+              </mc:Fallback>
+            </mc:AlternateContent>
+          </a:graphicData>
+        </a:graphic>
+      </p:graphicFrame>
+      <p:sp>
+        <p:nvSpPr>
+          <p:cNvPr id="13" name="Text Box 18"/>
+          <p:cNvSpPr txBox="1">
+            <a:spLocks noChangeArrowheads="1"/>
+          </p:cNvSpPr>
+          <p:nvPr/>
+        </p:nvSpPr>
+        <p:spPr bwMode="auto">
+          <a:xfrm>
+            <a:off x="7484031" y="4110531"/>
+            <a:ext cx="587020" cy="1015663"/>
+          </a:xfrm>
+          <a:prstGeom prst="rect">
+            <a:avLst/>
+          </a:prstGeom>
+          <a:noFill/>
+          <a:ln w="28575">
+            <a:noFill/>
+            <a:miter lim="800000"/>
+            <a:headEnd/>
+            <a:tailEnd/>
+          </a:ln>
+          <a:effectLst/>
+        </p:spPr>
+        <p:txBody>
+          <a:bodyPr wrap="none">
+            <a:spAutoFit/>
+          </a:bodyPr>
+          <a:lstStyle/>
+          <a:p>
+            <a:r>
+              <a:rPr lang="en-US" sz="6000" dirty="0">
+                <a:solidFill>
+                  <a:srgbClr val="CC0000"/>
+                </a:solidFill>
+                <a:latin typeface="Comic Sans MS"/>
+                <a:cs typeface="Comic Sans MS"/>
+              </a:rPr>
+              <a:t>?</a:t>
+            </a:r>
           </a:p>
         </p:txBody>
       </p:sp>
@@ -6630,7 +6615,7 @@
                             </p:stCondLst>
                             <p:childTnLst>
                               <p:par>
-                                <p:cTn id="14" presetID="22" presetClass="entr" presetSubtype="8" fill="hold" nodeType="clickEffect">
+                                <p:cTn id="14" presetID="1" presetClass="entr" presetSubtype="0" fill="hold" nodeType="clickEffect">
                                   <p:stCondLst>
                                     <p:cond delay="0"/>
                                   </p:stCondLst>
@@ -6638,59 +6623,6 @@
                                     <p:set>
                                       <p:cBhvr>
                                         <p:cTn id="15" dur="1" fill="hold">
-                                          <p:stCondLst>
-                                            <p:cond delay="0"/>
-                                          </p:stCondLst>
-                                        </p:cTn>
-                                        <p:tgtEl>
-                                          <p:spTgt spid="10"/>
-                                        </p:tgtEl>
-                                        <p:attrNameLst>
-                                          <p:attrName>style.visibility</p:attrName>
-                                        </p:attrNameLst>
-                                      </p:cBhvr>
-                                      <p:to>
-                                        <p:strVal val="visible"/>
-                                      </p:to>
-                                    </p:set>
-                                    <p:animEffect transition="in" filter="wipe(left)">
-                                      <p:cBhvr>
-                                        <p:cTn id="16" dur="500"/>
-                                        <p:tgtEl>
-                                          <p:spTgt spid="10"/>
-                                        </p:tgtEl>
-                                      </p:cBhvr>
-                                    </p:animEffect>
-                                  </p:childTnLst>
-                                </p:cTn>
-                              </p:par>
-                            </p:childTnLst>
-                          </p:cTn>
-                        </p:par>
-                      </p:childTnLst>
-                    </p:cTn>
-                  </p:par>
-                  <p:par>
-                    <p:cTn id="17" fill="hold">
-                      <p:stCondLst>
-                        <p:cond delay="indefinite"/>
-                      </p:stCondLst>
-                      <p:childTnLst>
-                        <p:par>
-                          <p:cTn id="18" fill="hold">
-                            <p:stCondLst>
-                              <p:cond delay="0"/>
-                            </p:stCondLst>
-                            <p:childTnLst>
-                              <p:par>
-                                <p:cTn id="19" presetID="1" presetClass="entr" presetSubtype="0" fill="hold" nodeType="clickEffect">
-                                  <p:stCondLst>
-                                    <p:cond delay="0"/>
-                                  </p:stCondLst>
-                                  <p:childTnLst>
-                                    <p:set>
-                                      <p:cBhvr>
-                                        <p:cTn id="20" dur="1" fill="hold">
                                           <p:stCondLst>
                                             <p:cond delay="0"/>
                                           </p:stCondLst>
@@ -6716,32 +6648,32 @@
                     </p:cTn>
                   </p:par>
                   <p:par>
-                    <p:cTn id="21" fill="hold">
+                    <p:cTn id="16" fill="hold">
                       <p:stCondLst>
                         <p:cond delay="indefinite"/>
                       </p:stCondLst>
                       <p:childTnLst>
                         <p:par>
-                          <p:cTn id="22" fill="hold">
+                          <p:cTn id="17" fill="hold">
                             <p:stCondLst>
                               <p:cond delay="0"/>
                             </p:stCondLst>
                             <p:childTnLst>
                               <p:par>
-                                <p:cTn id="23" presetID="1" presetClass="entr" presetSubtype="0" fill="hold" grpId="0" nodeType="clickEffect">
+                                <p:cTn id="18" presetID="22" presetClass="entr" presetSubtype="8" fill="hold" nodeType="clickEffect">
                                   <p:stCondLst>
                                     <p:cond delay="0"/>
                                   </p:stCondLst>
                                   <p:childTnLst>
                                     <p:set>
                                       <p:cBhvr>
-                                        <p:cTn id="24" dur="1" fill="hold">
+                                        <p:cTn id="19" dur="1" fill="hold">
                                           <p:stCondLst>
                                             <p:cond delay="0"/>
                                           </p:stCondLst>
                                         </p:cTn>
                                         <p:tgtEl>
-                                          <p:spTgt spid="81938"/>
+                                          <p:spTgt spid="11"/>
                                         </p:tgtEl>
                                         <p:attrNameLst>
                                           <p:attrName>style.visibility</p:attrName>
@@ -6751,6 +6683,58 @@
                                         <p:strVal val="visible"/>
                                       </p:to>
                                     </p:set>
+                                    <p:animEffect transition="in" filter="wipe(left)">
+                                      <p:cBhvr>
+                                        <p:cTn id="20" dur="1000"/>
+                                        <p:tgtEl>
+                                          <p:spTgt spid="11"/>
+                                        </p:tgtEl>
+                                      </p:cBhvr>
+                                    </p:animEffect>
+                                  </p:childTnLst>
+                                </p:cTn>
+                              </p:par>
+                            </p:childTnLst>
+                          </p:cTn>
+                        </p:par>
+                        <p:par>
+                          <p:cTn id="21" fill="hold">
+                            <p:stCondLst>
+                              <p:cond delay="1000"/>
+                            </p:stCondLst>
+                            <p:childTnLst>
+                              <p:par>
+                                <p:cTn id="22" presetID="9" presetClass="entr" presetSubtype="0" fill="hold" grpId="0" nodeType="afterEffect">
+                                  <p:stCondLst>
+                                    <p:cond delay="0"/>
+                                  </p:stCondLst>
+                                  <p:childTnLst>
+                                    <p:set>
+                                      <p:cBhvr>
+                                        <p:cTn id="23" dur="1" fill="hold">
+                                          <p:stCondLst>
+                                            <p:cond delay="0"/>
+                                          </p:stCondLst>
+                                        </p:cTn>
+                                        <p:tgtEl>
+                                          <p:spTgt spid="13"/>
+                                        </p:tgtEl>
+                                        <p:attrNameLst>
+                                          <p:attrName>style.visibility</p:attrName>
+                                        </p:attrNameLst>
+                                      </p:cBhvr>
+                                      <p:to>
+                                        <p:strVal val="visible"/>
+                                      </p:to>
+                                    </p:set>
+                                    <p:animEffect transition="in" filter="dissolve">
+                                      <p:cBhvr>
+                                        <p:cTn id="24" dur="500"/>
+                                        <p:tgtEl>
+                                          <p:spTgt spid="13"/>
+                                        </p:tgtEl>
+                                      </p:cBhvr>
+                                    </p:animEffect>
                                   </p:childTnLst>
                                 </p:cTn>
                               </p:par>
@@ -6783,7 +6767,7 @@
     </p:tnLst>
     <p:bldLst>
       <p:bldP spid="81928" grpId="0"/>
-      <p:bldP spid="81938" grpId="0"/>
+      <p:bldP spid="13" grpId="0"/>
     </p:bldLst>
   </p:timing>
 </p:sld>
@@ -7056,25 +7040,25 @@
           <p:nvPr>
             <p:extLst>
               <p:ext uri="{D42A27DB-BD31-4B8C-83A1-F6EECF244321}">
-                <p14:modId xmlns:p14="http://schemas.microsoft.com/office/powerpoint/2010/main" val="3970111803"/>
+                <p14:modId xmlns:p14="http://schemas.microsoft.com/office/powerpoint/2010/main" val="3245473772"/>
               </p:ext>
             </p:extLst>
           </p:nvPr>
         </p:nvGraphicFramePr>
         <p:xfrm>
-          <a:off x="479425" y="2149475"/>
-          <a:ext cx="8169275" cy="1890713"/>
+          <a:off x="374651" y="2279650"/>
+          <a:ext cx="8312150" cy="1675763"/>
         </p:xfrm>
         <a:graphic>
           <a:graphicData uri="http://schemas.openxmlformats.org/presentationml/2006/ole">
             <mc:AlternateContent xmlns:mc="http://schemas.openxmlformats.org/markup-compatibility/2006">
               <mc:Choice xmlns:v="urn:schemas-microsoft-com:vml" Requires="v">
-                <p:oleObj spid="_x0000_s169052" name="Equation" r:id="rId5" imgW="1536700" imgH="355600" progId="Equation.DSMT4">
+                <p:oleObj spid="_x0000_s169056" name="Equation" r:id="rId5" imgW="1638300" imgH="330200" progId="Equation.DSMT4">
                   <p:embed/>
                 </p:oleObj>
               </mc:Choice>
               <mc:Fallback>
-                <p:oleObj name="Equation" r:id="rId5" imgW="1536700" imgH="355600" progId="Equation.DSMT4">
+                <p:oleObj name="Equation" r:id="rId5" imgW="1638300" imgH="330200" progId="Equation.DSMT4">
                   <p:embed/>
                   <p:pic>
                     <p:nvPicPr>
@@ -7090,8 +7074,8 @@
                     </p:blipFill>
                     <p:spPr>
                       <a:xfrm>
-                        <a:off x="479425" y="2149475"/>
-                        <a:ext cx="8169275" cy="1890713"/>
+                        <a:off x="374651" y="2279650"/>
+                        <a:ext cx="8312150" cy="1675763"/>
                       </a:xfrm>
                       <a:prstGeom prst="rect">
                         <a:avLst/>
@@ -7835,65 +7819,6 @@
           </a:p>
         </p:txBody>
       </p:sp>
-      <p:graphicFrame>
-        <p:nvGraphicFramePr>
-          <p:cNvPr id="7" name="Object 6"/>
-          <p:cNvGraphicFramePr>
-            <a:graphicFrameLocks noChangeAspect="1"/>
-          </p:cNvGraphicFramePr>
-          <p:nvPr>
-            <p:extLst>
-              <p:ext uri="{D42A27DB-BD31-4B8C-83A1-F6EECF244321}">
-                <p14:modId xmlns:p14="http://schemas.microsoft.com/office/powerpoint/2010/main" val="465095754"/>
-              </p:ext>
-            </p:extLst>
-          </p:nvPr>
-        </p:nvGraphicFramePr>
-        <p:xfrm>
-          <a:off x="508000" y="2139950"/>
-          <a:ext cx="8235950" cy="1889125"/>
-        </p:xfrm>
-        <a:graphic>
-          <a:graphicData uri="http://schemas.openxmlformats.org/presentationml/2006/ole">
-            <mc:AlternateContent xmlns:mc="http://schemas.openxmlformats.org/markup-compatibility/2006">
-              <mc:Choice xmlns:v="urn:schemas-microsoft-com:vml" Requires="v">
-                <p:oleObj spid="_x0000_s185401" name="Equation" r:id="rId4" imgW="1549400" imgH="355600" progId="Equation.DSMT4">
-                  <p:embed/>
-                </p:oleObj>
-              </mc:Choice>
-              <mc:Fallback>
-                <p:oleObj name="Equation" r:id="rId4" imgW="1549400" imgH="355600" progId="Equation.DSMT4">
-                  <p:embed/>
-                  <p:pic>
-                    <p:nvPicPr>
-                      <p:cNvPr id="0" name=""/>
-                      <p:cNvPicPr/>
-                      <p:nvPr/>
-                    </p:nvPicPr>
-                    <p:blipFill>
-                      <a:blip r:embed="rId5">
-                        <a:alphaModFix/>
-                      </a:blip>
-                      <a:stretch>
-                        <a:fillRect/>
-                      </a:stretch>
-                    </p:blipFill>
-                    <p:spPr>
-                      <a:xfrm>
-                        <a:off x="508000" y="2139950"/>
-                        <a:ext cx="8235950" cy="1889125"/>
-                      </a:xfrm>
-                      <a:prstGeom prst="rect">
-                        <a:avLst/>
-                      </a:prstGeom>
-                    </p:spPr>
-                  </p:pic>
-                </p:oleObj>
-              </mc:Fallback>
-            </mc:AlternateContent>
-          </a:graphicData>
-        </a:graphic>
-      </p:graphicFrame>
       <p:sp>
         <p:nvSpPr>
           <p:cNvPr id="9" name="Text Box 9"/>
@@ -7937,6 +7862,63 @@
           </a:p>
         </p:txBody>
       </p:sp>
+      <p:graphicFrame>
+        <p:nvGraphicFramePr>
+          <p:cNvPr id="10" name="Object 9"/>
+          <p:cNvGraphicFramePr>
+            <a:graphicFrameLocks noChangeAspect="1"/>
+          </p:cNvGraphicFramePr>
+          <p:nvPr>
+            <p:extLst>
+              <p:ext uri="{D42A27DB-BD31-4B8C-83A1-F6EECF244321}">
+                <p14:modId xmlns:p14="http://schemas.microsoft.com/office/powerpoint/2010/main" val="326353858"/>
+              </p:ext>
+            </p:extLst>
+          </p:nvPr>
+        </p:nvGraphicFramePr>
+        <p:xfrm>
+          <a:off x="342900" y="2279650"/>
+          <a:ext cx="8375650" cy="1676400"/>
+        </p:xfrm>
+        <a:graphic>
+          <a:graphicData uri="http://schemas.openxmlformats.org/presentationml/2006/ole">
+            <mc:AlternateContent xmlns:mc="http://schemas.openxmlformats.org/markup-compatibility/2006">
+              <mc:Choice xmlns:v="urn:schemas-microsoft-com:vml" Requires="v">
+                <p:oleObj spid="_x0000_s185405" name="Equation" r:id="rId4" imgW="1651000" imgH="330200" progId="Equation.DSMT4">
+                  <p:embed/>
+                </p:oleObj>
+              </mc:Choice>
+              <mc:Fallback>
+                <p:oleObj name="Equation" r:id="rId4" imgW="1651000" imgH="330200" progId="Equation.DSMT4">
+                  <p:embed/>
+                  <p:pic>
+                    <p:nvPicPr>
+                      <p:cNvPr id="0" name=""/>
+                      <p:cNvPicPr/>
+                      <p:nvPr/>
+                    </p:nvPicPr>
+                    <p:blipFill>
+                      <a:blip r:embed="rId5"/>
+                      <a:stretch>
+                        <a:fillRect/>
+                      </a:stretch>
+                    </p:blipFill>
+                    <p:spPr>
+                      <a:xfrm>
+                        <a:off x="342900" y="2279650"/>
+                        <a:ext cx="8375650" cy="1676400"/>
+                      </a:xfrm>
+                      <a:prstGeom prst="rect">
+                        <a:avLst/>
+                      </a:prstGeom>
+                    </p:spPr>
+                  </p:pic>
+                </p:oleObj>
+              </mc:Fallback>
+            </mc:AlternateContent>
+          </a:graphicData>
+        </a:graphic>
+      </p:graphicFrame>
     </p:spTree>
   </p:cSld>
   <p:clrMapOvr>
@@ -8488,7 +8470,7 @@
           <a:graphicData uri="http://schemas.openxmlformats.org/presentationml/2006/ole">
             <mc:AlternateContent xmlns:mc="http://schemas.openxmlformats.org/markup-compatibility/2006">
               <mc:Choice xmlns:v="urn:schemas-microsoft-com:vml" Requires="v">
-                <p:oleObj spid="_x0000_s213081" name="Equation" r:id="rId4" imgW="1828800" imgH="469900" progId="Equation.DSMT4">
+                <p:oleObj spid="_x0000_s213088" name="Equation" r:id="rId4" imgW="1828800" imgH="469900" progId="Equation.DSMT4">
                   <p:embed/>
                 </p:oleObj>
               </mc:Choice>
@@ -8659,7 +8641,7 @@
           <p:nvPr>
             <p:extLst>
               <p:ext uri="{D42A27DB-BD31-4B8C-83A1-F6EECF244321}">
-                <p14:modId xmlns:p14="http://schemas.microsoft.com/office/powerpoint/2010/main" val="3233350297"/>
+                <p14:modId xmlns:p14="http://schemas.microsoft.com/office/powerpoint/2010/main" val="3271840649"/>
               </p:ext>
             </p:extLst>
           </p:nvPr>
@@ -8672,7 +8654,7 @@
           <a:graphicData uri="http://schemas.openxmlformats.org/presentationml/2006/ole">
             <mc:AlternateContent xmlns:mc="http://schemas.openxmlformats.org/markup-compatibility/2006">
               <mc:Choice xmlns:v="urn:schemas-microsoft-com:vml" Requires="v">
-                <p:oleObj spid="_x0000_s213082" name="Equation" r:id="rId7" imgW="901700" imgH="469900" progId="Equation.DSMT4">
+                <p:oleObj spid="_x0000_s213089" name="Equation" r:id="rId7" imgW="901700" imgH="469900" progId="Equation.DSMT4">
                   <p:embed/>
                 </p:oleObj>
               </mc:Choice>
@@ -8783,7 +8765,7 @@
                                     </p:set>
                                     <p:animEffect transition="in" filter="wipe(left)">
                                       <p:cBhvr>
-                                        <p:cTn id="7" dur="500"/>
+                                        <p:cTn id="7" dur="1000"/>
                                         <p:tgtEl>
                                           <p:spTgt spid="13"/>
                                         </p:tgtEl>
@@ -8836,7 +8818,7 @@
                                     </p:set>
                                     <p:animEffect transition="in" filter="wipe(left)">
                                       <p:cBhvr>
-                                        <p:cTn id="12" dur="500"/>
+                                        <p:cTn id="12" dur="1000"/>
                                         <p:tgtEl>
                                           <p:spTgt spid="213001"/>
                                         </p:tgtEl>
@@ -8909,7 +8891,7 @@
           <a:graphicData uri="http://schemas.openxmlformats.org/presentationml/2006/ole">
             <mc:AlternateContent xmlns:mc="http://schemas.openxmlformats.org/markup-compatibility/2006">
               <mc:Choice xmlns:v="urn:schemas-microsoft-com:vml" Requires="v">
-                <p:oleObj spid="_x0000_s319578" name="Equation" r:id="rId4" imgW="1828800" imgH="469900" progId="Equation.DSMT4">
+                <p:oleObj spid="_x0000_s319585" name="Equation" r:id="rId4" imgW="1828800" imgH="469900" progId="Equation.DSMT4">
                   <p:embed/>
                 </p:oleObj>
               </mc:Choice>
@@ -9127,7 +9109,7 @@
           <a:graphicData uri="http://schemas.openxmlformats.org/presentationml/2006/ole">
             <mc:AlternateContent xmlns:mc="http://schemas.openxmlformats.org/markup-compatibility/2006">
               <mc:Choice xmlns:v="urn:schemas-microsoft-com:vml" Requires="v">
-                <p:oleObj spid="_x0000_s319579" name="Equation" r:id="rId7" imgW="1638300" imgH="469900" progId="Equation.DSMT4">
+                <p:oleObj spid="_x0000_s319586" name="Equation" r:id="rId7" imgW="1638300" imgH="469900" progId="Equation.DSMT4">
                   <p:embed/>
                 </p:oleObj>
               </mc:Choice>
@@ -9203,9 +9185,6 @@
                     <p:cTn id="3" fill="hold">
                       <p:stCondLst>
                         <p:cond delay="indefinite"/>
-                        <p:cond evt="onBegin" delay="0">
-                          <p:tn val="2"/>
-                        </p:cond>
                       </p:stCondLst>
                       <p:childTnLst>
                         <p:par>
@@ -9215,7 +9194,7 @@
                             </p:stCondLst>
                             <p:childTnLst>
                               <p:par>
-                                <p:cTn id="5" presetID="10" presetClass="entr" presetSubtype="0" fill="hold" nodeType="withEffect">
+                                <p:cTn id="5" presetID="22" presetClass="entr" presetSubtype="8" fill="hold" nodeType="clickEffect">
                                   <p:stCondLst>
                                     <p:cond delay="0"/>
                                   </p:stCondLst>
@@ -9238,9 +9217,9 @@
                                         <p:strVal val="visible"/>
                                       </p:to>
                                     </p:set>
-                                    <p:animEffect transition="in" filter="fade">
+                                    <p:animEffect transition="in" filter="wipe(left)">
                                       <p:cBhvr>
-                                        <p:cTn id="7" dur="500"/>
+                                        <p:cTn id="7" dur="1000"/>
                                         <p:tgtEl>
                                           <p:spTgt spid="319498"/>
                                         </p:tgtEl>
@@ -9494,7 +9473,7 @@
           <a:graphicData uri="http://schemas.openxmlformats.org/presentationml/2006/ole">
             <mc:AlternateContent xmlns:mc="http://schemas.openxmlformats.org/markup-compatibility/2006">
               <mc:Choice xmlns:v="urn:schemas-microsoft-com:vml" Requires="v">
-                <p:oleObj spid="_x0000_s323637" name="Equation" r:id="rId5" imgW="1638300" imgH="469900" progId="Equation.DSMT4">
+                <p:oleObj spid="_x0000_s323640" name="Equation" r:id="rId5" imgW="1638300" imgH="469900" progId="Equation.DSMT4">
                   <p:embed/>
                 </p:oleObj>
               </mc:Choice>
@@ -9729,25 +9708,25 @@
           <p:nvPr>
             <p:extLst>
               <p:ext uri="{D42A27DB-BD31-4B8C-83A1-F6EECF244321}">
-                <p14:modId xmlns:p14="http://schemas.microsoft.com/office/powerpoint/2010/main" val="2307506794"/>
+                <p14:modId xmlns:p14="http://schemas.microsoft.com/office/powerpoint/2010/main" val="107141467"/>
               </p:ext>
             </p:extLst>
           </p:nvPr>
         </p:nvGraphicFramePr>
         <p:xfrm>
-          <a:off x="1797239" y="-233045"/>
-          <a:ext cx="7138153" cy="1873132"/>
+          <a:off x="1328738" y="182563"/>
+          <a:ext cx="7472362" cy="880452"/>
         </p:xfrm>
         <a:graphic>
           <a:graphicData uri="http://schemas.openxmlformats.org/presentationml/2006/ole">
             <mc:AlternateContent xmlns:mc="http://schemas.openxmlformats.org/markup-compatibility/2006">
               <mc:Choice xmlns:v="urn:schemas-microsoft-com:vml" Requires="v">
-                <p:oleObj spid="_x0000_s312371" name="Equation" r:id="rId3" imgW="1790700" imgH="469900" progId="Equation.DSMT4">
+                <p:oleObj spid="_x0000_s312375" name="Equation" r:id="rId3" imgW="1943100" imgH="228600" progId="Equation.DSMT4">
                   <p:embed/>
                 </p:oleObj>
               </mc:Choice>
               <mc:Fallback>
-                <p:oleObj name="Equation" r:id="rId3" imgW="1790700" imgH="469900" progId="Equation.DSMT4">
+                <p:oleObj name="Equation" r:id="rId3" imgW="1943100" imgH="228600" progId="Equation.DSMT4">
                   <p:embed/>
                   <p:pic>
                     <p:nvPicPr>
@@ -9758,13 +9737,7 @@
                       <p:nvPr/>
                     </p:nvPicPr>
                     <p:blipFill>
-                      <a:blip r:embed="rId4">
-                        <a:extLst>
-                          <a:ext uri="{28A0092B-C50C-407E-A947-70E740481C1C}">
-                            <a14:useLocalDpi xmlns:a14="http://schemas.microsoft.com/office/drawing/2010/main" val="0"/>
-                          </a:ext>
-                        </a:extLst>
-                      </a:blip>
+                      <a:blip r:embed="rId4"/>
                       <a:srcRect/>
                       <a:stretch>
                         <a:fillRect/>
@@ -9772,22 +9745,14 @@
                     </p:blipFill>
                     <p:spPr bwMode="auto">
                       <a:xfrm>
-                        <a:off x="1797239" y="-233045"/>
-                        <a:ext cx="7138153" cy="1873132"/>
+                        <a:off x="1328738" y="182563"/>
+                        <a:ext cx="7472362" cy="880452"/>
                       </a:xfrm>
                       <a:prstGeom prst="rect">
                         <a:avLst/>
                       </a:prstGeom>
                       <a:noFill/>
-                      <a:extLst>
-                        <a:ext uri="{909E8E84-426E-40dd-AFC4-6F175D3DCCD1}">
-                          <a14:hiddenFill xmlns:a14="http://schemas.microsoft.com/office/drawing/2010/main">
-                            <a:solidFill>
-                              <a:srgbClr val="FFFFFF"/>
-                            </a:solidFill>
-                          </a14:hiddenFill>
-                        </a:ext>
-                      </a:extLst>
+                      <a:extLst/>
                     </p:spPr>
                   </p:pic>
                 </p:oleObj>
@@ -10440,7 +10405,7 @@
           <a:graphicData uri="http://schemas.openxmlformats.org/presentationml/2006/ole">
             <mc:AlternateContent xmlns:mc="http://schemas.openxmlformats.org/markup-compatibility/2006">
               <mc:Choice xmlns:v="urn:schemas-microsoft-com:vml" Requires="v">
-                <p:oleObj spid="_x0000_s317523" name="Equation" r:id="rId4" imgW="1524000" imgH="469900" progId="Equation.DSMT4">
+                <p:oleObj spid="_x0000_s317528" name="Equation" r:id="rId4" imgW="1524000" imgH="469900" progId="Equation.DSMT4">
                   <p:embed/>
                 </p:oleObj>
               </mc:Choice>
@@ -10535,7 +10500,7 @@
           <p:nvPr>
             <p:extLst>
               <p:ext uri="{D42A27DB-BD31-4B8C-83A1-F6EECF244321}">
-                <p14:modId xmlns:p14="http://schemas.microsoft.com/office/powerpoint/2010/main" val="2559893897"/>
+                <p14:modId xmlns:p14="http://schemas.microsoft.com/office/powerpoint/2010/main" val="1278328661"/>
               </p:ext>
             </p:extLst>
           </p:nvPr>
@@ -10548,7 +10513,7 @@
           <a:graphicData uri="http://schemas.openxmlformats.org/presentationml/2006/ole">
             <mc:AlternateContent xmlns:mc="http://schemas.openxmlformats.org/markup-compatibility/2006">
               <mc:Choice xmlns:v="urn:schemas-microsoft-com:vml" Requires="v">
-                <p:oleObj spid="_x0000_s317524" name="Equation" r:id="rId6" imgW="1549400" imgH="228600" progId="Equation.DSMT4">
+                <p:oleObj spid="_x0000_s317529" name="Equation" r:id="rId6" imgW="1549400" imgH="228600" progId="Equation.DSMT4">
                   <p:embed/>
                 </p:oleObj>
               </mc:Choice>
@@ -10803,7 +10768,7 @@
           <p:nvPr>
             <p:extLst>
               <p:ext uri="{D42A27DB-BD31-4B8C-83A1-F6EECF244321}">
-                <p14:modId xmlns:p14="http://schemas.microsoft.com/office/powerpoint/2010/main" val="426747942"/>
+                <p14:modId xmlns:p14="http://schemas.microsoft.com/office/powerpoint/2010/main" val="2192533832"/>
               </p:ext>
             </p:extLst>
           </p:nvPr>
@@ -10816,7 +10781,7 @@
           <a:graphicData uri="http://schemas.openxmlformats.org/presentationml/2006/ole">
             <mc:AlternateContent xmlns:mc="http://schemas.openxmlformats.org/markup-compatibility/2006">
               <mc:Choice xmlns:v="urn:schemas-microsoft-com:vml" Requires="v">
-                <p:oleObj spid="_x0000_s313395" name="Equation" r:id="rId3" imgW="1981200" imgH="228600" progId="Equation.DSMT4">
+                <p:oleObj spid="_x0000_s313398" name="Equation" r:id="rId3" imgW="1981200" imgH="228600" progId="Equation.DSMT4">
                   <p:embed/>
                 </p:oleObj>
               </mc:Choice>
@@ -11438,7 +11403,7 @@
           <p:nvPr>
             <p:extLst>
               <p:ext uri="{D42A27DB-BD31-4B8C-83A1-F6EECF244321}">
-                <p14:modId xmlns:p14="http://schemas.microsoft.com/office/powerpoint/2010/main" val="1958593195"/>
+                <p14:modId xmlns:p14="http://schemas.microsoft.com/office/powerpoint/2010/main" val="2293904894"/>
               </p:ext>
             </p:extLst>
           </p:nvPr>
@@ -11451,7 +11416,7 @@
           <a:graphicData uri="http://schemas.openxmlformats.org/presentationml/2006/ole">
             <mc:AlternateContent xmlns:mc="http://schemas.openxmlformats.org/markup-compatibility/2006">
               <mc:Choice xmlns:v="urn:schemas-microsoft-com:vml" Requires="v">
-                <p:oleObj spid="_x0000_s314419" name="Equation" r:id="rId3" imgW="1955800" imgH="228600" progId="Equation.DSMT4">
+                <p:oleObj spid="_x0000_s314422" name="Equation" r:id="rId3" imgW="1955800" imgH="228600" progId="Equation.DSMT4">
                   <p:embed/>
                 </p:oleObj>
               </mc:Choice>

--- a/spring13/slides13/law-of-large-numbers.pptx
+++ b/spring13/slides13/law-of-large-numbers.pptx
@@ -5308,7 +5308,7 @@
           <a:graphicData uri="http://schemas.openxmlformats.org/presentationml/2006/ole">
             <mc:AlternateContent xmlns:mc="http://schemas.openxmlformats.org/markup-compatibility/2006">
               <mc:Choice xmlns:v="urn:schemas-microsoft-com:vml" Requires="v">
-                <p:oleObj spid="_x0000_s144473" name="Equation" r:id="rId5" imgW="1397000" imgH="292100" progId="Equation.DSMT4">
+                <p:oleObj spid="_x0000_s144480" name="Equation" r:id="rId5" imgW="1397000" imgH="292100" progId="Equation.DSMT4">
                   <p:embed/>
                 </p:oleObj>
               </mc:Choice>
@@ -5604,7 +5604,7 @@
           <a:graphicData uri="http://schemas.openxmlformats.org/presentationml/2006/ole">
             <mc:AlternateContent xmlns:mc="http://schemas.openxmlformats.org/markup-compatibility/2006">
               <mc:Choice xmlns:v="urn:schemas-microsoft-com:vml" Requires="v">
-                <p:oleObj spid="_x0000_s144474" name="Equation" r:id="rId7" imgW="1524000" imgH="495300" progId="Equation.DSMT4">
+                <p:oleObj spid="_x0000_s144481" name="Equation" r:id="rId7" imgW="1524000" imgH="495300" progId="Equation.DSMT4">
                   <p:embed/>
                 </p:oleObj>
               </mc:Choice>
@@ -6034,7 +6034,7 @@
           <a:graphicData uri="http://schemas.openxmlformats.org/presentationml/2006/ole">
             <mc:AlternateContent xmlns:mc="http://schemas.openxmlformats.org/markup-compatibility/2006">
               <mc:Choice xmlns:v="urn:schemas-microsoft-com:vml" Requires="v">
-                <p:oleObj spid="_x0000_s187517" name="Equation" r:id="rId4" imgW="1117600" imgH="444500" progId="Equation.DSMT4">
+                <p:oleObj spid="_x0000_s187527" name="Equation" r:id="rId4" imgW="1117600" imgH="444500" progId="Equation.DSMT4">
                   <p:embed/>
                 </p:oleObj>
               </mc:Choice>
@@ -6218,22 +6218,28 @@
           <p:cNvGraphicFramePr>
             <a:graphicFrameLocks noChangeAspect="1"/>
           </p:cNvGraphicFramePr>
-          <p:nvPr/>
+          <p:nvPr>
+            <p:extLst>
+              <p:ext uri="{D42A27DB-BD31-4B8C-83A1-F6EECF244321}">
+                <p14:modId xmlns:p14="http://schemas.microsoft.com/office/powerpoint/2010/main" val="2083627460"/>
+              </p:ext>
+            </p:extLst>
+          </p:nvPr>
         </p:nvGraphicFramePr>
         <p:xfrm>
-          <a:off x="1435356" y="1631857"/>
-          <a:ext cx="6273288" cy="1837657"/>
+          <a:off x="1327150" y="1497013"/>
+          <a:ext cx="6489700" cy="2108200"/>
         </p:xfrm>
         <a:graphic>
           <a:graphicData uri="http://schemas.openxmlformats.org/presentationml/2006/ole">
             <mc:AlternateContent xmlns:mc="http://schemas.openxmlformats.org/markup-compatibility/2006">
               <mc:Choice xmlns:v="urn:schemas-microsoft-com:vml" Requires="v">
-                <p:oleObj spid="_x0000_s187518" name="Equation" r:id="rId6" imgW="1473120" imgH="431640" progId="Equation.DSMT4">
+                <p:oleObj spid="_x0000_s187528" name="Equation" r:id="rId6" imgW="1524000" imgH="495300" progId="Equation.DSMT4">
                   <p:embed/>
                 </p:oleObj>
               </mc:Choice>
               <mc:Fallback>
-                <p:oleObj name="Equation" r:id="rId6" imgW="1473120" imgH="431640" progId="Equation.DSMT4">
+                <p:oleObj name="Equation" r:id="rId6" imgW="1524000" imgH="495300" progId="Equation.DSMT4">
                   <p:embed/>
                   <p:pic>
                     <p:nvPicPr>
@@ -6244,13 +6250,7 @@
                       <p:nvPr/>
                     </p:nvPicPr>
                     <p:blipFill>
-                      <a:blip r:embed="rId7">
-                        <a:extLst>
-                          <a:ext uri="{28A0092B-C50C-407E-A947-70E740481C1C}">
-                            <a14:useLocalDpi xmlns:a14="http://schemas.microsoft.com/office/drawing/2010/main" val="0"/>
-                          </a:ext>
-                        </a:extLst>
-                      </a:blip>
+                      <a:blip r:embed="rId7"/>
                       <a:srcRect/>
                       <a:stretch>
                         <a:fillRect/>
@@ -6258,8 +6258,8 @@
                     </p:blipFill>
                     <p:spPr bwMode="auto">
                       <a:xfrm>
-                        <a:off x="1435356" y="1631857"/>
-                        <a:ext cx="6273288" cy="1837657"/>
+                        <a:off x="1327150" y="1497013"/>
+                        <a:ext cx="6489700" cy="2108200"/>
                       </a:xfrm>
                       <a:prstGeom prst="rect">
                         <a:avLst/>
@@ -6387,7 +6387,7 @@
           <a:graphicData uri="http://schemas.openxmlformats.org/presentationml/2006/ole">
             <mc:AlternateContent xmlns:mc="http://schemas.openxmlformats.org/markup-compatibility/2006">
               <mc:Choice xmlns:v="urn:schemas-microsoft-com:vml" Requires="v">
-                <p:oleObj spid="_x0000_s187519" name="Equation" r:id="rId8" imgW="1397000" imgH="292100" progId="Equation.DSMT4">
+                <p:oleObj spid="_x0000_s187529" name="Equation" r:id="rId8" imgW="1397000" imgH="292100" progId="Equation.DSMT4">
                   <p:embed/>
                 </p:oleObj>
               </mc:Choice>
@@ -7053,7 +7053,7 @@
           <a:graphicData uri="http://schemas.openxmlformats.org/presentationml/2006/ole">
             <mc:AlternateContent xmlns:mc="http://schemas.openxmlformats.org/markup-compatibility/2006">
               <mc:Choice xmlns:v="urn:schemas-microsoft-com:vml" Requires="v">
-                <p:oleObj spid="_x0000_s169056" name="Equation" r:id="rId5" imgW="1638300" imgH="330200" progId="Equation.DSMT4">
+                <p:oleObj spid="_x0000_s169060" name="Equation" r:id="rId5" imgW="1638300" imgH="330200" progId="Equation.DSMT4">
                   <p:embed/>
                 </p:oleObj>
               </mc:Choice>
@@ -7884,7 +7884,7 @@
           <a:graphicData uri="http://schemas.openxmlformats.org/presentationml/2006/ole">
             <mc:AlternateContent xmlns:mc="http://schemas.openxmlformats.org/markup-compatibility/2006">
               <mc:Choice xmlns:v="urn:schemas-microsoft-com:vml" Requires="v">
-                <p:oleObj spid="_x0000_s185405" name="Equation" r:id="rId4" imgW="1651000" imgH="330200" progId="Equation.DSMT4">
+                <p:oleObj spid="_x0000_s185409" name="Equation" r:id="rId4" imgW="1651000" imgH="330200" progId="Equation.DSMT4">
                   <p:embed/>
                 </p:oleObj>
               </mc:Choice>
@@ -8470,7 +8470,7 @@
           <a:graphicData uri="http://schemas.openxmlformats.org/presentationml/2006/ole">
             <mc:AlternateContent xmlns:mc="http://schemas.openxmlformats.org/markup-compatibility/2006">
               <mc:Choice xmlns:v="urn:schemas-microsoft-com:vml" Requires="v">
-                <p:oleObj spid="_x0000_s213088" name="Equation" r:id="rId4" imgW="1828800" imgH="469900" progId="Equation.DSMT4">
+                <p:oleObj spid="_x0000_s213095" name="Equation" r:id="rId4" imgW="1828800" imgH="469900" progId="Equation.DSMT4">
                   <p:embed/>
                 </p:oleObj>
               </mc:Choice>
@@ -8654,7 +8654,7 @@
           <a:graphicData uri="http://schemas.openxmlformats.org/presentationml/2006/ole">
             <mc:AlternateContent xmlns:mc="http://schemas.openxmlformats.org/markup-compatibility/2006">
               <mc:Choice xmlns:v="urn:schemas-microsoft-com:vml" Requires="v">
-                <p:oleObj spid="_x0000_s213089" name="Equation" r:id="rId7" imgW="901700" imgH="469900" progId="Equation.DSMT4">
+                <p:oleObj spid="_x0000_s213096" name="Equation" r:id="rId7" imgW="901700" imgH="469900" progId="Equation.DSMT4">
                   <p:embed/>
                 </p:oleObj>
               </mc:Choice>
@@ -8891,7 +8891,7 @@
           <a:graphicData uri="http://schemas.openxmlformats.org/presentationml/2006/ole">
             <mc:AlternateContent xmlns:mc="http://schemas.openxmlformats.org/markup-compatibility/2006">
               <mc:Choice xmlns:v="urn:schemas-microsoft-com:vml" Requires="v">
-                <p:oleObj spid="_x0000_s319585" name="Equation" r:id="rId4" imgW="1828800" imgH="469900" progId="Equation.DSMT4">
+                <p:oleObj spid="_x0000_s319592" name="Equation" r:id="rId4" imgW="1828800" imgH="469900" progId="Equation.DSMT4">
                   <p:embed/>
                 </p:oleObj>
               </mc:Choice>
@@ -9109,7 +9109,7 @@
           <a:graphicData uri="http://schemas.openxmlformats.org/presentationml/2006/ole">
             <mc:AlternateContent xmlns:mc="http://schemas.openxmlformats.org/markup-compatibility/2006">
               <mc:Choice xmlns:v="urn:schemas-microsoft-com:vml" Requires="v">
-                <p:oleObj spid="_x0000_s319586" name="Equation" r:id="rId7" imgW="1638300" imgH="469900" progId="Equation.DSMT4">
+                <p:oleObj spid="_x0000_s319593" name="Equation" r:id="rId7" imgW="1638300" imgH="469900" progId="Equation.DSMT4">
                   <p:embed/>
                 </p:oleObj>
               </mc:Choice>
@@ -9473,7 +9473,7 @@
           <a:graphicData uri="http://schemas.openxmlformats.org/presentationml/2006/ole">
             <mc:AlternateContent xmlns:mc="http://schemas.openxmlformats.org/markup-compatibility/2006">
               <mc:Choice xmlns:v="urn:schemas-microsoft-com:vml" Requires="v">
-                <p:oleObj spid="_x0000_s323640" name="Equation" r:id="rId5" imgW="1638300" imgH="469900" progId="Equation.DSMT4">
+                <p:oleObj spid="_x0000_s323644" name="Equation" r:id="rId5" imgW="1638300" imgH="469900" progId="Equation.DSMT4">
                   <p:embed/>
                 </p:oleObj>
               </mc:Choice>
@@ -9535,7 +9535,7 @@
         </p:nvSpPr>
         <p:spPr>
           <a:xfrm>
-            <a:off x="3026840" y="3587749"/>
+            <a:off x="3026840" y="3511549"/>
             <a:ext cx="3933589" cy="830997"/>
           </a:xfrm>
           <a:prstGeom prst="rect">
@@ -9721,7 +9721,7 @@
           <a:graphicData uri="http://schemas.openxmlformats.org/presentationml/2006/ole">
             <mc:AlternateContent xmlns:mc="http://schemas.openxmlformats.org/markup-compatibility/2006">
               <mc:Choice xmlns:v="urn:schemas-microsoft-com:vml" Requires="v">
-                <p:oleObj spid="_x0000_s312375" name="Equation" r:id="rId3" imgW="1943100" imgH="228600" progId="Equation.DSMT4">
+                <p:oleObj spid="_x0000_s312381" name="Equation" r:id="rId3" imgW="1943100" imgH="228600" progId="Equation.DSMT4">
                   <p:embed/>
                 </p:oleObj>
               </mc:Choice>
@@ -9770,13 +9770,13 @@
           <p:nvPr>
             <p:extLst>
               <p:ext uri="{D42A27DB-BD31-4B8C-83A1-F6EECF244321}">
-                <p14:modId xmlns:p14="http://schemas.microsoft.com/office/powerpoint/2010/main" val="2555964286"/>
+                <p14:modId xmlns:p14="http://schemas.microsoft.com/office/powerpoint/2010/main" val="151604194"/>
               </p:ext>
             </p:extLst>
           </p:nvPr>
         </p:nvGraphicFramePr>
         <p:xfrm>
-          <a:off x="3142724" y="1183902"/>
+          <a:off x="1021824" y="1044202"/>
           <a:ext cx="2986029" cy="5120640"/>
         </p:xfrm>
         <a:graphic>
@@ -10209,6 +10209,111 @@
           </a:graphicData>
         </a:graphic>
       </p:graphicFrame>
+      <p:grpSp>
+        <p:nvGrpSpPr>
+          <p:cNvPr id="7" name="Group 6"/>
+          <p:cNvGrpSpPr/>
+          <p:nvPr/>
+        </p:nvGrpSpPr>
+        <p:grpSpPr>
+          <a:xfrm>
+            <a:off x="4381500" y="1625600"/>
+            <a:ext cx="2101387" cy="3949700"/>
+            <a:chOff x="4381500" y="1625600"/>
+            <a:chExt cx="2101387" cy="3949700"/>
+          </a:xfrm>
+        </p:grpSpPr>
+        <p:sp>
+          <p:nvSpPr>
+            <p:cNvPr id="2" name="TextBox 1"/>
+            <p:cNvSpPr txBox="1"/>
+            <p:nvPr/>
+          </p:nvSpPr>
+          <p:spPr>
+            <a:xfrm>
+              <a:off x="4665663" y="2197963"/>
+              <a:ext cx="1817224" cy="2554545"/>
+            </a:xfrm>
+            <a:prstGeom prst="rect">
+              <a:avLst/>
+            </a:prstGeom>
+            <a:noFill/>
+          </p:spPr>
+          <p:txBody>
+            <a:bodyPr wrap="none" rtlCol="0">
+              <a:spAutoFit/>
+            </a:bodyPr>
+            <a:lstStyle/>
+            <a:p>
+              <a:r>
+                <a:rPr lang="en-US" dirty="0" err="1" smtClean="0">
+                  <a:latin typeface="Comic Sans MS"/>
+                  <a:cs typeface="Comic Sans MS"/>
+                </a:rPr>
+                <a:t>Pr</a:t>
+              </a:r>
+              <a:endParaRPr lang="en-US" dirty="0" smtClean="0">
+                <a:latin typeface="Comic Sans MS"/>
+                <a:cs typeface="Comic Sans MS"/>
+              </a:endParaRPr>
+            </a:p>
+            <a:p>
+              <a:r>
+                <a:rPr lang="en-US" dirty="0" smtClean="0">
+                  <a:latin typeface="Comic Sans MS"/>
+                  <a:cs typeface="Comic Sans MS"/>
+                </a:rPr>
+                <a:t>bigger</a:t>
+              </a:r>
+            </a:p>
+            <a:p>
+              <a:r>
+                <a:rPr lang="en-US" dirty="0" smtClean="0">
+                  <a:latin typeface="Comic Sans MS"/>
+                  <a:cs typeface="Comic Sans MS"/>
+                </a:rPr>
+                <a:t>with</a:t>
+              </a:r>
+            </a:p>
+            <a:p>
+              <a:r>
+                <a:rPr lang="en-US" dirty="0" smtClean="0">
+                  <a:latin typeface="Comic Sans MS"/>
+                  <a:cs typeface="Comic Sans MS"/>
+                </a:rPr>
+                <a:t># rolls</a:t>
+              </a:r>
+            </a:p>
+          </p:txBody>
+        </p:sp>
+        <p:cxnSp>
+          <p:nvCxnSpPr>
+            <p:cNvPr id="5" name="Straight Arrow Connector 4"/>
+            <p:cNvCxnSpPr/>
+            <p:nvPr/>
+          </p:nvCxnSpPr>
+          <p:spPr bwMode="auto">
+            <a:xfrm>
+              <a:off x="4381500" y="1625600"/>
+              <a:ext cx="0" cy="3949700"/>
+            </a:xfrm>
+            <a:prstGeom prst="straightConnector1">
+              <a:avLst/>
+            </a:prstGeom>
+            <a:noFill/>
+            <a:ln w="44450" cap="flat" cmpd="sng" algn="ctr">
+              <a:solidFill>
+                <a:schemeClr val="tx1"/>
+              </a:solidFill>
+              <a:prstDash val="sysDash"/>
+              <a:round/>
+              <a:headEnd type="none" w="med" len="med"/>
+              <a:tailEnd type="arrow"/>
+            </a:ln>
+            <a:effectLst/>
+          </p:spPr>
+        </p:cxnSp>
+      </p:grpSp>
     </p:spTree>
   </p:cSld>
   <p:clrMapOvr>
@@ -10272,9 +10377,53 @@
                                     </p:set>
                                     <p:animEffect transition="in" filter="wipe(up)">
                                       <p:cBhvr>
-                                        <p:cTn id="7" dur="5000"/>
+                                        <p:cTn id="7" dur="2000"/>
                                         <p:tgtEl>
                                           <p:spTgt spid="8"/>
+                                        </p:tgtEl>
+                                      </p:cBhvr>
+                                    </p:animEffect>
+                                  </p:childTnLst>
+                                </p:cTn>
+                              </p:par>
+                            </p:childTnLst>
+                          </p:cTn>
+                        </p:par>
+                        <p:par>
+                          <p:cTn id="8" fill="hold">
+                            <p:stCondLst>
+                              <p:cond delay="2000"/>
+                            </p:stCondLst>
+                            <p:childTnLst>
+                              <p:par>
+                                <p:cTn id="9" presetID="22" presetClass="entr" presetSubtype="1" fill="hold" nodeType="afterEffect">
+                                  <p:stCondLst>
+                                    <p:cond delay="0"/>
+                                  </p:stCondLst>
+                                  <p:childTnLst>
+                                    <p:set>
+                                      <p:cBhvr>
+                                        <p:cTn id="10" dur="1" fill="hold">
+                                          <p:stCondLst>
+                                            <p:cond delay="0"/>
+                                          </p:stCondLst>
+                                        </p:cTn>
+                                        <p:tgtEl>
+                                          <p:spTgt spid="7"/>
+                                        </p:tgtEl>
+                                        <p:attrNameLst>
+                                          <p:attrName>style.visibility</p:attrName>
+                                        </p:attrNameLst>
+                                      </p:cBhvr>
+                                      <p:to>
+                                        <p:strVal val="visible"/>
+                                      </p:to>
+                                    </p:set>
+                                    <p:animEffect transition="in" filter="wipe(up)">
+                                      <p:cBhvr>
+                                        <p:cTn id="11" dur="1000"/>
+                                        <p:tgtEl>
+                                          <p:spTgt spid="7"/>
                                         </p:tgtEl>
                                       </p:cBhvr>
                                     </p:animEffect>
@@ -10405,7 +10554,7 @@
           <a:graphicData uri="http://schemas.openxmlformats.org/presentationml/2006/ole">
             <mc:AlternateContent xmlns:mc="http://schemas.openxmlformats.org/markup-compatibility/2006">
               <mc:Choice xmlns:v="urn:schemas-microsoft-com:vml" Requires="v">
-                <p:oleObj spid="_x0000_s317528" name="Equation" r:id="rId4" imgW="1524000" imgH="469900" progId="Equation.DSMT4">
+                <p:oleObj spid="_x0000_s317537" name="Equation" r:id="rId4" imgW="1524000" imgH="469900" progId="Equation.DSMT4">
                   <p:embed/>
                 </p:oleObj>
               </mc:Choice>
@@ -10513,7 +10662,7 @@
           <a:graphicData uri="http://schemas.openxmlformats.org/presentationml/2006/ole">
             <mc:AlternateContent xmlns:mc="http://schemas.openxmlformats.org/markup-compatibility/2006">
               <mc:Choice xmlns:v="urn:schemas-microsoft-com:vml" Requires="v">
-                <p:oleObj spid="_x0000_s317529" name="Equation" r:id="rId6" imgW="1549400" imgH="228600" progId="Equation.DSMT4">
+                <p:oleObj spid="_x0000_s317538" name="Equation" r:id="rId6" imgW="1549400" imgH="228600" progId="Equation.DSMT4">
                   <p:embed/>
                 </p:oleObj>
               </mc:Choice>
@@ -10591,18 +10740,9 @@
   <p:clrMapOvr>
     <a:masterClrMapping/>
   </p:clrMapOvr>
-  <mc:AlternateContent xmlns:mc="http://schemas.openxmlformats.org/markup-compatibility/2006" xmlns:p14="http://schemas.microsoft.com/office/powerpoint/2010/main">
-    <mc:Choice Requires="p14">
-      <p:transition spd="slow" p14:dur="900" advClick="0">
-        <p:fade/>
-      </p:transition>
-    </mc:Choice>
-    <mc:Fallback xmlns="">
-      <p:transition xmlns:p14="http://schemas.microsoft.com/office/powerpoint/2010/main" spd="slow" advClick="0">
-        <p:fade/>
-      </p:transition>
-    </mc:Fallback>
-  </mc:AlternateContent>
+  <p:transition xmlns:p14="http://schemas.microsoft.com/office/powerpoint/2010/main" spd="slow" advClick="0">
+    <p:fade thruBlk="1"/>
+  </p:transition>
   <p:timing>
     <p:tnLst>
       <p:par>
@@ -10649,7 +10789,7 @@
                                     </p:set>
                                     <p:animEffect transition="in" filter="wipe(left)">
                                       <p:cBhvr>
-                                        <p:cTn id="7" dur="500"/>
+                                        <p:cTn id="7" dur="1000"/>
                                         <p:tgtEl>
                                           <p:spTgt spid="13"/>
                                         </p:tgtEl>
@@ -10677,7 +10817,7 @@
                             </p:stCondLst>
                             <p:childTnLst>
                               <p:par>
-                                <p:cTn id="10" presetID="10" presetClass="entr" presetSubtype="0" fill="hold" nodeType="clickEffect">
+                                <p:cTn id="10" presetID="22" presetClass="entr" presetSubtype="8" fill="hold" nodeType="clickEffect">
                                   <p:stCondLst>
                                     <p:cond delay="0"/>
                                   </p:stCondLst>
@@ -10700,9 +10840,9 @@
                                         <p:strVal val="visible"/>
                                       </p:to>
                                     </p:set>
-                                    <p:animEffect transition="in" filter="fade">
+                                    <p:animEffect transition="in" filter="wipe(left)">
                                       <p:cBhvr>
-                                        <p:cTn id="12" dur="2000"/>
+                                        <p:cTn id="12" dur="1000"/>
                                         <p:tgtEl>
                                           <p:spTgt spid="5"/>
                                         </p:tgtEl>
@@ -10768,20 +10908,20 @@
           <p:nvPr>
             <p:extLst>
               <p:ext uri="{D42A27DB-BD31-4B8C-83A1-F6EECF244321}">
-                <p14:modId xmlns:p14="http://schemas.microsoft.com/office/powerpoint/2010/main" val="2192533832"/>
+                <p14:modId xmlns:p14="http://schemas.microsoft.com/office/powerpoint/2010/main" val="3282097683"/>
               </p:ext>
             </p:extLst>
           </p:nvPr>
         </p:nvGraphicFramePr>
         <p:xfrm>
-          <a:off x="1176338" y="323850"/>
+          <a:off x="1214438" y="323850"/>
           <a:ext cx="7899400" cy="911225"/>
         </p:xfrm>
         <a:graphic>
           <a:graphicData uri="http://schemas.openxmlformats.org/presentationml/2006/ole">
             <mc:AlternateContent xmlns:mc="http://schemas.openxmlformats.org/markup-compatibility/2006">
               <mc:Choice xmlns:v="urn:schemas-microsoft-com:vml" Requires="v">
-                <p:oleObj spid="_x0000_s313398" name="Equation" r:id="rId3" imgW="1981200" imgH="228600" progId="Equation.DSMT4">
+                <p:oleObj spid="_x0000_s313403" name="Equation" r:id="rId3" imgW="1981200" imgH="228600" progId="Equation.DSMT4">
                   <p:embed/>
                 </p:oleObj>
               </mc:Choice>
@@ -10805,7 +10945,7 @@
                     </p:blipFill>
                     <p:spPr bwMode="auto">
                       <a:xfrm>
-                        <a:off x="1176338" y="323850"/>
+                        <a:off x="1214438" y="323850"/>
                         <a:ext cx="7899400" cy="911225"/>
                       </a:xfrm>
                       <a:prstGeom prst="rect">
@@ -10835,11 +10975,17 @@
           <p:cNvGraphicFramePr>
             <a:graphicFrameLocks noGrp="1"/>
           </p:cNvGraphicFramePr>
-          <p:nvPr/>
+          <p:nvPr>
+            <p:extLst>
+              <p:ext uri="{D42A27DB-BD31-4B8C-83A1-F6EECF244321}">
+                <p14:modId xmlns:p14="http://schemas.microsoft.com/office/powerpoint/2010/main" val="4254357769"/>
+              </p:ext>
+            </p:extLst>
+          </p:nvPr>
         </p:nvGraphicFramePr>
         <p:xfrm>
-          <a:off x="3082754" y="1261122"/>
-          <a:ext cx="2986029" cy="4632960"/>
+          <a:off x="1012654" y="1092200"/>
+          <a:ext cx="2986029" cy="4649482"/>
         </p:xfrm>
         <a:graphic>
           <a:graphicData uri="http://schemas.openxmlformats.org/drawingml/2006/table">
@@ -10851,7 +10997,7 @@
                 <a:gridCol w="1424883"/>
                 <a:gridCol w="1561146"/>
               </a:tblGrid>
-              <a:tr h="478995">
+              <a:tr h="595642">
                 <a:tc>
                   <a:txBody>
                     <a:bodyPr/>
@@ -11271,6 +11417,111 @@
           </a:graphicData>
         </a:graphic>
       </p:graphicFrame>
+      <p:grpSp>
+        <p:nvGrpSpPr>
+          <p:cNvPr id="5" name="Group 4"/>
+          <p:cNvGrpSpPr/>
+          <p:nvPr/>
+        </p:nvGrpSpPr>
+        <p:grpSpPr>
+          <a:xfrm>
+            <a:off x="4495800" y="1625600"/>
+            <a:ext cx="2101387" cy="3949700"/>
+            <a:chOff x="4381500" y="1625600"/>
+            <a:chExt cx="2101387" cy="3949700"/>
+          </a:xfrm>
+        </p:grpSpPr>
+        <p:sp>
+          <p:nvSpPr>
+            <p:cNvPr id="6" name="TextBox 5"/>
+            <p:cNvSpPr txBox="1"/>
+            <p:nvPr/>
+          </p:nvSpPr>
+          <p:spPr>
+            <a:xfrm>
+              <a:off x="4665663" y="2197963"/>
+              <a:ext cx="1817224" cy="2554545"/>
+            </a:xfrm>
+            <a:prstGeom prst="rect">
+              <a:avLst/>
+            </a:prstGeom>
+            <a:noFill/>
+          </p:spPr>
+          <p:txBody>
+            <a:bodyPr wrap="none" rtlCol="0">
+              <a:spAutoFit/>
+            </a:bodyPr>
+            <a:lstStyle/>
+            <a:p>
+              <a:r>
+                <a:rPr lang="en-US" dirty="0" err="1" smtClean="0">
+                  <a:latin typeface="Comic Sans MS"/>
+                  <a:cs typeface="Comic Sans MS"/>
+                </a:rPr>
+                <a:t>Pr</a:t>
+              </a:r>
+              <a:endParaRPr lang="en-US" dirty="0" smtClean="0">
+                <a:latin typeface="Comic Sans MS"/>
+                <a:cs typeface="Comic Sans MS"/>
+              </a:endParaRPr>
+            </a:p>
+            <a:p>
+              <a:r>
+                <a:rPr lang="en-US" dirty="0" smtClean="0">
+                  <a:latin typeface="Comic Sans MS"/>
+                  <a:cs typeface="Comic Sans MS"/>
+                </a:rPr>
+                <a:t>bigger</a:t>
+              </a:r>
+            </a:p>
+            <a:p>
+              <a:r>
+                <a:rPr lang="en-US" dirty="0" smtClean="0">
+                  <a:latin typeface="Comic Sans MS"/>
+                  <a:cs typeface="Comic Sans MS"/>
+                </a:rPr>
+                <a:t>with</a:t>
+              </a:r>
+            </a:p>
+            <a:p>
+              <a:r>
+                <a:rPr lang="en-US" dirty="0" smtClean="0">
+                  <a:latin typeface="Comic Sans MS"/>
+                  <a:cs typeface="Comic Sans MS"/>
+                </a:rPr>
+                <a:t># rolls</a:t>
+              </a:r>
+            </a:p>
+          </p:txBody>
+        </p:sp>
+        <p:cxnSp>
+          <p:nvCxnSpPr>
+            <p:cNvPr id="7" name="Straight Arrow Connector 6"/>
+            <p:cNvCxnSpPr/>
+            <p:nvPr/>
+          </p:nvCxnSpPr>
+          <p:spPr bwMode="auto">
+            <a:xfrm>
+              <a:off x="4381500" y="1625600"/>
+              <a:ext cx="0" cy="3949700"/>
+            </a:xfrm>
+            <a:prstGeom prst="straightConnector1">
+              <a:avLst/>
+            </a:prstGeom>
+            <a:noFill/>
+            <a:ln w="44450" cap="flat" cmpd="sng" algn="ctr">
+              <a:solidFill>
+                <a:schemeClr val="tx1"/>
+              </a:solidFill>
+              <a:prstDash val="sysDash"/>
+              <a:round/>
+              <a:headEnd type="none" w="med" len="med"/>
+              <a:tailEnd type="arrow"/>
+            </a:ln>
+            <a:effectLst/>
+          </p:spPr>
+        </p:cxnSp>
+      </p:grpSp>
     </p:spTree>
   </p:cSld>
   <p:clrMapOvr>
@@ -11300,9 +11551,6 @@
                     <p:cTn id="3" fill="hold">
                       <p:stCondLst>
                         <p:cond delay="indefinite"/>
-                        <p:cond evt="onBegin" delay="0">
-                          <p:tn val="2"/>
-                        </p:cond>
                       </p:stCondLst>
                       <p:childTnLst>
                         <p:par>
@@ -11312,7 +11560,7 @@
                             </p:stCondLst>
                             <p:childTnLst>
                               <p:par>
-                                <p:cTn id="5" presetID="22" presetClass="entr" presetSubtype="1" fill="hold" nodeType="afterEffect">
+                                <p:cTn id="5" presetID="22" presetClass="entr" presetSubtype="1" fill="hold" nodeType="clickEffect">
                                   <p:stCondLst>
                                     <p:cond delay="0"/>
                                   </p:stCondLst>
@@ -11337,9 +11585,53 @@
                                     </p:set>
                                     <p:animEffect transition="in" filter="wipe(up)">
                                       <p:cBhvr>
-                                        <p:cTn id="7" dur="5000"/>
+                                        <p:cTn id="7" dur="2000"/>
                                         <p:tgtEl>
                                           <p:spTgt spid="8"/>
+                                        </p:tgtEl>
+                                      </p:cBhvr>
+                                    </p:animEffect>
+                                  </p:childTnLst>
+                                </p:cTn>
+                              </p:par>
+                            </p:childTnLst>
+                          </p:cTn>
+                        </p:par>
+                        <p:par>
+                          <p:cTn id="8" fill="hold">
+                            <p:stCondLst>
+                              <p:cond delay="2000"/>
+                            </p:stCondLst>
+                            <p:childTnLst>
+                              <p:par>
+                                <p:cTn id="9" presetID="22" presetClass="entr" presetSubtype="1" fill="hold" nodeType="afterEffect">
+                                  <p:stCondLst>
+                                    <p:cond delay="0"/>
+                                  </p:stCondLst>
+                                  <p:childTnLst>
+                                    <p:set>
+                                      <p:cBhvr>
+                                        <p:cTn id="10" dur="1" fill="hold">
+                                          <p:stCondLst>
+                                            <p:cond delay="0"/>
+                                          </p:stCondLst>
+                                        </p:cTn>
+                                        <p:tgtEl>
+                                          <p:spTgt spid="5"/>
+                                        </p:tgtEl>
+                                        <p:attrNameLst>
+                                          <p:attrName>style.visibility</p:attrName>
+                                        </p:attrNameLst>
+                                      </p:cBhvr>
+                                      <p:to>
+                                        <p:strVal val="visible"/>
+                                      </p:to>
+                                    </p:set>
+                                    <p:animEffect transition="in" filter="wipe(up)">
+                                      <p:cBhvr>
+                                        <p:cTn id="11" dur="1000"/>
+                                        <p:tgtEl>
+                                          <p:spTgt spid="5"/>
                                         </p:tgtEl>
                                       </p:cBhvr>
                                     </p:animEffect>
@@ -11416,7 +11708,7 @@
           <a:graphicData uri="http://schemas.openxmlformats.org/presentationml/2006/ole">
             <mc:AlternateContent xmlns:mc="http://schemas.openxmlformats.org/markup-compatibility/2006">
               <mc:Choice xmlns:v="urn:schemas-microsoft-com:vml" Requires="v">
-                <p:oleObj spid="_x0000_s314422" name="Equation" r:id="rId3" imgW="1955800" imgH="228600" progId="Equation.DSMT4">
+                <p:oleObj spid="_x0000_s314427" name="Equation" r:id="rId3" imgW="1955800" imgH="228600" progId="Equation.DSMT4">
                   <p:embed/>
                 </p:oleObj>
               </mc:Choice>
@@ -11470,10 +11762,16 @@
           <p:cNvGraphicFramePr>
             <a:graphicFrameLocks noGrp="1"/>
           </p:cNvGraphicFramePr>
-          <p:nvPr/>
+          <p:nvPr>
+            <p:extLst>
+              <p:ext uri="{D42A27DB-BD31-4B8C-83A1-F6EECF244321}">
+                <p14:modId xmlns:p14="http://schemas.microsoft.com/office/powerpoint/2010/main" val="1861429289"/>
+              </p:ext>
+            </p:extLst>
+          </p:nvPr>
         </p:nvGraphicFramePr>
         <p:xfrm>
-          <a:off x="3082754" y="1261122"/>
+          <a:off x="1038054" y="1083322"/>
           <a:ext cx="2986029" cy="5212080"/>
         </p:xfrm>
         <a:graphic>

--- a/spring13/slides13/law-of-large-numbers.pptx
+++ b/spring13/slides13/law-of-large-numbers.pptx
@@ -6,33 +6,37 @@
     <p:sldMasterId id="2147483687" r:id="rId2"/>
   </p:sldMasterIdLst>
   <p:notesMasterIdLst>
-    <p:notesMasterId r:id="rId19"/>
+    <p:notesMasterId r:id="rId23"/>
   </p:notesMasterIdLst>
   <p:handoutMasterIdLst>
-    <p:handoutMasterId r:id="rId20"/>
+    <p:handoutMasterId r:id="rId24"/>
   </p:handoutMasterIdLst>
   <p:sldIdLst>
     <p:sldId id="816" r:id="rId3"/>
-    <p:sldId id="820" r:id="rId4"/>
-    <p:sldId id="826" r:id="rId5"/>
-    <p:sldId id="842" r:id="rId6"/>
-    <p:sldId id="844" r:id="rId7"/>
-    <p:sldId id="838" r:id="rId8"/>
-    <p:sldId id="841" r:id="rId9"/>
-    <p:sldId id="839" r:id="rId10"/>
-    <p:sldId id="840" r:id="rId11"/>
-    <p:sldId id="821" r:id="rId12"/>
-    <p:sldId id="807" r:id="rId13"/>
-    <p:sldId id="808" r:id="rId14"/>
-    <p:sldId id="823" r:id="rId15"/>
-    <p:sldId id="848" r:id="rId16"/>
-    <p:sldId id="817" r:id="rId17"/>
-    <p:sldId id="822" r:id="rId18"/>
+    <p:sldId id="849" r:id="rId4"/>
+    <p:sldId id="820" r:id="rId5"/>
+    <p:sldId id="826" r:id="rId6"/>
+    <p:sldId id="850" r:id="rId7"/>
+    <p:sldId id="844" r:id="rId8"/>
+    <p:sldId id="856" r:id="rId9"/>
+    <p:sldId id="857" r:id="rId10"/>
+    <p:sldId id="821" r:id="rId11"/>
+    <p:sldId id="859" r:id="rId12"/>
+    <p:sldId id="860" r:id="rId13"/>
+    <p:sldId id="861" r:id="rId14"/>
+    <p:sldId id="858" r:id="rId15"/>
+    <p:sldId id="808" r:id="rId16"/>
+    <p:sldId id="862" r:id="rId17"/>
+    <p:sldId id="823" r:id="rId18"/>
+    <p:sldId id="848" r:id="rId19"/>
+    <p:sldId id="817" r:id="rId20"/>
+    <p:sldId id="863" r:id="rId21"/>
+    <p:sldId id="822" r:id="rId22"/>
   </p:sldIdLst>
   <p:sldSz cx="9144000" cy="6858000" type="screen4x3"/>
   <p:notesSz cx="9601200" cy="7315200"/>
   <p:custDataLst>
-    <p:tags r:id="rId22"/>
+    <p:tags r:id="rId26"/>
   </p:custDataLst>
   <p:defaultTextStyle>
     <a:defPPr>
@@ -1026,10 +1030,98 @@
           <a:bodyPr/>
           <a:lstStyle/>
           <a:p>
+            <a:fld id="{460183DB-8D3D-4827-BF4C-7BD92E76D20E}" type="slidenum">
+              <a:rPr lang="en-US"/>
+              <a:pPr/>
+              <a:t>13</a:t>
+            </a:fld>
+            <a:endParaRPr lang="en-US"/>
+          </a:p>
+        </p:txBody>
+      </p:sp>
+      <p:sp>
+        <p:nvSpPr>
+          <p:cNvPr id="31746" name="Rectangle 2"/>
+          <p:cNvSpPr>
+            <a:spLocks noGrp="1" noRot="1" noChangeAspect="1" noChangeArrowheads="1" noTextEdit="1"/>
+          </p:cNvSpPr>
+          <p:nvPr>
+            <p:ph type="sldImg"/>
+          </p:nvPr>
+        </p:nvSpPr>
+        <p:spPr>
+          <a:xfrm>
+            <a:off x="2974975" y="549275"/>
+            <a:ext cx="3657600" cy="2743200"/>
+          </a:xfrm>
+          <a:ln/>
+        </p:spPr>
+      </p:sp>
+      <p:sp>
+        <p:nvSpPr>
+          <p:cNvPr id="31747" name="Rectangle 3"/>
+          <p:cNvSpPr>
+            <a:spLocks noGrp="1" noChangeArrowheads="1"/>
+          </p:cNvSpPr>
+          <p:nvPr>
+            <p:ph type="body" idx="1"/>
+          </p:nvPr>
+        </p:nvSpPr>
+        <p:spPr/>
+        <p:txBody>
+          <a:bodyPr/>
+          <a:lstStyle/>
+          <a:p>
+            <a:endParaRPr lang="en-US" dirty="0"/>
+          </a:p>
+        </p:txBody>
+      </p:sp>
+    </p:spTree>
+  </p:cSld>
+  <p:clrMapOvr>
+    <a:masterClrMapping/>
+  </p:clrMapOvr>
+</p:notes>
+</file>
+
+<file path=ppt/notesSlides/notesSlide11.xml><?xml version="1.0" encoding="utf-8"?>
+<p:notes xmlns:a="http://schemas.openxmlformats.org/drawingml/2006/main" xmlns:r="http://schemas.openxmlformats.org/officeDocument/2006/relationships" xmlns:p="http://schemas.openxmlformats.org/presentationml/2006/main">
+  <p:cSld>
+    <p:spTree>
+      <p:nvGrpSpPr>
+        <p:cNvPr id="1" name=""/>
+        <p:cNvGrpSpPr/>
+        <p:nvPr/>
+      </p:nvGrpSpPr>
+      <p:grpSpPr>
+        <a:xfrm>
+          <a:off x="0" y="0"/>
+          <a:ext cx="0" cy="0"/>
+          <a:chOff x="0" y="0"/>
+          <a:chExt cx="0" cy="0"/>
+        </a:xfrm>
+      </p:grpSpPr>
+      <p:sp>
+        <p:nvSpPr>
+          <p:cNvPr id="7" name="Rectangle 7"/>
+          <p:cNvSpPr>
+            <a:spLocks noGrp="1" noChangeArrowheads="1"/>
+          </p:cNvSpPr>
+          <p:nvPr>
+            <p:ph type="sldNum" sz="quarter" idx="5"/>
+          </p:nvPr>
+        </p:nvSpPr>
+        <p:spPr>
+          <a:ln/>
+        </p:spPr>
+        <p:txBody>
+          <a:bodyPr/>
+          <a:lstStyle/>
+          <a:p>
             <a:fld id="{2C93A176-BC2D-412F-9AD9-2A6459465F7C}" type="slidenum">
               <a:rPr lang="en-US"/>
               <a:pPr/>
-              <a:t>13</a:t>
+              <a:t>14</a:t>
             </a:fld>
             <a:endParaRPr lang="en-US"/>
           </a:p>
@@ -1073,96 +1165,6 @@
         </p:txBody>
       </p:sp>
     </p:spTree>
-  </p:cSld>
-  <p:clrMapOvr>
-    <a:masterClrMapping/>
-  </p:clrMapOvr>
-</p:notes>
-</file>
-
-<file path=ppt/notesSlides/notesSlide11.xml><?xml version="1.0" encoding="utf-8"?>
-<p:notes xmlns:a="http://schemas.openxmlformats.org/drawingml/2006/main" xmlns:r="http://schemas.openxmlformats.org/officeDocument/2006/relationships" xmlns:p="http://schemas.openxmlformats.org/presentationml/2006/main">
-  <p:cSld>
-    <p:spTree>
-      <p:nvGrpSpPr>
-        <p:cNvPr id="1" name=""/>
-        <p:cNvGrpSpPr/>
-        <p:nvPr/>
-      </p:nvGrpSpPr>
-      <p:grpSpPr>
-        <a:xfrm>
-          <a:off x="0" y="0"/>
-          <a:ext cx="0" cy="0"/>
-          <a:chOff x="0" y="0"/>
-          <a:chExt cx="0" cy="0"/>
-        </a:xfrm>
-      </p:grpSpPr>
-      <p:sp>
-        <p:nvSpPr>
-          <p:cNvPr id="2" name="Slide Image Placeholder 1"/>
-          <p:cNvSpPr>
-            <a:spLocks noGrp="1" noRot="1" noChangeAspect="1"/>
-          </p:cNvSpPr>
-          <p:nvPr>
-            <p:ph type="sldImg"/>
-          </p:nvPr>
-        </p:nvSpPr>
-        <p:spPr/>
-      </p:sp>
-      <p:sp>
-        <p:nvSpPr>
-          <p:cNvPr id="3" name="Notes Placeholder 2"/>
-          <p:cNvSpPr>
-            <a:spLocks noGrp="1"/>
-          </p:cNvSpPr>
-          <p:nvPr>
-            <p:ph type="body" idx="1"/>
-          </p:nvPr>
-        </p:nvSpPr>
-        <p:spPr/>
-        <p:txBody>
-          <a:bodyPr/>
-          <a:lstStyle/>
-          <a:p>
-            <a:endParaRPr lang="en-US"/>
-          </a:p>
-        </p:txBody>
-      </p:sp>
-      <p:sp>
-        <p:nvSpPr>
-          <p:cNvPr id="4" name="Slide Number Placeholder 3"/>
-          <p:cNvSpPr>
-            <a:spLocks noGrp="1"/>
-          </p:cNvSpPr>
-          <p:nvPr>
-            <p:ph type="sldNum" sz="quarter" idx="10"/>
-          </p:nvPr>
-        </p:nvSpPr>
-        <p:spPr/>
-        <p:txBody>
-          <a:bodyPr/>
-          <a:lstStyle/>
-          <a:p>
-            <a:pPr>
-              <a:defRPr/>
-            </a:pPr>
-            <a:fld id="{A32D937A-A834-4882-89DE-8A0AB0171B36}" type="slidenum">
-              <a:rPr lang="en-US" smtClean="0"/>
-              <a:pPr>
-                <a:defRPr/>
-              </a:pPr>
-              <a:t>14</a:t>
-            </a:fld>
-            <a:endParaRPr lang="en-US"/>
-          </a:p>
-        </p:txBody>
-      </p:sp>
-    </p:spTree>
-    <p:extLst>
-      <p:ext uri="{BB962C8B-B14F-4D97-AF65-F5344CB8AC3E}">
-        <p14:creationId xmlns:p14="http://schemas.microsoft.com/office/powerpoint/2010/main" val="3114209594"/>
-      </p:ext>
-    </p:extLst>
   </p:cSld>
   <p:clrMapOvr>
     <a:masterClrMapping/>
@@ -1204,7 +1206,7 @@
           <a:bodyPr/>
           <a:lstStyle/>
           <a:p>
-            <a:fld id="{CE4F1C5E-EC10-4AA2-BE05-3FAD1A6DEC47}" type="slidenum">
+            <a:fld id="{2C93A176-BC2D-412F-9AD9-2A6459465F7C}" type="slidenum">
               <a:rPr lang="en-US"/>
               <a:pPr/>
               <a:t>15</a:t>
@@ -1215,7 +1217,7 @@
       </p:sp>
       <p:sp>
         <p:nvSpPr>
-          <p:cNvPr id="87042" name="Rectangle 2"/>
+          <p:cNvPr id="82946" name="Rectangle 2"/>
           <p:cNvSpPr>
             <a:spLocks noGrp="1" noRot="1" noChangeAspect="1" noChangeArrowheads="1" noTextEdit="1"/>
           </p:cNvSpPr>
@@ -1233,7 +1235,7 @@
       </p:sp>
       <p:sp>
         <p:nvSpPr>
-          <p:cNvPr id="87043" name="Rectangle 3"/>
+          <p:cNvPr id="82947" name="Rectangle 3"/>
           <p:cNvSpPr>
             <a:spLocks noGrp="1" noChangeArrowheads="1"/>
           </p:cNvSpPr>
@@ -1246,7 +1248,7 @@
           <a:bodyPr/>
           <a:lstStyle/>
           <a:p>
-            <a:endParaRPr lang="en-US" dirty="0"/>
+            <a:endParaRPr lang="en-US"/>
           </a:p>
         </p:txBody>
       </p:sp>
@@ -1292,10 +1294,364 @@
           <a:bodyPr/>
           <a:lstStyle/>
           <a:p>
+            <a:fld id="{2C93A176-BC2D-412F-9AD9-2A6459465F7C}" type="slidenum">
+              <a:rPr lang="en-US"/>
+              <a:pPr/>
+              <a:t>16</a:t>
+            </a:fld>
+            <a:endParaRPr lang="en-US"/>
+          </a:p>
+        </p:txBody>
+      </p:sp>
+      <p:sp>
+        <p:nvSpPr>
+          <p:cNvPr id="82946" name="Rectangle 2"/>
+          <p:cNvSpPr>
+            <a:spLocks noGrp="1" noRot="1" noChangeAspect="1" noChangeArrowheads="1" noTextEdit="1"/>
+          </p:cNvSpPr>
+          <p:nvPr>
+            <p:ph type="sldImg"/>
+          </p:nvPr>
+        </p:nvSpPr>
+        <p:spPr>
+          <a:xfrm>
+            <a:off x="2974975" y="549275"/>
+            <a:ext cx="3657600" cy="2743200"/>
+          </a:xfrm>
+          <a:ln/>
+        </p:spPr>
+      </p:sp>
+      <p:sp>
+        <p:nvSpPr>
+          <p:cNvPr id="82947" name="Rectangle 3"/>
+          <p:cNvSpPr>
+            <a:spLocks noGrp="1" noChangeArrowheads="1"/>
+          </p:cNvSpPr>
+          <p:nvPr>
+            <p:ph type="body" idx="1"/>
+          </p:nvPr>
+        </p:nvSpPr>
+        <p:spPr/>
+        <p:txBody>
+          <a:bodyPr/>
+          <a:lstStyle/>
+          <a:p>
+            <a:endParaRPr lang="en-US"/>
+          </a:p>
+        </p:txBody>
+      </p:sp>
+    </p:spTree>
+  </p:cSld>
+  <p:clrMapOvr>
+    <a:masterClrMapping/>
+  </p:clrMapOvr>
+</p:notes>
+</file>
+
+<file path=ppt/notesSlides/notesSlide14.xml><?xml version="1.0" encoding="utf-8"?>
+<p:notes xmlns:a="http://schemas.openxmlformats.org/drawingml/2006/main" xmlns:r="http://schemas.openxmlformats.org/officeDocument/2006/relationships" xmlns:p="http://schemas.openxmlformats.org/presentationml/2006/main">
+  <p:cSld>
+    <p:spTree>
+      <p:nvGrpSpPr>
+        <p:cNvPr id="1" name=""/>
+        <p:cNvGrpSpPr/>
+        <p:nvPr/>
+      </p:nvGrpSpPr>
+      <p:grpSpPr>
+        <a:xfrm>
+          <a:off x="0" y="0"/>
+          <a:ext cx="0" cy="0"/>
+          <a:chOff x="0" y="0"/>
+          <a:chExt cx="0" cy="0"/>
+        </a:xfrm>
+      </p:grpSpPr>
+      <p:sp>
+        <p:nvSpPr>
+          <p:cNvPr id="2" name="Slide Image Placeholder 1"/>
+          <p:cNvSpPr>
+            <a:spLocks noGrp="1" noRot="1" noChangeAspect="1"/>
+          </p:cNvSpPr>
+          <p:nvPr>
+            <p:ph type="sldImg"/>
+          </p:nvPr>
+        </p:nvSpPr>
+        <p:spPr/>
+      </p:sp>
+      <p:sp>
+        <p:nvSpPr>
+          <p:cNvPr id="3" name="Notes Placeholder 2"/>
+          <p:cNvSpPr>
+            <a:spLocks noGrp="1"/>
+          </p:cNvSpPr>
+          <p:nvPr>
+            <p:ph type="body" idx="1"/>
+          </p:nvPr>
+        </p:nvSpPr>
+        <p:spPr/>
+        <p:txBody>
+          <a:bodyPr/>
+          <a:lstStyle/>
+          <a:p>
+            <a:endParaRPr lang="en-US"/>
+          </a:p>
+        </p:txBody>
+      </p:sp>
+      <p:sp>
+        <p:nvSpPr>
+          <p:cNvPr id="4" name="Slide Number Placeholder 3"/>
+          <p:cNvSpPr>
+            <a:spLocks noGrp="1"/>
+          </p:cNvSpPr>
+          <p:nvPr>
+            <p:ph type="sldNum" sz="quarter" idx="10"/>
+          </p:nvPr>
+        </p:nvSpPr>
+        <p:spPr/>
+        <p:txBody>
+          <a:bodyPr/>
+          <a:lstStyle/>
+          <a:p>
+            <a:pPr>
+              <a:defRPr/>
+            </a:pPr>
+            <a:fld id="{A32D937A-A834-4882-89DE-8A0AB0171B36}" type="slidenum">
+              <a:rPr lang="en-US" smtClean="0"/>
+              <a:pPr>
+                <a:defRPr/>
+              </a:pPr>
+              <a:t>17</a:t>
+            </a:fld>
+            <a:endParaRPr lang="en-US"/>
+          </a:p>
+        </p:txBody>
+      </p:sp>
+    </p:spTree>
+    <p:extLst>
+      <p:ext uri="{BB962C8B-B14F-4D97-AF65-F5344CB8AC3E}">
+        <p14:creationId xmlns:p14="http://schemas.microsoft.com/office/powerpoint/2010/main" val="3114209594"/>
+      </p:ext>
+    </p:extLst>
+  </p:cSld>
+  <p:clrMapOvr>
+    <a:masterClrMapping/>
+  </p:clrMapOvr>
+</p:notes>
+</file>
+
+<file path=ppt/notesSlides/notesSlide15.xml><?xml version="1.0" encoding="utf-8"?>
+<p:notes xmlns:a="http://schemas.openxmlformats.org/drawingml/2006/main" xmlns:r="http://schemas.openxmlformats.org/officeDocument/2006/relationships" xmlns:p="http://schemas.openxmlformats.org/presentationml/2006/main">
+  <p:cSld>
+    <p:spTree>
+      <p:nvGrpSpPr>
+        <p:cNvPr id="1" name=""/>
+        <p:cNvGrpSpPr/>
+        <p:nvPr/>
+      </p:nvGrpSpPr>
+      <p:grpSpPr>
+        <a:xfrm>
+          <a:off x="0" y="0"/>
+          <a:ext cx="0" cy="0"/>
+          <a:chOff x="0" y="0"/>
+          <a:chExt cx="0" cy="0"/>
+        </a:xfrm>
+      </p:grpSpPr>
+      <p:sp>
+        <p:nvSpPr>
+          <p:cNvPr id="7" name="Rectangle 7"/>
+          <p:cNvSpPr>
+            <a:spLocks noGrp="1" noChangeArrowheads="1"/>
+          </p:cNvSpPr>
+          <p:nvPr>
+            <p:ph type="sldNum" sz="quarter" idx="5"/>
+          </p:nvPr>
+        </p:nvSpPr>
+        <p:spPr>
+          <a:ln/>
+        </p:spPr>
+        <p:txBody>
+          <a:bodyPr/>
+          <a:lstStyle/>
+          <a:p>
             <a:fld id="{CE4F1C5E-EC10-4AA2-BE05-3FAD1A6DEC47}" type="slidenum">
               <a:rPr lang="en-US"/>
               <a:pPr/>
-              <a:t>16</a:t>
+              <a:t>18</a:t>
+            </a:fld>
+            <a:endParaRPr lang="en-US"/>
+          </a:p>
+        </p:txBody>
+      </p:sp>
+      <p:sp>
+        <p:nvSpPr>
+          <p:cNvPr id="87042" name="Rectangle 2"/>
+          <p:cNvSpPr>
+            <a:spLocks noGrp="1" noRot="1" noChangeAspect="1" noChangeArrowheads="1" noTextEdit="1"/>
+          </p:cNvSpPr>
+          <p:nvPr>
+            <p:ph type="sldImg"/>
+          </p:nvPr>
+        </p:nvSpPr>
+        <p:spPr>
+          <a:xfrm>
+            <a:off x="2974975" y="549275"/>
+            <a:ext cx="3657600" cy="2743200"/>
+          </a:xfrm>
+          <a:ln/>
+        </p:spPr>
+      </p:sp>
+      <p:sp>
+        <p:nvSpPr>
+          <p:cNvPr id="87043" name="Rectangle 3"/>
+          <p:cNvSpPr>
+            <a:spLocks noGrp="1" noChangeArrowheads="1"/>
+          </p:cNvSpPr>
+          <p:nvPr>
+            <p:ph type="body" idx="1"/>
+          </p:nvPr>
+        </p:nvSpPr>
+        <p:spPr/>
+        <p:txBody>
+          <a:bodyPr/>
+          <a:lstStyle/>
+          <a:p>
+            <a:endParaRPr lang="en-US" dirty="0"/>
+          </a:p>
+        </p:txBody>
+      </p:sp>
+    </p:spTree>
+  </p:cSld>
+  <p:clrMapOvr>
+    <a:masterClrMapping/>
+  </p:clrMapOvr>
+</p:notes>
+</file>
+
+<file path=ppt/notesSlides/notesSlide16.xml><?xml version="1.0" encoding="utf-8"?>
+<p:notes xmlns:a="http://schemas.openxmlformats.org/drawingml/2006/main" xmlns:r="http://schemas.openxmlformats.org/officeDocument/2006/relationships" xmlns:p="http://schemas.openxmlformats.org/presentationml/2006/main">
+  <p:cSld>
+    <p:spTree>
+      <p:nvGrpSpPr>
+        <p:cNvPr id="1" name=""/>
+        <p:cNvGrpSpPr/>
+        <p:nvPr/>
+      </p:nvGrpSpPr>
+      <p:grpSpPr>
+        <a:xfrm>
+          <a:off x="0" y="0"/>
+          <a:ext cx="0" cy="0"/>
+          <a:chOff x="0" y="0"/>
+          <a:chExt cx="0" cy="0"/>
+        </a:xfrm>
+      </p:grpSpPr>
+      <p:sp>
+        <p:nvSpPr>
+          <p:cNvPr id="7" name="Rectangle 7"/>
+          <p:cNvSpPr>
+            <a:spLocks noGrp="1" noChangeArrowheads="1"/>
+          </p:cNvSpPr>
+          <p:nvPr>
+            <p:ph type="sldNum" sz="quarter" idx="5"/>
+          </p:nvPr>
+        </p:nvSpPr>
+        <p:spPr>
+          <a:ln/>
+        </p:spPr>
+        <p:txBody>
+          <a:bodyPr/>
+          <a:lstStyle/>
+          <a:p>
+            <a:fld id="{CE4F1C5E-EC10-4AA2-BE05-3FAD1A6DEC47}" type="slidenum">
+              <a:rPr lang="en-US"/>
+              <a:pPr/>
+              <a:t>19</a:t>
+            </a:fld>
+            <a:endParaRPr lang="en-US"/>
+          </a:p>
+        </p:txBody>
+      </p:sp>
+      <p:sp>
+        <p:nvSpPr>
+          <p:cNvPr id="87042" name="Rectangle 2"/>
+          <p:cNvSpPr>
+            <a:spLocks noGrp="1" noRot="1" noChangeAspect="1" noChangeArrowheads="1" noTextEdit="1"/>
+          </p:cNvSpPr>
+          <p:nvPr>
+            <p:ph type="sldImg"/>
+          </p:nvPr>
+        </p:nvSpPr>
+        <p:spPr>
+          <a:xfrm>
+            <a:off x="2974975" y="549275"/>
+            <a:ext cx="3657600" cy="2743200"/>
+          </a:xfrm>
+          <a:ln/>
+        </p:spPr>
+      </p:sp>
+      <p:sp>
+        <p:nvSpPr>
+          <p:cNvPr id="87043" name="Rectangle 3"/>
+          <p:cNvSpPr>
+            <a:spLocks noGrp="1" noChangeArrowheads="1"/>
+          </p:cNvSpPr>
+          <p:nvPr>
+            <p:ph type="body" idx="1"/>
+          </p:nvPr>
+        </p:nvSpPr>
+        <p:spPr/>
+        <p:txBody>
+          <a:bodyPr/>
+          <a:lstStyle/>
+          <a:p>
+            <a:endParaRPr lang="en-US" dirty="0"/>
+          </a:p>
+        </p:txBody>
+      </p:sp>
+    </p:spTree>
+  </p:cSld>
+  <p:clrMapOvr>
+    <a:masterClrMapping/>
+  </p:clrMapOvr>
+</p:notes>
+</file>
+
+<file path=ppt/notesSlides/notesSlide17.xml><?xml version="1.0" encoding="utf-8"?>
+<p:notes xmlns:a="http://schemas.openxmlformats.org/drawingml/2006/main" xmlns:r="http://schemas.openxmlformats.org/officeDocument/2006/relationships" xmlns:p="http://schemas.openxmlformats.org/presentationml/2006/main">
+  <p:cSld>
+    <p:spTree>
+      <p:nvGrpSpPr>
+        <p:cNvPr id="1" name=""/>
+        <p:cNvGrpSpPr/>
+        <p:nvPr/>
+      </p:nvGrpSpPr>
+      <p:grpSpPr>
+        <a:xfrm>
+          <a:off x="0" y="0"/>
+          <a:ext cx="0" cy="0"/>
+          <a:chOff x="0" y="0"/>
+          <a:chExt cx="0" cy="0"/>
+        </a:xfrm>
+      </p:grpSpPr>
+      <p:sp>
+        <p:nvSpPr>
+          <p:cNvPr id="7" name="Rectangle 7"/>
+          <p:cNvSpPr>
+            <a:spLocks noGrp="1" noChangeArrowheads="1"/>
+          </p:cNvSpPr>
+          <p:nvPr>
+            <p:ph type="sldNum" sz="quarter" idx="5"/>
+          </p:nvPr>
+        </p:nvSpPr>
+        <p:spPr>
+          <a:ln/>
+        </p:spPr>
+        <p:txBody>
+          <a:bodyPr/>
+          <a:lstStyle/>
+          <a:p>
+            <a:fld id="{CE4F1C5E-EC10-4AA2-BE05-3FAD1A6DEC47}" type="slidenum">
+              <a:rPr lang="en-US"/>
+              <a:pPr/>
+              <a:t>20</a:t>
             </a:fld>
             <a:endParaRPr lang="en-US"/>
           </a:p>
@@ -1387,7 +1743,7 @@
                 </a:solidFill>
               </a:rPr>
               <a:pPr/>
-              <a:t>2</a:t>
+              <a:t>3</a:t>
             </a:fld>
             <a:endParaRPr lang="en-US">
               <a:solidFill>
@@ -1470,7 +1826,7 @@
                 </a:solidFill>
               </a:rPr>
               <a:pPr algn="r" defTabSz="966775"/>
-              <a:t>2</a:t>
+              <a:t>3</a:t>
             </a:fld>
             <a:endParaRPr lang="en-US" sz="1300" dirty="0">
               <a:solidFill>
@@ -1525,7 +1881,7 @@
             <a:fld id="{139C15ED-39E3-4B6A-96B1-35B58B1DA404}" type="slidenum">
               <a:rPr lang="en-US"/>
               <a:pPr/>
-              <a:t>3</a:t>
+              <a:t>4</a:t>
             </a:fld>
             <a:endParaRPr lang="en-US"/>
           </a:p>
@@ -1613,7 +1969,7 @@
             <a:fld id="{139C15ED-39E3-4B6A-96B1-35B58B1DA404}" type="slidenum">
               <a:rPr lang="en-US"/>
               <a:pPr/>
-              <a:t>4</a:t>
+              <a:t>5</a:t>
             </a:fld>
             <a:endParaRPr lang="en-US"/>
           </a:p>
@@ -1701,7 +2057,7 @@
             <a:fld id="{139C15ED-39E3-4B6A-96B1-35B58B1DA404}" type="slidenum">
               <a:rPr lang="en-US"/>
               <a:pPr/>
-              <a:t>5</a:t>
+              <a:t>6</a:t>
             </a:fld>
             <a:endParaRPr lang="en-US"/>
           </a:p>
@@ -1771,7 +2127,7 @@
       </p:grpSpPr>
       <p:sp>
         <p:nvSpPr>
-          <p:cNvPr id="56322" name="Rectangle 7"/>
+          <p:cNvPr id="7" name="Rectangle 7"/>
           <p:cNvSpPr>
             <a:spLocks noGrp="1" noChangeArrowheads="1"/>
           </p:cNvSpPr>
@@ -1780,24 +2136,32 @@
           </p:nvPr>
         </p:nvSpPr>
         <p:spPr>
-          <a:noFill/>
+          <a:ln/>
         </p:spPr>
         <p:txBody>
           <a:bodyPr/>
           <a:lstStyle/>
           <a:p>
-            <a:fld id="{139C15ED-39E3-4B6A-96B1-35B58B1DA404}" type="slidenum">
-              <a:rPr lang="en-US"/>
+            <a:fld id="{8FDCD9A2-D083-4C26-AE8F-0675A4268D30}" type="slidenum">
+              <a:rPr lang="en-US">
+                <a:solidFill>
+                  <a:prstClr val="black"/>
+                </a:solidFill>
+              </a:rPr>
               <a:pPr/>
-              <a:t>7</a:t>
+              <a:t>9</a:t>
             </a:fld>
-            <a:endParaRPr lang="en-US"/>
+            <a:endParaRPr lang="en-US">
+              <a:solidFill>
+                <a:prstClr val="black"/>
+              </a:solidFill>
+            </a:endParaRPr>
           </a:p>
         </p:txBody>
       </p:sp>
       <p:sp>
         <p:nvSpPr>
-          <p:cNvPr id="56323" name="Rectangle 2"/>
+          <p:cNvPr id="25602" name="Rectangle 2"/>
           <p:cNvSpPr>
             <a:spLocks noGrp="1" noRot="1" noChangeAspect="1" noChangeArrowheads="1" noTextEdit="1"/>
           </p:cNvSpPr>
@@ -1806,12 +2170,16 @@
           </p:nvPr>
         </p:nvSpPr>
         <p:spPr>
+          <a:xfrm>
+            <a:off x="2974975" y="549275"/>
+            <a:ext cx="3657600" cy="2743200"/>
+          </a:xfrm>
           <a:ln/>
         </p:spPr>
       </p:sp>
       <p:sp>
         <p:nvSpPr>
-          <p:cNvPr id="56324" name="Rectangle 3"/>
+          <p:cNvPr id="25603" name="Rectangle 3"/>
           <p:cNvSpPr>
             <a:spLocks noGrp="1" noChangeArrowheads="1"/>
           </p:cNvSpPr>
@@ -1819,33 +2187,12 @@
             <p:ph type="body" idx="1"/>
           </p:nvPr>
         </p:nvSpPr>
-        <p:spPr>
-          <a:noFill/>
-          <a:ln/>
-        </p:spPr>
+        <p:spPr/>
         <p:txBody>
           <a:bodyPr/>
           <a:lstStyle/>
           <a:p>
-            <a:pPr eaLnBrk="1" hangingPunct="1"/>
-            <a:r>
-              <a:rPr lang="en-US" smtClean="0"/>
-              <a:t>Should I expect to see the mean – clearly not! Now what – does this tell me anything?</a:t>
-            </a:r>
-          </a:p>
-          <a:p>
-            <a:pPr eaLnBrk="1" hangingPunct="1"/>
-            <a:r>
-              <a:rPr lang="en-US" smtClean="0"/>
-              <a:t>Really reminder that expected value = average over many experiments, not speciﬁc experiment</a:t>
-            </a:r>
-          </a:p>
-          <a:p>
-            <a:pPr eaLnBrk="1" hangingPunct="1"/>
-            <a:r>
-              <a:rPr lang="en-US" smtClean="0"/>
-              <a:t>And this is a problem, because real power comes from ability to predict ourcome of speciﬁc event (Gore vs Bush today, not average over many elections), and I want the mean to give me that kind of information</a:t>
-            </a:r>
+            <a:endParaRPr lang="en-US"/>
           </a:p>
         </p:txBody>
       </p:sp>
@@ -1891,26 +2238,18 @@
           <a:bodyPr/>
           <a:lstStyle/>
           <a:p>
-            <a:fld id="{8FDCD9A2-D083-4C26-AE8F-0675A4268D30}" type="slidenum">
-              <a:rPr lang="en-US">
-                <a:solidFill>
-                  <a:prstClr val="black"/>
-                </a:solidFill>
-              </a:rPr>
+            <a:fld id="{460183DB-8D3D-4827-BF4C-7BD92E76D20E}" type="slidenum">
+              <a:rPr lang="en-US"/>
               <a:pPr/>
               <a:t>10</a:t>
             </a:fld>
-            <a:endParaRPr lang="en-US">
-              <a:solidFill>
-                <a:prstClr val="black"/>
-              </a:solidFill>
-            </a:endParaRPr>
+            <a:endParaRPr lang="en-US"/>
           </a:p>
         </p:txBody>
       </p:sp>
       <p:sp>
         <p:nvSpPr>
-          <p:cNvPr id="25602" name="Rectangle 2"/>
+          <p:cNvPr id="31746" name="Rectangle 2"/>
           <p:cNvSpPr>
             <a:spLocks noGrp="1" noRot="1" noChangeAspect="1" noChangeArrowheads="1" noTextEdit="1"/>
           </p:cNvSpPr>
@@ -1928,7 +2267,7 @@
       </p:sp>
       <p:sp>
         <p:nvSpPr>
-          <p:cNvPr id="25603" name="Rectangle 3"/>
+          <p:cNvPr id="31747" name="Rectangle 3"/>
           <p:cNvSpPr>
             <a:spLocks noGrp="1" noChangeArrowheads="1"/>
           </p:cNvSpPr>
@@ -1941,7 +2280,7 @@
           <a:bodyPr/>
           <a:lstStyle/>
           <a:p>
-            <a:endParaRPr lang="en-US"/>
+            <a:endParaRPr lang="en-US" dirty="0"/>
           </a:p>
         </p:txBody>
       </p:sp>
@@ -2075,7 +2414,7 @@
           <a:bodyPr/>
           <a:lstStyle/>
           <a:p>
-            <a:fld id="{2C93A176-BC2D-412F-9AD9-2A6459465F7C}" type="slidenum">
+            <a:fld id="{460183DB-8D3D-4827-BF4C-7BD92E76D20E}" type="slidenum">
               <a:rPr lang="en-US"/>
               <a:pPr/>
               <a:t>12</a:t>
@@ -2086,7 +2425,7 @@
       </p:sp>
       <p:sp>
         <p:nvSpPr>
-          <p:cNvPr id="82946" name="Rectangle 2"/>
+          <p:cNvPr id="31746" name="Rectangle 2"/>
           <p:cNvSpPr>
             <a:spLocks noGrp="1" noRot="1" noChangeAspect="1" noChangeArrowheads="1" noTextEdit="1"/>
           </p:cNvSpPr>
@@ -2104,7 +2443,7 @@
       </p:sp>
       <p:sp>
         <p:nvSpPr>
-          <p:cNvPr id="82947" name="Rectangle 3"/>
+          <p:cNvPr id="31747" name="Rectangle 3"/>
           <p:cNvSpPr>
             <a:spLocks noGrp="1" noChangeArrowheads="1"/>
           </p:cNvSpPr>
@@ -2117,7 +2456,7 @@
           <a:bodyPr/>
           <a:lstStyle/>
           <a:p>
-            <a:endParaRPr lang="en-US"/>
+            <a:endParaRPr lang="en-US" dirty="0"/>
           </a:p>
         </p:txBody>
       </p:sp>
@@ -4556,7 +4895,7 @@
 </file>
 
 <file path=ppt/slides/slide10.xml><?xml version="1.0" encoding="utf-8"?>
-<p:sld xmlns:a="http://schemas.openxmlformats.org/drawingml/2006/main" xmlns:r="http://schemas.openxmlformats.org/officeDocument/2006/relationships" xmlns:p="http://schemas.openxmlformats.org/presentationml/2006/main">
+<p:sld xmlns:a="http://schemas.openxmlformats.org/drawingml/2006/main" xmlns:r="http://schemas.openxmlformats.org/officeDocument/2006/relationships" xmlns:p="http://schemas.openxmlformats.org/presentationml/2006/main" showMasterPhAnim="0" show="0">
   <p:cSld>
     <p:spTree>
       <p:nvGrpSpPr>
@@ -4574,255 +4913,215 @@
       </p:grpSpPr>
       <p:sp>
         <p:nvSpPr>
-          <p:cNvPr id="24580" name="Text Box 3"/>
-          <p:cNvSpPr txBox="1">
-            <a:spLocks noChangeArrowheads="1"/>
+          <p:cNvPr id="30723" name="Rectangle 2"/>
+          <p:cNvSpPr>
+            <a:spLocks noGrp="1" noChangeArrowheads="1"/>
           </p:cNvSpPr>
-          <p:nvPr/>
+          <p:nvPr>
+            <p:ph type="body" sz="half" idx="4294967295"/>
+          </p:nvPr>
         </p:nvSpPr>
         <p:spPr bwMode="auto">
           <a:xfrm>
-            <a:off x="1660525" y="3038475"/>
-            <a:ext cx="184150" cy="519113"/>
+            <a:off x="635000" y="1270000"/>
+            <a:ext cx="7874000" cy="4318000"/>
           </a:xfrm>
           <a:prstGeom prst="rect">
             <a:avLst/>
           </a:prstGeom>
-          <a:noFill/>
-          <a:ln w="9525">
-            <a:noFill/>
+          <a:solidFill>
+            <a:srgbClr val="FFFFFF">
+              <a:alpha val="0"/>
+            </a:srgbClr>
+          </a:solidFill>
+          <a:ln cap="flat">
             <a:miter lim="800000"/>
             <a:headEnd/>
             <a:tailEnd/>
           </a:ln>
         </p:spPr>
         <p:txBody>
-          <a:bodyPr wrap="none">
-            <a:spAutoFit/>
-          </a:bodyPr>
+          <a:bodyPr/>
           <a:lstStyle/>
           <a:p>
-            <a:endParaRPr lang="en-US" sz="2800" i="1">
+            <a:pPr marL="0" indent="0">
+              <a:spcBef>
+                <a:spcPts val="0"/>
+              </a:spcBef>
+              <a:spcAft>
+                <a:spcPts val="0"/>
+              </a:spcAft>
+              <a:buNone/>
+            </a:pPr>
+            <a:r>
+              <a:rPr lang="en-US" sz="6600" dirty="0" smtClean="0">
+                <a:latin typeface="Comic Sans MS" pitchFamily="66" charset="0"/>
+              </a:rPr>
+              <a:t>Random </a:t>
+            </a:r>
+            <a:r>
+              <a:rPr lang="en-US" sz="6600" dirty="0" err="1" smtClean="0">
+                <a:latin typeface="Comic Sans MS" pitchFamily="66" charset="0"/>
+              </a:rPr>
+              <a:t>var</a:t>
+            </a:r>
+            <a:r>
+              <a:rPr lang="en-US" sz="6600" dirty="0" smtClean="0">
+                <a:latin typeface="Comic Sans MS" pitchFamily="66" charset="0"/>
+              </a:rPr>
+              <a:t> </a:t>
+            </a:r>
+            <a:r>
+              <a:rPr lang="en-US" sz="6600" dirty="0">
+                <a:solidFill>
+                  <a:srgbClr val="0000FF"/>
+                </a:solidFill>
+                <a:latin typeface="Comic Sans MS" pitchFamily="66" charset="0"/>
+              </a:rPr>
+              <a:t>R</a:t>
+            </a:r>
+            <a:r>
+              <a:rPr lang="en-US" sz="6600" dirty="0">
+                <a:latin typeface="Comic Sans MS" pitchFamily="66" charset="0"/>
+              </a:rPr>
+              <a:t> </a:t>
+            </a:r>
+            <a:r>
+              <a:rPr lang="en-US" sz="6600" dirty="0" smtClean="0">
+                <a:latin typeface="Comic Sans MS" pitchFamily="66" charset="0"/>
+              </a:rPr>
+              <a:t>with</a:t>
+            </a:r>
+          </a:p>
+          <a:p>
+            <a:pPr marL="0" indent="0">
+              <a:spcBef>
+                <a:spcPts val="0"/>
+              </a:spcBef>
+              <a:spcAft>
+                <a:spcPts val="0"/>
+              </a:spcAft>
+              <a:buNone/>
+            </a:pPr>
+            <a:r>
+              <a:rPr lang="en-US" sz="6600" dirty="0" smtClean="0">
+                <a:latin typeface="Comic Sans MS" pitchFamily="66" charset="0"/>
+              </a:rPr>
+              <a:t>mean </a:t>
+            </a:r>
+            <a:r>
+              <a:rPr lang="en-US" sz="6600" dirty="0" smtClean="0">
+                <a:solidFill>
+                  <a:srgbClr val="0000FF"/>
+                </a:solidFill>
+                <a:latin typeface="Symbol" pitchFamily="18" charset="2"/>
+                <a:sym typeface="Symbol" pitchFamily="18" charset="2"/>
+              </a:rPr>
+              <a:t>μ.    </a:t>
+            </a:r>
+            <a:r>
+              <a:rPr lang="en-US" sz="6600" dirty="0" smtClean="0">
+                <a:solidFill>
+                  <a:srgbClr val="000000"/>
+                </a:solidFill>
+                <a:latin typeface="Comic Sans MS"/>
+                <a:cs typeface="Comic Sans MS"/>
+                <a:sym typeface="Symbol" pitchFamily="18" charset="2"/>
+              </a:rPr>
+              <a:t>Make </a:t>
+            </a:r>
+            <a:r>
+              <a:rPr lang="en-US" sz="6600" dirty="0" smtClean="0">
+                <a:solidFill>
+                  <a:srgbClr val="0000CC"/>
+                </a:solidFill>
+                <a:latin typeface="Comic Sans MS" pitchFamily="66" charset="0"/>
+              </a:rPr>
+              <a:t>n</a:t>
+            </a:r>
+            <a:r>
+              <a:rPr lang="en-US" sz="6600" dirty="0" smtClean="0">
+                <a:latin typeface="Comic Sans MS" pitchFamily="66" charset="0"/>
+              </a:rPr>
+              <a:t> “trial observations” of </a:t>
+            </a:r>
+            <a:r>
+              <a:rPr lang="en-US" sz="6600" dirty="0" smtClean="0">
+                <a:solidFill>
+                  <a:srgbClr val="0000FF"/>
+                </a:solidFill>
+                <a:latin typeface="Comic Sans MS" pitchFamily="66" charset="0"/>
+              </a:rPr>
+              <a:t>R</a:t>
+            </a:r>
+            <a:endParaRPr lang="en-US" sz="8000" baseline="15000" dirty="0">
               <a:solidFill>
-                <a:srgbClr val="000000"/>
+                <a:schemeClr val="accent1">
+                  <a:lumMod val="50000"/>
+                </a:schemeClr>
               </a:solidFill>
-              <a:latin typeface="Times New Roman" pitchFamily="18" charset="0"/>
+              <a:latin typeface="Comic Sans MS" pitchFamily="66" charset="0"/>
             </a:endParaRPr>
           </a:p>
         </p:txBody>
       </p:sp>
       <p:sp>
         <p:nvSpPr>
-          <p:cNvPr id="24581" name="Text Box 4"/>
-          <p:cNvSpPr txBox="1">
-            <a:spLocks noChangeArrowheads="1"/>
+          <p:cNvPr id="30724" name="Rectangle 3"/>
+          <p:cNvSpPr>
+            <a:spLocks noGrp="1" noChangeArrowheads="1"/>
           </p:cNvSpPr>
-          <p:nvPr/>
+          <p:nvPr>
+            <p:ph type="title" idx="4294967295"/>
+          </p:nvPr>
         </p:nvSpPr>
-        <p:spPr bwMode="auto">
+        <p:spPr>
           <a:xfrm>
-            <a:off x="312420" y="1203960"/>
-            <a:ext cx="8526780" cy="4524315"/>
+            <a:off x="1569720" y="86360"/>
+            <a:ext cx="6075680" cy="967740"/>
           </a:xfrm>
-          <a:prstGeom prst="rect">
-            <a:avLst/>
-          </a:prstGeom>
-          <a:noFill/>
-          <a:ln w="9525">
-            <a:noFill/>
-            <a:miter lim="800000"/>
-            <a:headEnd/>
-            <a:tailEnd/>
-          </a:ln>
         </p:spPr>
         <p:txBody>
-          <a:bodyPr wrap="square">
-            <a:spAutoFit/>
-          </a:bodyPr>
+          <a:bodyPr/>
           <a:lstStyle/>
           <a:p>
             <a:r>
-              <a:rPr lang="en-US" sz="3600" dirty="0">
-                <a:solidFill>
-                  <a:srgbClr val="000000"/>
-                </a:solidFill>
-                <a:latin typeface="Times New Roman" pitchFamily="18" charset="0"/>
-              </a:rPr>
-              <a:t>It certainly remains to be inquired whether after the number of observations has been increased, </a:t>
-            </a:r>
-            <a:r>
-              <a:rPr lang="en-US" sz="3600" dirty="0">
-                <a:solidFill>
-                  <a:srgbClr val="0000FF"/>
-                </a:solidFill>
-                <a:latin typeface="Times New Roman" pitchFamily="18" charset="0"/>
-              </a:rPr>
-              <a:t>the probability…of obtaining the true ratio…finally exceeds any given degree of certainty</a:t>
-            </a:r>
-            <a:r>
-              <a:rPr lang="en-US" sz="3600" dirty="0">
-                <a:solidFill>
-                  <a:srgbClr val="000000"/>
-                </a:solidFill>
-                <a:latin typeface="Times New Roman" pitchFamily="18" charset="0"/>
-              </a:rPr>
-              <a:t>; </a:t>
-            </a:r>
-            <a:r>
-              <a:rPr lang="en-US" sz="3600" dirty="0">
-                <a:solidFill>
-                  <a:srgbClr val="007600"/>
-                </a:solidFill>
-                <a:latin typeface="Times New Roman" pitchFamily="18" charset="0"/>
-              </a:rPr>
-              <a:t>or</a:t>
-            </a:r>
-            <a:r>
-              <a:rPr lang="en-US" sz="3600" dirty="0">
-                <a:solidFill>
-                  <a:srgbClr val="000000"/>
-                </a:solidFill>
-                <a:latin typeface="Times New Roman" pitchFamily="18" charset="0"/>
-              </a:rPr>
-              <a:t> whether the problem has, so to speak, its own </a:t>
-            </a:r>
-            <a:r>
-              <a:rPr lang="en-US" sz="3600" dirty="0" smtClean="0">
-                <a:solidFill>
-                  <a:srgbClr val="000000"/>
-                </a:solidFill>
-                <a:latin typeface="Times New Roman" pitchFamily="18" charset="0"/>
-              </a:rPr>
-              <a:t>asymptote </a:t>
-            </a:r>
-            <a:r>
-              <a:rPr lang="en-US" sz="3600" dirty="0" smtClean="0">
-                <a:solidFill>
-                  <a:srgbClr val="000000"/>
-                </a:solidFill>
-                <a:latin typeface="Euclid Symbol" charset="2"/>
-                <a:cs typeface="Euclid Symbol" charset="2"/>
-                <a:sym typeface="Euclid Symbol" pitchFamily="18" charset="2"/>
-              </a:rPr>
-              <a:t>−</a:t>
-            </a:r>
-            <a:r>
-              <a:rPr lang="en-US" sz="3600" dirty="0" smtClean="0">
-                <a:solidFill>
-                  <a:srgbClr val="000000"/>
-                </a:solidFill>
-                <a:latin typeface="Times New Roman" pitchFamily="18" charset="0"/>
-              </a:rPr>
-              <a:t>that </a:t>
-            </a:r>
-            <a:r>
-              <a:rPr lang="en-US" sz="3600" dirty="0">
-                <a:solidFill>
-                  <a:srgbClr val="000000"/>
-                </a:solidFill>
-                <a:latin typeface="Times New Roman" pitchFamily="18" charset="0"/>
-              </a:rPr>
-              <a:t>is, whether </a:t>
-            </a:r>
-            <a:r>
-              <a:rPr lang="en-US" sz="3600" dirty="0">
-                <a:solidFill>
-                  <a:srgbClr val="0000FF"/>
-                </a:solidFill>
-                <a:latin typeface="Times New Roman" pitchFamily="18" charset="0"/>
-              </a:rPr>
-              <a:t>some degree of certainty is given which one can never exceed.</a:t>
-            </a:r>
-          </a:p>
-        </p:txBody>
-      </p:sp>
-      <p:sp>
-        <p:nvSpPr>
-          <p:cNvPr id="6" name="Rectangle 2"/>
-          <p:cNvSpPr>
-            <a:spLocks noChangeArrowheads="1"/>
-          </p:cNvSpPr>
-          <p:nvPr/>
-        </p:nvSpPr>
-        <p:spPr bwMode="auto">
-          <a:xfrm>
-            <a:off x="1173480" y="289560"/>
-            <a:ext cx="7086600" cy="899160"/>
-          </a:xfrm>
-          <a:prstGeom prst="rect">
-            <a:avLst/>
-          </a:prstGeom>
-          <a:noFill/>
-          <a:ln w="9525">
-            <a:noFill/>
-            <a:miter lim="800000"/>
-            <a:headEnd/>
-            <a:tailEnd/>
-          </a:ln>
-        </p:spPr>
-        <p:txBody>
-          <a:bodyPr anchor="ctr"/>
-          <a:lstStyle/>
-          <a:p>
-            <a:pPr algn="ctr"/>
-            <a:r>
-              <a:rPr lang="en-US" sz="3200" b="1" dirty="0">
-                <a:solidFill>
-                  <a:srgbClr val="000000"/>
-                </a:solidFill>
-                <a:latin typeface="Comic Sans MS" pitchFamily="66" charset="0"/>
-              </a:rPr>
-              <a:t>Jacob D. Bernoulli (</a:t>
-            </a:r>
-            <a:r>
-              <a:rPr lang="en-US" sz="3200" b="1" dirty="0" smtClean="0">
-                <a:solidFill>
-                  <a:srgbClr val="000000"/>
-                </a:solidFill>
-                <a:latin typeface="Comic Sans MS" pitchFamily="66" charset="0"/>
-              </a:rPr>
-              <a:t>1659</a:t>
-            </a:r>
-            <a:r>
-              <a:rPr lang="en-US" sz="3200" b="1" dirty="0" smtClean="0">
-                <a:solidFill>
-                  <a:srgbClr val="000000"/>
-                </a:solidFill>
-                <a:latin typeface="Euclid Symbol" charset="2"/>
-                <a:cs typeface="Euclid Symbol" charset="2"/>
-                <a:sym typeface="Euclid Symbol"/>
-              </a:rPr>
-              <a:t>−</a:t>
-            </a:r>
-            <a:r>
-              <a:rPr lang="en-US" sz="3200" b="1" dirty="0" smtClean="0">
-                <a:solidFill>
-                  <a:srgbClr val="000000"/>
-                </a:solidFill>
-                <a:latin typeface="Comic Sans MS" pitchFamily="66" charset="0"/>
-              </a:rPr>
-              <a:t>1705</a:t>
-            </a:r>
-            <a:r>
-              <a:rPr lang="en-US" sz="3200" b="1" dirty="0">
-                <a:solidFill>
-                  <a:srgbClr val="000000"/>
-                </a:solidFill>
-                <a:latin typeface="Comic Sans MS" pitchFamily="66" charset="0"/>
-              </a:rPr>
-              <a:t>)</a:t>
-            </a:r>
+              <a:rPr lang="en-US" sz="4400" dirty="0" smtClean="0"/>
+              <a:t>What Bernoulli means</a:t>
+            </a:r>
+            <a:endParaRPr lang="en-US" sz="4400" dirty="0">
+              <a:solidFill>
+                <a:srgbClr val="0000CC"/>
+              </a:solidFill>
+            </a:endParaRPr>
           </a:p>
         </p:txBody>
       </p:sp>
     </p:spTree>
+    <p:custDataLst>
+      <p:tags r:id="rId1"/>
+    </p:custDataLst>
+    <p:extLst>
+      <p:ext uri="{BB962C8B-B14F-4D97-AF65-F5344CB8AC3E}">
+        <p14:creationId xmlns:p14="http://schemas.microsoft.com/office/powerpoint/2010/main" val="1477894758"/>
+      </p:ext>
+    </p:extLst>
   </p:cSld>
   <p:clrMapOvr>
     <a:masterClrMapping/>
   </p:clrMapOvr>
-  <p:transition xmlns:p14="http://schemas.microsoft.com/office/powerpoint/2010/main" spd="slow" advClick="0">
-    <p:fade thruBlk="1"/>
-  </p:transition>
+  <mc:AlternateContent xmlns:mc="http://schemas.openxmlformats.org/markup-compatibility/2006">
+    <mc:Choice xmlns:p14="http://schemas.microsoft.com/office/powerpoint/2010/main" Requires="p14">
+      <p:transition spd="med" p14:dur="600" advClick="0">
+        <p:fade/>
+      </p:transition>
+    </mc:Choice>
+    <mc:Fallback>
+      <p:transition xmlns:p14="http://schemas.microsoft.com/office/powerpoint/2010/main" spd="med" advClick="0">
+        <p:fade/>
+      </p:transition>
+    </mc:Fallback>
+  </mc:AlternateContent>
   <p:timing>
     <p:tnLst>
       <p:par>
@@ -4862,8 +5161,8 @@
         </p:nvSpPr>
         <p:spPr bwMode="auto">
           <a:xfrm>
-            <a:off x="222023" y="1578538"/>
-            <a:ext cx="8139314" cy="3094202"/>
+            <a:off x="379412" y="1422400"/>
+            <a:ext cx="8370888" cy="3987800"/>
           </a:xfrm>
           <a:prstGeom prst="rect">
             <a:avLst/>
@@ -4884,28 +5183,34 @@
           <a:lstStyle/>
           <a:p>
             <a:pPr marL="0" indent="0">
+              <a:spcBef>
+                <a:spcPts val="0"/>
+              </a:spcBef>
+              <a:spcAft>
+                <a:spcPts val="0"/>
+              </a:spcAft>
               <a:buNone/>
             </a:pPr>
             <a:r>
-              <a:rPr lang="en-US" sz="4800" dirty="0" smtClean="0">
+              <a:rPr lang="en-US" sz="6000" dirty="0" smtClean="0">
                 <a:latin typeface="Comic Sans MS" pitchFamily="66" charset="0"/>
               </a:rPr>
               <a:t>Random </a:t>
             </a:r>
             <a:r>
-              <a:rPr lang="en-US" sz="4800" dirty="0" err="1" smtClean="0">
+              <a:rPr lang="en-US" sz="6000" dirty="0" err="1" smtClean="0">
                 <a:latin typeface="Comic Sans MS" pitchFamily="66" charset="0"/>
               </a:rPr>
               <a:t>var</a:t>
             </a:r>
             <a:r>
-              <a:rPr lang="en-US" sz="4800" dirty="0" smtClean="0">
+              <a:rPr lang="en-US" sz="6000" dirty="0" smtClean="0">
                 <a:latin typeface="Comic Sans MS" pitchFamily="66" charset="0"/>
               </a:rPr>
               <a:t> </a:t>
             </a:r>
             <a:r>
-              <a:rPr lang="en-US" sz="4800" dirty="0">
+              <a:rPr lang="en-US" sz="6000" dirty="0">
                 <a:solidFill>
                   <a:srgbClr val="0000FF"/>
                 </a:solidFill>
@@ -4914,157 +5219,47 @@
               <a:t>R</a:t>
             </a:r>
             <a:r>
-              <a:rPr lang="en-US" sz="4800" dirty="0">
+              <a:rPr lang="en-US" sz="6000" dirty="0">
                 <a:latin typeface="Comic Sans MS" pitchFamily="66" charset="0"/>
               </a:rPr>
               <a:t> </a:t>
             </a:r>
             <a:r>
-              <a:rPr lang="en-US" sz="4800" dirty="0" smtClean="0">
+              <a:rPr lang="en-US" sz="6000" dirty="0" smtClean="0">
                 <a:latin typeface="Comic Sans MS" pitchFamily="66" charset="0"/>
               </a:rPr>
-              <a:t>with mean </a:t>
-            </a:r>
-            <a:r>
-              <a:rPr lang="en-US" sz="4800" dirty="0" err="1" smtClean="0">
+              <a:t>with</a:t>
+            </a:r>
+          </a:p>
+          <a:p>
+            <a:pPr marL="0" indent="0">
+              <a:spcBef>
+                <a:spcPts val="0"/>
+              </a:spcBef>
+              <a:spcAft>
+                <a:spcPts val="0"/>
+              </a:spcAft>
+              <a:buNone/>
+            </a:pPr>
+            <a:r>
+              <a:rPr lang="en-US" sz="6000" dirty="0" smtClean="0">
+                <a:latin typeface="Comic Sans MS" pitchFamily="66" charset="0"/>
+              </a:rPr>
+              <a:t>mean </a:t>
+            </a:r>
+            <a:r>
+              <a:rPr lang="en-US" sz="6000" dirty="0" smtClean="0">
                 <a:solidFill>
                   <a:srgbClr val="0000FF"/>
                 </a:solidFill>
                 <a:latin typeface="Symbol" pitchFamily="18" charset="2"/>
                 <a:sym typeface="Symbol" pitchFamily="18" charset="2"/>
               </a:rPr>
-              <a:t>μ</a:t>
-            </a:r>
-            <a:endParaRPr lang="en-US" sz="4800" dirty="0" smtClean="0">
+              <a:t>μ.</a:t>
+            </a:r>
+            <a:endParaRPr lang="en-US" sz="7200" baseline="15000" dirty="0">
               <a:solidFill>
-                <a:srgbClr val="0000FF"/>
-              </a:solidFill>
-              <a:latin typeface="Symbol" pitchFamily="18" charset="2"/>
-              <a:sym typeface="Symbol" pitchFamily="18" charset="2"/>
-            </a:endParaRPr>
-          </a:p>
-          <a:p>
-            <a:pPr marL="0" indent="0" algn="ctr">
-              <a:buNone/>
-            </a:pPr>
-            <a:r>
-              <a:rPr lang="en-US" sz="4800" dirty="0">
-                <a:solidFill>
-                  <a:srgbClr val="0000CC"/>
-                </a:solidFill>
-                <a:latin typeface="Comic Sans MS" pitchFamily="66" charset="0"/>
-              </a:rPr>
-              <a:t>n</a:t>
-            </a:r>
-            <a:r>
-              <a:rPr lang="en-US" sz="4800" dirty="0">
-                <a:latin typeface="Comic Sans MS" pitchFamily="66" charset="0"/>
-              </a:rPr>
-              <a:t> independent </a:t>
-            </a:r>
-            <a:r>
-              <a:rPr lang="en-US" sz="4800" dirty="0" smtClean="0">
-                <a:latin typeface="Comic Sans MS" pitchFamily="66" charset="0"/>
-              </a:rPr>
-              <a:t>observations</a:t>
-            </a:r>
-          </a:p>
-          <a:p>
-            <a:pPr marL="0" indent="0" algn="ctr">
-              <a:buNone/>
-            </a:pPr>
-            <a:r>
-              <a:rPr lang="en-US" sz="6000" dirty="0" smtClean="0">
-                <a:solidFill>
-                  <a:schemeClr val="accent2"/>
-                </a:solidFill>
-                <a:latin typeface="Comic Sans MS" pitchFamily="66" charset="0"/>
-              </a:rPr>
-              <a:t> </a:t>
-            </a:r>
-            <a:r>
-              <a:rPr lang="en-US" sz="6000" dirty="0">
-                <a:solidFill>
-                  <a:schemeClr val="accent1">
-                    <a:lumMod val="50000"/>
-                  </a:schemeClr>
-                </a:solidFill>
-                <a:latin typeface="Comic Sans MS" pitchFamily="66" charset="0"/>
-              </a:rPr>
-              <a:t>R</a:t>
-            </a:r>
-            <a:r>
-              <a:rPr lang="en-US" sz="6000" baseline="-25000" dirty="0">
-                <a:solidFill>
-                  <a:schemeClr val="accent1">
-                    <a:lumMod val="50000"/>
-                  </a:schemeClr>
-                </a:solidFill>
-                <a:latin typeface="Comic Sans MS" pitchFamily="66" charset="0"/>
-              </a:rPr>
-              <a:t>1</a:t>
-            </a:r>
-            <a:r>
-              <a:rPr lang="en-US" sz="6000" dirty="0">
-                <a:solidFill>
-                  <a:schemeClr val="accent1">
-                    <a:lumMod val="50000"/>
-                  </a:schemeClr>
-                </a:solidFill>
-                <a:latin typeface="Comic Sans MS" pitchFamily="66" charset="0"/>
-              </a:rPr>
-              <a:t>,</a:t>
-            </a:r>
-            <a:r>
-              <a:rPr lang="en-US" sz="6000" dirty="0">
-                <a:solidFill>
-                  <a:schemeClr val="accent1">
-                    <a:lumMod val="50000"/>
-                  </a:schemeClr>
-                </a:solidFill>
-                <a:latin typeface="Comic Sans MS" pitchFamily="66" charset="0"/>
-                <a:sym typeface="MT Extra" pitchFamily="18" charset="2"/>
-              </a:rPr>
-              <a:t>,</a:t>
-            </a:r>
-            <a:r>
-              <a:rPr lang="en-US" sz="6000" dirty="0">
-                <a:solidFill>
-                  <a:schemeClr val="accent1">
-                    <a:lumMod val="50000"/>
-                  </a:schemeClr>
-                </a:solidFill>
-                <a:latin typeface="Comic Sans MS" pitchFamily="66" charset="0"/>
-              </a:rPr>
-              <a:t> </a:t>
-            </a:r>
-            <a:r>
-              <a:rPr lang="en-US" sz="6000" dirty="0" err="1">
-                <a:solidFill>
-                  <a:schemeClr val="accent1">
-                    <a:lumMod val="50000"/>
-                  </a:schemeClr>
-                </a:solidFill>
-                <a:latin typeface="Comic Sans MS" pitchFamily="66" charset="0"/>
-              </a:rPr>
-              <a:t>R</a:t>
-            </a:r>
-            <a:r>
-              <a:rPr lang="en-US" sz="6000" baseline="-25000" dirty="0" err="1">
-                <a:solidFill>
-                  <a:schemeClr val="accent1">
-                    <a:lumMod val="50000"/>
-                  </a:schemeClr>
-                </a:solidFill>
-                <a:latin typeface="Comic Sans MS" pitchFamily="66" charset="0"/>
-              </a:rPr>
-              <a:t>n</a:t>
-            </a:r>
-            <a:endParaRPr lang="en-US" sz="6000" baseline="15000" dirty="0">
-              <a:solidFill>
-                <a:schemeClr val="accent1">
-                  <a:lumMod val="50000"/>
-                </a:schemeClr>
+                <a:srgbClr val="000000"/>
               </a:solidFill>
               <a:latin typeface="Comic Sans MS" pitchFamily="66" charset="0"/>
             </a:endParaRPr>
@@ -5083,8 +5278,8 @@
         </p:nvSpPr>
         <p:spPr>
           <a:xfrm>
-            <a:off x="2255520" y="175260"/>
-            <a:ext cx="4655820" cy="990600"/>
+            <a:off x="1569720" y="86360"/>
+            <a:ext cx="6075680" cy="967740"/>
           </a:xfrm>
         </p:spPr>
         <p:txBody>
@@ -5092,10 +5287,10 @@
           <a:lstStyle/>
           <a:p>
             <a:r>
-              <a:rPr lang="en-US" sz="4400" dirty="0"/>
-              <a:t>Repeated Trials</a:t>
-            </a:r>
-            <a:endParaRPr lang="en-US" sz="4400" i="1" dirty="0">
+              <a:rPr lang="en-US" sz="4400" dirty="0" smtClean="0"/>
+              <a:t>What Bernoulli means</a:t>
+            </a:r>
+            <a:endParaRPr lang="en-US" sz="4400" dirty="0">
               <a:solidFill>
                 <a:srgbClr val="0000CC"/>
               </a:solidFill>
@@ -5107,6 +5302,631 @@
     <p:custDataLst>
       <p:tags r:id="rId1"/>
     </p:custDataLst>
+    <p:extLst>
+      <p:ext uri="{BB962C8B-B14F-4D97-AF65-F5344CB8AC3E}">
+        <p14:creationId xmlns:p14="http://schemas.microsoft.com/office/powerpoint/2010/main" val="2492279399"/>
+      </p:ext>
+    </p:extLst>
+  </p:cSld>
+  <p:clrMapOvr>
+    <a:masterClrMapping/>
+  </p:clrMapOvr>
+  <mc:AlternateContent xmlns:mc="http://schemas.openxmlformats.org/markup-compatibility/2006">
+    <mc:Choice xmlns:p14="http://schemas.microsoft.com/office/powerpoint/2010/main" Requires="p14">
+      <p:transition spd="med" p14:dur="600" advClick="0">
+        <p:fade/>
+      </p:transition>
+    </mc:Choice>
+    <mc:Fallback>
+      <p:transition xmlns:p14="http://schemas.microsoft.com/office/powerpoint/2010/main" spd="med" advClick="0">
+        <p:fade/>
+      </p:transition>
+    </mc:Fallback>
+  </mc:AlternateContent>
+  <p:timing>
+    <p:tnLst>
+      <p:par>
+        <p:cTn xmlns:p14="http://schemas.microsoft.com/office/powerpoint/2010/main" id="1" dur="indefinite" restart="never" nodeType="tmRoot"/>
+      </p:par>
+    </p:tnLst>
+  </p:timing>
+</p:sld>
+</file>
+
+<file path=ppt/slides/slide12.xml><?xml version="1.0" encoding="utf-8"?>
+<p:sld xmlns:a="http://schemas.openxmlformats.org/drawingml/2006/main" xmlns:r="http://schemas.openxmlformats.org/officeDocument/2006/relationships" xmlns:p="http://schemas.openxmlformats.org/presentationml/2006/main" showMasterPhAnim="0">
+  <p:cSld>
+    <p:spTree>
+      <p:nvGrpSpPr>
+        <p:cNvPr id="1" name=""/>
+        <p:cNvGrpSpPr/>
+        <p:nvPr/>
+      </p:nvGrpSpPr>
+      <p:grpSpPr>
+        <a:xfrm>
+          <a:off x="0" y="0"/>
+          <a:ext cx="0" cy="0"/>
+          <a:chOff x="0" y="0"/>
+          <a:chExt cx="0" cy="0"/>
+        </a:xfrm>
+      </p:grpSpPr>
+      <p:sp>
+        <p:nvSpPr>
+          <p:cNvPr id="30723" name="Rectangle 2"/>
+          <p:cNvSpPr>
+            <a:spLocks noGrp="1" noChangeArrowheads="1"/>
+          </p:cNvSpPr>
+          <p:nvPr>
+            <p:ph type="body" sz="half" idx="4294967295"/>
+          </p:nvPr>
+        </p:nvSpPr>
+        <p:spPr bwMode="auto">
+          <a:xfrm>
+            <a:off x="379412" y="1422400"/>
+            <a:ext cx="8370888" cy="3987800"/>
+          </a:xfrm>
+          <a:prstGeom prst="rect">
+            <a:avLst/>
+          </a:prstGeom>
+          <a:solidFill>
+            <a:srgbClr val="FFFFFF">
+              <a:alpha val="0"/>
+            </a:srgbClr>
+          </a:solidFill>
+          <a:ln cap="flat">
+            <a:miter lim="800000"/>
+            <a:headEnd/>
+            <a:tailEnd/>
+          </a:ln>
+        </p:spPr>
+        <p:txBody>
+          <a:bodyPr/>
+          <a:lstStyle/>
+          <a:p>
+            <a:pPr marL="0" indent="0">
+              <a:spcBef>
+                <a:spcPts val="0"/>
+              </a:spcBef>
+              <a:spcAft>
+                <a:spcPts val="0"/>
+              </a:spcAft>
+              <a:buNone/>
+            </a:pPr>
+            <a:r>
+              <a:rPr lang="en-US" sz="6000" dirty="0" smtClean="0">
+                <a:latin typeface="Comic Sans MS" pitchFamily="66" charset="0"/>
+              </a:rPr>
+              <a:t>Random </a:t>
+            </a:r>
+            <a:r>
+              <a:rPr lang="en-US" sz="6000" dirty="0" err="1" smtClean="0">
+                <a:latin typeface="Comic Sans MS" pitchFamily="66" charset="0"/>
+              </a:rPr>
+              <a:t>var</a:t>
+            </a:r>
+            <a:r>
+              <a:rPr lang="en-US" sz="6000" dirty="0" smtClean="0">
+                <a:latin typeface="Comic Sans MS" pitchFamily="66" charset="0"/>
+              </a:rPr>
+              <a:t> </a:t>
+            </a:r>
+            <a:r>
+              <a:rPr lang="en-US" sz="6000" dirty="0">
+                <a:solidFill>
+                  <a:srgbClr val="0000FF"/>
+                </a:solidFill>
+                <a:latin typeface="Comic Sans MS" pitchFamily="66" charset="0"/>
+              </a:rPr>
+              <a:t>R</a:t>
+            </a:r>
+            <a:r>
+              <a:rPr lang="en-US" sz="6000" dirty="0">
+                <a:latin typeface="Comic Sans MS" pitchFamily="66" charset="0"/>
+              </a:rPr>
+              <a:t> </a:t>
+            </a:r>
+            <a:r>
+              <a:rPr lang="en-US" sz="6000" dirty="0" smtClean="0">
+                <a:latin typeface="Comic Sans MS" pitchFamily="66" charset="0"/>
+              </a:rPr>
+              <a:t>with</a:t>
+            </a:r>
+          </a:p>
+          <a:p>
+            <a:pPr marL="0" indent="0">
+              <a:spcBef>
+                <a:spcPts val="0"/>
+              </a:spcBef>
+              <a:spcAft>
+                <a:spcPts val="0"/>
+              </a:spcAft>
+              <a:buNone/>
+            </a:pPr>
+            <a:r>
+              <a:rPr lang="en-US" sz="6000" dirty="0" smtClean="0">
+                <a:latin typeface="Comic Sans MS" pitchFamily="66" charset="0"/>
+              </a:rPr>
+              <a:t>mean </a:t>
+            </a:r>
+            <a:r>
+              <a:rPr lang="en-US" sz="6000" dirty="0" smtClean="0">
+                <a:solidFill>
+                  <a:srgbClr val="0000FF"/>
+                </a:solidFill>
+                <a:latin typeface="Symbol" pitchFamily="18" charset="2"/>
+                <a:sym typeface="Symbol" pitchFamily="18" charset="2"/>
+              </a:rPr>
+              <a:t>μ.    </a:t>
+            </a:r>
+            <a:r>
+              <a:rPr lang="en-US" sz="6000" dirty="0" smtClean="0">
+                <a:solidFill>
+                  <a:srgbClr val="000000"/>
+                </a:solidFill>
+                <a:latin typeface="Comic Sans MS"/>
+                <a:cs typeface="Comic Sans MS"/>
+                <a:sym typeface="Symbol" pitchFamily="18" charset="2"/>
+              </a:rPr>
+              <a:t>Make </a:t>
+            </a:r>
+            <a:r>
+              <a:rPr lang="en-US" sz="6000" dirty="0" smtClean="0">
+                <a:solidFill>
+                  <a:srgbClr val="0000CC"/>
+                </a:solidFill>
+                <a:latin typeface="Comic Sans MS" pitchFamily="66" charset="0"/>
+              </a:rPr>
+              <a:t>n</a:t>
+            </a:r>
+            <a:r>
+              <a:rPr lang="en-US" sz="6000" dirty="0" smtClean="0">
+                <a:latin typeface="Comic Sans MS" pitchFamily="66" charset="0"/>
+              </a:rPr>
+              <a:t> “trial observations” of </a:t>
+            </a:r>
+            <a:r>
+              <a:rPr lang="en-US" sz="6000" dirty="0" smtClean="0">
+                <a:solidFill>
+                  <a:srgbClr val="0000FF"/>
+                </a:solidFill>
+                <a:latin typeface="Comic Sans MS" pitchFamily="66" charset="0"/>
+              </a:rPr>
+              <a:t>R</a:t>
+            </a:r>
+          </a:p>
+          <a:p>
+            <a:pPr marL="0" indent="0">
+              <a:spcBef>
+                <a:spcPts val="0"/>
+              </a:spcBef>
+              <a:spcAft>
+                <a:spcPts val="0"/>
+              </a:spcAft>
+              <a:buNone/>
+            </a:pPr>
+            <a:r>
+              <a:rPr lang="en-US" sz="6000" dirty="0" smtClean="0">
+                <a:solidFill>
+                  <a:srgbClr val="000000"/>
+                </a:solidFill>
+                <a:latin typeface="Comic Sans MS" pitchFamily="66" charset="0"/>
+              </a:rPr>
+              <a:t>and take the average</a:t>
+            </a:r>
+            <a:endParaRPr lang="en-US" sz="7200" baseline="15000" dirty="0">
+              <a:solidFill>
+                <a:srgbClr val="000000"/>
+              </a:solidFill>
+              <a:latin typeface="Comic Sans MS" pitchFamily="66" charset="0"/>
+            </a:endParaRPr>
+          </a:p>
+        </p:txBody>
+      </p:sp>
+      <p:sp>
+        <p:nvSpPr>
+          <p:cNvPr id="30724" name="Rectangle 3"/>
+          <p:cNvSpPr>
+            <a:spLocks noGrp="1" noChangeArrowheads="1"/>
+          </p:cNvSpPr>
+          <p:nvPr>
+            <p:ph type="title" idx="4294967295"/>
+          </p:nvPr>
+        </p:nvSpPr>
+        <p:spPr>
+          <a:xfrm>
+            <a:off x="1569720" y="86360"/>
+            <a:ext cx="6075680" cy="967740"/>
+          </a:xfrm>
+        </p:spPr>
+        <p:txBody>
+          <a:bodyPr/>
+          <a:lstStyle/>
+          <a:p>
+            <a:r>
+              <a:rPr lang="en-US" sz="4400" dirty="0" smtClean="0"/>
+              <a:t>What Bernoulli means</a:t>
+            </a:r>
+            <a:endParaRPr lang="en-US" sz="4400" dirty="0">
+              <a:solidFill>
+                <a:srgbClr val="0000CC"/>
+              </a:solidFill>
+            </a:endParaRPr>
+          </a:p>
+        </p:txBody>
+      </p:sp>
+    </p:spTree>
+    <p:custDataLst>
+      <p:tags r:id="rId1"/>
+    </p:custDataLst>
+    <p:extLst>
+      <p:ext uri="{BB962C8B-B14F-4D97-AF65-F5344CB8AC3E}">
+        <p14:creationId xmlns:p14="http://schemas.microsoft.com/office/powerpoint/2010/main" val="335817426"/>
+      </p:ext>
+    </p:extLst>
+  </p:cSld>
+  <p:clrMapOvr>
+    <a:masterClrMapping/>
+  </p:clrMapOvr>
+  <mc:AlternateContent xmlns:mc="http://schemas.openxmlformats.org/markup-compatibility/2006">
+    <mc:Choice xmlns:p14="http://schemas.microsoft.com/office/powerpoint/2010/main" Requires="p14">
+      <p:transition spd="med" p14:dur="600" advClick="0">
+        <p:fade/>
+      </p:transition>
+    </mc:Choice>
+    <mc:Fallback>
+      <p:transition xmlns:p14="http://schemas.microsoft.com/office/powerpoint/2010/main" spd="med" advClick="0">
+        <p:fade/>
+      </p:transition>
+    </mc:Fallback>
+  </mc:AlternateContent>
+  <p:timing>
+    <p:tnLst>
+      <p:par>
+        <p:cTn xmlns:p14="http://schemas.microsoft.com/office/powerpoint/2010/main" id="1" dur="indefinite" restart="never" nodeType="tmRoot">
+          <p:childTnLst>
+            <p:seq concurrent="1" nextAc="seek">
+              <p:cTn id="2" dur="indefinite" nodeType="mainSeq">
+                <p:childTnLst>
+                  <p:par>
+                    <p:cTn id="3" fill="hold">
+                      <p:stCondLst>
+                        <p:cond delay="indefinite"/>
+                      </p:stCondLst>
+                      <p:childTnLst>
+                        <p:par>
+                          <p:cTn id="4" fill="hold">
+                            <p:stCondLst>
+                              <p:cond delay="0"/>
+                            </p:stCondLst>
+                            <p:childTnLst>
+                              <p:par>
+                                <p:cTn id="5" presetID="10" presetClass="entr" presetSubtype="0" fill="hold" nodeType="clickEffect">
+                                  <p:stCondLst>
+                                    <p:cond delay="0"/>
+                                  </p:stCondLst>
+                                  <p:childTnLst>
+                                    <p:set>
+                                      <p:cBhvr>
+                                        <p:cTn id="6" dur="1" fill="hold">
+                                          <p:stCondLst>
+                                            <p:cond delay="0"/>
+                                          </p:stCondLst>
+                                        </p:cTn>
+                                        <p:tgtEl>
+                                          <p:spTgt spid="30723">
+                                            <p:txEl>
+                                              <p:pRg st="2" end="2"/>
+                                            </p:txEl>
+                                          </p:spTgt>
+                                        </p:tgtEl>
+                                        <p:attrNameLst>
+                                          <p:attrName>style.visibility</p:attrName>
+                                        </p:attrNameLst>
+                                      </p:cBhvr>
+                                      <p:to>
+                                        <p:strVal val="visible"/>
+                                      </p:to>
+                                    </p:set>
+                                    <p:animEffect transition="in" filter="fade">
+                                      <p:cBhvr>
+                                        <p:cTn id="7" dur="500"/>
+                                        <p:tgtEl>
+                                          <p:spTgt spid="30723">
+                                            <p:txEl>
+                                              <p:pRg st="2" end="2"/>
+                                            </p:txEl>
+                                          </p:spTgt>
+                                        </p:tgtEl>
+                                      </p:cBhvr>
+                                    </p:animEffect>
+                                  </p:childTnLst>
+                                </p:cTn>
+                              </p:par>
+                            </p:childTnLst>
+                          </p:cTn>
+                        </p:par>
+                      </p:childTnLst>
+                    </p:cTn>
+                  </p:par>
+                </p:childTnLst>
+              </p:cTn>
+              <p:prevCondLst>
+                <p:cond evt="onPrev" delay="0">
+                  <p:tgtEl>
+                    <p:sldTgt/>
+                  </p:tgtEl>
+                </p:cond>
+              </p:prevCondLst>
+              <p:nextCondLst>
+                <p:cond evt="onNext" delay="0">
+                  <p:tgtEl>
+                    <p:sldTgt/>
+                  </p:tgtEl>
+                </p:cond>
+              </p:nextCondLst>
+            </p:seq>
+          </p:childTnLst>
+        </p:cTn>
+      </p:par>
+    </p:tnLst>
+  </p:timing>
+</p:sld>
+</file>
+
+<file path=ppt/slides/slide13.xml><?xml version="1.0" encoding="utf-8"?>
+<p:sld xmlns:a="http://schemas.openxmlformats.org/drawingml/2006/main" xmlns:r="http://schemas.openxmlformats.org/officeDocument/2006/relationships" xmlns:p="http://schemas.openxmlformats.org/presentationml/2006/main" showMasterPhAnim="0">
+  <p:cSld>
+    <p:spTree>
+      <p:nvGrpSpPr>
+        <p:cNvPr id="1" name=""/>
+        <p:cNvGrpSpPr/>
+        <p:nvPr/>
+      </p:nvGrpSpPr>
+      <p:grpSpPr>
+        <a:xfrm>
+          <a:off x="0" y="0"/>
+          <a:ext cx="0" cy="0"/>
+          <a:chOff x="0" y="0"/>
+          <a:chExt cx="0" cy="0"/>
+        </a:xfrm>
+      </p:grpSpPr>
+      <p:sp>
+        <p:nvSpPr>
+          <p:cNvPr id="30723" name="Rectangle 2"/>
+          <p:cNvSpPr>
+            <a:spLocks noGrp="1" noChangeArrowheads="1"/>
+          </p:cNvSpPr>
+          <p:nvPr>
+            <p:ph type="body" sz="half" idx="4294967295"/>
+          </p:nvPr>
+        </p:nvSpPr>
+        <p:spPr bwMode="auto">
+          <a:xfrm>
+            <a:off x="689769" y="912812"/>
+            <a:ext cx="7806531" cy="5119688"/>
+          </a:xfrm>
+          <a:prstGeom prst="rect">
+            <a:avLst/>
+          </a:prstGeom>
+          <a:solidFill>
+            <a:srgbClr val="FFFFFF">
+              <a:alpha val="0"/>
+            </a:srgbClr>
+          </a:solidFill>
+          <a:ln cap="flat">
+            <a:miter lim="800000"/>
+            <a:headEnd/>
+            <a:tailEnd/>
+          </a:ln>
+        </p:spPr>
+        <p:txBody>
+          <a:bodyPr/>
+          <a:lstStyle/>
+          <a:p>
+            <a:pPr marL="0" indent="0">
+              <a:buNone/>
+            </a:pPr>
+            <a:r>
+              <a:rPr lang="en-US" sz="5400" dirty="0" smtClean="0">
+                <a:latin typeface="Comic Sans MS" pitchFamily="66" charset="0"/>
+              </a:rPr>
+              <a:t>Mutually independent, identically distributed (</a:t>
+            </a:r>
+            <a:r>
+              <a:rPr lang="en-US" sz="5400" dirty="0" err="1" smtClean="0">
+                <a:latin typeface="Comic Sans MS" pitchFamily="66" charset="0"/>
+              </a:rPr>
+              <a:t>i.i.d</a:t>
+            </a:r>
+            <a:r>
+              <a:rPr lang="en-US" sz="5400" dirty="0" smtClean="0">
+                <a:latin typeface="Comic Sans MS" pitchFamily="66" charset="0"/>
+              </a:rPr>
+              <a:t>) </a:t>
+            </a:r>
+            <a:r>
+              <a:rPr lang="en-US" sz="5400" dirty="0" smtClean="0">
+                <a:latin typeface="Comic Sans MS" pitchFamily="66" charset="0"/>
+              </a:rPr>
+              <a:t>random variables</a:t>
+            </a:r>
+            <a:endParaRPr lang="en-US" sz="5400" dirty="0" smtClean="0">
+              <a:latin typeface="Comic Sans MS" pitchFamily="66" charset="0"/>
+            </a:endParaRPr>
+          </a:p>
+          <a:p>
+            <a:pPr marL="0" indent="0" algn="ctr">
+              <a:buNone/>
+            </a:pPr>
+            <a:r>
+              <a:rPr lang="en-US" sz="6600" dirty="0" smtClean="0">
+                <a:solidFill>
+                  <a:schemeClr val="accent2"/>
+                </a:solidFill>
+                <a:latin typeface="Comic Sans MS" pitchFamily="66" charset="0"/>
+              </a:rPr>
+              <a:t> </a:t>
+            </a:r>
+            <a:r>
+              <a:rPr lang="en-US" sz="6600" dirty="0">
+                <a:solidFill>
+                  <a:schemeClr val="accent1">
+                    <a:lumMod val="50000"/>
+                  </a:schemeClr>
+                </a:solidFill>
+                <a:latin typeface="Comic Sans MS" pitchFamily="66" charset="0"/>
+              </a:rPr>
+              <a:t>R</a:t>
+            </a:r>
+            <a:r>
+              <a:rPr lang="en-US" sz="6600" baseline="-25000" dirty="0">
+                <a:solidFill>
+                  <a:schemeClr val="accent1">
+                    <a:lumMod val="50000"/>
+                  </a:schemeClr>
+                </a:solidFill>
+                <a:latin typeface="Comic Sans MS" pitchFamily="66" charset="0"/>
+              </a:rPr>
+              <a:t>1</a:t>
+            </a:r>
+            <a:r>
+              <a:rPr lang="en-US" sz="6600" dirty="0">
+                <a:solidFill>
+                  <a:schemeClr val="accent1">
+                    <a:lumMod val="50000"/>
+                  </a:schemeClr>
+                </a:solidFill>
+                <a:latin typeface="Comic Sans MS" pitchFamily="66" charset="0"/>
+              </a:rPr>
+              <a:t>,</a:t>
+            </a:r>
+            <a:r>
+              <a:rPr lang="en-US" sz="6600" dirty="0">
+                <a:solidFill>
+                  <a:schemeClr val="accent1">
+                    <a:lumMod val="50000"/>
+                  </a:schemeClr>
+                </a:solidFill>
+                <a:latin typeface="Comic Sans MS" pitchFamily="66" charset="0"/>
+                <a:sym typeface="MT Extra" pitchFamily="18" charset="2"/>
+              </a:rPr>
+              <a:t>,</a:t>
+            </a:r>
+            <a:r>
+              <a:rPr lang="en-US" sz="6600" dirty="0">
+                <a:solidFill>
+                  <a:schemeClr val="accent1">
+                    <a:lumMod val="50000"/>
+                  </a:schemeClr>
+                </a:solidFill>
+                <a:latin typeface="Comic Sans MS" pitchFamily="66" charset="0"/>
+              </a:rPr>
+              <a:t> </a:t>
+            </a:r>
+            <a:r>
+              <a:rPr lang="en-US" sz="6600" dirty="0" err="1" smtClean="0">
+                <a:solidFill>
+                  <a:schemeClr val="accent1">
+                    <a:lumMod val="50000"/>
+                  </a:schemeClr>
+                </a:solidFill>
+                <a:latin typeface="Comic Sans MS" pitchFamily="66" charset="0"/>
+              </a:rPr>
+              <a:t>R</a:t>
+            </a:r>
+            <a:r>
+              <a:rPr lang="en-US" sz="6600" baseline="-25000" dirty="0" err="1" smtClean="0">
+                <a:solidFill>
+                  <a:schemeClr val="accent1">
+                    <a:lumMod val="50000"/>
+                  </a:schemeClr>
+                </a:solidFill>
+                <a:latin typeface="Comic Sans MS" pitchFamily="66" charset="0"/>
+              </a:rPr>
+              <a:t>n</a:t>
+            </a:r>
+            <a:endParaRPr lang="en-US" sz="6600" baseline="-25000" dirty="0" smtClean="0">
+              <a:solidFill>
+                <a:schemeClr val="accent1">
+                  <a:lumMod val="50000"/>
+                </a:schemeClr>
+              </a:solidFill>
+              <a:latin typeface="Comic Sans MS" pitchFamily="66" charset="0"/>
+            </a:endParaRPr>
+          </a:p>
+          <a:p>
+            <a:pPr marL="0" indent="0">
+              <a:buNone/>
+            </a:pPr>
+            <a:r>
+              <a:rPr lang="en-US" sz="6000" dirty="0" smtClean="0">
+                <a:solidFill>
+                  <a:srgbClr val="000000"/>
+                </a:solidFill>
+                <a:latin typeface="Comic Sans MS" pitchFamily="66" charset="0"/>
+              </a:rPr>
+              <a:t>with mean </a:t>
+            </a:r>
+            <a:r>
+              <a:rPr lang="en-US" sz="6000" dirty="0" smtClean="0">
+                <a:solidFill>
+                  <a:srgbClr val="0000FF"/>
+                </a:solidFill>
+                <a:latin typeface="Symbol" pitchFamily="18" charset="2"/>
+                <a:sym typeface="Symbol" pitchFamily="18" charset="2"/>
+              </a:rPr>
+              <a:t>μ</a:t>
+            </a:r>
+            <a:endParaRPr lang="en-US" sz="6000" dirty="0">
+              <a:solidFill>
+                <a:srgbClr val="000000"/>
+              </a:solidFill>
+              <a:latin typeface="Comic Sans MS" pitchFamily="66" charset="0"/>
+            </a:endParaRPr>
+          </a:p>
+        </p:txBody>
+      </p:sp>
+      <p:sp>
+        <p:nvSpPr>
+          <p:cNvPr id="30724" name="Rectangle 3"/>
+          <p:cNvSpPr>
+            <a:spLocks noGrp="1" noChangeArrowheads="1"/>
+          </p:cNvSpPr>
+          <p:nvPr>
+            <p:ph type="title" idx="4294967295"/>
+          </p:nvPr>
+        </p:nvSpPr>
+        <p:spPr>
+          <a:xfrm>
+            <a:off x="1569720" y="86360"/>
+            <a:ext cx="6075680" cy="967740"/>
+          </a:xfrm>
+        </p:spPr>
+        <p:txBody>
+          <a:bodyPr/>
+          <a:lstStyle/>
+          <a:p>
+            <a:r>
+              <a:rPr lang="en-US" sz="4400" dirty="0" smtClean="0"/>
+              <a:t>What Bernoulli means</a:t>
+            </a:r>
+            <a:endParaRPr lang="en-US" sz="4400" dirty="0">
+              <a:solidFill>
+                <a:srgbClr val="0000CC"/>
+              </a:solidFill>
+            </a:endParaRPr>
+          </a:p>
+        </p:txBody>
+      </p:sp>
+    </p:spTree>
+    <p:custDataLst>
+      <p:tags r:id="rId1"/>
+    </p:custDataLst>
+    <p:extLst>
+      <p:ext uri="{BB962C8B-B14F-4D97-AF65-F5344CB8AC3E}">
+        <p14:creationId xmlns:p14="http://schemas.microsoft.com/office/powerpoint/2010/main" val="3565224875"/>
+      </p:ext>
+    </p:extLst>
   </p:cSld>
   <p:clrMapOvr>
     <a:masterClrMapping/>
@@ -5135,7 +5955,7 @@
                             </p:stCondLst>
                             <p:childTnLst>
                               <p:par>
-                                <p:cTn id="5" presetID="9" presetClass="entr" presetSubtype="0" fill="hold" nodeType="clickEffect">
+                                <p:cTn id="5" presetID="22" presetClass="entr" presetSubtype="8" fill="hold" nodeType="clickEffect">
                                   <p:stCondLst>
                                     <p:cond delay="0"/>
                                   </p:stCondLst>
@@ -5162,9 +5982,9 @@
                                         <p:strVal val="visible"/>
                                       </p:to>
                                     </p:set>
-                                    <p:animEffect transition="in" filter="dissolve">
+                                    <p:animEffect transition="in" filter="wipe(left)">
                                       <p:cBhvr>
-                                        <p:cTn id="7" dur="500"/>
+                                        <p:cTn id="7" dur="1000"/>
                                         <p:tgtEl>
                                           <p:spTgt spid="30723">
                                             <p:txEl>
@@ -5196,7 +6016,7 @@
                             </p:stCondLst>
                             <p:childTnLst>
                               <p:par>
-                                <p:cTn id="10" presetID="9" presetClass="entr" presetSubtype="0" fill="hold" nodeType="clickEffect">
+                                <p:cTn id="10" presetID="10" presetClass="entr" presetSubtype="0" fill="hold" nodeType="clickEffect">
                                   <p:stCondLst>
                                     <p:cond delay="0"/>
                                   </p:stCondLst>
@@ -5223,7 +6043,7 @@
                                         <p:strVal val="visible"/>
                                       </p:to>
                                     </p:set>
-                                    <p:animEffect transition="in" filter="dissolve">
+                                    <p:animEffect transition="in" filter="fade">
                                       <p:cBhvr>
                                         <p:cTn id="12" dur="500"/>
                                         <p:tgtEl>
@@ -5269,8 +6089,8 @@
 </p:sld>
 </file>
 
-<file path=ppt/slides/slide12.xml><?xml version="1.0" encoding="utf-8"?>
-<p:sld xmlns:a="http://schemas.openxmlformats.org/drawingml/2006/main" xmlns:r="http://schemas.openxmlformats.org/officeDocument/2006/relationships" xmlns:p="http://schemas.openxmlformats.org/presentationml/2006/main" showMasterPhAnim="0">
+<file path=ppt/slides/slide14.xml><?xml version="1.0" encoding="utf-8"?>
+<p:sld xmlns:a="http://schemas.openxmlformats.org/drawingml/2006/main" xmlns:r="http://schemas.openxmlformats.org/officeDocument/2006/relationships" xmlns:p="http://schemas.openxmlformats.org/presentationml/2006/main" showMasterPhAnim="0" show="0">
   <p:cSld>
     <p:spTree>
       <p:nvGrpSpPr>
@@ -5308,7 +6128,7 @@
           <a:graphicData uri="http://schemas.openxmlformats.org/presentationml/2006/ole">
             <mc:AlternateContent xmlns:mc="http://schemas.openxmlformats.org/markup-compatibility/2006">
               <mc:Choice xmlns:v="urn:schemas-microsoft-com:vml" Requires="v">
-                <p:oleObj spid="_x0000_s144480" name="Equation" r:id="rId5" imgW="1397000" imgH="292100" progId="Equation.DSMT4">
+                <p:oleObj spid="_x0000_s144497" name="Equation" r:id="rId5" imgW="1397000" imgH="292100" progId="Equation.DSMT4">
                   <p:embed/>
                 </p:oleObj>
               </mc:Choice>
@@ -5604,7 +6424,7 @@
           <a:graphicData uri="http://schemas.openxmlformats.org/presentationml/2006/ole">
             <mc:AlternateContent xmlns:mc="http://schemas.openxmlformats.org/markup-compatibility/2006">
               <mc:Choice xmlns:v="urn:schemas-microsoft-com:vml" Requires="v">
-                <p:oleObj spid="_x0000_s144481" name="Equation" r:id="rId7" imgW="1524000" imgH="495300" progId="Equation.DSMT4">
+                <p:oleObj spid="_x0000_s144498" name="Equation" r:id="rId7" imgW="1524000" imgH="495300" progId="Equation.DSMT4">
                   <p:embed/>
                 </p:oleObj>
               </mc:Choice>
@@ -5743,13 +6563,13 @@
   <p:clrMapOvr>
     <a:masterClrMapping/>
   </p:clrMapOvr>
-  <mc:AlternateContent xmlns:mc="http://schemas.openxmlformats.org/markup-compatibility/2006" xmlns:p14="http://schemas.microsoft.com/office/powerpoint/2010/main">
-    <mc:Choice Requires="p14">
+  <mc:AlternateContent xmlns:mc="http://schemas.openxmlformats.org/markup-compatibility/2006">
+    <mc:Choice xmlns:p14="http://schemas.microsoft.com/office/powerpoint/2010/main" Requires="p14">
       <p:transition spd="slow" p14:dur="900" advClick="0">
         <p:fade/>
       </p:transition>
     </mc:Choice>
-    <mc:Fallback xmlns="">
+    <mc:Fallback>
       <p:transition xmlns:p14="http://schemas.microsoft.com/office/powerpoint/2010/main" spd="slow" advClick="0">
         <p:fade/>
       </p:transition>
@@ -5854,7 +6674,7 @@
                                     </p:set>
                                     <p:animEffect transition="in" filter="fade">
                                       <p:cBhvr>
-                                        <p:cTn id="12" dur="500"/>
+                                        <p:cTn id="12" dur="1000"/>
                                         <p:tgtEl>
                                           <p:spTgt spid="81928"/>
                                         </p:tgtEl>
@@ -5995,8 +6815,547 @@
 </p:sld>
 </file>
 
-<file path=ppt/slides/slide13.xml><?xml version="1.0" encoding="utf-8"?>
-<p:sld xmlns:a="http://schemas.openxmlformats.org/drawingml/2006/main" xmlns:r="http://schemas.openxmlformats.org/officeDocument/2006/relationships" xmlns:p="http://schemas.openxmlformats.org/presentationml/2006/main" showMasterPhAnim="0" show="0">
+<file path=ppt/slides/slide15.xml><?xml version="1.0" encoding="utf-8"?>
+<p:sld xmlns:a="http://schemas.openxmlformats.org/drawingml/2006/main" xmlns:r="http://schemas.openxmlformats.org/officeDocument/2006/relationships" xmlns:p="http://schemas.openxmlformats.org/presentationml/2006/main" showMasterPhAnim="0">
+  <p:cSld>
+    <p:spTree>
+      <p:nvGrpSpPr>
+        <p:cNvPr id="1" name=""/>
+        <p:cNvGrpSpPr/>
+        <p:nvPr/>
+      </p:nvGrpSpPr>
+      <p:grpSpPr>
+        <a:xfrm>
+          <a:off x="0" y="0"/>
+          <a:ext cx="0" cy="0"/>
+          <a:chOff x="0" y="0"/>
+          <a:chExt cx="0" cy="0"/>
+        </a:xfrm>
+      </p:grpSpPr>
+      <p:sp>
+        <p:nvSpPr>
+          <p:cNvPr id="320527" name="Text Box 15"/>
+          <p:cNvSpPr txBox="1">
+            <a:spLocks noChangeArrowheads="1"/>
+          </p:cNvSpPr>
+          <p:nvPr/>
+        </p:nvSpPr>
+        <p:spPr bwMode="auto">
+          <a:xfrm>
+            <a:off x="554038" y="1054487"/>
+            <a:ext cx="4017962" cy="823912"/>
+          </a:xfrm>
+          <a:prstGeom prst="rect">
+            <a:avLst/>
+          </a:prstGeom>
+          <a:noFill/>
+          <a:ln w="9525" algn="ctr">
+            <a:noFill/>
+            <a:miter lim="800000"/>
+            <a:headEnd/>
+            <a:tailEnd/>
+          </a:ln>
+        </p:spPr>
+        <p:txBody>
+          <a:bodyPr wrap="none">
+            <a:spAutoFit/>
+          </a:bodyPr>
+          <a:lstStyle/>
+          <a:p>
+            <a:pPr algn="ctr"/>
+            <a:r>
+              <a:rPr lang="en-US" sz="4800" dirty="0">
+                <a:latin typeface="Comic Sans MS"/>
+                <a:cs typeface="Comic Sans MS"/>
+              </a:rPr>
+              <a:t>take average:</a:t>
+            </a:r>
+          </a:p>
+        </p:txBody>
+      </p:sp>
+      <p:sp>
+        <p:nvSpPr>
+          <p:cNvPr id="81928" name="Text Box 8"/>
+          <p:cNvSpPr txBox="1">
+            <a:spLocks noChangeArrowheads="1"/>
+          </p:cNvSpPr>
+          <p:nvPr/>
+        </p:nvSpPr>
+        <p:spPr bwMode="auto">
+          <a:xfrm>
+            <a:off x="154953" y="3315093"/>
+            <a:ext cx="8833921" cy="1569660"/>
+          </a:xfrm>
+          <a:prstGeom prst="rect">
+            <a:avLst/>
+          </a:prstGeom>
+          <a:noFill/>
+          <a:ln w="9525">
+            <a:noFill/>
+            <a:miter lim="800000"/>
+            <a:headEnd/>
+            <a:tailEnd/>
+          </a:ln>
+          <a:effectLst/>
+        </p:spPr>
+        <p:txBody>
+          <a:bodyPr wrap="none">
+            <a:spAutoFit/>
+          </a:bodyPr>
+          <a:lstStyle/>
+          <a:p>
+            <a:r>
+              <a:rPr lang="en-US" sz="4800" dirty="0" smtClean="0">
+                <a:solidFill>
+                  <a:srgbClr val="008000"/>
+                </a:solidFill>
+                <a:latin typeface="Comic Sans MS"/>
+                <a:cs typeface="Comic Sans MS"/>
+              </a:rPr>
+              <a:t>Bernoulli question:</a:t>
+            </a:r>
+            <a:r>
+              <a:rPr lang="en-US" sz="4800" dirty="0" smtClean="0">
+                <a:latin typeface="Comic Sans MS"/>
+                <a:cs typeface="Comic Sans MS"/>
+              </a:rPr>
+              <a:t> is average</a:t>
+            </a:r>
+          </a:p>
+          <a:p>
+            <a:r>
+              <a:rPr lang="en-US" sz="4800" dirty="0" smtClean="0">
+                <a:latin typeface="Comic Sans MS"/>
+                <a:cs typeface="Comic Sans MS"/>
+              </a:rPr>
+              <a:t>probably </a:t>
+            </a:r>
+            <a:r>
+              <a:rPr lang="en-US" sz="4800" dirty="0" smtClean="0">
+                <a:solidFill>
+                  <a:srgbClr val="7030A0"/>
+                </a:solidFill>
+                <a:latin typeface="Comic Sans MS"/>
+                <a:cs typeface="Comic Sans MS"/>
+              </a:rPr>
+              <a:t>close</a:t>
+            </a:r>
+            <a:r>
+              <a:rPr lang="en-US" sz="4800" dirty="0" smtClean="0">
+                <a:latin typeface="Comic Sans MS"/>
+                <a:cs typeface="Comic Sans MS"/>
+              </a:rPr>
+              <a:t> </a:t>
+            </a:r>
+            <a:r>
+              <a:rPr lang="en-US" sz="4800" dirty="0">
+                <a:latin typeface="Comic Sans MS"/>
+                <a:cs typeface="Comic Sans MS"/>
+              </a:rPr>
+              <a:t>to</a:t>
+            </a:r>
+            <a:r>
+              <a:rPr lang="en-US" sz="4800" dirty="0" smtClean="0">
+                <a:latin typeface="Comic Sans MS"/>
+                <a:cs typeface="Comic Sans MS"/>
+              </a:rPr>
+              <a:t> </a:t>
+            </a:r>
+            <a:r>
+              <a:rPr lang="en-US" sz="4800" b="1" dirty="0" smtClean="0">
+                <a:solidFill>
+                  <a:srgbClr val="0000FF"/>
+                </a:solidFill>
+                <a:latin typeface="Euclid Symbol" charset="2"/>
+                <a:cs typeface="Euclid Symbol" charset="2"/>
+              </a:rPr>
+              <a:t>μ</a:t>
+            </a:r>
+            <a:r>
+              <a:rPr lang="en-US" sz="4800" i="1" dirty="0" smtClean="0">
+                <a:solidFill>
+                  <a:srgbClr val="0000FF"/>
+                </a:solidFill>
+                <a:latin typeface="Euclid Symbol" charset="2"/>
+                <a:cs typeface="Euclid Symbol" charset="2"/>
+              </a:rPr>
+              <a:t> </a:t>
+            </a:r>
+            <a:r>
+              <a:rPr lang="en-US" sz="4800" dirty="0" smtClean="0">
+                <a:latin typeface="Comic Sans MS"/>
+                <a:cs typeface="Comic Sans MS"/>
+              </a:rPr>
+              <a:t>if </a:t>
+            </a:r>
+            <a:r>
+              <a:rPr lang="en-US" sz="4800" dirty="0" smtClean="0">
+                <a:solidFill>
+                  <a:schemeClr val="accent5">
+                    <a:lumMod val="50000"/>
+                  </a:schemeClr>
+                </a:solidFill>
+                <a:latin typeface="Comic Sans MS"/>
+                <a:cs typeface="Comic Sans MS"/>
+              </a:rPr>
+              <a:t>n</a:t>
+            </a:r>
+            <a:r>
+              <a:rPr lang="en-US" sz="4800" dirty="0" smtClean="0">
+                <a:latin typeface="Comic Sans MS"/>
+                <a:cs typeface="Comic Sans MS"/>
+              </a:rPr>
+              <a:t> is </a:t>
+            </a:r>
+            <a:r>
+              <a:rPr lang="en-US" sz="4800" dirty="0" smtClean="0">
+                <a:latin typeface="Comic Sans MS"/>
+                <a:cs typeface="Comic Sans MS"/>
+              </a:rPr>
+              <a:t>big</a:t>
+            </a:r>
+            <a:r>
+              <a:rPr lang="en-US" sz="4800" dirty="0">
+                <a:solidFill>
+                  <a:srgbClr val="CC0000"/>
+                </a:solidFill>
+                <a:latin typeface="Comic Sans MS"/>
+                <a:cs typeface="Comic Sans MS"/>
+              </a:rPr>
+              <a:t>?</a:t>
+            </a:r>
+            <a:endParaRPr lang="en-US" sz="4800" dirty="0">
+              <a:solidFill>
+                <a:srgbClr val="CC0000"/>
+              </a:solidFill>
+              <a:latin typeface="Comic Sans MS"/>
+              <a:cs typeface="Comic Sans MS"/>
+            </a:endParaRPr>
+          </a:p>
+        </p:txBody>
+      </p:sp>
+      <p:graphicFrame>
+        <p:nvGraphicFramePr>
+          <p:cNvPr id="9" name="Object 8"/>
+          <p:cNvGraphicFramePr>
+            <a:graphicFrameLocks noChangeAspect="1"/>
+          </p:cNvGraphicFramePr>
+          <p:nvPr>
+            <p:extLst>
+              <p:ext uri="{D42A27DB-BD31-4B8C-83A1-F6EECF244321}">
+                <p14:modId xmlns:p14="http://schemas.microsoft.com/office/powerpoint/2010/main" val="3054703424"/>
+              </p:ext>
+            </p:extLst>
+          </p:nvPr>
+        </p:nvGraphicFramePr>
+        <p:xfrm>
+          <a:off x="1327150" y="1497013"/>
+          <a:ext cx="6489700" cy="2108200"/>
+        </p:xfrm>
+        <a:graphic>
+          <a:graphicData uri="http://schemas.openxmlformats.org/presentationml/2006/ole">
+            <mc:AlternateContent xmlns:mc="http://schemas.openxmlformats.org/markup-compatibility/2006">
+              <mc:Choice xmlns:v="urn:schemas-microsoft-com:vml" Requires="v">
+                <p:oleObj spid="_x0000_s332802" name="Equation" r:id="rId5" imgW="1524000" imgH="495300" progId="Equation.DSMT4">
+                  <p:embed/>
+                </p:oleObj>
+              </mc:Choice>
+              <mc:Fallback>
+                <p:oleObj name="Equation" r:id="rId5" imgW="1524000" imgH="495300" progId="Equation.DSMT4">
+                  <p:embed/>
+                  <p:pic>
+                    <p:nvPicPr>
+                      <p:cNvPr id="0" name=""/>
+                      <p:cNvPicPr>
+                        <a:picLocks noChangeAspect="1" noChangeArrowheads="1"/>
+                      </p:cNvPicPr>
+                      <p:nvPr/>
+                    </p:nvPicPr>
+                    <p:blipFill>
+                      <a:blip r:embed="rId6"/>
+                      <a:srcRect/>
+                      <a:stretch>
+                        <a:fillRect/>
+                      </a:stretch>
+                    </p:blipFill>
+                    <p:spPr bwMode="auto">
+                      <a:xfrm>
+                        <a:off x="1327150" y="1497013"/>
+                        <a:ext cx="6489700" cy="2108200"/>
+                      </a:xfrm>
+                      <a:prstGeom prst="rect">
+                        <a:avLst/>
+                      </a:prstGeom>
+                      <a:noFill/>
+                      <a:extLst>
+                        <a:ext uri="{909E8E84-426E-40dd-AFC4-6F175D3DCCD1}">
+                          <a14:hiddenFill xmlns:a14="http://schemas.microsoft.com/office/drawing/2010/main">
+                            <a:solidFill>
+                              <a:srgbClr val="FFFFFF"/>
+                            </a:solidFill>
+                          </a14:hiddenFill>
+                        </a:ext>
+                      </a:extLst>
+                    </p:spPr>
+                  </p:pic>
+                </p:oleObj>
+              </mc:Fallback>
+            </mc:AlternateContent>
+          </a:graphicData>
+        </a:graphic>
+      </p:graphicFrame>
+      <p:sp>
+        <p:nvSpPr>
+          <p:cNvPr id="11" name="Rectangle 3"/>
+          <p:cNvSpPr txBox="1">
+            <a:spLocks noChangeArrowheads="1"/>
+          </p:cNvSpPr>
+          <p:nvPr/>
+        </p:nvSpPr>
+        <p:spPr bwMode="auto">
+          <a:xfrm>
+            <a:off x="2255520" y="175260"/>
+            <a:ext cx="4655820" cy="990600"/>
+          </a:xfrm>
+          <a:prstGeom prst="rect">
+            <a:avLst/>
+          </a:prstGeom>
+          <a:noFill/>
+          <a:ln w="9525">
+            <a:noFill/>
+            <a:miter lim="800000"/>
+            <a:headEnd/>
+            <a:tailEnd/>
+          </a:ln>
+        </p:spPr>
+        <p:txBody>
+          <a:bodyPr vert="horz" wrap="square" lIns="91440" tIns="45720" rIns="91440" bIns="45720" numCol="1" anchor="ctr" anchorCtr="0" compatLnSpc="1">
+            <a:prstTxWarp prst="textNoShape">
+              <a:avLst/>
+            </a:prstTxWarp>
+          </a:bodyPr>
+          <a:lstStyle/>
+          <a:p>
+            <a:pPr marL="0" marR="0" lvl="0" indent="0" algn="l" defTabSz="914400" rtl="0" eaLnBrk="0" fontAlgn="base" latinLnBrk="0" hangingPunct="0">
+              <a:lnSpc>
+                <a:spcPct val="100000"/>
+              </a:lnSpc>
+              <a:spcBef>
+                <a:spcPct val="0"/>
+              </a:spcBef>
+              <a:spcAft>
+                <a:spcPct val="0"/>
+              </a:spcAft>
+              <a:buClrTx/>
+              <a:buSzTx/>
+              <a:buFontTx/>
+              <a:buNone/>
+              <a:tabLst/>
+              <a:defRPr/>
+            </a:pPr>
+            <a:r>
+              <a:rPr kumimoji="0" lang="en-US" sz="4400" b="1" i="0" u="none" strike="noStrike" kern="0" cap="none" spc="0" normalizeH="0" baseline="0" noProof="0" smtClean="0">
+                <a:ln>
+                  <a:noFill/>
+                </a:ln>
+                <a:solidFill>
+                  <a:schemeClr val="tx2"/>
+                </a:solidFill>
+                <a:effectLst/>
+                <a:uLnTx/>
+                <a:uFillTx/>
+                <a:latin typeface="+mj-lt"/>
+                <a:ea typeface="+mj-ea"/>
+                <a:cs typeface="+mj-cs"/>
+              </a:rPr>
+              <a:t>Repeated Trials</a:t>
+            </a:r>
+            <a:endParaRPr kumimoji="0" lang="en-US" sz="4400" b="1" i="1" u="none" strike="noStrike" kern="0" cap="none" spc="0" normalizeH="0" baseline="0" noProof="0" dirty="0">
+              <a:ln>
+                <a:noFill/>
+              </a:ln>
+              <a:solidFill>
+                <a:srgbClr val="0000CC"/>
+              </a:solidFill>
+              <a:effectLst/>
+              <a:uLnTx/>
+              <a:uFillTx/>
+              <a:latin typeface="+mj-lt"/>
+              <a:ea typeface="+mj-ea"/>
+              <a:cs typeface="+mj-cs"/>
+            </a:endParaRPr>
+          </a:p>
+        </p:txBody>
+      </p:sp>
+    </p:spTree>
+    <p:custDataLst>
+      <p:tags r:id="rId2"/>
+    </p:custDataLst>
+    <p:extLst>
+      <p:ext uri="{BB962C8B-B14F-4D97-AF65-F5344CB8AC3E}">
+        <p14:creationId xmlns:p14="http://schemas.microsoft.com/office/powerpoint/2010/main" val="327153118"/>
+      </p:ext>
+    </p:extLst>
+  </p:cSld>
+  <p:clrMapOvr>
+    <a:masterClrMapping/>
+  </p:clrMapOvr>
+  <mc:AlternateContent xmlns:mc="http://schemas.openxmlformats.org/markup-compatibility/2006" xmlns:p14="http://schemas.microsoft.com/office/powerpoint/2010/main">
+    <mc:Choice Requires="p14">
+      <p:transition spd="slow" p14:dur="900" advClick="0">
+        <p:fade/>
+      </p:transition>
+    </mc:Choice>
+    <mc:Fallback xmlns="">
+      <p:transition xmlns:p14="http://schemas.microsoft.com/office/powerpoint/2010/main" spd="slow" advClick="0">
+        <p:fade/>
+      </p:transition>
+    </mc:Fallback>
+  </mc:AlternateContent>
+  <p:timing>
+    <p:tnLst>
+      <p:par>
+        <p:cTn xmlns:p14="http://schemas.microsoft.com/office/powerpoint/2010/main" id="1" dur="indefinite" restart="never" nodeType="tmRoot">
+          <p:childTnLst>
+            <p:seq concurrent="1" nextAc="seek">
+              <p:cTn id="2" dur="indefinite" nodeType="mainSeq">
+                <p:childTnLst>
+                  <p:par>
+                    <p:cTn id="3" fill="hold">
+                      <p:stCondLst>
+                        <p:cond delay="indefinite"/>
+                      </p:stCondLst>
+                      <p:childTnLst>
+                        <p:par>
+                          <p:cTn id="4" fill="hold">
+                            <p:stCondLst>
+                              <p:cond delay="0"/>
+                            </p:stCondLst>
+                            <p:childTnLst>
+                              <p:par>
+                                <p:cTn id="5" presetID="22" presetClass="entr" presetSubtype="8" fill="hold" nodeType="clickEffect">
+                                  <p:stCondLst>
+                                    <p:cond delay="0"/>
+                                  </p:stCondLst>
+                                  <p:childTnLst>
+                                    <p:set>
+                                      <p:cBhvr>
+                                        <p:cTn id="6" dur="1" fill="hold">
+                                          <p:stCondLst>
+                                            <p:cond delay="0"/>
+                                          </p:stCondLst>
+                                        </p:cTn>
+                                        <p:tgtEl>
+                                          <p:spTgt spid="9"/>
+                                        </p:tgtEl>
+                                        <p:attrNameLst>
+                                          <p:attrName>style.visibility</p:attrName>
+                                        </p:attrNameLst>
+                                      </p:cBhvr>
+                                      <p:to>
+                                        <p:strVal val="visible"/>
+                                      </p:to>
+                                    </p:set>
+                                    <p:animEffect transition="in" filter="wipe(left)">
+                                      <p:cBhvr>
+                                        <p:cTn id="7" dur="1000"/>
+                                        <p:tgtEl>
+                                          <p:spTgt spid="9"/>
+                                        </p:tgtEl>
+                                      </p:cBhvr>
+                                    </p:animEffect>
+                                  </p:childTnLst>
+                                </p:cTn>
+                              </p:par>
+                            </p:childTnLst>
+                          </p:cTn>
+                        </p:par>
+                      </p:childTnLst>
+                    </p:cTn>
+                  </p:par>
+                  <p:par>
+                    <p:cTn id="8" fill="hold">
+                      <p:stCondLst>
+                        <p:cond delay="indefinite"/>
+                      </p:stCondLst>
+                      <p:childTnLst>
+                        <p:par>
+                          <p:cTn id="9" fill="hold">
+                            <p:stCondLst>
+                              <p:cond delay="0"/>
+                            </p:stCondLst>
+                            <p:childTnLst>
+                              <p:par>
+                                <p:cTn id="10" presetID="10" presetClass="entr" presetSubtype="0" fill="hold" grpId="0" nodeType="clickEffect">
+                                  <p:stCondLst>
+                                    <p:cond delay="0"/>
+                                  </p:stCondLst>
+                                  <p:childTnLst>
+                                    <p:set>
+                                      <p:cBhvr>
+                                        <p:cTn id="11" dur="1" fill="hold">
+                                          <p:stCondLst>
+                                            <p:cond delay="0"/>
+                                          </p:stCondLst>
+                                        </p:cTn>
+                                        <p:tgtEl>
+                                          <p:spTgt spid="81928"/>
+                                        </p:tgtEl>
+                                        <p:attrNameLst>
+                                          <p:attrName>style.visibility</p:attrName>
+                                        </p:attrNameLst>
+                                      </p:cBhvr>
+                                      <p:to>
+                                        <p:strVal val="visible"/>
+                                      </p:to>
+                                    </p:set>
+                                    <p:animEffect transition="in" filter="fade">
+                                      <p:cBhvr>
+                                        <p:cTn id="12" dur="1000"/>
+                                        <p:tgtEl>
+                                          <p:spTgt spid="81928"/>
+                                        </p:tgtEl>
+                                      </p:cBhvr>
+                                    </p:animEffect>
+                                  </p:childTnLst>
+                                </p:cTn>
+                              </p:par>
+                            </p:childTnLst>
+                          </p:cTn>
+                        </p:par>
+                      </p:childTnLst>
+                    </p:cTn>
+                  </p:par>
+                </p:childTnLst>
+              </p:cTn>
+              <p:prevCondLst>
+                <p:cond evt="onPrev" delay="0">
+                  <p:tgtEl>
+                    <p:sldTgt/>
+                  </p:tgtEl>
+                </p:cond>
+              </p:prevCondLst>
+              <p:nextCondLst>
+                <p:cond evt="onNext" delay="0">
+                  <p:tgtEl>
+                    <p:sldTgt/>
+                  </p:tgtEl>
+                </p:cond>
+              </p:nextCondLst>
+            </p:seq>
+          </p:childTnLst>
+        </p:cTn>
+      </p:par>
+    </p:tnLst>
+    <p:bldLst>
+      <p:bldP spid="81928" grpId="0"/>
+    </p:bldLst>
+  </p:timing>
+</p:sld>
+</file>
+
+<file path=ppt/slides/slide16.xml><?xml version="1.0" encoding="utf-8"?>
+<p:sld xmlns:a="http://schemas.openxmlformats.org/drawingml/2006/main" xmlns:r="http://schemas.openxmlformats.org/officeDocument/2006/relationships" xmlns:p="http://schemas.openxmlformats.org/presentationml/2006/main" showMasterPhAnim="0">
   <p:cSld>
     <p:spTree>
       <p:nvGrpSpPr>
@@ -6034,7 +7393,7 @@
           <a:graphicData uri="http://schemas.openxmlformats.org/presentationml/2006/ole">
             <mc:AlternateContent xmlns:mc="http://schemas.openxmlformats.org/markup-compatibility/2006">
               <mc:Choice xmlns:v="urn:schemas-microsoft-com:vml" Requires="v">
-                <p:oleObj spid="_x0000_s187527" name="Equation" r:id="rId4" imgW="1117600" imgH="444500" progId="Equation.DSMT4">
+                <p:oleObj spid="_x0000_s187551" name="Equation" r:id="rId4" imgW="1117600" imgH="444500" progId="Equation.DSMT4">
                   <p:embed/>
                 </p:oleObj>
               </mc:Choice>
@@ -6234,7 +7593,7 @@
           <a:graphicData uri="http://schemas.openxmlformats.org/presentationml/2006/ole">
             <mc:AlternateContent xmlns:mc="http://schemas.openxmlformats.org/markup-compatibility/2006">
               <mc:Choice xmlns:v="urn:schemas-microsoft-com:vml" Requires="v">
-                <p:oleObj spid="_x0000_s187528" name="Equation" r:id="rId6" imgW="1524000" imgH="495300" progId="Equation.DSMT4">
+                <p:oleObj spid="_x0000_s187552" name="Equation" r:id="rId6" imgW="1524000" imgH="495300" progId="Equation.DSMT4">
                   <p:embed/>
                 </p:oleObj>
               </mc:Choice>
@@ -6387,7 +7746,7 @@
           <a:graphicData uri="http://schemas.openxmlformats.org/presentationml/2006/ole">
             <mc:AlternateContent xmlns:mc="http://schemas.openxmlformats.org/markup-compatibility/2006">
               <mc:Choice xmlns:v="urn:schemas-microsoft-com:vml" Requires="v">
-                <p:oleObj spid="_x0000_s187529" name="Equation" r:id="rId8" imgW="1397000" imgH="292100" progId="Equation.DSMT4">
+                <p:oleObj spid="_x0000_s187553" name="Equation" r:id="rId8" imgW="1397000" imgH="292100" progId="Equation.DSMT4">
                   <p:embed/>
                 </p:oleObj>
               </mc:Choice>
@@ -6530,7 +7889,7 @@
                                           </p:stCondLst>
                                         </p:cTn>
                                         <p:tgtEl>
-                                          <p:spTgt spid="9"/>
+                                          <p:spTgt spid="11"/>
                                         </p:tgtEl>
                                         <p:attrNameLst>
                                           <p:attrName>style.visibility</p:attrName>
@@ -6542,9 +7901,9 @@
                                     </p:set>
                                     <p:animEffect transition="in" filter="wipe(left)">
                                       <p:cBhvr>
-                                        <p:cTn id="7" dur="500"/>
+                                        <p:cTn id="7" dur="1000"/>
                                         <p:tgtEl>
-                                          <p:spTgt spid="9"/>
+                                          <p:spTgt spid="11"/>
                                         </p:tgtEl>
                                       </p:cBhvr>
                                     </p:animEffect>
@@ -6554,36 +7913,27 @@
                             </p:childTnLst>
                           </p:cTn>
                         </p:par>
-                      </p:childTnLst>
-                    </p:cTn>
-                  </p:par>
-                  <p:par>
-                    <p:cTn id="8" fill="hold">
-                      <p:stCondLst>
-                        <p:cond delay="indefinite"/>
-                      </p:stCondLst>
-                      <p:childTnLst>
                         <p:par>
-                          <p:cTn id="9" fill="hold">
+                          <p:cTn id="8" fill="hold">
                             <p:stCondLst>
-                              <p:cond delay="0"/>
+                              <p:cond delay="1000"/>
                             </p:stCondLst>
                             <p:childTnLst>
                               <p:par>
-                                <p:cTn id="10" presetID="1" presetClass="entr" presetSubtype="0" fill="hold" grpId="0" nodeType="clickEffect">
+                                <p:cTn id="9" presetID="9" presetClass="entr" presetSubtype="0" fill="hold" grpId="0" nodeType="afterEffect">
                                   <p:stCondLst>
                                     <p:cond delay="0"/>
                                   </p:stCondLst>
                                   <p:childTnLst>
                                     <p:set>
                                       <p:cBhvr>
-                                        <p:cTn id="11" dur="1" fill="hold">
+                                        <p:cTn id="10" dur="1" fill="hold">
                                           <p:stCondLst>
                                             <p:cond delay="0"/>
                                           </p:stCondLst>
                                         </p:cTn>
                                         <p:tgtEl>
-                                          <p:spTgt spid="81928"/>
+                                          <p:spTgt spid="13"/>
                                         </p:tgtEl>
                                         <p:attrNameLst>
                                           <p:attrName>style.visibility</p:attrName>
@@ -6593,6 +7943,14 @@
                                         <p:strVal val="visible"/>
                                       </p:to>
                                     </p:set>
+                                    <p:animEffect transition="in" filter="dissolve">
+                                      <p:cBhvr>
+                                        <p:cTn id="11" dur="500"/>
+                                        <p:tgtEl>
+                                          <p:spTgt spid="13"/>
+                                        </p:tgtEl>
+                                      </p:cBhvr>
+                                    </p:animEffect>
                                   </p:childTnLst>
                                 </p:cTn>
                               </p:par>
@@ -6615,7 +7973,7 @@
                             </p:stCondLst>
                             <p:childTnLst>
                               <p:par>
-                                <p:cTn id="14" presetID="1" presetClass="entr" presetSubtype="0" fill="hold" nodeType="clickEffect">
+                                <p:cTn id="14" presetID="10" presetClass="entr" presetSubtype="0" fill="hold" nodeType="clickEffect">
                                   <p:stCondLst>
                                     <p:cond delay="0"/>
                                   </p:stCondLst>
@@ -6638,100 +7996,11 @@
                                         <p:strVal val="visible"/>
                                       </p:to>
                                     </p:set>
-                                  </p:childTnLst>
-                                </p:cTn>
-                              </p:par>
-                            </p:childTnLst>
-                          </p:cTn>
-                        </p:par>
-                      </p:childTnLst>
-                    </p:cTn>
-                  </p:par>
-                  <p:par>
-                    <p:cTn id="16" fill="hold">
-                      <p:stCondLst>
-                        <p:cond delay="indefinite"/>
-                      </p:stCondLst>
-                      <p:childTnLst>
-                        <p:par>
-                          <p:cTn id="17" fill="hold">
-                            <p:stCondLst>
-                              <p:cond delay="0"/>
-                            </p:stCondLst>
-                            <p:childTnLst>
-                              <p:par>
-                                <p:cTn id="18" presetID="22" presetClass="entr" presetSubtype="8" fill="hold" nodeType="clickEffect">
-                                  <p:stCondLst>
-                                    <p:cond delay="0"/>
-                                  </p:stCondLst>
-                                  <p:childTnLst>
-                                    <p:set>
+                                    <p:animEffect transition="in" filter="fade">
                                       <p:cBhvr>
-                                        <p:cTn id="19" dur="1" fill="hold">
-                                          <p:stCondLst>
-                                            <p:cond delay="0"/>
-                                          </p:stCondLst>
-                                        </p:cTn>
+                                        <p:cTn id="16" dur="1000"/>
                                         <p:tgtEl>
-                                          <p:spTgt spid="11"/>
-                                        </p:tgtEl>
-                                        <p:attrNameLst>
-                                          <p:attrName>style.visibility</p:attrName>
-                                        </p:attrNameLst>
-                                      </p:cBhvr>
-                                      <p:to>
-                                        <p:strVal val="visible"/>
-                                      </p:to>
-                                    </p:set>
-                                    <p:animEffect transition="in" filter="wipe(left)">
-                                      <p:cBhvr>
-                                        <p:cTn id="20" dur="1000"/>
-                                        <p:tgtEl>
-                                          <p:spTgt spid="11"/>
-                                        </p:tgtEl>
-                                      </p:cBhvr>
-                                    </p:animEffect>
-                                  </p:childTnLst>
-                                </p:cTn>
-                              </p:par>
-                            </p:childTnLst>
-                          </p:cTn>
-                        </p:par>
-                        <p:par>
-                          <p:cTn id="21" fill="hold">
-                            <p:stCondLst>
-                              <p:cond delay="1000"/>
-                            </p:stCondLst>
-                            <p:childTnLst>
-                              <p:par>
-                                <p:cTn id="22" presetID="9" presetClass="entr" presetSubtype="0" fill="hold" grpId="0" nodeType="afterEffect">
-                                  <p:stCondLst>
-                                    <p:cond delay="0"/>
-                                  </p:stCondLst>
-                                  <p:childTnLst>
-                                    <p:set>
-                                      <p:cBhvr>
-                                        <p:cTn id="23" dur="1" fill="hold">
-                                          <p:stCondLst>
-                                            <p:cond delay="0"/>
-                                          </p:stCondLst>
-                                        </p:cTn>
-                                        <p:tgtEl>
-                                          <p:spTgt spid="13"/>
-                                        </p:tgtEl>
-                                        <p:attrNameLst>
-                                          <p:attrName>style.visibility</p:attrName>
-                                        </p:attrNameLst>
-                                      </p:cBhvr>
-                                      <p:to>
-                                        <p:strVal val="visible"/>
-                                      </p:to>
-                                    </p:set>
-                                    <p:animEffect transition="in" filter="dissolve">
-                                      <p:cBhvr>
-                                        <p:cTn id="24" dur="500"/>
-                                        <p:tgtEl>
-                                          <p:spTgt spid="13"/>
+                                          <p:spTgt spid="81936"/>
                                         </p:tgtEl>
                                       </p:cBhvr>
                                     </p:animEffect>
@@ -6766,14 +8035,13 @@
       </p:par>
     </p:tnLst>
     <p:bldLst>
-      <p:bldP spid="81928" grpId="0"/>
       <p:bldP spid="13" grpId="0"/>
     </p:bldLst>
   </p:timing>
 </p:sld>
 </file>
 
-<file path=ppt/slides/slide14.xml><?xml version="1.0" encoding="utf-8"?>
+<file path=ppt/slides/slide17.xml><?xml version="1.0" encoding="utf-8"?>
 <p:sld xmlns:a="http://schemas.openxmlformats.org/drawingml/2006/main" xmlns:r="http://schemas.openxmlformats.org/officeDocument/2006/relationships" xmlns:p="http://schemas.openxmlformats.org/presentationml/2006/main">
   <p:cSld>
     <p:spTree>
@@ -6913,24 +8181,24 @@
                 <a:latin typeface="Times New Roman"/>
                 <a:cs typeface="Times New Roman"/>
               </a:rPr>
-              <a:t>.  Both its </a:t>
+              <a:t>.  Both its</a:t>
             </a:r>
             <a:r>
               <a:rPr lang="en-US" sz="4000" dirty="0">
                 <a:solidFill>
-                  <a:srgbClr val="0000FF"/>
+                  <a:srgbClr val="000000"/>
                 </a:solidFill>
                 <a:latin typeface="Times New Roman"/>
                 <a:cs typeface="Times New Roman"/>
               </a:rPr>
-              <a:t>novelty</a:t>
+              <a:t> novelty </a:t>
             </a:r>
             <a:r>
               <a:rPr lang="en-US" sz="4000" dirty="0">
                 <a:latin typeface="Times New Roman"/>
                 <a:cs typeface="Times New Roman"/>
               </a:rPr>
-              <a:t> and its very </a:t>
+              <a:t>and its very </a:t>
             </a:r>
             <a:r>
               <a:rPr lang="en-US" sz="4000" dirty="0">
@@ -7014,7 +8282,7 @@
 </p:sld>
 </file>
 
-<file path=ppt/slides/slide15.xml><?xml version="1.0" encoding="utf-8"?>
+<file path=ppt/slides/slide18.xml><?xml version="1.0" encoding="utf-8"?>
 <p:sld xmlns:a="http://schemas.openxmlformats.org/drawingml/2006/main" xmlns:r="http://schemas.openxmlformats.org/officeDocument/2006/relationships" xmlns:p="http://schemas.openxmlformats.org/presentationml/2006/main">
   <p:cSld>
     <p:spTree>
@@ -7040,7 +8308,7 @@
           <p:nvPr>
             <p:extLst>
               <p:ext uri="{D42A27DB-BD31-4B8C-83A1-F6EECF244321}">
-                <p14:modId xmlns:p14="http://schemas.microsoft.com/office/powerpoint/2010/main" val="3245473772"/>
+                <p14:modId xmlns:p14="http://schemas.microsoft.com/office/powerpoint/2010/main" val="2773390144"/>
               </p:ext>
             </p:extLst>
           </p:nvPr>
@@ -7053,7 +8321,172 @@
           <a:graphicData uri="http://schemas.openxmlformats.org/presentationml/2006/ole">
             <mc:AlternateContent xmlns:mc="http://schemas.openxmlformats.org/markup-compatibility/2006">
               <mc:Choice xmlns:v="urn:schemas-microsoft-com:vml" Requires="v">
-                <p:oleObj spid="_x0000_s169060" name="Equation" r:id="rId5" imgW="1638300" imgH="330200" progId="Equation.DSMT4">
+                <p:oleObj spid="_x0000_s169070" name="Equation" r:id="rId5" imgW="1638300" imgH="330200" progId="Equation.DSMT4">
+                  <p:embed/>
+                </p:oleObj>
+              </mc:Choice>
+              <mc:Fallback>
+                <p:oleObj name="Equation" r:id="rId5" imgW="1638300" imgH="330200" progId="Equation.DSMT4">
+                  <p:embed/>
+                  <p:pic>
+                    <p:nvPicPr>
+                      <p:cNvPr id="0" name=""/>
+                      <p:cNvPicPr/>
+                      <p:nvPr/>
+                    </p:nvPicPr>
+                    <p:blipFill>
+                      <a:blip r:embed="rId6"/>
+                      <a:stretch>
+                        <a:fillRect/>
+                      </a:stretch>
+                    </p:blipFill>
+                    <p:spPr>
+                      <a:xfrm>
+                        <a:off x="374651" y="2279650"/>
+                        <a:ext cx="8312150" cy="1675763"/>
+                      </a:xfrm>
+                      <a:prstGeom prst="rect">
+                        <a:avLst/>
+                      </a:prstGeom>
+                    </p:spPr>
+                  </p:pic>
+                </p:oleObj>
+              </mc:Fallback>
+            </mc:AlternateContent>
+          </a:graphicData>
+        </a:graphic>
+      </p:graphicFrame>
+      <p:sp>
+        <p:nvSpPr>
+          <p:cNvPr id="86031" name="Text Box 15"/>
+          <p:cNvSpPr txBox="1">
+            <a:spLocks noChangeArrowheads="1"/>
+          </p:cNvSpPr>
+          <p:nvPr/>
+        </p:nvSpPr>
+        <p:spPr bwMode="auto">
+          <a:xfrm>
+            <a:off x="1574836" y="184361"/>
+            <a:ext cx="6091181" cy="923330"/>
+          </a:xfrm>
+          <a:prstGeom prst="rect">
+            <a:avLst/>
+          </a:prstGeom>
+          <a:noFill/>
+          <a:ln w="28575">
+            <a:noFill/>
+            <a:miter lim="800000"/>
+            <a:headEnd/>
+            <a:tailEnd/>
+          </a:ln>
+          <a:effectLst/>
+        </p:spPr>
+        <p:txBody>
+          <a:bodyPr wrap="none">
+            <a:spAutoFit/>
+          </a:bodyPr>
+          <a:lstStyle/>
+          <a:p>
+            <a:r>
+              <a:rPr lang="en-US" sz="5400" dirty="0" smtClean="0">
+                <a:solidFill>
+                  <a:srgbClr val="000000"/>
+                </a:solidFill>
+                <a:latin typeface="Comic Sans MS"/>
+                <a:cs typeface="Comic Sans MS"/>
+              </a:rPr>
+              <a:t>Bernoulli </a:t>
+            </a:r>
+            <a:r>
+              <a:rPr lang="en-US" sz="5400" dirty="0" smtClean="0">
+                <a:solidFill>
+                  <a:srgbClr val="000000"/>
+                </a:solidFill>
+                <a:latin typeface="Comic Sans MS"/>
+                <a:cs typeface="Comic Sans MS"/>
+              </a:rPr>
+              <a:t>question:</a:t>
+            </a:r>
+            <a:endParaRPr lang="en-US" sz="5400" dirty="0">
+              <a:solidFill>
+                <a:srgbClr val="000000"/>
+              </a:solidFill>
+              <a:latin typeface="Comic Sans MS"/>
+              <a:cs typeface="Comic Sans MS"/>
+            </a:endParaRPr>
+          </a:p>
+        </p:txBody>
+      </p:sp>
+    </p:spTree>
+    <p:custDataLst>
+      <p:tags r:id="rId2"/>
+    </p:custDataLst>
+  </p:cSld>
+  <p:clrMapOvr>
+    <a:masterClrMapping/>
+  </p:clrMapOvr>
+  <mc:AlternateContent xmlns:mc="http://schemas.openxmlformats.org/markup-compatibility/2006">
+    <mc:Choice xmlns:p14="http://schemas.microsoft.com/office/powerpoint/2010/main" Requires="p14">
+      <p:transition spd="slow" p14:dur="1100" advClick="0">
+        <p:fade thruBlk="1"/>
+      </p:transition>
+    </mc:Choice>
+    <mc:Fallback>
+      <p:transition xmlns:p14="http://schemas.microsoft.com/office/powerpoint/2010/main" spd="slow" advClick="0">
+        <p:fade thruBlk="1"/>
+      </p:transition>
+    </mc:Fallback>
+  </mc:AlternateContent>
+  <p:timing>
+    <p:tnLst>
+      <p:par>
+        <p:cTn xmlns:p14="http://schemas.microsoft.com/office/powerpoint/2010/main" id="1" dur="indefinite" restart="never" nodeType="tmRoot"/>
+      </p:par>
+    </p:tnLst>
+  </p:timing>
+</p:sld>
+</file>
+
+<file path=ppt/slides/slide19.xml><?xml version="1.0" encoding="utf-8"?>
+<p:sld xmlns:a="http://schemas.openxmlformats.org/drawingml/2006/main" xmlns:r="http://schemas.openxmlformats.org/officeDocument/2006/relationships" xmlns:p="http://schemas.openxmlformats.org/presentationml/2006/main">
+  <p:cSld>
+    <p:spTree>
+      <p:nvGrpSpPr>
+        <p:cNvPr id="1" name=""/>
+        <p:cNvGrpSpPr/>
+        <p:nvPr/>
+      </p:nvGrpSpPr>
+      <p:grpSpPr>
+        <a:xfrm>
+          <a:off x="0" y="0"/>
+          <a:ext cx="0" cy="0"/>
+          <a:chOff x="0" y="0"/>
+          <a:chExt cx="0" cy="0"/>
+        </a:xfrm>
+      </p:grpSpPr>
+      <p:graphicFrame>
+        <p:nvGraphicFramePr>
+          <p:cNvPr id="3" name="Object 2"/>
+          <p:cNvGraphicFramePr>
+            <a:graphicFrameLocks noChangeAspect="1"/>
+          </p:cNvGraphicFramePr>
+          <p:nvPr>
+            <p:extLst>
+              <p:ext uri="{D42A27DB-BD31-4B8C-83A1-F6EECF244321}">
+                <p14:modId xmlns:p14="http://schemas.microsoft.com/office/powerpoint/2010/main" val="2877218023"/>
+              </p:ext>
+            </p:extLst>
+          </p:nvPr>
+        </p:nvGraphicFramePr>
+        <p:xfrm>
+          <a:off x="374651" y="2279650"/>
+          <a:ext cx="8312150" cy="1675763"/>
+        </p:xfrm>
+        <a:graphic>
+          <a:graphicData uri="http://schemas.openxmlformats.org/presentationml/2006/ole">
+            <mc:AlternateContent xmlns:mc="http://schemas.openxmlformats.org/markup-compatibility/2006">
+              <mc:Choice xmlns:v="urn:schemas-microsoft-com:vml" Requires="v">
+                <p:oleObj spid="_x0000_s333825" name="Equation" r:id="rId5" imgW="1638300" imgH="330200" progId="Equation.DSMT4">
                   <p:embed/>
                 </p:oleObj>
               </mc:Choice>
@@ -7115,108 +8548,12 @@
             <a:r>
               <a:rPr lang="en-US" sz="6000" dirty="0" smtClean="0">
                 <a:solidFill>
-                  <a:schemeClr val="accent1">
-                    <a:lumMod val="50000"/>
-                  </a:schemeClr>
-                </a:solidFill>
-                <a:latin typeface="Comic Sans MS"/>
-                <a:cs typeface="Comic Sans MS"/>
-              </a:rPr>
-              <a:t>1</a:t>
-            </a:r>
-          </a:p>
-        </p:txBody>
-      </p:sp>
-      <p:sp>
-        <p:nvSpPr>
-          <p:cNvPr id="86031" name="Text Box 15"/>
-          <p:cNvSpPr txBox="1">
-            <a:spLocks noChangeArrowheads="1"/>
-          </p:cNvSpPr>
-          <p:nvPr/>
-        </p:nvSpPr>
-        <p:spPr bwMode="auto">
-          <a:xfrm>
-            <a:off x="2387636" y="184361"/>
-            <a:ext cx="4635629" cy="769441"/>
-          </a:xfrm>
-          <a:prstGeom prst="rect">
-            <a:avLst/>
-          </a:prstGeom>
-          <a:noFill/>
-          <a:ln w="28575">
-            <a:noFill/>
-            <a:miter lim="800000"/>
-            <a:headEnd/>
-            <a:tailEnd/>
-          </a:ln>
-          <a:effectLst/>
-        </p:spPr>
-        <p:txBody>
-          <a:bodyPr wrap="none">
-            <a:spAutoFit/>
-          </a:bodyPr>
-          <a:lstStyle/>
-          <a:p>
-            <a:r>
-              <a:rPr lang="en-US" sz="4400" dirty="0" smtClean="0">
-                <a:solidFill>
                   <a:srgbClr val="008000"/>
                 </a:solidFill>
                 <a:latin typeface="Comic Sans MS"/>
                 <a:cs typeface="Comic Sans MS"/>
               </a:rPr>
-              <a:t>Bernoulli answer:</a:t>
-            </a:r>
-            <a:endParaRPr lang="en-US" sz="4400" dirty="0">
-              <a:solidFill>
-                <a:srgbClr val="008000"/>
-              </a:solidFill>
-              <a:latin typeface="Comic Sans MS"/>
-              <a:cs typeface="Comic Sans MS"/>
-            </a:endParaRPr>
-          </a:p>
-        </p:txBody>
-      </p:sp>
-      <p:sp>
-        <p:nvSpPr>
-          <p:cNvPr id="324617" name="Text Box 9"/>
-          <p:cNvSpPr txBox="1">
-            <a:spLocks noChangeArrowheads="1"/>
-          </p:cNvSpPr>
-          <p:nvPr/>
-        </p:nvSpPr>
-        <p:spPr bwMode="auto">
-          <a:xfrm>
-            <a:off x="1240101" y="232833"/>
-            <a:ext cx="7586399" cy="707886"/>
-          </a:xfrm>
-          <a:prstGeom prst="rect">
-            <a:avLst/>
-          </a:prstGeom>
-          <a:solidFill>
-            <a:schemeClr val="accent1"/>
-          </a:solidFill>
-          <a:ln w="9525" algn="ctr">
-            <a:noFill/>
-            <a:miter lim="800000"/>
-            <a:headEnd/>
-            <a:tailEnd/>
-          </a:ln>
-        </p:spPr>
-        <p:txBody>
-          <a:bodyPr wrap="square">
-            <a:spAutoFit/>
-          </a:bodyPr>
-          <a:lstStyle/>
-          <a:p>
-            <a:pPr algn="ctr"/>
-            <a:r>
-              <a:rPr lang="en-US" b="1" dirty="0">
-                <a:latin typeface="Comic Sans MS"/>
-                <a:cs typeface="Comic Sans MS"/>
-              </a:rPr>
-              <a:t>Weak Law of Large Numbers</a:t>
+              <a:t>1</a:t>
             </a:r>
           </a:p>
         </p:txBody>
@@ -7257,10 +8594,119 @@
           </a:p>
         </p:txBody>
       </p:sp>
+      <p:sp>
+        <p:nvSpPr>
+          <p:cNvPr id="7" name="Text Box 15"/>
+          <p:cNvSpPr txBox="1">
+            <a:spLocks noChangeArrowheads="1"/>
+          </p:cNvSpPr>
+          <p:nvPr/>
+        </p:nvSpPr>
+        <p:spPr bwMode="auto">
+          <a:xfrm>
+            <a:off x="1574836" y="184361"/>
+            <a:ext cx="5647212" cy="923330"/>
+          </a:xfrm>
+          <a:prstGeom prst="rect">
+            <a:avLst/>
+          </a:prstGeom>
+          <a:noFill/>
+          <a:ln w="28575">
+            <a:noFill/>
+            <a:miter lim="800000"/>
+            <a:headEnd/>
+            <a:tailEnd/>
+          </a:ln>
+          <a:effectLst/>
+        </p:spPr>
+        <p:txBody>
+          <a:bodyPr wrap="none">
+            <a:spAutoFit/>
+          </a:bodyPr>
+          <a:lstStyle/>
+          <a:p>
+            <a:r>
+              <a:rPr lang="en-US" sz="5400" dirty="0" smtClean="0">
+                <a:solidFill>
+                  <a:srgbClr val="000000"/>
+                </a:solidFill>
+                <a:latin typeface="Comic Sans MS"/>
+                <a:cs typeface="Comic Sans MS"/>
+              </a:rPr>
+              <a:t>Bernoulli </a:t>
+            </a:r>
+            <a:r>
+              <a:rPr lang="en-US" sz="5400" dirty="0" smtClean="0">
+                <a:solidFill>
+                  <a:srgbClr val="008000"/>
+                </a:solidFill>
+                <a:latin typeface="Comic Sans MS"/>
+                <a:cs typeface="Comic Sans MS"/>
+              </a:rPr>
+              <a:t>answer:</a:t>
+            </a:r>
+            <a:endParaRPr lang="en-US" sz="5400" dirty="0">
+              <a:solidFill>
+                <a:srgbClr val="008000"/>
+              </a:solidFill>
+              <a:latin typeface="Comic Sans MS"/>
+              <a:cs typeface="Comic Sans MS"/>
+            </a:endParaRPr>
+          </a:p>
+        </p:txBody>
+      </p:sp>
+      <p:sp>
+        <p:nvSpPr>
+          <p:cNvPr id="9" name="Text Box 9"/>
+          <p:cNvSpPr txBox="1">
+            <a:spLocks noChangeArrowheads="1"/>
+          </p:cNvSpPr>
+          <p:nvPr/>
+        </p:nvSpPr>
+        <p:spPr bwMode="auto">
+          <a:xfrm>
+            <a:off x="1227401" y="258233"/>
+            <a:ext cx="7586399" cy="707886"/>
+          </a:xfrm>
+          <a:prstGeom prst="rect">
+            <a:avLst/>
+          </a:prstGeom>
+          <a:solidFill>
+            <a:schemeClr val="accent1"/>
+          </a:solidFill>
+          <a:ln w="9525" algn="ctr">
+            <a:noFill/>
+            <a:miter lim="800000"/>
+            <a:headEnd/>
+            <a:tailEnd/>
+          </a:ln>
+        </p:spPr>
+        <p:txBody>
+          <a:bodyPr wrap="square">
+            <a:spAutoFit/>
+          </a:bodyPr>
+          <a:lstStyle/>
+          <a:p>
+            <a:pPr algn="ctr"/>
+            <a:r>
+              <a:rPr lang="en-US" b="1" dirty="0">
+                <a:latin typeface="Comic Sans MS"/>
+                <a:cs typeface="Comic Sans MS"/>
+              </a:rPr>
+              <a:t>Weak Law of Large Numbers</a:t>
+            </a:r>
+          </a:p>
+        </p:txBody>
+      </p:sp>
     </p:spTree>
     <p:custDataLst>
       <p:tags r:id="rId2"/>
     </p:custDataLst>
+    <p:extLst>
+      <p:ext uri="{BB962C8B-B14F-4D97-AF65-F5344CB8AC3E}">
+        <p14:creationId xmlns:p14="http://schemas.microsoft.com/office/powerpoint/2010/main" val="2950003202"/>
+      </p:ext>
+    </p:extLst>
   </p:cSld>
   <p:clrMapOvr>
     <a:masterClrMapping/>
@@ -7289,6 +8735,9 @@
                     <p:cTn id="3" fill="hold">
                       <p:stCondLst>
                         <p:cond delay="indefinite"/>
+                        <p:cond evt="onBegin" delay="0">
+                          <p:tn val="2"/>
+                        </p:cond>
                       </p:stCondLst>
                       <p:childTnLst>
                         <p:par>
@@ -7298,7 +8747,7 @@
                             </p:stCondLst>
                             <p:childTnLst>
                               <p:par>
-                                <p:cTn id="5" presetID="25" presetClass="entr" presetSubtype="0" fill="hold" grpId="0" nodeType="clickEffect">
+                                <p:cTn id="5" presetID="25" presetClass="entr" presetSubtype="0" fill="hold" grpId="0" nodeType="afterEffect">
                                   <p:stCondLst>
                                     <p:cond delay="0"/>
                                   </p:stCondLst>
@@ -7543,7 +8992,7 @@
                             </p:stCondLst>
                             <p:childTnLst>
                               <p:par>
-                                <p:cTn id="17" presetID="23" presetClass="entr" presetSubtype="16" fill="hold" grpId="0" nodeType="clickEffect">
+                                <p:cTn id="17" presetID="53" presetClass="entr" presetSubtype="16" fill="hold" grpId="0" nodeType="clickEffect">
                                   <p:stCondLst>
                                     <p:cond delay="0"/>
                                   </p:stCondLst>
@@ -7556,7 +9005,7 @@
                                           </p:stCondLst>
                                         </p:cTn>
                                         <p:tgtEl>
-                                          <p:spTgt spid="324617"/>
+                                          <p:spTgt spid="9"/>
                                         </p:tgtEl>
                                         <p:attrNameLst>
                                           <p:attrName>style.visibility</p:attrName>
@@ -7570,7 +9019,7 @@
                                       <p:cBhvr>
                                         <p:cTn id="19" dur="1000" fill="hold"/>
                                         <p:tgtEl>
-                                          <p:spTgt spid="324617"/>
+                                          <p:spTgt spid="9"/>
                                         </p:tgtEl>
                                         <p:attrNameLst>
                                           <p:attrName>ppt_w</p:attrName>
@@ -7593,7 +9042,7 @@
                                       <p:cBhvr>
                                         <p:cTn id="20" dur="1000" fill="hold"/>
                                         <p:tgtEl>
-                                          <p:spTgt spid="324617"/>
+                                          <p:spTgt spid="9"/>
                                         </p:tgtEl>
                                         <p:attrNameLst>
                                           <p:attrName>ppt_h</p:attrName>
@@ -7612,27 +9061,44 @@
                                         </p:tav>
                                       </p:tavLst>
                                     </p:anim>
+                                    <p:animEffect transition="in" filter="fade">
+                                      <p:cBhvr>
+                                        <p:cTn id="21" dur="1000"/>
+                                        <p:tgtEl>
+                                          <p:spTgt spid="9"/>
+                                        </p:tgtEl>
+                                      </p:cBhvr>
+                                    </p:animEffect>
                                   </p:childTnLst>
                                 </p:cTn>
                               </p:par>
                             </p:childTnLst>
                           </p:cTn>
                         </p:par>
+                      </p:childTnLst>
+                    </p:cTn>
+                  </p:par>
+                  <p:par>
+                    <p:cTn id="22" fill="hold">
+                      <p:stCondLst>
+                        <p:cond delay="indefinite"/>
+                      </p:stCondLst>
+                      <p:childTnLst>
                         <p:par>
-                          <p:cTn id="21" fill="hold">
+                          <p:cTn id="23" fill="hold">
                             <p:stCondLst>
-                              <p:cond delay="1000"/>
+                              <p:cond delay="0"/>
                             </p:stCondLst>
                             <p:childTnLst>
                               <p:par>
-                                <p:cTn id="22" presetID="9" presetClass="entr" presetSubtype="0" fill="hold" nodeType="afterEffect">
+                                <p:cTn id="24" presetID="9" presetClass="entr" presetSubtype="0" fill="hold" nodeType="clickEffect">
                                   <p:stCondLst>
                                     <p:cond delay="0"/>
                                   </p:stCondLst>
                                   <p:childTnLst>
                                     <p:set>
                                       <p:cBhvr>
-                                        <p:cTn id="23" dur="1" fill="hold">
+                                        <p:cTn id="25" dur="1" fill="hold">
                                           <p:stCondLst>
                                             <p:cond delay="0"/>
                                           </p:stCondLst>
@@ -7650,7 +9116,7 @@
                                     </p:set>
                                     <p:animEffect transition="in" filter="dissolve">
                                       <p:cBhvr>
-                                        <p:cTn id="24" dur="500"/>
+                                        <p:cTn id="26" dur="500"/>
                                         <p:tgtEl>
                                           <p:spTgt spid="86023"/>
                                         </p:tgtEl>
@@ -7688,13 +9154,352 @@
     </p:tnLst>
     <p:bldLst>
       <p:bldP spid="8" grpId="0" animBg="1"/>
-      <p:bldP spid="324617" grpId="0" animBg="1"/>
+      <p:bldP spid="9" grpId="0" animBg="1"/>
     </p:bldLst>
   </p:timing>
 </p:sld>
 </file>
 
-<file path=ppt/slides/slide16.xml><?xml version="1.0" encoding="utf-8"?>
+<file path=ppt/slides/slide2.xml><?xml version="1.0" encoding="utf-8"?>
+<p:sld xmlns:a="http://schemas.openxmlformats.org/drawingml/2006/main" xmlns:r="http://schemas.openxmlformats.org/officeDocument/2006/relationships" xmlns:p="http://schemas.openxmlformats.org/presentationml/2006/main">
+  <p:cSld>
+    <p:spTree>
+      <p:nvGrpSpPr>
+        <p:cNvPr id="1" name=""/>
+        <p:cNvGrpSpPr/>
+        <p:nvPr/>
+      </p:nvGrpSpPr>
+      <p:grpSpPr>
+        <a:xfrm>
+          <a:off x="0" y="0"/>
+          <a:ext cx="0" cy="0"/>
+          <a:chOff x="0" y="0"/>
+          <a:chExt cx="0" cy="0"/>
+        </a:xfrm>
+      </p:grpSpPr>
+      <p:sp>
+        <p:nvSpPr>
+          <p:cNvPr id="2" name="TextBox 1"/>
+          <p:cNvSpPr txBox="1"/>
+          <p:nvPr/>
+        </p:nvSpPr>
+        <p:spPr>
+          <a:xfrm>
+            <a:off x="1193800" y="177800"/>
+            <a:ext cx="6875500" cy="830997"/>
+          </a:xfrm>
+          <a:prstGeom prst="rect">
+            <a:avLst/>
+          </a:prstGeom>
+          <a:noFill/>
+        </p:spPr>
+        <p:txBody>
+          <a:bodyPr wrap="none" rtlCol="0">
+            <a:spAutoFit/>
+          </a:bodyPr>
+          <a:lstStyle/>
+          <a:p>
+            <a:r>
+              <a:rPr lang="en-US" sz="4800" b="1" dirty="0" smtClean="0">
+                <a:latin typeface="Comic Sans MS"/>
+                <a:cs typeface="Comic Sans MS"/>
+              </a:rPr>
+              <a:t>What the mean means</a:t>
+            </a:r>
+          </a:p>
+        </p:txBody>
+      </p:sp>
+      <p:sp>
+        <p:nvSpPr>
+          <p:cNvPr id="3" name="TextBox 2"/>
+          <p:cNvSpPr txBox="1"/>
+          <p:nvPr/>
+        </p:nvSpPr>
+        <p:spPr>
+          <a:xfrm>
+            <a:off x="736600" y="1041400"/>
+            <a:ext cx="7696200" cy="3046988"/>
+          </a:xfrm>
+          <a:prstGeom prst="rect">
+            <a:avLst/>
+          </a:prstGeom>
+          <a:noFill/>
+        </p:spPr>
+        <p:txBody>
+          <a:bodyPr wrap="square" rtlCol="0">
+            <a:spAutoFit/>
+          </a:bodyPr>
+          <a:lstStyle/>
+          <a:p>
+            <a:r>
+              <a:rPr lang="en-US" sz="4800" dirty="0" smtClean="0">
+                <a:latin typeface="Comic Sans MS"/>
+                <a:cs typeface="Comic Sans MS"/>
+              </a:rPr>
+              <a:t>The mean value of a fair die roll is </a:t>
+            </a:r>
+            <a:r>
+              <a:rPr lang="en-US" sz="4800" dirty="0" smtClean="0">
+                <a:solidFill>
+                  <a:schemeClr val="accent1">
+                    <a:lumMod val="50000"/>
+                  </a:schemeClr>
+                </a:solidFill>
+                <a:latin typeface="Comic Sans MS"/>
+                <a:cs typeface="Comic Sans MS"/>
+              </a:rPr>
+              <a:t>3.5</a:t>
+            </a:r>
+            <a:r>
+              <a:rPr lang="en-US" sz="4800" dirty="0" smtClean="0">
+                <a:latin typeface="Comic Sans MS"/>
+                <a:cs typeface="Comic Sans MS"/>
+              </a:rPr>
+              <a:t>, but we will </a:t>
+            </a:r>
+            <a:r>
+              <a:rPr lang="en-US" sz="4800" dirty="0" smtClean="0">
+                <a:solidFill>
+                  <a:srgbClr val="FF0000"/>
+                </a:solidFill>
+                <a:latin typeface="Comic Sans MS"/>
+                <a:cs typeface="Comic Sans MS"/>
+              </a:rPr>
+              <a:t>never roll</a:t>
+            </a:r>
+            <a:r>
+              <a:rPr lang="en-US" sz="4800" dirty="0" smtClean="0">
+                <a:latin typeface="Comic Sans MS"/>
+                <a:cs typeface="Comic Sans MS"/>
+              </a:rPr>
+              <a:t> </a:t>
+            </a:r>
+            <a:r>
+              <a:rPr lang="en-US" sz="4800" dirty="0" smtClean="0">
+                <a:solidFill>
+                  <a:srgbClr val="0000E5"/>
+                </a:solidFill>
+                <a:latin typeface="Comic Sans MS"/>
+                <a:cs typeface="Comic Sans MS"/>
+              </a:rPr>
+              <a:t>3.5</a:t>
+            </a:r>
+            <a:r>
+              <a:rPr lang="en-US" sz="4800" dirty="0" smtClean="0">
+                <a:latin typeface="Comic Sans MS"/>
+                <a:cs typeface="Comic Sans MS"/>
+              </a:rPr>
+              <a:t>.  So why do we care what the mean is?</a:t>
+            </a:r>
+          </a:p>
+        </p:txBody>
+      </p:sp>
+      <p:sp>
+        <p:nvSpPr>
+          <p:cNvPr id="4" name="TextBox 3"/>
+          <p:cNvSpPr txBox="1"/>
+          <p:nvPr/>
+        </p:nvSpPr>
+        <p:spPr>
+          <a:xfrm>
+            <a:off x="774700" y="4025900"/>
+            <a:ext cx="8152292" cy="2308324"/>
+          </a:xfrm>
+          <a:prstGeom prst="rect">
+            <a:avLst/>
+          </a:prstGeom>
+          <a:noFill/>
+        </p:spPr>
+        <p:txBody>
+          <a:bodyPr wrap="none" rtlCol="0">
+            <a:spAutoFit/>
+          </a:bodyPr>
+          <a:lstStyle/>
+          <a:p>
+            <a:r>
+              <a:rPr lang="en-US" sz="4800" dirty="0" smtClean="0">
+                <a:solidFill>
+                  <a:srgbClr val="A7097A"/>
+                </a:solidFill>
+                <a:latin typeface="Comic Sans MS"/>
+                <a:cs typeface="Comic Sans MS"/>
+              </a:rPr>
+              <a:t>We believe that after </a:t>
+            </a:r>
+            <a:r>
+              <a:rPr lang="en-US" sz="4800" dirty="0" smtClean="0">
+                <a:solidFill>
+                  <a:srgbClr val="008000"/>
+                </a:solidFill>
+                <a:latin typeface="Comic Sans MS"/>
+                <a:cs typeface="Comic Sans MS"/>
+              </a:rPr>
+              <a:t>many</a:t>
+            </a:r>
+          </a:p>
+          <a:p>
+            <a:r>
+              <a:rPr lang="en-US" sz="4800" dirty="0" smtClean="0">
+                <a:solidFill>
+                  <a:srgbClr val="A7097A"/>
+                </a:solidFill>
+                <a:latin typeface="Comic Sans MS"/>
+                <a:cs typeface="Comic Sans MS"/>
+              </a:rPr>
+              <a:t>rolls, the average roll will </a:t>
+            </a:r>
+          </a:p>
+          <a:p>
+            <a:r>
+              <a:rPr lang="en-US" sz="4800" dirty="0" smtClean="0">
+                <a:solidFill>
+                  <a:srgbClr val="A7097A"/>
+                </a:solidFill>
+                <a:latin typeface="Comic Sans MS"/>
+                <a:cs typeface="Comic Sans MS"/>
+              </a:rPr>
+              <a:t>be </a:t>
+            </a:r>
+            <a:r>
+              <a:rPr lang="en-US" sz="4800" dirty="0" smtClean="0">
+                <a:solidFill>
+                  <a:srgbClr val="008000"/>
+                </a:solidFill>
+                <a:latin typeface="Comic Sans MS"/>
+                <a:cs typeface="Comic Sans MS"/>
+              </a:rPr>
+              <a:t>near</a:t>
+            </a:r>
+            <a:r>
+              <a:rPr lang="en-US" sz="4800" dirty="0" smtClean="0">
+                <a:latin typeface="Comic Sans MS"/>
+                <a:cs typeface="Comic Sans MS"/>
+              </a:rPr>
+              <a:t> </a:t>
+            </a:r>
+            <a:r>
+              <a:rPr lang="en-US" sz="4800" dirty="0" smtClean="0">
+                <a:solidFill>
+                  <a:srgbClr val="0033CC"/>
+                </a:solidFill>
+                <a:latin typeface="Comic Sans MS"/>
+                <a:cs typeface="Comic Sans MS"/>
+              </a:rPr>
+              <a:t>3.5</a:t>
+            </a:r>
+            <a:r>
+              <a:rPr lang="en-US" sz="4800" dirty="0" smtClean="0">
+                <a:latin typeface="Comic Sans MS"/>
+                <a:cs typeface="Comic Sans MS"/>
+              </a:rPr>
+              <a:t>.</a:t>
+            </a:r>
+          </a:p>
+        </p:txBody>
+      </p:sp>
+    </p:spTree>
+    <p:extLst>
+      <p:ext uri="{BB962C8B-B14F-4D97-AF65-F5344CB8AC3E}">
+        <p14:creationId xmlns:p14="http://schemas.microsoft.com/office/powerpoint/2010/main" val="1727848221"/>
+      </p:ext>
+    </p:extLst>
+  </p:cSld>
+  <p:clrMapOvr>
+    <a:masterClrMapping/>
+  </p:clrMapOvr>
+  <p:transition xmlns:p14="http://schemas.microsoft.com/office/powerpoint/2010/main" spd="slow" advClick="0">
+    <p:fade thruBlk="1"/>
+  </p:transition>
+  <p:timing>
+    <p:tnLst>
+      <p:par>
+        <p:cTn xmlns:p14="http://schemas.microsoft.com/office/powerpoint/2010/main" id="1" dur="indefinite" restart="never" nodeType="tmRoot">
+          <p:childTnLst>
+            <p:seq concurrent="1" nextAc="seek">
+              <p:cTn id="2" dur="indefinite" nodeType="mainSeq">
+                <p:childTnLst>
+                  <p:par>
+                    <p:cTn id="3" fill="hold">
+                      <p:stCondLst>
+                        <p:cond delay="indefinite"/>
+                      </p:stCondLst>
+                      <p:childTnLst>
+                        <p:par>
+                          <p:cTn id="4" fill="hold">
+                            <p:stCondLst>
+                              <p:cond delay="0"/>
+                            </p:stCondLst>
+                            <p:childTnLst>
+                              <p:par>
+                                <p:cTn id="5" presetID="10" presetClass="entr" presetSubtype="0" fill="hold" grpId="0" nodeType="clickEffect">
+                                  <p:stCondLst>
+                                    <p:cond delay="0"/>
+                                  </p:stCondLst>
+                                  <p:childTnLst>
+                                    <p:set>
+                                      <p:cBhvr>
+                                        <p:cTn id="6" dur="1" fill="hold">
+                                          <p:stCondLst>
+                                            <p:cond delay="0"/>
+                                          </p:stCondLst>
+                                        </p:cTn>
+                                        <p:tgtEl>
+                                          <p:spTgt spid="4"/>
+                                        </p:tgtEl>
+                                        <p:attrNameLst>
+                                          <p:attrName>style.visibility</p:attrName>
+                                        </p:attrNameLst>
+                                      </p:cBhvr>
+                                      <p:to>
+                                        <p:strVal val="visible"/>
+                                      </p:to>
+                                    </p:set>
+                                    <p:animEffect transition="in" filter="fade">
+                                      <p:cBhvr>
+                                        <p:cTn id="7" dur="500"/>
+                                        <p:tgtEl>
+                                          <p:spTgt spid="4"/>
+                                        </p:tgtEl>
+                                      </p:cBhvr>
+                                    </p:animEffect>
+                                  </p:childTnLst>
+                                </p:cTn>
+                              </p:par>
+                            </p:childTnLst>
+                          </p:cTn>
+                        </p:par>
+                      </p:childTnLst>
+                    </p:cTn>
+                  </p:par>
+                </p:childTnLst>
+              </p:cTn>
+              <p:prevCondLst>
+                <p:cond evt="onPrev" delay="0">
+                  <p:tgtEl>
+                    <p:sldTgt/>
+                  </p:tgtEl>
+                </p:cond>
+              </p:prevCondLst>
+              <p:nextCondLst>
+                <p:cond evt="onNext" delay="0">
+                  <p:tgtEl>
+                    <p:sldTgt/>
+                  </p:tgtEl>
+                </p:cond>
+              </p:nextCondLst>
+            </p:seq>
+          </p:childTnLst>
+        </p:cTn>
+      </p:par>
+    </p:tnLst>
+    <p:bldLst>
+      <p:bldP spid="4" grpId="0"/>
+    </p:bldLst>
+  </p:timing>
+</p:sld>
+</file>
+
+<file path=ppt/slides/slide20.xml><?xml version="1.0" encoding="utf-8"?>
 <p:sld xmlns:a="http://schemas.openxmlformats.org/drawingml/2006/main" xmlns:r="http://schemas.openxmlformats.org/officeDocument/2006/relationships" xmlns:p="http://schemas.openxmlformats.org/presentationml/2006/main">
   <p:cSld>
     <p:spTree>
@@ -7884,7 +9689,7 @@
           <a:graphicData uri="http://schemas.openxmlformats.org/presentationml/2006/ole">
             <mc:AlternateContent xmlns:mc="http://schemas.openxmlformats.org/markup-compatibility/2006">
               <mc:Choice xmlns:v="urn:schemas-microsoft-com:vml" Requires="v">
-                <p:oleObj spid="_x0000_s185409" name="Equation" r:id="rId4" imgW="1651000" imgH="330200" progId="Equation.DSMT4">
+                <p:oleObj spid="_x0000_s185419" name="Equation" r:id="rId4" imgW="1651000" imgH="330200" progId="Equation.DSMT4">
                   <p:embed/>
                 </p:oleObj>
               </mc:Choice>
@@ -8025,7 +9830,7 @@
 </p:sld>
 </file>
 
-<file path=ppt/slides/slide2.xml><?xml version="1.0" encoding="utf-8"?>
+<file path=ppt/slides/slide3.xml><?xml version="1.0" encoding="utf-8"?>
 <p:sld xmlns:a="http://schemas.openxmlformats.org/drawingml/2006/main" xmlns:r="http://schemas.openxmlformats.org/officeDocument/2006/relationships" xmlns:p="http://schemas.openxmlformats.org/presentationml/2006/main">
   <p:cSld>
     <p:spTree>
@@ -8091,7 +9896,7 @@
         </p:nvSpPr>
         <p:spPr bwMode="auto">
           <a:xfrm>
-            <a:off x="304800" y="1371600"/>
+            <a:off x="355600" y="1282700"/>
             <a:ext cx="8458200" cy="4422775"/>
           </a:xfrm>
           <a:prstGeom prst="rect">
@@ -8431,7 +10236,7 @@
 </p:sld>
 </file>
 
-<file path=ppt/slides/slide3.xml><?xml version="1.0" encoding="utf-8"?>
+<file path=ppt/slides/slide4.xml><?xml version="1.0" encoding="utf-8"?>
 <p:sld xmlns:a="http://schemas.openxmlformats.org/drawingml/2006/main" xmlns:r="http://schemas.openxmlformats.org/officeDocument/2006/relationships" xmlns:p="http://schemas.openxmlformats.org/presentationml/2006/main">
   <p:cSld>
     <p:spTree>
@@ -8457,25 +10262,25 @@
           <p:nvPr>
             <p:extLst>
               <p:ext uri="{D42A27DB-BD31-4B8C-83A1-F6EECF244321}">
-                <p14:modId xmlns:p14="http://schemas.microsoft.com/office/powerpoint/2010/main" val="3722091705"/>
+                <p14:modId xmlns:p14="http://schemas.microsoft.com/office/powerpoint/2010/main" val="2547588152"/>
               </p:ext>
             </p:extLst>
           </p:nvPr>
         </p:nvGraphicFramePr>
         <p:xfrm>
-          <a:off x="385233" y="3992563"/>
-          <a:ext cx="8469313" cy="2179637"/>
+          <a:off x="536575" y="3205163"/>
+          <a:ext cx="4587875" cy="1060450"/>
         </p:xfrm>
         <a:graphic>
           <a:graphicData uri="http://schemas.openxmlformats.org/presentationml/2006/ole">
             <mc:AlternateContent xmlns:mc="http://schemas.openxmlformats.org/markup-compatibility/2006">
               <mc:Choice xmlns:v="urn:schemas-microsoft-com:vml" Requires="v">
-                <p:oleObj spid="_x0000_s213095" name="Equation" r:id="rId4" imgW="1828800" imgH="469900" progId="Equation.DSMT4">
+                <p:oleObj spid="_x0000_s213117" name="Equation" r:id="rId4" imgW="990600" imgH="228600" progId="Equation.DSMT4">
                   <p:embed/>
                 </p:oleObj>
               </mc:Choice>
               <mc:Fallback>
-                <p:oleObj name="Equation" r:id="rId4" imgW="1828800" imgH="469900" progId="Equation.DSMT4">
+                <p:oleObj name="Equation" r:id="rId4" imgW="990600" imgH="228600" progId="Equation.DSMT4">
                   <p:embed/>
                   <p:pic>
                     <p:nvPicPr>
@@ -8488,11 +10293,6 @@
                     <p:blipFill>
                       <a:blip r:embed="rId5">
                         <a:alphaModFix/>
-                        <a:extLst>
-                          <a:ext uri="{28A0092B-C50C-407E-A947-70E740481C1C}">
-                            <a14:useLocalDpi xmlns:a14="http://schemas.microsoft.com/office/drawing/2010/main" val="0"/>
-                          </a:ext>
-                        </a:extLst>
                       </a:blip>
                       <a:srcRect/>
                       <a:stretch>
@@ -8501,8 +10301,8 @@
                     </p:blipFill>
                     <p:spPr bwMode="auto">
                       <a:xfrm>
-                        <a:off x="385233" y="3992563"/>
-                        <a:ext cx="8469313" cy="2179637"/>
+                        <a:off x="536575" y="3205163"/>
+                        <a:ext cx="4587875" cy="1060450"/>
                       </a:xfrm>
                       <a:prstGeom prst="rect">
                         <a:avLst/>
@@ -8585,7 +10385,7 @@
         </p:blipFill>
         <p:spPr bwMode="auto">
           <a:xfrm rot="2357972">
-            <a:off x="5767273" y="833826"/>
+            <a:off x="6298347" y="181309"/>
             <a:ext cx="2225675" cy="1709738"/>
           </a:xfrm>
           <a:prstGeom prst="rect">
@@ -8621,10 +10421,10 @@
           <a:lstStyle/>
           <a:p>
             <a:r>
-              <a:rPr lang="en-US" sz="4400" dirty="0"/>
-              <a:t>Repeated Trials</a:t>
-            </a:r>
-            <a:endParaRPr lang="en-US" sz="4400" i="1" dirty="0">
+              <a:rPr lang="en-US" sz="4400" dirty="0" smtClean="0"/>
+              <a:t>Dice Rolls</a:t>
+            </a:r>
+            <a:endParaRPr lang="en-US" sz="4400" dirty="0">
               <a:solidFill>
                 <a:srgbClr val="0000CC"/>
               </a:solidFill>
@@ -8641,20 +10441,20 @@
           <p:nvPr>
             <p:extLst>
               <p:ext uri="{D42A27DB-BD31-4B8C-83A1-F6EECF244321}">
-                <p14:modId xmlns:p14="http://schemas.microsoft.com/office/powerpoint/2010/main" val="3271840649"/>
+                <p14:modId xmlns:p14="http://schemas.microsoft.com/office/powerpoint/2010/main" val="3209733905"/>
               </p:ext>
             </p:extLst>
           </p:nvPr>
         </p:nvGraphicFramePr>
         <p:xfrm>
-          <a:off x="2317750" y="1893888"/>
+          <a:off x="2305050" y="1373188"/>
           <a:ext cx="4479925" cy="2335212"/>
         </p:xfrm>
         <a:graphic>
           <a:graphicData uri="http://schemas.openxmlformats.org/presentationml/2006/ole">
             <mc:AlternateContent xmlns:mc="http://schemas.openxmlformats.org/markup-compatibility/2006">
               <mc:Choice xmlns:v="urn:schemas-microsoft-com:vml" Requires="v">
-                <p:oleObj spid="_x0000_s213096" name="Equation" r:id="rId7" imgW="901700" imgH="469900" progId="Equation.DSMT4">
+                <p:oleObj spid="_x0000_s213118" name="Equation" r:id="rId7" imgW="901700" imgH="469900" progId="Equation.DSMT4">
                   <p:embed/>
                 </p:oleObj>
               </mc:Choice>
@@ -8678,7 +10478,7 @@
                     </p:blipFill>
                     <p:spPr bwMode="auto">
                       <a:xfrm>
-                        <a:off x="2317750" y="1893888"/>
+                        <a:off x="2305050" y="1373188"/>
                         <a:ext cx="4479925" cy="2335212"/>
                       </a:xfrm>
                       <a:prstGeom prst="rect">
@@ -8702,23 +10502,71 @@
           </a:graphicData>
         </a:graphic>
       </p:graphicFrame>
+      <p:graphicFrame>
+        <p:nvGraphicFramePr>
+          <p:cNvPr id="2" name="Object 1"/>
+          <p:cNvGraphicFramePr>
+            <a:graphicFrameLocks noChangeAspect="1"/>
+          </p:cNvGraphicFramePr>
+          <p:nvPr>
+            <p:extLst>
+              <p:ext uri="{D42A27DB-BD31-4B8C-83A1-F6EECF244321}">
+                <p14:modId xmlns:p14="http://schemas.microsoft.com/office/powerpoint/2010/main" val="3878133379"/>
+              </p:ext>
+            </p:extLst>
+          </p:nvPr>
+        </p:nvGraphicFramePr>
+        <p:xfrm>
+          <a:off x="414338" y="4229100"/>
+          <a:ext cx="4059237" cy="2057400"/>
+        </p:xfrm>
+        <a:graphic>
+          <a:graphicData uri="http://schemas.openxmlformats.org/presentationml/2006/ole">
+            <mc:AlternateContent xmlns:mc="http://schemas.openxmlformats.org/markup-compatibility/2006">
+              <mc:Choice xmlns:v="urn:schemas-microsoft-com:vml" Requires="v">
+                <p:oleObj spid="_x0000_s213119" name="Equation" r:id="rId9" imgW="927100" imgH="469900" progId="Equation.DSMT4">
+                  <p:embed/>
+                </p:oleObj>
+              </mc:Choice>
+              <mc:Fallback>
+                <p:oleObj name="Equation" r:id="rId9" imgW="927100" imgH="469900" progId="Equation.DSMT4">
+                  <p:embed/>
+                  <p:pic>
+                    <p:nvPicPr>
+                      <p:cNvPr id="0" name=""/>
+                      <p:cNvPicPr/>
+                      <p:nvPr/>
+                    </p:nvPicPr>
+                    <p:blipFill>
+                      <a:blip r:embed="rId10"/>
+                      <a:stretch>
+                        <a:fillRect/>
+                      </a:stretch>
+                    </p:blipFill>
+                    <p:spPr>
+                      <a:xfrm>
+                        <a:off x="414338" y="4229100"/>
+                        <a:ext cx="4059237" cy="2057400"/>
+                      </a:xfrm>
+                      <a:prstGeom prst="rect">
+                        <a:avLst/>
+                      </a:prstGeom>
+                    </p:spPr>
+                  </p:pic>
+                </p:oleObj>
+              </mc:Fallback>
+            </mc:AlternateContent>
+          </a:graphicData>
+        </a:graphic>
+      </p:graphicFrame>
     </p:spTree>
   </p:cSld>
   <p:clrMapOvr>
     <a:masterClrMapping/>
   </p:clrMapOvr>
-  <mc:AlternateContent xmlns:mc="http://schemas.openxmlformats.org/markup-compatibility/2006" xmlns:p14="http://schemas.microsoft.com/office/powerpoint/2010/main">
-    <mc:Choice Requires="p14">
-      <p:transition spd="slow" p14:dur="900" advClick="0">
-        <p:fade/>
-      </p:transition>
-    </mc:Choice>
-    <mc:Fallback xmlns="">
-      <p:transition xmlns:p14="http://schemas.microsoft.com/office/powerpoint/2010/main" spd="slow" advClick="0">
-        <p:fade/>
-      </p:transition>
-    </mc:Fallback>
-  </mc:AlternateContent>
+  <p:transition xmlns:p14="http://schemas.microsoft.com/office/powerpoint/2010/main" spd="slow" advClick="0">
+    <p:fade thruBlk="1"/>
+  </p:transition>
   <p:timing>
     <p:tnLst>
       <p:par>
@@ -8793,7 +10641,7 @@
                             </p:stCondLst>
                             <p:childTnLst>
                               <p:par>
-                                <p:cTn id="10" presetID="22" presetClass="entr" presetSubtype="8" fill="hold" nodeType="clickEffect">
+                                <p:cTn id="10" presetID="10" presetClass="entr" presetSubtype="0" fill="hold" nodeType="clickEffect">
                                   <p:stCondLst>
                                     <p:cond delay="0"/>
                                   </p:stCondLst>
@@ -8816,9 +10664,9 @@
                                         <p:strVal val="visible"/>
                                       </p:to>
                                     </p:set>
-                                    <p:animEffect transition="in" filter="wipe(left)">
+                                    <p:animEffect transition="in" filter="fade">
                                       <p:cBhvr>
-                                        <p:cTn id="12" dur="1000"/>
+                                        <p:cTn id="12" dur="500"/>
                                         <p:tgtEl>
                                           <p:spTgt spid="213001"/>
                                         </p:tgtEl>
@@ -8833,381 +10681,33 @@
                       </p:childTnLst>
                     </p:cTn>
                   </p:par>
-                </p:childTnLst>
-              </p:cTn>
-              <p:prevCondLst>
-                <p:cond evt="onPrev" delay="0">
-                  <p:tgtEl>
-                    <p:sldTgt/>
-                  </p:tgtEl>
-                </p:cond>
-              </p:prevCondLst>
-              <p:nextCondLst>
-                <p:cond evt="onNext" delay="0">
-                  <p:tgtEl>
-                    <p:sldTgt/>
-                  </p:tgtEl>
-                </p:cond>
-              </p:nextCondLst>
-            </p:seq>
-          </p:childTnLst>
-        </p:cTn>
-      </p:par>
-    </p:tnLst>
-  </p:timing>
-</p:sld>
-</file>
-
-<file path=ppt/slides/slide4.xml><?xml version="1.0" encoding="utf-8"?>
-<p:sld xmlns:a="http://schemas.openxmlformats.org/drawingml/2006/main" xmlns:r="http://schemas.openxmlformats.org/officeDocument/2006/relationships" xmlns:p="http://schemas.openxmlformats.org/presentationml/2006/main">
-  <p:cSld>
-    <p:spTree>
-      <p:nvGrpSpPr>
-        <p:cNvPr id="1" name=""/>
-        <p:cNvGrpSpPr/>
-        <p:nvPr/>
-      </p:nvGrpSpPr>
-      <p:grpSpPr>
-        <a:xfrm>
-          <a:off x="0" y="0"/>
-          <a:ext cx="0" cy="0"/>
-          <a:chOff x="0" y="0"/>
-          <a:chExt cx="0" cy="0"/>
-        </a:xfrm>
-      </p:grpSpPr>
-      <p:graphicFrame>
-        <p:nvGraphicFramePr>
-          <p:cNvPr id="319494" name="Object 6"/>
-          <p:cNvGraphicFramePr>
-            <a:graphicFrameLocks noChangeAspect="1"/>
-          </p:cNvGraphicFramePr>
-          <p:nvPr/>
-        </p:nvGraphicFramePr>
-        <p:xfrm>
-          <a:off x="374650" y="3992563"/>
-          <a:ext cx="8469313" cy="2179637"/>
-        </p:xfrm>
-        <a:graphic>
-          <a:graphicData uri="http://schemas.openxmlformats.org/presentationml/2006/ole">
-            <mc:AlternateContent xmlns:mc="http://schemas.openxmlformats.org/markup-compatibility/2006">
-              <mc:Choice xmlns:v="urn:schemas-microsoft-com:vml" Requires="v">
-                <p:oleObj spid="_x0000_s319592" name="Equation" r:id="rId4" imgW="1828800" imgH="469900" progId="Equation.DSMT4">
-                  <p:embed/>
-                </p:oleObj>
-              </mc:Choice>
-              <mc:Fallback>
-                <p:oleObj name="Equation" r:id="rId4" imgW="1828800" imgH="469900" progId="Equation.DSMT4">
-                  <p:embed/>
-                  <p:pic>
-                    <p:nvPicPr>
-                      <p:cNvPr id="0" name="Picture 6"/>
-                      <p:cNvPicPr>
-                        <a:picLocks noChangeAspect="1" noChangeArrowheads="1"/>
-                      </p:cNvPicPr>
-                      <p:nvPr/>
-                    </p:nvPicPr>
-                    <p:blipFill>
-                      <a:blip r:embed="rId5">
-                        <a:extLst>
-                          <a:ext uri="{28A0092B-C50C-407E-A947-70E740481C1C}">
-                            <a14:useLocalDpi xmlns:a14="http://schemas.microsoft.com/office/drawing/2010/main" val="0"/>
-                          </a:ext>
-                        </a:extLst>
-                      </a:blip>
-                      <a:srcRect/>
-                      <a:stretch>
-                        <a:fillRect/>
-                      </a:stretch>
-                    </p:blipFill>
-                    <p:spPr bwMode="auto">
-                      <a:xfrm>
-                        <a:off x="374650" y="3992563"/>
-                        <a:ext cx="8469313" cy="2179637"/>
-                      </a:xfrm>
-                      <a:prstGeom prst="rect">
-                        <a:avLst/>
-                      </a:prstGeom>
-                      <a:solidFill>
-                        <a:schemeClr val="accent1"/>
-                      </a:solidFill>
-                    </p:spPr>
-                  </p:pic>
-                </p:oleObj>
-              </mc:Fallback>
-            </mc:AlternateContent>
-          </a:graphicData>
-        </a:graphic>
-      </p:graphicFrame>
-      <p:sp>
-        <p:nvSpPr>
-          <p:cNvPr id="26628" name="Rectangle 3"/>
-          <p:cNvSpPr>
-            <a:spLocks noGrp="1" noChangeArrowheads="1"/>
-          </p:cNvSpPr>
-          <p:nvPr>
-            <p:ph type="body" sz="half" idx="1"/>
-          </p:nvPr>
-        </p:nvSpPr>
-        <p:spPr>
-          <a:xfrm>
-            <a:off x="396053" y="1281113"/>
-            <a:ext cx="5953550" cy="1098806"/>
-          </a:xfrm>
-        </p:spPr>
-        <p:txBody>
-          <a:bodyPr/>
-          <a:lstStyle/>
-          <a:p>
-            <a:pPr eaLnBrk="1" hangingPunct="1">
-              <a:buFontTx/>
-              <a:buNone/>
-            </a:pPr>
-            <a:r>
-              <a:rPr lang="en-US" sz="4800" dirty="0" smtClean="0"/>
-              <a:t> </a:t>
-            </a:r>
-            <a:r>
-              <a:rPr lang="en-US" sz="4800" dirty="0" err="1" smtClean="0">
-                <a:solidFill>
-                  <a:srgbClr val="008000"/>
-                </a:solidFill>
-              </a:rPr>
-              <a:t>n</a:t>
-            </a:r>
-            <a:r>
-              <a:rPr lang="en-US" sz="4800" dirty="0" smtClean="0"/>
-              <a:t> rolls of fair die</a:t>
-            </a:r>
-          </a:p>
-          <a:p>
-            <a:pPr eaLnBrk="1" hangingPunct="1">
-              <a:buFontTx/>
-              <a:buNone/>
-            </a:pPr>
-            <a:endParaRPr lang="en-US" sz="4800" dirty="0" smtClean="0"/>
-          </a:p>
-        </p:txBody>
-      </p:sp>
-      <p:pic>
-        <p:nvPicPr>
-          <p:cNvPr id="10" name="Picture 4" descr="j0258752[1]"/>
-          <p:cNvPicPr>
-            <a:picLocks noChangeAspect="1" noChangeArrowheads="1"/>
-          </p:cNvPicPr>
-          <p:nvPr/>
-        </p:nvPicPr>
-        <p:blipFill>
-          <a:blip r:embed="rId6" cstate="print"/>
-          <a:srcRect/>
-          <a:stretch>
-            <a:fillRect/>
-          </a:stretch>
-        </p:blipFill>
-        <p:spPr bwMode="auto">
-          <a:xfrm rot="2357972">
-            <a:off x="5767273" y="833826"/>
-            <a:ext cx="2225675" cy="1709738"/>
-          </a:xfrm>
-          <a:prstGeom prst="rect">
-            <a:avLst/>
-          </a:prstGeom>
-          <a:noFill/>
-          <a:ln w="9525">
-            <a:noFill/>
-            <a:miter lim="800000"/>
-            <a:headEnd/>
-            <a:tailEnd/>
-          </a:ln>
-        </p:spPr>
-      </p:pic>
-      <p:sp>
-        <p:nvSpPr>
-          <p:cNvPr id="12" name="Rectangle 3"/>
-          <p:cNvSpPr>
-            <a:spLocks noGrp="1" noChangeArrowheads="1"/>
-          </p:cNvSpPr>
-          <p:nvPr>
-            <p:ph type="title" idx="4294967295"/>
-          </p:nvPr>
-        </p:nvSpPr>
-        <p:spPr>
-          <a:xfrm>
-            <a:off x="2255520" y="175260"/>
-            <a:ext cx="4655820" cy="990600"/>
-          </a:xfrm>
-        </p:spPr>
-        <p:txBody>
-          <a:bodyPr/>
-          <a:lstStyle/>
-          <a:p>
-            <a:r>
-              <a:rPr lang="en-US" sz="4400" dirty="0"/>
-              <a:t>Repeated Trials</a:t>
-            </a:r>
-            <a:endParaRPr lang="en-US" sz="4400" i="1" dirty="0">
-              <a:solidFill>
-                <a:srgbClr val="0000CC"/>
-              </a:solidFill>
-            </a:endParaRPr>
-          </a:p>
-        </p:txBody>
-      </p:sp>
-      <p:sp>
-        <p:nvSpPr>
-          <p:cNvPr id="9" name="TextBox 8"/>
-          <p:cNvSpPr txBox="1"/>
-          <p:nvPr/>
-        </p:nvSpPr>
-        <p:spPr>
-          <a:xfrm>
-            <a:off x="692503" y="2435063"/>
-            <a:ext cx="7847220" cy="1569660"/>
-          </a:xfrm>
-          <a:prstGeom prst="rect">
-            <a:avLst/>
-          </a:prstGeom>
-          <a:noFill/>
-        </p:spPr>
-        <p:txBody>
-          <a:bodyPr wrap="none" rtlCol="0">
-            <a:spAutoFit/>
-          </a:bodyPr>
-          <a:lstStyle/>
-          <a:p>
-            <a:r>
-              <a:rPr lang="en-US" sz="4800" dirty="0" smtClean="0">
-                <a:latin typeface="Comic Sans MS"/>
-                <a:cs typeface="Comic Sans MS"/>
-              </a:rPr>
-              <a:t>Bernoulli:</a:t>
-            </a:r>
-          </a:p>
-          <a:p>
-            <a:r>
-              <a:rPr lang="en-US" sz="4800" dirty="0" smtClean="0">
-                <a:latin typeface="Comic Sans MS"/>
-                <a:cs typeface="Comic Sans MS"/>
-              </a:rPr>
-              <a:t>We believe intuitively that</a:t>
-            </a:r>
-          </a:p>
-        </p:txBody>
-      </p:sp>
-      <p:graphicFrame>
-        <p:nvGraphicFramePr>
-          <p:cNvPr id="319498" name="Object 10"/>
-          <p:cNvGraphicFramePr>
-            <a:graphicFrameLocks noChangeAspect="1"/>
-          </p:cNvGraphicFramePr>
-          <p:nvPr/>
-        </p:nvGraphicFramePr>
-        <p:xfrm>
-          <a:off x="891643" y="3954460"/>
-          <a:ext cx="7651750" cy="2193925"/>
-        </p:xfrm>
-        <a:graphic>
-          <a:graphicData uri="http://schemas.openxmlformats.org/presentationml/2006/ole">
-            <mc:AlternateContent xmlns:mc="http://schemas.openxmlformats.org/markup-compatibility/2006">
-              <mc:Choice xmlns:v="urn:schemas-microsoft-com:vml" Requires="v">
-                <p:oleObj spid="_x0000_s319593" name="Equation" r:id="rId7" imgW="1638300" imgH="469900" progId="Equation.DSMT4">
-                  <p:embed/>
-                </p:oleObj>
-              </mc:Choice>
-              <mc:Fallback>
-                <p:oleObj name="Equation" r:id="rId7" imgW="1638300" imgH="469900" progId="Equation.DSMT4">
-                  <p:embed/>
-                  <p:pic>
-                    <p:nvPicPr>
-                      <p:cNvPr id="0" name="Picture 10"/>
-                      <p:cNvPicPr>
-                        <a:picLocks noChangeAspect="1" noChangeArrowheads="1"/>
-                      </p:cNvPicPr>
-                      <p:nvPr/>
-                    </p:nvPicPr>
-                    <p:blipFill>
-                      <a:blip r:embed="rId8">
-                        <a:extLst>
-                          <a:ext uri="{28A0092B-C50C-407E-A947-70E740481C1C}">
-                            <a14:useLocalDpi xmlns:a14="http://schemas.microsoft.com/office/drawing/2010/main" val="0"/>
-                          </a:ext>
-                        </a:extLst>
-                      </a:blip>
-                      <a:srcRect/>
-                      <a:stretch>
-                        <a:fillRect/>
-                      </a:stretch>
-                    </p:blipFill>
-                    <p:spPr bwMode="auto">
-                      <a:xfrm>
-                        <a:off x="891643" y="3954460"/>
-                        <a:ext cx="7651750" cy="2193925"/>
-                      </a:xfrm>
-                      <a:prstGeom prst="rect">
-                        <a:avLst/>
-                      </a:prstGeom>
-                      <a:solidFill>
-                        <a:schemeClr val="accent1"/>
-                      </a:solidFill>
-                    </p:spPr>
-                  </p:pic>
-                </p:oleObj>
-              </mc:Fallback>
-            </mc:AlternateContent>
-          </a:graphicData>
-        </a:graphic>
-      </p:graphicFrame>
-    </p:spTree>
-  </p:cSld>
-  <p:clrMapOvr>
-    <a:masterClrMapping/>
-  </p:clrMapOvr>
-  <mc:AlternateContent xmlns:mc="http://schemas.openxmlformats.org/markup-compatibility/2006" xmlns:p14="http://schemas.microsoft.com/office/powerpoint/2010/main">
-    <mc:Choice Requires="p14">
-      <p:transition spd="slow" p14:dur="900" advClick="0">
-        <p:fade/>
-      </p:transition>
-    </mc:Choice>
-    <mc:Fallback xmlns="">
-      <p:transition xmlns:p14="http://schemas.microsoft.com/office/powerpoint/2010/main" spd="slow" advClick="0">
-        <p:fade/>
-      </p:transition>
-    </mc:Fallback>
-  </mc:AlternateContent>
-  <p:timing>
-    <p:tnLst>
-      <p:par>
-        <p:cTn xmlns:p14="http://schemas.microsoft.com/office/powerpoint/2010/main" id="1" dur="indefinite" restart="never" nodeType="tmRoot">
-          <p:childTnLst>
-            <p:seq concurrent="1" nextAc="seek">
-              <p:cTn id="2" dur="indefinite" nodeType="mainSeq">
-                <p:childTnLst>
                   <p:par>
-                    <p:cTn id="3" fill="hold">
+                    <p:cTn id="13" fill="hold">
                       <p:stCondLst>
                         <p:cond delay="indefinite"/>
                       </p:stCondLst>
                       <p:childTnLst>
                         <p:par>
-                          <p:cTn id="4" fill="hold">
+                          <p:cTn id="14" fill="hold">
                             <p:stCondLst>
                               <p:cond delay="0"/>
                             </p:stCondLst>
                             <p:childTnLst>
                               <p:par>
-                                <p:cTn id="5" presetID="22" presetClass="entr" presetSubtype="8" fill="hold" nodeType="clickEffect">
+                                <p:cTn id="15" presetID="10" presetClass="entr" presetSubtype="0" fill="hold" nodeType="clickEffect">
                                   <p:stCondLst>
                                     <p:cond delay="0"/>
                                   </p:stCondLst>
                                   <p:childTnLst>
                                     <p:set>
                                       <p:cBhvr>
-                                        <p:cTn id="6" dur="1" fill="hold">
+                                        <p:cTn id="16" dur="1" fill="hold">
                                           <p:stCondLst>
                                             <p:cond delay="0"/>
                                           </p:stCondLst>
                                         </p:cTn>
                                         <p:tgtEl>
-                                          <p:spTgt spid="319498"/>
+                                          <p:spTgt spid="2"/>
                                         </p:tgtEl>
                                         <p:attrNameLst>
                                           <p:attrName>style.visibility</p:attrName>
@@ -9217,11 +10717,11 @@
                                         <p:strVal val="visible"/>
                                       </p:to>
                                     </p:set>
-                                    <p:animEffect transition="in" filter="wipe(left)">
+                                    <p:animEffect transition="in" filter="fade">
                                       <p:cBhvr>
-                                        <p:cTn id="7" dur="1000"/>
+                                        <p:cTn id="17" dur="500"/>
                                         <p:tgtEl>
-                                          <p:spTgt spid="319498"/>
+                                          <p:spTgt spid="2"/>
                                         </p:tgtEl>
                                       </p:cBhvr>
                                     </p:animEffect>
@@ -9343,7 +10843,7 @@
         </p:blipFill>
         <p:spPr bwMode="auto">
           <a:xfrm rot="2357972">
-            <a:off x="5767273" y="833826"/>
+            <a:off x="6298347" y="181309"/>
             <a:ext cx="2225675" cy="1709738"/>
           </a:xfrm>
           <a:prstGeom prst="rect">
@@ -9379,14 +10879,351 @@
           <a:lstStyle/>
           <a:p>
             <a:r>
-              <a:rPr lang="en-US" sz="4400" dirty="0"/>
-              <a:t>Repeated Trials</a:t>
-            </a:r>
-            <a:endParaRPr lang="en-US" sz="4400" i="1" dirty="0">
+              <a:rPr lang="en-US" sz="4400" dirty="0" smtClean="0"/>
+              <a:t>Dice Rolls</a:t>
+            </a:r>
+            <a:endParaRPr lang="en-US" sz="4400" dirty="0">
               <a:solidFill>
                 <a:srgbClr val="0000CC"/>
               </a:solidFill>
             </a:endParaRPr>
+          </a:p>
+        </p:txBody>
+      </p:sp>
+      <p:sp>
+        <p:nvSpPr>
+          <p:cNvPr id="8" name="TextBox 7"/>
+          <p:cNvSpPr txBox="1"/>
+          <p:nvPr/>
+        </p:nvSpPr>
+        <p:spPr>
+          <a:xfrm>
+            <a:off x="983353" y="2193763"/>
+            <a:ext cx="7095099" cy="1846659"/>
+          </a:xfrm>
+          <a:prstGeom prst="rect">
+            <a:avLst/>
+          </a:prstGeom>
+          <a:noFill/>
+        </p:spPr>
+        <p:txBody>
+          <a:bodyPr wrap="none" rtlCol="0">
+            <a:spAutoFit/>
+          </a:bodyPr>
+          <a:lstStyle/>
+          <a:p>
+            <a:r>
+              <a:rPr lang="en-US" sz="6000" dirty="0" smtClean="0">
+                <a:latin typeface="Comic Sans MS"/>
+                <a:cs typeface="Comic Sans MS"/>
+              </a:rPr>
+              <a:t>Bernoulli: </a:t>
+            </a:r>
+            <a:r>
+              <a:rPr lang="en-US" sz="5400" dirty="0" smtClean="0">
+                <a:latin typeface="Comic Sans MS"/>
+                <a:cs typeface="Comic Sans MS"/>
+              </a:rPr>
+              <a:t>we believe</a:t>
+            </a:r>
+          </a:p>
+          <a:p>
+            <a:r>
+              <a:rPr lang="en-US" sz="5400" dirty="0" smtClean="0">
+                <a:latin typeface="Comic Sans MS"/>
+                <a:cs typeface="Comic Sans MS"/>
+              </a:rPr>
+              <a:t>intuitively that</a:t>
+            </a:r>
+          </a:p>
+        </p:txBody>
+      </p:sp>
+      <p:graphicFrame>
+        <p:nvGraphicFramePr>
+          <p:cNvPr id="14" name="Object 13"/>
+          <p:cNvGraphicFramePr>
+            <a:graphicFrameLocks noChangeAspect="1"/>
+          </p:cNvGraphicFramePr>
+          <p:nvPr>
+            <p:extLst>
+              <p:ext uri="{D42A27DB-BD31-4B8C-83A1-F6EECF244321}">
+                <p14:modId xmlns:p14="http://schemas.microsoft.com/office/powerpoint/2010/main" val="2225835949"/>
+              </p:ext>
+            </p:extLst>
+          </p:nvPr>
+        </p:nvGraphicFramePr>
+        <p:xfrm>
+          <a:off x="414338" y="4229100"/>
+          <a:ext cx="4059237" cy="2057400"/>
+        </p:xfrm>
+        <a:graphic>
+          <a:graphicData uri="http://schemas.openxmlformats.org/presentationml/2006/ole">
+            <mc:AlternateContent xmlns:mc="http://schemas.openxmlformats.org/markup-compatibility/2006">
+              <mc:Choice xmlns:v="urn:schemas-microsoft-com:vml" Requires="v">
+                <p:oleObj spid="_x0000_s1031" name="Equation" r:id="rId5" imgW="927100" imgH="469900" progId="Equation.DSMT4">
+                  <p:embed/>
+                </p:oleObj>
+              </mc:Choice>
+              <mc:Fallback>
+                <p:oleObj name="Equation" r:id="rId5" imgW="927100" imgH="469900" progId="Equation.DSMT4">
+                  <p:embed/>
+                  <p:pic>
+                    <p:nvPicPr>
+                      <p:cNvPr id="0" name=""/>
+                      <p:cNvPicPr/>
+                      <p:nvPr/>
+                    </p:nvPicPr>
+                    <p:blipFill>
+                      <a:blip r:embed="rId6"/>
+                      <a:stretch>
+                        <a:fillRect/>
+                      </a:stretch>
+                    </p:blipFill>
+                    <p:spPr>
+                      <a:xfrm>
+                        <a:off x="414338" y="4229100"/>
+                        <a:ext cx="4059237" cy="2057400"/>
+                      </a:xfrm>
+                      <a:prstGeom prst="rect">
+                        <a:avLst/>
+                      </a:prstGeom>
+                    </p:spPr>
+                  </p:pic>
+                </p:oleObj>
+              </mc:Fallback>
+            </mc:AlternateContent>
+          </a:graphicData>
+        </a:graphic>
+      </p:graphicFrame>
+      <p:graphicFrame>
+        <p:nvGraphicFramePr>
+          <p:cNvPr id="15" name="Object 14"/>
+          <p:cNvGraphicFramePr>
+            <a:graphicFrameLocks noChangeAspect="1"/>
+          </p:cNvGraphicFramePr>
+          <p:nvPr>
+            <p:extLst>
+              <p:ext uri="{D42A27DB-BD31-4B8C-83A1-F6EECF244321}">
+                <p14:modId xmlns:p14="http://schemas.microsoft.com/office/powerpoint/2010/main" val="1183082683"/>
+              </p:ext>
+            </p:extLst>
+          </p:nvPr>
+        </p:nvGraphicFramePr>
+        <p:xfrm>
+          <a:off x="4394199" y="4178300"/>
+          <a:ext cx="4726459" cy="2057400"/>
+        </p:xfrm>
+        <a:graphic>
+          <a:graphicData uri="http://schemas.openxmlformats.org/presentationml/2006/ole">
+            <mc:AlternateContent xmlns:mc="http://schemas.openxmlformats.org/markup-compatibility/2006">
+              <mc:Choice xmlns:v="urn:schemas-microsoft-com:vml" Requires="v">
+                <p:oleObj spid="_x0000_s1032" name="Equation" r:id="rId7" imgW="1079500" imgH="469900" progId="Equation.DSMT4">
+                  <p:embed/>
+                </p:oleObj>
+              </mc:Choice>
+              <mc:Fallback>
+                <p:oleObj name="Equation" r:id="rId7" imgW="1079500" imgH="469900" progId="Equation.DSMT4">
+                  <p:embed/>
+                  <p:pic>
+                    <p:nvPicPr>
+                      <p:cNvPr id="0" name=""/>
+                      <p:cNvPicPr/>
+                      <p:nvPr/>
+                    </p:nvPicPr>
+                    <p:blipFill>
+                      <a:blip r:embed="rId8"/>
+                      <a:stretch>
+                        <a:fillRect/>
+                      </a:stretch>
+                    </p:blipFill>
+                    <p:spPr>
+                      <a:xfrm>
+                        <a:off x="4394199" y="4178300"/>
+                        <a:ext cx="4726459" cy="2057400"/>
+                      </a:xfrm>
+                      <a:prstGeom prst="rect">
+                        <a:avLst/>
+                      </a:prstGeom>
+                    </p:spPr>
+                  </p:pic>
+                </p:oleObj>
+              </mc:Fallback>
+            </mc:AlternateContent>
+          </a:graphicData>
+        </a:graphic>
+      </p:graphicFrame>
+    </p:spTree>
+    <p:extLst>
+      <p:ext uri="{BB962C8B-B14F-4D97-AF65-F5344CB8AC3E}">
+        <p14:creationId xmlns:p14="http://schemas.microsoft.com/office/powerpoint/2010/main" val="178054635"/>
+      </p:ext>
+    </p:extLst>
+  </p:cSld>
+  <p:clrMapOvr>
+    <a:masterClrMapping/>
+  </p:clrMapOvr>
+  <mc:AlternateContent xmlns:mc="http://schemas.openxmlformats.org/markup-compatibility/2006" xmlns:p14="http://schemas.microsoft.com/office/powerpoint/2010/main">
+    <mc:Choice Requires="p14">
+      <p:transition spd="slow" p14:dur="900" advClick="0">
+        <p:fade/>
+      </p:transition>
+    </mc:Choice>
+    <mc:Fallback xmlns="">
+      <p:transition xmlns:p14="http://schemas.microsoft.com/office/powerpoint/2010/main" spd="slow" advClick="0">
+        <p:fade/>
+      </p:transition>
+    </mc:Fallback>
+  </mc:AlternateContent>
+  <p:timing>
+    <p:tnLst>
+      <p:par>
+        <p:cTn xmlns:p14="http://schemas.microsoft.com/office/powerpoint/2010/main" id="1" dur="indefinite" restart="never" nodeType="tmRoot">
+          <p:childTnLst>
+            <p:seq concurrent="1" nextAc="seek">
+              <p:cTn id="2" dur="indefinite" nodeType="mainSeq">
+                <p:childTnLst>
+                  <p:par>
+                    <p:cTn id="3" fill="hold">
+                      <p:stCondLst>
+                        <p:cond delay="indefinite"/>
+                      </p:stCondLst>
+                      <p:childTnLst>
+                        <p:par>
+                          <p:cTn id="4" fill="hold">
+                            <p:stCondLst>
+                              <p:cond delay="0"/>
+                            </p:stCondLst>
+                            <p:childTnLst>
+                              <p:par>
+                                <p:cTn id="5" presetID="22" presetClass="entr" presetSubtype="8" fill="hold" nodeType="clickEffect">
+                                  <p:stCondLst>
+                                    <p:cond delay="0"/>
+                                  </p:stCondLst>
+                                  <p:childTnLst>
+                                    <p:set>
+                                      <p:cBhvr>
+                                        <p:cTn id="6" dur="1" fill="hold">
+                                          <p:stCondLst>
+                                            <p:cond delay="0"/>
+                                          </p:stCondLst>
+                                        </p:cTn>
+                                        <p:tgtEl>
+                                          <p:spTgt spid="15"/>
+                                        </p:tgtEl>
+                                        <p:attrNameLst>
+                                          <p:attrName>style.visibility</p:attrName>
+                                        </p:attrNameLst>
+                                      </p:cBhvr>
+                                      <p:to>
+                                        <p:strVal val="visible"/>
+                                      </p:to>
+                                    </p:set>
+                                    <p:animEffect transition="in" filter="wipe(left)">
+                                      <p:cBhvr>
+                                        <p:cTn id="7" dur="2000"/>
+                                        <p:tgtEl>
+                                          <p:spTgt spid="15"/>
+                                        </p:tgtEl>
+                                      </p:cBhvr>
+                                    </p:animEffect>
+                                  </p:childTnLst>
+                                </p:cTn>
+                              </p:par>
+                            </p:childTnLst>
+                          </p:cTn>
+                        </p:par>
+                      </p:childTnLst>
+                    </p:cTn>
+                  </p:par>
+                </p:childTnLst>
+              </p:cTn>
+              <p:prevCondLst>
+                <p:cond evt="onPrev" delay="0">
+                  <p:tgtEl>
+                    <p:sldTgt/>
+                  </p:tgtEl>
+                </p:cond>
+              </p:prevCondLst>
+              <p:nextCondLst>
+                <p:cond evt="onNext" delay="0">
+                  <p:tgtEl>
+                    <p:sldTgt/>
+                  </p:tgtEl>
+                </p:cond>
+              </p:nextCondLst>
+            </p:seq>
+          </p:childTnLst>
+        </p:cTn>
+      </p:par>
+    </p:tnLst>
+  </p:timing>
+</p:sld>
+</file>
+
+<file path=ppt/slides/slide6.xml><?xml version="1.0" encoding="utf-8"?>
+<p:sld xmlns:a="http://schemas.openxmlformats.org/drawingml/2006/main" xmlns:r="http://schemas.openxmlformats.org/officeDocument/2006/relationships" xmlns:p="http://schemas.openxmlformats.org/presentationml/2006/main">
+  <p:cSld>
+    <p:spTree>
+      <p:nvGrpSpPr>
+        <p:cNvPr id="1" name=""/>
+        <p:cNvGrpSpPr/>
+        <p:nvPr/>
+      </p:nvGrpSpPr>
+      <p:grpSpPr>
+        <a:xfrm>
+          <a:off x="0" y="0"/>
+          <a:ext cx="0" cy="0"/>
+          <a:chOff x="0" y="0"/>
+          <a:chExt cx="0" cy="0"/>
+        </a:xfrm>
+      </p:grpSpPr>
+      <p:sp>
+        <p:nvSpPr>
+          <p:cNvPr id="26628" name="Rectangle 3"/>
+          <p:cNvSpPr>
+            <a:spLocks noGrp="1" noChangeArrowheads="1"/>
+          </p:cNvSpPr>
+          <p:nvPr>
+            <p:ph type="body" sz="half" idx="1"/>
+          </p:nvPr>
+        </p:nvSpPr>
+        <p:spPr>
+          <a:xfrm>
+            <a:off x="396053" y="1281113"/>
+            <a:ext cx="5953550" cy="1098806"/>
+          </a:xfrm>
+        </p:spPr>
+        <p:txBody>
+          <a:bodyPr/>
+          <a:lstStyle/>
+          <a:p>
+            <a:pPr eaLnBrk="1" hangingPunct="1">
+              <a:buFontTx/>
+              <a:buNone/>
+            </a:pPr>
+            <a:r>
+              <a:rPr lang="en-US" sz="4800" dirty="0" smtClean="0"/>
+              <a:t> </a:t>
+            </a:r>
+            <a:r>
+              <a:rPr lang="en-US" sz="4800" dirty="0" err="1" smtClean="0">
+                <a:solidFill>
+                  <a:srgbClr val="008000"/>
+                </a:solidFill>
+              </a:rPr>
+              <a:t>n</a:t>
+            </a:r>
+            <a:r>
+              <a:rPr lang="en-US" sz="4800" dirty="0" smtClean="0"/>
+              <a:t> rolls of fair die</a:t>
+            </a:r>
+          </a:p>
+          <a:p>
+            <a:pPr eaLnBrk="1" hangingPunct="1">
+              <a:buFontTx/>
+              <a:buNone/>
+            </a:pPr>
+            <a:endParaRPr lang="en-US" sz="4800" dirty="0" smtClean="0"/>
           </a:p>
         </p:txBody>
       </p:sp>
@@ -9457,76 +11294,6 @@
           </a:p>
         </p:txBody>
       </p:sp>
-      <p:graphicFrame>
-        <p:nvGraphicFramePr>
-          <p:cNvPr id="323588" name="Object 4"/>
-          <p:cNvGraphicFramePr>
-            <a:graphicFrameLocks noChangeAspect="1"/>
-          </p:cNvGraphicFramePr>
-          <p:nvPr/>
-        </p:nvGraphicFramePr>
-        <p:xfrm>
-          <a:off x="892175" y="3954463"/>
-          <a:ext cx="7651750" cy="2193925"/>
-        </p:xfrm>
-        <a:graphic>
-          <a:graphicData uri="http://schemas.openxmlformats.org/presentationml/2006/ole">
-            <mc:AlternateContent xmlns:mc="http://schemas.openxmlformats.org/markup-compatibility/2006">
-              <mc:Choice xmlns:v="urn:schemas-microsoft-com:vml" Requires="v">
-                <p:oleObj spid="_x0000_s323644" name="Equation" r:id="rId5" imgW="1638300" imgH="469900" progId="Equation.DSMT4">
-                  <p:embed/>
-                </p:oleObj>
-              </mc:Choice>
-              <mc:Fallback>
-                <p:oleObj name="Equation" r:id="rId5" imgW="1638300" imgH="469900" progId="Equation.DSMT4">
-                  <p:embed/>
-                  <p:pic>
-                    <p:nvPicPr>
-                      <p:cNvPr id="0" name="Picture 4"/>
-                      <p:cNvPicPr>
-                        <a:picLocks noChangeAspect="1" noChangeArrowheads="1"/>
-                      </p:cNvPicPr>
-                      <p:nvPr/>
-                    </p:nvPicPr>
-                    <p:blipFill>
-                      <a:blip r:embed="rId6">
-                        <a:extLst>
-                          <a:ext uri="{28A0092B-C50C-407E-A947-70E740481C1C}">
-                            <a14:useLocalDpi xmlns:a14="http://schemas.microsoft.com/office/drawing/2010/main" val="0"/>
-                          </a:ext>
-                        </a:extLst>
-                      </a:blip>
-                      <a:srcRect/>
-                      <a:stretch>
-                        <a:fillRect/>
-                      </a:stretch>
-                    </p:blipFill>
-                    <p:spPr bwMode="auto">
-                      <a:xfrm>
-                        <a:off x="892175" y="3954463"/>
-                        <a:ext cx="7651750" cy="2193925"/>
-                      </a:xfrm>
-                      <a:prstGeom prst="rect">
-                        <a:avLst/>
-                      </a:prstGeom>
-                      <a:noFill/>
-                      <a:extLst>
-                        <a:ext uri="{909E8E84-426E-40dd-AFC4-6F175D3DCCD1}">
-                          <a14:hiddenFill xmlns:a14="http://schemas.microsoft.com/office/drawing/2010/main">
-                            <a:solidFill>
-                              <a:schemeClr val="accent1"/>
-                            </a:solidFill>
-                          </a14:hiddenFill>
-                        </a:ext>
-                      </a:extLst>
-                    </p:spPr>
-                  </p:pic>
-                </p:oleObj>
-              </mc:Fallback>
-            </mc:AlternateContent>
-          </a:graphicData>
-        </a:graphic>
-      </p:graphicFrame>
       <p:sp>
         <p:nvSpPr>
           <p:cNvPr id="11" name="TextBox 10"/>
@@ -9576,6 +11343,184 @@
           </a:p>
         </p:txBody>
       </p:sp>
+      <p:pic>
+        <p:nvPicPr>
+          <p:cNvPr id="9" name="Picture 4" descr="j0258752[1]"/>
+          <p:cNvPicPr>
+            <a:picLocks noChangeAspect="1" noChangeArrowheads="1"/>
+          </p:cNvPicPr>
+          <p:nvPr/>
+        </p:nvPicPr>
+        <p:blipFill>
+          <a:blip r:embed="rId4" cstate="print"/>
+          <a:srcRect/>
+          <a:stretch>
+            <a:fillRect/>
+          </a:stretch>
+        </p:blipFill>
+        <p:spPr bwMode="auto">
+          <a:xfrm rot="2357972">
+            <a:off x="6298347" y="181309"/>
+            <a:ext cx="2225675" cy="1709738"/>
+          </a:xfrm>
+          <a:prstGeom prst="rect">
+            <a:avLst/>
+          </a:prstGeom>
+          <a:noFill/>
+          <a:ln w="9525">
+            <a:noFill/>
+            <a:miter lim="800000"/>
+            <a:headEnd/>
+            <a:tailEnd/>
+          </a:ln>
+        </p:spPr>
+      </p:pic>
+      <p:sp>
+        <p:nvSpPr>
+          <p:cNvPr id="13" name="Rectangle 3"/>
+          <p:cNvSpPr>
+            <a:spLocks noGrp="1" noChangeArrowheads="1"/>
+          </p:cNvSpPr>
+          <p:nvPr>
+            <p:ph type="title" idx="4294967295"/>
+          </p:nvPr>
+        </p:nvSpPr>
+        <p:spPr>
+          <a:xfrm>
+            <a:off x="2255520" y="175260"/>
+            <a:ext cx="4655820" cy="990600"/>
+          </a:xfrm>
+        </p:spPr>
+        <p:txBody>
+          <a:bodyPr/>
+          <a:lstStyle/>
+          <a:p>
+            <a:r>
+              <a:rPr lang="en-US" sz="4400" dirty="0" smtClean="0"/>
+              <a:t>Dice Rolls</a:t>
+            </a:r>
+            <a:endParaRPr lang="en-US" sz="4400" dirty="0">
+              <a:solidFill>
+                <a:srgbClr val="0000CC"/>
+              </a:solidFill>
+            </a:endParaRPr>
+          </a:p>
+        </p:txBody>
+      </p:sp>
+      <p:graphicFrame>
+        <p:nvGraphicFramePr>
+          <p:cNvPr id="15" name="Object 14"/>
+          <p:cNvGraphicFramePr>
+            <a:graphicFrameLocks noChangeAspect="1"/>
+          </p:cNvGraphicFramePr>
+          <p:nvPr>
+            <p:extLst>
+              <p:ext uri="{D42A27DB-BD31-4B8C-83A1-F6EECF244321}">
+                <p14:modId xmlns:p14="http://schemas.microsoft.com/office/powerpoint/2010/main" val="1612049955"/>
+              </p:ext>
+            </p:extLst>
+          </p:nvPr>
+        </p:nvGraphicFramePr>
+        <p:xfrm>
+          <a:off x="414338" y="4229100"/>
+          <a:ext cx="4059237" cy="2057400"/>
+        </p:xfrm>
+        <a:graphic>
+          <a:graphicData uri="http://schemas.openxmlformats.org/presentationml/2006/ole">
+            <mc:AlternateContent xmlns:mc="http://schemas.openxmlformats.org/markup-compatibility/2006">
+              <mc:Choice xmlns:v="urn:schemas-microsoft-com:vml" Requires="v">
+                <p:oleObj spid="_x0000_s323657" name="Equation" r:id="rId5" imgW="927100" imgH="469900" progId="Equation.DSMT4">
+                  <p:embed/>
+                </p:oleObj>
+              </mc:Choice>
+              <mc:Fallback>
+                <p:oleObj name="Equation" r:id="rId5" imgW="927100" imgH="469900" progId="Equation.DSMT4">
+                  <p:embed/>
+                  <p:pic>
+                    <p:nvPicPr>
+                      <p:cNvPr id="0" name=""/>
+                      <p:cNvPicPr/>
+                      <p:nvPr/>
+                    </p:nvPicPr>
+                    <p:blipFill>
+                      <a:blip r:embed="rId6"/>
+                      <a:stretch>
+                        <a:fillRect/>
+                      </a:stretch>
+                    </p:blipFill>
+                    <p:spPr>
+                      <a:xfrm>
+                        <a:off x="414338" y="4229100"/>
+                        <a:ext cx="4059237" cy="2057400"/>
+                      </a:xfrm>
+                      <a:prstGeom prst="rect">
+                        <a:avLst/>
+                      </a:prstGeom>
+                    </p:spPr>
+                  </p:pic>
+                </p:oleObj>
+              </mc:Fallback>
+            </mc:AlternateContent>
+          </a:graphicData>
+        </a:graphic>
+      </p:graphicFrame>
+      <p:graphicFrame>
+        <p:nvGraphicFramePr>
+          <p:cNvPr id="2" name="Object 1"/>
+          <p:cNvGraphicFramePr>
+            <a:graphicFrameLocks noChangeAspect="1"/>
+          </p:cNvGraphicFramePr>
+          <p:nvPr>
+            <p:extLst>
+              <p:ext uri="{D42A27DB-BD31-4B8C-83A1-F6EECF244321}">
+                <p14:modId xmlns:p14="http://schemas.microsoft.com/office/powerpoint/2010/main" val="3638153098"/>
+              </p:ext>
+            </p:extLst>
+          </p:nvPr>
+        </p:nvGraphicFramePr>
+        <p:xfrm>
+          <a:off x="4394199" y="4178300"/>
+          <a:ext cx="4726459" cy="2057400"/>
+        </p:xfrm>
+        <a:graphic>
+          <a:graphicData uri="http://schemas.openxmlformats.org/presentationml/2006/ole">
+            <mc:AlternateContent xmlns:mc="http://schemas.openxmlformats.org/markup-compatibility/2006">
+              <mc:Choice xmlns:v="urn:schemas-microsoft-com:vml" Requires="v">
+                <p:oleObj spid="_x0000_s323658" name="Equation" r:id="rId7" imgW="1079500" imgH="469900" progId="Equation.DSMT4">
+                  <p:embed/>
+                </p:oleObj>
+              </mc:Choice>
+              <mc:Fallback>
+                <p:oleObj name="Equation" r:id="rId7" imgW="1079500" imgH="469900" progId="Equation.DSMT4">
+                  <p:embed/>
+                  <p:pic>
+                    <p:nvPicPr>
+                      <p:cNvPr id="0" name=""/>
+                      <p:cNvPicPr/>
+                      <p:nvPr/>
+                    </p:nvPicPr>
+                    <p:blipFill>
+                      <a:blip r:embed="rId8"/>
+                      <a:stretch>
+                        <a:fillRect/>
+                      </a:stretch>
+                    </p:blipFill>
+                    <p:spPr>
+                      <a:xfrm>
+                        <a:off x="4394199" y="4178300"/>
+                        <a:ext cx="4726459" cy="2057400"/>
+                      </a:xfrm>
+                      <a:prstGeom prst="rect">
+                        <a:avLst/>
+                      </a:prstGeom>
+                    </p:spPr>
+                  </p:pic>
+                </p:oleObj>
+              </mc:Fallback>
+            </mc:AlternateContent>
+          </a:graphicData>
+        </a:graphic>
+      </p:graphicFrame>
     </p:spTree>
   </p:cSld>
   <p:clrMapOvr>
@@ -9682,7 +11627,7 @@
 </p:sld>
 </file>
 
-<file path=ppt/slides/slide6.xml><?xml version="1.0" encoding="utf-8"?>
+<file path=ppt/slides/slide7.xml><?xml version="1.0" encoding="utf-8"?>
 <p:sld xmlns:a="http://schemas.openxmlformats.org/drawingml/2006/main" xmlns:r="http://schemas.openxmlformats.org/officeDocument/2006/relationships" xmlns:p="http://schemas.openxmlformats.org/presentationml/2006/main">
   <p:cSld>
     <p:spTree>
@@ -9708,29 +11653,29 @@
           <p:nvPr>
             <p:extLst>
               <p:ext uri="{D42A27DB-BD31-4B8C-83A1-F6EECF244321}">
-                <p14:modId xmlns:p14="http://schemas.microsoft.com/office/powerpoint/2010/main" val="107141467"/>
+                <p14:modId xmlns:p14="http://schemas.microsoft.com/office/powerpoint/2010/main" val="2963153612"/>
               </p:ext>
             </p:extLst>
           </p:nvPr>
         </p:nvGraphicFramePr>
         <p:xfrm>
-          <a:off x="1328738" y="182563"/>
-          <a:ext cx="7472362" cy="880452"/>
+          <a:off x="1693863" y="120650"/>
+          <a:ext cx="6938962" cy="911225"/>
         </p:xfrm>
         <a:graphic>
           <a:graphicData uri="http://schemas.openxmlformats.org/presentationml/2006/ole">
             <mc:AlternateContent xmlns:mc="http://schemas.openxmlformats.org/markup-compatibility/2006">
               <mc:Choice xmlns:v="urn:schemas-microsoft-com:vml" Requires="v">
-                <p:oleObj spid="_x0000_s312381" name="Equation" r:id="rId3" imgW="1943100" imgH="228600" progId="Equation.DSMT4">
+                <p:oleObj spid="_x0000_s329733" name="Equation" r:id="rId3" imgW="1739900" imgH="228600" progId="Equation.DSMT4">
                   <p:embed/>
                 </p:oleObj>
               </mc:Choice>
               <mc:Fallback>
-                <p:oleObj name="Equation" r:id="rId3" imgW="1943100" imgH="228600" progId="Equation.DSMT4">
+                <p:oleObj name="Equation" r:id="rId3" imgW="1739900" imgH="228600" progId="Equation.DSMT4">
                   <p:embed/>
                   <p:pic>
                     <p:nvPicPr>
-                      <p:cNvPr id="0" name="Picture 2"/>
+                      <p:cNvPr id="0" name=""/>
                       <p:cNvPicPr>
                         <a:picLocks noChangeAspect="1" noChangeArrowheads="1"/>
                       </p:cNvPicPr>
@@ -9745,14 +11690,22 @@
                     </p:blipFill>
                     <p:spPr bwMode="auto">
                       <a:xfrm>
-                        <a:off x="1328738" y="182563"/>
-                        <a:ext cx="7472362" cy="880452"/>
+                        <a:off x="1693863" y="120650"/>
+                        <a:ext cx="6938962" cy="911225"/>
                       </a:xfrm>
                       <a:prstGeom prst="rect">
                         <a:avLst/>
                       </a:prstGeom>
                       <a:noFill/>
-                      <a:extLst/>
+                      <a:extLst>
+                        <a:ext uri="{909E8E84-426E-40dd-AFC4-6F175D3DCCD1}">
+                          <a14:hiddenFill xmlns:a14="http://schemas.microsoft.com/office/drawing/2010/main">
+                            <a:solidFill>
+                              <a:srgbClr val="FFFFFF"/>
+                            </a:solidFill>
+                          </a14:hiddenFill>
+                        </a:ext>
+                      </a:extLst>
                     </p:spPr>
                   </p:pic>
                 </p:oleObj>
@@ -9770,14 +11723,14 @@
           <p:nvPr>
             <p:extLst>
               <p:ext uri="{D42A27DB-BD31-4B8C-83A1-F6EECF244321}">
-                <p14:modId xmlns:p14="http://schemas.microsoft.com/office/powerpoint/2010/main" val="151604194"/>
+                <p14:modId xmlns:p14="http://schemas.microsoft.com/office/powerpoint/2010/main" val="304470885"/>
               </p:ext>
             </p:extLst>
           </p:nvPr>
         </p:nvGraphicFramePr>
         <p:xfrm>
-          <a:off x="1021824" y="1044202"/>
-          <a:ext cx="2986029" cy="5120640"/>
+          <a:off x="834854" y="1281113"/>
+          <a:ext cx="3191046" cy="4521200"/>
         </p:xfrm>
         <a:graphic>
           <a:graphicData uri="http://schemas.openxmlformats.org/drawingml/2006/table">
@@ -9786,10 +11739,10 @@
                 <a:tableStyleId>{5C22544A-7EE6-4342-B048-85BDC9FD1C3A}</a:tableStyleId>
               </a:tblPr>
               <a:tblGrid>
-                <a:gridCol w="1424883"/>
-                <a:gridCol w="1561146"/>
+                <a:gridCol w="1628946"/>
+                <a:gridCol w="1562100"/>
               </a:tblGrid>
-              <a:tr h="478995">
+              <a:tr h="661616">
                 <a:tc>
                   <a:txBody>
                     <a:bodyPr/>
@@ -9797,14 +11750,14 @@
                     <a:p>
                       <a:pPr algn="ctr"/>
                       <a:r>
-                        <a:rPr lang="en-US" sz="3600" dirty="0" err="1" smtClean="0">
+                        <a:rPr lang="en-US" sz="3200" dirty="0" err="1" smtClean="0">
                           <a:solidFill>
                             <a:srgbClr val="008000"/>
                           </a:solidFill>
                         </a:rPr>
                         <a:t>n</a:t>
                       </a:r>
-                      <a:endParaRPr lang="en-US" sz="3600" dirty="0">
+                      <a:endParaRPr lang="en-US" sz="3200" dirty="0">
                         <a:solidFill>
                           <a:srgbClr val="008000"/>
                         </a:solidFill>
@@ -9821,15 +11774,7 @@
                     <a:lstStyle/>
                     <a:p>
                       <a:pPr algn="ctr"/>
-                      <a:r>
-                        <a:rPr lang="en-US" sz="3600" dirty="0" smtClean="0">
-                          <a:solidFill>
-                            <a:srgbClr val="5959FF"/>
-                          </a:solidFill>
-                        </a:rPr>
-                        <a:t>Pr</a:t>
-                      </a:r>
-                      <a:endParaRPr lang="en-US" sz="3600" dirty="0">
+                      <a:endParaRPr lang="en-US" sz="3200" dirty="0">
                         <a:solidFill>
                           <a:srgbClr val="5959FF"/>
                         </a:solidFill>
@@ -9841,7 +11786,7 @@
                   </a:tcPr>
                 </a:tc>
               </a:tr>
-              <a:tr h="478995">
+              <a:tr h="643264">
                 <a:tc>
                   <a:txBody>
                     <a:bodyPr/>
@@ -9849,14 +11794,14 @@
                     <a:p>
                       <a:pPr algn="r"/>
                       <a:r>
-                        <a:rPr lang="en-US" sz="3600" dirty="0" smtClean="0">
+                        <a:rPr lang="en-US" sz="3200" dirty="0" smtClean="0">
                           <a:solidFill>
                             <a:srgbClr val="5959FF"/>
                           </a:solidFill>
                         </a:rPr>
                         <a:t>6</a:t>
                       </a:r>
-                      <a:endParaRPr lang="en-US" sz="3600" dirty="0">
+                      <a:endParaRPr lang="en-US" sz="3200" dirty="0">
                         <a:solidFill>
                           <a:srgbClr val="5959FF"/>
                         </a:solidFill>
@@ -9872,16 +11817,16 @@
                     <a:bodyPr/>
                     <a:lstStyle/>
                     <a:p>
-                      <a:pPr algn="ctr"/>
+                      <a:pPr algn="l"/>
                       <a:r>
-                        <a:rPr lang="en-US" sz="3600" dirty="0" smtClean="0">
+                        <a:rPr lang="en-US" sz="3200" dirty="0" smtClean="0">
                           <a:solidFill>
                             <a:srgbClr val="5959FF"/>
                           </a:solidFill>
                         </a:rPr>
                         <a:t>0.4</a:t>
                       </a:r>
-                      <a:endParaRPr lang="en-US" sz="3600" dirty="0">
+                      <a:endParaRPr lang="en-US" sz="3200" dirty="0">
                         <a:solidFill>
                           <a:srgbClr val="5959FF"/>
                         </a:solidFill>
@@ -9893,7 +11838,7 @@
                   </a:tcPr>
                 </a:tc>
               </a:tr>
-              <a:tr h="478995">
+              <a:tr h="643264">
                 <a:tc>
                   <a:txBody>
                     <a:bodyPr/>
@@ -9901,14 +11846,14 @@
                     <a:p>
                       <a:pPr algn="r"/>
                       <a:r>
-                        <a:rPr lang="en-US" sz="3600" dirty="0" smtClean="0">
+                        <a:rPr lang="en-US" sz="3200" dirty="0" smtClean="0">
                           <a:solidFill>
                             <a:srgbClr val="5959FF"/>
                           </a:solidFill>
                         </a:rPr>
-                        <a:t>10</a:t>
+                        <a:t>60</a:t>
                       </a:r>
-                      <a:endParaRPr lang="en-US" sz="3600" dirty="0">
+                      <a:endParaRPr lang="en-US" sz="3200" dirty="0">
                         <a:solidFill>
                           <a:srgbClr val="5959FF"/>
                         </a:solidFill>
@@ -9924,16 +11869,16 @@
                     <a:bodyPr/>
                     <a:lstStyle/>
                     <a:p>
-                      <a:pPr algn="ctr"/>
+                      <a:pPr algn="l"/>
                       <a:r>
-                        <a:rPr lang="en-US" sz="3600" dirty="0" smtClean="0">
+                        <a:rPr lang="en-US" sz="3200" dirty="0" smtClean="0">
                           <a:solidFill>
                             <a:srgbClr val="5959FF"/>
                           </a:solidFill>
                         </a:rPr>
-                        <a:t>0.0</a:t>
+                        <a:t>0.26</a:t>
                       </a:r>
-                      <a:endParaRPr lang="en-US" sz="3600" dirty="0">
+                      <a:endParaRPr lang="en-US" sz="3200" dirty="0">
                         <a:solidFill>
                           <a:srgbClr val="5959FF"/>
                         </a:solidFill>
@@ -9945,7 +11890,7 @@
                   </a:tcPr>
                 </a:tc>
               </a:tr>
-              <a:tr h="478995">
+              <a:tr h="643264">
                 <a:tc>
                   <a:txBody>
                     <a:bodyPr/>
@@ -9953,14 +11898,14 @@
                     <a:p>
                       <a:pPr algn="r"/>
                       <a:r>
-                        <a:rPr lang="en-US" sz="3600" dirty="0" smtClean="0">
+                        <a:rPr lang="en-US" sz="3200" dirty="0" smtClean="0">
                           <a:solidFill>
                             <a:srgbClr val="5959FF"/>
                           </a:solidFill>
                         </a:rPr>
-                        <a:t>11</a:t>
+                        <a:t>600</a:t>
                       </a:r>
-                      <a:endParaRPr lang="en-US" sz="3600" dirty="0">
+                      <a:endParaRPr lang="en-US" sz="3200" dirty="0">
                         <a:solidFill>
                           <a:srgbClr val="5959FF"/>
                         </a:solidFill>
@@ -9976,16 +11921,16 @@
                     <a:bodyPr/>
                     <a:lstStyle/>
                     <a:p>
-                      <a:pPr algn="ctr"/>
+                      <a:pPr algn="l"/>
                       <a:r>
-                        <a:rPr lang="en-US" sz="3600" dirty="0" smtClean="0">
+                        <a:rPr lang="en-US" sz="3200" dirty="0" smtClean="0">
                           <a:solidFill>
                             <a:srgbClr val="5959FF"/>
                           </a:solidFill>
                         </a:rPr>
-                        <a:t>0.29</a:t>
+                        <a:t>0.72</a:t>
                       </a:r>
-                      <a:endParaRPr lang="en-US" sz="3600" dirty="0">
+                      <a:endParaRPr lang="en-US" sz="3200" dirty="0">
                         <a:solidFill>
                           <a:srgbClr val="5959FF"/>
                         </a:solidFill>
@@ -9997,7 +11942,7 @@
                   </a:tcPr>
                 </a:tc>
               </a:tr>
-              <a:tr h="478995">
+              <a:tr h="643264">
                 <a:tc>
                   <a:txBody>
                     <a:bodyPr/>
@@ -10005,14 +11950,14 @@
                     <a:p>
                       <a:pPr algn="r"/>
                       <a:r>
-                        <a:rPr lang="en-US" sz="3600" dirty="0" smtClean="0">
+                        <a:rPr lang="en-US" sz="3200" dirty="0" smtClean="0">
                           <a:solidFill>
                             <a:srgbClr val="5959FF"/>
                           </a:solidFill>
                         </a:rPr>
-                        <a:t>72</a:t>
+                        <a:t>1200</a:t>
                       </a:r>
-                      <a:endParaRPr lang="en-US" sz="3600" dirty="0">
+                      <a:endParaRPr lang="en-US" sz="3200" dirty="0">
                         <a:solidFill>
                           <a:srgbClr val="5959FF"/>
                         </a:solidFill>
@@ -10028,16 +11973,16 @@
                     <a:bodyPr/>
                     <a:lstStyle/>
                     <a:p>
-                      <a:pPr algn="ctr"/>
+                      <a:pPr algn="l"/>
                       <a:r>
-                        <a:rPr lang="en-US" sz="3600" dirty="0" smtClean="0">
+                        <a:rPr lang="en-US" sz="3200" dirty="0" smtClean="0">
                           <a:solidFill>
                             <a:srgbClr val="5959FF"/>
                           </a:solidFill>
                         </a:rPr>
-                        <a:t>0.57</a:t>
+                        <a:t>0.88</a:t>
                       </a:r>
-                      <a:endParaRPr lang="en-US" sz="3600" dirty="0">
+                      <a:endParaRPr lang="en-US" sz="3200" dirty="0">
                         <a:solidFill>
                           <a:srgbClr val="5959FF"/>
                         </a:solidFill>
@@ -10049,7 +11994,70 @@
                   </a:tcPr>
                 </a:tc>
               </a:tr>
-              <a:tr h="478995">
+              <a:tr h="643264">
+                <a:tc>
+                  <a:txBody>
+                    <a:bodyPr/>
+                    <a:lstStyle/>
+                    <a:p>
+                      <a:pPr marL="0" marR="0" indent="0" algn="r" defTabSz="914400" rtl="0" eaLnBrk="1" fontAlgn="auto" latinLnBrk="0" hangingPunct="1">
+                        <a:lnSpc>
+                          <a:spcPct val="100000"/>
+                        </a:lnSpc>
+                        <a:spcBef>
+                          <a:spcPts val="0"/>
+                        </a:spcBef>
+                        <a:spcAft>
+                          <a:spcPts val="0"/>
+                        </a:spcAft>
+                        <a:buClrTx/>
+                        <a:buSzTx/>
+                        <a:buFontTx/>
+                        <a:buNone/>
+                        <a:tabLst/>
+                        <a:defRPr/>
+                      </a:pPr>
+                      <a:r>
+                        <a:rPr lang="en-US" sz="3200" dirty="0" smtClean="0">
+                          <a:solidFill>
+                            <a:srgbClr val="5959FF"/>
+                          </a:solidFill>
+                        </a:rPr>
+                        <a:t>3000</a:t>
+                      </a:r>
+                    </a:p>
+                  </a:txBody>
+                  <a:tcPr>
+                    <a:noFill/>
+                  </a:tcPr>
+                </a:tc>
+                <a:tc>
+                  <a:txBody>
+                    <a:bodyPr/>
+                    <a:lstStyle/>
+                    <a:p>
+                      <a:pPr algn="l"/>
+                      <a:r>
+                        <a:rPr lang="en-US" sz="3200" dirty="0" smtClean="0">
+                          <a:solidFill>
+                            <a:srgbClr val="5959FF"/>
+                          </a:solidFill>
+                        </a:rPr>
+                        <a:t>0.98</a:t>
+                      </a:r>
+                      <a:endParaRPr lang="en-US" sz="3200" dirty="0">
+                        <a:solidFill>
+                          <a:srgbClr val="5959FF"/>
+                        </a:solidFill>
+                      </a:endParaRPr>
+                    </a:p>
+                  </a:txBody>
+                  <a:tcPr>
+                    <a:noFill/>
+                  </a:tcPr>
+                </a:tc>
+              </a:tr>
+              <a:tr h="643264">
                 <a:tc>
                   <a:txBody>
                     <a:bodyPr/>
@@ -10057,14 +12065,14 @@
                     <a:p>
                       <a:pPr algn="r"/>
                       <a:r>
-                        <a:rPr lang="en-US" sz="3600" dirty="0" smtClean="0">
+                        <a:rPr lang="en-US" sz="3200" dirty="0" smtClean="0">
                           <a:solidFill>
                             <a:srgbClr val="5959FF"/>
                           </a:solidFill>
                         </a:rPr>
-                        <a:t>431</a:t>
+                        <a:t>6000</a:t>
                       </a:r>
-                      <a:endParaRPr lang="en-US" sz="3600" dirty="0">
+                      <a:endParaRPr lang="en-US" sz="3200" dirty="0">
                         <a:solidFill>
                           <a:srgbClr val="5959FF"/>
                         </a:solidFill>
@@ -10080,120 +12088,16 @@
                     <a:bodyPr/>
                     <a:lstStyle/>
                     <a:p>
-                      <a:pPr algn="ctr"/>
+                      <a:pPr algn="l"/>
                       <a:r>
-                        <a:rPr lang="en-US" sz="3600" dirty="0" smtClean="0">
+                        <a:rPr lang="en-US" sz="3200" dirty="0" smtClean="0">
                           <a:solidFill>
                             <a:srgbClr val="5959FF"/>
                           </a:solidFill>
                         </a:rPr>
-                        <a:t>0.90</a:t>
+                        <a:t>0.999</a:t>
                       </a:r>
-                      <a:endParaRPr lang="en-US" sz="3600" dirty="0">
-                        <a:solidFill>
-                          <a:srgbClr val="5959FF"/>
-                        </a:solidFill>
-                      </a:endParaRPr>
-                    </a:p>
-                  </a:txBody>
-                  <a:tcPr>
-                    <a:noFill/>
-                  </a:tcPr>
-                </a:tc>
-              </a:tr>
-              <a:tr h="478995">
-                <a:tc>
-                  <a:txBody>
-                    <a:bodyPr/>
-                    <a:lstStyle/>
-                    <a:p>
-                      <a:pPr algn="r"/>
-                      <a:r>
-                        <a:rPr lang="en-US" sz="3600" dirty="0" smtClean="0">
-                          <a:solidFill>
-                            <a:srgbClr val="5959FF"/>
-                          </a:solidFill>
-                        </a:rPr>
-                        <a:t>590</a:t>
-                      </a:r>
-                      <a:endParaRPr lang="en-US" sz="3600" dirty="0">
-                        <a:solidFill>
-                          <a:srgbClr val="5959FF"/>
-                        </a:solidFill>
-                      </a:endParaRPr>
-                    </a:p>
-                  </a:txBody>
-                  <a:tcPr>
-                    <a:noFill/>
-                  </a:tcPr>
-                </a:tc>
-                <a:tc>
-                  <a:txBody>
-                    <a:bodyPr/>
-                    <a:lstStyle/>
-                    <a:p>
-                      <a:pPr algn="ctr"/>
-                      <a:r>
-                        <a:rPr lang="en-US" sz="3600" dirty="0" smtClean="0">
-                          <a:solidFill>
-                            <a:srgbClr val="5959FF"/>
-                          </a:solidFill>
-                        </a:rPr>
-                        <a:t>0.95</a:t>
-                      </a:r>
-                      <a:endParaRPr lang="en-US" sz="3600" dirty="0">
-                        <a:solidFill>
-                          <a:srgbClr val="5959FF"/>
-                        </a:solidFill>
-                      </a:endParaRPr>
-                    </a:p>
-                  </a:txBody>
-                  <a:tcPr>
-                    <a:noFill/>
-                  </a:tcPr>
-                </a:tc>
-              </a:tr>
-              <a:tr h="478995">
-                <a:tc>
-                  <a:txBody>
-                    <a:bodyPr/>
-                    <a:lstStyle/>
-                    <a:p>
-                      <a:pPr algn="r"/>
-                      <a:r>
-                        <a:rPr lang="en-US" sz="3600" dirty="0" smtClean="0">
-                          <a:solidFill>
-                            <a:srgbClr val="5959FF"/>
-                          </a:solidFill>
-                        </a:rPr>
-                        <a:t>1023</a:t>
-                      </a:r>
-                      <a:endParaRPr lang="en-US" sz="3600" dirty="0">
-                        <a:solidFill>
-                          <a:srgbClr val="5959FF"/>
-                        </a:solidFill>
-                      </a:endParaRPr>
-                    </a:p>
-                  </a:txBody>
-                  <a:tcPr>
-                    <a:noFill/>
-                  </a:tcPr>
-                </a:tc>
-                <a:tc>
-                  <a:txBody>
-                    <a:bodyPr/>
-                    <a:lstStyle/>
-                    <a:p>
-                      <a:pPr algn="ctr"/>
-                      <a:r>
-                        <a:rPr lang="en-US" sz="3600" dirty="0" smtClean="0">
-                          <a:solidFill>
-                            <a:srgbClr val="5959FF"/>
-                          </a:solidFill>
-                        </a:rPr>
-                        <a:t>0.99</a:t>
-                      </a:r>
-                      <a:endParaRPr lang="en-US" sz="3600" dirty="0">
+                      <a:endParaRPr lang="en-US" sz="3200" dirty="0">
                         <a:solidFill>
                           <a:srgbClr val="5959FF"/>
                         </a:solidFill>
@@ -10209,15 +12113,72 @@
           </a:graphicData>
         </a:graphic>
       </p:graphicFrame>
+      <p:graphicFrame>
+        <p:nvGraphicFramePr>
+          <p:cNvPr id="2" name="Object 1"/>
+          <p:cNvGraphicFramePr>
+            <a:graphicFrameLocks noChangeAspect="1"/>
+          </p:cNvGraphicFramePr>
+          <p:nvPr>
+            <p:extLst>
+              <p:ext uri="{D42A27DB-BD31-4B8C-83A1-F6EECF244321}">
+                <p14:modId xmlns:p14="http://schemas.microsoft.com/office/powerpoint/2010/main" val="856439959"/>
+              </p:ext>
+            </p:extLst>
+          </p:nvPr>
+        </p:nvGraphicFramePr>
+        <p:xfrm>
+          <a:off x="2601913" y="1358900"/>
+          <a:ext cx="1125537" cy="482600"/>
+        </p:xfrm>
+        <a:graphic>
+          <a:graphicData uri="http://schemas.openxmlformats.org/presentationml/2006/ole">
+            <mc:AlternateContent xmlns:mc="http://schemas.openxmlformats.org/markup-compatibility/2006">
+              <mc:Choice xmlns:v="urn:schemas-microsoft-com:vml" Requires="v">
+                <p:oleObj spid="_x0000_s329734" name="Equation" r:id="rId5" imgW="444500" imgH="190500" progId="Equation.DSMT4">
+                  <p:embed/>
+                </p:oleObj>
+              </mc:Choice>
+              <mc:Fallback>
+                <p:oleObj name="Equation" r:id="rId5" imgW="444500" imgH="190500" progId="Equation.DSMT4">
+                  <p:embed/>
+                  <p:pic>
+                    <p:nvPicPr>
+                      <p:cNvPr id="0" name=""/>
+                      <p:cNvPicPr/>
+                      <p:nvPr/>
+                    </p:nvPicPr>
+                    <p:blipFill>
+                      <a:blip r:embed="rId6"/>
+                      <a:stretch>
+                        <a:fillRect/>
+                      </a:stretch>
+                    </p:blipFill>
+                    <p:spPr>
+                      <a:xfrm>
+                        <a:off x="2601913" y="1358900"/>
+                        <a:ext cx="1125537" cy="482600"/>
+                      </a:xfrm>
+                      <a:prstGeom prst="rect">
+                        <a:avLst/>
+                      </a:prstGeom>
+                    </p:spPr>
+                  </p:pic>
+                </p:oleObj>
+              </mc:Fallback>
+            </mc:AlternateContent>
+          </a:graphicData>
+        </a:graphic>
+      </p:graphicFrame>
       <p:grpSp>
         <p:nvGrpSpPr>
-          <p:cNvPr id="7" name="Group 6"/>
+          <p:cNvPr id="13" name="Group 12"/>
           <p:cNvGrpSpPr/>
           <p:nvPr/>
         </p:nvGrpSpPr>
         <p:grpSpPr>
           <a:xfrm>
-            <a:off x="4381500" y="1625600"/>
+            <a:off x="6388100" y="1790700"/>
             <a:ext cx="2101387" cy="3949700"/>
             <a:chOff x="4381500" y="1625600"/>
             <a:chExt cx="2101387" cy="3949700"/>
@@ -10225,7 +12186,7 @@
         </p:grpSpPr>
         <p:sp>
           <p:nvSpPr>
-            <p:cNvPr id="2" name="TextBox 1"/>
+            <p:cNvPr id="14" name="TextBox 13"/>
             <p:cNvSpPr txBox="1"/>
             <p:nvPr/>
           </p:nvSpPr>
@@ -10288,7 +12249,7 @@
         </p:sp>
         <p:cxnSp>
           <p:nvCxnSpPr>
-            <p:cNvPr id="5" name="Straight Arrow Connector 4"/>
+            <p:cNvPr id="15" name="Straight Arrow Connector 14"/>
             <p:cNvCxnSpPr/>
             <p:nvPr/>
           </p:nvCxnSpPr>
@@ -10315,22 +12276,18 @@
         </p:cxnSp>
       </p:grpSp>
     </p:spTree>
+    <p:extLst>
+      <p:ext uri="{BB962C8B-B14F-4D97-AF65-F5344CB8AC3E}">
+        <p14:creationId xmlns:p14="http://schemas.microsoft.com/office/powerpoint/2010/main" val="3243121180"/>
+      </p:ext>
+    </p:extLst>
   </p:cSld>
   <p:clrMapOvr>
     <a:masterClrMapping/>
   </p:clrMapOvr>
-  <mc:AlternateContent xmlns:mc="http://schemas.openxmlformats.org/markup-compatibility/2006" xmlns:p14="http://schemas.microsoft.com/office/powerpoint/2010/main">
-    <mc:Choice Requires="p14">
-      <p:transition spd="slow" p14:dur="900" advClick="0">
-        <p:fade/>
-      </p:transition>
-    </mc:Choice>
-    <mc:Fallback xmlns="">
-      <p:transition xmlns:p14="http://schemas.microsoft.com/office/powerpoint/2010/main" spd="slow" advClick="0">
-        <p:fade/>
-      </p:transition>
-    </mc:Fallback>
-  </mc:AlternateContent>
+  <p:transition xmlns:p14="http://schemas.microsoft.com/office/powerpoint/2010/main" spd="slow" advClick="0">
+    <p:fade thruBlk="1"/>
+  </p:transition>
   <p:timing>
     <p:tnLst>
       <p:par>
@@ -10386,30 +12343,21 @@
                                   </p:childTnLst>
                                 </p:cTn>
                               </p:par>
-                            </p:childTnLst>
-                          </p:cTn>
-                        </p:par>
-                        <p:par>
-                          <p:cTn id="8" fill="hold">
-                            <p:stCondLst>
-                              <p:cond delay="2000"/>
-                            </p:stCondLst>
-                            <p:childTnLst>
                               <p:par>
-                                <p:cTn id="9" presetID="22" presetClass="entr" presetSubtype="1" fill="hold" nodeType="afterEffect">
+                                <p:cTn id="8" presetID="22" presetClass="entr" presetSubtype="1" fill="hold" nodeType="withEffect">
                                   <p:stCondLst>
                                     <p:cond delay="0"/>
                                   </p:stCondLst>
                                   <p:childTnLst>
                                     <p:set>
                                       <p:cBhvr>
-                                        <p:cTn id="10" dur="1" fill="hold">
+                                        <p:cTn id="9" dur="1" fill="hold">
                                           <p:stCondLst>
                                             <p:cond delay="0"/>
                                           </p:stCondLst>
                                         </p:cTn>
                                         <p:tgtEl>
-                                          <p:spTgt spid="7"/>
+                                          <p:spTgt spid="2"/>
                                         </p:tgtEl>
                                         <p:attrNameLst>
                                           <p:attrName>style.visibility</p:attrName>
@@ -10421,9 +12369,9 @@
                                     </p:set>
                                     <p:animEffect transition="in" filter="wipe(up)">
                                       <p:cBhvr>
-                                        <p:cTn id="11" dur="1000"/>
+                                        <p:cTn id="10" dur="1000"/>
                                         <p:tgtEl>
-                                          <p:spTgt spid="7"/>
+                                          <p:spTgt spid="2"/>
                                         </p:tgtEl>
                                       </p:cBhvr>
                                     </p:animEffect>
@@ -10436,342 +12384,27 @@
                       </p:childTnLst>
                     </p:cTn>
                   </p:par>
-                </p:childTnLst>
-              </p:cTn>
-              <p:prevCondLst>
-                <p:cond evt="onPrev" delay="0">
-                  <p:tgtEl>
-                    <p:sldTgt/>
-                  </p:tgtEl>
-                </p:cond>
-              </p:prevCondLst>
-              <p:nextCondLst>
-                <p:cond evt="onNext" delay="0">
-                  <p:tgtEl>
-                    <p:sldTgt/>
-                  </p:tgtEl>
-                </p:cond>
-              </p:nextCondLst>
-            </p:seq>
-          </p:childTnLst>
-        </p:cTn>
-      </p:par>
-    </p:tnLst>
-  </p:timing>
-</p:sld>
-</file>
-
-<file path=ppt/slides/slide7.xml><?xml version="1.0" encoding="utf-8"?>
-<p:sld xmlns:a="http://schemas.openxmlformats.org/drawingml/2006/main" xmlns:r="http://schemas.openxmlformats.org/officeDocument/2006/relationships" xmlns:p="http://schemas.openxmlformats.org/presentationml/2006/main">
-  <p:cSld>
-    <p:spTree>
-      <p:nvGrpSpPr>
-        <p:cNvPr id="1" name=""/>
-        <p:cNvGrpSpPr/>
-        <p:nvPr/>
-      </p:nvGrpSpPr>
-      <p:grpSpPr>
-        <a:xfrm>
-          <a:off x="0" y="0"/>
-          <a:ext cx="0" cy="0"/>
-          <a:chOff x="0" y="0"/>
-          <a:chExt cx="0" cy="0"/>
-        </a:xfrm>
-      </p:grpSpPr>
-      <p:sp>
-        <p:nvSpPr>
-          <p:cNvPr id="26628" name="Rectangle 3"/>
-          <p:cNvSpPr>
-            <a:spLocks noGrp="1" noChangeArrowheads="1"/>
-          </p:cNvSpPr>
-          <p:nvPr>
-            <p:ph type="body" sz="half" idx="1"/>
-          </p:nvPr>
-        </p:nvSpPr>
-        <p:spPr>
-          <a:xfrm>
-            <a:off x="1726480" y="1059352"/>
-            <a:ext cx="4824771" cy="1833526"/>
-          </a:xfrm>
-        </p:spPr>
-        <p:txBody>
-          <a:bodyPr/>
-          <a:lstStyle/>
-          <a:p>
-            <a:pPr eaLnBrk="1" hangingPunct="1">
-              <a:buNone/>
-            </a:pPr>
-            <a:r>
-              <a:rPr lang="en-US" sz="4800" dirty="0" err="1" smtClean="0">
-                <a:solidFill>
-                  <a:srgbClr val="008000"/>
-                </a:solidFill>
-              </a:rPr>
-              <a:t>n</a:t>
-            </a:r>
-            <a:r>
-              <a:rPr lang="en-US" sz="4800" dirty="0" smtClean="0"/>
-              <a:t> flips of 0.49  </a:t>
-            </a:r>
-          </a:p>
-          <a:p>
-            <a:pPr eaLnBrk="1" hangingPunct="1">
-              <a:buNone/>
-            </a:pPr>
-            <a:r>
-              <a:rPr lang="en-US" sz="4800" dirty="0" smtClean="0"/>
-              <a:t>biased coin</a:t>
-            </a:r>
-          </a:p>
-          <a:p>
-            <a:pPr eaLnBrk="1" hangingPunct="1">
-              <a:buFontTx/>
-              <a:buNone/>
-            </a:pPr>
-            <a:endParaRPr lang="en-US" sz="4800" dirty="0" smtClean="0"/>
-          </a:p>
-        </p:txBody>
-      </p:sp>
-      <p:graphicFrame>
-        <p:nvGraphicFramePr>
-          <p:cNvPr id="5" name="Object 4"/>
-          <p:cNvGraphicFramePr>
-            <a:graphicFrameLocks noChangeAspect="1"/>
-          </p:cNvGraphicFramePr>
-          <p:nvPr>
-            <p:extLst>
-              <p:ext uri="{D42A27DB-BD31-4B8C-83A1-F6EECF244321}">
-                <p14:modId xmlns:p14="http://schemas.microsoft.com/office/powerpoint/2010/main" val="3018568481"/>
-              </p:ext>
-            </p:extLst>
-          </p:nvPr>
-        </p:nvGraphicFramePr>
-        <p:xfrm>
-          <a:off x="788002" y="3430428"/>
-          <a:ext cx="7059613" cy="2178050"/>
-        </p:xfrm>
-        <a:graphic>
-          <a:graphicData uri="http://schemas.openxmlformats.org/presentationml/2006/ole">
-            <mc:AlternateContent xmlns:mc="http://schemas.openxmlformats.org/markup-compatibility/2006">
-              <mc:Choice xmlns:v="urn:schemas-microsoft-com:vml" Requires="v">
-                <p:oleObj spid="_x0000_s317537" name="Equation" r:id="rId4" imgW="1524000" imgH="469900" progId="Equation.DSMT4">
-                  <p:embed/>
-                </p:oleObj>
-              </mc:Choice>
-              <mc:Fallback>
-                <p:oleObj name="Equation" r:id="rId4" imgW="1524000" imgH="469900" progId="Equation.DSMT4">
-                  <p:embed/>
-                  <p:pic>
-                    <p:nvPicPr>
-                      <p:cNvPr id="0" name="Picture 2"/>
-                      <p:cNvPicPr>
-                        <a:picLocks noChangeAspect="1" noChangeArrowheads="1"/>
-                      </p:cNvPicPr>
-                      <p:nvPr/>
-                    </p:nvPicPr>
-                    <p:blipFill>
-                      <a:blip r:embed="rId5">
-                        <a:extLst>
-                          <a:ext uri="{28A0092B-C50C-407E-A947-70E740481C1C}">
-                            <a14:useLocalDpi xmlns:a14="http://schemas.microsoft.com/office/drawing/2010/main" val="0"/>
-                          </a:ext>
-                        </a:extLst>
-                      </a:blip>
-                      <a:srcRect/>
-                      <a:stretch>
-                        <a:fillRect/>
-                      </a:stretch>
-                    </p:blipFill>
-                    <p:spPr bwMode="auto">
-                      <a:xfrm>
-                        <a:off x="788002" y="3430428"/>
-                        <a:ext cx="7059613" cy="2178050"/>
-                      </a:xfrm>
-                      <a:prstGeom prst="rect">
-                        <a:avLst/>
-                      </a:prstGeom>
-                      <a:noFill/>
-                      <a:extLst>
-                        <a:ext uri="{909E8E84-426E-40dd-AFC4-6F175D3DCCD1}">
-                          <a14:hiddenFill xmlns:a14="http://schemas.microsoft.com/office/drawing/2010/main">
-                            <a:solidFill>
-                              <a:srgbClr val="FFFFFF"/>
-                            </a:solidFill>
-                          </a14:hiddenFill>
-                        </a:ext>
-                      </a:extLst>
-                    </p:spPr>
-                  </p:pic>
-                </p:oleObj>
-              </mc:Fallback>
-            </mc:AlternateContent>
-          </a:graphicData>
-        </a:graphic>
-      </p:graphicFrame>
-      <p:sp>
-        <p:nvSpPr>
-          <p:cNvPr id="12" name="Rectangle 3"/>
-          <p:cNvSpPr>
-            <a:spLocks noGrp="1" noChangeArrowheads="1"/>
-          </p:cNvSpPr>
-          <p:nvPr>
-            <p:ph type="title" idx="4294967295"/>
-          </p:nvPr>
-        </p:nvSpPr>
-        <p:spPr>
-          <a:xfrm>
-            <a:off x="2255520" y="175260"/>
-            <a:ext cx="4655820" cy="990600"/>
-          </a:xfrm>
-        </p:spPr>
-        <p:txBody>
-          <a:bodyPr/>
-          <a:lstStyle/>
-          <a:p>
-            <a:r>
-              <a:rPr lang="en-US" sz="4400" dirty="0"/>
-              <a:t>Repeated Trials</a:t>
-            </a:r>
-            <a:endParaRPr lang="en-US" sz="4400" i="1" dirty="0">
-              <a:solidFill>
-                <a:srgbClr val="0000CC"/>
-              </a:solidFill>
-            </a:endParaRPr>
-          </a:p>
-        </p:txBody>
-      </p:sp>
-      <p:graphicFrame>
-        <p:nvGraphicFramePr>
-          <p:cNvPr id="13" name="Object 12"/>
-          <p:cNvGraphicFramePr>
-            <a:graphicFrameLocks noChangeAspect="1"/>
-          </p:cNvGraphicFramePr>
-          <p:nvPr>
-            <p:extLst>
-              <p:ext uri="{D42A27DB-BD31-4B8C-83A1-F6EECF244321}">
-                <p14:modId xmlns:p14="http://schemas.microsoft.com/office/powerpoint/2010/main" val="1278328661"/>
-              </p:ext>
-            </p:extLst>
-          </p:nvPr>
-        </p:nvGraphicFramePr>
-        <p:xfrm>
-          <a:off x="1454150" y="2843213"/>
-          <a:ext cx="6096000" cy="900112"/>
-        </p:xfrm>
-        <a:graphic>
-          <a:graphicData uri="http://schemas.openxmlformats.org/presentationml/2006/ole">
-            <mc:AlternateContent xmlns:mc="http://schemas.openxmlformats.org/markup-compatibility/2006">
-              <mc:Choice xmlns:v="urn:schemas-microsoft-com:vml" Requires="v">
-                <p:oleObj spid="_x0000_s317538" name="Equation" r:id="rId6" imgW="1549400" imgH="228600" progId="Equation.DSMT4">
-                  <p:embed/>
-                </p:oleObj>
-              </mc:Choice>
-              <mc:Fallback>
-                <p:oleObj name="Equation" r:id="rId6" imgW="1549400" imgH="228600" progId="Equation.DSMT4">
-                  <p:embed/>
-                  <p:pic>
-                    <p:nvPicPr>
-                      <p:cNvPr id="0" name="Picture 3"/>
-                      <p:cNvPicPr>
-                        <a:picLocks noChangeAspect="1" noChangeArrowheads="1"/>
-                      </p:cNvPicPr>
-                      <p:nvPr/>
-                    </p:nvPicPr>
-                    <p:blipFill>
-                      <a:blip r:embed="rId7"/>
-                      <a:srcRect/>
-                      <a:stretch>
-                        <a:fillRect/>
-                      </a:stretch>
-                    </p:blipFill>
-                    <p:spPr bwMode="auto">
-                      <a:xfrm>
-                        <a:off x="1454150" y="2843213"/>
-                        <a:ext cx="6096000" cy="900112"/>
-                      </a:xfrm>
-                      <a:prstGeom prst="rect">
-                        <a:avLst/>
-                      </a:prstGeom>
-                      <a:noFill/>
-                      <a:extLst>
-                        <a:ext uri="{909E8E84-426E-40dd-AFC4-6F175D3DCCD1}">
-                          <a14:hiddenFill xmlns:a14="http://schemas.microsoft.com/office/drawing/2010/main">
-                            <a:solidFill>
-                              <a:srgbClr val="FFFFFF"/>
-                            </a:solidFill>
-                          </a14:hiddenFill>
-                        </a:ext>
-                      </a:extLst>
-                    </p:spPr>
-                  </p:pic>
-                </p:oleObj>
-              </mc:Fallback>
-            </mc:AlternateContent>
-          </a:graphicData>
-        </a:graphic>
-      </p:graphicFrame>
-      <p:pic>
-        <p:nvPicPr>
-          <p:cNvPr id="7" name="Picture 9" descr="penny"/>
-          <p:cNvPicPr>
-            <a:picLocks noGrp="1" noChangeAspect="1" noChangeArrowheads="1"/>
-          </p:cNvPicPr>
-          <p:nvPr>
-            <p:ph sz="half" idx="2"/>
-          </p:nvPr>
-        </p:nvPicPr>
-        <p:blipFill>
-          <a:blip r:embed="rId8" cstate="print"/>
-          <a:srcRect/>
-          <a:stretch>
-            <a:fillRect/>
-          </a:stretch>
-        </p:blipFill>
-        <p:spPr>
-          <a:xfrm>
-            <a:off x="7140909" y="1077234"/>
-            <a:ext cx="1222375" cy="1143000"/>
-          </a:xfrm>
-          <a:noFill/>
-        </p:spPr>
-      </p:pic>
-    </p:spTree>
-  </p:cSld>
-  <p:clrMapOvr>
-    <a:masterClrMapping/>
-  </p:clrMapOvr>
-  <p:transition xmlns:p14="http://schemas.microsoft.com/office/powerpoint/2010/main" spd="slow" advClick="0">
-    <p:fade thruBlk="1"/>
-  </p:transition>
-  <p:timing>
-    <p:tnLst>
-      <p:par>
-        <p:cTn xmlns:p14="http://schemas.microsoft.com/office/powerpoint/2010/main" id="1" dur="indefinite" restart="never" nodeType="tmRoot">
-          <p:childTnLst>
-            <p:seq concurrent="1" nextAc="seek">
-              <p:cTn id="2" dur="indefinite" nodeType="mainSeq">
-                <p:childTnLst>
                   <p:par>
-                    <p:cTn id="3" fill="hold">
+                    <p:cTn id="11" fill="hold">
                       <p:stCondLst>
                         <p:cond delay="indefinite"/>
                       </p:stCondLst>
                       <p:childTnLst>
                         <p:par>
-                          <p:cTn id="4" fill="hold">
+                          <p:cTn id="12" fill="hold">
                             <p:stCondLst>
                               <p:cond delay="0"/>
                             </p:stCondLst>
                             <p:childTnLst>
                               <p:par>
-                                <p:cTn id="5" presetID="22" presetClass="entr" presetSubtype="8" fill="hold" nodeType="clickEffect">
+                                <p:cTn id="13" presetID="22" presetClass="entr" presetSubtype="1" fill="hold" nodeType="clickEffect">
                                   <p:stCondLst>
                                     <p:cond delay="0"/>
                                   </p:stCondLst>
                                   <p:childTnLst>
                                     <p:set>
                                       <p:cBhvr>
-                                        <p:cTn id="6" dur="1" fill="hold">
+                                        <p:cTn id="14" dur="1" fill="hold">
                                           <p:stCondLst>
                                             <p:cond delay="0"/>
                                           </p:stCondLst>
@@ -10787,64 +12420,11 @@
                                         <p:strVal val="visible"/>
                                       </p:to>
                                     </p:set>
-                                    <p:animEffect transition="in" filter="wipe(left)">
+                                    <p:animEffect transition="in" filter="wipe(up)">
                                       <p:cBhvr>
-                                        <p:cTn id="7" dur="1000"/>
+                                        <p:cTn id="15" dur="2000"/>
                                         <p:tgtEl>
                                           <p:spTgt spid="13"/>
-                                        </p:tgtEl>
-                                      </p:cBhvr>
-                                    </p:animEffect>
-                                  </p:childTnLst>
-                                </p:cTn>
-                              </p:par>
-                            </p:childTnLst>
-                          </p:cTn>
-                        </p:par>
-                      </p:childTnLst>
-                    </p:cTn>
-                  </p:par>
-                  <p:par>
-                    <p:cTn id="8" fill="hold">
-                      <p:stCondLst>
-                        <p:cond delay="indefinite"/>
-                      </p:stCondLst>
-                      <p:childTnLst>
-                        <p:par>
-                          <p:cTn id="9" fill="hold">
-                            <p:stCondLst>
-                              <p:cond delay="0"/>
-                            </p:stCondLst>
-                            <p:childTnLst>
-                              <p:par>
-                                <p:cTn id="10" presetID="22" presetClass="entr" presetSubtype="8" fill="hold" nodeType="clickEffect">
-                                  <p:stCondLst>
-                                    <p:cond delay="0"/>
-                                  </p:stCondLst>
-                                  <p:childTnLst>
-                                    <p:set>
-                                      <p:cBhvr>
-                                        <p:cTn id="11" dur="1" fill="hold">
-                                          <p:stCondLst>
-                                            <p:cond delay="0"/>
-                                          </p:stCondLst>
-                                        </p:cTn>
-                                        <p:tgtEl>
-                                          <p:spTgt spid="5"/>
-                                        </p:tgtEl>
-                                        <p:attrNameLst>
-                                          <p:attrName>style.visibility</p:attrName>
-                                        </p:attrNameLst>
-                                      </p:cBhvr>
-                                      <p:to>
-                                        <p:strVal val="visible"/>
-                                      </p:to>
-                                    </p:set>
-                                    <p:animEffect transition="in" filter="wipe(left)">
-                                      <p:cBhvr>
-                                        <p:cTn id="12" dur="1000"/>
-                                        <p:tgtEl>
-                                          <p:spTgt spid="5"/>
                                         </p:tgtEl>
                                       </p:cBhvr>
                                     </p:animEffect>
@@ -10901,76 +12481,6 @@
       </p:grpSpPr>
       <p:graphicFrame>
         <p:nvGraphicFramePr>
-          <p:cNvPr id="4" name="Object 3"/>
-          <p:cNvGraphicFramePr>
-            <a:graphicFrameLocks noChangeAspect="1"/>
-          </p:cNvGraphicFramePr>
-          <p:nvPr>
-            <p:extLst>
-              <p:ext uri="{D42A27DB-BD31-4B8C-83A1-F6EECF244321}">
-                <p14:modId xmlns:p14="http://schemas.microsoft.com/office/powerpoint/2010/main" val="3282097683"/>
-              </p:ext>
-            </p:extLst>
-          </p:nvPr>
-        </p:nvGraphicFramePr>
-        <p:xfrm>
-          <a:off x="1214438" y="323850"/>
-          <a:ext cx="7899400" cy="911225"/>
-        </p:xfrm>
-        <a:graphic>
-          <a:graphicData uri="http://schemas.openxmlformats.org/presentationml/2006/ole">
-            <mc:AlternateContent xmlns:mc="http://schemas.openxmlformats.org/markup-compatibility/2006">
-              <mc:Choice xmlns:v="urn:schemas-microsoft-com:vml" Requires="v">
-                <p:oleObj spid="_x0000_s313403" name="Equation" r:id="rId3" imgW="1981200" imgH="228600" progId="Equation.DSMT4">
-                  <p:embed/>
-                </p:oleObj>
-              </mc:Choice>
-              <mc:Fallback>
-                <p:oleObj name="Equation" r:id="rId3" imgW="1981200" imgH="228600" progId="Equation.DSMT4">
-                  <p:embed/>
-                  <p:pic>
-                    <p:nvPicPr>
-                      <p:cNvPr id="0" name="Picture 2"/>
-                      <p:cNvPicPr>
-                        <a:picLocks noChangeAspect="1" noChangeArrowheads="1"/>
-                      </p:cNvPicPr>
-                      <p:nvPr/>
-                    </p:nvPicPr>
-                    <p:blipFill>
-                      <a:blip r:embed="rId4"/>
-                      <a:srcRect/>
-                      <a:stretch>
-                        <a:fillRect/>
-                      </a:stretch>
-                    </p:blipFill>
-                    <p:spPr bwMode="auto">
-                      <a:xfrm>
-                        <a:off x="1214438" y="323850"/>
-                        <a:ext cx="7899400" cy="911225"/>
-                      </a:xfrm>
-                      <a:prstGeom prst="rect">
-                        <a:avLst/>
-                      </a:prstGeom>
-                      <a:noFill/>
-                      <a:extLst>
-                        <a:ext uri="{909E8E84-426E-40dd-AFC4-6F175D3DCCD1}">
-                          <a14:hiddenFill xmlns:a14="http://schemas.microsoft.com/office/drawing/2010/main">
-                            <a:solidFill>
-                              <a:srgbClr val="FFFFFF"/>
-                            </a:solidFill>
-                          </a14:hiddenFill>
-                        </a:ext>
-                      </a:extLst>
-                    </p:spPr>
-                  </p:pic>
-                </p:oleObj>
-              </mc:Fallback>
-            </mc:AlternateContent>
-          </a:graphicData>
-        </a:graphic>
-      </p:graphicFrame>
-      <p:graphicFrame>
-        <p:nvGraphicFramePr>
           <p:cNvPr id="8" name="Table 7"/>
           <p:cNvGraphicFramePr>
             <a:graphicFrameLocks noGrp="1"/>
@@ -10978,14 +12488,14 @@
           <p:nvPr>
             <p:extLst>
               <p:ext uri="{D42A27DB-BD31-4B8C-83A1-F6EECF244321}">
-                <p14:modId xmlns:p14="http://schemas.microsoft.com/office/powerpoint/2010/main" val="4254357769"/>
+                <p14:modId xmlns:p14="http://schemas.microsoft.com/office/powerpoint/2010/main" val="2502236065"/>
               </p:ext>
             </p:extLst>
           </p:nvPr>
         </p:nvGraphicFramePr>
         <p:xfrm>
-          <a:off x="1012654" y="1092200"/>
-          <a:ext cx="2986029" cy="4649482"/>
+          <a:off x="834854" y="1281113"/>
+          <a:ext cx="4816646" cy="4521200"/>
         </p:xfrm>
         <a:graphic>
           <a:graphicData uri="http://schemas.openxmlformats.org/drawingml/2006/table">
@@ -10994,10 +12504,11 @@
                 <a:tableStyleId>{5C22544A-7EE6-4342-B048-85BDC9FD1C3A}</a:tableStyleId>
               </a:tblPr>
               <a:tblGrid>
-                <a:gridCol w="1424883"/>
-                <a:gridCol w="1561146"/>
+                <a:gridCol w="1628946"/>
+                <a:gridCol w="1562100"/>
+                <a:gridCol w="1625600"/>
               </a:tblGrid>
-              <a:tr h="595642">
+              <a:tr h="661616">
                 <a:tc>
                   <a:txBody>
                     <a:bodyPr/>
@@ -11029,14 +12540,23 @@
                     <a:lstStyle/>
                     <a:p>
                       <a:pPr algn="ctr"/>
-                      <a:r>
-                        <a:rPr lang="en-US" sz="3200" dirty="0" smtClean="0">
-                          <a:solidFill>
-                            <a:srgbClr val="5959FF"/>
-                          </a:solidFill>
-                        </a:rPr>
-                        <a:t>Pr</a:t>
-                      </a:r>
+                      <a:endParaRPr lang="en-US" sz="3200" dirty="0">
+                        <a:solidFill>
+                          <a:srgbClr val="5959FF"/>
+                        </a:solidFill>
+                      </a:endParaRPr>
+                    </a:p>
+                  </a:txBody>
+                  <a:tcPr>
+                    <a:noFill/>
+                  </a:tcPr>
+                </a:tc>
+                <a:tc>
+                  <a:txBody>
+                    <a:bodyPr/>
+                    <a:lstStyle/>
+                    <a:p>
+                      <a:pPr algn="ctr"/>
                       <a:endParaRPr lang="en-US" sz="3200" dirty="0">
                         <a:solidFill>
                           <a:srgbClr val="5959FF"/>
@@ -11049,7 +12569,7 @@
                   </a:tcPr>
                 </a:tc>
               </a:tr>
-              <a:tr h="478995">
+              <a:tr h="643264">
                 <a:tc>
                   <a:txBody>
                     <a:bodyPr/>
@@ -11062,7 +12582,7 @@
                             <a:srgbClr val="5959FF"/>
                           </a:solidFill>
                         </a:rPr>
-                        <a:t>9</a:t>
+                        <a:t>6</a:t>
                       </a:r>
                       <a:endParaRPr lang="en-US" sz="3200" dirty="0">
                         <a:solidFill>
@@ -11080,41 +12600,14 @@
                     <a:bodyPr/>
                     <a:lstStyle/>
                     <a:p>
-                      <a:pPr algn="ctr"/>
+                      <a:pPr algn="l"/>
                       <a:r>
                         <a:rPr lang="en-US" sz="3200" dirty="0" smtClean="0">
                           <a:solidFill>
                             <a:srgbClr val="5959FF"/>
                           </a:solidFill>
                         </a:rPr>
-                        <a:t>0.0</a:t>
-                      </a:r>
-                      <a:endParaRPr lang="en-US" sz="3200" dirty="0">
-                        <a:solidFill>
-                          <a:srgbClr val="5959FF"/>
-                        </a:solidFill>
-                      </a:endParaRPr>
-                    </a:p>
-                  </a:txBody>
-                  <a:tcPr>
-                    <a:noFill/>
-                  </a:tcPr>
-                </a:tc>
-              </a:tr>
-              <a:tr h="478995">
-                <a:tc>
-                  <a:txBody>
-                    <a:bodyPr/>
-                    <a:lstStyle/>
-                    <a:p>
-                      <a:pPr algn="r"/>
-                      <a:r>
-                        <a:rPr lang="en-US" sz="3200" dirty="0" smtClean="0">
-                          <a:solidFill>
-                            <a:srgbClr val="5959FF"/>
-                          </a:solidFill>
-                        </a:rPr>
-                        <a:t>10</a:t>
+                        <a:t>0.4</a:t>
                       </a:r>
                       <a:endParaRPr lang="en-US" sz="3200" dirty="0">
                         <a:solidFill>
@@ -11132,14 +12625,30 @@
                     <a:bodyPr/>
                     <a:lstStyle/>
                     <a:p>
-                      <a:pPr algn="ctr"/>
+                      <a:pPr marL="0" marR="0" indent="0" algn="l" defTabSz="914400" rtl="0" eaLnBrk="1" fontAlgn="auto" latinLnBrk="0" hangingPunct="1">
+                        <a:lnSpc>
+                          <a:spcPct val="100000"/>
+                        </a:lnSpc>
+                        <a:spcBef>
+                          <a:spcPts val="0"/>
+                        </a:spcBef>
+                        <a:spcAft>
+                          <a:spcPts val="0"/>
+                        </a:spcAft>
+                        <a:buClrTx/>
+                        <a:buSzTx/>
+                        <a:buFontTx/>
+                        <a:buNone/>
+                        <a:tabLst/>
+                        <a:defRPr/>
+                      </a:pPr>
                       <a:r>
                         <a:rPr lang="en-US" sz="3200" dirty="0" smtClean="0">
                           <a:solidFill>
                             <a:srgbClr val="5959FF"/>
                           </a:solidFill>
                         </a:rPr>
-                        <a:t>0.25</a:t>
+                        <a:t>0.4</a:t>
                       </a:r>
                       <a:endParaRPr lang="en-US" sz="3200" dirty="0">
                         <a:solidFill>
@@ -11153,7 +12662,7 @@
                   </a:tcPr>
                 </a:tc>
               </a:tr>
-              <a:tr h="478995">
+              <a:tr h="643264">
                 <a:tc>
                   <a:txBody>
                     <a:bodyPr/>
@@ -11166,7 +12675,7 @@
                             <a:srgbClr val="5959FF"/>
                           </a:solidFill>
                         </a:rPr>
-                        <a:t>44</a:t>
+                        <a:t>60</a:t>
                       </a:r>
                       <a:endParaRPr lang="en-US" sz="3200" dirty="0">
                         <a:solidFill>
@@ -11184,41 +12693,14 @@
                     <a:bodyPr/>
                     <a:lstStyle/>
                     <a:p>
-                      <a:pPr algn="ctr"/>
+                      <a:pPr algn="l"/>
                       <a:r>
                         <a:rPr lang="en-US" sz="3200" dirty="0" smtClean="0">
                           <a:solidFill>
                             <a:srgbClr val="5959FF"/>
                           </a:solidFill>
                         </a:rPr>
-                        <a:t>0.24</a:t>
-                      </a:r>
-                      <a:endParaRPr lang="en-US" sz="3200" dirty="0">
-                        <a:solidFill>
-                          <a:srgbClr val="5959FF"/>
-                        </a:solidFill>
-                      </a:endParaRPr>
-                    </a:p>
-                  </a:txBody>
-                  <a:tcPr>
-                    <a:noFill/>
-                  </a:tcPr>
-                </a:tc>
-              </a:tr>
-              <a:tr h="478995">
-                <a:tc>
-                  <a:txBody>
-                    <a:bodyPr/>
-                    <a:lstStyle/>
-                    <a:p>
-                      <a:pPr algn="r"/>
-                      <a:r>
-                        <a:rPr lang="en-US" sz="3200" dirty="0" smtClean="0">
-                          <a:solidFill>
-                            <a:srgbClr val="5959FF"/>
-                          </a:solidFill>
-                        </a:rPr>
-                        <a:t>100</a:t>
+                        <a:t>0.26</a:t>
                       </a:r>
                       <a:endParaRPr lang="en-US" sz="3200" dirty="0">
                         <a:solidFill>
@@ -11236,14 +12718,14 @@
                     <a:bodyPr/>
                     <a:lstStyle/>
                     <a:p>
-                      <a:pPr algn="ctr"/>
+                      <a:pPr algn="l"/>
                       <a:r>
                         <a:rPr lang="en-US" sz="3200" dirty="0" smtClean="0">
                           <a:solidFill>
                             <a:srgbClr val="5959FF"/>
                           </a:solidFill>
                         </a:rPr>
-                        <a:t>0.52</a:t>
+                        <a:t>0.14</a:t>
                       </a:r>
                       <a:endParaRPr lang="en-US" sz="3200" dirty="0">
                         <a:solidFill>
@@ -11257,7 +12739,7 @@
                   </a:tcPr>
                 </a:tc>
               </a:tr>
-              <a:tr h="478995">
+              <a:tr h="643264">
                 <a:tc>
                   <a:txBody>
                     <a:bodyPr/>
@@ -11270,7 +12752,7 @@
                             <a:srgbClr val="5959FF"/>
                           </a:solidFill>
                         </a:rPr>
-                        <a:t>350</a:t>
+                        <a:t>600</a:t>
                       </a:r>
                       <a:endParaRPr lang="en-US" sz="3200" dirty="0">
                         <a:solidFill>
@@ -11288,41 +12770,14 @@
                     <a:bodyPr/>
                     <a:lstStyle/>
                     <a:p>
-                      <a:pPr algn="ctr"/>
+                      <a:pPr algn="l"/>
                       <a:r>
                         <a:rPr lang="en-US" sz="3200" dirty="0" smtClean="0">
                           <a:solidFill>
                             <a:srgbClr val="5959FF"/>
                           </a:solidFill>
                         </a:rPr>
-                        <a:t>0.76</a:t>
-                      </a:r>
-                      <a:endParaRPr lang="en-US" sz="3200" dirty="0">
-                        <a:solidFill>
-                          <a:srgbClr val="5959FF"/>
-                        </a:solidFill>
-                      </a:endParaRPr>
-                    </a:p>
-                  </a:txBody>
-                  <a:tcPr>
-                    <a:noFill/>
-                  </a:tcPr>
-                </a:tc>
-              </a:tr>
-              <a:tr h="478995">
-                <a:tc>
-                  <a:txBody>
-                    <a:bodyPr/>
-                    <a:lstStyle/>
-                    <a:p>
-                      <a:pPr algn="r"/>
-                      <a:r>
-                        <a:rPr lang="en-US" sz="3200" dirty="0" smtClean="0">
-                          <a:solidFill>
-                            <a:srgbClr val="5959FF"/>
-                          </a:solidFill>
-                        </a:rPr>
-                        <a:t>1050</a:t>
+                        <a:t>0.72</a:t>
                       </a:r>
                       <a:endParaRPr lang="en-US" sz="3200" dirty="0">
                         <a:solidFill>
@@ -11340,14 +12795,14 @@
                     <a:bodyPr/>
                     <a:lstStyle/>
                     <a:p>
-                      <a:pPr algn="ctr"/>
+                      <a:pPr algn="l"/>
                       <a:r>
                         <a:rPr lang="en-US" sz="3200" dirty="0" smtClean="0">
                           <a:solidFill>
                             <a:srgbClr val="5959FF"/>
                           </a:solidFill>
                         </a:rPr>
-                        <a:t>0.95</a:t>
+                        <a:t>0.41</a:t>
                       </a:r>
                       <a:endParaRPr lang="en-US" sz="3200" dirty="0">
                         <a:solidFill>
@@ -11361,7 +12816,7 @@
                   </a:tcPr>
                 </a:tc>
               </a:tr>
-              <a:tr h="478995">
+              <a:tr h="643264">
                 <a:tc>
                   <a:txBody>
                     <a:bodyPr/>
@@ -11374,7 +12829,7 @@
                             <a:srgbClr val="5959FF"/>
                           </a:solidFill>
                         </a:rPr>
-                        <a:t>1850</a:t>
+                        <a:t>1200</a:t>
                       </a:r>
                       <a:endParaRPr lang="en-US" sz="3200" dirty="0">
                         <a:solidFill>
@@ -11392,14 +12847,204 @@
                     <a:bodyPr/>
                     <a:lstStyle/>
                     <a:p>
-                      <a:pPr algn="ctr"/>
+                      <a:pPr algn="l"/>
                       <a:r>
                         <a:rPr lang="en-US" sz="3200" dirty="0" smtClean="0">
                           <a:solidFill>
                             <a:srgbClr val="5959FF"/>
                           </a:solidFill>
                         </a:rPr>
-                        <a:t>0.99</a:t>
+                        <a:t>0.88</a:t>
+                      </a:r>
+                      <a:endParaRPr lang="en-US" sz="3200" dirty="0">
+                        <a:solidFill>
+                          <a:srgbClr val="5959FF"/>
+                        </a:solidFill>
+                      </a:endParaRPr>
+                    </a:p>
+                  </a:txBody>
+                  <a:tcPr>
+                    <a:noFill/>
+                  </a:tcPr>
+                </a:tc>
+                <a:tc>
+                  <a:txBody>
+                    <a:bodyPr/>
+                    <a:lstStyle/>
+                    <a:p>
+                      <a:pPr algn="l"/>
+                      <a:r>
+                        <a:rPr lang="en-US" sz="3200" dirty="0" smtClean="0">
+                          <a:solidFill>
+                            <a:srgbClr val="5959FF"/>
+                          </a:solidFill>
+                        </a:rPr>
+                        <a:t>0.56</a:t>
+                      </a:r>
+                      <a:endParaRPr lang="en-US" sz="3200" dirty="0">
+                        <a:solidFill>
+                          <a:srgbClr val="5959FF"/>
+                        </a:solidFill>
+                      </a:endParaRPr>
+                    </a:p>
+                  </a:txBody>
+                  <a:tcPr>
+                    <a:noFill/>
+                  </a:tcPr>
+                </a:tc>
+              </a:tr>
+              <a:tr h="643264">
+                <a:tc>
+                  <a:txBody>
+                    <a:bodyPr/>
+                    <a:lstStyle/>
+                    <a:p>
+                      <a:pPr marL="0" marR="0" indent="0" algn="r" defTabSz="914400" rtl="0" eaLnBrk="1" fontAlgn="auto" latinLnBrk="0" hangingPunct="1">
+                        <a:lnSpc>
+                          <a:spcPct val="100000"/>
+                        </a:lnSpc>
+                        <a:spcBef>
+                          <a:spcPts val="0"/>
+                        </a:spcBef>
+                        <a:spcAft>
+                          <a:spcPts val="0"/>
+                        </a:spcAft>
+                        <a:buClrTx/>
+                        <a:buSzTx/>
+                        <a:buFontTx/>
+                        <a:buNone/>
+                        <a:tabLst/>
+                        <a:defRPr/>
+                      </a:pPr>
+                      <a:r>
+                        <a:rPr lang="en-US" sz="3200" dirty="0" smtClean="0">
+                          <a:solidFill>
+                            <a:srgbClr val="5959FF"/>
+                          </a:solidFill>
+                        </a:rPr>
+                        <a:t>3000</a:t>
+                      </a:r>
+                    </a:p>
+                  </a:txBody>
+                  <a:tcPr>
+                    <a:noFill/>
+                  </a:tcPr>
+                </a:tc>
+                <a:tc>
+                  <a:txBody>
+                    <a:bodyPr/>
+                    <a:lstStyle/>
+                    <a:p>
+                      <a:pPr algn="l"/>
+                      <a:r>
+                        <a:rPr lang="en-US" sz="3200" dirty="0" smtClean="0">
+                          <a:solidFill>
+                            <a:srgbClr val="5959FF"/>
+                          </a:solidFill>
+                        </a:rPr>
+                        <a:t>0.98</a:t>
+                      </a:r>
+                      <a:endParaRPr lang="en-US" sz="3200" dirty="0">
+                        <a:solidFill>
+                          <a:srgbClr val="5959FF"/>
+                        </a:solidFill>
+                      </a:endParaRPr>
+                    </a:p>
+                  </a:txBody>
+                  <a:tcPr>
+                    <a:noFill/>
+                  </a:tcPr>
+                </a:tc>
+                <a:tc>
+                  <a:txBody>
+                    <a:bodyPr/>
+                    <a:lstStyle/>
+                    <a:p>
+                      <a:pPr algn="l"/>
+                      <a:r>
+                        <a:rPr lang="en-US" sz="3200" dirty="0" smtClean="0">
+                          <a:solidFill>
+                            <a:srgbClr val="5959FF"/>
+                          </a:solidFill>
+                        </a:rPr>
+                        <a:t>0.78</a:t>
+                      </a:r>
+                      <a:endParaRPr lang="en-US" sz="3200" dirty="0">
+                        <a:solidFill>
+                          <a:srgbClr val="5959FF"/>
+                        </a:solidFill>
+                      </a:endParaRPr>
+                    </a:p>
+                  </a:txBody>
+                  <a:tcPr>
+                    <a:noFill/>
+                  </a:tcPr>
+                </a:tc>
+              </a:tr>
+              <a:tr h="643264">
+                <a:tc>
+                  <a:txBody>
+                    <a:bodyPr/>
+                    <a:lstStyle/>
+                    <a:p>
+                      <a:pPr algn="r"/>
+                      <a:r>
+                        <a:rPr lang="en-US" sz="3200" dirty="0" smtClean="0">
+                          <a:solidFill>
+                            <a:srgbClr val="5959FF"/>
+                          </a:solidFill>
+                        </a:rPr>
+                        <a:t>6000</a:t>
+                      </a:r>
+                      <a:endParaRPr lang="en-US" sz="3200" dirty="0">
+                        <a:solidFill>
+                          <a:srgbClr val="5959FF"/>
+                        </a:solidFill>
+                      </a:endParaRPr>
+                    </a:p>
+                  </a:txBody>
+                  <a:tcPr>
+                    <a:noFill/>
+                  </a:tcPr>
+                </a:tc>
+                <a:tc>
+                  <a:txBody>
+                    <a:bodyPr/>
+                    <a:lstStyle/>
+                    <a:p>
+                      <a:pPr algn="l"/>
+                      <a:r>
+                        <a:rPr lang="en-US" sz="3200" dirty="0" smtClean="0">
+                          <a:solidFill>
+                            <a:srgbClr val="5959FF"/>
+                          </a:solidFill>
+                        </a:rPr>
+                        <a:t>0.999</a:t>
+                      </a:r>
+                      <a:endParaRPr lang="en-US" sz="3200" dirty="0">
+                        <a:solidFill>
+                          <a:srgbClr val="5959FF"/>
+                        </a:solidFill>
+                      </a:endParaRPr>
+                    </a:p>
+                  </a:txBody>
+                  <a:tcPr>
+                    <a:noFill/>
+                  </a:tcPr>
+                </a:tc>
+                <a:tc>
+                  <a:txBody>
+                    <a:bodyPr/>
+                    <a:lstStyle/>
+                    <a:p>
+                      <a:pPr algn="l"/>
+                      <a:r>
+                        <a:rPr lang="en-US" sz="3200" dirty="0" smtClean="0">
+                          <a:solidFill>
+                            <a:srgbClr val="5959FF"/>
+                          </a:solidFill>
+                        </a:rPr>
+                        <a:t>0.91</a:t>
                       </a:r>
                       <a:endParaRPr lang="en-US" sz="3200" dirty="0">
                         <a:solidFill>
@@ -11425,7 +13070,136 @@
         </p:nvGrpSpPr>
         <p:grpSpPr>
           <a:xfrm>
-            <a:off x="4495800" y="1625600"/>
+            <a:off x="2601913" y="1358900"/>
+            <a:ext cx="2469356" cy="482600"/>
+            <a:chOff x="2601913" y="1358900"/>
+            <a:chExt cx="2469356" cy="482600"/>
+          </a:xfrm>
+        </p:grpSpPr>
+        <p:graphicFrame>
+          <p:nvGraphicFramePr>
+            <p:cNvPr id="2" name="Object 1"/>
+            <p:cNvGraphicFramePr>
+              <a:graphicFrameLocks noChangeAspect="1"/>
+            </p:cNvGraphicFramePr>
+            <p:nvPr>
+              <p:extLst>
+                <p:ext uri="{D42A27DB-BD31-4B8C-83A1-F6EECF244321}">
+                  <p14:modId xmlns:p14="http://schemas.microsoft.com/office/powerpoint/2010/main" val="1272448341"/>
+                </p:ext>
+              </p:extLst>
+            </p:nvPr>
+          </p:nvGraphicFramePr>
+          <p:xfrm>
+            <a:off x="2601913" y="1358900"/>
+            <a:ext cx="1125537" cy="482600"/>
+          </p:xfrm>
+          <a:graphic>
+            <a:graphicData uri="http://schemas.openxmlformats.org/presentationml/2006/ole">
+              <mc:AlternateContent xmlns:mc="http://schemas.openxmlformats.org/markup-compatibility/2006">
+                <mc:Choice xmlns:v="urn:schemas-microsoft-com:vml" Requires="v">
+                  <p:oleObj spid="_x0000_s330759" name="Equation" r:id="rId3" imgW="444500" imgH="190500" progId="Equation.DSMT4">
+                    <p:embed/>
+                  </p:oleObj>
+                </mc:Choice>
+                <mc:Fallback>
+                  <p:oleObj name="Equation" r:id="rId3" imgW="444500" imgH="190500" progId="Equation.DSMT4">
+                    <p:embed/>
+                    <p:pic>
+                      <p:nvPicPr>
+                        <p:cNvPr id="0" name=""/>
+                        <p:cNvPicPr/>
+                        <p:nvPr/>
+                      </p:nvPicPr>
+                      <p:blipFill>
+                        <a:blip r:embed="rId4"/>
+                        <a:stretch>
+                          <a:fillRect/>
+                        </a:stretch>
+                      </p:blipFill>
+                      <p:spPr>
+                        <a:xfrm>
+                          <a:off x="2601913" y="1358900"/>
+                          <a:ext cx="1125537" cy="482600"/>
+                        </a:xfrm>
+                        <a:prstGeom prst="rect">
+                          <a:avLst/>
+                        </a:prstGeom>
+                      </p:spPr>
+                    </p:pic>
+                  </p:oleObj>
+                </mc:Fallback>
+              </mc:AlternateContent>
+            </a:graphicData>
+          </a:graphic>
+        </p:graphicFrame>
+        <p:graphicFrame>
+          <p:nvGraphicFramePr>
+            <p:cNvPr id="12" name="Object 11"/>
+            <p:cNvGraphicFramePr>
+              <a:graphicFrameLocks noChangeAspect="1"/>
+            </p:cNvGraphicFramePr>
+            <p:nvPr>
+              <p:extLst>
+                <p:ext uri="{D42A27DB-BD31-4B8C-83A1-F6EECF244321}">
+                  <p14:modId xmlns:p14="http://schemas.microsoft.com/office/powerpoint/2010/main" val="1978110658"/>
+                </p:ext>
+              </p:extLst>
+            </p:nvPr>
+          </p:nvGraphicFramePr>
+          <p:xfrm>
+            <a:off x="4107656" y="1358900"/>
+            <a:ext cx="963613" cy="482600"/>
+          </p:xfrm>
+          <a:graphic>
+            <a:graphicData uri="http://schemas.openxmlformats.org/presentationml/2006/ole">
+              <mc:AlternateContent xmlns:mc="http://schemas.openxmlformats.org/markup-compatibility/2006">
+                <mc:Choice xmlns:v="urn:schemas-microsoft-com:vml" Requires="v">
+                  <p:oleObj spid="_x0000_s330760" name="Equation" r:id="rId5" imgW="381000" imgH="190500" progId="Equation.DSMT4">
+                    <p:embed/>
+                  </p:oleObj>
+                </mc:Choice>
+                <mc:Fallback>
+                  <p:oleObj name="Equation" r:id="rId5" imgW="381000" imgH="190500" progId="Equation.DSMT4">
+                    <p:embed/>
+                    <p:pic>
+                      <p:nvPicPr>
+                        <p:cNvPr id="0" name=""/>
+                        <p:cNvPicPr/>
+                        <p:nvPr/>
+                      </p:nvPicPr>
+                      <p:blipFill>
+                        <a:blip r:embed="rId6"/>
+                        <a:stretch>
+                          <a:fillRect/>
+                        </a:stretch>
+                      </p:blipFill>
+                      <p:spPr>
+                        <a:xfrm>
+                          <a:off x="4107656" y="1358900"/>
+                          <a:ext cx="963613" cy="482600"/>
+                        </a:xfrm>
+                        <a:prstGeom prst="rect">
+                          <a:avLst/>
+                        </a:prstGeom>
+                      </p:spPr>
+                    </p:pic>
+                  </p:oleObj>
+                </mc:Fallback>
+              </mc:AlternateContent>
+            </a:graphicData>
+          </a:graphic>
+        </p:graphicFrame>
+      </p:grpSp>
+      <p:grpSp>
+        <p:nvGrpSpPr>
+          <p:cNvPr id="13" name="Group 12"/>
+          <p:cNvGrpSpPr/>
+          <p:nvPr/>
+        </p:nvGrpSpPr>
+        <p:grpSpPr>
+          <a:xfrm>
+            <a:off x="6388100" y="1790700"/>
             <a:ext cx="2101387" cy="3949700"/>
             <a:chOff x="4381500" y="1625600"/>
             <a:chExt cx="2101387" cy="3949700"/>
@@ -11433,7 +13207,7 @@
         </p:grpSpPr>
         <p:sp>
           <p:nvSpPr>
-            <p:cNvPr id="6" name="TextBox 5"/>
+            <p:cNvPr id="14" name="TextBox 13"/>
             <p:cNvSpPr txBox="1"/>
             <p:nvPr/>
           </p:nvSpPr>
@@ -11496,7 +13270,7 @@
         </p:sp>
         <p:cxnSp>
           <p:nvCxnSpPr>
-            <p:cNvPr id="7" name="Straight Arrow Connector 6"/>
+            <p:cNvPr id="15" name="Straight Arrow Connector 14"/>
             <p:cNvCxnSpPr/>
             <p:nvPr/>
           </p:nvCxnSpPr>
@@ -11522,19 +13296,186 @@
           </p:spPr>
         </p:cxnSp>
       </p:grpSp>
+      <p:grpSp>
+        <p:nvGrpSpPr>
+          <p:cNvPr id="9" name="Group 8"/>
+          <p:cNvGrpSpPr/>
+          <p:nvPr/>
+        </p:nvGrpSpPr>
+        <p:grpSpPr>
+          <a:xfrm>
+            <a:off x="2260600" y="5930900"/>
+            <a:ext cx="5977768" cy="771386"/>
+            <a:chOff x="2260600" y="5930900"/>
+            <a:chExt cx="5977768" cy="771386"/>
+          </a:xfrm>
+        </p:grpSpPr>
+        <p:sp>
+          <p:nvSpPr>
+            <p:cNvPr id="3" name="TextBox 2"/>
+            <p:cNvSpPr txBox="1"/>
+            <p:nvPr/>
+          </p:nvSpPr>
+          <p:spPr>
+            <a:xfrm>
+              <a:off x="2260600" y="5994400"/>
+              <a:ext cx="5977768" cy="707886"/>
+            </a:xfrm>
+            <a:prstGeom prst="rect">
+              <a:avLst/>
+            </a:prstGeom>
+            <a:noFill/>
+          </p:spPr>
+          <p:txBody>
+            <a:bodyPr wrap="none" rtlCol="0">
+              <a:spAutoFit/>
+            </a:bodyPr>
+            <a:lstStyle/>
+            <a:p>
+              <a:r>
+                <a:rPr lang="en-US" dirty="0" smtClean="0">
+                  <a:latin typeface="Comic Sans MS"/>
+                  <a:cs typeface="Comic Sans MS"/>
+                </a:rPr>
+                <a:t> </a:t>
+              </a:r>
+              <a:r>
+                <a:rPr lang="en-US" dirty="0" err="1" smtClean="0">
+                  <a:latin typeface="Comic Sans MS"/>
+                  <a:cs typeface="Comic Sans MS"/>
+                </a:rPr>
+                <a:t>Pr</a:t>
+              </a:r>
+              <a:r>
+                <a:rPr lang="en-US" dirty="0" smtClean="0">
+                  <a:latin typeface="Comic Sans MS"/>
+                  <a:cs typeface="Comic Sans MS"/>
+                </a:rPr>
+                <a:t> smaller for better %</a:t>
+              </a:r>
+              <a:endParaRPr lang="en-US" dirty="0" smtClean="0">
+                <a:latin typeface="Comic Sans MS"/>
+                <a:cs typeface="Comic Sans MS"/>
+              </a:endParaRPr>
+            </a:p>
+          </p:txBody>
+        </p:sp>
+        <p:cxnSp>
+          <p:nvCxnSpPr>
+            <p:cNvPr id="7" name="Straight Arrow Connector 6"/>
+            <p:cNvCxnSpPr/>
+            <p:nvPr/>
+          </p:nvCxnSpPr>
+          <p:spPr bwMode="auto">
+            <a:xfrm>
+              <a:off x="2463800" y="5930900"/>
+              <a:ext cx="3111500" cy="0"/>
+            </a:xfrm>
+            <a:prstGeom prst="straightConnector1">
+              <a:avLst/>
+            </a:prstGeom>
+            <a:noFill/>
+            <a:ln w="44450" cap="flat" cmpd="sng" algn="ctr">
+              <a:solidFill>
+                <a:schemeClr val="tx1"/>
+              </a:solidFill>
+              <a:prstDash val="sysDash"/>
+              <a:round/>
+              <a:headEnd type="none" w="med" len="med"/>
+              <a:tailEnd type="arrow"/>
+            </a:ln>
+            <a:effectLst/>
+          </p:spPr>
+        </p:cxnSp>
+      </p:grpSp>
+      <p:graphicFrame>
+        <p:nvGraphicFramePr>
+          <p:cNvPr id="16" name="Object 15"/>
+          <p:cNvGraphicFramePr>
+            <a:graphicFrameLocks noChangeAspect="1"/>
+          </p:cNvGraphicFramePr>
+          <p:nvPr>
+            <p:extLst>
+              <p:ext uri="{D42A27DB-BD31-4B8C-83A1-F6EECF244321}">
+                <p14:modId xmlns:p14="http://schemas.microsoft.com/office/powerpoint/2010/main" val="949076658"/>
+              </p:ext>
+            </p:extLst>
+          </p:nvPr>
+        </p:nvGraphicFramePr>
+        <p:xfrm>
+          <a:off x="1693863" y="120650"/>
+          <a:ext cx="6938962" cy="911225"/>
+        </p:xfrm>
+        <a:graphic>
+          <a:graphicData uri="http://schemas.openxmlformats.org/presentationml/2006/ole">
+            <mc:AlternateContent xmlns:mc="http://schemas.openxmlformats.org/markup-compatibility/2006">
+              <mc:Choice xmlns:v="urn:schemas-microsoft-com:vml" Requires="v">
+                <p:oleObj spid="_x0000_s330761" name="Equation" r:id="rId7" imgW="1739900" imgH="228600" progId="Equation.DSMT4">
+                  <p:embed/>
+                </p:oleObj>
+              </mc:Choice>
+              <mc:Fallback>
+                <p:oleObj name="Equation" r:id="rId7" imgW="1739900" imgH="228600" progId="Equation.DSMT4">
+                  <p:embed/>
+                  <p:pic>
+                    <p:nvPicPr>
+                      <p:cNvPr id="0" name=""/>
+                      <p:cNvPicPr>
+                        <a:picLocks noChangeAspect="1" noChangeArrowheads="1"/>
+                      </p:cNvPicPr>
+                      <p:nvPr/>
+                    </p:nvPicPr>
+                    <p:blipFill>
+                      <a:blip r:embed="rId8"/>
+                      <a:srcRect/>
+                      <a:stretch>
+                        <a:fillRect/>
+                      </a:stretch>
+                    </p:blipFill>
+                    <p:spPr bwMode="auto">
+                      <a:xfrm>
+                        <a:off x="1693863" y="120650"/>
+                        <a:ext cx="6938962" cy="911225"/>
+                      </a:xfrm>
+                      <a:prstGeom prst="rect">
+                        <a:avLst/>
+                      </a:prstGeom>
+                      <a:noFill/>
+                      <a:extLst>
+                        <a:ext uri="{909E8E84-426E-40dd-AFC4-6F175D3DCCD1}">
+                          <a14:hiddenFill xmlns:a14="http://schemas.microsoft.com/office/drawing/2010/main">
+                            <a:solidFill>
+                              <a:srgbClr val="FFFFFF"/>
+                            </a:solidFill>
+                          </a14:hiddenFill>
+                        </a:ext>
+                      </a:extLst>
+                    </p:spPr>
+                  </p:pic>
+                </p:oleObj>
+              </mc:Fallback>
+            </mc:AlternateContent>
+          </a:graphicData>
+        </a:graphic>
+      </p:graphicFrame>
     </p:spTree>
+    <p:extLst>
+      <p:ext uri="{BB962C8B-B14F-4D97-AF65-F5344CB8AC3E}">
+        <p14:creationId xmlns:p14="http://schemas.microsoft.com/office/powerpoint/2010/main" val="3726573437"/>
+      </p:ext>
+    </p:extLst>
   </p:cSld>
   <p:clrMapOvr>
     <a:masterClrMapping/>
   </p:clrMapOvr>
-  <mc:AlternateContent xmlns:mc="http://schemas.openxmlformats.org/markup-compatibility/2006" xmlns:p14="http://schemas.microsoft.com/office/powerpoint/2010/main">
-    <mc:Choice Requires="p14">
-      <p:transition spd="slow" p14:dur="900" advClick="0">
+  <mc:AlternateContent xmlns:mc="http://schemas.openxmlformats.org/markup-compatibility/2006">
+    <mc:Choice xmlns:p14="http://schemas.microsoft.com/office/powerpoint/2010/main" Requires="p14">
+      <p:transition spd="med" p14:dur="700" advClick="0">
         <p:fade/>
       </p:transition>
     </mc:Choice>
-    <mc:Fallback xmlns="">
-      <p:transition xmlns:p14="http://schemas.microsoft.com/office/powerpoint/2010/main" spd="slow" advClick="0">
+    <mc:Fallback>
+      <p:transition xmlns:p14="http://schemas.microsoft.com/office/powerpoint/2010/main" spd="med" advClick="0">
         <p:fade/>
       </p:transition>
     </mc:Fallback>
@@ -11560,7 +13501,7 @@
                             </p:stCondLst>
                             <p:childTnLst>
                               <p:par>
-                                <p:cTn id="5" presetID="22" presetClass="entr" presetSubtype="1" fill="hold" nodeType="clickEffect">
+                                <p:cTn id="5" presetID="22" presetClass="entr" presetSubtype="8" fill="hold" nodeType="clickEffect">
                                   <p:stCondLst>
                                     <p:cond delay="0"/>
                                   </p:stCondLst>
@@ -11573,7 +13514,7 @@
                                           </p:stCondLst>
                                         </p:cTn>
                                         <p:tgtEl>
-                                          <p:spTgt spid="8"/>
+                                          <p:spTgt spid="9"/>
                                         </p:tgtEl>
                                         <p:attrNameLst>
                                           <p:attrName>style.visibility</p:attrName>
@@ -11583,55 +13524,11 @@
                                         <p:strVal val="visible"/>
                                       </p:to>
                                     </p:set>
-                                    <p:animEffect transition="in" filter="wipe(up)">
+                                    <p:animEffect transition="in" filter="wipe(left)">
                                       <p:cBhvr>
-                                        <p:cTn id="7" dur="2000"/>
+                                        <p:cTn id="7" dur="1000"/>
                                         <p:tgtEl>
-                                          <p:spTgt spid="8"/>
-                                        </p:tgtEl>
-                                      </p:cBhvr>
-                                    </p:animEffect>
-                                  </p:childTnLst>
-                                </p:cTn>
-                              </p:par>
-                            </p:childTnLst>
-                          </p:cTn>
-                        </p:par>
-                        <p:par>
-                          <p:cTn id="8" fill="hold">
-                            <p:stCondLst>
-                              <p:cond delay="2000"/>
-                            </p:stCondLst>
-                            <p:childTnLst>
-                              <p:par>
-                                <p:cTn id="9" presetID="22" presetClass="entr" presetSubtype="1" fill="hold" nodeType="afterEffect">
-                                  <p:stCondLst>
-                                    <p:cond delay="0"/>
-                                  </p:stCondLst>
-                                  <p:childTnLst>
-                                    <p:set>
-                                      <p:cBhvr>
-                                        <p:cTn id="10" dur="1" fill="hold">
-                                          <p:stCondLst>
-                                            <p:cond delay="0"/>
-                                          </p:stCondLst>
-                                        </p:cTn>
-                                        <p:tgtEl>
-                                          <p:spTgt spid="5"/>
-                                        </p:tgtEl>
-                                        <p:attrNameLst>
-                                          <p:attrName>style.visibility</p:attrName>
-                                        </p:attrNameLst>
-                                      </p:cBhvr>
-                                      <p:to>
-                                        <p:strVal val="visible"/>
-                                      </p:to>
-                                    </p:set>
-                                    <p:animEffect transition="in" filter="wipe(up)">
-                                      <p:cBhvr>
-                                        <p:cTn id="11" dur="1000"/>
-                                        <p:tgtEl>
-                                          <p:spTgt spid="5"/>
+                                          <p:spTgt spid="9"/>
                                         </p:tgtEl>
                                       </p:cBhvr>
                                     </p:animEffect>
@@ -11686,666 +13583,261 @@
           <a:chExt cx="0" cy="0"/>
         </a:xfrm>
       </p:grpSpPr>
-      <p:graphicFrame>
-        <p:nvGraphicFramePr>
-          <p:cNvPr id="4" name="Object 3"/>
-          <p:cNvGraphicFramePr>
-            <a:graphicFrameLocks noChangeAspect="1"/>
-          </p:cNvGraphicFramePr>
-          <p:nvPr>
-            <p:extLst>
-              <p:ext uri="{D42A27DB-BD31-4B8C-83A1-F6EECF244321}">
-                <p14:modId xmlns:p14="http://schemas.microsoft.com/office/powerpoint/2010/main" val="2293904894"/>
-              </p:ext>
-            </p:extLst>
-          </p:nvPr>
-        </p:nvGraphicFramePr>
-        <p:xfrm>
-          <a:off x="1227138" y="323850"/>
-          <a:ext cx="7797800" cy="911225"/>
-        </p:xfrm>
-        <a:graphic>
-          <a:graphicData uri="http://schemas.openxmlformats.org/presentationml/2006/ole">
-            <mc:AlternateContent xmlns:mc="http://schemas.openxmlformats.org/markup-compatibility/2006">
-              <mc:Choice xmlns:v="urn:schemas-microsoft-com:vml" Requires="v">
-                <p:oleObj spid="_x0000_s314427" name="Equation" r:id="rId3" imgW="1955800" imgH="228600" progId="Equation.DSMT4">
-                  <p:embed/>
-                </p:oleObj>
-              </mc:Choice>
-              <mc:Fallback>
-                <p:oleObj name="Equation" r:id="rId3" imgW="1955800" imgH="228600" progId="Equation.DSMT4">
-                  <p:embed/>
-                  <p:pic>
-                    <p:nvPicPr>
-                      <p:cNvPr id="0" name="Picture 2"/>
-                      <p:cNvPicPr>
-                        <a:picLocks noChangeAspect="1" noChangeArrowheads="1"/>
-                      </p:cNvPicPr>
-                      <p:nvPr/>
-                    </p:nvPicPr>
-                    <p:blipFill>
-                      <a:blip r:embed="rId4"/>
-                      <a:srcRect/>
-                      <a:stretch>
-                        <a:fillRect/>
-                      </a:stretch>
-                    </p:blipFill>
-                    <p:spPr bwMode="auto">
-                      <a:xfrm>
-                        <a:off x="1227138" y="323850"/>
-                        <a:ext cx="7797800" cy="911225"/>
-                      </a:xfrm>
-                      <a:prstGeom prst="rect">
-                        <a:avLst/>
-                      </a:prstGeom>
-                      <a:noFill/>
-                      <a:extLst>
-                        <a:ext uri="{909E8E84-426E-40dd-AFC4-6F175D3DCCD1}">
-                          <a14:hiddenFill xmlns:a14="http://schemas.microsoft.com/office/drawing/2010/main">
-                            <a:solidFill>
-                              <a:srgbClr val="FFFFFF"/>
-                            </a:solidFill>
-                          </a14:hiddenFill>
-                        </a:ext>
-                      </a:extLst>
-                    </p:spPr>
-                  </p:pic>
-                </p:oleObj>
-              </mc:Fallback>
-            </mc:AlternateContent>
-          </a:graphicData>
-        </a:graphic>
-      </p:graphicFrame>
-      <p:graphicFrame>
-        <p:nvGraphicFramePr>
-          <p:cNvPr id="8" name="Table 7"/>
-          <p:cNvGraphicFramePr>
-            <a:graphicFrameLocks noGrp="1"/>
-          </p:cNvGraphicFramePr>
-          <p:nvPr>
-            <p:extLst>
-              <p:ext uri="{D42A27DB-BD31-4B8C-83A1-F6EECF244321}">
-                <p14:modId xmlns:p14="http://schemas.microsoft.com/office/powerpoint/2010/main" val="1861429289"/>
-              </p:ext>
-            </p:extLst>
-          </p:nvPr>
-        </p:nvGraphicFramePr>
-        <p:xfrm>
-          <a:off x="1038054" y="1083322"/>
-          <a:ext cx="2986029" cy="5212080"/>
-        </p:xfrm>
-        <a:graphic>
-          <a:graphicData uri="http://schemas.openxmlformats.org/drawingml/2006/table">
-            <a:tbl>
-              <a:tblPr firstRow="1" bandRow="1">
-                <a:tableStyleId>{5C22544A-7EE6-4342-B048-85BDC9FD1C3A}</a:tableStyleId>
-              </a:tblPr>
-              <a:tblGrid>
-                <a:gridCol w="1424883"/>
-                <a:gridCol w="1561146"/>
-              </a:tblGrid>
-              <a:tr h="478995">
-                <a:tc>
-                  <a:txBody>
-                    <a:bodyPr/>
-                    <a:lstStyle/>
-                    <a:p>
-                      <a:pPr algn="ctr"/>
-                      <a:r>
-                        <a:rPr lang="en-US" sz="3200" dirty="0" err="1" smtClean="0">
-                          <a:solidFill>
-                            <a:srgbClr val="008000"/>
-                          </a:solidFill>
-                        </a:rPr>
-                        <a:t>n</a:t>
-                      </a:r>
-                      <a:endParaRPr lang="en-US" sz="3200" dirty="0">
-                        <a:solidFill>
-                          <a:srgbClr val="008000"/>
-                        </a:solidFill>
-                      </a:endParaRPr>
-                    </a:p>
-                  </a:txBody>
-                  <a:tcPr>
-                    <a:noFill/>
-                  </a:tcPr>
-                </a:tc>
-                <a:tc>
-                  <a:txBody>
-                    <a:bodyPr/>
-                    <a:lstStyle/>
-                    <a:p>
-                      <a:pPr algn="ctr"/>
-                      <a:r>
-                        <a:rPr lang="en-US" sz="3200" dirty="0" smtClean="0">
-                          <a:solidFill>
-                            <a:srgbClr val="5959FF"/>
-                          </a:solidFill>
-                        </a:rPr>
-                        <a:t>Pr</a:t>
-                      </a:r>
-                      <a:endParaRPr lang="en-US" sz="3200" dirty="0">
-                        <a:solidFill>
-                          <a:srgbClr val="5959FF"/>
-                        </a:solidFill>
-                      </a:endParaRPr>
-                    </a:p>
-                  </a:txBody>
-                  <a:tcPr>
-                    <a:noFill/>
-                  </a:tcPr>
-                </a:tc>
-              </a:tr>
-              <a:tr h="478995">
-                <a:tc>
-                  <a:txBody>
-                    <a:bodyPr/>
-                    <a:lstStyle/>
-                    <a:p>
-                      <a:pPr algn="r"/>
-                      <a:r>
-                        <a:rPr lang="en-US" sz="3200" dirty="0" smtClean="0">
-                          <a:solidFill>
-                            <a:srgbClr val="5959FF"/>
-                          </a:solidFill>
-                        </a:rPr>
-                        <a:t>2</a:t>
-                      </a:r>
-                      <a:endParaRPr lang="en-US" sz="3200" dirty="0">
-                        <a:solidFill>
-                          <a:srgbClr val="5959FF"/>
-                        </a:solidFill>
-                      </a:endParaRPr>
-                    </a:p>
-                  </a:txBody>
-                  <a:tcPr>
-                    <a:noFill/>
-                  </a:tcPr>
-                </a:tc>
-                <a:tc>
-                  <a:txBody>
-                    <a:bodyPr/>
-                    <a:lstStyle/>
-                    <a:p>
-                      <a:pPr algn="ctr"/>
-                      <a:r>
-                        <a:rPr lang="en-US" sz="3200" dirty="0" smtClean="0">
-                          <a:solidFill>
-                            <a:srgbClr val="5959FF"/>
-                          </a:solidFill>
-                        </a:rPr>
-                        <a:t>0.5</a:t>
-                      </a:r>
-                      <a:endParaRPr lang="en-US" sz="3200" dirty="0">
-                        <a:solidFill>
-                          <a:srgbClr val="5959FF"/>
-                        </a:solidFill>
-                      </a:endParaRPr>
-                    </a:p>
-                  </a:txBody>
-                  <a:tcPr>
-                    <a:noFill/>
-                  </a:tcPr>
-                </a:tc>
-              </a:tr>
-              <a:tr h="478995">
-                <a:tc>
-                  <a:txBody>
-                    <a:bodyPr/>
-                    <a:lstStyle/>
-                    <a:p>
-                      <a:pPr algn="r"/>
-                      <a:r>
-                        <a:rPr lang="en-US" sz="3200" dirty="0" smtClean="0">
-                          <a:solidFill>
-                            <a:srgbClr val="5959FF"/>
-                          </a:solidFill>
-                        </a:rPr>
-                        <a:t>4</a:t>
-                      </a:r>
-                      <a:endParaRPr lang="en-US" sz="3200" dirty="0">
-                        <a:solidFill>
-                          <a:srgbClr val="5959FF"/>
-                        </a:solidFill>
-                      </a:endParaRPr>
-                    </a:p>
-                  </a:txBody>
-                  <a:tcPr>
-                    <a:noFill/>
-                  </a:tcPr>
-                </a:tc>
-                <a:tc>
-                  <a:txBody>
-                    <a:bodyPr/>
-                    <a:lstStyle/>
-                    <a:p>
-                      <a:pPr algn="ctr"/>
-                      <a:r>
-                        <a:rPr lang="en-US" sz="3200" dirty="0" smtClean="0">
-                          <a:solidFill>
-                            <a:srgbClr val="5959FF"/>
-                          </a:solidFill>
-                        </a:rPr>
-                        <a:t>0.37</a:t>
-                      </a:r>
-                      <a:endParaRPr lang="en-US" sz="3200" dirty="0">
-                        <a:solidFill>
-                          <a:srgbClr val="5959FF"/>
-                        </a:solidFill>
-                      </a:endParaRPr>
-                    </a:p>
-                  </a:txBody>
-                  <a:tcPr>
-                    <a:noFill/>
-                  </a:tcPr>
-                </a:tc>
-              </a:tr>
-              <a:tr h="478995">
-                <a:tc>
-                  <a:txBody>
-                    <a:bodyPr/>
-                    <a:lstStyle/>
-                    <a:p>
-                      <a:pPr algn="r"/>
-                      <a:r>
-                        <a:rPr lang="en-US" sz="3200" dirty="0" smtClean="0">
-                          <a:solidFill>
-                            <a:srgbClr val="5959FF"/>
-                          </a:solidFill>
-                        </a:rPr>
-                        <a:t>30</a:t>
-                      </a:r>
-                      <a:endParaRPr lang="en-US" sz="3200" dirty="0">
-                        <a:solidFill>
-                          <a:srgbClr val="5959FF"/>
-                        </a:solidFill>
-                      </a:endParaRPr>
-                    </a:p>
-                  </a:txBody>
-                  <a:tcPr>
-                    <a:noFill/>
-                  </a:tcPr>
-                </a:tc>
-                <a:tc>
-                  <a:txBody>
-                    <a:bodyPr/>
-                    <a:lstStyle/>
-                    <a:p>
-                      <a:pPr algn="ctr"/>
-                      <a:r>
-                        <a:rPr lang="en-US" sz="3200" dirty="0" smtClean="0">
-                          <a:solidFill>
-                            <a:srgbClr val="5959FF"/>
-                          </a:solidFill>
-                        </a:rPr>
-                        <a:t>0.14</a:t>
-                      </a:r>
-                      <a:endParaRPr lang="en-US" sz="3200" dirty="0">
-                        <a:solidFill>
-                          <a:srgbClr val="5959FF"/>
-                        </a:solidFill>
-                      </a:endParaRPr>
-                    </a:p>
-                  </a:txBody>
-                  <a:tcPr>
-                    <a:noFill/>
-                  </a:tcPr>
-                </a:tc>
-              </a:tr>
-              <a:tr h="478995">
-                <a:tc>
-                  <a:txBody>
-                    <a:bodyPr/>
-                    <a:lstStyle/>
-                    <a:p>
-                      <a:pPr algn="r"/>
-                      <a:r>
-                        <a:rPr lang="en-US" sz="3200" dirty="0" smtClean="0">
-                          <a:solidFill>
-                            <a:srgbClr val="5959FF"/>
-                          </a:solidFill>
-                        </a:rPr>
-                        <a:t>50</a:t>
-                      </a:r>
-                      <a:endParaRPr lang="en-US" sz="3200" dirty="0">
-                        <a:solidFill>
-                          <a:srgbClr val="5959FF"/>
-                        </a:solidFill>
-                      </a:endParaRPr>
-                    </a:p>
-                  </a:txBody>
-                  <a:tcPr>
-                    <a:noFill/>
-                  </a:tcPr>
-                </a:tc>
-                <a:tc>
-                  <a:txBody>
-                    <a:bodyPr/>
-                    <a:lstStyle/>
-                    <a:p>
-                      <a:pPr algn="ctr"/>
-                      <a:r>
-                        <a:rPr lang="en-US" sz="3200" dirty="0" smtClean="0">
-                          <a:solidFill>
-                            <a:srgbClr val="5959FF"/>
-                          </a:solidFill>
-                        </a:rPr>
-                        <a:t>0.22</a:t>
-                      </a:r>
-                      <a:endParaRPr lang="en-US" sz="3200" dirty="0">
-                        <a:solidFill>
-                          <a:srgbClr val="5959FF"/>
-                        </a:solidFill>
-                      </a:endParaRPr>
-                    </a:p>
-                  </a:txBody>
-                  <a:tcPr>
-                    <a:noFill/>
-                  </a:tcPr>
-                </a:tc>
-              </a:tr>
-              <a:tr h="478995">
-                <a:tc>
-                  <a:txBody>
-                    <a:bodyPr/>
-                    <a:lstStyle/>
-                    <a:p>
-                      <a:pPr algn="r"/>
-                      <a:r>
-                        <a:rPr lang="en-US" sz="3200" dirty="0" smtClean="0">
-                          <a:solidFill>
-                            <a:srgbClr val="5959FF"/>
-                          </a:solidFill>
-                        </a:rPr>
-                        <a:t>350</a:t>
-                      </a:r>
-                      <a:endParaRPr lang="en-US" sz="3200" dirty="0">
-                        <a:solidFill>
-                          <a:srgbClr val="5959FF"/>
-                        </a:solidFill>
-                      </a:endParaRPr>
-                    </a:p>
-                  </a:txBody>
-                  <a:tcPr>
-                    <a:noFill/>
-                  </a:tcPr>
-                </a:tc>
-                <a:tc>
-                  <a:txBody>
-                    <a:bodyPr/>
-                    <a:lstStyle/>
-                    <a:p>
-                      <a:pPr algn="ctr"/>
-                      <a:r>
-                        <a:rPr lang="en-US" sz="3200" dirty="0" smtClean="0">
-                          <a:solidFill>
-                            <a:srgbClr val="5959FF"/>
-                          </a:solidFill>
-                        </a:rPr>
-                        <a:t>0.33</a:t>
-                      </a:r>
-                      <a:endParaRPr lang="en-US" sz="3200" dirty="0">
-                        <a:solidFill>
-                          <a:srgbClr val="5959FF"/>
-                        </a:solidFill>
-                      </a:endParaRPr>
-                    </a:p>
-                  </a:txBody>
-                  <a:tcPr>
-                    <a:noFill/>
-                  </a:tcPr>
-                </a:tc>
-              </a:tr>
-              <a:tr h="478995">
-                <a:tc>
-                  <a:txBody>
-                    <a:bodyPr/>
-                    <a:lstStyle/>
-                    <a:p>
-                      <a:pPr algn="r"/>
-                      <a:r>
-                        <a:rPr lang="en-US" sz="3200" dirty="0" smtClean="0">
-                          <a:solidFill>
-                            <a:srgbClr val="5959FF"/>
-                          </a:solidFill>
-                        </a:rPr>
-                        <a:t>1050</a:t>
-                      </a:r>
-                      <a:endParaRPr lang="en-US" sz="3200" dirty="0">
-                        <a:solidFill>
-                          <a:srgbClr val="5959FF"/>
-                        </a:solidFill>
-                      </a:endParaRPr>
-                    </a:p>
-                  </a:txBody>
-                  <a:tcPr>
-                    <a:noFill/>
-                  </a:tcPr>
-                </a:tc>
-                <a:tc>
-                  <a:txBody>
-                    <a:bodyPr/>
-                    <a:lstStyle/>
-                    <a:p>
-                      <a:pPr algn="ctr"/>
-                      <a:r>
-                        <a:rPr lang="en-US" sz="3200" dirty="0" smtClean="0">
-                          <a:solidFill>
-                            <a:srgbClr val="5959FF"/>
-                          </a:solidFill>
-                        </a:rPr>
-                        <a:t>0.50</a:t>
-                      </a:r>
-                      <a:endParaRPr lang="en-US" sz="3200" dirty="0">
-                        <a:solidFill>
-                          <a:srgbClr val="5959FF"/>
-                        </a:solidFill>
-                      </a:endParaRPr>
-                    </a:p>
-                  </a:txBody>
-                  <a:tcPr>
-                    <a:noFill/>
-                  </a:tcPr>
-                </a:tc>
-              </a:tr>
-              <a:tr h="478995">
-                <a:tc>
-                  <a:txBody>
-                    <a:bodyPr/>
-                    <a:lstStyle/>
-                    <a:p>
-                      <a:pPr algn="r"/>
-                      <a:r>
-                        <a:rPr lang="en-US" sz="3200" dirty="0" smtClean="0">
-                          <a:solidFill>
-                            <a:srgbClr val="5959FF"/>
-                          </a:solidFill>
-                        </a:rPr>
-                        <a:t>9500</a:t>
-                      </a:r>
-                      <a:endParaRPr lang="en-US" sz="3200" dirty="0">
-                        <a:solidFill>
-                          <a:srgbClr val="5959FF"/>
-                        </a:solidFill>
-                      </a:endParaRPr>
-                    </a:p>
-                  </a:txBody>
-                  <a:tcPr>
-                    <a:noFill/>
-                  </a:tcPr>
-                </a:tc>
-                <a:tc>
-                  <a:txBody>
-                    <a:bodyPr/>
-                    <a:lstStyle/>
-                    <a:p>
-                      <a:pPr algn="ctr"/>
-                      <a:r>
-                        <a:rPr lang="en-US" sz="3200" dirty="0" smtClean="0">
-                          <a:solidFill>
-                            <a:srgbClr val="5959FF"/>
-                          </a:solidFill>
-                        </a:rPr>
-                        <a:t>0.95</a:t>
-                      </a:r>
-                    </a:p>
-                  </a:txBody>
-                  <a:tcPr>
-                    <a:noFill/>
-                  </a:tcPr>
-                </a:tc>
-              </a:tr>
-              <a:tr h="478995">
-                <a:tc>
-                  <a:txBody>
-                    <a:bodyPr/>
-                    <a:lstStyle/>
-                    <a:p>
-                      <a:pPr algn="r"/>
-                      <a:r>
-                        <a:rPr lang="en-US" sz="3200" dirty="0" smtClean="0">
-                          <a:solidFill>
-                            <a:srgbClr val="5959FF"/>
-                          </a:solidFill>
-                        </a:rPr>
-                        <a:t>16500</a:t>
-                      </a:r>
-                      <a:endParaRPr lang="en-US" sz="3200" dirty="0">
-                        <a:solidFill>
-                          <a:srgbClr val="5959FF"/>
-                        </a:solidFill>
-                      </a:endParaRPr>
-                    </a:p>
-                  </a:txBody>
-                  <a:tcPr>
-                    <a:noFill/>
-                  </a:tcPr>
-                </a:tc>
-                <a:tc>
-                  <a:txBody>
-                    <a:bodyPr/>
-                    <a:lstStyle/>
-                    <a:p>
-                      <a:pPr algn="ctr"/>
-                      <a:r>
-                        <a:rPr lang="en-US" sz="3200" dirty="0" smtClean="0">
-                          <a:solidFill>
-                            <a:srgbClr val="5959FF"/>
-                          </a:solidFill>
-                        </a:rPr>
-                        <a:t>0.99</a:t>
-                      </a:r>
-                    </a:p>
-                  </a:txBody>
-                  <a:tcPr>
-                    <a:noFill/>
-                  </a:tcPr>
-                </a:tc>
-              </a:tr>
-            </a:tbl>
-          </a:graphicData>
-        </a:graphic>
-      </p:graphicFrame>
+      <p:sp>
+        <p:nvSpPr>
+          <p:cNvPr id="24580" name="Text Box 3"/>
+          <p:cNvSpPr txBox="1">
+            <a:spLocks noChangeArrowheads="1"/>
+          </p:cNvSpPr>
+          <p:nvPr/>
+        </p:nvSpPr>
+        <p:spPr bwMode="auto">
+          <a:xfrm>
+            <a:off x="1660525" y="3038475"/>
+            <a:ext cx="184150" cy="519113"/>
+          </a:xfrm>
+          <a:prstGeom prst="rect">
+            <a:avLst/>
+          </a:prstGeom>
+          <a:noFill/>
+          <a:ln w="9525">
+            <a:noFill/>
+            <a:miter lim="800000"/>
+            <a:headEnd/>
+            <a:tailEnd/>
+          </a:ln>
+        </p:spPr>
+        <p:txBody>
+          <a:bodyPr wrap="none">
+            <a:spAutoFit/>
+          </a:bodyPr>
+          <a:lstStyle/>
+          <a:p>
+            <a:endParaRPr lang="en-US" sz="2800" i="1">
+              <a:solidFill>
+                <a:srgbClr val="000000"/>
+              </a:solidFill>
+              <a:latin typeface="Times New Roman" pitchFamily="18" charset="0"/>
+            </a:endParaRPr>
+          </a:p>
+        </p:txBody>
+      </p:sp>
+      <p:sp>
+        <p:nvSpPr>
+          <p:cNvPr id="24581" name="Text Box 4"/>
+          <p:cNvSpPr txBox="1">
+            <a:spLocks noChangeArrowheads="1"/>
+          </p:cNvSpPr>
+          <p:nvPr/>
+        </p:nvSpPr>
+        <p:spPr bwMode="auto">
+          <a:xfrm>
+            <a:off x="312420" y="1203960"/>
+            <a:ext cx="8526780" cy="4524315"/>
+          </a:xfrm>
+          <a:prstGeom prst="rect">
+            <a:avLst/>
+          </a:prstGeom>
+          <a:noFill/>
+          <a:ln w="9525">
+            <a:noFill/>
+            <a:miter lim="800000"/>
+            <a:headEnd/>
+            <a:tailEnd/>
+          </a:ln>
+        </p:spPr>
+        <p:txBody>
+          <a:bodyPr wrap="square">
+            <a:spAutoFit/>
+          </a:bodyPr>
+          <a:lstStyle/>
+          <a:p>
+            <a:r>
+              <a:rPr lang="en-US" sz="3600" dirty="0">
+                <a:solidFill>
+                  <a:srgbClr val="000000"/>
+                </a:solidFill>
+                <a:latin typeface="Times New Roman" pitchFamily="18" charset="0"/>
+              </a:rPr>
+              <a:t>It certainly remains to be inquired whether after the number of observations has been increased, </a:t>
+            </a:r>
+            <a:r>
+              <a:rPr lang="en-US" sz="3600" dirty="0">
+                <a:solidFill>
+                  <a:srgbClr val="0000FF"/>
+                </a:solidFill>
+                <a:latin typeface="Times New Roman" pitchFamily="18" charset="0"/>
+              </a:rPr>
+              <a:t>the probability…of obtaining the true ratio…finally exceeds any given degree of certainty</a:t>
+            </a:r>
+            <a:r>
+              <a:rPr lang="en-US" sz="3600" dirty="0">
+                <a:solidFill>
+                  <a:srgbClr val="000000"/>
+                </a:solidFill>
+                <a:latin typeface="Times New Roman" pitchFamily="18" charset="0"/>
+              </a:rPr>
+              <a:t>; </a:t>
+            </a:r>
+            <a:r>
+              <a:rPr lang="en-US" sz="3600" dirty="0">
+                <a:solidFill>
+                  <a:srgbClr val="007600"/>
+                </a:solidFill>
+                <a:latin typeface="Times New Roman" pitchFamily="18" charset="0"/>
+              </a:rPr>
+              <a:t>or</a:t>
+            </a:r>
+            <a:r>
+              <a:rPr lang="en-US" sz="3600" dirty="0">
+                <a:solidFill>
+                  <a:srgbClr val="000000"/>
+                </a:solidFill>
+                <a:latin typeface="Times New Roman" pitchFamily="18" charset="0"/>
+              </a:rPr>
+              <a:t> whether the problem has, so to speak, its own </a:t>
+            </a:r>
+            <a:r>
+              <a:rPr lang="en-US" sz="3600" dirty="0" smtClean="0">
+                <a:solidFill>
+                  <a:srgbClr val="000000"/>
+                </a:solidFill>
+                <a:latin typeface="Times New Roman" pitchFamily="18" charset="0"/>
+              </a:rPr>
+              <a:t>asymptote </a:t>
+            </a:r>
+            <a:r>
+              <a:rPr lang="en-US" sz="3600" dirty="0" smtClean="0">
+                <a:solidFill>
+                  <a:srgbClr val="000000"/>
+                </a:solidFill>
+                <a:latin typeface="Euclid Symbol" charset="2"/>
+                <a:cs typeface="Euclid Symbol" charset="2"/>
+                <a:sym typeface="Euclid Symbol" pitchFamily="18" charset="2"/>
+              </a:rPr>
+              <a:t>−</a:t>
+            </a:r>
+            <a:r>
+              <a:rPr lang="en-US" sz="3600" dirty="0" smtClean="0">
+                <a:solidFill>
+                  <a:srgbClr val="000000"/>
+                </a:solidFill>
+                <a:latin typeface="Times New Roman" pitchFamily="18" charset="0"/>
+              </a:rPr>
+              <a:t>that </a:t>
+            </a:r>
+            <a:r>
+              <a:rPr lang="en-US" sz="3600" dirty="0">
+                <a:solidFill>
+                  <a:srgbClr val="000000"/>
+                </a:solidFill>
+                <a:latin typeface="Times New Roman" pitchFamily="18" charset="0"/>
+              </a:rPr>
+              <a:t>is, whether </a:t>
+            </a:r>
+            <a:r>
+              <a:rPr lang="en-US" sz="3600" dirty="0">
+                <a:solidFill>
+                  <a:srgbClr val="0000FF"/>
+                </a:solidFill>
+                <a:latin typeface="Times New Roman" pitchFamily="18" charset="0"/>
+              </a:rPr>
+              <a:t>some degree of certainty is given which one can never exceed.</a:t>
+            </a:r>
+          </a:p>
+        </p:txBody>
+      </p:sp>
+      <p:sp>
+        <p:nvSpPr>
+          <p:cNvPr id="6" name="Rectangle 2"/>
+          <p:cNvSpPr>
+            <a:spLocks noChangeArrowheads="1"/>
+          </p:cNvSpPr>
+          <p:nvPr/>
+        </p:nvSpPr>
+        <p:spPr bwMode="auto">
+          <a:xfrm>
+            <a:off x="1173480" y="289560"/>
+            <a:ext cx="7086600" cy="899160"/>
+          </a:xfrm>
+          <a:prstGeom prst="rect">
+            <a:avLst/>
+          </a:prstGeom>
+          <a:noFill/>
+          <a:ln w="9525">
+            <a:noFill/>
+            <a:miter lim="800000"/>
+            <a:headEnd/>
+            <a:tailEnd/>
+          </a:ln>
+        </p:spPr>
+        <p:txBody>
+          <a:bodyPr anchor="ctr"/>
+          <a:lstStyle/>
+          <a:p>
+            <a:pPr algn="ctr"/>
+            <a:r>
+              <a:rPr lang="en-US" sz="3200" b="1" dirty="0">
+                <a:solidFill>
+                  <a:srgbClr val="000000"/>
+                </a:solidFill>
+                <a:latin typeface="Comic Sans MS" pitchFamily="66" charset="0"/>
+              </a:rPr>
+              <a:t>Jacob D. Bernoulli (</a:t>
+            </a:r>
+            <a:r>
+              <a:rPr lang="en-US" sz="3200" b="1" dirty="0" smtClean="0">
+                <a:solidFill>
+                  <a:srgbClr val="000000"/>
+                </a:solidFill>
+                <a:latin typeface="Comic Sans MS" pitchFamily="66" charset="0"/>
+              </a:rPr>
+              <a:t>1659</a:t>
+            </a:r>
+            <a:r>
+              <a:rPr lang="en-US" sz="3200" b="1" dirty="0" smtClean="0">
+                <a:solidFill>
+                  <a:srgbClr val="000000"/>
+                </a:solidFill>
+                <a:latin typeface="Euclid Symbol" charset="2"/>
+                <a:cs typeface="Euclid Symbol" charset="2"/>
+                <a:sym typeface="Euclid Symbol"/>
+              </a:rPr>
+              <a:t>−</a:t>
+            </a:r>
+            <a:r>
+              <a:rPr lang="en-US" sz="3200" b="1" dirty="0" smtClean="0">
+                <a:solidFill>
+                  <a:srgbClr val="000000"/>
+                </a:solidFill>
+                <a:latin typeface="Comic Sans MS" pitchFamily="66" charset="0"/>
+              </a:rPr>
+              <a:t>1705</a:t>
+            </a:r>
+            <a:r>
+              <a:rPr lang="en-US" sz="3200" b="1" dirty="0">
+                <a:solidFill>
+                  <a:srgbClr val="000000"/>
+                </a:solidFill>
+                <a:latin typeface="Comic Sans MS" pitchFamily="66" charset="0"/>
+              </a:rPr>
+              <a:t>)</a:t>
+            </a:r>
+          </a:p>
+        </p:txBody>
+      </p:sp>
     </p:spTree>
   </p:cSld>
   <p:clrMapOvr>
     <a:masterClrMapping/>
   </p:clrMapOvr>
-  <mc:AlternateContent xmlns:mc="http://schemas.openxmlformats.org/markup-compatibility/2006" xmlns:p14="http://schemas.microsoft.com/office/powerpoint/2010/main">
-    <mc:Choice Requires="p14">
-      <p:transition spd="slow" p14:dur="900" advClick="0">
-        <p:fade/>
-      </p:transition>
-    </mc:Choice>
-    <mc:Fallback xmlns="">
-      <p:transition xmlns:p14="http://schemas.microsoft.com/office/powerpoint/2010/main" spd="slow" advClick="0">
-        <p:fade/>
-      </p:transition>
-    </mc:Fallback>
-  </mc:AlternateContent>
+  <p:transition xmlns:p14="http://schemas.microsoft.com/office/powerpoint/2010/main" spd="slow" advClick="0">
+    <p:fade thruBlk="1"/>
+  </p:transition>
   <p:timing>
     <p:tnLst>
       <p:par>
-        <p:cTn xmlns:p14="http://schemas.microsoft.com/office/powerpoint/2010/main" id="1" dur="indefinite" restart="never" nodeType="tmRoot">
-          <p:childTnLst>
-            <p:seq concurrent="1" nextAc="seek">
-              <p:cTn id="2" dur="indefinite" nodeType="mainSeq">
-                <p:childTnLst>
-                  <p:par>
-                    <p:cTn id="3" fill="hold">
-                      <p:stCondLst>
-                        <p:cond delay="indefinite"/>
-                        <p:cond evt="onBegin" delay="0">
-                          <p:tn val="2"/>
-                        </p:cond>
-                      </p:stCondLst>
-                      <p:childTnLst>
-                        <p:par>
-                          <p:cTn id="4" fill="hold">
-                            <p:stCondLst>
-                              <p:cond delay="0"/>
-                            </p:stCondLst>
-                            <p:childTnLst>
-                              <p:par>
-                                <p:cTn id="5" presetID="22" presetClass="entr" presetSubtype="1" fill="hold" nodeType="afterEffect">
-                                  <p:stCondLst>
-                                    <p:cond delay="0"/>
-                                  </p:stCondLst>
-                                  <p:childTnLst>
-                                    <p:set>
-                                      <p:cBhvr>
-                                        <p:cTn id="6" dur="1" fill="hold">
-                                          <p:stCondLst>
-                                            <p:cond delay="0"/>
-                                          </p:stCondLst>
-                                        </p:cTn>
-                                        <p:tgtEl>
-                                          <p:spTgt spid="8"/>
-                                        </p:tgtEl>
-                                        <p:attrNameLst>
-                                          <p:attrName>style.visibility</p:attrName>
-                                        </p:attrNameLst>
-                                      </p:cBhvr>
-                                      <p:to>
-                                        <p:strVal val="visible"/>
-                                      </p:to>
-                                    </p:set>
-                                    <p:animEffect transition="in" filter="wipe(up)">
-                                      <p:cBhvr>
-                                        <p:cTn id="7" dur="5000"/>
-                                        <p:tgtEl>
-                                          <p:spTgt spid="8"/>
-                                        </p:tgtEl>
-                                      </p:cBhvr>
-                                    </p:animEffect>
-                                  </p:childTnLst>
-                                </p:cTn>
-                              </p:par>
-                            </p:childTnLst>
-                          </p:cTn>
-                        </p:par>
-                      </p:childTnLst>
-                    </p:cTn>
-                  </p:par>
-                </p:childTnLst>
-              </p:cTn>
-              <p:prevCondLst>
-                <p:cond evt="onPrev" delay="0">
-                  <p:tgtEl>
-                    <p:sldTgt/>
-                  </p:tgtEl>
-                </p:cond>
-              </p:prevCondLst>
-              <p:nextCondLst>
-                <p:cond evt="onNext" delay="0">
-                  <p:tgtEl>
-                    <p:sldTgt/>
-                  </p:tgtEl>
-                </p:cond>
-              </p:nextCondLst>
-            </p:seq>
-          </p:childTnLst>
-        </p:cTn>
+        <p:cTn xmlns:p14="http://schemas.microsoft.com/office/powerpoint/2010/main" id="1" dur="indefinite" restart="never" nodeType="tmRoot"/>
       </p:par>
     </p:tnLst>
   </p:timing>
@@ -12383,11 +13875,41 @@
 
 <file path=ppt/tags/tag3.xml><?xml version="1.0" encoding="utf-8"?>
 <p:tagLst xmlns:a="http://schemas.openxmlformats.org/drawingml/2006/main" xmlns:r="http://schemas.openxmlformats.org/officeDocument/2006/relationships" xmlns:p="http://schemas.openxmlformats.org/presentationml/2006/main">
+  <p:tag name="TIMING" val="|25.1|7.4"/>
+</p:tagLst>
+</file>
+
+<file path=ppt/tags/tag4.xml><?xml version="1.0" encoding="utf-8"?>
+<p:tagLst xmlns:a="http://schemas.openxmlformats.org/drawingml/2006/main" xmlns:r="http://schemas.openxmlformats.org/officeDocument/2006/relationships" xmlns:p="http://schemas.openxmlformats.org/presentationml/2006/main">
+  <p:tag name="TIMING" val="|25.1|7.4"/>
+</p:tagLst>
+</file>
+
+<file path=ppt/tags/tag5.xml><?xml version="1.0" encoding="utf-8"?>
+<p:tagLst xmlns:a="http://schemas.openxmlformats.org/drawingml/2006/main" xmlns:r="http://schemas.openxmlformats.org/officeDocument/2006/relationships" xmlns:p="http://schemas.openxmlformats.org/presentationml/2006/main">
+  <p:tag name="TIMING" val="|25.1|7.4"/>
+</p:tagLst>
+</file>
+
+<file path=ppt/tags/tag6.xml><?xml version="1.0" encoding="utf-8"?>
+<p:tagLst xmlns:a="http://schemas.openxmlformats.org/drawingml/2006/main" xmlns:r="http://schemas.openxmlformats.org/officeDocument/2006/relationships" xmlns:p="http://schemas.openxmlformats.org/presentationml/2006/main">
   <p:tag name="TIMING" val="|7.7|11.6|15.1"/>
 </p:tagLst>
 </file>
 
-<file path=ppt/tags/tag4.xml><?xml version="1.0" encoding="utf-8"?>
+<file path=ppt/tags/tag7.xml><?xml version="1.0" encoding="utf-8"?>
+<p:tagLst xmlns:a="http://schemas.openxmlformats.org/drawingml/2006/main" xmlns:r="http://schemas.openxmlformats.org/officeDocument/2006/relationships" xmlns:p="http://schemas.openxmlformats.org/presentationml/2006/main">
+  <p:tag name="TIMING" val="|7.7|11.6|15.1"/>
+</p:tagLst>
+</file>
+
+<file path=ppt/tags/tag8.xml><?xml version="1.0" encoding="utf-8"?>
+<p:tagLst xmlns:a="http://schemas.openxmlformats.org/drawingml/2006/main" xmlns:r="http://schemas.openxmlformats.org/officeDocument/2006/relationships" xmlns:p="http://schemas.openxmlformats.org/presentationml/2006/main">
+  <p:tag name="TIMING" val="|22.3|69|7.4|12.8"/>
+</p:tagLst>
+</file>
+
+<file path=ppt/tags/tag9.xml><?xml version="1.0" encoding="utf-8"?>
 <p:tagLst xmlns:a="http://schemas.openxmlformats.org/drawingml/2006/main" xmlns:r="http://schemas.openxmlformats.org/officeDocument/2006/relationships" xmlns:p="http://schemas.openxmlformats.org/presentationml/2006/main">
   <p:tag name="TIMING" val="|22.3|69|7.4|12.8"/>
 </p:tagLst>
@@ -12636,63 +14158,20 @@
     </a:spDef>
     <a:lnDef>
       <a:spPr bwMode="auto">
-        <a:xfrm>
-          <a:off x="0" y="0"/>
-          <a:ext cx="1" cy="1"/>
-        </a:xfrm>
-        <a:custGeom>
-          <a:avLst/>
-          <a:gdLst/>
-          <a:ahLst/>
-          <a:cxnLst/>
-          <a:rect l="0" t="0" r="0" b="0"/>
-          <a:pathLst/>
-        </a:custGeom>
         <a:noFill/>
-        <a:ln w="31750" cap="flat" cmpd="sng" algn="ctr">
+        <a:ln w="44450" cap="flat" cmpd="sng" algn="ctr">
           <a:solidFill>
             <a:schemeClr val="tx1"/>
           </a:solidFill>
-          <a:prstDash val="solid"/>
+          <a:prstDash val="sysDash"/>
           <a:round/>
           <a:headEnd type="none" w="med" len="med"/>
-          <a:tailEnd type="stealth" w="lg" len="lg"/>
+          <a:tailEnd type="arrow"/>
         </a:ln>
         <a:effectLst/>
       </a:spPr>
-      <a:bodyPr vert="horz" wrap="square" lIns="91440" tIns="45720" rIns="91440" bIns="45720" numCol="1" anchor="t" anchorCtr="0" compatLnSpc="1">
-        <a:prstTxWarp prst="textNoShape">
-          <a:avLst/>
-        </a:prstTxWarp>
-      </a:bodyPr>
-      <a:lstStyle>
-        <a:defPPr marL="0" marR="0" indent="0" algn="l" defTabSz="914400" rtl="0" eaLnBrk="1" fontAlgn="base" latinLnBrk="0" hangingPunct="1">
-          <a:lnSpc>
-            <a:spcPct val="100000"/>
-          </a:lnSpc>
-          <a:spcBef>
-            <a:spcPct val="0"/>
-          </a:spcBef>
-          <a:spcAft>
-            <a:spcPct val="0"/>
-          </a:spcAft>
-          <a:buClrTx/>
-          <a:buSzTx/>
-          <a:buFontTx/>
-          <a:buNone/>
-          <a:tabLst/>
-          <a:defRPr kumimoji="0" lang="en-US" sz="4000" b="0" i="0" u="none" strike="noStrike" cap="none" normalizeH="0" baseline="0" smtClean="0">
-            <a:ln>
-              <a:noFill/>
-            </a:ln>
-            <a:solidFill>
-              <a:schemeClr val="tx1"/>
-            </a:solidFill>
-            <a:effectLst/>
-            <a:latin typeface="Arial" pitchFamily="34" charset="0"/>
-          </a:defRPr>
-        </a:defPPr>
-      </a:lstStyle>
+      <a:bodyPr/>
+      <a:lstStyle/>
     </a:lnDef>
     <a:txDef>
       <a:spPr>

--- a/spring13/slides13/law-of-large-numbers.pptx
+++ b/spring13/slides13/law-of-large-numbers.pptx
@@ -6,37 +6,38 @@
     <p:sldMasterId id="2147483687" r:id="rId2"/>
   </p:sldMasterIdLst>
   <p:notesMasterIdLst>
-    <p:notesMasterId r:id="rId23"/>
+    <p:notesMasterId r:id="rId24"/>
   </p:notesMasterIdLst>
   <p:handoutMasterIdLst>
-    <p:handoutMasterId r:id="rId24"/>
+    <p:handoutMasterId r:id="rId25"/>
   </p:handoutMasterIdLst>
   <p:sldIdLst>
     <p:sldId id="816" r:id="rId3"/>
     <p:sldId id="849" r:id="rId4"/>
-    <p:sldId id="820" r:id="rId5"/>
-    <p:sldId id="826" r:id="rId6"/>
-    <p:sldId id="850" r:id="rId7"/>
-    <p:sldId id="844" r:id="rId8"/>
-    <p:sldId id="856" r:id="rId9"/>
-    <p:sldId id="857" r:id="rId10"/>
-    <p:sldId id="821" r:id="rId11"/>
-    <p:sldId id="859" r:id="rId12"/>
-    <p:sldId id="860" r:id="rId13"/>
-    <p:sldId id="861" r:id="rId14"/>
-    <p:sldId id="858" r:id="rId15"/>
-    <p:sldId id="808" r:id="rId16"/>
-    <p:sldId id="862" r:id="rId17"/>
-    <p:sldId id="823" r:id="rId18"/>
-    <p:sldId id="848" r:id="rId19"/>
-    <p:sldId id="817" r:id="rId20"/>
-    <p:sldId id="863" r:id="rId21"/>
-    <p:sldId id="822" r:id="rId22"/>
+    <p:sldId id="864" r:id="rId5"/>
+    <p:sldId id="820" r:id="rId6"/>
+    <p:sldId id="826" r:id="rId7"/>
+    <p:sldId id="850" r:id="rId8"/>
+    <p:sldId id="844" r:id="rId9"/>
+    <p:sldId id="856" r:id="rId10"/>
+    <p:sldId id="857" r:id="rId11"/>
+    <p:sldId id="821" r:id="rId12"/>
+    <p:sldId id="859" r:id="rId13"/>
+    <p:sldId id="860" r:id="rId14"/>
+    <p:sldId id="861" r:id="rId15"/>
+    <p:sldId id="858" r:id="rId16"/>
+    <p:sldId id="808" r:id="rId17"/>
+    <p:sldId id="862" r:id="rId18"/>
+    <p:sldId id="823" r:id="rId19"/>
+    <p:sldId id="848" r:id="rId20"/>
+    <p:sldId id="817" r:id="rId21"/>
+    <p:sldId id="863" r:id="rId22"/>
+    <p:sldId id="822" r:id="rId23"/>
   </p:sldIdLst>
   <p:sldSz cx="9144000" cy="6858000" type="screen4x3"/>
   <p:notesSz cx="9601200" cy="7315200"/>
   <p:custDataLst>
-    <p:tags r:id="rId26"/>
+    <p:tags r:id="rId27"/>
   </p:custDataLst>
   <p:defaultTextStyle>
     <a:defPPr>
@@ -1033,7 +1034,7 @@
             <a:fld id="{460183DB-8D3D-4827-BF4C-7BD92E76D20E}" type="slidenum">
               <a:rPr lang="en-US"/>
               <a:pPr/>
-              <a:t>13</a:t>
+              <a:t>14</a:t>
             </a:fld>
             <a:endParaRPr lang="en-US"/>
           </a:p>
@@ -1121,7 +1122,7 @@
             <a:fld id="{2C93A176-BC2D-412F-9AD9-2A6459465F7C}" type="slidenum">
               <a:rPr lang="en-US"/>
               <a:pPr/>
-              <a:t>14</a:t>
+              <a:t>15</a:t>
             </a:fld>
             <a:endParaRPr lang="en-US"/>
           </a:p>
@@ -1209,7 +1210,7 @@
             <a:fld id="{2C93A176-BC2D-412F-9AD9-2A6459465F7C}" type="slidenum">
               <a:rPr lang="en-US"/>
               <a:pPr/>
-              <a:t>15</a:t>
+              <a:t>16</a:t>
             </a:fld>
             <a:endParaRPr lang="en-US"/>
           </a:p>
@@ -1297,7 +1298,7 @@
             <a:fld id="{2C93A176-BC2D-412F-9AD9-2A6459465F7C}" type="slidenum">
               <a:rPr lang="en-US"/>
               <a:pPr/>
-              <a:t>16</a:t>
+              <a:t>17</a:t>
             </a:fld>
             <a:endParaRPr lang="en-US"/>
           </a:p>
@@ -1419,7 +1420,7 @@
               <a:pPr>
                 <a:defRPr/>
               </a:pPr>
-              <a:t>17</a:t>
+              <a:t>18</a:t>
             </a:fld>
             <a:endParaRPr lang="en-US"/>
           </a:p>
@@ -1475,7 +1476,7 @@
             <a:fld id="{CE4F1C5E-EC10-4AA2-BE05-3FAD1A6DEC47}" type="slidenum">
               <a:rPr lang="en-US"/>
               <a:pPr/>
-              <a:t>18</a:t>
+              <a:t>19</a:t>
             </a:fld>
             <a:endParaRPr lang="en-US"/>
           </a:p>
@@ -1563,7 +1564,7 @@
             <a:fld id="{CE4F1C5E-EC10-4AA2-BE05-3FAD1A6DEC47}" type="slidenum">
               <a:rPr lang="en-US"/>
               <a:pPr/>
-              <a:t>19</a:t>
+              <a:t>20</a:t>
             </a:fld>
             <a:endParaRPr lang="en-US"/>
           </a:p>
@@ -1651,7 +1652,7 @@
             <a:fld id="{CE4F1C5E-EC10-4AA2-BE05-3FAD1A6DEC47}" type="slidenum">
               <a:rPr lang="en-US"/>
               <a:pPr/>
-              <a:t>20</a:t>
+              <a:t>21</a:t>
             </a:fld>
             <a:endParaRPr lang="en-US"/>
           </a:p>
@@ -1743,7 +1744,7 @@
                 </a:solidFill>
               </a:rPr>
               <a:pPr/>
-              <a:t>3</a:t>
+              <a:t>4</a:t>
             </a:fld>
             <a:endParaRPr lang="en-US">
               <a:solidFill>
@@ -1826,7 +1827,7 @@
                 </a:solidFill>
               </a:rPr>
               <a:pPr algn="r" defTabSz="966775"/>
-              <a:t>3</a:t>
+              <a:t>4</a:t>
             </a:fld>
             <a:endParaRPr lang="en-US" sz="1300" dirty="0">
               <a:solidFill>
@@ -1881,7 +1882,7 @@
             <a:fld id="{139C15ED-39E3-4B6A-96B1-35B58B1DA404}" type="slidenum">
               <a:rPr lang="en-US"/>
               <a:pPr/>
-              <a:t>4</a:t>
+              <a:t>5</a:t>
             </a:fld>
             <a:endParaRPr lang="en-US"/>
           </a:p>
@@ -1969,7 +1970,7 @@
             <a:fld id="{139C15ED-39E3-4B6A-96B1-35B58B1DA404}" type="slidenum">
               <a:rPr lang="en-US"/>
               <a:pPr/>
-              <a:t>5</a:t>
+              <a:t>6</a:t>
             </a:fld>
             <a:endParaRPr lang="en-US"/>
           </a:p>
@@ -2057,7 +2058,7 @@
             <a:fld id="{139C15ED-39E3-4B6A-96B1-35B58B1DA404}" type="slidenum">
               <a:rPr lang="en-US"/>
               <a:pPr/>
-              <a:t>6</a:t>
+              <a:t>7</a:t>
             </a:fld>
             <a:endParaRPr lang="en-US"/>
           </a:p>
@@ -2149,7 +2150,7 @@
                 </a:solidFill>
               </a:rPr>
               <a:pPr/>
-              <a:t>9</a:t>
+              <a:t>10</a:t>
             </a:fld>
             <a:endParaRPr lang="en-US">
               <a:solidFill>
@@ -2241,7 +2242,7 @@
             <a:fld id="{460183DB-8D3D-4827-BF4C-7BD92E76D20E}" type="slidenum">
               <a:rPr lang="en-US"/>
               <a:pPr/>
-              <a:t>10</a:t>
+              <a:t>11</a:t>
             </a:fld>
             <a:endParaRPr lang="en-US"/>
           </a:p>
@@ -2329,7 +2330,7 @@
             <a:fld id="{460183DB-8D3D-4827-BF4C-7BD92E76D20E}" type="slidenum">
               <a:rPr lang="en-US"/>
               <a:pPr/>
-              <a:t>11</a:t>
+              <a:t>12</a:t>
             </a:fld>
             <a:endParaRPr lang="en-US"/>
           </a:p>
@@ -2417,7 +2418,7 @@
             <a:fld id="{460183DB-8D3D-4827-BF4C-7BD92E76D20E}" type="slidenum">
               <a:rPr lang="en-US"/>
               <a:pPr/>
-              <a:t>12</a:t>
+              <a:t>13</a:t>
             </a:fld>
             <a:endParaRPr lang="en-US"/>
           </a:p>
@@ -4895,6 +4896,284 @@
 </file>
 
 <file path=ppt/slides/slide10.xml><?xml version="1.0" encoding="utf-8"?>
+<p:sld xmlns:a="http://schemas.openxmlformats.org/drawingml/2006/main" xmlns:r="http://schemas.openxmlformats.org/officeDocument/2006/relationships" xmlns:p="http://schemas.openxmlformats.org/presentationml/2006/main">
+  <p:cSld>
+    <p:spTree>
+      <p:nvGrpSpPr>
+        <p:cNvPr id="1" name=""/>
+        <p:cNvGrpSpPr/>
+        <p:nvPr/>
+      </p:nvGrpSpPr>
+      <p:grpSpPr>
+        <a:xfrm>
+          <a:off x="0" y="0"/>
+          <a:ext cx="0" cy="0"/>
+          <a:chOff x="0" y="0"/>
+          <a:chExt cx="0" cy="0"/>
+        </a:xfrm>
+      </p:grpSpPr>
+      <p:sp>
+        <p:nvSpPr>
+          <p:cNvPr id="24580" name="Text Box 3"/>
+          <p:cNvSpPr txBox="1">
+            <a:spLocks noChangeArrowheads="1"/>
+          </p:cNvSpPr>
+          <p:nvPr/>
+        </p:nvSpPr>
+        <p:spPr bwMode="auto">
+          <a:xfrm>
+            <a:off x="1660525" y="3038475"/>
+            <a:ext cx="184150" cy="519113"/>
+          </a:xfrm>
+          <a:prstGeom prst="rect">
+            <a:avLst/>
+          </a:prstGeom>
+          <a:noFill/>
+          <a:ln w="9525">
+            <a:noFill/>
+            <a:miter lim="800000"/>
+            <a:headEnd/>
+            <a:tailEnd/>
+          </a:ln>
+        </p:spPr>
+        <p:txBody>
+          <a:bodyPr wrap="none">
+            <a:spAutoFit/>
+          </a:bodyPr>
+          <a:lstStyle/>
+          <a:p>
+            <a:endParaRPr lang="en-US" sz="2800" i="1">
+              <a:solidFill>
+                <a:srgbClr val="000000"/>
+              </a:solidFill>
+              <a:latin typeface="Times New Roman" pitchFamily="18" charset="0"/>
+            </a:endParaRPr>
+          </a:p>
+        </p:txBody>
+      </p:sp>
+      <p:sp>
+        <p:nvSpPr>
+          <p:cNvPr id="24581" name="Text Box 4"/>
+          <p:cNvSpPr txBox="1">
+            <a:spLocks noChangeArrowheads="1"/>
+          </p:cNvSpPr>
+          <p:nvPr/>
+        </p:nvSpPr>
+        <p:spPr bwMode="auto">
+          <a:xfrm>
+            <a:off x="312420" y="1203960"/>
+            <a:ext cx="8526780" cy="4524315"/>
+          </a:xfrm>
+          <a:prstGeom prst="rect">
+            <a:avLst/>
+          </a:prstGeom>
+          <a:noFill/>
+          <a:ln w="9525">
+            <a:noFill/>
+            <a:miter lim="800000"/>
+            <a:headEnd/>
+            <a:tailEnd/>
+          </a:ln>
+        </p:spPr>
+        <p:txBody>
+          <a:bodyPr wrap="square">
+            <a:spAutoFit/>
+          </a:bodyPr>
+          <a:lstStyle/>
+          <a:p>
+            <a:r>
+              <a:rPr lang="en-US" sz="3600" dirty="0">
+                <a:solidFill>
+                  <a:srgbClr val="000000"/>
+                </a:solidFill>
+                <a:latin typeface="Times New Roman" pitchFamily="18" charset="0"/>
+              </a:rPr>
+              <a:t>It certainly remains to be inquired whether after the number of observations has been increased, </a:t>
+            </a:r>
+            <a:r>
+              <a:rPr lang="en-US" sz="3600" dirty="0">
+                <a:solidFill>
+                  <a:srgbClr val="0000FF"/>
+                </a:solidFill>
+                <a:latin typeface="Times New Roman" pitchFamily="18" charset="0"/>
+              </a:rPr>
+              <a:t>the probability…of obtaining the true ratio…finally exceeds any given degree of certainty</a:t>
+            </a:r>
+            <a:r>
+              <a:rPr lang="en-US" sz="3600" dirty="0">
+                <a:solidFill>
+                  <a:srgbClr val="000000"/>
+                </a:solidFill>
+                <a:latin typeface="Times New Roman" pitchFamily="18" charset="0"/>
+              </a:rPr>
+              <a:t>; </a:t>
+            </a:r>
+            <a:r>
+              <a:rPr lang="en-US" sz="3600" dirty="0">
+                <a:solidFill>
+                  <a:srgbClr val="007600"/>
+                </a:solidFill>
+                <a:latin typeface="Times New Roman" pitchFamily="18" charset="0"/>
+              </a:rPr>
+              <a:t>or</a:t>
+            </a:r>
+            <a:r>
+              <a:rPr lang="en-US" sz="3600" dirty="0">
+                <a:solidFill>
+                  <a:srgbClr val="000000"/>
+                </a:solidFill>
+                <a:latin typeface="Times New Roman" pitchFamily="18" charset="0"/>
+              </a:rPr>
+              <a:t> whether the problem has, so to speak, its own </a:t>
+            </a:r>
+            <a:r>
+              <a:rPr lang="en-US" sz="3600" dirty="0" smtClean="0">
+                <a:solidFill>
+                  <a:srgbClr val="000000"/>
+                </a:solidFill>
+                <a:latin typeface="Times New Roman" pitchFamily="18" charset="0"/>
+              </a:rPr>
+              <a:t>asymptote </a:t>
+            </a:r>
+            <a:r>
+              <a:rPr lang="en-US" sz="3600" dirty="0" smtClean="0">
+                <a:solidFill>
+                  <a:srgbClr val="000000"/>
+                </a:solidFill>
+                <a:latin typeface="Euclid Symbol" charset="2"/>
+                <a:cs typeface="Euclid Symbol" charset="2"/>
+                <a:sym typeface="Euclid Symbol" pitchFamily="18" charset="2"/>
+              </a:rPr>
+              <a:t>−</a:t>
+            </a:r>
+            <a:r>
+              <a:rPr lang="en-US" sz="3600" dirty="0" smtClean="0">
+                <a:solidFill>
+                  <a:srgbClr val="000000"/>
+                </a:solidFill>
+                <a:latin typeface="Times New Roman" pitchFamily="18" charset="0"/>
+              </a:rPr>
+              <a:t>that </a:t>
+            </a:r>
+            <a:r>
+              <a:rPr lang="en-US" sz="3600" dirty="0">
+                <a:solidFill>
+                  <a:srgbClr val="000000"/>
+                </a:solidFill>
+                <a:latin typeface="Times New Roman" pitchFamily="18" charset="0"/>
+              </a:rPr>
+              <a:t>is, whether </a:t>
+            </a:r>
+            <a:r>
+              <a:rPr lang="en-US" sz="3600" dirty="0">
+                <a:solidFill>
+                  <a:srgbClr val="0000FF"/>
+                </a:solidFill>
+                <a:latin typeface="Times New Roman" pitchFamily="18" charset="0"/>
+              </a:rPr>
+              <a:t>some degree of certainty is given which one can never exceed.</a:t>
+            </a:r>
+          </a:p>
+        </p:txBody>
+      </p:sp>
+      <p:sp>
+        <p:nvSpPr>
+          <p:cNvPr id="6" name="Rectangle 2"/>
+          <p:cNvSpPr>
+            <a:spLocks noChangeArrowheads="1"/>
+          </p:cNvSpPr>
+          <p:nvPr/>
+        </p:nvSpPr>
+        <p:spPr bwMode="auto">
+          <a:xfrm>
+            <a:off x="1173480" y="289560"/>
+            <a:ext cx="7086600" cy="899160"/>
+          </a:xfrm>
+          <a:prstGeom prst="rect">
+            <a:avLst/>
+          </a:prstGeom>
+          <a:noFill/>
+          <a:ln w="9525">
+            <a:noFill/>
+            <a:miter lim="800000"/>
+            <a:headEnd/>
+            <a:tailEnd/>
+          </a:ln>
+        </p:spPr>
+        <p:txBody>
+          <a:bodyPr anchor="ctr"/>
+          <a:lstStyle/>
+          <a:p>
+            <a:pPr algn="ctr"/>
+            <a:r>
+              <a:rPr lang="en-US" sz="3200" b="1" dirty="0">
+                <a:solidFill>
+                  <a:srgbClr val="000000"/>
+                </a:solidFill>
+                <a:latin typeface="Comic Sans MS" pitchFamily="66" charset="0"/>
+              </a:rPr>
+              <a:t>Jacob D. Bernoulli (</a:t>
+            </a:r>
+            <a:r>
+              <a:rPr lang="en-US" sz="3200" b="1" dirty="0" smtClean="0">
+                <a:solidFill>
+                  <a:srgbClr val="000000"/>
+                </a:solidFill>
+                <a:latin typeface="Comic Sans MS" pitchFamily="66" charset="0"/>
+              </a:rPr>
+              <a:t>1659</a:t>
+            </a:r>
+            <a:r>
+              <a:rPr lang="en-US" sz="3200" b="1" dirty="0" smtClean="0">
+                <a:solidFill>
+                  <a:srgbClr val="000000"/>
+                </a:solidFill>
+                <a:latin typeface="Euclid Symbol" charset="2"/>
+                <a:cs typeface="Euclid Symbol" charset="2"/>
+                <a:sym typeface="Euclid Symbol"/>
+              </a:rPr>
+              <a:t>−</a:t>
+            </a:r>
+            <a:r>
+              <a:rPr lang="en-US" sz="3200" b="1" dirty="0" smtClean="0">
+                <a:solidFill>
+                  <a:srgbClr val="000000"/>
+                </a:solidFill>
+                <a:latin typeface="Comic Sans MS" pitchFamily="66" charset="0"/>
+              </a:rPr>
+              <a:t>1705</a:t>
+            </a:r>
+            <a:r>
+              <a:rPr lang="en-US" sz="3200" b="1" dirty="0">
+                <a:solidFill>
+                  <a:srgbClr val="000000"/>
+                </a:solidFill>
+                <a:latin typeface="Comic Sans MS" pitchFamily="66" charset="0"/>
+              </a:rPr>
+              <a:t>)</a:t>
+            </a:r>
+          </a:p>
+        </p:txBody>
+      </p:sp>
+    </p:spTree>
+  </p:cSld>
+  <p:clrMapOvr>
+    <a:masterClrMapping/>
+  </p:clrMapOvr>
+  <p:transition xmlns:p14="http://schemas.microsoft.com/office/powerpoint/2010/main" spd="slow" advClick="0">
+    <p:fade thruBlk="1"/>
+  </p:transition>
+  <p:timing>
+    <p:tnLst>
+      <p:par>
+        <p:cTn xmlns:p14="http://schemas.microsoft.com/office/powerpoint/2010/main" id="1" dur="indefinite" restart="never" nodeType="tmRoot"/>
+      </p:par>
+    </p:tnLst>
+  </p:timing>
+</p:sld>
+</file>
+
+<file path=ppt/slides/slide11.xml><?xml version="1.0" encoding="utf-8"?>
 <p:sld xmlns:a="http://schemas.openxmlformats.org/drawingml/2006/main" xmlns:r="http://schemas.openxmlformats.org/officeDocument/2006/relationships" xmlns:p="http://schemas.openxmlformats.org/presentationml/2006/main" showMasterPhAnim="0" show="0">
   <p:cSld>
     <p:spTree>
@@ -5104,207 +5383,6 @@
     <p:extLst>
       <p:ext uri="{BB962C8B-B14F-4D97-AF65-F5344CB8AC3E}">
         <p14:creationId xmlns:p14="http://schemas.microsoft.com/office/powerpoint/2010/main" val="1477894758"/>
-      </p:ext>
-    </p:extLst>
-  </p:cSld>
-  <p:clrMapOvr>
-    <a:masterClrMapping/>
-  </p:clrMapOvr>
-  <mc:AlternateContent xmlns:mc="http://schemas.openxmlformats.org/markup-compatibility/2006">
-    <mc:Choice xmlns:p14="http://schemas.microsoft.com/office/powerpoint/2010/main" Requires="p14">
-      <p:transition spd="med" p14:dur="600" advClick="0">
-        <p:fade/>
-      </p:transition>
-    </mc:Choice>
-    <mc:Fallback>
-      <p:transition xmlns:p14="http://schemas.microsoft.com/office/powerpoint/2010/main" spd="med" advClick="0">
-        <p:fade/>
-      </p:transition>
-    </mc:Fallback>
-  </mc:AlternateContent>
-  <p:timing>
-    <p:tnLst>
-      <p:par>
-        <p:cTn xmlns:p14="http://schemas.microsoft.com/office/powerpoint/2010/main" id="1" dur="indefinite" restart="never" nodeType="tmRoot"/>
-      </p:par>
-    </p:tnLst>
-  </p:timing>
-</p:sld>
-</file>
-
-<file path=ppt/slides/slide11.xml><?xml version="1.0" encoding="utf-8"?>
-<p:sld xmlns:a="http://schemas.openxmlformats.org/drawingml/2006/main" xmlns:r="http://schemas.openxmlformats.org/officeDocument/2006/relationships" xmlns:p="http://schemas.openxmlformats.org/presentationml/2006/main" showMasterPhAnim="0">
-  <p:cSld>
-    <p:spTree>
-      <p:nvGrpSpPr>
-        <p:cNvPr id="1" name=""/>
-        <p:cNvGrpSpPr/>
-        <p:nvPr/>
-      </p:nvGrpSpPr>
-      <p:grpSpPr>
-        <a:xfrm>
-          <a:off x="0" y="0"/>
-          <a:ext cx="0" cy="0"/>
-          <a:chOff x="0" y="0"/>
-          <a:chExt cx="0" cy="0"/>
-        </a:xfrm>
-      </p:grpSpPr>
-      <p:sp>
-        <p:nvSpPr>
-          <p:cNvPr id="30723" name="Rectangle 2"/>
-          <p:cNvSpPr>
-            <a:spLocks noGrp="1" noChangeArrowheads="1"/>
-          </p:cNvSpPr>
-          <p:nvPr>
-            <p:ph type="body" sz="half" idx="4294967295"/>
-          </p:nvPr>
-        </p:nvSpPr>
-        <p:spPr bwMode="auto">
-          <a:xfrm>
-            <a:off x="379412" y="1422400"/>
-            <a:ext cx="8370888" cy="3987800"/>
-          </a:xfrm>
-          <a:prstGeom prst="rect">
-            <a:avLst/>
-          </a:prstGeom>
-          <a:solidFill>
-            <a:srgbClr val="FFFFFF">
-              <a:alpha val="0"/>
-            </a:srgbClr>
-          </a:solidFill>
-          <a:ln cap="flat">
-            <a:miter lim="800000"/>
-            <a:headEnd/>
-            <a:tailEnd/>
-          </a:ln>
-        </p:spPr>
-        <p:txBody>
-          <a:bodyPr/>
-          <a:lstStyle/>
-          <a:p>
-            <a:pPr marL="0" indent="0">
-              <a:spcBef>
-                <a:spcPts val="0"/>
-              </a:spcBef>
-              <a:spcAft>
-                <a:spcPts val="0"/>
-              </a:spcAft>
-              <a:buNone/>
-            </a:pPr>
-            <a:r>
-              <a:rPr lang="en-US" sz="6000" dirty="0" smtClean="0">
-                <a:latin typeface="Comic Sans MS" pitchFamily="66" charset="0"/>
-              </a:rPr>
-              <a:t>Random </a:t>
-            </a:r>
-            <a:r>
-              <a:rPr lang="en-US" sz="6000" dirty="0" err="1" smtClean="0">
-                <a:latin typeface="Comic Sans MS" pitchFamily="66" charset="0"/>
-              </a:rPr>
-              <a:t>var</a:t>
-            </a:r>
-            <a:r>
-              <a:rPr lang="en-US" sz="6000" dirty="0" smtClean="0">
-                <a:latin typeface="Comic Sans MS" pitchFamily="66" charset="0"/>
-              </a:rPr>
-              <a:t> </a:t>
-            </a:r>
-            <a:r>
-              <a:rPr lang="en-US" sz="6000" dirty="0">
-                <a:solidFill>
-                  <a:srgbClr val="0000FF"/>
-                </a:solidFill>
-                <a:latin typeface="Comic Sans MS" pitchFamily="66" charset="0"/>
-              </a:rPr>
-              <a:t>R</a:t>
-            </a:r>
-            <a:r>
-              <a:rPr lang="en-US" sz="6000" dirty="0">
-                <a:latin typeface="Comic Sans MS" pitchFamily="66" charset="0"/>
-              </a:rPr>
-              <a:t> </a:t>
-            </a:r>
-            <a:r>
-              <a:rPr lang="en-US" sz="6000" dirty="0" smtClean="0">
-                <a:latin typeface="Comic Sans MS" pitchFamily="66" charset="0"/>
-              </a:rPr>
-              <a:t>with</a:t>
-            </a:r>
-          </a:p>
-          <a:p>
-            <a:pPr marL="0" indent="0">
-              <a:spcBef>
-                <a:spcPts val="0"/>
-              </a:spcBef>
-              <a:spcAft>
-                <a:spcPts val="0"/>
-              </a:spcAft>
-              <a:buNone/>
-            </a:pPr>
-            <a:r>
-              <a:rPr lang="en-US" sz="6000" dirty="0" smtClean="0">
-                <a:latin typeface="Comic Sans MS" pitchFamily="66" charset="0"/>
-              </a:rPr>
-              <a:t>mean </a:t>
-            </a:r>
-            <a:r>
-              <a:rPr lang="en-US" sz="6000" dirty="0" smtClean="0">
-                <a:solidFill>
-                  <a:srgbClr val="0000FF"/>
-                </a:solidFill>
-                <a:latin typeface="Symbol" pitchFamily="18" charset="2"/>
-                <a:sym typeface="Symbol" pitchFamily="18" charset="2"/>
-              </a:rPr>
-              <a:t>μ.</a:t>
-            </a:r>
-            <a:endParaRPr lang="en-US" sz="7200" baseline="15000" dirty="0">
-              <a:solidFill>
-                <a:srgbClr val="000000"/>
-              </a:solidFill>
-              <a:latin typeface="Comic Sans MS" pitchFamily="66" charset="0"/>
-            </a:endParaRPr>
-          </a:p>
-        </p:txBody>
-      </p:sp>
-      <p:sp>
-        <p:nvSpPr>
-          <p:cNvPr id="30724" name="Rectangle 3"/>
-          <p:cNvSpPr>
-            <a:spLocks noGrp="1" noChangeArrowheads="1"/>
-          </p:cNvSpPr>
-          <p:nvPr>
-            <p:ph type="title" idx="4294967295"/>
-          </p:nvPr>
-        </p:nvSpPr>
-        <p:spPr>
-          <a:xfrm>
-            <a:off x="1569720" y="86360"/>
-            <a:ext cx="6075680" cy="967740"/>
-          </a:xfrm>
-        </p:spPr>
-        <p:txBody>
-          <a:bodyPr/>
-          <a:lstStyle/>
-          <a:p>
-            <a:r>
-              <a:rPr lang="en-US" sz="4400" dirty="0" smtClean="0"/>
-              <a:t>What Bernoulli means</a:t>
-            </a:r>
-            <a:endParaRPr lang="en-US" sz="4400" dirty="0">
-              <a:solidFill>
-                <a:srgbClr val="0000CC"/>
-              </a:solidFill>
-            </a:endParaRPr>
-          </a:p>
-        </p:txBody>
-      </p:sp>
-    </p:spTree>
-    <p:custDataLst>
-      <p:tags r:id="rId1"/>
-    </p:custDataLst>
-    <p:extLst>
-      <p:ext uri="{BB962C8B-B14F-4D97-AF65-F5344CB8AC3E}">
-        <p14:creationId xmlns:p14="http://schemas.microsoft.com/office/powerpoint/2010/main" val="2492279399"/>
       </p:ext>
     </p:extLst>
   </p:cSld>
@@ -5456,62 +5534,7 @@
                 <a:latin typeface="Symbol" pitchFamily="18" charset="2"/>
                 <a:sym typeface="Symbol" pitchFamily="18" charset="2"/>
               </a:rPr>
-              <a:t>μ.    </a:t>
-            </a:r>
-            <a:r>
-              <a:rPr lang="en-US" sz="6000" dirty="0" smtClean="0">
-                <a:solidFill>
-                  <a:srgbClr val="000000"/>
-                </a:solidFill>
-                <a:latin typeface="Comic Sans MS"/>
-                <a:cs typeface="Comic Sans MS"/>
-                <a:sym typeface="Symbol" pitchFamily="18" charset="2"/>
-              </a:rPr>
-              <a:t>Make </a:t>
-            </a:r>
-            <a:r>
-              <a:rPr lang="en-US" sz="6000" dirty="0" smtClean="0">
-                <a:solidFill>
-                  <a:srgbClr val="0000CC"/>
-                </a:solidFill>
-                <a:latin typeface="Comic Sans MS" pitchFamily="66" charset="0"/>
-              </a:rPr>
-              <a:t>n</a:t>
-            </a:r>
-            <a:r>
-              <a:rPr lang="en-US" sz="6000" dirty="0" smtClean="0">
-                <a:latin typeface="Comic Sans MS" pitchFamily="66" charset="0"/>
-              </a:rPr>
-              <a:t> “trial observations” of </a:t>
-            </a:r>
-            <a:r>
-              <a:rPr lang="en-US" sz="6000" dirty="0" smtClean="0">
-                <a:solidFill>
-                  <a:srgbClr val="0000FF"/>
-                </a:solidFill>
-                <a:latin typeface="Comic Sans MS" pitchFamily="66" charset="0"/>
-              </a:rPr>
-              <a:t>R</a:t>
-            </a:r>
-          </a:p>
-          <a:p>
-            <a:pPr marL="0" indent="0">
-              <a:spcBef>
-                <a:spcPts val="0"/>
-              </a:spcBef>
-              <a:spcAft>
-                <a:spcPts val="0"/>
-              </a:spcAft>
-              <a:buNone/>
-            </a:pPr>
-            <a:r>
-              <a:rPr lang="en-US" sz="6000" dirty="0" smtClean="0">
-                <a:solidFill>
-                  <a:srgbClr val="000000"/>
-                </a:solidFill>
-                <a:latin typeface="Comic Sans MS" pitchFamily="66" charset="0"/>
-              </a:rPr>
-              <a:t>and take the average</a:t>
+              <a:t>μ.</a:t>
             </a:r>
             <a:endParaRPr lang="en-US" sz="7200" baseline="15000" dirty="0">
               <a:solidFill>
@@ -5560,6 +5583,262 @@
     </p:custDataLst>
     <p:extLst>
       <p:ext uri="{BB962C8B-B14F-4D97-AF65-F5344CB8AC3E}">
+        <p14:creationId xmlns:p14="http://schemas.microsoft.com/office/powerpoint/2010/main" val="2492279399"/>
+      </p:ext>
+    </p:extLst>
+  </p:cSld>
+  <p:clrMapOvr>
+    <a:masterClrMapping/>
+  </p:clrMapOvr>
+  <mc:AlternateContent xmlns:mc="http://schemas.openxmlformats.org/markup-compatibility/2006" xmlns:p14="http://schemas.microsoft.com/office/powerpoint/2010/main">
+    <mc:Choice Requires="p14">
+      <p:transition spd="med" p14:dur="600" advClick="0">
+        <p:fade/>
+      </p:transition>
+    </mc:Choice>
+    <mc:Fallback xmlns="">
+      <p:transition xmlns:p14="http://schemas.microsoft.com/office/powerpoint/2010/main" spd="med" advClick="0">
+        <p:fade/>
+      </p:transition>
+    </mc:Fallback>
+  </mc:AlternateContent>
+  <p:timing>
+    <p:tnLst>
+      <p:par>
+        <p:cTn xmlns:p14="http://schemas.microsoft.com/office/powerpoint/2010/main" id="1" dur="indefinite" restart="never" nodeType="tmRoot"/>
+      </p:par>
+    </p:tnLst>
+  </p:timing>
+</p:sld>
+</file>
+
+<file path=ppt/slides/slide13.xml><?xml version="1.0" encoding="utf-8"?>
+<p:sld xmlns:a="http://schemas.openxmlformats.org/drawingml/2006/main" xmlns:r="http://schemas.openxmlformats.org/officeDocument/2006/relationships" xmlns:p="http://schemas.openxmlformats.org/presentationml/2006/main" showMasterPhAnim="0">
+  <p:cSld>
+    <p:spTree>
+      <p:nvGrpSpPr>
+        <p:cNvPr id="1" name=""/>
+        <p:cNvGrpSpPr/>
+        <p:nvPr/>
+      </p:nvGrpSpPr>
+      <p:grpSpPr>
+        <a:xfrm>
+          <a:off x="0" y="0"/>
+          <a:ext cx="0" cy="0"/>
+          <a:chOff x="0" y="0"/>
+          <a:chExt cx="0" cy="0"/>
+        </a:xfrm>
+      </p:grpSpPr>
+      <p:sp>
+        <p:nvSpPr>
+          <p:cNvPr id="30723" name="Rectangle 2"/>
+          <p:cNvSpPr>
+            <a:spLocks noGrp="1" noChangeArrowheads="1"/>
+          </p:cNvSpPr>
+          <p:nvPr>
+            <p:ph type="body" sz="half" idx="4294967295"/>
+          </p:nvPr>
+        </p:nvSpPr>
+        <p:spPr bwMode="auto">
+          <a:xfrm>
+            <a:off x="379412" y="1422400"/>
+            <a:ext cx="8370888" cy="3987800"/>
+          </a:xfrm>
+          <a:prstGeom prst="rect">
+            <a:avLst/>
+          </a:prstGeom>
+          <a:solidFill>
+            <a:srgbClr val="FFFFFF">
+              <a:alpha val="0"/>
+            </a:srgbClr>
+          </a:solidFill>
+          <a:ln cap="flat">
+            <a:miter lim="800000"/>
+            <a:headEnd/>
+            <a:tailEnd/>
+          </a:ln>
+        </p:spPr>
+        <p:txBody>
+          <a:bodyPr/>
+          <a:lstStyle/>
+          <a:p>
+            <a:pPr marL="0" indent="0">
+              <a:spcBef>
+                <a:spcPts val="0"/>
+              </a:spcBef>
+              <a:spcAft>
+                <a:spcPts val="0"/>
+              </a:spcAft>
+              <a:buNone/>
+            </a:pPr>
+            <a:r>
+              <a:rPr lang="en-US" sz="6000" dirty="0" smtClean="0">
+                <a:latin typeface="Comic Sans MS" pitchFamily="66" charset="0"/>
+              </a:rPr>
+              <a:t>Random </a:t>
+            </a:r>
+            <a:r>
+              <a:rPr lang="en-US" sz="6000" dirty="0" err="1" smtClean="0">
+                <a:latin typeface="Comic Sans MS" pitchFamily="66" charset="0"/>
+              </a:rPr>
+              <a:t>var</a:t>
+            </a:r>
+            <a:r>
+              <a:rPr lang="en-US" sz="6000" dirty="0" smtClean="0">
+                <a:latin typeface="Comic Sans MS" pitchFamily="66" charset="0"/>
+              </a:rPr>
+              <a:t> </a:t>
+            </a:r>
+            <a:r>
+              <a:rPr lang="en-US" sz="6000" dirty="0">
+                <a:solidFill>
+                  <a:srgbClr val="0000FF"/>
+                </a:solidFill>
+                <a:latin typeface="Comic Sans MS" pitchFamily="66" charset="0"/>
+              </a:rPr>
+              <a:t>R</a:t>
+            </a:r>
+            <a:r>
+              <a:rPr lang="en-US" sz="6000" dirty="0">
+                <a:latin typeface="Comic Sans MS" pitchFamily="66" charset="0"/>
+              </a:rPr>
+              <a:t> </a:t>
+            </a:r>
+            <a:r>
+              <a:rPr lang="en-US" sz="6000" dirty="0" smtClean="0">
+                <a:latin typeface="Comic Sans MS" pitchFamily="66" charset="0"/>
+              </a:rPr>
+              <a:t>with</a:t>
+            </a:r>
+          </a:p>
+          <a:p>
+            <a:pPr marL="0" indent="0">
+              <a:spcBef>
+                <a:spcPts val="0"/>
+              </a:spcBef>
+              <a:spcAft>
+                <a:spcPts val="0"/>
+              </a:spcAft>
+              <a:buNone/>
+            </a:pPr>
+            <a:r>
+              <a:rPr lang="en-US" sz="6000" dirty="0" smtClean="0">
+                <a:latin typeface="Comic Sans MS" pitchFamily="66" charset="0"/>
+              </a:rPr>
+              <a:t>mean </a:t>
+            </a:r>
+            <a:r>
+              <a:rPr lang="en-US" sz="6000" dirty="0" smtClean="0">
+                <a:solidFill>
+                  <a:srgbClr val="0000FF"/>
+                </a:solidFill>
+                <a:latin typeface="Symbol" pitchFamily="18" charset="2"/>
+                <a:sym typeface="Symbol" pitchFamily="18" charset="2"/>
+              </a:rPr>
+              <a:t>μ.    </a:t>
+            </a:r>
+            <a:r>
+              <a:rPr lang="en-US" sz="6000" dirty="0" smtClean="0">
+                <a:solidFill>
+                  <a:srgbClr val="000000"/>
+                </a:solidFill>
+                <a:latin typeface="Comic Sans MS"/>
+                <a:cs typeface="Comic Sans MS"/>
+                <a:sym typeface="Symbol" pitchFamily="18" charset="2"/>
+              </a:rPr>
+              <a:t>Make </a:t>
+            </a:r>
+            <a:r>
+              <a:rPr lang="en-US" sz="6000" dirty="0" smtClean="0">
+                <a:solidFill>
+                  <a:srgbClr val="0000CC"/>
+                </a:solidFill>
+                <a:latin typeface="Comic Sans MS" pitchFamily="66" charset="0"/>
+              </a:rPr>
+              <a:t>n</a:t>
+            </a:r>
+            <a:r>
+              <a:rPr lang="en-US" sz="6000" dirty="0" smtClean="0">
+                <a:latin typeface="Comic Sans MS" pitchFamily="66" charset="0"/>
+              </a:rPr>
+              <a:t> “trial observations” of </a:t>
+            </a:r>
+            <a:r>
+              <a:rPr lang="en-US" sz="6000" dirty="0" smtClean="0">
+                <a:solidFill>
+                  <a:srgbClr val="0000FF"/>
+                </a:solidFill>
+                <a:latin typeface="Comic Sans MS" pitchFamily="66" charset="0"/>
+              </a:rPr>
+              <a:t>R</a:t>
+            </a:r>
+          </a:p>
+          <a:p>
+            <a:pPr marL="0" indent="0">
+              <a:spcBef>
+                <a:spcPts val="0"/>
+              </a:spcBef>
+              <a:spcAft>
+                <a:spcPts val="0"/>
+              </a:spcAft>
+              <a:buNone/>
+            </a:pPr>
+            <a:r>
+              <a:rPr lang="en-US" sz="6000" dirty="0" smtClean="0">
+                <a:solidFill>
+                  <a:srgbClr val="000000"/>
+                </a:solidFill>
+                <a:latin typeface="Comic Sans MS" pitchFamily="66" charset="0"/>
+              </a:rPr>
+              <a:t>and take the average</a:t>
+            </a:r>
+            <a:endParaRPr lang="en-US" sz="7200" baseline="15000" dirty="0">
+              <a:solidFill>
+                <a:srgbClr val="000000"/>
+              </a:solidFill>
+              <a:latin typeface="Comic Sans MS" pitchFamily="66" charset="0"/>
+            </a:endParaRPr>
+          </a:p>
+        </p:txBody>
+      </p:sp>
+      <p:sp>
+        <p:nvSpPr>
+          <p:cNvPr id="30724" name="Rectangle 3"/>
+          <p:cNvSpPr>
+            <a:spLocks noGrp="1" noChangeArrowheads="1"/>
+          </p:cNvSpPr>
+          <p:nvPr>
+            <p:ph type="title" idx="4294967295"/>
+          </p:nvPr>
+        </p:nvSpPr>
+        <p:spPr>
+          <a:xfrm>
+            <a:off x="1569720" y="86360"/>
+            <a:ext cx="6075680" cy="967740"/>
+          </a:xfrm>
+        </p:spPr>
+        <p:txBody>
+          <a:bodyPr/>
+          <a:lstStyle/>
+          <a:p>
+            <a:r>
+              <a:rPr lang="en-US" sz="4400" dirty="0" smtClean="0"/>
+              <a:t>What Bernoulli means</a:t>
+            </a:r>
+            <a:endParaRPr lang="en-US" sz="4400" dirty="0">
+              <a:solidFill>
+                <a:srgbClr val="0000CC"/>
+              </a:solidFill>
+            </a:endParaRPr>
+          </a:p>
+        </p:txBody>
+      </p:sp>
+    </p:spTree>
+    <p:custDataLst>
+      <p:tags r:id="rId1"/>
+    </p:custDataLst>
+    <p:extLst>
+      <p:ext uri="{BB962C8B-B14F-4D97-AF65-F5344CB8AC3E}">
         <p14:creationId xmlns:p14="http://schemas.microsoft.com/office/powerpoint/2010/main" val="335817426"/>
       </p:ext>
     </p:extLst>
@@ -5567,13 +5846,13 @@
   <p:clrMapOvr>
     <a:masterClrMapping/>
   </p:clrMapOvr>
-  <mc:AlternateContent xmlns:mc="http://schemas.openxmlformats.org/markup-compatibility/2006">
-    <mc:Choice xmlns:p14="http://schemas.microsoft.com/office/powerpoint/2010/main" Requires="p14">
+  <mc:AlternateContent xmlns:mc="http://schemas.openxmlformats.org/markup-compatibility/2006" xmlns:p14="http://schemas.microsoft.com/office/powerpoint/2010/main">
+    <mc:Choice Requires="p14">
       <p:transition spd="med" p14:dur="600" advClick="0">
         <p:fade/>
       </p:transition>
     </mc:Choice>
-    <mc:Fallback>
+    <mc:Fallback xmlns="">
       <p:transition xmlns:p14="http://schemas.microsoft.com/office/powerpoint/2010/main" spd="med" advClick="0">
         <p:fade/>
       </p:transition>
@@ -5673,7 +5952,7 @@
 </p:sld>
 </file>
 
-<file path=ppt/slides/slide13.xml><?xml version="1.0" encoding="utf-8"?>
+<file path=ppt/slides/slide14.xml><?xml version="1.0" encoding="utf-8"?>
 <p:sld xmlns:a="http://schemas.openxmlformats.org/drawingml/2006/main" xmlns:r="http://schemas.openxmlformats.org/officeDocument/2006/relationships" xmlns:p="http://schemas.openxmlformats.org/presentationml/2006/main" showMasterPhAnim="0">
   <p:cSld>
     <p:spTree>
@@ -5742,17 +6021,8 @@
               <a:rPr lang="en-US" sz="5400" dirty="0" smtClean="0">
                 <a:latin typeface="Comic Sans MS" pitchFamily="66" charset="0"/>
               </a:rPr>
-              <a:t>) </a:t>
-            </a:r>
-            <a:r>
-              <a:rPr lang="en-US" sz="5400" dirty="0" smtClean="0">
-                <a:latin typeface="Comic Sans MS" pitchFamily="66" charset="0"/>
-              </a:rPr>
-              <a:t>random variables</a:t>
-            </a:r>
-            <a:endParaRPr lang="en-US" sz="5400" dirty="0" smtClean="0">
-              <a:latin typeface="Comic Sans MS" pitchFamily="66" charset="0"/>
-            </a:endParaRPr>
+              <a:t>) random variables</a:t>
+            </a:r>
           </a:p>
           <a:p>
             <a:pPr marL="0" indent="0" algn="ctr">
@@ -6089,7 +6359,7 @@
 </p:sld>
 </file>
 
-<file path=ppt/slides/slide14.xml><?xml version="1.0" encoding="utf-8"?>
+<file path=ppt/slides/slide15.xml><?xml version="1.0" encoding="utf-8"?>
 <p:sld xmlns:a="http://schemas.openxmlformats.org/drawingml/2006/main" xmlns:r="http://schemas.openxmlformats.org/officeDocument/2006/relationships" xmlns:p="http://schemas.openxmlformats.org/presentationml/2006/main" showMasterPhAnim="0" show="0">
   <p:cSld>
     <p:spTree>
@@ -6128,7 +6398,7 @@
           <a:graphicData uri="http://schemas.openxmlformats.org/presentationml/2006/ole">
             <mc:AlternateContent xmlns:mc="http://schemas.openxmlformats.org/markup-compatibility/2006">
               <mc:Choice xmlns:v="urn:schemas-microsoft-com:vml" Requires="v">
-                <p:oleObj spid="_x0000_s144497" name="Equation" r:id="rId5" imgW="1397000" imgH="292100" progId="Equation.DSMT4">
+                <p:oleObj spid="_x0000_s144502" name="Equation" r:id="rId5" imgW="1397000" imgH="292100" progId="Equation.DSMT4">
                   <p:embed/>
                 </p:oleObj>
               </mc:Choice>
@@ -6424,7 +6694,7 @@
           <a:graphicData uri="http://schemas.openxmlformats.org/presentationml/2006/ole">
             <mc:AlternateContent xmlns:mc="http://schemas.openxmlformats.org/markup-compatibility/2006">
               <mc:Choice xmlns:v="urn:schemas-microsoft-com:vml" Requires="v">
-                <p:oleObj spid="_x0000_s144498" name="Equation" r:id="rId7" imgW="1524000" imgH="495300" progId="Equation.DSMT4">
+                <p:oleObj spid="_x0000_s144503" name="Equation" r:id="rId7" imgW="1524000" imgH="495300" progId="Equation.DSMT4">
                   <p:embed/>
                 </p:oleObj>
               </mc:Choice>
@@ -6815,7 +7085,7 @@
 </p:sld>
 </file>
 
-<file path=ppt/slides/slide15.xml><?xml version="1.0" encoding="utf-8"?>
+<file path=ppt/slides/slide16.xml><?xml version="1.0" encoding="utf-8"?>
 <p:sld xmlns:a="http://schemas.openxmlformats.org/drawingml/2006/main" xmlns:r="http://schemas.openxmlformats.org/officeDocument/2006/relationships" xmlns:p="http://schemas.openxmlformats.org/presentationml/2006/main" showMasterPhAnim="0">
   <p:cSld>
     <p:spTree>
@@ -7005,14 +7275,7 @@
                 <a:latin typeface="Comic Sans MS"/>
                 <a:cs typeface="Comic Sans MS"/>
               </a:rPr>
-              <a:t> is </a:t>
-            </a:r>
-            <a:r>
-              <a:rPr lang="en-US" sz="4800" dirty="0" smtClean="0">
-                <a:latin typeface="Comic Sans MS"/>
-                <a:cs typeface="Comic Sans MS"/>
-              </a:rPr>
-              <a:t>big</a:t>
+              <a:t> is big</a:t>
             </a:r>
             <a:r>
               <a:rPr lang="en-US" sz="4800" dirty="0">
@@ -7024,13 +7287,6 @@
               </a:rPr>
               <a:t>?</a:t>
             </a:r>
-            <a:endParaRPr lang="en-US" sz="4800" dirty="0">
-              <a:solidFill>
-                <a:srgbClr val="CC0000"/>
-              </a:solidFill>
-              <a:latin typeface="Comic Sans MS"/>
-              <a:cs typeface="Comic Sans MS"/>
-            </a:endParaRPr>
           </a:p>
         </p:txBody>
       </p:sp>
@@ -7056,7 +7312,7 @@
           <a:graphicData uri="http://schemas.openxmlformats.org/presentationml/2006/ole">
             <mc:AlternateContent xmlns:mc="http://schemas.openxmlformats.org/markup-compatibility/2006">
               <mc:Choice xmlns:v="urn:schemas-microsoft-com:vml" Requires="v">
-                <p:oleObj spid="_x0000_s332802" name="Equation" r:id="rId5" imgW="1524000" imgH="495300" progId="Equation.DSMT4">
+                <p:oleObj spid="_x0000_s332805" name="Equation" r:id="rId5" imgW="1524000" imgH="495300" progId="Equation.DSMT4">
                   <p:embed/>
                 </p:oleObj>
               </mc:Choice>
@@ -7354,7 +7610,7 @@
 </p:sld>
 </file>
 
-<file path=ppt/slides/slide16.xml><?xml version="1.0" encoding="utf-8"?>
+<file path=ppt/slides/slide17.xml><?xml version="1.0" encoding="utf-8"?>
 <p:sld xmlns:a="http://schemas.openxmlformats.org/drawingml/2006/main" xmlns:r="http://schemas.openxmlformats.org/officeDocument/2006/relationships" xmlns:p="http://schemas.openxmlformats.org/presentationml/2006/main" showMasterPhAnim="0">
   <p:cSld>
     <p:spTree>
@@ -7393,7 +7649,7 @@
           <a:graphicData uri="http://schemas.openxmlformats.org/presentationml/2006/ole">
             <mc:AlternateContent xmlns:mc="http://schemas.openxmlformats.org/markup-compatibility/2006">
               <mc:Choice xmlns:v="urn:schemas-microsoft-com:vml" Requires="v">
-                <p:oleObj spid="_x0000_s187551" name="Equation" r:id="rId4" imgW="1117600" imgH="444500" progId="Equation.DSMT4">
+                <p:oleObj spid="_x0000_s187558" name="Equation" r:id="rId4" imgW="1117600" imgH="444500" progId="Equation.DSMT4">
                   <p:embed/>
                 </p:oleObj>
               </mc:Choice>
@@ -7593,7 +7849,7 @@
           <a:graphicData uri="http://schemas.openxmlformats.org/presentationml/2006/ole">
             <mc:AlternateContent xmlns:mc="http://schemas.openxmlformats.org/markup-compatibility/2006">
               <mc:Choice xmlns:v="urn:schemas-microsoft-com:vml" Requires="v">
-                <p:oleObj spid="_x0000_s187552" name="Equation" r:id="rId6" imgW="1524000" imgH="495300" progId="Equation.DSMT4">
+                <p:oleObj spid="_x0000_s187559" name="Equation" r:id="rId6" imgW="1524000" imgH="495300" progId="Equation.DSMT4">
                   <p:embed/>
                 </p:oleObj>
               </mc:Choice>
@@ -7746,7 +8002,7 @@
           <a:graphicData uri="http://schemas.openxmlformats.org/presentationml/2006/ole">
             <mc:AlternateContent xmlns:mc="http://schemas.openxmlformats.org/markup-compatibility/2006">
               <mc:Choice xmlns:v="urn:schemas-microsoft-com:vml" Requires="v">
-                <p:oleObj spid="_x0000_s187553" name="Equation" r:id="rId8" imgW="1397000" imgH="292100" progId="Equation.DSMT4">
+                <p:oleObj spid="_x0000_s187560" name="Equation" r:id="rId8" imgW="1397000" imgH="292100" progId="Equation.DSMT4">
                   <p:embed/>
                 </p:oleObj>
               </mc:Choice>
@@ -7843,13 +8099,13 @@
   <p:clrMapOvr>
     <a:masterClrMapping/>
   </p:clrMapOvr>
-  <mc:AlternateContent xmlns:mc="http://schemas.openxmlformats.org/markup-compatibility/2006">
-    <mc:Choice xmlns:p14="http://schemas.microsoft.com/office/powerpoint/2010/main" Requires="p14">
+  <mc:AlternateContent xmlns:mc="http://schemas.openxmlformats.org/markup-compatibility/2006" xmlns:p14="http://schemas.microsoft.com/office/powerpoint/2010/main">
+    <mc:Choice Requires="p14">
       <p:transition spd="slow" p14:dur="900" advClick="0">
         <p:fade/>
       </p:transition>
     </mc:Choice>
-    <mc:Fallback>
+    <mc:Fallback xmlns="">
       <p:transition xmlns:p14="http://schemas.microsoft.com/office/powerpoint/2010/main" spd="slow" advClick="0">
         <p:fade/>
       </p:transition>
@@ -8041,7 +8297,7 @@
 </p:sld>
 </file>
 
-<file path=ppt/slides/slide17.xml><?xml version="1.0" encoding="utf-8"?>
+<file path=ppt/slides/slide18.xml><?xml version="1.0" encoding="utf-8"?>
 <p:sld xmlns:a="http://schemas.openxmlformats.org/drawingml/2006/main" xmlns:r="http://schemas.openxmlformats.org/officeDocument/2006/relationships" xmlns:p="http://schemas.openxmlformats.org/presentationml/2006/main">
   <p:cSld>
     <p:spTree>
@@ -8282,7 +8538,7 @@
 </p:sld>
 </file>
 
-<file path=ppt/slides/slide18.xml><?xml version="1.0" encoding="utf-8"?>
+<file path=ppt/slides/slide19.xml><?xml version="1.0" encoding="utf-8"?>
 <p:sld xmlns:a="http://schemas.openxmlformats.org/drawingml/2006/main" xmlns:r="http://schemas.openxmlformats.org/officeDocument/2006/relationships" xmlns:p="http://schemas.openxmlformats.org/presentationml/2006/main">
   <p:cSld>
     <p:spTree>
@@ -8321,7 +8577,7 @@
           <a:graphicData uri="http://schemas.openxmlformats.org/presentationml/2006/ole">
             <mc:AlternateContent xmlns:mc="http://schemas.openxmlformats.org/markup-compatibility/2006">
               <mc:Choice xmlns:v="urn:schemas-microsoft-com:vml" Requires="v">
-                <p:oleObj spid="_x0000_s169070" name="Equation" r:id="rId5" imgW="1638300" imgH="330200" progId="Equation.DSMT4">
+                <p:oleObj spid="_x0000_s169073" name="Equation" r:id="rId5" imgW="1638300" imgH="330200" progId="Equation.DSMT4">
                   <p:embed/>
                 </p:oleObj>
               </mc:Choice>
@@ -8395,17 +8651,7 @@
                 <a:latin typeface="Comic Sans MS"/>
                 <a:cs typeface="Comic Sans MS"/>
               </a:rPr>
-              <a:t>Bernoulli </a:t>
-            </a:r>
-            <a:r>
-              <a:rPr lang="en-US" sz="5400" dirty="0" smtClean="0">
-                <a:solidFill>
-                  <a:srgbClr val="000000"/>
-                </a:solidFill>
-                <a:latin typeface="Comic Sans MS"/>
-                <a:cs typeface="Comic Sans MS"/>
-              </a:rPr>
-              <a:t>question:</a:t>
+              <a:t>Bernoulli question:</a:t>
             </a:r>
             <a:endParaRPr lang="en-US" sz="5400" dirty="0">
               <a:solidFill>
@@ -8425,13 +8671,13 @@
   <p:clrMapOvr>
     <a:masterClrMapping/>
   </p:clrMapOvr>
-  <mc:AlternateContent xmlns:mc="http://schemas.openxmlformats.org/markup-compatibility/2006">
-    <mc:Choice xmlns:p14="http://schemas.microsoft.com/office/powerpoint/2010/main" Requires="p14">
+  <mc:AlternateContent xmlns:mc="http://schemas.openxmlformats.org/markup-compatibility/2006" xmlns:p14="http://schemas.microsoft.com/office/powerpoint/2010/main">
+    <mc:Choice Requires="p14">
       <p:transition spd="slow" p14:dur="1100" advClick="0">
         <p:fade thruBlk="1"/>
       </p:transition>
     </mc:Choice>
-    <mc:Fallback>
+    <mc:Fallback xmlns="">
       <p:transition xmlns:p14="http://schemas.microsoft.com/office/powerpoint/2010/main" spd="slow" advClick="0">
         <p:fade thruBlk="1"/>
       </p:transition>
@@ -8447,7 +8693,346 @@
 </p:sld>
 </file>
 
-<file path=ppt/slides/slide19.xml><?xml version="1.0" encoding="utf-8"?>
+<file path=ppt/slides/slide2.xml><?xml version="1.0" encoding="utf-8"?>
+<p:sld xmlns:a="http://schemas.openxmlformats.org/drawingml/2006/main" xmlns:r="http://schemas.openxmlformats.org/officeDocument/2006/relationships" xmlns:p="http://schemas.openxmlformats.org/presentationml/2006/main">
+  <p:cSld>
+    <p:spTree>
+      <p:nvGrpSpPr>
+        <p:cNvPr id="1" name=""/>
+        <p:cNvGrpSpPr/>
+        <p:nvPr/>
+      </p:nvGrpSpPr>
+      <p:grpSpPr>
+        <a:xfrm>
+          <a:off x="0" y="0"/>
+          <a:ext cx="0" cy="0"/>
+          <a:chOff x="0" y="0"/>
+          <a:chExt cx="0" cy="0"/>
+        </a:xfrm>
+      </p:grpSpPr>
+      <p:sp>
+        <p:nvSpPr>
+          <p:cNvPr id="2" name="TextBox 1"/>
+          <p:cNvSpPr txBox="1"/>
+          <p:nvPr/>
+        </p:nvSpPr>
+        <p:spPr>
+          <a:xfrm>
+            <a:off x="1193800" y="177800"/>
+            <a:ext cx="6875500" cy="830997"/>
+          </a:xfrm>
+          <a:prstGeom prst="rect">
+            <a:avLst/>
+          </a:prstGeom>
+          <a:noFill/>
+        </p:spPr>
+        <p:txBody>
+          <a:bodyPr wrap="none" rtlCol="0">
+            <a:spAutoFit/>
+          </a:bodyPr>
+          <a:lstStyle/>
+          <a:p>
+            <a:r>
+              <a:rPr lang="en-US" sz="4800" b="1" dirty="0" smtClean="0">
+                <a:latin typeface="Comic Sans MS"/>
+                <a:cs typeface="Comic Sans MS"/>
+              </a:rPr>
+              <a:t>What the mean means</a:t>
+            </a:r>
+          </a:p>
+        </p:txBody>
+      </p:sp>
+      <p:sp>
+        <p:nvSpPr>
+          <p:cNvPr id="3" name="TextBox 2"/>
+          <p:cNvSpPr txBox="1"/>
+          <p:nvPr/>
+        </p:nvSpPr>
+        <p:spPr>
+          <a:xfrm>
+            <a:off x="736600" y="1041400"/>
+            <a:ext cx="7696200" cy="3046988"/>
+          </a:xfrm>
+          <a:prstGeom prst="rect">
+            <a:avLst/>
+          </a:prstGeom>
+          <a:noFill/>
+        </p:spPr>
+        <p:txBody>
+          <a:bodyPr wrap="square" rtlCol="0">
+            <a:spAutoFit/>
+          </a:bodyPr>
+          <a:lstStyle/>
+          <a:p>
+            <a:r>
+              <a:rPr lang="en-US" sz="4800" dirty="0" smtClean="0">
+                <a:latin typeface="Comic Sans MS"/>
+                <a:cs typeface="Comic Sans MS"/>
+              </a:rPr>
+              <a:t>The mean value of a fair die roll is </a:t>
+            </a:r>
+            <a:r>
+              <a:rPr lang="en-US" sz="4800" dirty="0" smtClean="0">
+                <a:solidFill>
+                  <a:schemeClr val="accent1">
+                    <a:lumMod val="50000"/>
+                  </a:schemeClr>
+                </a:solidFill>
+                <a:latin typeface="Comic Sans MS"/>
+                <a:cs typeface="Comic Sans MS"/>
+              </a:rPr>
+              <a:t>3.5</a:t>
+            </a:r>
+            <a:r>
+              <a:rPr lang="en-US" sz="4800" dirty="0" smtClean="0">
+                <a:latin typeface="Comic Sans MS"/>
+                <a:cs typeface="Comic Sans MS"/>
+              </a:rPr>
+              <a:t>, but we will </a:t>
+            </a:r>
+            <a:r>
+              <a:rPr lang="en-US" sz="4800" dirty="0" smtClean="0">
+                <a:solidFill>
+                  <a:srgbClr val="FF0000"/>
+                </a:solidFill>
+                <a:latin typeface="Comic Sans MS"/>
+                <a:cs typeface="Comic Sans MS"/>
+              </a:rPr>
+              <a:t>never roll</a:t>
+            </a:r>
+            <a:r>
+              <a:rPr lang="en-US" sz="4800" dirty="0" smtClean="0">
+                <a:latin typeface="Comic Sans MS"/>
+                <a:cs typeface="Comic Sans MS"/>
+              </a:rPr>
+              <a:t> </a:t>
+            </a:r>
+            <a:r>
+              <a:rPr lang="en-US" sz="4800" dirty="0" smtClean="0">
+                <a:solidFill>
+                  <a:srgbClr val="0000E5"/>
+                </a:solidFill>
+                <a:latin typeface="Comic Sans MS"/>
+                <a:cs typeface="Comic Sans MS"/>
+              </a:rPr>
+              <a:t>3.5</a:t>
+            </a:r>
+            <a:r>
+              <a:rPr lang="en-US" sz="4800" dirty="0" smtClean="0">
+                <a:latin typeface="Comic Sans MS"/>
+                <a:cs typeface="Comic Sans MS"/>
+              </a:rPr>
+              <a:t>.  So why do we care what the mean is?</a:t>
+            </a:r>
+          </a:p>
+        </p:txBody>
+      </p:sp>
+      <p:sp>
+        <p:nvSpPr>
+          <p:cNvPr id="4" name="TextBox 3"/>
+          <p:cNvSpPr txBox="1"/>
+          <p:nvPr/>
+        </p:nvSpPr>
+        <p:spPr>
+          <a:xfrm>
+            <a:off x="774700" y="4025900"/>
+            <a:ext cx="8152292" cy="2308324"/>
+          </a:xfrm>
+          <a:prstGeom prst="rect">
+            <a:avLst/>
+          </a:prstGeom>
+          <a:noFill/>
+        </p:spPr>
+        <p:txBody>
+          <a:bodyPr wrap="none" rtlCol="0">
+            <a:spAutoFit/>
+          </a:bodyPr>
+          <a:lstStyle/>
+          <a:p>
+            <a:r>
+              <a:rPr lang="en-US" sz="4800" dirty="0" smtClean="0">
+                <a:solidFill>
+                  <a:srgbClr val="A7097A"/>
+                </a:solidFill>
+                <a:latin typeface="Comic Sans MS"/>
+                <a:cs typeface="Comic Sans MS"/>
+              </a:rPr>
+              <a:t>We believe that after </a:t>
+            </a:r>
+            <a:r>
+              <a:rPr lang="en-US" sz="4800" dirty="0" smtClean="0">
+                <a:solidFill>
+                  <a:srgbClr val="008000"/>
+                </a:solidFill>
+                <a:latin typeface="Comic Sans MS"/>
+                <a:cs typeface="Comic Sans MS"/>
+              </a:rPr>
+              <a:t>many</a:t>
+            </a:r>
+          </a:p>
+          <a:p>
+            <a:r>
+              <a:rPr lang="en-US" sz="4800" dirty="0" smtClean="0">
+                <a:solidFill>
+                  <a:srgbClr val="A7097A"/>
+                </a:solidFill>
+                <a:latin typeface="Comic Sans MS"/>
+                <a:cs typeface="Comic Sans MS"/>
+              </a:rPr>
+              <a:t>rolls, the average roll will </a:t>
+            </a:r>
+          </a:p>
+          <a:p>
+            <a:r>
+              <a:rPr lang="en-US" sz="4800" dirty="0" smtClean="0">
+                <a:solidFill>
+                  <a:srgbClr val="A7097A"/>
+                </a:solidFill>
+                <a:latin typeface="Comic Sans MS"/>
+                <a:cs typeface="Comic Sans MS"/>
+              </a:rPr>
+              <a:t>be </a:t>
+            </a:r>
+            <a:r>
+              <a:rPr lang="en-US" sz="4800" dirty="0" smtClean="0">
+                <a:solidFill>
+                  <a:srgbClr val="008000"/>
+                </a:solidFill>
+                <a:latin typeface="Comic Sans MS"/>
+                <a:cs typeface="Comic Sans MS"/>
+              </a:rPr>
+              <a:t>near</a:t>
+            </a:r>
+            <a:r>
+              <a:rPr lang="en-US" sz="4800" dirty="0" smtClean="0">
+                <a:latin typeface="Comic Sans MS"/>
+                <a:cs typeface="Comic Sans MS"/>
+              </a:rPr>
+              <a:t> </a:t>
+            </a:r>
+            <a:r>
+              <a:rPr lang="en-US" sz="4800" dirty="0" smtClean="0">
+                <a:solidFill>
+                  <a:srgbClr val="0033CC"/>
+                </a:solidFill>
+                <a:latin typeface="Comic Sans MS"/>
+                <a:cs typeface="Comic Sans MS"/>
+              </a:rPr>
+              <a:t>3.5</a:t>
+            </a:r>
+            <a:r>
+              <a:rPr lang="en-US" sz="4800" dirty="0" smtClean="0">
+                <a:latin typeface="Comic Sans MS"/>
+                <a:cs typeface="Comic Sans MS"/>
+              </a:rPr>
+              <a:t>.</a:t>
+            </a:r>
+          </a:p>
+        </p:txBody>
+      </p:sp>
+    </p:spTree>
+    <p:extLst>
+      <p:ext uri="{BB962C8B-B14F-4D97-AF65-F5344CB8AC3E}">
+        <p14:creationId xmlns:p14="http://schemas.microsoft.com/office/powerpoint/2010/main" val="1727848221"/>
+      </p:ext>
+    </p:extLst>
+  </p:cSld>
+  <p:clrMapOvr>
+    <a:masterClrMapping/>
+  </p:clrMapOvr>
+  <p:transition xmlns:p14="http://schemas.microsoft.com/office/powerpoint/2010/main" spd="slow" advClick="0">
+    <p:fade thruBlk="1"/>
+  </p:transition>
+  <p:timing>
+    <p:tnLst>
+      <p:par>
+        <p:cTn xmlns:p14="http://schemas.microsoft.com/office/powerpoint/2010/main" id="1" dur="indefinite" restart="never" nodeType="tmRoot">
+          <p:childTnLst>
+            <p:seq concurrent="1" nextAc="seek">
+              <p:cTn id="2" dur="indefinite" nodeType="mainSeq">
+                <p:childTnLst>
+                  <p:par>
+                    <p:cTn id="3" fill="hold">
+                      <p:stCondLst>
+                        <p:cond delay="indefinite"/>
+                      </p:stCondLst>
+                      <p:childTnLst>
+                        <p:par>
+                          <p:cTn id="4" fill="hold">
+                            <p:stCondLst>
+                              <p:cond delay="0"/>
+                            </p:stCondLst>
+                            <p:childTnLst>
+                              <p:par>
+                                <p:cTn id="5" presetID="10" presetClass="entr" presetSubtype="0" fill="hold" grpId="0" nodeType="clickEffect">
+                                  <p:stCondLst>
+                                    <p:cond delay="0"/>
+                                  </p:stCondLst>
+                                  <p:childTnLst>
+                                    <p:set>
+                                      <p:cBhvr>
+                                        <p:cTn id="6" dur="1" fill="hold">
+                                          <p:stCondLst>
+                                            <p:cond delay="0"/>
+                                          </p:stCondLst>
+                                        </p:cTn>
+                                        <p:tgtEl>
+                                          <p:spTgt spid="4"/>
+                                        </p:tgtEl>
+                                        <p:attrNameLst>
+                                          <p:attrName>style.visibility</p:attrName>
+                                        </p:attrNameLst>
+                                      </p:cBhvr>
+                                      <p:to>
+                                        <p:strVal val="visible"/>
+                                      </p:to>
+                                    </p:set>
+                                    <p:animEffect transition="in" filter="fade">
+                                      <p:cBhvr>
+                                        <p:cTn id="7" dur="500"/>
+                                        <p:tgtEl>
+                                          <p:spTgt spid="4"/>
+                                        </p:tgtEl>
+                                      </p:cBhvr>
+                                    </p:animEffect>
+                                  </p:childTnLst>
+                                </p:cTn>
+                              </p:par>
+                            </p:childTnLst>
+                          </p:cTn>
+                        </p:par>
+                      </p:childTnLst>
+                    </p:cTn>
+                  </p:par>
+                </p:childTnLst>
+              </p:cTn>
+              <p:prevCondLst>
+                <p:cond evt="onPrev" delay="0">
+                  <p:tgtEl>
+                    <p:sldTgt/>
+                  </p:tgtEl>
+                </p:cond>
+              </p:prevCondLst>
+              <p:nextCondLst>
+                <p:cond evt="onNext" delay="0">
+                  <p:tgtEl>
+                    <p:sldTgt/>
+                  </p:tgtEl>
+                </p:cond>
+              </p:nextCondLst>
+            </p:seq>
+          </p:childTnLst>
+        </p:cTn>
+      </p:par>
+    </p:tnLst>
+    <p:bldLst>
+      <p:bldP spid="4" grpId="0"/>
+    </p:bldLst>
+  </p:timing>
+</p:sld>
+</file>
+
+<file path=ppt/slides/slide20.xml><?xml version="1.0" encoding="utf-8"?>
 <p:sld xmlns:a="http://schemas.openxmlformats.org/drawingml/2006/main" xmlns:r="http://schemas.openxmlformats.org/officeDocument/2006/relationships" xmlns:p="http://schemas.openxmlformats.org/presentationml/2006/main">
   <p:cSld>
     <p:spTree>
@@ -8486,7 +9071,7 @@
           <a:graphicData uri="http://schemas.openxmlformats.org/presentationml/2006/ole">
             <mc:AlternateContent xmlns:mc="http://schemas.openxmlformats.org/markup-compatibility/2006">
               <mc:Choice xmlns:v="urn:schemas-microsoft-com:vml" Requires="v">
-                <p:oleObj spid="_x0000_s333825" name="Equation" r:id="rId5" imgW="1638300" imgH="330200" progId="Equation.DSMT4">
+                <p:oleObj spid="_x0000_s333828" name="Equation" r:id="rId5" imgW="1638300" imgH="330200" progId="Equation.DSMT4">
                   <p:embed/>
                 </p:oleObj>
               </mc:Choice>
@@ -9160,346 +9745,7 @@
 </p:sld>
 </file>
 
-<file path=ppt/slides/slide2.xml><?xml version="1.0" encoding="utf-8"?>
-<p:sld xmlns:a="http://schemas.openxmlformats.org/drawingml/2006/main" xmlns:r="http://schemas.openxmlformats.org/officeDocument/2006/relationships" xmlns:p="http://schemas.openxmlformats.org/presentationml/2006/main">
-  <p:cSld>
-    <p:spTree>
-      <p:nvGrpSpPr>
-        <p:cNvPr id="1" name=""/>
-        <p:cNvGrpSpPr/>
-        <p:nvPr/>
-      </p:nvGrpSpPr>
-      <p:grpSpPr>
-        <a:xfrm>
-          <a:off x="0" y="0"/>
-          <a:ext cx="0" cy="0"/>
-          <a:chOff x="0" y="0"/>
-          <a:chExt cx="0" cy="0"/>
-        </a:xfrm>
-      </p:grpSpPr>
-      <p:sp>
-        <p:nvSpPr>
-          <p:cNvPr id="2" name="TextBox 1"/>
-          <p:cNvSpPr txBox="1"/>
-          <p:nvPr/>
-        </p:nvSpPr>
-        <p:spPr>
-          <a:xfrm>
-            <a:off x="1193800" y="177800"/>
-            <a:ext cx="6875500" cy="830997"/>
-          </a:xfrm>
-          <a:prstGeom prst="rect">
-            <a:avLst/>
-          </a:prstGeom>
-          <a:noFill/>
-        </p:spPr>
-        <p:txBody>
-          <a:bodyPr wrap="none" rtlCol="0">
-            <a:spAutoFit/>
-          </a:bodyPr>
-          <a:lstStyle/>
-          <a:p>
-            <a:r>
-              <a:rPr lang="en-US" sz="4800" b="1" dirty="0" smtClean="0">
-                <a:latin typeface="Comic Sans MS"/>
-                <a:cs typeface="Comic Sans MS"/>
-              </a:rPr>
-              <a:t>What the mean means</a:t>
-            </a:r>
-          </a:p>
-        </p:txBody>
-      </p:sp>
-      <p:sp>
-        <p:nvSpPr>
-          <p:cNvPr id="3" name="TextBox 2"/>
-          <p:cNvSpPr txBox="1"/>
-          <p:nvPr/>
-        </p:nvSpPr>
-        <p:spPr>
-          <a:xfrm>
-            <a:off x="736600" y="1041400"/>
-            <a:ext cx="7696200" cy="3046988"/>
-          </a:xfrm>
-          <a:prstGeom prst="rect">
-            <a:avLst/>
-          </a:prstGeom>
-          <a:noFill/>
-        </p:spPr>
-        <p:txBody>
-          <a:bodyPr wrap="square" rtlCol="0">
-            <a:spAutoFit/>
-          </a:bodyPr>
-          <a:lstStyle/>
-          <a:p>
-            <a:r>
-              <a:rPr lang="en-US" sz="4800" dirty="0" smtClean="0">
-                <a:latin typeface="Comic Sans MS"/>
-                <a:cs typeface="Comic Sans MS"/>
-              </a:rPr>
-              <a:t>The mean value of a fair die roll is </a:t>
-            </a:r>
-            <a:r>
-              <a:rPr lang="en-US" sz="4800" dirty="0" smtClean="0">
-                <a:solidFill>
-                  <a:schemeClr val="accent1">
-                    <a:lumMod val="50000"/>
-                  </a:schemeClr>
-                </a:solidFill>
-                <a:latin typeface="Comic Sans MS"/>
-                <a:cs typeface="Comic Sans MS"/>
-              </a:rPr>
-              <a:t>3.5</a:t>
-            </a:r>
-            <a:r>
-              <a:rPr lang="en-US" sz="4800" dirty="0" smtClean="0">
-                <a:latin typeface="Comic Sans MS"/>
-                <a:cs typeface="Comic Sans MS"/>
-              </a:rPr>
-              <a:t>, but we will </a:t>
-            </a:r>
-            <a:r>
-              <a:rPr lang="en-US" sz="4800" dirty="0" smtClean="0">
-                <a:solidFill>
-                  <a:srgbClr val="FF0000"/>
-                </a:solidFill>
-                <a:latin typeface="Comic Sans MS"/>
-                <a:cs typeface="Comic Sans MS"/>
-              </a:rPr>
-              <a:t>never roll</a:t>
-            </a:r>
-            <a:r>
-              <a:rPr lang="en-US" sz="4800" dirty="0" smtClean="0">
-                <a:latin typeface="Comic Sans MS"/>
-                <a:cs typeface="Comic Sans MS"/>
-              </a:rPr>
-              <a:t> </a:t>
-            </a:r>
-            <a:r>
-              <a:rPr lang="en-US" sz="4800" dirty="0" smtClean="0">
-                <a:solidFill>
-                  <a:srgbClr val="0000E5"/>
-                </a:solidFill>
-                <a:latin typeface="Comic Sans MS"/>
-                <a:cs typeface="Comic Sans MS"/>
-              </a:rPr>
-              <a:t>3.5</a:t>
-            </a:r>
-            <a:r>
-              <a:rPr lang="en-US" sz="4800" dirty="0" smtClean="0">
-                <a:latin typeface="Comic Sans MS"/>
-                <a:cs typeface="Comic Sans MS"/>
-              </a:rPr>
-              <a:t>.  So why do we care what the mean is?</a:t>
-            </a:r>
-          </a:p>
-        </p:txBody>
-      </p:sp>
-      <p:sp>
-        <p:nvSpPr>
-          <p:cNvPr id="4" name="TextBox 3"/>
-          <p:cNvSpPr txBox="1"/>
-          <p:nvPr/>
-        </p:nvSpPr>
-        <p:spPr>
-          <a:xfrm>
-            <a:off x="774700" y="4025900"/>
-            <a:ext cx="8152292" cy="2308324"/>
-          </a:xfrm>
-          <a:prstGeom prst="rect">
-            <a:avLst/>
-          </a:prstGeom>
-          <a:noFill/>
-        </p:spPr>
-        <p:txBody>
-          <a:bodyPr wrap="none" rtlCol="0">
-            <a:spAutoFit/>
-          </a:bodyPr>
-          <a:lstStyle/>
-          <a:p>
-            <a:r>
-              <a:rPr lang="en-US" sz="4800" dirty="0" smtClean="0">
-                <a:solidFill>
-                  <a:srgbClr val="A7097A"/>
-                </a:solidFill>
-                <a:latin typeface="Comic Sans MS"/>
-                <a:cs typeface="Comic Sans MS"/>
-              </a:rPr>
-              <a:t>We believe that after </a:t>
-            </a:r>
-            <a:r>
-              <a:rPr lang="en-US" sz="4800" dirty="0" smtClean="0">
-                <a:solidFill>
-                  <a:srgbClr val="008000"/>
-                </a:solidFill>
-                <a:latin typeface="Comic Sans MS"/>
-                <a:cs typeface="Comic Sans MS"/>
-              </a:rPr>
-              <a:t>many</a:t>
-            </a:r>
-          </a:p>
-          <a:p>
-            <a:r>
-              <a:rPr lang="en-US" sz="4800" dirty="0" smtClean="0">
-                <a:solidFill>
-                  <a:srgbClr val="A7097A"/>
-                </a:solidFill>
-                <a:latin typeface="Comic Sans MS"/>
-                <a:cs typeface="Comic Sans MS"/>
-              </a:rPr>
-              <a:t>rolls, the average roll will </a:t>
-            </a:r>
-          </a:p>
-          <a:p>
-            <a:r>
-              <a:rPr lang="en-US" sz="4800" dirty="0" smtClean="0">
-                <a:solidFill>
-                  <a:srgbClr val="A7097A"/>
-                </a:solidFill>
-                <a:latin typeface="Comic Sans MS"/>
-                <a:cs typeface="Comic Sans MS"/>
-              </a:rPr>
-              <a:t>be </a:t>
-            </a:r>
-            <a:r>
-              <a:rPr lang="en-US" sz="4800" dirty="0" smtClean="0">
-                <a:solidFill>
-                  <a:srgbClr val="008000"/>
-                </a:solidFill>
-                <a:latin typeface="Comic Sans MS"/>
-                <a:cs typeface="Comic Sans MS"/>
-              </a:rPr>
-              <a:t>near</a:t>
-            </a:r>
-            <a:r>
-              <a:rPr lang="en-US" sz="4800" dirty="0" smtClean="0">
-                <a:latin typeface="Comic Sans MS"/>
-                <a:cs typeface="Comic Sans MS"/>
-              </a:rPr>
-              <a:t> </a:t>
-            </a:r>
-            <a:r>
-              <a:rPr lang="en-US" sz="4800" dirty="0" smtClean="0">
-                <a:solidFill>
-                  <a:srgbClr val="0033CC"/>
-                </a:solidFill>
-                <a:latin typeface="Comic Sans MS"/>
-                <a:cs typeface="Comic Sans MS"/>
-              </a:rPr>
-              <a:t>3.5</a:t>
-            </a:r>
-            <a:r>
-              <a:rPr lang="en-US" sz="4800" dirty="0" smtClean="0">
-                <a:latin typeface="Comic Sans MS"/>
-                <a:cs typeface="Comic Sans MS"/>
-              </a:rPr>
-              <a:t>.</a:t>
-            </a:r>
-          </a:p>
-        </p:txBody>
-      </p:sp>
-    </p:spTree>
-    <p:extLst>
-      <p:ext uri="{BB962C8B-B14F-4D97-AF65-F5344CB8AC3E}">
-        <p14:creationId xmlns:p14="http://schemas.microsoft.com/office/powerpoint/2010/main" val="1727848221"/>
-      </p:ext>
-    </p:extLst>
-  </p:cSld>
-  <p:clrMapOvr>
-    <a:masterClrMapping/>
-  </p:clrMapOvr>
-  <p:transition xmlns:p14="http://schemas.microsoft.com/office/powerpoint/2010/main" spd="slow" advClick="0">
-    <p:fade thruBlk="1"/>
-  </p:transition>
-  <p:timing>
-    <p:tnLst>
-      <p:par>
-        <p:cTn xmlns:p14="http://schemas.microsoft.com/office/powerpoint/2010/main" id="1" dur="indefinite" restart="never" nodeType="tmRoot">
-          <p:childTnLst>
-            <p:seq concurrent="1" nextAc="seek">
-              <p:cTn id="2" dur="indefinite" nodeType="mainSeq">
-                <p:childTnLst>
-                  <p:par>
-                    <p:cTn id="3" fill="hold">
-                      <p:stCondLst>
-                        <p:cond delay="indefinite"/>
-                      </p:stCondLst>
-                      <p:childTnLst>
-                        <p:par>
-                          <p:cTn id="4" fill="hold">
-                            <p:stCondLst>
-                              <p:cond delay="0"/>
-                            </p:stCondLst>
-                            <p:childTnLst>
-                              <p:par>
-                                <p:cTn id="5" presetID="10" presetClass="entr" presetSubtype="0" fill="hold" grpId="0" nodeType="clickEffect">
-                                  <p:stCondLst>
-                                    <p:cond delay="0"/>
-                                  </p:stCondLst>
-                                  <p:childTnLst>
-                                    <p:set>
-                                      <p:cBhvr>
-                                        <p:cTn id="6" dur="1" fill="hold">
-                                          <p:stCondLst>
-                                            <p:cond delay="0"/>
-                                          </p:stCondLst>
-                                        </p:cTn>
-                                        <p:tgtEl>
-                                          <p:spTgt spid="4"/>
-                                        </p:tgtEl>
-                                        <p:attrNameLst>
-                                          <p:attrName>style.visibility</p:attrName>
-                                        </p:attrNameLst>
-                                      </p:cBhvr>
-                                      <p:to>
-                                        <p:strVal val="visible"/>
-                                      </p:to>
-                                    </p:set>
-                                    <p:animEffect transition="in" filter="fade">
-                                      <p:cBhvr>
-                                        <p:cTn id="7" dur="500"/>
-                                        <p:tgtEl>
-                                          <p:spTgt spid="4"/>
-                                        </p:tgtEl>
-                                      </p:cBhvr>
-                                    </p:animEffect>
-                                  </p:childTnLst>
-                                </p:cTn>
-                              </p:par>
-                            </p:childTnLst>
-                          </p:cTn>
-                        </p:par>
-                      </p:childTnLst>
-                    </p:cTn>
-                  </p:par>
-                </p:childTnLst>
-              </p:cTn>
-              <p:prevCondLst>
-                <p:cond evt="onPrev" delay="0">
-                  <p:tgtEl>
-                    <p:sldTgt/>
-                  </p:tgtEl>
-                </p:cond>
-              </p:prevCondLst>
-              <p:nextCondLst>
-                <p:cond evt="onNext" delay="0">
-                  <p:tgtEl>
-                    <p:sldTgt/>
-                  </p:tgtEl>
-                </p:cond>
-              </p:nextCondLst>
-            </p:seq>
-          </p:childTnLst>
-        </p:cTn>
-      </p:par>
-    </p:tnLst>
-    <p:bldLst>
-      <p:bldP spid="4" grpId="0"/>
-    </p:bldLst>
-  </p:timing>
-</p:sld>
-</file>
-
-<file path=ppt/slides/slide20.xml><?xml version="1.0" encoding="utf-8"?>
+<file path=ppt/slides/slide21.xml><?xml version="1.0" encoding="utf-8"?>
 <p:sld xmlns:a="http://schemas.openxmlformats.org/drawingml/2006/main" xmlns:r="http://schemas.openxmlformats.org/officeDocument/2006/relationships" xmlns:p="http://schemas.openxmlformats.org/presentationml/2006/main">
   <p:cSld>
     <p:spTree>
@@ -9689,7 +9935,7 @@
           <a:graphicData uri="http://schemas.openxmlformats.org/presentationml/2006/ole">
             <mc:AlternateContent xmlns:mc="http://schemas.openxmlformats.org/markup-compatibility/2006">
               <mc:Choice xmlns:v="urn:schemas-microsoft-com:vml" Requires="v">
-                <p:oleObj spid="_x0000_s185419" name="Equation" r:id="rId4" imgW="1651000" imgH="330200" progId="Equation.DSMT4">
+                <p:oleObj spid="_x0000_s185422" name="Equation" r:id="rId4" imgW="1651000" imgH="330200" progId="Equation.DSMT4">
                   <p:embed/>
                 </p:oleObj>
               </mc:Choice>
@@ -9849,6 +10095,387 @@
       </p:grpSpPr>
       <p:sp>
         <p:nvSpPr>
+          <p:cNvPr id="2" name="TextBox 1"/>
+          <p:cNvSpPr txBox="1"/>
+          <p:nvPr/>
+        </p:nvSpPr>
+        <p:spPr>
+          <a:xfrm>
+            <a:off x="1193800" y="177800"/>
+            <a:ext cx="7297190" cy="830997"/>
+          </a:xfrm>
+          <a:prstGeom prst="rect">
+            <a:avLst/>
+          </a:prstGeom>
+          <a:noFill/>
+        </p:spPr>
+        <p:txBody>
+          <a:bodyPr wrap="none" rtlCol="0">
+            <a:spAutoFit/>
+          </a:bodyPr>
+          <a:lstStyle/>
+          <a:p>
+            <a:r>
+              <a:rPr lang="en-US" sz="4800" b="1" dirty="0" smtClean="0">
+                <a:latin typeface="Comic Sans MS"/>
+                <a:cs typeface="Comic Sans MS"/>
+              </a:rPr>
+              <a:t>What </a:t>
+            </a:r>
+            <a:r>
+              <a:rPr lang="en-US" sz="4800" b="1" dirty="0" smtClean="0">
+                <a:latin typeface="Comic Sans MS"/>
+                <a:cs typeface="Comic Sans MS"/>
+              </a:rPr>
+              <a:t>probability </a:t>
+            </a:r>
+            <a:r>
+              <a:rPr lang="en-US" sz="4800" b="1" dirty="0" smtClean="0">
+                <a:latin typeface="Comic Sans MS"/>
+                <a:cs typeface="Comic Sans MS"/>
+              </a:rPr>
+              <a:t>means</a:t>
+            </a:r>
+          </a:p>
+        </p:txBody>
+      </p:sp>
+      <p:sp>
+        <p:nvSpPr>
+          <p:cNvPr id="4" name="TextBox 3"/>
+          <p:cNvSpPr txBox="1"/>
+          <p:nvPr/>
+        </p:nvSpPr>
+        <p:spPr>
+          <a:xfrm>
+            <a:off x="774700" y="4025900"/>
+            <a:ext cx="8152292" cy="2308324"/>
+          </a:xfrm>
+          <a:prstGeom prst="rect">
+            <a:avLst/>
+          </a:prstGeom>
+          <a:noFill/>
+        </p:spPr>
+        <p:txBody>
+          <a:bodyPr wrap="none" rtlCol="0">
+            <a:spAutoFit/>
+          </a:bodyPr>
+          <a:lstStyle/>
+          <a:p>
+            <a:r>
+              <a:rPr lang="en-US" sz="4800" dirty="0" smtClean="0">
+                <a:solidFill>
+                  <a:srgbClr val="A7097A"/>
+                </a:solidFill>
+                <a:latin typeface="Comic Sans MS"/>
+                <a:cs typeface="Comic Sans MS"/>
+              </a:rPr>
+              <a:t>We believe that after </a:t>
+            </a:r>
+            <a:r>
+              <a:rPr lang="en-US" sz="4800" dirty="0" smtClean="0">
+                <a:solidFill>
+                  <a:srgbClr val="008000"/>
+                </a:solidFill>
+                <a:latin typeface="Comic Sans MS"/>
+                <a:cs typeface="Comic Sans MS"/>
+              </a:rPr>
+              <a:t>many</a:t>
+            </a:r>
+          </a:p>
+          <a:p>
+            <a:r>
+              <a:rPr lang="en-US" sz="4800" dirty="0" smtClean="0">
+                <a:solidFill>
+                  <a:srgbClr val="A7097A"/>
+                </a:solidFill>
+                <a:latin typeface="Comic Sans MS"/>
+                <a:cs typeface="Comic Sans MS"/>
+              </a:rPr>
+              <a:t>rolls, the </a:t>
+            </a:r>
+            <a:r>
+              <a:rPr lang="en-US" sz="4800" dirty="0" smtClean="0">
+                <a:solidFill>
+                  <a:srgbClr val="A7097A"/>
+                </a:solidFill>
+                <a:latin typeface="Comic Sans MS"/>
+                <a:cs typeface="Comic Sans MS"/>
+              </a:rPr>
+              <a:t>fraction of </a:t>
+            </a:r>
+            <a:r>
+              <a:rPr lang="en-US" sz="4800" dirty="0" smtClean="0">
+                <a:solidFill>
+                  <a:srgbClr val="0033CC"/>
+                </a:solidFill>
+                <a:latin typeface="Comic Sans MS"/>
+                <a:cs typeface="Comic Sans MS"/>
+              </a:rPr>
+              <a:t>6</a:t>
+            </a:r>
+            <a:r>
+              <a:rPr lang="en-US" sz="4800" dirty="0" smtClean="0">
+                <a:solidFill>
+                  <a:srgbClr val="A7097A"/>
+                </a:solidFill>
+                <a:latin typeface="Comic Sans MS"/>
+                <a:cs typeface="Comic Sans MS"/>
+              </a:rPr>
+              <a:t>’s</a:t>
+            </a:r>
+          </a:p>
+          <a:p>
+            <a:r>
+              <a:rPr lang="en-US" sz="4800" dirty="0" smtClean="0">
+                <a:solidFill>
+                  <a:srgbClr val="A7097A"/>
+                </a:solidFill>
+                <a:latin typeface="Comic Sans MS"/>
+                <a:cs typeface="Comic Sans MS"/>
+              </a:rPr>
+              <a:t>will be </a:t>
+            </a:r>
+            <a:r>
+              <a:rPr lang="en-US" sz="4800" dirty="0" smtClean="0">
+                <a:solidFill>
+                  <a:srgbClr val="008000"/>
+                </a:solidFill>
+                <a:latin typeface="Comic Sans MS"/>
+                <a:cs typeface="Comic Sans MS"/>
+              </a:rPr>
+              <a:t>near</a:t>
+            </a:r>
+            <a:r>
+              <a:rPr lang="en-US" sz="4800" dirty="0" smtClean="0">
+                <a:latin typeface="Comic Sans MS"/>
+                <a:cs typeface="Comic Sans MS"/>
+              </a:rPr>
+              <a:t> </a:t>
+            </a:r>
+            <a:r>
+              <a:rPr lang="en-US" sz="4800" dirty="0" smtClean="0">
+                <a:solidFill>
+                  <a:srgbClr val="0033CC"/>
+                </a:solidFill>
+                <a:latin typeface="Comic Sans MS"/>
+                <a:cs typeface="Comic Sans MS"/>
+              </a:rPr>
+              <a:t>1/6</a:t>
+            </a:r>
+            <a:r>
+              <a:rPr lang="en-US" sz="4800" dirty="0" smtClean="0">
+                <a:latin typeface="Comic Sans MS"/>
+                <a:cs typeface="Comic Sans MS"/>
+              </a:rPr>
+              <a:t>.</a:t>
+            </a:r>
+            <a:endParaRPr lang="en-US" sz="4800" dirty="0" smtClean="0">
+              <a:latin typeface="Comic Sans MS"/>
+              <a:cs typeface="Comic Sans MS"/>
+            </a:endParaRPr>
+          </a:p>
+        </p:txBody>
+      </p:sp>
+      <p:graphicFrame>
+        <p:nvGraphicFramePr>
+          <p:cNvPr id="5" name="Object 4"/>
+          <p:cNvGraphicFramePr>
+            <a:graphicFrameLocks noChangeAspect="1"/>
+          </p:cNvGraphicFramePr>
+          <p:nvPr>
+            <p:extLst>
+              <p:ext uri="{D42A27DB-BD31-4B8C-83A1-F6EECF244321}">
+                <p14:modId xmlns:p14="http://schemas.microsoft.com/office/powerpoint/2010/main" val="3991864851"/>
+              </p:ext>
+            </p:extLst>
+          </p:nvPr>
+        </p:nvGraphicFramePr>
+        <p:xfrm>
+          <a:off x="2305050" y="1373188"/>
+          <a:ext cx="4479925" cy="2335212"/>
+        </p:xfrm>
+        <a:graphic>
+          <a:graphicData uri="http://schemas.openxmlformats.org/presentationml/2006/ole">
+            <mc:AlternateContent xmlns:mc="http://schemas.openxmlformats.org/markup-compatibility/2006">
+              <mc:Choice xmlns:v="urn:schemas-microsoft-com:vml" Requires="v">
+                <p:oleObj spid="_x0000_s337922" name="Equation" r:id="rId3" imgW="901700" imgH="469900" progId="Equation.DSMT4">
+                  <p:embed/>
+                </p:oleObj>
+              </mc:Choice>
+              <mc:Fallback>
+                <p:oleObj name="Equation" r:id="rId3" imgW="901700" imgH="469900" progId="Equation.DSMT4">
+                  <p:embed/>
+                  <p:pic>
+                    <p:nvPicPr>
+                      <p:cNvPr id="0" name=""/>
+                      <p:cNvPicPr>
+                        <a:picLocks noChangeAspect="1" noChangeArrowheads="1"/>
+                      </p:cNvPicPr>
+                      <p:nvPr/>
+                    </p:nvPicPr>
+                    <p:blipFill>
+                      <a:blip r:embed="rId4"/>
+                      <a:srcRect/>
+                      <a:stretch>
+                        <a:fillRect/>
+                      </a:stretch>
+                    </p:blipFill>
+                    <p:spPr bwMode="auto">
+                      <a:xfrm>
+                        <a:off x="2305050" y="1373188"/>
+                        <a:ext cx="4479925" cy="2335212"/>
+                      </a:xfrm>
+                      <a:prstGeom prst="rect">
+                        <a:avLst/>
+                      </a:prstGeom>
+                      <a:noFill/>
+                      <a:extLst>
+                        <a:ext uri="{909E8E84-426E-40dd-AFC4-6F175D3DCCD1}">
+                          <a14:hiddenFill xmlns:a14="http://schemas.microsoft.com/office/drawing/2010/main">
+                            <a:solidFill>
+                              <a:srgbClr val="FFFFFF"/>
+                            </a:solidFill>
+                          </a14:hiddenFill>
+                        </a:ext>
+                      </a:extLst>
+                    </p:spPr>
+                  </p:pic>
+                </p:oleObj>
+              </mc:Fallback>
+            </mc:AlternateContent>
+          </a:graphicData>
+        </a:graphic>
+      </p:graphicFrame>
+    </p:spTree>
+    <p:extLst>
+      <p:ext uri="{BB962C8B-B14F-4D97-AF65-F5344CB8AC3E}">
+        <p14:creationId xmlns:p14="http://schemas.microsoft.com/office/powerpoint/2010/main" val="2547011094"/>
+      </p:ext>
+    </p:extLst>
+  </p:cSld>
+  <p:clrMapOvr>
+    <a:masterClrMapping/>
+  </p:clrMapOvr>
+  <mc:AlternateContent xmlns:mc="http://schemas.openxmlformats.org/markup-compatibility/2006">
+    <mc:Choice xmlns:p14="http://schemas.microsoft.com/office/powerpoint/2010/main" Requires="p14">
+      <p:transition spd="med" p14:dur="700" advClick="0">
+        <p:fade/>
+      </p:transition>
+    </mc:Choice>
+    <mc:Fallback>
+      <p:transition xmlns:p14="http://schemas.microsoft.com/office/powerpoint/2010/main" spd="med" advClick="0">
+        <p:fade/>
+      </p:transition>
+    </mc:Fallback>
+  </mc:AlternateContent>
+  <p:timing>
+    <p:tnLst>
+      <p:par>
+        <p:cTn xmlns:p14="http://schemas.microsoft.com/office/powerpoint/2010/main" id="1" dur="indefinite" restart="never" nodeType="tmRoot">
+          <p:childTnLst>
+            <p:seq concurrent="1" nextAc="seek">
+              <p:cTn id="2" dur="indefinite" nodeType="mainSeq">
+                <p:childTnLst>
+                  <p:par>
+                    <p:cTn id="3" fill="hold">
+                      <p:stCondLst>
+                        <p:cond delay="indefinite"/>
+                      </p:stCondLst>
+                      <p:childTnLst>
+                        <p:par>
+                          <p:cTn id="4" fill="hold">
+                            <p:stCondLst>
+                              <p:cond delay="0"/>
+                            </p:stCondLst>
+                            <p:childTnLst>
+                              <p:par>
+                                <p:cTn id="5" presetID="10" presetClass="entr" presetSubtype="0" fill="hold" grpId="0" nodeType="clickEffect">
+                                  <p:stCondLst>
+                                    <p:cond delay="0"/>
+                                  </p:stCondLst>
+                                  <p:childTnLst>
+                                    <p:set>
+                                      <p:cBhvr>
+                                        <p:cTn id="6" dur="1" fill="hold">
+                                          <p:stCondLst>
+                                            <p:cond delay="0"/>
+                                          </p:stCondLst>
+                                        </p:cTn>
+                                        <p:tgtEl>
+                                          <p:spTgt spid="4"/>
+                                        </p:tgtEl>
+                                        <p:attrNameLst>
+                                          <p:attrName>style.visibility</p:attrName>
+                                        </p:attrNameLst>
+                                      </p:cBhvr>
+                                      <p:to>
+                                        <p:strVal val="visible"/>
+                                      </p:to>
+                                    </p:set>
+                                    <p:animEffect transition="in" filter="fade">
+                                      <p:cBhvr>
+                                        <p:cTn id="7" dur="500"/>
+                                        <p:tgtEl>
+                                          <p:spTgt spid="4"/>
+                                        </p:tgtEl>
+                                      </p:cBhvr>
+                                    </p:animEffect>
+                                  </p:childTnLst>
+                                </p:cTn>
+                              </p:par>
+                            </p:childTnLst>
+                          </p:cTn>
+                        </p:par>
+                      </p:childTnLst>
+                    </p:cTn>
+                  </p:par>
+                </p:childTnLst>
+              </p:cTn>
+              <p:prevCondLst>
+                <p:cond evt="onPrev" delay="0">
+                  <p:tgtEl>
+                    <p:sldTgt/>
+                  </p:tgtEl>
+                </p:cond>
+              </p:prevCondLst>
+              <p:nextCondLst>
+                <p:cond evt="onNext" delay="0">
+                  <p:tgtEl>
+                    <p:sldTgt/>
+                  </p:tgtEl>
+                </p:cond>
+              </p:nextCondLst>
+            </p:seq>
+          </p:childTnLst>
+        </p:cTn>
+      </p:par>
+    </p:tnLst>
+    <p:bldLst>
+      <p:bldP spid="4" grpId="0"/>
+    </p:bldLst>
+  </p:timing>
+</p:sld>
+</file>
+
+<file path=ppt/slides/slide4.xml><?xml version="1.0" encoding="utf-8"?>
+<p:sld xmlns:a="http://schemas.openxmlformats.org/drawingml/2006/main" xmlns:r="http://schemas.openxmlformats.org/officeDocument/2006/relationships" xmlns:p="http://schemas.openxmlformats.org/presentationml/2006/main">
+  <p:cSld>
+    <p:spTree>
+      <p:nvGrpSpPr>
+        <p:cNvPr id="1" name=""/>
+        <p:cNvGrpSpPr/>
+        <p:nvPr/>
+      </p:nvGrpSpPr>
+      <p:grpSpPr>
+        <a:xfrm>
+          <a:off x="0" y="0"/>
+          <a:ext cx="0" cy="0"/>
+          <a:chOff x="0" y="0"/>
+          <a:chExt cx="0" cy="0"/>
+        </a:xfrm>
+      </p:grpSpPr>
+      <p:sp>
+        <p:nvSpPr>
           <p:cNvPr id="22531" name="Text Box 3"/>
           <p:cNvSpPr txBox="1">
             <a:spLocks noChangeArrowheads="1"/>
@@ -10236,7 +10863,7 @@
 </p:sld>
 </file>
 
-<file path=ppt/slides/slide4.xml><?xml version="1.0" encoding="utf-8"?>
+<file path=ppt/slides/slide5.xml><?xml version="1.0" encoding="utf-8"?>
 <p:sld xmlns:a="http://schemas.openxmlformats.org/drawingml/2006/main" xmlns:r="http://schemas.openxmlformats.org/officeDocument/2006/relationships" xmlns:p="http://schemas.openxmlformats.org/presentationml/2006/main">
   <p:cSld>
     <p:spTree>
@@ -10275,7 +10902,7 @@
           <a:graphicData uri="http://schemas.openxmlformats.org/presentationml/2006/ole">
             <mc:AlternateContent xmlns:mc="http://schemas.openxmlformats.org/markup-compatibility/2006">
               <mc:Choice xmlns:v="urn:schemas-microsoft-com:vml" Requires="v">
-                <p:oleObj spid="_x0000_s213117" name="Equation" r:id="rId4" imgW="990600" imgH="228600" progId="Equation.DSMT4">
+                <p:oleObj spid="_x0000_s213124" name="Equation" r:id="rId4" imgW="990600" imgH="228600" progId="Equation.DSMT4">
                   <p:embed/>
                 </p:oleObj>
               </mc:Choice>
@@ -10454,7 +11081,7 @@
           <a:graphicData uri="http://schemas.openxmlformats.org/presentationml/2006/ole">
             <mc:AlternateContent xmlns:mc="http://schemas.openxmlformats.org/markup-compatibility/2006">
               <mc:Choice xmlns:v="urn:schemas-microsoft-com:vml" Requires="v">
-                <p:oleObj spid="_x0000_s213118" name="Equation" r:id="rId7" imgW="901700" imgH="469900" progId="Equation.DSMT4">
+                <p:oleObj spid="_x0000_s213125" name="Equation" r:id="rId7" imgW="901700" imgH="469900" progId="Equation.DSMT4">
                   <p:embed/>
                 </p:oleObj>
               </mc:Choice>
@@ -10524,7 +11151,7 @@
           <a:graphicData uri="http://schemas.openxmlformats.org/presentationml/2006/ole">
             <mc:AlternateContent xmlns:mc="http://schemas.openxmlformats.org/markup-compatibility/2006">
               <mc:Choice xmlns:v="urn:schemas-microsoft-com:vml" Requires="v">
-                <p:oleObj spid="_x0000_s213119" name="Equation" r:id="rId9" imgW="927100" imgH="469900" progId="Equation.DSMT4">
+                <p:oleObj spid="_x0000_s213126" name="Equation" r:id="rId9" imgW="927100" imgH="469900" progId="Equation.DSMT4">
                   <p:embed/>
                 </p:oleObj>
               </mc:Choice>
@@ -10759,7 +11386,7 @@
 </p:sld>
 </file>
 
-<file path=ppt/slides/slide5.xml><?xml version="1.0" encoding="utf-8"?>
+<file path=ppt/slides/slide6.xml><?xml version="1.0" encoding="utf-8"?>
 <p:sld xmlns:a="http://schemas.openxmlformats.org/drawingml/2006/main" xmlns:r="http://schemas.openxmlformats.org/officeDocument/2006/relationships" xmlns:p="http://schemas.openxmlformats.org/presentationml/2006/main">
   <p:cSld>
     <p:spTree>
@@ -10960,7 +11587,7 @@
           <a:graphicData uri="http://schemas.openxmlformats.org/presentationml/2006/ole">
             <mc:AlternateContent xmlns:mc="http://schemas.openxmlformats.org/markup-compatibility/2006">
               <mc:Choice xmlns:v="urn:schemas-microsoft-com:vml" Requires="v">
-                <p:oleObj spid="_x0000_s1031" name="Equation" r:id="rId5" imgW="927100" imgH="469900" progId="Equation.DSMT4">
+                <p:oleObj spid="_x0000_s1036" name="Equation" r:id="rId5" imgW="927100" imgH="469900" progId="Equation.DSMT4">
                   <p:embed/>
                 </p:oleObj>
               </mc:Choice>
@@ -11017,7 +11644,7 @@
           <a:graphicData uri="http://schemas.openxmlformats.org/presentationml/2006/ole">
             <mc:AlternateContent xmlns:mc="http://schemas.openxmlformats.org/markup-compatibility/2006">
               <mc:Choice xmlns:v="urn:schemas-microsoft-com:vml" Requires="v">
-                <p:oleObj spid="_x0000_s1032" name="Equation" r:id="rId7" imgW="1079500" imgH="469900" progId="Equation.DSMT4">
+                <p:oleObj spid="_x0000_s1037" name="Equation" r:id="rId7" imgW="1079500" imgH="469900" progId="Equation.DSMT4">
                   <p:embed/>
                 </p:oleObj>
               </mc:Choice>
@@ -11160,7 +11787,7 @@
 </p:sld>
 </file>
 
-<file path=ppt/slides/slide6.xml><?xml version="1.0" encoding="utf-8"?>
+<file path=ppt/slides/slide7.xml><?xml version="1.0" encoding="utf-8"?>
 <p:sld xmlns:a="http://schemas.openxmlformats.org/drawingml/2006/main" xmlns:r="http://schemas.openxmlformats.org/officeDocument/2006/relationships" xmlns:p="http://schemas.openxmlformats.org/presentationml/2006/main">
   <p:cSld>
     <p:spTree>
@@ -11429,7 +12056,7 @@
           <a:graphicData uri="http://schemas.openxmlformats.org/presentationml/2006/ole">
             <mc:AlternateContent xmlns:mc="http://schemas.openxmlformats.org/markup-compatibility/2006">
               <mc:Choice xmlns:v="urn:schemas-microsoft-com:vml" Requires="v">
-                <p:oleObj spid="_x0000_s323657" name="Equation" r:id="rId5" imgW="927100" imgH="469900" progId="Equation.DSMT4">
+                <p:oleObj spid="_x0000_s323662" name="Equation" r:id="rId5" imgW="927100" imgH="469900" progId="Equation.DSMT4">
                   <p:embed/>
                 </p:oleObj>
               </mc:Choice>
@@ -11486,7 +12113,7 @@
           <a:graphicData uri="http://schemas.openxmlformats.org/presentationml/2006/ole">
             <mc:AlternateContent xmlns:mc="http://schemas.openxmlformats.org/markup-compatibility/2006">
               <mc:Choice xmlns:v="urn:schemas-microsoft-com:vml" Requires="v">
-                <p:oleObj spid="_x0000_s323658" name="Equation" r:id="rId7" imgW="1079500" imgH="469900" progId="Equation.DSMT4">
+                <p:oleObj spid="_x0000_s323663" name="Equation" r:id="rId7" imgW="1079500" imgH="469900" progId="Equation.DSMT4">
                   <p:embed/>
                 </p:oleObj>
               </mc:Choice>
@@ -11627,7 +12254,7 @@
 </p:sld>
 </file>
 
-<file path=ppt/slides/slide7.xml><?xml version="1.0" encoding="utf-8"?>
+<file path=ppt/slides/slide8.xml><?xml version="1.0" encoding="utf-8"?>
 <p:sld xmlns:a="http://schemas.openxmlformats.org/drawingml/2006/main" xmlns:r="http://schemas.openxmlformats.org/officeDocument/2006/relationships" xmlns:p="http://schemas.openxmlformats.org/presentationml/2006/main">
   <p:cSld>
     <p:spTree>
@@ -11666,7 +12293,7 @@
           <a:graphicData uri="http://schemas.openxmlformats.org/presentationml/2006/ole">
             <mc:AlternateContent xmlns:mc="http://schemas.openxmlformats.org/markup-compatibility/2006">
               <mc:Choice xmlns:v="urn:schemas-microsoft-com:vml" Requires="v">
-                <p:oleObj spid="_x0000_s329733" name="Equation" r:id="rId3" imgW="1739900" imgH="228600" progId="Equation.DSMT4">
+                <p:oleObj spid="_x0000_s329738" name="Equation" r:id="rId3" imgW="1739900" imgH="228600" progId="Equation.DSMT4">
                   <p:embed/>
                 </p:oleObj>
               </mc:Choice>
@@ -12135,7 +12762,7 @@
           <a:graphicData uri="http://schemas.openxmlformats.org/presentationml/2006/ole">
             <mc:AlternateContent xmlns:mc="http://schemas.openxmlformats.org/markup-compatibility/2006">
               <mc:Choice xmlns:v="urn:schemas-microsoft-com:vml" Requires="v">
-                <p:oleObj spid="_x0000_s329734" name="Equation" r:id="rId5" imgW="444500" imgH="190500" progId="Equation.DSMT4">
+                <p:oleObj spid="_x0000_s329739" name="Equation" r:id="rId5" imgW="444500" imgH="190500" progId="Equation.DSMT4">
                   <p:embed/>
                 </p:oleObj>
               </mc:Choice>
@@ -12462,7 +13089,7 @@
 </p:sld>
 </file>
 
-<file path=ppt/slides/slide8.xml><?xml version="1.0" encoding="utf-8"?>
+<file path=ppt/slides/slide9.xml><?xml version="1.0" encoding="utf-8"?>
 <p:sld xmlns:a="http://schemas.openxmlformats.org/drawingml/2006/main" xmlns:r="http://schemas.openxmlformats.org/officeDocument/2006/relationships" xmlns:p="http://schemas.openxmlformats.org/presentationml/2006/main">
   <p:cSld>
     <p:spTree>
@@ -13098,7 +13725,7 @@
             <a:graphicData uri="http://schemas.openxmlformats.org/presentationml/2006/ole">
               <mc:AlternateContent xmlns:mc="http://schemas.openxmlformats.org/markup-compatibility/2006">
                 <mc:Choice xmlns:v="urn:schemas-microsoft-com:vml" Requires="v">
-                  <p:oleObj spid="_x0000_s330759" name="Equation" r:id="rId3" imgW="444500" imgH="190500" progId="Equation.DSMT4">
+                  <p:oleObj spid="_x0000_s330766" name="Equation" r:id="rId3" imgW="444500" imgH="190500" progId="Equation.DSMT4">
                     <p:embed/>
                   </p:oleObj>
                 </mc:Choice>
@@ -13155,7 +13782,7 @@
             <a:graphicData uri="http://schemas.openxmlformats.org/presentationml/2006/ole">
               <mc:AlternateContent xmlns:mc="http://schemas.openxmlformats.org/markup-compatibility/2006">
                 <mc:Choice xmlns:v="urn:schemas-microsoft-com:vml" Requires="v">
-                  <p:oleObj spid="_x0000_s330760" name="Equation" r:id="rId5" imgW="381000" imgH="190500" progId="Equation.DSMT4">
+                  <p:oleObj spid="_x0000_s330767" name="Equation" r:id="rId5" imgW="381000" imgH="190500" progId="Equation.DSMT4">
                     <p:embed/>
                   </p:oleObj>
                 </mc:Choice>
@@ -13353,10 +13980,6 @@
                 </a:rPr>
                 <a:t> smaller for better %</a:t>
               </a:r>
-              <a:endParaRPr lang="en-US" dirty="0" smtClean="0">
-                <a:latin typeface="Comic Sans MS"/>
-                <a:cs typeface="Comic Sans MS"/>
-              </a:endParaRPr>
             </a:p>
           </p:txBody>
         </p:sp>
@@ -13410,7 +14033,7 @@
           <a:graphicData uri="http://schemas.openxmlformats.org/presentationml/2006/ole">
             <mc:AlternateContent xmlns:mc="http://schemas.openxmlformats.org/markup-compatibility/2006">
               <mc:Choice xmlns:v="urn:schemas-microsoft-com:vml" Requires="v">
-                <p:oleObj spid="_x0000_s330761" name="Equation" r:id="rId7" imgW="1739900" imgH="228600" progId="Equation.DSMT4">
+                <p:oleObj spid="_x0000_s330768" name="Equation" r:id="rId7" imgW="1739900" imgH="228600" progId="Equation.DSMT4">
                   <p:embed/>
                 </p:oleObj>
               </mc:Choice>
@@ -13468,13 +14091,13 @@
   <p:clrMapOvr>
     <a:masterClrMapping/>
   </p:clrMapOvr>
-  <mc:AlternateContent xmlns:mc="http://schemas.openxmlformats.org/markup-compatibility/2006">
-    <mc:Choice xmlns:p14="http://schemas.microsoft.com/office/powerpoint/2010/main" Requires="p14">
+  <mc:AlternateContent xmlns:mc="http://schemas.openxmlformats.org/markup-compatibility/2006" xmlns:p14="http://schemas.microsoft.com/office/powerpoint/2010/main">
+    <mc:Choice Requires="p14">
       <p:transition spd="med" p14:dur="700" advClick="0">
         <p:fade/>
       </p:transition>
     </mc:Choice>
-    <mc:Fallback>
+    <mc:Fallback xmlns="">
       <p:transition xmlns:p14="http://schemas.microsoft.com/office/powerpoint/2010/main" spd="med" advClick="0">
         <p:fade/>
       </p:transition>
@@ -13560,284 +14183,6 @@
             </p:seq>
           </p:childTnLst>
         </p:cTn>
-      </p:par>
-    </p:tnLst>
-  </p:timing>
-</p:sld>
-</file>
-
-<file path=ppt/slides/slide9.xml><?xml version="1.0" encoding="utf-8"?>
-<p:sld xmlns:a="http://schemas.openxmlformats.org/drawingml/2006/main" xmlns:r="http://schemas.openxmlformats.org/officeDocument/2006/relationships" xmlns:p="http://schemas.openxmlformats.org/presentationml/2006/main">
-  <p:cSld>
-    <p:spTree>
-      <p:nvGrpSpPr>
-        <p:cNvPr id="1" name=""/>
-        <p:cNvGrpSpPr/>
-        <p:nvPr/>
-      </p:nvGrpSpPr>
-      <p:grpSpPr>
-        <a:xfrm>
-          <a:off x="0" y="0"/>
-          <a:ext cx="0" cy="0"/>
-          <a:chOff x="0" y="0"/>
-          <a:chExt cx="0" cy="0"/>
-        </a:xfrm>
-      </p:grpSpPr>
-      <p:sp>
-        <p:nvSpPr>
-          <p:cNvPr id="24580" name="Text Box 3"/>
-          <p:cNvSpPr txBox="1">
-            <a:spLocks noChangeArrowheads="1"/>
-          </p:cNvSpPr>
-          <p:nvPr/>
-        </p:nvSpPr>
-        <p:spPr bwMode="auto">
-          <a:xfrm>
-            <a:off x="1660525" y="3038475"/>
-            <a:ext cx="184150" cy="519113"/>
-          </a:xfrm>
-          <a:prstGeom prst="rect">
-            <a:avLst/>
-          </a:prstGeom>
-          <a:noFill/>
-          <a:ln w="9525">
-            <a:noFill/>
-            <a:miter lim="800000"/>
-            <a:headEnd/>
-            <a:tailEnd/>
-          </a:ln>
-        </p:spPr>
-        <p:txBody>
-          <a:bodyPr wrap="none">
-            <a:spAutoFit/>
-          </a:bodyPr>
-          <a:lstStyle/>
-          <a:p>
-            <a:endParaRPr lang="en-US" sz="2800" i="1">
-              <a:solidFill>
-                <a:srgbClr val="000000"/>
-              </a:solidFill>
-              <a:latin typeface="Times New Roman" pitchFamily="18" charset="0"/>
-            </a:endParaRPr>
-          </a:p>
-        </p:txBody>
-      </p:sp>
-      <p:sp>
-        <p:nvSpPr>
-          <p:cNvPr id="24581" name="Text Box 4"/>
-          <p:cNvSpPr txBox="1">
-            <a:spLocks noChangeArrowheads="1"/>
-          </p:cNvSpPr>
-          <p:nvPr/>
-        </p:nvSpPr>
-        <p:spPr bwMode="auto">
-          <a:xfrm>
-            <a:off x="312420" y="1203960"/>
-            <a:ext cx="8526780" cy="4524315"/>
-          </a:xfrm>
-          <a:prstGeom prst="rect">
-            <a:avLst/>
-          </a:prstGeom>
-          <a:noFill/>
-          <a:ln w="9525">
-            <a:noFill/>
-            <a:miter lim="800000"/>
-            <a:headEnd/>
-            <a:tailEnd/>
-          </a:ln>
-        </p:spPr>
-        <p:txBody>
-          <a:bodyPr wrap="square">
-            <a:spAutoFit/>
-          </a:bodyPr>
-          <a:lstStyle/>
-          <a:p>
-            <a:r>
-              <a:rPr lang="en-US" sz="3600" dirty="0">
-                <a:solidFill>
-                  <a:srgbClr val="000000"/>
-                </a:solidFill>
-                <a:latin typeface="Times New Roman" pitchFamily="18" charset="0"/>
-              </a:rPr>
-              <a:t>It certainly remains to be inquired whether after the number of observations has been increased, </a:t>
-            </a:r>
-            <a:r>
-              <a:rPr lang="en-US" sz="3600" dirty="0">
-                <a:solidFill>
-                  <a:srgbClr val="0000FF"/>
-                </a:solidFill>
-                <a:latin typeface="Times New Roman" pitchFamily="18" charset="0"/>
-              </a:rPr>
-              <a:t>the probability…of obtaining the true ratio…finally exceeds any given degree of certainty</a:t>
-            </a:r>
-            <a:r>
-              <a:rPr lang="en-US" sz="3600" dirty="0">
-                <a:solidFill>
-                  <a:srgbClr val="000000"/>
-                </a:solidFill>
-                <a:latin typeface="Times New Roman" pitchFamily="18" charset="0"/>
-              </a:rPr>
-              <a:t>; </a:t>
-            </a:r>
-            <a:r>
-              <a:rPr lang="en-US" sz="3600" dirty="0">
-                <a:solidFill>
-                  <a:srgbClr val="007600"/>
-                </a:solidFill>
-                <a:latin typeface="Times New Roman" pitchFamily="18" charset="0"/>
-              </a:rPr>
-              <a:t>or</a:t>
-            </a:r>
-            <a:r>
-              <a:rPr lang="en-US" sz="3600" dirty="0">
-                <a:solidFill>
-                  <a:srgbClr val="000000"/>
-                </a:solidFill>
-                <a:latin typeface="Times New Roman" pitchFamily="18" charset="0"/>
-              </a:rPr>
-              <a:t> whether the problem has, so to speak, its own </a:t>
-            </a:r>
-            <a:r>
-              <a:rPr lang="en-US" sz="3600" dirty="0" smtClean="0">
-                <a:solidFill>
-                  <a:srgbClr val="000000"/>
-                </a:solidFill>
-                <a:latin typeface="Times New Roman" pitchFamily="18" charset="0"/>
-              </a:rPr>
-              <a:t>asymptote </a:t>
-            </a:r>
-            <a:r>
-              <a:rPr lang="en-US" sz="3600" dirty="0" smtClean="0">
-                <a:solidFill>
-                  <a:srgbClr val="000000"/>
-                </a:solidFill>
-                <a:latin typeface="Euclid Symbol" charset="2"/>
-                <a:cs typeface="Euclid Symbol" charset="2"/>
-                <a:sym typeface="Euclid Symbol" pitchFamily="18" charset="2"/>
-              </a:rPr>
-              <a:t>−</a:t>
-            </a:r>
-            <a:r>
-              <a:rPr lang="en-US" sz="3600" dirty="0" smtClean="0">
-                <a:solidFill>
-                  <a:srgbClr val="000000"/>
-                </a:solidFill>
-                <a:latin typeface="Times New Roman" pitchFamily="18" charset="0"/>
-              </a:rPr>
-              <a:t>that </a:t>
-            </a:r>
-            <a:r>
-              <a:rPr lang="en-US" sz="3600" dirty="0">
-                <a:solidFill>
-                  <a:srgbClr val="000000"/>
-                </a:solidFill>
-                <a:latin typeface="Times New Roman" pitchFamily="18" charset="0"/>
-              </a:rPr>
-              <a:t>is, whether </a:t>
-            </a:r>
-            <a:r>
-              <a:rPr lang="en-US" sz="3600" dirty="0">
-                <a:solidFill>
-                  <a:srgbClr val="0000FF"/>
-                </a:solidFill>
-                <a:latin typeface="Times New Roman" pitchFamily="18" charset="0"/>
-              </a:rPr>
-              <a:t>some degree of certainty is given which one can never exceed.</a:t>
-            </a:r>
-          </a:p>
-        </p:txBody>
-      </p:sp>
-      <p:sp>
-        <p:nvSpPr>
-          <p:cNvPr id="6" name="Rectangle 2"/>
-          <p:cNvSpPr>
-            <a:spLocks noChangeArrowheads="1"/>
-          </p:cNvSpPr>
-          <p:nvPr/>
-        </p:nvSpPr>
-        <p:spPr bwMode="auto">
-          <a:xfrm>
-            <a:off x="1173480" y="289560"/>
-            <a:ext cx="7086600" cy="899160"/>
-          </a:xfrm>
-          <a:prstGeom prst="rect">
-            <a:avLst/>
-          </a:prstGeom>
-          <a:noFill/>
-          <a:ln w="9525">
-            <a:noFill/>
-            <a:miter lim="800000"/>
-            <a:headEnd/>
-            <a:tailEnd/>
-          </a:ln>
-        </p:spPr>
-        <p:txBody>
-          <a:bodyPr anchor="ctr"/>
-          <a:lstStyle/>
-          <a:p>
-            <a:pPr algn="ctr"/>
-            <a:r>
-              <a:rPr lang="en-US" sz="3200" b="1" dirty="0">
-                <a:solidFill>
-                  <a:srgbClr val="000000"/>
-                </a:solidFill>
-                <a:latin typeface="Comic Sans MS" pitchFamily="66" charset="0"/>
-              </a:rPr>
-              <a:t>Jacob D. Bernoulli (</a:t>
-            </a:r>
-            <a:r>
-              <a:rPr lang="en-US" sz="3200" b="1" dirty="0" smtClean="0">
-                <a:solidFill>
-                  <a:srgbClr val="000000"/>
-                </a:solidFill>
-                <a:latin typeface="Comic Sans MS" pitchFamily="66" charset="0"/>
-              </a:rPr>
-              <a:t>1659</a:t>
-            </a:r>
-            <a:r>
-              <a:rPr lang="en-US" sz="3200" b="1" dirty="0" smtClean="0">
-                <a:solidFill>
-                  <a:srgbClr val="000000"/>
-                </a:solidFill>
-                <a:latin typeface="Euclid Symbol" charset="2"/>
-                <a:cs typeface="Euclid Symbol" charset="2"/>
-                <a:sym typeface="Euclid Symbol"/>
-              </a:rPr>
-              <a:t>−</a:t>
-            </a:r>
-            <a:r>
-              <a:rPr lang="en-US" sz="3200" b="1" dirty="0" smtClean="0">
-                <a:solidFill>
-                  <a:srgbClr val="000000"/>
-                </a:solidFill>
-                <a:latin typeface="Comic Sans MS" pitchFamily="66" charset="0"/>
-              </a:rPr>
-              <a:t>1705</a:t>
-            </a:r>
-            <a:r>
-              <a:rPr lang="en-US" sz="3200" b="1" dirty="0">
-                <a:solidFill>
-                  <a:srgbClr val="000000"/>
-                </a:solidFill>
-                <a:latin typeface="Comic Sans MS" pitchFamily="66" charset="0"/>
-              </a:rPr>
-              <a:t>)</a:t>
-            </a:r>
-          </a:p>
-        </p:txBody>
-      </p:sp>
-    </p:spTree>
-  </p:cSld>
-  <p:clrMapOvr>
-    <a:masterClrMapping/>
-  </p:clrMapOvr>
-  <p:transition xmlns:p14="http://schemas.microsoft.com/office/powerpoint/2010/main" spd="slow" advClick="0">
-    <p:fade thruBlk="1"/>
-  </p:transition>
-  <p:timing>
-    <p:tnLst>
-      <p:par>
-        <p:cTn xmlns:p14="http://schemas.microsoft.com/office/powerpoint/2010/main" id="1" dur="indefinite" restart="never" nodeType="tmRoot"/>
       </p:par>
     </p:tnLst>
   </p:timing>

--- a/spring13/slides13/law-of-large-numbers.pptx
+++ b/spring13/slides13/law-of-large-numbers.pptx
@@ -6,10 +6,10 @@
     <p:sldMasterId id="2147483687" r:id="rId2"/>
   </p:sldMasterIdLst>
   <p:notesMasterIdLst>
-    <p:notesMasterId r:id="rId24"/>
+    <p:notesMasterId r:id="rId28"/>
   </p:notesMasterIdLst>
   <p:handoutMasterIdLst>
-    <p:handoutMasterId r:id="rId25"/>
+    <p:handoutMasterId r:id="rId29"/>
   </p:handoutMasterIdLst>
   <p:sldIdLst>
     <p:sldId id="816" r:id="rId3"/>
@@ -21,23 +21,27 @@
     <p:sldId id="844" r:id="rId9"/>
     <p:sldId id="856" r:id="rId10"/>
     <p:sldId id="857" r:id="rId11"/>
-    <p:sldId id="821" r:id="rId12"/>
-    <p:sldId id="859" r:id="rId13"/>
-    <p:sldId id="860" r:id="rId14"/>
-    <p:sldId id="861" r:id="rId15"/>
-    <p:sldId id="858" r:id="rId16"/>
-    <p:sldId id="808" r:id="rId17"/>
-    <p:sldId id="862" r:id="rId18"/>
-    <p:sldId id="823" r:id="rId19"/>
-    <p:sldId id="848" r:id="rId20"/>
-    <p:sldId id="817" r:id="rId21"/>
-    <p:sldId id="863" r:id="rId22"/>
-    <p:sldId id="822" r:id="rId23"/>
+    <p:sldId id="865" r:id="rId12"/>
+    <p:sldId id="866" r:id="rId13"/>
+    <p:sldId id="868" r:id="rId14"/>
+    <p:sldId id="867" r:id="rId15"/>
+    <p:sldId id="821" r:id="rId16"/>
+    <p:sldId id="859" r:id="rId17"/>
+    <p:sldId id="860" r:id="rId18"/>
+    <p:sldId id="861" r:id="rId19"/>
+    <p:sldId id="858" r:id="rId20"/>
+    <p:sldId id="808" r:id="rId21"/>
+    <p:sldId id="862" r:id="rId22"/>
+    <p:sldId id="823" r:id="rId23"/>
+    <p:sldId id="848" r:id="rId24"/>
+    <p:sldId id="817" r:id="rId25"/>
+    <p:sldId id="863" r:id="rId26"/>
+    <p:sldId id="822" r:id="rId27"/>
   </p:sldIdLst>
   <p:sldSz cx="9144000" cy="6858000" type="screen4x3"/>
   <p:notesSz cx="9601200" cy="7315200"/>
   <p:custDataLst>
-    <p:tags r:id="rId27"/>
+    <p:tags r:id="rId31"/>
   </p:custDataLst>
   <p:defaultTextStyle>
     <a:defPPr>
@@ -1016,141 +1020,21 @@
       </p:grpSpPr>
       <p:sp>
         <p:nvSpPr>
-          <p:cNvPr id="7" name="Rectangle 7"/>
+          <p:cNvPr id="2" name="Slide Image Placeholder 1"/>
           <p:cNvSpPr>
-            <a:spLocks noGrp="1" noChangeArrowheads="1"/>
-          </p:cNvSpPr>
-          <p:nvPr>
-            <p:ph type="sldNum" sz="quarter" idx="5"/>
-          </p:nvPr>
-        </p:nvSpPr>
-        <p:spPr>
-          <a:ln/>
-        </p:spPr>
-        <p:txBody>
-          <a:bodyPr/>
-          <a:lstStyle/>
-          <a:p>
-            <a:fld id="{460183DB-8D3D-4827-BF4C-7BD92E76D20E}" type="slidenum">
-              <a:rPr lang="en-US"/>
-              <a:pPr/>
-              <a:t>14</a:t>
-            </a:fld>
-            <a:endParaRPr lang="en-US"/>
-          </a:p>
-        </p:txBody>
-      </p:sp>
-      <p:sp>
-        <p:nvSpPr>
-          <p:cNvPr id="31746" name="Rectangle 2"/>
-          <p:cNvSpPr>
-            <a:spLocks noGrp="1" noRot="1" noChangeAspect="1" noChangeArrowheads="1" noTextEdit="1"/>
+            <a:spLocks noGrp="1" noRot="1" noChangeAspect="1"/>
           </p:cNvSpPr>
           <p:nvPr>
             <p:ph type="sldImg"/>
           </p:nvPr>
         </p:nvSpPr>
-        <p:spPr>
-          <a:xfrm>
-            <a:off x="2974975" y="549275"/>
-            <a:ext cx="3657600" cy="2743200"/>
-          </a:xfrm>
-          <a:ln/>
-        </p:spPr>
+        <p:spPr/>
       </p:sp>
       <p:sp>
         <p:nvSpPr>
-          <p:cNvPr id="31747" name="Rectangle 3"/>
+          <p:cNvPr id="3" name="Notes Placeholder 2"/>
           <p:cNvSpPr>
-            <a:spLocks noGrp="1" noChangeArrowheads="1"/>
-          </p:cNvSpPr>
-          <p:nvPr>
-            <p:ph type="body" idx="1"/>
-          </p:nvPr>
-        </p:nvSpPr>
-        <p:spPr/>
-        <p:txBody>
-          <a:bodyPr/>
-          <a:lstStyle/>
-          <a:p>
-            <a:endParaRPr lang="en-US" dirty="0"/>
-          </a:p>
-        </p:txBody>
-      </p:sp>
-    </p:spTree>
-  </p:cSld>
-  <p:clrMapOvr>
-    <a:masterClrMapping/>
-  </p:clrMapOvr>
-</p:notes>
-</file>
-
-<file path=ppt/notesSlides/notesSlide11.xml><?xml version="1.0" encoding="utf-8"?>
-<p:notes xmlns:a="http://schemas.openxmlformats.org/drawingml/2006/main" xmlns:r="http://schemas.openxmlformats.org/officeDocument/2006/relationships" xmlns:p="http://schemas.openxmlformats.org/presentationml/2006/main">
-  <p:cSld>
-    <p:spTree>
-      <p:nvGrpSpPr>
-        <p:cNvPr id="1" name=""/>
-        <p:cNvGrpSpPr/>
-        <p:nvPr/>
-      </p:nvGrpSpPr>
-      <p:grpSpPr>
-        <a:xfrm>
-          <a:off x="0" y="0"/>
-          <a:ext cx="0" cy="0"/>
-          <a:chOff x="0" y="0"/>
-          <a:chExt cx="0" cy="0"/>
-        </a:xfrm>
-      </p:grpSpPr>
-      <p:sp>
-        <p:nvSpPr>
-          <p:cNvPr id="7" name="Rectangle 7"/>
-          <p:cNvSpPr>
-            <a:spLocks noGrp="1" noChangeArrowheads="1"/>
-          </p:cNvSpPr>
-          <p:nvPr>
-            <p:ph type="sldNum" sz="quarter" idx="5"/>
-          </p:nvPr>
-        </p:nvSpPr>
-        <p:spPr>
-          <a:ln/>
-        </p:spPr>
-        <p:txBody>
-          <a:bodyPr/>
-          <a:lstStyle/>
-          <a:p>
-            <a:fld id="{2C93A176-BC2D-412F-9AD9-2A6459465F7C}" type="slidenum">
-              <a:rPr lang="en-US"/>
-              <a:pPr/>
-              <a:t>15</a:t>
-            </a:fld>
-            <a:endParaRPr lang="en-US"/>
-          </a:p>
-        </p:txBody>
-      </p:sp>
-      <p:sp>
-        <p:nvSpPr>
-          <p:cNvPr id="82946" name="Rectangle 2"/>
-          <p:cNvSpPr>
-            <a:spLocks noGrp="1" noRot="1" noChangeAspect="1" noChangeArrowheads="1" noTextEdit="1"/>
-          </p:cNvSpPr>
-          <p:nvPr>
-            <p:ph type="sldImg"/>
-          </p:nvPr>
-        </p:nvSpPr>
-        <p:spPr>
-          <a:xfrm>
-            <a:off x="2974975" y="549275"/>
-            <a:ext cx="3657600" cy="2743200"/>
-          </a:xfrm>
-          <a:ln/>
-        </p:spPr>
-      </p:sp>
-      <p:sp>
-        <p:nvSpPr>
-          <p:cNvPr id="82947" name="Rectangle 3"/>
-          <p:cNvSpPr>
-            <a:spLocks noGrp="1" noChangeArrowheads="1"/>
+            <a:spLocks noGrp="1"/>
           </p:cNvSpPr>
           <p:nvPr>
             <p:ph type="body" idx="1"/>
@@ -1165,7 +1049,41 @@
           </a:p>
         </p:txBody>
       </p:sp>
+      <p:sp>
+        <p:nvSpPr>
+          <p:cNvPr id="4" name="Slide Number Placeholder 3"/>
+          <p:cNvSpPr>
+            <a:spLocks noGrp="1"/>
+          </p:cNvSpPr>
+          <p:nvPr>
+            <p:ph type="sldNum" sz="quarter" idx="10"/>
+          </p:nvPr>
+        </p:nvSpPr>
+        <p:spPr/>
+        <p:txBody>
+          <a:bodyPr/>
+          <a:lstStyle/>
+          <a:p>
+            <a:pPr>
+              <a:defRPr/>
+            </a:pPr>
+            <a:fld id="{A32D937A-A834-4882-89DE-8A0AB0171B36}" type="slidenum">
+              <a:rPr lang="en-US" smtClean="0"/>
+              <a:pPr>
+                <a:defRPr/>
+              </a:pPr>
+              <a:t>10</a:t>
+            </a:fld>
+            <a:endParaRPr lang="en-US"/>
+          </a:p>
+        </p:txBody>
+      </p:sp>
     </p:spTree>
+    <p:extLst>
+      <p:ext uri="{BB962C8B-B14F-4D97-AF65-F5344CB8AC3E}">
+        <p14:creationId xmlns:p14="http://schemas.microsoft.com/office/powerpoint/2010/main" val="3440748771"/>
+      </p:ext>
+    </p:extLst>
   </p:cSld>
   <p:clrMapOvr>
     <a:masterClrMapping/>
@@ -1173,183 +1091,7 @@
 </p:notes>
 </file>
 
-<file path=ppt/notesSlides/notesSlide12.xml><?xml version="1.0" encoding="utf-8"?>
-<p:notes xmlns:a="http://schemas.openxmlformats.org/drawingml/2006/main" xmlns:r="http://schemas.openxmlformats.org/officeDocument/2006/relationships" xmlns:p="http://schemas.openxmlformats.org/presentationml/2006/main">
-  <p:cSld>
-    <p:spTree>
-      <p:nvGrpSpPr>
-        <p:cNvPr id="1" name=""/>
-        <p:cNvGrpSpPr/>
-        <p:nvPr/>
-      </p:nvGrpSpPr>
-      <p:grpSpPr>
-        <a:xfrm>
-          <a:off x="0" y="0"/>
-          <a:ext cx="0" cy="0"/>
-          <a:chOff x="0" y="0"/>
-          <a:chExt cx="0" cy="0"/>
-        </a:xfrm>
-      </p:grpSpPr>
-      <p:sp>
-        <p:nvSpPr>
-          <p:cNvPr id="7" name="Rectangle 7"/>
-          <p:cNvSpPr>
-            <a:spLocks noGrp="1" noChangeArrowheads="1"/>
-          </p:cNvSpPr>
-          <p:nvPr>
-            <p:ph type="sldNum" sz="quarter" idx="5"/>
-          </p:nvPr>
-        </p:nvSpPr>
-        <p:spPr>
-          <a:ln/>
-        </p:spPr>
-        <p:txBody>
-          <a:bodyPr/>
-          <a:lstStyle/>
-          <a:p>
-            <a:fld id="{2C93A176-BC2D-412F-9AD9-2A6459465F7C}" type="slidenum">
-              <a:rPr lang="en-US"/>
-              <a:pPr/>
-              <a:t>16</a:t>
-            </a:fld>
-            <a:endParaRPr lang="en-US"/>
-          </a:p>
-        </p:txBody>
-      </p:sp>
-      <p:sp>
-        <p:nvSpPr>
-          <p:cNvPr id="82946" name="Rectangle 2"/>
-          <p:cNvSpPr>
-            <a:spLocks noGrp="1" noRot="1" noChangeAspect="1" noChangeArrowheads="1" noTextEdit="1"/>
-          </p:cNvSpPr>
-          <p:nvPr>
-            <p:ph type="sldImg"/>
-          </p:nvPr>
-        </p:nvSpPr>
-        <p:spPr>
-          <a:xfrm>
-            <a:off x="2974975" y="549275"/>
-            <a:ext cx="3657600" cy="2743200"/>
-          </a:xfrm>
-          <a:ln/>
-        </p:spPr>
-      </p:sp>
-      <p:sp>
-        <p:nvSpPr>
-          <p:cNvPr id="82947" name="Rectangle 3"/>
-          <p:cNvSpPr>
-            <a:spLocks noGrp="1" noChangeArrowheads="1"/>
-          </p:cNvSpPr>
-          <p:nvPr>
-            <p:ph type="body" idx="1"/>
-          </p:nvPr>
-        </p:nvSpPr>
-        <p:spPr/>
-        <p:txBody>
-          <a:bodyPr/>
-          <a:lstStyle/>
-          <a:p>
-            <a:endParaRPr lang="en-US"/>
-          </a:p>
-        </p:txBody>
-      </p:sp>
-    </p:spTree>
-  </p:cSld>
-  <p:clrMapOvr>
-    <a:masterClrMapping/>
-  </p:clrMapOvr>
-</p:notes>
-</file>
-
-<file path=ppt/notesSlides/notesSlide13.xml><?xml version="1.0" encoding="utf-8"?>
-<p:notes xmlns:a="http://schemas.openxmlformats.org/drawingml/2006/main" xmlns:r="http://schemas.openxmlformats.org/officeDocument/2006/relationships" xmlns:p="http://schemas.openxmlformats.org/presentationml/2006/main">
-  <p:cSld>
-    <p:spTree>
-      <p:nvGrpSpPr>
-        <p:cNvPr id="1" name=""/>
-        <p:cNvGrpSpPr/>
-        <p:nvPr/>
-      </p:nvGrpSpPr>
-      <p:grpSpPr>
-        <a:xfrm>
-          <a:off x="0" y="0"/>
-          <a:ext cx="0" cy="0"/>
-          <a:chOff x="0" y="0"/>
-          <a:chExt cx="0" cy="0"/>
-        </a:xfrm>
-      </p:grpSpPr>
-      <p:sp>
-        <p:nvSpPr>
-          <p:cNvPr id="7" name="Rectangle 7"/>
-          <p:cNvSpPr>
-            <a:spLocks noGrp="1" noChangeArrowheads="1"/>
-          </p:cNvSpPr>
-          <p:nvPr>
-            <p:ph type="sldNum" sz="quarter" idx="5"/>
-          </p:nvPr>
-        </p:nvSpPr>
-        <p:spPr>
-          <a:ln/>
-        </p:spPr>
-        <p:txBody>
-          <a:bodyPr/>
-          <a:lstStyle/>
-          <a:p>
-            <a:fld id="{2C93A176-BC2D-412F-9AD9-2A6459465F7C}" type="slidenum">
-              <a:rPr lang="en-US"/>
-              <a:pPr/>
-              <a:t>17</a:t>
-            </a:fld>
-            <a:endParaRPr lang="en-US"/>
-          </a:p>
-        </p:txBody>
-      </p:sp>
-      <p:sp>
-        <p:nvSpPr>
-          <p:cNvPr id="82946" name="Rectangle 2"/>
-          <p:cNvSpPr>
-            <a:spLocks noGrp="1" noRot="1" noChangeAspect="1" noChangeArrowheads="1" noTextEdit="1"/>
-          </p:cNvSpPr>
-          <p:nvPr>
-            <p:ph type="sldImg"/>
-          </p:nvPr>
-        </p:nvSpPr>
-        <p:spPr>
-          <a:xfrm>
-            <a:off x="2974975" y="549275"/>
-            <a:ext cx="3657600" cy="2743200"/>
-          </a:xfrm>
-          <a:ln/>
-        </p:spPr>
-      </p:sp>
-      <p:sp>
-        <p:nvSpPr>
-          <p:cNvPr id="82947" name="Rectangle 3"/>
-          <p:cNvSpPr>
-            <a:spLocks noGrp="1" noChangeArrowheads="1"/>
-          </p:cNvSpPr>
-          <p:nvPr>
-            <p:ph type="body" idx="1"/>
-          </p:nvPr>
-        </p:nvSpPr>
-        <p:spPr/>
-        <p:txBody>
-          <a:bodyPr/>
-          <a:lstStyle/>
-          <a:p>
-            <a:endParaRPr lang="en-US"/>
-          </a:p>
-        </p:txBody>
-      </p:sp>
-    </p:spTree>
-  </p:cSld>
-  <p:clrMapOvr>
-    <a:masterClrMapping/>
-  </p:clrMapOvr>
-</p:notes>
-</file>
-
-<file path=ppt/notesSlides/notesSlide14.xml><?xml version="1.0" encoding="utf-8"?>
+<file path=ppt/notesSlides/notesSlide11.xml><?xml version="1.0" encoding="utf-8"?>
 <p:notes xmlns:a="http://schemas.openxmlformats.org/drawingml/2006/main" xmlns:r="http://schemas.openxmlformats.org/officeDocument/2006/relationships" xmlns:p="http://schemas.openxmlformats.org/presentationml/2006/main">
   <p:cSld>
     <p:spTree>
@@ -1420,7 +1162,7 @@
               <a:pPr>
                 <a:defRPr/>
               </a:pPr>
-              <a:t>18</a:t>
+              <a:t>11</a:t>
             </a:fld>
             <a:endParaRPr lang="en-US"/>
           </a:p>
@@ -1429,9 +1171,285 @@
     </p:spTree>
     <p:extLst>
       <p:ext uri="{BB962C8B-B14F-4D97-AF65-F5344CB8AC3E}">
-        <p14:creationId xmlns:p14="http://schemas.microsoft.com/office/powerpoint/2010/main" val="3114209594"/>
+        <p14:creationId xmlns:p14="http://schemas.microsoft.com/office/powerpoint/2010/main" val="2442812194"/>
       </p:ext>
     </p:extLst>
+  </p:cSld>
+  <p:clrMapOvr>
+    <a:masterClrMapping/>
+  </p:clrMapOvr>
+</p:notes>
+</file>
+
+<file path=ppt/notesSlides/notesSlide12.xml><?xml version="1.0" encoding="utf-8"?>
+<p:notes xmlns:a="http://schemas.openxmlformats.org/drawingml/2006/main" xmlns:r="http://schemas.openxmlformats.org/officeDocument/2006/relationships" xmlns:p="http://schemas.openxmlformats.org/presentationml/2006/main">
+  <p:cSld>
+    <p:spTree>
+      <p:nvGrpSpPr>
+        <p:cNvPr id="1" name=""/>
+        <p:cNvGrpSpPr/>
+        <p:nvPr/>
+      </p:nvGrpSpPr>
+      <p:grpSpPr>
+        <a:xfrm>
+          <a:off x="0" y="0"/>
+          <a:ext cx="0" cy="0"/>
+          <a:chOff x="0" y="0"/>
+          <a:chExt cx="0" cy="0"/>
+        </a:xfrm>
+      </p:grpSpPr>
+      <p:sp>
+        <p:nvSpPr>
+          <p:cNvPr id="2" name="Slide Image Placeholder 1"/>
+          <p:cNvSpPr>
+            <a:spLocks noGrp="1" noRot="1" noChangeAspect="1"/>
+          </p:cNvSpPr>
+          <p:nvPr>
+            <p:ph type="sldImg"/>
+          </p:nvPr>
+        </p:nvSpPr>
+        <p:spPr/>
+      </p:sp>
+      <p:sp>
+        <p:nvSpPr>
+          <p:cNvPr id="3" name="Notes Placeholder 2"/>
+          <p:cNvSpPr>
+            <a:spLocks noGrp="1"/>
+          </p:cNvSpPr>
+          <p:nvPr>
+            <p:ph type="body" idx="1"/>
+          </p:nvPr>
+        </p:nvSpPr>
+        <p:spPr/>
+        <p:txBody>
+          <a:bodyPr/>
+          <a:lstStyle/>
+          <a:p>
+            <a:endParaRPr lang="en-US"/>
+          </a:p>
+        </p:txBody>
+      </p:sp>
+      <p:sp>
+        <p:nvSpPr>
+          <p:cNvPr id="4" name="Slide Number Placeholder 3"/>
+          <p:cNvSpPr>
+            <a:spLocks noGrp="1"/>
+          </p:cNvSpPr>
+          <p:nvPr>
+            <p:ph type="sldNum" sz="quarter" idx="10"/>
+          </p:nvPr>
+        </p:nvSpPr>
+        <p:spPr/>
+        <p:txBody>
+          <a:bodyPr/>
+          <a:lstStyle/>
+          <a:p>
+            <a:pPr>
+              <a:defRPr/>
+            </a:pPr>
+            <a:fld id="{A32D937A-A834-4882-89DE-8A0AB0171B36}" type="slidenum">
+              <a:rPr lang="en-US" smtClean="0"/>
+              <a:pPr>
+                <a:defRPr/>
+              </a:pPr>
+              <a:t>12</a:t>
+            </a:fld>
+            <a:endParaRPr lang="en-US"/>
+          </a:p>
+        </p:txBody>
+      </p:sp>
+    </p:spTree>
+    <p:extLst>
+      <p:ext uri="{BB962C8B-B14F-4D97-AF65-F5344CB8AC3E}">
+        <p14:creationId xmlns:p14="http://schemas.microsoft.com/office/powerpoint/2010/main" val="304060934"/>
+      </p:ext>
+    </p:extLst>
+  </p:cSld>
+  <p:clrMapOvr>
+    <a:masterClrMapping/>
+  </p:clrMapOvr>
+</p:notes>
+</file>
+
+<file path=ppt/notesSlides/notesSlide13.xml><?xml version="1.0" encoding="utf-8"?>
+<p:notes xmlns:a="http://schemas.openxmlformats.org/drawingml/2006/main" xmlns:r="http://schemas.openxmlformats.org/officeDocument/2006/relationships" xmlns:p="http://schemas.openxmlformats.org/presentationml/2006/main">
+  <p:cSld>
+    <p:spTree>
+      <p:nvGrpSpPr>
+        <p:cNvPr id="1" name=""/>
+        <p:cNvGrpSpPr/>
+        <p:nvPr/>
+      </p:nvGrpSpPr>
+      <p:grpSpPr>
+        <a:xfrm>
+          <a:off x="0" y="0"/>
+          <a:ext cx="0" cy="0"/>
+          <a:chOff x="0" y="0"/>
+          <a:chExt cx="0" cy="0"/>
+        </a:xfrm>
+      </p:grpSpPr>
+      <p:sp>
+        <p:nvSpPr>
+          <p:cNvPr id="2" name="Slide Image Placeholder 1"/>
+          <p:cNvSpPr>
+            <a:spLocks noGrp="1" noRot="1" noChangeAspect="1"/>
+          </p:cNvSpPr>
+          <p:nvPr>
+            <p:ph type="sldImg"/>
+          </p:nvPr>
+        </p:nvSpPr>
+        <p:spPr/>
+      </p:sp>
+      <p:sp>
+        <p:nvSpPr>
+          <p:cNvPr id="3" name="Notes Placeholder 2"/>
+          <p:cNvSpPr>
+            <a:spLocks noGrp="1"/>
+          </p:cNvSpPr>
+          <p:nvPr>
+            <p:ph type="body" idx="1"/>
+          </p:nvPr>
+        </p:nvSpPr>
+        <p:spPr/>
+        <p:txBody>
+          <a:bodyPr/>
+          <a:lstStyle/>
+          <a:p>
+            <a:endParaRPr lang="en-US"/>
+          </a:p>
+        </p:txBody>
+      </p:sp>
+      <p:sp>
+        <p:nvSpPr>
+          <p:cNvPr id="4" name="Slide Number Placeholder 3"/>
+          <p:cNvSpPr>
+            <a:spLocks noGrp="1"/>
+          </p:cNvSpPr>
+          <p:nvPr>
+            <p:ph type="sldNum" sz="quarter" idx="10"/>
+          </p:nvPr>
+        </p:nvSpPr>
+        <p:spPr/>
+        <p:txBody>
+          <a:bodyPr/>
+          <a:lstStyle/>
+          <a:p>
+            <a:pPr>
+              <a:defRPr/>
+            </a:pPr>
+            <a:fld id="{A32D937A-A834-4882-89DE-8A0AB0171B36}" type="slidenum">
+              <a:rPr lang="en-US" smtClean="0"/>
+              <a:pPr>
+                <a:defRPr/>
+              </a:pPr>
+              <a:t>13</a:t>
+            </a:fld>
+            <a:endParaRPr lang="en-US"/>
+          </a:p>
+        </p:txBody>
+      </p:sp>
+    </p:spTree>
+    <p:extLst>
+      <p:ext uri="{BB962C8B-B14F-4D97-AF65-F5344CB8AC3E}">
+        <p14:creationId xmlns:p14="http://schemas.microsoft.com/office/powerpoint/2010/main" val="265552337"/>
+      </p:ext>
+    </p:extLst>
+  </p:cSld>
+  <p:clrMapOvr>
+    <a:masterClrMapping/>
+  </p:clrMapOvr>
+</p:notes>
+</file>
+
+<file path=ppt/notesSlides/notesSlide14.xml><?xml version="1.0" encoding="utf-8"?>
+<p:notes xmlns:a="http://schemas.openxmlformats.org/drawingml/2006/main" xmlns:r="http://schemas.openxmlformats.org/officeDocument/2006/relationships" xmlns:p="http://schemas.openxmlformats.org/presentationml/2006/main">
+  <p:cSld>
+    <p:spTree>
+      <p:nvGrpSpPr>
+        <p:cNvPr id="1" name=""/>
+        <p:cNvGrpSpPr/>
+        <p:nvPr/>
+      </p:nvGrpSpPr>
+      <p:grpSpPr>
+        <a:xfrm>
+          <a:off x="0" y="0"/>
+          <a:ext cx="0" cy="0"/>
+          <a:chOff x="0" y="0"/>
+          <a:chExt cx="0" cy="0"/>
+        </a:xfrm>
+      </p:grpSpPr>
+      <p:sp>
+        <p:nvSpPr>
+          <p:cNvPr id="7" name="Rectangle 7"/>
+          <p:cNvSpPr>
+            <a:spLocks noGrp="1" noChangeArrowheads="1"/>
+          </p:cNvSpPr>
+          <p:nvPr>
+            <p:ph type="sldNum" sz="quarter" idx="5"/>
+          </p:nvPr>
+        </p:nvSpPr>
+        <p:spPr>
+          <a:ln/>
+        </p:spPr>
+        <p:txBody>
+          <a:bodyPr/>
+          <a:lstStyle/>
+          <a:p>
+            <a:fld id="{8FDCD9A2-D083-4C26-AE8F-0675A4268D30}" type="slidenum">
+              <a:rPr lang="en-US">
+                <a:solidFill>
+                  <a:prstClr val="black"/>
+                </a:solidFill>
+              </a:rPr>
+              <a:pPr/>
+              <a:t>14</a:t>
+            </a:fld>
+            <a:endParaRPr lang="en-US">
+              <a:solidFill>
+                <a:prstClr val="black"/>
+              </a:solidFill>
+            </a:endParaRPr>
+          </a:p>
+        </p:txBody>
+      </p:sp>
+      <p:sp>
+        <p:nvSpPr>
+          <p:cNvPr id="25602" name="Rectangle 2"/>
+          <p:cNvSpPr>
+            <a:spLocks noGrp="1" noRot="1" noChangeAspect="1" noChangeArrowheads="1" noTextEdit="1"/>
+          </p:cNvSpPr>
+          <p:nvPr>
+            <p:ph type="sldImg"/>
+          </p:nvPr>
+        </p:nvSpPr>
+        <p:spPr>
+          <a:xfrm>
+            <a:off x="2974975" y="549275"/>
+            <a:ext cx="3657600" cy="2743200"/>
+          </a:xfrm>
+          <a:ln/>
+        </p:spPr>
+      </p:sp>
+      <p:sp>
+        <p:nvSpPr>
+          <p:cNvPr id="25603" name="Rectangle 3"/>
+          <p:cNvSpPr>
+            <a:spLocks noGrp="1" noChangeArrowheads="1"/>
+          </p:cNvSpPr>
+          <p:nvPr>
+            <p:ph type="body" idx="1"/>
+          </p:nvPr>
+        </p:nvSpPr>
+        <p:spPr/>
+        <p:txBody>
+          <a:bodyPr/>
+          <a:lstStyle/>
+          <a:p>
+            <a:endParaRPr lang="en-US"/>
+          </a:p>
+        </p:txBody>
+      </p:sp>
+    </p:spTree>
   </p:cSld>
   <p:clrMapOvr>
     <a:masterClrMapping/>
@@ -1473,10 +1491,10 @@
           <a:bodyPr/>
           <a:lstStyle/>
           <a:p>
-            <a:fld id="{CE4F1C5E-EC10-4AA2-BE05-3FAD1A6DEC47}" type="slidenum">
+            <a:fld id="{460183DB-8D3D-4827-BF4C-7BD92E76D20E}" type="slidenum">
               <a:rPr lang="en-US"/>
               <a:pPr/>
-              <a:t>19</a:t>
+              <a:t>15</a:t>
             </a:fld>
             <a:endParaRPr lang="en-US"/>
           </a:p>
@@ -1484,7 +1502,7 @@
       </p:sp>
       <p:sp>
         <p:nvSpPr>
-          <p:cNvPr id="87042" name="Rectangle 2"/>
+          <p:cNvPr id="31746" name="Rectangle 2"/>
           <p:cNvSpPr>
             <a:spLocks noGrp="1" noRot="1" noChangeAspect="1" noChangeArrowheads="1" noTextEdit="1"/>
           </p:cNvSpPr>
@@ -1502,7 +1520,7 @@
       </p:sp>
       <p:sp>
         <p:nvSpPr>
-          <p:cNvPr id="87043" name="Rectangle 3"/>
+          <p:cNvPr id="31747" name="Rectangle 3"/>
           <p:cNvSpPr>
             <a:spLocks noGrp="1" noChangeArrowheads="1"/>
           </p:cNvSpPr>
@@ -1561,10 +1579,10 @@
           <a:bodyPr/>
           <a:lstStyle/>
           <a:p>
-            <a:fld id="{CE4F1C5E-EC10-4AA2-BE05-3FAD1A6DEC47}" type="slidenum">
+            <a:fld id="{460183DB-8D3D-4827-BF4C-7BD92E76D20E}" type="slidenum">
               <a:rPr lang="en-US"/>
               <a:pPr/>
-              <a:t>20</a:t>
+              <a:t>16</a:t>
             </a:fld>
             <a:endParaRPr lang="en-US"/>
           </a:p>
@@ -1572,7 +1590,7 @@
       </p:sp>
       <p:sp>
         <p:nvSpPr>
-          <p:cNvPr id="87042" name="Rectangle 2"/>
+          <p:cNvPr id="31746" name="Rectangle 2"/>
           <p:cNvSpPr>
             <a:spLocks noGrp="1" noRot="1" noChangeAspect="1" noChangeArrowheads="1" noTextEdit="1"/>
           </p:cNvSpPr>
@@ -1590,7 +1608,7 @@
       </p:sp>
       <p:sp>
         <p:nvSpPr>
-          <p:cNvPr id="87043" name="Rectangle 3"/>
+          <p:cNvPr id="31747" name="Rectangle 3"/>
           <p:cNvSpPr>
             <a:spLocks noGrp="1" noChangeArrowheads="1"/>
           </p:cNvSpPr>
@@ -1649,10 +1667,806 @@
           <a:bodyPr/>
           <a:lstStyle/>
           <a:p>
+            <a:fld id="{460183DB-8D3D-4827-BF4C-7BD92E76D20E}" type="slidenum">
+              <a:rPr lang="en-US"/>
+              <a:pPr/>
+              <a:t>17</a:t>
+            </a:fld>
+            <a:endParaRPr lang="en-US"/>
+          </a:p>
+        </p:txBody>
+      </p:sp>
+      <p:sp>
+        <p:nvSpPr>
+          <p:cNvPr id="31746" name="Rectangle 2"/>
+          <p:cNvSpPr>
+            <a:spLocks noGrp="1" noRot="1" noChangeAspect="1" noChangeArrowheads="1" noTextEdit="1"/>
+          </p:cNvSpPr>
+          <p:nvPr>
+            <p:ph type="sldImg"/>
+          </p:nvPr>
+        </p:nvSpPr>
+        <p:spPr>
+          <a:xfrm>
+            <a:off x="2974975" y="549275"/>
+            <a:ext cx="3657600" cy="2743200"/>
+          </a:xfrm>
+          <a:ln/>
+        </p:spPr>
+      </p:sp>
+      <p:sp>
+        <p:nvSpPr>
+          <p:cNvPr id="31747" name="Rectangle 3"/>
+          <p:cNvSpPr>
+            <a:spLocks noGrp="1" noChangeArrowheads="1"/>
+          </p:cNvSpPr>
+          <p:nvPr>
+            <p:ph type="body" idx="1"/>
+          </p:nvPr>
+        </p:nvSpPr>
+        <p:spPr/>
+        <p:txBody>
+          <a:bodyPr/>
+          <a:lstStyle/>
+          <a:p>
+            <a:endParaRPr lang="en-US" dirty="0"/>
+          </a:p>
+        </p:txBody>
+      </p:sp>
+    </p:spTree>
+  </p:cSld>
+  <p:clrMapOvr>
+    <a:masterClrMapping/>
+  </p:clrMapOvr>
+</p:notes>
+</file>
+
+<file path=ppt/notesSlides/notesSlide18.xml><?xml version="1.0" encoding="utf-8"?>
+<p:notes xmlns:a="http://schemas.openxmlformats.org/drawingml/2006/main" xmlns:r="http://schemas.openxmlformats.org/officeDocument/2006/relationships" xmlns:p="http://schemas.openxmlformats.org/presentationml/2006/main">
+  <p:cSld>
+    <p:spTree>
+      <p:nvGrpSpPr>
+        <p:cNvPr id="1" name=""/>
+        <p:cNvGrpSpPr/>
+        <p:nvPr/>
+      </p:nvGrpSpPr>
+      <p:grpSpPr>
+        <a:xfrm>
+          <a:off x="0" y="0"/>
+          <a:ext cx="0" cy="0"/>
+          <a:chOff x="0" y="0"/>
+          <a:chExt cx="0" cy="0"/>
+        </a:xfrm>
+      </p:grpSpPr>
+      <p:sp>
+        <p:nvSpPr>
+          <p:cNvPr id="7" name="Rectangle 7"/>
+          <p:cNvSpPr>
+            <a:spLocks noGrp="1" noChangeArrowheads="1"/>
+          </p:cNvSpPr>
+          <p:nvPr>
+            <p:ph type="sldNum" sz="quarter" idx="5"/>
+          </p:nvPr>
+        </p:nvSpPr>
+        <p:spPr>
+          <a:ln/>
+        </p:spPr>
+        <p:txBody>
+          <a:bodyPr/>
+          <a:lstStyle/>
+          <a:p>
+            <a:fld id="{460183DB-8D3D-4827-BF4C-7BD92E76D20E}" type="slidenum">
+              <a:rPr lang="en-US"/>
+              <a:pPr/>
+              <a:t>18</a:t>
+            </a:fld>
+            <a:endParaRPr lang="en-US"/>
+          </a:p>
+        </p:txBody>
+      </p:sp>
+      <p:sp>
+        <p:nvSpPr>
+          <p:cNvPr id="31746" name="Rectangle 2"/>
+          <p:cNvSpPr>
+            <a:spLocks noGrp="1" noRot="1" noChangeAspect="1" noChangeArrowheads="1" noTextEdit="1"/>
+          </p:cNvSpPr>
+          <p:nvPr>
+            <p:ph type="sldImg"/>
+          </p:nvPr>
+        </p:nvSpPr>
+        <p:spPr>
+          <a:xfrm>
+            <a:off x="2974975" y="549275"/>
+            <a:ext cx="3657600" cy="2743200"/>
+          </a:xfrm>
+          <a:ln/>
+        </p:spPr>
+      </p:sp>
+      <p:sp>
+        <p:nvSpPr>
+          <p:cNvPr id="31747" name="Rectangle 3"/>
+          <p:cNvSpPr>
+            <a:spLocks noGrp="1" noChangeArrowheads="1"/>
+          </p:cNvSpPr>
+          <p:nvPr>
+            <p:ph type="body" idx="1"/>
+          </p:nvPr>
+        </p:nvSpPr>
+        <p:spPr/>
+        <p:txBody>
+          <a:bodyPr/>
+          <a:lstStyle/>
+          <a:p>
+            <a:endParaRPr lang="en-US" dirty="0"/>
+          </a:p>
+        </p:txBody>
+      </p:sp>
+    </p:spTree>
+  </p:cSld>
+  <p:clrMapOvr>
+    <a:masterClrMapping/>
+  </p:clrMapOvr>
+</p:notes>
+</file>
+
+<file path=ppt/notesSlides/notesSlide19.xml><?xml version="1.0" encoding="utf-8"?>
+<p:notes xmlns:a="http://schemas.openxmlformats.org/drawingml/2006/main" xmlns:r="http://schemas.openxmlformats.org/officeDocument/2006/relationships" xmlns:p="http://schemas.openxmlformats.org/presentationml/2006/main">
+  <p:cSld>
+    <p:spTree>
+      <p:nvGrpSpPr>
+        <p:cNvPr id="1" name=""/>
+        <p:cNvGrpSpPr/>
+        <p:nvPr/>
+      </p:nvGrpSpPr>
+      <p:grpSpPr>
+        <a:xfrm>
+          <a:off x="0" y="0"/>
+          <a:ext cx="0" cy="0"/>
+          <a:chOff x="0" y="0"/>
+          <a:chExt cx="0" cy="0"/>
+        </a:xfrm>
+      </p:grpSpPr>
+      <p:sp>
+        <p:nvSpPr>
+          <p:cNvPr id="7" name="Rectangle 7"/>
+          <p:cNvSpPr>
+            <a:spLocks noGrp="1" noChangeArrowheads="1"/>
+          </p:cNvSpPr>
+          <p:nvPr>
+            <p:ph type="sldNum" sz="quarter" idx="5"/>
+          </p:nvPr>
+        </p:nvSpPr>
+        <p:spPr>
+          <a:ln/>
+        </p:spPr>
+        <p:txBody>
+          <a:bodyPr/>
+          <a:lstStyle/>
+          <a:p>
+            <a:fld id="{2C93A176-BC2D-412F-9AD9-2A6459465F7C}" type="slidenum">
+              <a:rPr lang="en-US"/>
+              <a:pPr/>
+              <a:t>19</a:t>
+            </a:fld>
+            <a:endParaRPr lang="en-US"/>
+          </a:p>
+        </p:txBody>
+      </p:sp>
+      <p:sp>
+        <p:nvSpPr>
+          <p:cNvPr id="82946" name="Rectangle 2"/>
+          <p:cNvSpPr>
+            <a:spLocks noGrp="1" noRot="1" noChangeAspect="1" noChangeArrowheads="1" noTextEdit="1"/>
+          </p:cNvSpPr>
+          <p:nvPr>
+            <p:ph type="sldImg"/>
+          </p:nvPr>
+        </p:nvSpPr>
+        <p:spPr>
+          <a:xfrm>
+            <a:off x="2974975" y="549275"/>
+            <a:ext cx="3657600" cy="2743200"/>
+          </a:xfrm>
+          <a:ln/>
+        </p:spPr>
+      </p:sp>
+      <p:sp>
+        <p:nvSpPr>
+          <p:cNvPr id="82947" name="Rectangle 3"/>
+          <p:cNvSpPr>
+            <a:spLocks noGrp="1" noChangeArrowheads="1"/>
+          </p:cNvSpPr>
+          <p:nvPr>
+            <p:ph type="body" idx="1"/>
+          </p:nvPr>
+        </p:nvSpPr>
+        <p:spPr/>
+        <p:txBody>
+          <a:bodyPr/>
+          <a:lstStyle/>
+          <a:p>
+            <a:endParaRPr lang="en-US"/>
+          </a:p>
+        </p:txBody>
+      </p:sp>
+    </p:spTree>
+  </p:cSld>
+  <p:clrMapOvr>
+    <a:masterClrMapping/>
+  </p:clrMapOvr>
+</p:notes>
+</file>
+
+<file path=ppt/notesSlides/notesSlide2.xml><?xml version="1.0" encoding="utf-8"?>
+<p:notes xmlns:a="http://schemas.openxmlformats.org/drawingml/2006/main" xmlns:r="http://schemas.openxmlformats.org/officeDocument/2006/relationships" xmlns:p="http://schemas.openxmlformats.org/presentationml/2006/main">
+  <p:cSld>
+    <p:spTree>
+      <p:nvGrpSpPr>
+        <p:cNvPr id="1" name=""/>
+        <p:cNvGrpSpPr/>
+        <p:nvPr/>
+      </p:nvGrpSpPr>
+      <p:grpSpPr>
+        <a:xfrm>
+          <a:off x="0" y="0"/>
+          <a:ext cx="0" cy="0"/>
+          <a:chOff x="0" y="0"/>
+          <a:chExt cx="0" cy="0"/>
+        </a:xfrm>
+      </p:grpSpPr>
+      <p:sp>
+        <p:nvSpPr>
+          <p:cNvPr id="2" name="Slide Image Placeholder 1"/>
+          <p:cNvSpPr>
+            <a:spLocks noGrp="1" noRot="1" noChangeAspect="1"/>
+          </p:cNvSpPr>
+          <p:nvPr>
+            <p:ph type="sldImg"/>
+          </p:nvPr>
+        </p:nvSpPr>
+        <p:spPr/>
+      </p:sp>
+      <p:sp>
+        <p:nvSpPr>
+          <p:cNvPr id="3" name="Notes Placeholder 2"/>
+          <p:cNvSpPr>
+            <a:spLocks noGrp="1"/>
+          </p:cNvSpPr>
+          <p:nvPr>
+            <p:ph type="body" idx="1"/>
+          </p:nvPr>
+        </p:nvSpPr>
+        <p:spPr/>
+        <p:txBody>
+          <a:bodyPr/>
+          <a:lstStyle/>
+          <a:p>
+            <a:endParaRPr lang="en-US"/>
+          </a:p>
+        </p:txBody>
+      </p:sp>
+      <p:sp>
+        <p:nvSpPr>
+          <p:cNvPr id="4" name="Slide Number Placeholder 3"/>
+          <p:cNvSpPr>
+            <a:spLocks noGrp="1"/>
+          </p:cNvSpPr>
+          <p:nvPr>
+            <p:ph type="sldNum" sz="quarter" idx="10"/>
+          </p:nvPr>
+        </p:nvSpPr>
+        <p:spPr/>
+        <p:txBody>
+          <a:bodyPr/>
+          <a:lstStyle/>
+          <a:p>
+            <a:pPr>
+              <a:defRPr/>
+            </a:pPr>
+            <a:fld id="{A32D937A-A834-4882-89DE-8A0AB0171B36}" type="slidenum">
+              <a:rPr lang="en-US" smtClean="0"/>
+              <a:pPr>
+                <a:defRPr/>
+              </a:pPr>
+              <a:t>2</a:t>
+            </a:fld>
+            <a:endParaRPr lang="en-US"/>
+          </a:p>
+        </p:txBody>
+      </p:sp>
+    </p:spTree>
+    <p:extLst>
+      <p:ext uri="{BB962C8B-B14F-4D97-AF65-F5344CB8AC3E}">
+        <p14:creationId xmlns:p14="http://schemas.microsoft.com/office/powerpoint/2010/main" val="910233167"/>
+      </p:ext>
+    </p:extLst>
+  </p:cSld>
+  <p:clrMapOvr>
+    <a:masterClrMapping/>
+  </p:clrMapOvr>
+</p:notes>
+</file>
+
+<file path=ppt/notesSlides/notesSlide20.xml><?xml version="1.0" encoding="utf-8"?>
+<p:notes xmlns:a="http://schemas.openxmlformats.org/drawingml/2006/main" xmlns:r="http://schemas.openxmlformats.org/officeDocument/2006/relationships" xmlns:p="http://schemas.openxmlformats.org/presentationml/2006/main">
+  <p:cSld>
+    <p:spTree>
+      <p:nvGrpSpPr>
+        <p:cNvPr id="1" name=""/>
+        <p:cNvGrpSpPr/>
+        <p:nvPr/>
+      </p:nvGrpSpPr>
+      <p:grpSpPr>
+        <a:xfrm>
+          <a:off x="0" y="0"/>
+          <a:ext cx="0" cy="0"/>
+          <a:chOff x="0" y="0"/>
+          <a:chExt cx="0" cy="0"/>
+        </a:xfrm>
+      </p:grpSpPr>
+      <p:sp>
+        <p:nvSpPr>
+          <p:cNvPr id="7" name="Rectangle 7"/>
+          <p:cNvSpPr>
+            <a:spLocks noGrp="1" noChangeArrowheads="1"/>
+          </p:cNvSpPr>
+          <p:nvPr>
+            <p:ph type="sldNum" sz="quarter" idx="5"/>
+          </p:nvPr>
+        </p:nvSpPr>
+        <p:spPr>
+          <a:ln/>
+        </p:spPr>
+        <p:txBody>
+          <a:bodyPr/>
+          <a:lstStyle/>
+          <a:p>
+            <a:fld id="{2C93A176-BC2D-412F-9AD9-2A6459465F7C}" type="slidenum">
+              <a:rPr lang="en-US"/>
+              <a:pPr/>
+              <a:t>20</a:t>
+            </a:fld>
+            <a:endParaRPr lang="en-US"/>
+          </a:p>
+        </p:txBody>
+      </p:sp>
+      <p:sp>
+        <p:nvSpPr>
+          <p:cNvPr id="82946" name="Rectangle 2"/>
+          <p:cNvSpPr>
+            <a:spLocks noGrp="1" noRot="1" noChangeAspect="1" noChangeArrowheads="1" noTextEdit="1"/>
+          </p:cNvSpPr>
+          <p:nvPr>
+            <p:ph type="sldImg"/>
+          </p:nvPr>
+        </p:nvSpPr>
+        <p:spPr>
+          <a:xfrm>
+            <a:off x="2974975" y="549275"/>
+            <a:ext cx="3657600" cy="2743200"/>
+          </a:xfrm>
+          <a:ln/>
+        </p:spPr>
+      </p:sp>
+      <p:sp>
+        <p:nvSpPr>
+          <p:cNvPr id="82947" name="Rectangle 3"/>
+          <p:cNvSpPr>
+            <a:spLocks noGrp="1" noChangeArrowheads="1"/>
+          </p:cNvSpPr>
+          <p:nvPr>
+            <p:ph type="body" idx="1"/>
+          </p:nvPr>
+        </p:nvSpPr>
+        <p:spPr/>
+        <p:txBody>
+          <a:bodyPr/>
+          <a:lstStyle/>
+          <a:p>
+            <a:endParaRPr lang="en-US"/>
+          </a:p>
+        </p:txBody>
+      </p:sp>
+    </p:spTree>
+  </p:cSld>
+  <p:clrMapOvr>
+    <a:masterClrMapping/>
+  </p:clrMapOvr>
+</p:notes>
+</file>
+
+<file path=ppt/notesSlides/notesSlide21.xml><?xml version="1.0" encoding="utf-8"?>
+<p:notes xmlns:a="http://schemas.openxmlformats.org/drawingml/2006/main" xmlns:r="http://schemas.openxmlformats.org/officeDocument/2006/relationships" xmlns:p="http://schemas.openxmlformats.org/presentationml/2006/main">
+  <p:cSld>
+    <p:spTree>
+      <p:nvGrpSpPr>
+        <p:cNvPr id="1" name=""/>
+        <p:cNvGrpSpPr/>
+        <p:nvPr/>
+      </p:nvGrpSpPr>
+      <p:grpSpPr>
+        <a:xfrm>
+          <a:off x="0" y="0"/>
+          <a:ext cx="0" cy="0"/>
+          <a:chOff x="0" y="0"/>
+          <a:chExt cx="0" cy="0"/>
+        </a:xfrm>
+      </p:grpSpPr>
+      <p:sp>
+        <p:nvSpPr>
+          <p:cNvPr id="7" name="Rectangle 7"/>
+          <p:cNvSpPr>
+            <a:spLocks noGrp="1" noChangeArrowheads="1"/>
+          </p:cNvSpPr>
+          <p:nvPr>
+            <p:ph type="sldNum" sz="quarter" idx="5"/>
+          </p:nvPr>
+        </p:nvSpPr>
+        <p:spPr>
+          <a:ln/>
+        </p:spPr>
+        <p:txBody>
+          <a:bodyPr/>
+          <a:lstStyle/>
+          <a:p>
+            <a:fld id="{2C93A176-BC2D-412F-9AD9-2A6459465F7C}" type="slidenum">
+              <a:rPr lang="en-US"/>
+              <a:pPr/>
+              <a:t>21</a:t>
+            </a:fld>
+            <a:endParaRPr lang="en-US"/>
+          </a:p>
+        </p:txBody>
+      </p:sp>
+      <p:sp>
+        <p:nvSpPr>
+          <p:cNvPr id="82946" name="Rectangle 2"/>
+          <p:cNvSpPr>
+            <a:spLocks noGrp="1" noRot="1" noChangeAspect="1" noChangeArrowheads="1" noTextEdit="1"/>
+          </p:cNvSpPr>
+          <p:nvPr>
+            <p:ph type="sldImg"/>
+          </p:nvPr>
+        </p:nvSpPr>
+        <p:spPr>
+          <a:xfrm>
+            <a:off x="2974975" y="549275"/>
+            <a:ext cx="3657600" cy="2743200"/>
+          </a:xfrm>
+          <a:ln/>
+        </p:spPr>
+      </p:sp>
+      <p:sp>
+        <p:nvSpPr>
+          <p:cNvPr id="82947" name="Rectangle 3"/>
+          <p:cNvSpPr>
+            <a:spLocks noGrp="1" noChangeArrowheads="1"/>
+          </p:cNvSpPr>
+          <p:nvPr>
+            <p:ph type="body" idx="1"/>
+          </p:nvPr>
+        </p:nvSpPr>
+        <p:spPr/>
+        <p:txBody>
+          <a:bodyPr/>
+          <a:lstStyle/>
+          <a:p>
+            <a:endParaRPr lang="en-US"/>
+          </a:p>
+        </p:txBody>
+      </p:sp>
+    </p:spTree>
+  </p:cSld>
+  <p:clrMapOvr>
+    <a:masterClrMapping/>
+  </p:clrMapOvr>
+</p:notes>
+</file>
+
+<file path=ppt/notesSlides/notesSlide22.xml><?xml version="1.0" encoding="utf-8"?>
+<p:notes xmlns:a="http://schemas.openxmlformats.org/drawingml/2006/main" xmlns:r="http://schemas.openxmlformats.org/officeDocument/2006/relationships" xmlns:p="http://schemas.openxmlformats.org/presentationml/2006/main">
+  <p:cSld>
+    <p:spTree>
+      <p:nvGrpSpPr>
+        <p:cNvPr id="1" name=""/>
+        <p:cNvGrpSpPr/>
+        <p:nvPr/>
+      </p:nvGrpSpPr>
+      <p:grpSpPr>
+        <a:xfrm>
+          <a:off x="0" y="0"/>
+          <a:ext cx="0" cy="0"/>
+          <a:chOff x="0" y="0"/>
+          <a:chExt cx="0" cy="0"/>
+        </a:xfrm>
+      </p:grpSpPr>
+      <p:sp>
+        <p:nvSpPr>
+          <p:cNvPr id="2" name="Slide Image Placeholder 1"/>
+          <p:cNvSpPr>
+            <a:spLocks noGrp="1" noRot="1" noChangeAspect="1"/>
+          </p:cNvSpPr>
+          <p:nvPr>
+            <p:ph type="sldImg"/>
+          </p:nvPr>
+        </p:nvSpPr>
+        <p:spPr/>
+      </p:sp>
+      <p:sp>
+        <p:nvSpPr>
+          <p:cNvPr id="3" name="Notes Placeholder 2"/>
+          <p:cNvSpPr>
+            <a:spLocks noGrp="1"/>
+          </p:cNvSpPr>
+          <p:nvPr>
+            <p:ph type="body" idx="1"/>
+          </p:nvPr>
+        </p:nvSpPr>
+        <p:spPr/>
+        <p:txBody>
+          <a:bodyPr/>
+          <a:lstStyle/>
+          <a:p>
+            <a:endParaRPr lang="en-US"/>
+          </a:p>
+        </p:txBody>
+      </p:sp>
+      <p:sp>
+        <p:nvSpPr>
+          <p:cNvPr id="4" name="Slide Number Placeholder 3"/>
+          <p:cNvSpPr>
+            <a:spLocks noGrp="1"/>
+          </p:cNvSpPr>
+          <p:nvPr>
+            <p:ph type="sldNum" sz="quarter" idx="10"/>
+          </p:nvPr>
+        </p:nvSpPr>
+        <p:spPr/>
+        <p:txBody>
+          <a:bodyPr/>
+          <a:lstStyle/>
+          <a:p>
+            <a:pPr>
+              <a:defRPr/>
+            </a:pPr>
+            <a:fld id="{A32D937A-A834-4882-89DE-8A0AB0171B36}" type="slidenum">
+              <a:rPr lang="en-US" smtClean="0"/>
+              <a:pPr>
+                <a:defRPr/>
+              </a:pPr>
+              <a:t>22</a:t>
+            </a:fld>
+            <a:endParaRPr lang="en-US"/>
+          </a:p>
+        </p:txBody>
+      </p:sp>
+    </p:spTree>
+    <p:extLst>
+      <p:ext uri="{BB962C8B-B14F-4D97-AF65-F5344CB8AC3E}">
+        <p14:creationId xmlns:p14="http://schemas.microsoft.com/office/powerpoint/2010/main" val="3114209594"/>
+      </p:ext>
+    </p:extLst>
+  </p:cSld>
+  <p:clrMapOvr>
+    <a:masterClrMapping/>
+  </p:clrMapOvr>
+</p:notes>
+</file>
+
+<file path=ppt/notesSlides/notesSlide23.xml><?xml version="1.0" encoding="utf-8"?>
+<p:notes xmlns:a="http://schemas.openxmlformats.org/drawingml/2006/main" xmlns:r="http://schemas.openxmlformats.org/officeDocument/2006/relationships" xmlns:p="http://schemas.openxmlformats.org/presentationml/2006/main">
+  <p:cSld>
+    <p:spTree>
+      <p:nvGrpSpPr>
+        <p:cNvPr id="1" name=""/>
+        <p:cNvGrpSpPr/>
+        <p:nvPr/>
+      </p:nvGrpSpPr>
+      <p:grpSpPr>
+        <a:xfrm>
+          <a:off x="0" y="0"/>
+          <a:ext cx="0" cy="0"/>
+          <a:chOff x="0" y="0"/>
+          <a:chExt cx="0" cy="0"/>
+        </a:xfrm>
+      </p:grpSpPr>
+      <p:sp>
+        <p:nvSpPr>
+          <p:cNvPr id="7" name="Rectangle 7"/>
+          <p:cNvSpPr>
+            <a:spLocks noGrp="1" noChangeArrowheads="1"/>
+          </p:cNvSpPr>
+          <p:nvPr>
+            <p:ph type="sldNum" sz="quarter" idx="5"/>
+          </p:nvPr>
+        </p:nvSpPr>
+        <p:spPr>
+          <a:ln/>
+        </p:spPr>
+        <p:txBody>
+          <a:bodyPr/>
+          <a:lstStyle/>
+          <a:p>
             <a:fld id="{CE4F1C5E-EC10-4AA2-BE05-3FAD1A6DEC47}" type="slidenum">
               <a:rPr lang="en-US"/>
               <a:pPr/>
-              <a:t>21</a:t>
+              <a:t>23</a:t>
+            </a:fld>
+            <a:endParaRPr lang="en-US"/>
+          </a:p>
+        </p:txBody>
+      </p:sp>
+      <p:sp>
+        <p:nvSpPr>
+          <p:cNvPr id="87042" name="Rectangle 2"/>
+          <p:cNvSpPr>
+            <a:spLocks noGrp="1" noRot="1" noChangeAspect="1" noChangeArrowheads="1" noTextEdit="1"/>
+          </p:cNvSpPr>
+          <p:nvPr>
+            <p:ph type="sldImg"/>
+          </p:nvPr>
+        </p:nvSpPr>
+        <p:spPr>
+          <a:xfrm>
+            <a:off x="2974975" y="549275"/>
+            <a:ext cx="3657600" cy="2743200"/>
+          </a:xfrm>
+          <a:ln/>
+        </p:spPr>
+      </p:sp>
+      <p:sp>
+        <p:nvSpPr>
+          <p:cNvPr id="87043" name="Rectangle 3"/>
+          <p:cNvSpPr>
+            <a:spLocks noGrp="1" noChangeArrowheads="1"/>
+          </p:cNvSpPr>
+          <p:nvPr>
+            <p:ph type="body" idx="1"/>
+          </p:nvPr>
+        </p:nvSpPr>
+        <p:spPr/>
+        <p:txBody>
+          <a:bodyPr/>
+          <a:lstStyle/>
+          <a:p>
+            <a:endParaRPr lang="en-US" dirty="0"/>
+          </a:p>
+        </p:txBody>
+      </p:sp>
+    </p:spTree>
+  </p:cSld>
+  <p:clrMapOvr>
+    <a:masterClrMapping/>
+  </p:clrMapOvr>
+</p:notes>
+</file>
+
+<file path=ppt/notesSlides/notesSlide24.xml><?xml version="1.0" encoding="utf-8"?>
+<p:notes xmlns:a="http://schemas.openxmlformats.org/drawingml/2006/main" xmlns:r="http://schemas.openxmlformats.org/officeDocument/2006/relationships" xmlns:p="http://schemas.openxmlformats.org/presentationml/2006/main">
+  <p:cSld>
+    <p:spTree>
+      <p:nvGrpSpPr>
+        <p:cNvPr id="1" name=""/>
+        <p:cNvGrpSpPr/>
+        <p:nvPr/>
+      </p:nvGrpSpPr>
+      <p:grpSpPr>
+        <a:xfrm>
+          <a:off x="0" y="0"/>
+          <a:ext cx="0" cy="0"/>
+          <a:chOff x="0" y="0"/>
+          <a:chExt cx="0" cy="0"/>
+        </a:xfrm>
+      </p:grpSpPr>
+      <p:sp>
+        <p:nvSpPr>
+          <p:cNvPr id="7" name="Rectangle 7"/>
+          <p:cNvSpPr>
+            <a:spLocks noGrp="1" noChangeArrowheads="1"/>
+          </p:cNvSpPr>
+          <p:nvPr>
+            <p:ph type="sldNum" sz="quarter" idx="5"/>
+          </p:nvPr>
+        </p:nvSpPr>
+        <p:spPr>
+          <a:ln/>
+        </p:spPr>
+        <p:txBody>
+          <a:bodyPr/>
+          <a:lstStyle/>
+          <a:p>
+            <a:fld id="{CE4F1C5E-EC10-4AA2-BE05-3FAD1A6DEC47}" type="slidenum">
+              <a:rPr lang="en-US"/>
+              <a:pPr/>
+              <a:t>24</a:t>
+            </a:fld>
+            <a:endParaRPr lang="en-US"/>
+          </a:p>
+        </p:txBody>
+      </p:sp>
+      <p:sp>
+        <p:nvSpPr>
+          <p:cNvPr id="87042" name="Rectangle 2"/>
+          <p:cNvSpPr>
+            <a:spLocks noGrp="1" noRot="1" noChangeAspect="1" noChangeArrowheads="1" noTextEdit="1"/>
+          </p:cNvSpPr>
+          <p:nvPr>
+            <p:ph type="sldImg"/>
+          </p:nvPr>
+        </p:nvSpPr>
+        <p:spPr>
+          <a:xfrm>
+            <a:off x="2974975" y="549275"/>
+            <a:ext cx="3657600" cy="2743200"/>
+          </a:xfrm>
+          <a:ln/>
+        </p:spPr>
+      </p:sp>
+      <p:sp>
+        <p:nvSpPr>
+          <p:cNvPr id="87043" name="Rectangle 3"/>
+          <p:cNvSpPr>
+            <a:spLocks noGrp="1" noChangeArrowheads="1"/>
+          </p:cNvSpPr>
+          <p:nvPr>
+            <p:ph type="body" idx="1"/>
+          </p:nvPr>
+        </p:nvSpPr>
+        <p:spPr/>
+        <p:txBody>
+          <a:bodyPr/>
+          <a:lstStyle/>
+          <a:p>
+            <a:endParaRPr lang="en-US" dirty="0"/>
+          </a:p>
+        </p:txBody>
+      </p:sp>
+    </p:spTree>
+  </p:cSld>
+  <p:clrMapOvr>
+    <a:masterClrMapping/>
+  </p:clrMapOvr>
+</p:notes>
+</file>
+
+<file path=ppt/notesSlides/notesSlide25.xml><?xml version="1.0" encoding="utf-8"?>
+<p:notes xmlns:a="http://schemas.openxmlformats.org/drawingml/2006/main" xmlns:r="http://schemas.openxmlformats.org/officeDocument/2006/relationships" xmlns:p="http://schemas.openxmlformats.org/presentationml/2006/main">
+  <p:cSld>
+    <p:spTree>
+      <p:nvGrpSpPr>
+        <p:cNvPr id="1" name=""/>
+        <p:cNvGrpSpPr/>
+        <p:nvPr/>
+      </p:nvGrpSpPr>
+      <p:grpSpPr>
+        <a:xfrm>
+          <a:off x="0" y="0"/>
+          <a:ext cx="0" cy="0"/>
+          <a:chOff x="0" y="0"/>
+          <a:chExt cx="0" cy="0"/>
+        </a:xfrm>
+      </p:grpSpPr>
+      <p:sp>
+        <p:nvSpPr>
+          <p:cNvPr id="7" name="Rectangle 7"/>
+          <p:cNvSpPr>
+            <a:spLocks noGrp="1" noChangeArrowheads="1"/>
+          </p:cNvSpPr>
+          <p:nvPr>
+            <p:ph type="sldNum" sz="quarter" idx="5"/>
+          </p:nvPr>
+        </p:nvSpPr>
+        <p:spPr>
+          <a:ln/>
+        </p:spPr>
+        <p:txBody>
+          <a:bodyPr/>
+          <a:lstStyle/>
+          <a:p>
+            <a:fld id="{CE4F1C5E-EC10-4AA2-BE05-3FAD1A6DEC47}" type="slidenum">
+              <a:rPr lang="en-US"/>
+              <a:pPr/>
+              <a:t>25</a:t>
             </a:fld>
             <a:endParaRPr lang="en-US"/>
           </a:p>
@@ -1703,7 +2517,97 @@
 </p:notes>
 </file>
 
-<file path=ppt/notesSlides/notesSlide2.xml><?xml version="1.0" encoding="utf-8"?>
+<file path=ppt/notesSlides/notesSlide3.xml><?xml version="1.0" encoding="utf-8"?>
+<p:notes xmlns:a="http://schemas.openxmlformats.org/drawingml/2006/main" xmlns:r="http://schemas.openxmlformats.org/officeDocument/2006/relationships" xmlns:p="http://schemas.openxmlformats.org/presentationml/2006/main">
+  <p:cSld>
+    <p:spTree>
+      <p:nvGrpSpPr>
+        <p:cNvPr id="1" name=""/>
+        <p:cNvGrpSpPr/>
+        <p:nvPr/>
+      </p:nvGrpSpPr>
+      <p:grpSpPr>
+        <a:xfrm>
+          <a:off x="0" y="0"/>
+          <a:ext cx="0" cy="0"/>
+          <a:chOff x="0" y="0"/>
+          <a:chExt cx="0" cy="0"/>
+        </a:xfrm>
+      </p:grpSpPr>
+      <p:sp>
+        <p:nvSpPr>
+          <p:cNvPr id="2" name="Slide Image Placeholder 1"/>
+          <p:cNvSpPr>
+            <a:spLocks noGrp="1" noRot="1" noChangeAspect="1"/>
+          </p:cNvSpPr>
+          <p:nvPr>
+            <p:ph type="sldImg"/>
+          </p:nvPr>
+        </p:nvSpPr>
+        <p:spPr/>
+      </p:sp>
+      <p:sp>
+        <p:nvSpPr>
+          <p:cNvPr id="3" name="Notes Placeholder 2"/>
+          <p:cNvSpPr>
+            <a:spLocks noGrp="1"/>
+          </p:cNvSpPr>
+          <p:nvPr>
+            <p:ph type="body" idx="1"/>
+          </p:nvPr>
+        </p:nvSpPr>
+        <p:spPr/>
+        <p:txBody>
+          <a:bodyPr/>
+          <a:lstStyle/>
+          <a:p>
+            <a:endParaRPr lang="en-US"/>
+          </a:p>
+        </p:txBody>
+      </p:sp>
+      <p:sp>
+        <p:nvSpPr>
+          <p:cNvPr id="4" name="Slide Number Placeholder 3"/>
+          <p:cNvSpPr>
+            <a:spLocks noGrp="1"/>
+          </p:cNvSpPr>
+          <p:nvPr>
+            <p:ph type="sldNum" sz="quarter" idx="10"/>
+          </p:nvPr>
+        </p:nvSpPr>
+        <p:spPr/>
+        <p:txBody>
+          <a:bodyPr/>
+          <a:lstStyle/>
+          <a:p>
+            <a:pPr>
+              <a:defRPr/>
+            </a:pPr>
+            <a:fld id="{A32D937A-A834-4882-89DE-8A0AB0171B36}" type="slidenum">
+              <a:rPr lang="en-US" smtClean="0"/>
+              <a:pPr>
+                <a:defRPr/>
+              </a:pPr>
+              <a:t>3</a:t>
+            </a:fld>
+            <a:endParaRPr lang="en-US"/>
+          </a:p>
+        </p:txBody>
+      </p:sp>
+    </p:spTree>
+    <p:extLst>
+      <p:ext uri="{BB962C8B-B14F-4D97-AF65-F5344CB8AC3E}">
+        <p14:creationId xmlns:p14="http://schemas.microsoft.com/office/powerpoint/2010/main" val="1213996732"/>
+      </p:ext>
+    </p:extLst>
+  </p:cSld>
+  <p:clrMapOvr>
+    <a:masterClrMapping/>
+  </p:clrMapOvr>
+</p:notes>
+</file>
+
+<file path=ppt/notesSlides/notesSlide4.xml><?xml version="1.0" encoding="utf-8"?>
 <p:notes xmlns:a="http://schemas.openxmlformats.org/drawingml/2006/main" xmlns:r="http://schemas.openxmlformats.org/officeDocument/2006/relationships" xmlns:p="http://schemas.openxmlformats.org/presentationml/2006/main">
   <p:cSld>
     <p:spTree>
@@ -1845,7 +2749,7 @@
 </p:notes>
 </file>
 
-<file path=ppt/notesSlides/notesSlide3.xml><?xml version="1.0" encoding="utf-8"?>
+<file path=ppt/notesSlides/notesSlide5.xml><?xml version="1.0" encoding="utf-8"?>
 <p:notes xmlns:a="http://schemas.openxmlformats.org/drawingml/2006/main" xmlns:r="http://schemas.openxmlformats.org/officeDocument/2006/relationships" xmlns:p="http://schemas.openxmlformats.org/presentationml/2006/main">
   <p:cSld>
     <p:spTree>
@@ -1933,7 +2837,7 @@
 </p:notes>
 </file>
 
-<file path=ppt/notesSlides/notesSlide4.xml><?xml version="1.0" encoding="utf-8"?>
+<file path=ppt/notesSlides/notesSlide6.xml><?xml version="1.0" encoding="utf-8"?>
 <p:notes xmlns:a="http://schemas.openxmlformats.org/drawingml/2006/main" xmlns:r="http://schemas.openxmlformats.org/officeDocument/2006/relationships" xmlns:p="http://schemas.openxmlformats.org/presentationml/2006/main">
   <p:cSld>
     <p:spTree>
@@ -2021,7 +2925,7 @@
 </p:notes>
 </file>
 
-<file path=ppt/notesSlides/notesSlide5.xml><?xml version="1.0" encoding="utf-8"?>
+<file path=ppt/notesSlides/notesSlide7.xml><?xml version="1.0" encoding="utf-8"?>
 <p:notes xmlns:a="http://schemas.openxmlformats.org/drawingml/2006/main" xmlns:r="http://schemas.openxmlformats.org/officeDocument/2006/relationships" xmlns:p="http://schemas.openxmlformats.org/presentationml/2006/main">
   <p:cSld>
     <p:spTree>
@@ -2109,190 +3013,6 @@
 </p:notes>
 </file>
 
-<file path=ppt/notesSlides/notesSlide6.xml><?xml version="1.0" encoding="utf-8"?>
-<p:notes xmlns:a="http://schemas.openxmlformats.org/drawingml/2006/main" xmlns:r="http://schemas.openxmlformats.org/officeDocument/2006/relationships" xmlns:p="http://schemas.openxmlformats.org/presentationml/2006/main">
-  <p:cSld>
-    <p:spTree>
-      <p:nvGrpSpPr>
-        <p:cNvPr id="1" name=""/>
-        <p:cNvGrpSpPr/>
-        <p:nvPr/>
-      </p:nvGrpSpPr>
-      <p:grpSpPr>
-        <a:xfrm>
-          <a:off x="0" y="0"/>
-          <a:ext cx="0" cy="0"/>
-          <a:chOff x="0" y="0"/>
-          <a:chExt cx="0" cy="0"/>
-        </a:xfrm>
-      </p:grpSpPr>
-      <p:sp>
-        <p:nvSpPr>
-          <p:cNvPr id="7" name="Rectangle 7"/>
-          <p:cNvSpPr>
-            <a:spLocks noGrp="1" noChangeArrowheads="1"/>
-          </p:cNvSpPr>
-          <p:nvPr>
-            <p:ph type="sldNum" sz="quarter" idx="5"/>
-          </p:nvPr>
-        </p:nvSpPr>
-        <p:spPr>
-          <a:ln/>
-        </p:spPr>
-        <p:txBody>
-          <a:bodyPr/>
-          <a:lstStyle/>
-          <a:p>
-            <a:fld id="{8FDCD9A2-D083-4C26-AE8F-0675A4268D30}" type="slidenum">
-              <a:rPr lang="en-US">
-                <a:solidFill>
-                  <a:prstClr val="black"/>
-                </a:solidFill>
-              </a:rPr>
-              <a:pPr/>
-              <a:t>10</a:t>
-            </a:fld>
-            <a:endParaRPr lang="en-US">
-              <a:solidFill>
-                <a:prstClr val="black"/>
-              </a:solidFill>
-            </a:endParaRPr>
-          </a:p>
-        </p:txBody>
-      </p:sp>
-      <p:sp>
-        <p:nvSpPr>
-          <p:cNvPr id="25602" name="Rectangle 2"/>
-          <p:cNvSpPr>
-            <a:spLocks noGrp="1" noRot="1" noChangeAspect="1" noChangeArrowheads="1" noTextEdit="1"/>
-          </p:cNvSpPr>
-          <p:nvPr>
-            <p:ph type="sldImg"/>
-          </p:nvPr>
-        </p:nvSpPr>
-        <p:spPr>
-          <a:xfrm>
-            <a:off x="2974975" y="549275"/>
-            <a:ext cx="3657600" cy="2743200"/>
-          </a:xfrm>
-          <a:ln/>
-        </p:spPr>
-      </p:sp>
-      <p:sp>
-        <p:nvSpPr>
-          <p:cNvPr id="25603" name="Rectangle 3"/>
-          <p:cNvSpPr>
-            <a:spLocks noGrp="1" noChangeArrowheads="1"/>
-          </p:cNvSpPr>
-          <p:nvPr>
-            <p:ph type="body" idx="1"/>
-          </p:nvPr>
-        </p:nvSpPr>
-        <p:spPr/>
-        <p:txBody>
-          <a:bodyPr/>
-          <a:lstStyle/>
-          <a:p>
-            <a:endParaRPr lang="en-US"/>
-          </a:p>
-        </p:txBody>
-      </p:sp>
-    </p:spTree>
-  </p:cSld>
-  <p:clrMapOvr>
-    <a:masterClrMapping/>
-  </p:clrMapOvr>
-</p:notes>
-</file>
-
-<file path=ppt/notesSlides/notesSlide7.xml><?xml version="1.0" encoding="utf-8"?>
-<p:notes xmlns:a="http://schemas.openxmlformats.org/drawingml/2006/main" xmlns:r="http://schemas.openxmlformats.org/officeDocument/2006/relationships" xmlns:p="http://schemas.openxmlformats.org/presentationml/2006/main">
-  <p:cSld>
-    <p:spTree>
-      <p:nvGrpSpPr>
-        <p:cNvPr id="1" name=""/>
-        <p:cNvGrpSpPr/>
-        <p:nvPr/>
-      </p:nvGrpSpPr>
-      <p:grpSpPr>
-        <a:xfrm>
-          <a:off x="0" y="0"/>
-          <a:ext cx="0" cy="0"/>
-          <a:chOff x="0" y="0"/>
-          <a:chExt cx="0" cy="0"/>
-        </a:xfrm>
-      </p:grpSpPr>
-      <p:sp>
-        <p:nvSpPr>
-          <p:cNvPr id="7" name="Rectangle 7"/>
-          <p:cNvSpPr>
-            <a:spLocks noGrp="1" noChangeArrowheads="1"/>
-          </p:cNvSpPr>
-          <p:nvPr>
-            <p:ph type="sldNum" sz="quarter" idx="5"/>
-          </p:nvPr>
-        </p:nvSpPr>
-        <p:spPr>
-          <a:ln/>
-        </p:spPr>
-        <p:txBody>
-          <a:bodyPr/>
-          <a:lstStyle/>
-          <a:p>
-            <a:fld id="{460183DB-8D3D-4827-BF4C-7BD92E76D20E}" type="slidenum">
-              <a:rPr lang="en-US"/>
-              <a:pPr/>
-              <a:t>11</a:t>
-            </a:fld>
-            <a:endParaRPr lang="en-US"/>
-          </a:p>
-        </p:txBody>
-      </p:sp>
-      <p:sp>
-        <p:nvSpPr>
-          <p:cNvPr id="31746" name="Rectangle 2"/>
-          <p:cNvSpPr>
-            <a:spLocks noGrp="1" noRot="1" noChangeAspect="1" noChangeArrowheads="1" noTextEdit="1"/>
-          </p:cNvSpPr>
-          <p:nvPr>
-            <p:ph type="sldImg"/>
-          </p:nvPr>
-        </p:nvSpPr>
-        <p:spPr>
-          <a:xfrm>
-            <a:off x="2974975" y="549275"/>
-            <a:ext cx="3657600" cy="2743200"/>
-          </a:xfrm>
-          <a:ln/>
-        </p:spPr>
-      </p:sp>
-      <p:sp>
-        <p:nvSpPr>
-          <p:cNvPr id="31747" name="Rectangle 3"/>
-          <p:cNvSpPr>
-            <a:spLocks noGrp="1" noChangeArrowheads="1"/>
-          </p:cNvSpPr>
-          <p:nvPr>
-            <p:ph type="body" idx="1"/>
-          </p:nvPr>
-        </p:nvSpPr>
-        <p:spPr/>
-        <p:txBody>
-          <a:bodyPr/>
-          <a:lstStyle/>
-          <a:p>
-            <a:endParaRPr lang="en-US" dirty="0"/>
-          </a:p>
-        </p:txBody>
-      </p:sp>
-    </p:spTree>
-  </p:cSld>
-  <p:clrMapOvr>
-    <a:masterClrMapping/>
-  </p:clrMapOvr>
-</p:notes>
-</file>
-
 <file path=ppt/notesSlides/notesSlide8.xml><?xml version="1.0" encoding="utf-8"?>
 <p:notes xmlns:a="http://schemas.openxmlformats.org/drawingml/2006/main" xmlns:r="http://schemas.openxmlformats.org/officeDocument/2006/relationships" xmlns:p="http://schemas.openxmlformats.org/presentationml/2006/main">
   <p:cSld>
@@ -2312,53 +3032,21 @@
       </p:grpSpPr>
       <p:sp>
         <p:nvSpPr>
-          <p:cNvPr id="7" name="Rectangle 7"/>
+          <p:cNvPr id="2" name="Slide Image Placeholder 1"/>
           <p:cNvSpPr>
-            <a:spLocks noGrp="1" noChangeArrowheads="1"/>
-          </p:cNvSpPr>
-          <p:nvPr>
-            <p:ph type="sldNum" sz="quarter" idx="5"/>
-          </p:nvPr>
-        </p:nvSpPr>
-        <p:spPr>
-          <a:ln/>
-        </p:spPr>
-        <p:txBody>
-          <a:bodyPr/>
-          <a:lstStyle/>
-          <a:p>
-            <a:fld id="{460183DB-8D3D-4827-BF4C-7BD92E76D20E}" type="slidenum">
-              <a:rPr lang="en-US"/>
-              <a:pPr/>
-              <a:t>12</a:t>
-            </a:fld>
-            <a:endParaRPr lang="en-US"/>
-          </a:p>
-        </p:txBody>
-      </p:sp>
-      <p:sp>
-        <p:nvSpPr>
-          <p:cNvPr id="31746" name="Rectangle 2"/>
-          <p:cNvSpPr>
-            <a:spLocks noGrp="1" noRot="1" noChangeAspect="1" noChangeArrowheads="1" noTextEdit="1"/>
+            <a:spLocks noGrp="1" noRot="1" noChangeAspect="1"/>
           </p:cNvSpPr>
           <p:nvPr>
             <p:ph type="sldImg"/>
           </p:nvPr>
         </p:nvSpPr>
-        <p:spPr>
-          <a:xfrm>
-            <a:off x="2974975" y="549275"/>
-            <a:ext cx="3657600" cy="2743200"/>
-          </a:xfrm>
-          <a:ln/>
-        </p:spPr>
+        <p:spPr/>
       </p:sp>
       <p:sp>
         <p:nvSpPr>
-          <p:cNvPr id="31747" name="Rectangle 3"/>
+          <p:cNvPr id="3" name="Notes Placeholder 2"/>
           <p:cNvSpPr>
-            <a:spLocks noGrp="1" noChangeArrowheads="1"/>
+            <a:spLocks noGrp="1"/>
           </p:cNvSpPr>
           <p:nvPr>
             <p:ph type="body" idx="1"/>
@@ -2369,11 +3057,45 @@
           <a:bodyPr/>
           <a:lstStyle/>
           <a:p>
-            <a:endParaRPr lang="en-US" dirty="0"/>
+            <a:endParaRPr lang="en-US"/>
+          </a:p>
+        </p:txBody>
+      </p:sp>
+      <p:sp>
+        <p:nvSpPr>
+          <p:cNvPr id="4" name="Slide Number Placeholder 3"/>
+          <p:cNvSpPr>
+            <a:spLocks noGrp="1"/>
+          </p:cNvSpPr>
+          <p:nvPr>
+            <p:ph type="sldNum" sz="quarter" idx="10"/>
+          </p:nvPr>
+        </p:nvSpPr>
+        <p:spPr/>
+        <p:txBody>
+          <a:bodyPr/>
+          <a:lstStyle/>
+          <a:p>
+            <a:pPr>
+              <a:defRPr/>
+            </a:pPr>
+            <a:fld id="{A32D937A-A834-4882-89DE-8A0AB0171B36}" type="slidenum">
+              <a:rPr lang="en-US" smtClean="0"/>
+              <a:pPr>
+                <a:defRPr/>
+              </a:pPr>
+              <a:t>8</a:t>
+            </a:fld>
+            <a:endParaRPr lang="en-US"/>
           </a:p>
         </p:txBody>
       </p:sp>
     </p:spTree>
+    <p:extLst>
+      <p:ext uri="{BB962C8B-B14F-4D97-AF65-F5344CB8AC3E}">
+        <p14:creationId xmlns:p14="http://schemas.microsoft.com/office/powerpoint/2010/main" val="1063899155"/>
+      </p:ext>
+    </p:extLst>
   </p:cSld>
   <p:clrMapOvr>
     <a:masterClrMapping/>
@@ -2400,53 +3122,21 @@
       </p:grpSpPr>
       <p:sp>
         <p:nvSpPr>
-          <p:cNvPr id="7" name="Rectangle 7"/>
+          <p:cNvPr id="2" name="Slide Image Placeholder 1"/>
           <p:cNvSpPr>
-            <a:spLocks noGrp="1" noChangeArrowheads="1"/>
-          </p:cNvSpPr>
-          <p:nvPr>
-            <p:ph type="sldNum" sz="quarter" idx="5"/>
-          </p:nvPr>
-        </p:nvSpPr>
-        <p:spPr>
-          <a:ln/>
-        </p:spPr>
-        <p:txBody>
-          <a:bodyPr/>
-          <a:lstStyle/>
-          <a:p>
-            <a:fld id="{460183DB-8D3D-4827-BF4C-7BD92E76D20E}" type="slidenum">
-              <a:rPr lang="en-US"/>
-              <a:pPr/>
-              <a:t>13</a:t>
-            </a:fld>
-            <a:endParaRPr lang="en-US"/>
-          </a:p>
-        </p:txBody>
-      </p:sp>
-      <p:sp>
-        <p:nvSpPr>
-          <p:cNvPr id="31746" name="Rectangle 2"/>
-          <p:cNvSpPr>
-            <a:spLocks noGrp="1" noRot="1" noChangeAspect="1" noChangeArrowheads="1" noTextEdit="1"/>
+            <a:spLocks noGrp="1" noRot="1" noChangeAspect="1"/>
           </p:cNvSpPr>
           <p:nvPr>
             <p:ph type="sldImg"/>
           </p:nvPr>
         </p:nvSpPr>
-        <p:spPr>
-          <a:xfrm>
-            <a:off x="2974975" y="549275"/>
-            <a:ext cx="3657600" cy="2743200"/>
-          </a:xfrm>
-          <a:ln/>
-        </p:spPr>
+        <p:spPr/>
       </p:sp>
       <p:sp>
         <p:nvSpPr>
-          <p:cNvPr id="31747" name="Rectangle 3"/>
+          <p:cNvPr id="3" name="Notes Placeholder 2"/>
           <p:cNvSpPr>
-            <a:spLocks noGrp="1" noChangeArrowheads="1"/>
+            <a:spLocks noGrp="1"/>
           </p:cNvSpPr>
           <p:nvPr>
             <p:ph type="body" idx="1"/>
@@ -2457,11 +3147,45 @@
           <a:bodyPr/>
           <a:lstStyle/>
           <a:p>
-            <a:endParaRPr lang="en-US" dirty="0"/>
+            <a:endParaRPr lang="en-US"/>
+          </a:p>
+        </p:txBody>
+      </p:sp>
+      <p:sp>
+        <p:nvSpPr>
+          <p:cNvPr id="4" name="Slide Number Placeholder 3"/>
+          <p:cNvSpPr>
+            <a:spLocks noGrp="1"/>
+          </p:cNvSpPr>
+          <p:nvPr>
+            <p:ph type="sldNum" sz="quarter" idx="10"/>
+          </p:nvPr>
+        </p:nvSpPr>
+        <p:spPr/>
+        <p:txBody>
+          <a:bodyPr/>
+          <a:lstStyle/>
+          <a:p>
+            <a:pPr>
+              <a:defRPr/>
+            </a:pPr>
+            <a:fld id="{A32D937A-A834-4882-89DE-8A0AB0171B36}" type="slidenum">
+              <a:rPr lang="en-US" smtClean="0"/>
+              <a:pPr>
+                <a:defRPr/>
+              </a:pPr>
+              <a:t>9</a:t>
+            </a:fld>
+            <a:endParaRPr lang="en-US"/>
           </a:p>
         </p:txBody>
       </p:sp>
     </p:spTree>
+    <p:extLst>
+      <p:ext uri="{BB962C8B-B14F-4D97-AF65-F5344CB8AC3E}">
+        <p14:creationId xmlns:p14="http://schemas.microsoft.com/office/powerpoint/2010/main" val="3905140202"/>
+      </p:ext>
+    </p:extLst>
   </p:cSld>
   <p:clrMapOvr>
     <a:masterClrMapping/>
@@ -4912,6 +5636,3448 @@
           <a:chExt cx="0" cy="0"/>
         </a:xfrm>
       </p:grpSpPr>
+      <p:graphicFrame>
+        <p:nvGraphicFramePr>
+          <p:cNvPr id="8" name="Table 7"/>
+          <p:cNvGraphicFramePr>
+            <a:graphicFrameLocks noGrp="1"/>
+          </p:cNvGraphicFramePr>
+          <p:nvPr>
+            <p:extLst>
+              <p:ext uri="{D42A27DB-BD31-4B8C-83A1-F6EECF244321}">
+                <p14:modId xmlns:p14="http://schemas.microsoft.com/office/powerpoint/2010/main" val="2344603022"/>
+              </p:ext>
+            </p:extLst>
+          </p:nvPr>
+        </p:nvGraphicFramePr>
+        <p:xfrm>
+          <a:off x="834854" y="1281113"/>
+          <a:ext cx="4816646" cy="4521200"/>
+        </p:xfrm>
+        <a:graphic>
+          <a:graphicData uri="http://schemas.openxmlformats.org/drawingml/2006/table">
+            <a:tbl>
+              <a:tblPr firstRow="1" bandRow="1">
+                <a:tableStyleId>{5C22544A-7EE6-4342-B048-85BDC9FD1C3A}</a:tableStyleId>
+              </a:tblPr>
+              <a:tblGrid>
+                <a:gridCol w="1628946"/>
+                <a:gridCol w="1562100"/>
+                <a:gridCol w="1625600"/>
+              </a:tblGrid>
+              <a:tr h="661616">
+                <a:tc>
+                  <a:txBody>
+                    <a:bodyPr/>
+                    <a:lstStyle/>
+                    <a:p>
+                      <a:pPr algn="ctr"/>
+                      <a:r>
+                        <a:rPr lang="en-US" sz="3200" dirty="0" err="1" smtClean="0">
+                          <a:solidFill>
+                            <a:srgbClr val="008000"/>
+                          </a:solidFill>
+                        </a:rPr>
+                        <a:t>n</a:t>
+                      </a:r>
+                      <a:endParaRPr lang="en-US" sz="3200" dirty="0">
+                        <a:solidFill>
+                          <a:srgbClr val="008000"/>
+                        </a:solidFill>
+                      </a:endParaRPr>
+                    </a:p>
+                  </a:txBody>
+                  <a:tcPr>
+                    <a:noFill/>
+                  </a:tcPr>
+                </a:tc>
+                <a:tc>
+                  <a:txBody>
+                    <a:bodyPr/>
+                    <a:lstStyle/>
+                    <a:p>
+                      <a:pPr algn="ctr"/>
+                      <a:endParaRPr lang="en-US" sz="3200" dirty="0">
+                        <a:solidFill>
+                          <a:srgbClr val="5959FF"/>
+                        </a:solidFill>
+                      </a:endParaRPr>
+                    </a:p>
+                  </a:txBody>
+                  <a:tcPr>
+                    <a:noFill/>
+                  </a:tcPr>
+                </a:tc>
+                <a:tc>
+                  <a:txBody>
+                    <a:bodyPr/>
+                    <a:lstStyle/>
+                    <a:p>
+                      <a:pPr algn="ctr"/>
+                      <a:endParaRPr lang="en-US" sz="3200" dirty="0">
+                        <a:solidFill>
+                          <a:srgbClr val="5959FF"/>
+                        </a:solidFill>
+                      </a:endParaRPr>
+                    </a:p>
+                  </a:txBody>
+                  <a:tcPr>
+                    <a:noFill/>
+                  </a:tcPr>
+                </a:tc>
+              </a:tr>
+              <a:tr h="643264">
+                <a:tc>
+                  <a:txBody>
+                    <a:bodyPr/>
+                    <a:lstStyle/>
+                    <a:p>
+                      <a:pPr algn="r"/>
+                      <a:r>
+                        <a:rPr lang="en-US" sz="3200" dirty="0" smtClean="0">
+                          <a:solidFill>
+                            <a:srgbClr val="5959FF"/>
+                          </a:solidFill>
+                        </a:rPr>
+                        <a:t>6</a:t>
+                      </a:r>
+                      <a:endParaRPr lang="en-US" sz="3200" dirty="0">
+                        <a:solidFill>
+                          <a:srgbClr val="5959FF"/>
+                        </a:solidFill>
+                      </a:endParaRPr>
+                    </a:p>
+                  </a:txBody>
+                  <a:tcPr>
+                    <a:noFill/>
+                  </a:tcPr>
+                </a:tc>
+                <a:tc>
+                  <a:txBody>
+                    <a:bodyPr/>
+                    <a:lstStyle/>
+                    <a:p>
+                      <a:pPr algn="l"/>
+                      <a:r>
+                        <a:rPr lang="en-US" sz="3200" dirty="0" smtClean="0">
+                          <a:solidFill>
+                            <a:srgbClr val="5959FF"/>
+                          </a:solidFill>
+                        </a:rPr>
+                        <a:t>0.4</a:t>
+                      </a:r>
+                      <a:endParaRPr lang="en-US" sz="3200" dirty="0">
+                        <a:solidFill>
+                          <a:srgbClr val="5959FF"/>
+                        </a:solidFill>
+                      </a:endParaRPr>
+                    </a:p>
+                  </a:txBody>
+                  <a:tcPr>
+                    <a:noFill/>
+                  </a:tcPr>
+                </a:tc>
+                <a:tc>
+                  <a:txBody>
+                    <a:bodyPr/>
+                    <a:lstStyle/>
+                    <a:p>
+                      <a:pPr marL="0" marR="0" indent="0" algn="l" defTabSz="914400" rtl="0" eaLnBrk="1" fontAlgn="auto" latinLnBrk="0" hangingPunct="1">
+                        <a:lnSpc>
+                          <a:spcPct val="100000"/>
+                        </a:lnSpc>
+                        <a:spcBef>
+                          <a:spcPts val="0"/>
+                        </a:spcBef>
+                        <a:spcAft>
+                          <a:spcPts val="0"/>
+                        </a:spcAft>
+                        <a:buClrTx/>
+                        <a:buSzTx/>
+                        <a:buFontTx/>
+                        <a:buNone/>
+                        <a:tabLst/>
+                        <a:defRPr/>
+                      </a:pPr>
+                      <a:r>
+                        <a:rPr lang="en-US" sz="3200" dirty="0" smtClean="0">
+                          <a:solidFill>
+                            <a:srgbClr val="5959FF"/>
+                          </a:solidFill>
+                        </a:rPr>
+                        <a:t>0.4</a:t>
+                      </a:r>
+                      <a:endParaRPr lang="en-US" sz="3200" dirty="0">
+                        <a:solidFill>
+                          <a:srgbClr val="5959FF"/>
+                        </a:solidFill>
+                      </a:endParaRPr>
+                    </a:p>
+                  </a:txBody>
+                  <a:tcPr>
+                    <a:noFill/>
+                  </a:tcPr>
+                </a:tc>
+              </a:tr>
+              <a:tr h="643264">
+                <a:tc>
+                  <a:txBody>
+                    <a:bodyPr/>
+                    <a:lstStyle/>
+                    <a:p>
+                      <a:pPr algn="r"/>
+                      <a:r>
+                        <a:rPr lang="en-US" sz="3200" dirty="0" smtClean="0">
+                          <a:solidFill>
+                            <a:srgbClr val="5959FF"/>
+                          </a:solidFill>
+                        </a:rPr>
+                        <a:t>60</a:t>
+                      </a:r>
+                      <a:endParaRPr lang="en-US" sz="3200" dirty="0">
+                        <a:solidFill>
+                          <a:srgbClr val="5959FF"/>
+                        </a:solidFill>
+                      </a:endParaRPr>
+                    </a:p>
+                  </a:txBody>
+                  <a:tcPr>
+                    <a:noFill/>
+                  </a:tcPr>
+                </a:tc>
+                <a:tc>
+                  <a:txBody>
+                    <a:bodyPr/>
+                    <a:lstStyle/>
+                    <a:p>
+                      <a:pPr algn="l"/>
+                      <a:r>
+                        <a:rPr lang="en-US" sz="3200" dirty="0" smtClean="0">
+                          <a:solidFill>
+                            <a:srgbClr val="5959FF"/>
+                          </a:solidFill>
+                        </a:rPr>
+                        <a:t>0.26</a:t>
+                      </a:r>
+                      <a:endParaRPr lang="en-US" sz="3200" dirty="0">
+                        <a:solidFill>
+                          <a:srgbClr val="5959FF"/>
+                        </a:solidFill>
+                      </a:endParaRPr>
+                    </a:p>
+                  </a:txBody>
+                  <a:tcPr>
+                    <a:noFill/>
+                  </a:tcPr>
+                </a:tc>
+                <a:tc>
+                  <a:txBody>
+                    <a:bodyPr/>
+                    <a:lstStyle/>
+                    <a:p>
+                      <a:pPr algn="l"/>
+                      <a:r>
+                        <a:rPr lang="en-US" sz="3200" dirty="0" smtClean="0">
+                          <a:solidFill>
+                            <a:srgbClr val="5959FF"/>
+                          </a:solidFill>
+                        </a:rPr>
+                        <a:t>0.14</a:t>
+                      </a:r>
+                      <a:endParaRPr lang="en-US" sz="3200" dirty="0">
+                        <a:solidFill>
+                          <a:srgbClr val="5959FF"/>
+                        </a:solidFill>
+                      </a:endParaRPr>
+                    </a:p>
+                  </a:txBody>
+                  <a:tcPr>
+                    <a:noFill/>
+                  </a:tcPr>
+                </a:tc>
+              </a:tr>
+              <a:tr h="643264">
+                <a:tc>
+                  <a:txBody>
+                    <a:bodyPr/>
+                    <a:lstStyle/>
+                    <a:p>
+                      <a:pPr algn="r"/>
+                      <a:r>
+                        <a:rPr lang="en-US" sz="3200" dirty="0" smtClean="0">
+                          <a:solidFill>
+                            <a:srgbClr val="5959FF"/>
+                          </a:solidFill>
+                        </a:rPr>
+                        <a:t>600</a:t>
+                      </a:r>
+                      <a:endParaRPr lang="en-US" sz="3200" dirty="0">
+                        <a:solidFill>
+                          <a:srgbClr val="5959FF"/>
+                        </a:solidFill>
+                      </a:endParaRPr>
+                    </a:p>
+                  </a:txBody>
+                  <a:tcPr>
+                    <a:noFill/>
+                  </a:tcPr>
+                </a:tc>
+                <a:tc>
+                  <a:txBody>
+                    <a:bodyPr/>
+                    <a:lstStyle/>
+                    <a:p>
+                      <a:pPr algn="l"/>
+                      <a:r>
+                        <a:rPr lang="en-US" sz="3200" dirty="0" smtClean="0">
+                          <a:solidFill>
+                            <a:srgbClr val="5959FF"/>
+                          </a:solidFill>
+                        </a:rPr>
+                        <a:t>0.72</a:t>
+                      </a:r>
+                      <a:endParaRPr lang="en-US" sz="3200" dirty="0">
+                        <a:solidFill>
+                          <a:srgbClr val="5959FF"/>
+                        </a:solidFill>
+                      </a:endParaRPr>
+                    </a:p>
+                  </a:txBody>
+                  <a:tcPr>
+                    <a:noFill/>
+                  </a:tcPr>
+                </a:tc>
+                <a:tc>
+                  <a:txBody>
+                    <a:bodyPr/>
+                    <a:lstStyle/>
+                    <a:p>
+                      <a:pPr algn="l"/>
+                      <a:r>
+                        <a:rPr lang="en-US" sz="3200" dirty="0" smtClean="0">
+                          <a:solidFill>
+                            <a:srgbClr val="5959FF"/>
+                          </a:solidFill>
+                        </a:rPr>
+                        <a:t>0.41</a:t>
+                      </a:r>
+                      <a:endParaRPr lang="en-US" sz="3200" dirty="0">
+                        <a:solidFill>
+                          <a:srgbClr val="5959FF"/>
+                        </a:solidFill>
+                      </a:endParaRPr>
+                    </a:p>
+                  </a:txBody>
+                  <a:tcPr>
+                    <a:noFill/>
+                  </a:tcPr>
+                </a:tc>
+              </a:tr>
+              <a:tr h="643264">
+                <a:tc>
+                  <a:txBody>
+                    <a:bodyPr/>
+                    <a:lstStyle/>
+                    <a:p>
+                      <a:pPr algn="r"/>
+                      <a:r>
+                        <a:rPr lang="en-US" sz="3200" dirty="0" smtClean="0">
+                          <a:solidFill>
+                            <a:srgbClr val="5959FF"/>
+                          </a:solidFill>
+                        </a:rPr>
+                        <a:t>1200</a:t>
+                      </a:r>
+                      <a:endParaRPr lang="en-US" sz="3200" dirty="0">
+                        <a:solidFill>
+                          <a:srgbClr val="5959FF"/>
+                        </a:solidFill>
+                      </a:endParaRPr>
+                    </a:p>
+                  </a:txBody>
+                  <a:tcPr>
+                    <a:noFill/>
+                  </a:tcPr>
+                </a:tc>
+                <a:tc>
+                  <a:txBody>
+                    <a:bodyPr/>
+                    <a:lstStyle/>
+                    <a:p>
+                      <a:pPr algn="l"/>
+                      <a:r>
+                        <a:rPr lang="en-US" sz="3200" dirty="0" smtClean="0">
+                          <a:solidFill>
+                            <a:srgbClr val="5959FF"/>
+                          </a:solidFill>
+                        </a:rPr>
+                        <a:t>0.88</a:t>
+                      </a:r>
+                      <a:endParaRPr lang="en-US" sz="3200" dirty="0">
+                        <a:solidFill>
+                          <a:srgbClr val="5959FF"/>
+                        </a:solidFill>
+                      </a:endParaRPr>
+                    </a:p>
+                  </a:txBody>
+                  <a:tcPr>
+                    <a:noFill/>
+                  </a:tcPr>
+                </a:tc>
+                <a:tc>
+                  <a:txBody>
+                    <a:bodyPr/>
+                    <a:lstStyle/>
+                    <a:p>
+                      <a:pPr algn="l"/>
+                      <a:r>
+                        <a:rPr lang="en-US" sz="3200" dirty="0" smtClean="0">
+                          <a:solidFill>
+                            <a:srgbClr val="5959FF"/>
+                          </a:solidFill>
+                        </a:rPr>
+                        <a:t>0.56</a:t>
+                      </a:r>
+                      <a:endParaRPr lang="en-US" sz="3200" dirty="0">
+                        <a:solidFill>
+                          <a:srgbClr val="5959FF"/>
+                        </a:solidFill>
+                      </a:endParaRPr>
+                    </a:p>
+                  </a:txBody>
+                  <a:tcPr>
+                    <a:noFill/>
+                  </a:tcPr>
+                </a:tc>
+              </a:tr>
+              <a:tr h="643264">
+                <a:tc>
+                  <a:txBody>
+                    <a:bodyPr/>
+                    <a:lstStyle/>
+                    <a:p>
+                      <a:pPr marL="0" marR="0" indent="0" algn="r" defTabSz="914400" rtl="0" eaLnBrk="1" fontAlgn="auto" latinLnBrk="0" hangingPunct="1">
+                        <a:lnSpc>
+                          <a:spcPct val="100000"/>
+                        </a:lnSpc>
+                        <a:spcBef>
+                          <a:spcPts val="0"/>
+                        </a:spcBef>
+                        <a:spcAft>
+                          <a:spcPts val="0"/>
+                        </a:spcAft>
+                        <a:buClrTx/>
+                        <a:buSzTx/>
+                        <a:buFontTx/>
+                        <a:buNone/>
+                        <a:tabLst/>
+                        <a:defRPr/>
+                      </a:pPr>
+                      <a:r>
+                        <a:rPr lang="en-US" sz="3200" dirty="0" smtClean="0">
+                          <a:solidFill>
+                            <a:srgbClr val="FF00FF"/>
+                          </a:solidFill>
+                        </a:rPr>
+                        <a:t>3000</a:t>
+                      </a:r>
+                    </a:p>
+                  </a:txBody>
+                  <a:tcPr>
+                    <a:noFill/>
+                  </a:tcPr>
+                </a:tc>
+                <a:tc>
+                  <a:txBody>
+                    <a:bodyPr/>
+                    <a:lstStyle/>
+                    <a:p>
+                      <a:pPr algn="l"/>
+                      <a:r>
+                        <a:rPr lang="en-US" sz="3200" dirty="0" smtClean="0">
+                          <a:solidFill>
+                            <a:srgbClr val="FF00FF"/>
+                          </a:solidFill>
+                        </a:rPr>
+                        <a:t>0.98</a:t>
+                      </a:r>
+                      <a:endParaRPr lang="en-US" sz="3200" dirty="0">
+                        <a:solidFill>
+                          <a:srgbClr val="FF00FF"/>
+                        </a:solidFill>
+                      </a:endParaRPr>
+                    </a:p>
+                  </a:txBody>
+                  <a:tcPr>
+                    <a:noFill/>
+                  </a:tcPr>
+                </a:tc>
+                <a:tc>
+                  <a:txBody>
+                    <a:bodyPr/>
+                    <a:lstStyle/>
+                    <a:p>
+                      <a:pPr algn="l"/>
+                      <a:r>
+                        <a:rPr lang="en-US" sz="3200" dirty="0" smtClean="0">
+                          <a:solidFill>
+                            <a:srgbClr val="FF00FF"/>
+                          </a:solidFill>
+                        </a:rPr>
+                        <a:t>0.78</a:t>
+                      </a:r>
+                      <a:endParaRPr lang="en-US" sz="3200" dirty="0">
+                        <a:solidFill>
+                          <a:srgbClr val="FF00FF"/>
+                        </a:solidFill>
+                      </a:endParaRPr>
+                    </a:p>
+                  </a:txBody>
+                  <a:tcPr>
+                    <a:noFill/>
+                  </a:tcPr>
+                </a:tc>
+              </a:tr>
+              <a:tr h="643264">
+                <a:tc>
+                  <a:txBody>
+                    <a:bodyPr/>
+                    <a:lstStyle/>
+                    <a:p>
+                      <a:pPr algn="r"/>
+                      <a:r>
+                        <a:rPr lang="en-US" sz="3200" dirty="0" smtClean="0">
+                          <a:solidFill>
+                            <a:srgbClr val="5959FF"/>
+                          </a:solidFill>
+                        </a:rPr>
+                        <a:t>6000</a:t>
+                      </a:r>
+                      <a:endParaRPr lang="en-US" sz="3200" dirty="0">
+                        <a:solidFill>
+                          <a:srgbClr val="5959FF"/>
+                        </a:solidFill>
+                      </a:endParaRPr>
+                    </a:p>
+                  </a:txBody>
+                  <a:tcPr>
+                    <a:noFill/>
+                  </a:tcPr>
+                </a:tc>
+                <a:tc>
+                  <a:txBody>
+                    <a:bodyPr/>
+                    <a:lstStyle/>
+                    <a:p>
+                      <a:pPr algn="l"/>
+                      <a:r>
+                        <a:rPr lang="en-US" sz="3200" dirty="0" smtClean="0">
+                          <a:solidFill>
+                            <a:srgbClr val="5959FF"/>
+                          </a:solidFill>
+                        </a:rPr>
+                        <a:t>0.999</a:t>
+                      </a:r>
+                      <a:endParaRPr lang="en-US" sz="3200" dirty="0">
+                        <a:solidFill>
+                          <a:srgbClr val="5959FF"/>
+                        </a:solidFill>
+                      </a:endParaRPr>
+                    </a:p>
+                  </a:txBody>
+                  <a:tcPr>
+                    <a:noFill/>
+                  </a:tcPr>
+                </a:tc>
+                <a:tc>
+                  <a:txBody>
+                    <a:bodyPr/>
+                    <a:lstStyle/>
+                    <a:p>
+                      <a:pPr algn="l"/>
+                      <a:r>
+                        <a:rPr lang="en-US" sz="3200" dirty="0" smtClean="0">
+                          <a:solidFill>
+                            <a:srgbClr val="5959FF"/>
+                          </a:solidFill>
+                        </a:rPr>
+                        <a:t>0.91</a:t>
+                      </a:r>
+                      <a:endParaRPr lang="en-US" sz="3200" dirty="0">
+                        <a:solidFill>
+                          <a:srgbClr val="5959FF"/>
+                        </a:solidFill>
+                      </a:endParaRPr>
+                    </a:p>
+                  </a:txBody>
+                  <a:tcPr>
+                    <a:noFill/>
+                  </a:tcPr>
+                </a:tc>
+              </a:tr>
+            </a:tbl>
+          </a:graphicData>
+        </a:graphic>
+      </p:graphicFrame>
+      <p:grpSp>
+        <p:nvGrpSpPr>
+          <p:cNvPr id="5" name="Group 4"/>
+          <p:cNvGrpSpPr/>
+          <p:nvPr/>
+        </p:nvGrpSpPr>
+        <p:grpSpPr>
+          <a:xfrm>
+            <a:off x="2601913" y="1358900"/>
+            <a:ext cx="2469356" cy="482600"/>
+            <a:chOff x="2601913" y="1358900"/>
+            <a:chExt cx="2469356" cy="482600"/>
+          </a:xfrm>
+        </p:grpSpPr>
+        <p:graphicFrame>
+          <p:nvGraphicFramePr>
+            <p:cNvPr id="2" name="Object 1"/>
+            <p:cNvGraphicFramePr>
+              <a:graphicFrameLocks noChangeAspect="1"/>
+            </p:cNvGraphicFramePr>
+            <p:nvPr>
+              <p:extLst>
+                <p:ext uri="{D42A27DB-BD31-4B8C-83A1-F6EECF244321}">
+                  <p14:modId xmlns:p14="http://schemas.microsoft.com/office/powerpoint/2010/main" val="3377461403"/>
+                </p:ext>
+              </p:extLst>
+            </p:nvPr>
+          </p:nvGraphicFramePr>
+          <p:xfrm>
+            <a:off x="2601913" y="1358900"/>
+            <a:ext cx="1125537" cy="482600"/>
+          </p:xfrm>
+          <a:graphic>
+            <a:graphicData uri="http://schemas.openxmlformats.org/presentationml/2006/ole">
+              <mc:AlternateContent xmlns:mc="http://schemas.openxmlformats.org/markup-compatibility/2006">
+                <mc:Choice xmlns:v="urn:schemas-microsoft-com:vml" Requires="v">
+                  <p:oleObj spid="_x0000_s349194" name="Equation" r:id="rId4" imgW="444500" imgH="190500" progId="Equation.DSMT4">
+                    <p:embed/>
+                  </p:oleObj>
+                </mc:Choice>
+                <mc:Fallback>
+                  <p:oleObj name="Equation" r:id="rId4" imgW="444500" imgH="190500" progId="Equation.DSMT4">
+                    <p:embed/>
+                    <p:pic>
+                      <p:nvPicPr>
+                        <p:cNvPr id="0" name=""/>
+                        <p:cNvPicPr/>
+                        <p:nvPr/>
+                      </p:nvPicPr>
+                      <p:blipFill>
+                        <a:blip r:embed="rId5"/>
+                        <a:stretch>
+                          <a:fillRect/>
+                        </a:stretch>
+                      </p:blipFill>
+                      <p:spPr>
+                        <a:xfrm>
+                          <a:off x="2601913" y="1358900"/>
+                          <a:ext cx="1125537" cy="482600"/>
+                        </a:xfrm>
+                        <a:prstGeom prst="rect">
+                          <a:avLst/>
+                        </a:prstGeom>
+                      </p:spPr>
+                    </p:pic>
+                  </p:oleObj>
+                </mc:Fallback>
+              </mc:AlternateContent>
+            </a:graphicData>
+          </a:graphic>
+        </p:graphicFrame>
+        <p:graphicFrame>
+          <p:nvGraphicFramePr>
+            <p:cNvPr id="12" name="Object 11"/>
+            <p:cNvGraphicFramePr>
+              <a:graphicFrameLocks noChangeAspect="1"/>
+            </p:cNvGraphicFramePr>
+            <p:nvPr>
+              <p:extLst>
+                <p:ext uri="{D42A27DB-BD31-4B8C-83A1-F6EECF244321}">
+                  <p14:modId xmlns:p14="http://schemas.microsoft.com/office/powerpoint/2010/main" val="1357954332"/>
+                </p:ext>
+              </p:extLst>
+            </p:nvPr>
+          </p:nvGraphicFramePr>
+          <p:xfrm>
+            <a:off x="4107656" y="1358900"/>
+            <a:ext cx="963613" cy="482600"/>
+          </p:xfrm>
+          <a:graphic>
+            <a:graphicData uri="http://schemas.openxmlformats.org/presentationml/2006/ole">
+              <mc:AlternateContent xmlns:mc="http://schemas.openxmlformats.org/markup-compatibility/2006">
+                <mc:Choice xmlns:v="urn:schemas-microsoft-com:vml" Requires="v">
+                  <p:oleObj spid="_x0000_s349195" name="Equation" r:id="rId6" imgW="381000" imgH="190500" progId="Equation.DSMT4">
+                    <p:embed/>
+                  </p:oleObj>
+                </mc:Choice>
+                <mc:Fallback>
+                  <p:oleObj name="Equation" r:id="rId6" imgW="381000" imgH="190500" progId="Equation.DSMT4">
+                    <p:embed/>
+                    <p:pic>
+                      <p:nvPicPr>
+                        <p:cNvPr id="0" name=""/>
+                        <p:cNvPicPr/>
+                        <p:nvPr/>
+                      </p:nvPicPr>
+                      <p:blipFill>
+                        <a:blip r:embed="rId7"/>
+                        <a:stretch>
+                          <a:fillRect/>
+                        </a:stretch>
+                      </p:blipFill>
+                      <p:spPr>
+                        <a:xfrm>
+                          <a:off x="4107656" y="1358900"/>
+                          <a:ext cx="963613" cy="482600"/>
+                        </a:xfrm>
+                        <a:prstGeom prst="rect">
+                          <a:avLst/>
+                        </a:prstGeom>
+                      </p:spPr>
+                    </p:pic>
+                  </p:oleObj>
+                </mc:Fallback>
+              </mc:AlternateContent>
+            </a:graphicData>
+          </a:graphic>
+        </p:graphicFrame>
+      </p:grpSp>
+      <p:grpSp>
+        <p:nvGrpSpPr>
+          <p:cNvPr id="13" name="Group 12"/>
+          <p:cNvGrpSpPr/>
+          <p:nvPr/>
+        </p:nvGrpSpPr>
+        <p:grpSpPr>
+          <a:xfrm>
+            <a:off x="6388100" y="1790700"/>
+            <a:ext cx="2101387" cy="3949700"/>
+            <a:chOff x="4381500" y="1625600"/>
+            <a:chExt cx="2101387" cy="3949700"/>
+          </a:xfrm>
+        </p:grpSpPr>
+        <p:sp>
+          <p:nvSpPr>
+            <p:cNvPr id="14" name="TextBox 13"/>
+            <p:cNvSpPr txBox="1"/>
+            <p:nvPr/>
+          </p:nvSpPr>
+          <p:spPr>
+            <a:xfrm>
+              <a:off x="4665663" y="2197963"/>
+              <a:ext cx="1817224" cy="2554545"/>
+            </a:xfrm>
+            <a:prstGeom prst="rect">
+              <a:avLst/>
+            </a:prstGeom>
+            <a:noFill/>
+          </p:spPr>
+          <p:txBody>
+            <a:bodyPr wrap="none" rtlCol="0">
+              <a:spAutoFit/>
+            </a:bodyPr>
+            <a:lstStyle/>
+            <a:p>
+              <a:r>
+                <a:rPr lang="en-US" dirty="0" err="1" smtClean="0">
+                  <a:latin typeface="Comic Sans MS"/>
+                  <a:cs typeface="Comic Sans MS"/>
+                </a:rPr>
+                <a:t>Pr</a:t>
+              </a:r>
+              <a:endParaRPr lang="en-US" dirty="0" smtClean="0">
+                <a:latin typeface="Comic Sans MS"/>
+                <a:cs typeface="Comic Sans MS"/>
+              </a:endParaRPr>
+            </a:p>
+            <a:p>
+              <a:r>
+                <a:rPr lang="en-US" dirty="0" smtClean="0">
+                  <a:latin typeface="Comic Sans MS"/>
+                  <a:cs typeface="Comic Sans MS"/>
+                </a:rPr>
+                <a:t>bigger</a:t>
+              </a:r>
+            </a:p>
+            <a:p>
+              <a:r>
+                <a:rPr lang="en-US" dirty="0" smtClean="0">
+                  <a:latin typeface="Comic Sans MS"/>
+                  <a:cs typeface="Comic Sans MS"/>
+                </a:rPr>
+                <a:t>with</a:t>
+              </a:r>
+            </a:p>
+            <a:p>
+              <a:r>
+                <a:rPr lang="en-US" dirty="0" smtClean="0">
+                  <a:latin typeface="Comic Sans MS"/>
+                  <a:cs typeface="Comic Sans MS"/>
+                </a:rPr>
+                <a:t># rolls</a:t>
+              </a:r>
+            </a:p>
+          </p:txBody>
+        </p:sp>
+        <p:cxnSp>
+          <p:nvCxnSpPr>
+            <p:cNvPr id="15" name="Straight Arrow Connector 14"/>
+            <p:cNvCxnSpPr/>
+            <p:nvPr/>
+          </p:nvCxnSpPr>
+          <p:spPr bwMode="auto">
+            <a:xfrm>
+              <a:off x="4381500" y="1625600"/>
+              <a:ext cx="0" cy="3949700"/>
+            </a:xfrm>
+            <a:prstGeom prst="straightConnector1">
+              <a:avLst/>
+            </a:prstGeom>
+            <a:noFill/>
+            <a:ln w="44450" cap="flat" cmpd="sng" algn="ctr">
+              <a:solidFill>
+                <a:schemeClr val="tx1"/>
+              </a:solidFill>
+              <a:prstDash val="sysDash"/>
+              <a:round/>
+              <a:headEnd type="none" w="med" len="med"/>
+              <a:tailEnd type="arrow"/>
+            </a:ln>
+            <a:effectLst/>
+          </p:spPr>
+        </p:cxnSp>
+      </p:grpSp>
+      <p:grpSp>
+        <p:nvGrpSpPr>
+          <p:cNvPr id="9" name="Group 8"/>
+          <p:cNvGrpSpPr/>
+          <p:nvPr/>
+        </p:nvGrpSpPr>
+        <p:grpSpPr>
+          <a:xfrm>
+            <a:off x="2260600" y="5930900"/>
+            <a:ext cx="5977768" cy="771386"/>
+            <a:chOff x="2260600" y="5930900"/>
+            <a:chExt cx="5977768" cy="771386"/>
+          </a:xfrm>
+        </p:grpSpPr>
+        <p:sp>
+          <p:nvSpPr>
+            <p:cNvPr id="3" name="TextBox 2"/>
+            <p:cNvSpPr txBox="1"/>
+            <p:nvPr/>
+          </p:nvSpPr>
+          <p:spPr>
+            <a:xfrm>
+              <a:off x="2260600" y="5994400"/>
+              <a:ext cx="5977768" cy="707886"/>
+            </a:xfrm>
+            <a:prstGeom prst="rect">
+              <a:avLst/>
+            </a:prstGeom>
+            <a:noFill/>
+          </p:spPr>
+          <p:txBody>
+            <a:bodyPr wrap="none" rtlCol="0">
+              <a:spAutoFit/>
+            </a:bodyPr>
+            <a:lstStyle/>
+            <a:p>
+              <a:r>
+                <a:rPr lang="en-US" dirty="0" smtClean="0">
+                  <a:latin typeface="Comic Sans MS"/>
+                  <a:cs typeface="Comic Sans MS"/>
+                </a:rPr>
+                <a:t> </a:t>
+              </a:r>
+              <a:r>
+                <a:rPr lang="en-US" dirty="0" err="1" smtClean="0">
+                  <a:latin typeface="Comic Sans MS"/>
+                  <a:cs typeface="Comic Sans MS"/>
+                </a:rPr>
+                <a:t>Pr</a:t>
+              </a:r>
+              <a:r>
+                <a:rPr lang="en-US" dirty="0" smtClean="0">
+                  <a:latin typeface="Comic Sans MS"/>
+                  <a:cs typeface="Comic Sans MS"/>
+                </a:rPr>
+                <a:t> smaller for better %</a:t>
+              </a:r>
+            </a:p>
+          </p:txBody>
+        </p:sp>
+        <p:cxnSp>
+          <p:nvCxnSpPr>
+            <p:cNvPr id="7" name="Straight Arrow Connector 6"/>
+            <p:cNvCxnSpPr/>
+            <p:nvPr/>
+          </p:nvCxnSpPr>
+          <p:spPr bwMode="auto">
+            <a:xfrm>
+              <a:off x="2463800" y="5930900"/>
+              <a:ext cx="3111500" cy="0"/>
+            </a:xfrm>
+            <a:prstGeom prst="straightConnector1">
+              <a:avLst/>
+            </a:prstGeom>
+            <a:noFill/>
+            <a:ln w="44450" cap="flat" cmpd="sng" algn="ctr">
+              <a:solidFill>
+                <a:schemeClr val="tx1"/>
+              </a:solidFill>
+              <a:prstDash val="sysDash"/>
+              <a:round/>
+              <a:headEnd type="none" w="med" len="med"/>
+              <a:tailEnd type="arrow"/>
+            </a:ln>
+            <a:effectLst/>
+          </p:spPr>
+        </p:cxnSp>
+      </p:grpSp>
+      <p:graphicFrame>
+        <p:nvGraphicFramePr>
+          <p:cNvPr id="16" name="Object 15"/>
+          <p:cNvGraphicFramePr>
+            <a:graphicFrameLocks noChangeAspect="1"/>
+          </p:cNvGraphicFramePr>
+          <p:nvPr>
+            <p:extLst>
+              <p:ext uri="{D42A27DB-BD31-4B8C-83A1-F6EECF244321}">
+                <p14:modId xmlns:p14="http://schemas.microsoft.com/office/powerpoint/2010/main" val="3551994254"/>
+              </p:ext>
+            </p:extLst>
+          </p:nvPr>
+        </p:nvGraphicFramePr>
+        <p:xfrm>
+          <a:off x="1693863" y="120650"/>
+          <a:ext cx="6938962" cy="911225"/>
+        </p:xfrm>
+        <a:graphic>
+          <a:graphicData uri="http://schemas.openxmlformats.org/presentationml/2006/ole">
+            <mc:AlternateContent xmlns:mc="http://schemas.openxmlformats.org/markup-compatibility/2006">
+              <mc:Choice xmlns:v="urn:schemas-microsoft-com:vml" Requires="v">
+                <p:oleObj spid="_x0000_s349196" name="Equation" r:id="rId8" imgW="1739900" imgH="228600" progId="Equation.DSMT4">
+                  <p:embed/>
+                </p:oleObj>
+              </mc:Choice>
+              <mc:Fallback>
+                <p:oleObj name="Equation" r:id="rId8" imgW="1739900" imgH="228600" progId="Equation.DSMT4">
+                  <p:embed/>
+                  <p:pic>
+                    <p:nvPicPr>
+                      <p:cNvPr id="0" name=""/>
+                      <p:cNvPicPr>
+                        <a:picLocks noChangeAspect="1" noChangeArrowheads="1"/>
+                      </p:cNvPicPr>
+                      <p:nvPr/>
+                    </p:nvPicPr>
+                    <p:blipFill>
+                      <a:blip r:embed="rId9"/>
+                      <a:srcRect/>
+                      <a:stretch>
+                        <a:fillRect/>
+                      </a:stretch>
+                    </p:blipFill>
+                    <p:spPr bwMode="auto">
+                      <a:xfrm>
+                        <a:off x="1693863" y="120650"/>
+                        <a:ext cx="6938962" cy="911225"/>
+                      </a:xfrm>
+                      <a:prstGeom prst="rect">
+                        <a:avLst/>
+                      </a:prstGeom>
+                      <a:noFill/>
+                      <a:extLst>
+                        <a:ext uri="{909E8E84-426E-40dd-AFC4-6F175D3DCCD1}">
+                          <a14:hiddenFill xmlns:a14="http://schemas.microsoft.com/office/drawing/2010/main">
+                            <a:solidFill>
+                              <a:srgbClr val="FFFFFF"/>
+                            </a:solidFill>
+                          </a14:hiddenFill>
+                        </a:ext>
+                      </a:extLst>
+                    </p:spPr>
+                  </p:pic>
+                </p:oleObj>
+              </mc:Fallback>
+            </mc:AlternateContent>
+          </a:graphicData>
+        </a:graphic>
+      </p:graphicFrame>
+    </p:spTree>
+    <p:extLst>
+      <p:ext uri="{BB962C8B-B14F-4D97-AF65-F5344CB8AC3E}">
+        <p14:creationId xmlns:p14="http://schemas.microsoft.com/office/powerpoint/2010/main" val="3257344606"/>
+      </p:ext>
+    </p:extLst>
+  </p:cSld>
+  <p:clrMapOvr>
+    <a:masterClrMapping/>
+  </p:clrMapOvr>
+  <mc:AlternateContent xmlns:mc="http://schemas.openxmlformats.org/markup-compatibility/2006">
+    <mc:Choice xmlns:p14="http://schemas.microsoft.com/office/powerpoint/2010/main" Requires="p14">
+      <p:transition spd="med" p14:dur="600" advClick="0">
+        <p:fade/>
+      </p:transition>
+    </mc:Choice>
+    <mc:Fallback>
+      <p:transition xmlns:p14="http://schemas.microsoft.com/office/powerpoint/2010/main" spd="med" advClick="0">
+        <p:fade/>
+      </p:transition>
+    </mc:Fallback>
+  </mc:AlternateContent>
+  <p:timing>
+    <p:tnLst>
+      <p:par>
+        <p:cTn xmlns:p14="http://schemas.microsoft.com/office/powerpoint/2010/main" id="1" dur="indefinite" restart="never" nodeType="tmRoot"/>
+      </p:par>
+    </p:tnLst>
+  </p:timing>
+</p:sld>
+</file>
+
+<file path=ppt/slides/slide11.xml><?xml version="1.0" encoding="utf-8"?>
+<p:sld xmlns:a="http://schemas.openxmlformats.org/drawingml/2006/main" xmlns:r="http://schemas.openxmlformats.org/officeDocument/2006/relationships" xmlns:p="http://schemas.openxmlformats.org/presentationml/2006/main">
+  <p:cSld>
+    <p:spTree>
+      <p:nvGrpSpPr>
+        <p:cNvPr id="1" name=""/>
+        <p:cNvGrpSpPr/>
+        <p:nvPr/>
+      </p:nvGrpSpPr>
+      <p:grpSpPr>
+        <a:xfrm>
+          <a:off x="0" y="0"/>
+          <a:ext cx="0" cy="0"/>
+          <a:chOff x="0" y="0"/>
+          <a:chExt cx="0" cy="0"/>
+        </a:xfrm>
+      </p:grpSpPr>
+      <p:graphicFrame>
+        <p:nvGraphicFramePr>
+          <p:cNvPr id="8" name="Table 7"/>
+          <p:cNvGraphicFramePr>
+            <a:graphicFrameLocks noGrp="1"/>
+          </p:cNvGraphicFramePr>
+          <p:nvPr>
+            <p:extLst>
+              <p:ext uri="{D42A27DB-BD31-4B8C-83A1-F6EECF244321}">
+                <p14:modId xmlns:p14="http://schemas.microsoft.com/office/powerpoint/2010/main" val="240349842"/>
+              </p:ext>
+            </p:extLst>
+          </p:nvPr>
+        </p:nvGraphicFramePr>
+        <p:xfrm>
+          <a:off x="834854" y="1281113"/>
+          <a:ext cx="4816646" cy="4521200"/>
+        </p:xfrm>
+        <a:graphic>
+          <a:graphicData uri="http://schemas.openxmlformats.org/drawingml/2006/table">
+            <a:tbl>
+              <a:tblPr firstRow="1" bandRow="1">
+                <a:tableStyleId>{5C22544A-7EE6-4342-B048-85BDC9FD1C3A}</a:tableStyleId>
+              </a:tblPr>
+              <a:tblGrid>
+                <a:gridCol w="1628946"/>
+                <a:gridCol w="1562100"/>
+                <a:gridCol w="1625600"/>
+              </a:tblGrid>
+              <a:tr h="661616">
+                <a:tc>
+                  <a:txBody>
+                    <a:bodyPr/>
+                    <a:lstStyle/>
+                    <a:p>
+                      <a:pPr algn="ctr"/>
+                      <a:r>
+                        <a:rPr lang="en-US" sz="3200" dirty="0" err="1" smtClean="0">
+                          <a:solidFill>
+                            <a:srgbClr val="008000"/>
+                          </a:solidFill>
+                        </a:rPr>
+                        <a:t>n</a:t>
+                      </a:r>
+                      <a:endParaRPr lang="en-US" sz="3200" dirty="0">
+                        <a:solidFill>
+                          <a:srgbClr val="008000"/>
+                        </a:solidFill>
+                      </a:endParaRPr>
+                    </a:p>
+                  </a:txBody>
+                  <a:tcPr>
+                    <a:noFill/>
+                  </a:tcPr>
+                </a:tc>
+                <a:tc>
+                  <a:txBody>
+                    <a:bodyPr/>
+                    <a:lstStyle/>
+                    <a:p>
+                      <a:pPr algn="ctr"/>
+                      <a:endParaRPr lang="en-US" sz="3200" dirty="0">
+                        <a:solidFill>
+                          <a:srgbClr val="5959FF"/>
+                        </a:solidFill>
+                      </a:endParaRPr>
+                    </a:p>
+                  </a:txBody>
+                  <a:tcPr>
+                    <a:noFill/>
+                  </a:tcPr>
+                </a:tc>
+                <a:tc>
+                  <a:txBody>
+                    <a:bodyPr/>
+                    <a:lstStyle/>
+                    <a:p>
+                      <a:pPr algn="ctr"/>
+                      <a:endParaRPr lang="en-US" sz="3200" dirty="0">
+                        <a:solidFill>
+                          <a:srgbClr val="5959FF"/>
+                        </a:solidFill>
+                      </a:endParaRPr>
+                    </a:p>
+                  </a:txBody>
+                  <a:tcPr>
+                    <a:noFill/>
+                  </a:tcPr>
+                </a:tc>
+              </a:tr>
+              <a:tr h="643264">
+                <a:tc>
+                  <a:txBody>
+                    <a:bodyPr/>
+                    <a:lstStyle/>
+                    <a:p>
+                      <a:pPr algn="r"/>
+                      <a:endParaRPr lang="en-US" sz="3200" dirty="0">
+                        <a:solidFill>
+                          <a:srgbClr val="5959FF"/>
+                        </a:solidFill>
+                      </a:endParaRPr>
+                    </a:p>
+                  </a:txBody>
+                  <a:tcPr>
+                    <a:noFill/>
+                  </a:tcPr>
+                </a:tc>
+                <a:tc>
+                  <a:txBody>
+                    <a:bodyPr/>
+                    <a:lstStyle/>
+                    <a:p>
+                      <a:pPr algn="l"/>
+                      <a:endParaRPr lang="en-US" sz="3200" dirty="0">
+                        <a:solidFill>
+                          <a:srgbClr val="5959FF"/>
+                        </a:solidFill>
+                      </a:endParaRPr>
+                    </a:p>
+                  </a:txBody>
+                  <a:tcPr>
+                    <a:noFill/>
+                  </a:tcPr>
+                </a:tc>
+                <a:tc>
+                  <a:txBody>
+                    <a:bodyPr/>
+                    <a:lstStyle/>
+                    <a:p>
+                      <a:pPr marL="0" marR="0" indent="0" algn="l" defTabSz="914400" rtl="0" eaLnBrk="1" fontAlgn="auto" latinLnBrk="0" hangingPunct="1">
+                        <a:lnSpc>
+                          <a:spcPct val="100000"/>
+                        </a:lnSpc>
+                        <a:spcBef>
+                          <a:spcPts val="0"/>
+                        </a:spcBef>
+                        <a:spcAft>
+                          <a:spcPts val="0"/>
+                        </a:spcAft>
+                        <a:buClrTx/>
+                        <a:buSzTx/>
+                        <a:buFontTx/>
+                        <a:buNone/>
+                        <a:tabLst/>
+                        <a:defRPr/>
+                      </a:pPr>
+                      <a:endParaRPr lang="en-US" sz="3200" dirty="0">
+                        <a:solidFill>
+                          <a:srgbClr val="5959FF"/>
+                        </a:solidFill>
+                      </a:endParaRPr>
+                    </a:p>
+                  </a:txBody>
+                  <a:tcPr>
+                    <a:noFill/>
+                  </a:tcPr>
+                </a:tc>
+              </a:tr>
+              <a:tr h="643264">
+                <a:tc>
+                  <a:txBody>
+                    <a:bodyPr/>
+                    <a:lstStyle/>
+                    <a:p>
+                      <a:pPr algn="r"/>
+                      <a:endParaRPr lang="en-US" sz="3200" dirty="0">
+                        <a:solidFill>
+                          <a:srgbClr val="5959FF"/>
+                        </a:solidFill>
+                      </a:endParaRPr>
+                    </a:p>
+                  </a:txBody>
+                  <a:tcPr>
+                    <a:noFill/>
+                  </a:tcPr>
+                </a:tc>
+                <a:tc>
+                  <a:txBody>
+                    <a:bodyPr/>
+                    <a:lstStyle/>
+                    <a:p>
+                      <a:pPr algn="l"/>
+                      <a:endParaRPr lang="en-US" sz="3200" dirty="0">
+                        <a:solidFill>
+                          <a:srgbClr val="5959FF"/>
+                        </a:solidFill>
+                      </a:endParaRPr>
+                    </a:p>
+                  </a:txBody>
+                  <a:tcPr>
+                    <a:noFill/>
+                  </a:tcPr>
+                </a:tc>
+                <a:tc>
+                  <a:txBody>
+                    <a:bodyPr/>
+                    <a:lstStyle/>
+                    <a:p>
+                      <a:pPr algn="l"/>
+                      <a:endParaRPr lang="en-US" sz="3200" dirty="0">
+                        <a:solidFill>
+                          <a:srgbClr val="5959FF"/>
+                        </a:solidFill>
+                      </a:endParaRPr>
+                    </a:p>
+                  </a:txBody>
+                  <a:tcPr>
+                    <a:noFill/>
+                  </a:tcPr>
+                </a:tc>
+              </a:tr>
+              <a:tr h="643264">
+                <a:tc>
+                  <a:txBody>
+                    <a:bodyPr/>
+                    <a:lstStyle/>
+                    <a:p>
+                      <a:pPr algn="r"/>
+                      <a:endParaRPr lang="en-US" sz="3200" dirty="0">
+                        <a:solidFill>
+                          <a:srgbClr val="5959FF"/>
+                        </a:solidFill>
+                      </a:endParaRPr>
+                    </a:p>
+                  </a:txBody>
+                  <a:tcPr>
+                    <a:noFill/>
+                  </a:tcPr>
+                </a:tc>
+                <a:tc>
+                  <a:txBody>
+                    <a:bodyPr/>
+                    <a:lstStyle/>
+                    <a:p>
+                      <a:pPr algn="l"/>
+                      <a:endParaRPr lang="en-US" sz="3200" dirty="0">
+                        <a:solidFill>
+                          <a:srgbClr val="5959FF"/>
+                        </a:solidFill>
+                      </a:endParaRPr>
+                    </a:p>
+                  </a:txBody>
+                  <a:tcPr>
+                    <a:noFill/>
+                  </a:tcPr>
+                </a:tc>
+                <a:tc>
+                  <a:txBody>
+                    <a:bodyPr/>
+                    <a:lstStyle/>
+                    <a:p>
+                      <a:pPr algn="l"/>
+                      <a:endParaRPr lang="en-US" sz="3200" dirty="0">
+                        <a:solidFill>
+                          <a:srgbClr val="5959FF"/>
+                        </a:solidFill>
+                      </a:endParaRPr>
+                    </a:p>
+                  </a:txBody>
+                  <a:tcPr>
+                    <a:noFill/>
+                  </a:tcPr>
+                </a:tc>
+              </a:tr>
+              <a:tr h="643264">
+                <a:tc>
+                  <a:txBody>
+                    <a:bodyPr/>
+                    <a:lstStyle/>
+                    <a:p>
+                      <a:pPr algn="r"/>
+                      <a:endParaRPr lang="en-US" sz="3200" dirty="0">
+                        <a:solidFill>
+                          <a:srgbClr val="5959FF"/>
+                        </a:solidFill>
+                      </a:endParaRPr>
+                    </a:p>
+                  </a:txBody>
+                  <a:tcPr>
+                    <a:noFill/>
+                  </a:tcPr>
+                </a:tc>
+                <a:tc>
+                  <a:txBody>
+                    <a:bodyPr/>
+                    <a:lstStyle/>
+                    <a:p>
+                      <a:endParaRPr lang="en-US" dirty="0"/>
+                    </a:p>
+                  </a:txBody>
+                  <a:tcPr>
+                    <a:noFill/>
+                  </a:tcPr>
+                </a:tc>
+                <a:tc>
+                  <a:txBody>
+                    <a:bodyPr/>
+                    <a:lstStyle/>
+                    <a:p>
+                      <a:endParaRPr lang="en-US" dirty="0"/>
+                    </a:p>
+                  </a:txBody>
+                  <a:tcPr>
+                    <a:noFill/>
+                  </a:tcPr>
+                </a:tc>
+              </a:tr>
+              <a:tr h="643264">
+                <a:tc>
+                  <a:txBody>
+                    <a:bodyPr/>
+                    <a:lstStyle/>
+                    <a:p>
+                      <a:pPr marL="0" marR="0" indent="0" algn="r" defTabSz="914400" rtl="0" eaLnBrk="1" fontAlgn="auto" latinLnBrk="0" hangingPunct="1">
+                        <a:lnSpc>
+                          <a:spcPct val="100000"/>
+                        </a:lnSpc>
+                        <a:spcBef>
+                          <a:spcPts val="0"/>
+                        </a:spcBef>
+                        <a:spcAft>
+                          <a:spcPts val="0"/>
+                        </a:spcAft>
+                        <a:buClrTx/>
+                        <a:buSzTx/>
+                        <a:buFontTx/>
+                        <a:buNone/>
+                        <a:tabLst/>
+                        <a:defRPr/>
+                      </a:pPr>
+                      <a:r>
+                        <a:rPr lang="en-US" sz="3200" dirty="0" smtClean="0">
+                          <a:solidFill>
+                            <a:srgbClr val="FF00FF"/>
+                          </a:solidFill>
+                        </a:rPr>
+                        <a:t>3000</a:t>
+                      </a:r>
+                    </a:p>
+                  </a:txBody>
+                  <a:tcPr>
+                    <a:noFill/>
+                  </a:tcPr>
+                </a:tc>
+                <a:tc>
+                  <a:txBody>
+                    <a:bodyPr/>
+                    <a:lstStyle/>
+                    <a:p>
+                      <a:pPr algn="l"/>
+                      <a:r>
+                        <a:rPr lang="en-US" sz="3200" dirty="0" smtClean="0">
+                          <a:solidFill>
+                            <a:srgbClr val="FF00FF"/>
+                          </a:solidFill>
+                        </a:rPr>
+                        <a:t>0.98</a:t>
+                      </a:r>
+                      <a:endParaRPr lang="en-US" sz="3200" dirty="0">
+                        <a:solidFill>
+                          <a:srgbClr val="FF00FF"/>
+                        </a:solidFill>
+                      </a:endParaRPr>
+                    </a:p>
+                  </a:txBody>
+                  <a:tcPr>
+                    <a:noFill/>
+                  </a:tcPr>
+                </a:tc>
+                <a:tc>
+                  <a:txBody>
+                    <a:bodyPr/>
+                    <a:lstStyle/>
+                    <a:p>
+                      <a:pPr algn="l"/>
+                      <a:r>
+                        <a:rPr lang="en-US" sz="3200" dirty="0" smtClean="0">
+                          <a:solidFill>
+                            <a:srgbClr val="FF00FF"/>
+                          </a:solidFill>
+                        </a:rPr>
+                        <a:t>0.78</a:t>
+                      </a:r>
+                      <a:endParaRPr lang="en-US" sz="3200" dirty="0">
+                        <a:solidFill>
+                          <a:srgbClr val="FF00FF"/>
+                        </a:solidFill>
+                      </a:endParaRPr>
+                    </a:p>
+                  </a:txBody>
+                  <a:tcPr>
+                    <a:noFill/>
+                  </a:tcPr>
+                </a:tc>
+              </a:tr>
+              <a:tr h="643264">
+                <a:tc>
+                  <a:txBody>
+                    <a:bodyPr/>
+                    <a:lstStyle/>
+                    <a:p>
+                      <a:endParaRPr lang="en-US" dirty="0"/>
+                    </a:p>
+                  </a:txBody>
+                  <a:tcPr>
+                    <a:noFill/>
+                  </a:tcPr>
+                </a:tc>
+                <a:tc>
+                  <a:txBody>
+                    <a:bodyPr/>
+                    <a:lstStyle/>
+                    <a:p>
+                      <a:endParaRPr lang="en-US" dirty="0"/>
+                    </a:p>
+                  </a:txBody>
+                  <a:tcPr>
+                    <a:noFill/>
+                  </a:tcPr>
+                </a:tc>
+                <a:tc>
+                  <a:txBody>
+                    <a:bodyPr/>
+                    <a:lstStyle/>
+                    <a:p>
+                      <a:endParaRPr lang="en-US" dirty="0"/>
+                    </a:p>
+                  </a:txBody>
+                  <a:tcPr>
+                    <a:noFill/>
+                  </a:tcPr>
+                </a:tc>
+              </a:tr>
+            </a:tbl>
+          </a:graphicData>
+        </a:graphic>
+      </p:graphicFrame>
+      <p:grpSp>
+        <p:nvGrpSpPr>
+          <p:cNvPr id="5" name="Group 4"/>
+          <p:cNvGrpSpPr/>
+          <p:nvPr/>
+        </p:nvGrpSpPr>
+        <p:grpSpPr>
+          <a:xfrm>
+            <a:off x="2601913" y="1358900"/>
+            <a:ext cx="2469356" cy="482600"/>
+            <a:chOff x="2601913" y="1358900"/>
+            <a:chExt cx="2469356" cy="482600"/>
+          </a:xfrm>
+        </p:grpSpPr>
+        <p:graphicFrame>
+          <p:nvGraphicFramePr>
+            <p:cNvPr id="2" name="Object 1"/>
+            <p:cNvGraphicFramePr>
+              <a:graphicFrameLocks noChangeAspect="1"/>
+            </p:cNvGraphicFramePr>
+            <p:nvPr>
+              <p:extLst>
+                <p:ext uri="{D42A27DB-BD31-4B8C-83A1-F6EECF244321}">
+                  <p14:modId xmlns:p14="http://schemas.microsoft.com/office/powerpoint/2010/main" val="1996339512"/>
+                </p:ext>
+              </p:extLst>
+            </p:nvPr>
+          </p:nvGraphicFramePr>
+          <p:xfrm>
+            <a:off x="2601913" y="1358900"/>
+            <a:ext cx="1125537" cy="482600"/>
+          </p:xfrm>
+          <a:graphic>
+            <a:graphicData uri="http://schemas.openxmlformats.org/presentationml/2006/ole">
+              <mc:AlternateContent xmlns:mc="http://schemas.openxmlformats.org/markup-compatibility/2006">
+                <mc:Choice xmlns:v="urn:schemas-microsoft-com:vml" Requires="v">
+                  <p:oleObj spid="_x0000_s351242" name="Equation" r:id="rId4" imgW="444500" imgH="190500" progId="Equation.DSMT4">
+                    <p:embed/>
+                  </p:oleObj>
+                </mc:Choice>
+                <mc:Fallback>
+                  <p:oleObj name="Equation" r:id="rId4" imgW="444500" imgH="190500" progId="Equation.DSMT4">
+                    <p:embed/>
+                    <p:pic>
+                      <p:nvPicPr>
+                        <p:cNvPr id="0" name=""/>
+                        <p:cNvPicPr/>
+                        <p:nvPr/>
+                      </p:nvPicPr>
+                      <p:blipFill>
+                        <a:blip r:embed="rId5"/>
+                        <a:stretch>
+                          <a:fillRect/>
+                        </a:stretch>
+                      </p:blipFill>
+                      <p:spPr>
+                        <a:xfrm>
+                          <a:off x="2601913" y="1358900"/>
+                          <a:ext cx="1125537" cy="482600"/>
+                        </a:xfrm>
+                        <a:prstGeom prst="rect">
+                          <a:avLst/>
+                        </a:prstGeom>
+                      </p:spPr>
+                    </p:pic>
+                  </p:oleObj>
+                </mc:Fallback>
+              </mc:AlternateContent>
+            </a:graphicData>
+          </a:graphic>
+        </p:graphicFrame>
+        <p:graphicFrame>
+          <p:nvGraphicFramePr>
+            <p:cNvPr id="12" name="Object 11"/>
+            <p:cNvGraphicFramePr>
+              <a:graphicFrameLocks noChangeAspect="1"/>
+            </p:cNvGraphicFramePr>
+            <p:nvPr>
+              <p:extLst>
+                <p:ext uri="{D42A27DB-BD31-4B8C-83A1-F6EECF244321}">
+                  <p14:modId xmlns:p14="http://schemas.microsoft.com/office/powerpoint/2010/main" val="4270666985"/>
+                </p:ext>
+              </p:extLst>
+            </p:nvPr>
+          </p:nvGraphicFramePr>
+          <p:xfrm>
+            <a:off x="4107656" y="1358900"/>
+            <a:ext cx="963613" cy="482600"/>
+          </p:xfrm>
+          <a:graphic>
+            <a:graphicData uri="http://schemas.openxmlformats.org/presentationml/2006/ole">
+              <mc:AlternateContent xmlns:mc="http://schemas.openxmlformats.org/markup-compatibility/2006">
+                <mc:Choice xmlns:v="urn:schemas-microsoft-com:vml" Requires="v">
+                  <p:oleObj spid="_x0000_s351243" name="Equation" r:id="rId6" imgW="381000" imgH="190500" progId="Equation.DSMT4">
+                    <p:embed/>
+                  </p:oleObj>
+                </mc:Choice>
+                <mc:Fallback>
+                  <p:oleObj name="Equation" r:id="rId6" imgW="381000" imgH="190500" progId="Equation.DSMT4">
+                    <p:embed/>
+                    <p:pic>
+                      <p:nvPicPr>
+                        <p:cNvPr id="0" name=""/>
+                        <p:cNvPicPr/>
+                        <p:nvPr/>
+                      </p:nvPicPr>
+                      <p:blipFill>
+                        <a:blip r:embed="rId7"/>
+                        <a:stretch>
+                          <a:fillRect/>
+                        </a:stretch>
+                      </p:blipFill>
+                      <p:spPr>
+                        <a:xfrm>
+                          <a:off x="4107656" y="1358900"/>
+                          <a:ext cx="963613" cy="482600"/>
+                        </a:xfrm>
+                        <a:prstGeom prst="rect">
+                          <a:avLst/>
+                        </a:prstGeom>
+                      </p:spPr>
+                    </p:pic>
+                  </p:oleObj>
+                </mc:Fallback>
+              </mc:AlternateContent>
+            </a:graphicData>
+          </a:graphic>
+        </p:graphicFrame>
+      </p:grpSp>
+      <p:graphicFrame>
+        <p:nvGraphicFramePr>
+          <p:cNvPr id="16" name="Object 15"/>
+          <p:cNvGraphicFramePr>
+            <a:graphicFrameLocks noChangeAspect="1"/>
+          </p:cNvGraphicFramePr>
+          <p:nvPr>
+            <p:extLst>
+              <p:ext uri="{D42A27DB-BD31-4B8C-83A1-F6EECF244321}">
+                <p14:modId xmlns:p14="http://schemas.microsoft.com/office/powerpoint/2010/main" val="126550324"/>
+              </p:ext>
+            </p:extLst>
+          </p:nvPr>
+        </p:nvGraphicFramePr>
+        <p:xfrm>
+          <a:off x="1693863" y="120650"/>
+          <a:ext cx="6938962" cy="911225"/>
+        </p:xfrm>
+        <a:graphic>
+          <a:graphicData uri="http://schemas.openxmlformats.org/presentationml/2006/ole">
+            <mc:AlternateContent xmlns:mc="http://schemas.openxmlformats.org/markup-compatibility/2006">
+              <mc:Choice xmlns:v="urn:schemas-microsoft-com:vml" Requires="v">
+                <p:oleObj spid="_x0000_s351244" name="Equation" r:id="rId8" imgW="1739900" imgH="228600" progId="Equation.DSMT4">
+                  <p:embed/>
+                </p:oleObj>
+              </mc:Choice>
+              <mc:Fallback>
+                <p:oleObj name="Equation" r:id="rId8" imgW="1739900" imgH="228600" progId="Equation.DSMT4">
+                  <p:embed/>
+                  <p:pic>
+                    <p:nvPicPr>
+                      <p:cNvPr id="0" name=""/>
+                      <p:cNvPicPr>
+                        <a:picLocks noChangeAspect="1" noChangeArrowheads="1"/>
+                      </p:cNvPicPr>
+                      <p:nvPr/>
+                    </p:nvPicPr>
+                    <p:blipFill>
+                      <a:blip r:embed="rId9"/>
+                      <a:srcRect/>
+                      <a:stretch>
+                        <a:fillRect/>
+                      </a:stretch>
+                    </p:blipFill>
+                    <p:spPr bwMode="auto">
+                      <a:xfrm>
+                        <a:off x="1693863" y="120650"/>
+                        <a:ext cx="6938962" cy="911225"/>
+                      </a:xfrm>
+                      <a:prstGeom prst="rect">
+                        <a:avLst/>
+                      </a:prstGeom>
+                      <a:noFill/>
+                      <a:extLst>
+                        <a:ext uri="{909E8E84-426E-40dd-AFC4-6F175D3DCCD1}">
+                          <a14:hiddenFill xmlns:a14="http://schemas.microsoft.com/office/drawing/2010/main">
+                            <a:solidFill>
+                              <a:srgbClr val="FFFFFF"/>
+                            </a:solidFill>
+                          </a14:hiddenFill>
+                        </a:ext>
+                      </a:extLst>
+                    </p:spPr>
+                  </p:pic>
+                </p:oleObj>
+              </mc:Fallback>
+            </mc:AlternateContent>
+          </a:graphicData>
+        </a:graphic>
+      </p:graphicFrame>
+      <p:sp>
+        <p:nvSpPr>
+          <p:cNvPr id="4" name="TextBox 3"/>
+          <p:cNvSpPr txBox="1"/>
+          <p:nvPr/>
+        </p:nvSpPr>
+        <p:spPr>
+          <a:xfrm>
+            <a:off x="495300" y="1739900"/>
+            <a:ext cx="7502474" cy="2308324"/>
+          </a:xfrm>
+          <a:prstGeom prst="rect">
+            <a:avLst/>
+          </a:prstGeom>
+          <a:noFill/>
+        </p:spPr>
+        <p:txBody>
+          <a:bodyPr wrap="none" rtlCol="0">
+            <a:spAutoFit/>
+          </a:bodyPr>
+          <a:lstStyle/>
+          <a:p>
+            <a:r>
+              <a:rPr lang="en-US" sz="4800" dirty="0" smtClean="0">
+                <a:latin typeface="Comic Sans MS"/>
+                <a:cs typeface="Comic Sans MS"/>
+              </a:rPr>
+              <a:t>If you rolled 3000 times</a:t>
+            </a:r>
+          </a:p>
+          <a:p>
+            <a:r>
+              <a:rPr lang="en-US" sz="4800" dirty="0" smtClean="0">
+                <a:latin typeface="Comic Sans MS"/>
+                <a:cs typeface="Comic Sans MS"/>
+              </a:rPr>
+              <a:t>and did not get 450—550</a:t>
+            </a:r>
+          </a:p>
+          <a:p>
+            <a:r>
+              <a:rPr lang="en-US" sz="4800" dirty="0" smtClean="0">
+                <a:solidFill>
+                  <a:srgbClr val="0033CC"/>
+                </a:solidFill>
+                <a:latin typeface="Comic Sans MS"/>
+                <a:cs typeface="Comic Sans MS"/>
+              </a:rPr>
+              <a:t>6</a:t>
+            </a:r>
+            <a:r>
+              <a:rPr lang="en-US" sz="4800" dirty="0" smtClean="0">
+                <a:latin typeface="Comic Sans MS"/>
+                <a:cs typeface="Comic Sans MS"/>
+              </a:rPr>
+              <a:t>’s</a:t>
+            </a:r>
+            <a:endParaRPr lang="en-US" sz="4800" dirty="0" smtClean="0">
+              <a:solidFill>
+                <a:srgbClr val="FF0000"/>
+              </a:solidFill>
+              <a:latin typeface="Comic Sans MS"/>
+              <a:cs typeface="Comic Sans MS"/>
+            </a:endParaRPr>
+          </a:p>
+        </p:txBody>
+      </p:sp>
+    </p:spTree>
+    <p:extLst>
+      <p:ext uri="{BB962C8B-B14F-4D97-AF65-F5344CB8AC3E}">
+        <p14:creationId xmlns:p14="http://schemas.microsoft.com/office/powerpoint/2010/main" val="3694104756"/>
+      </p:ext>
+    </p:extLst>
+  </p:cSld>
+  <p:clrMapOvr>
+    <a:masterClrMapping/>
+  </p:clrMapOvr>
+  <mc:AlternateContent xmlns:mc="http://schemas.openxmlformats.org/markup-compatibility/2006" xmlns:p14="http://schemas.microsoft.com/office/powerpoint/2010/main">
+    <mc:Choice Requires="p14">
+      <p:transition spd="med" p14:dur="700" advClick="0">
+        <p:fade/>
+      </p:transition>
+    </mc:Choice>
+    <mc:Fallback xmlns="">
+      <p:transition xmlns:p14="http://schemas.microsoft.com/office/powerpoint/2010/main" spd="med" advClick="0">
+        <p:fade/>
+      </p:transition>
+    </mc:Fallback>
+  </mc:AlternateContent>
+  <p:timing>
+    <p:tnLst>
+      <p:par>
+        <p:cTn xmlns:p14="http://schemas.microsoft.com/office/powerpoint/2010/main" id="1" dur="indefinite" restart="never" nodeType="tmRoot">
+          <p:childTnLst>
+            <p:seq concurrent="1" nextAc="seek">
+              <p:cTn id="2" dur="indefinite" nodeType="mainSeq">
+                <p:childTnLst>
+                  <p:par>
+                    <p:cTn id="3" fill="hold">
+                      <p:stCondLst>
+                        <p:cond delay="indefinite"/>
+                      </p:stCondLst>
+                      <p:childTnLst>
+                        <p:par>
+                          <p:cTn id="4" fill="hold">
+                            <p:stCondLst>
+                              <p:cond delay="0"/>
+                            </p:stCondLst>
+                            <p:childTnLst>
+                              <p:par>
+                                <p:cTn id="5" presetID="10" presetClass="entr" presetSubtype="0" fill="hold" grpId="0" nodeType="clickEffect">
+                                  <p:stCondLst>
+                                    <p:cond delay="0"/>
+                                  </p:stCondLst>
+                                  <p:childTnLst>
+                                    <p:set>
+                                      <p:cBhvr>
+                                        <p:cTn id="6" dur="1" fill="hold">
+                                          <p:stCondLst>
+                                            <p:cond delay="0"/>
+                                          </p:stCondLst>
+                                        </p:cTn>
+                                        <p:tgtEl>
+                                          <p:spTgt spid="4"/>
+                                        </p:tgtEl>
+                                        <p:attrNameLst>
+                                          <p:attrName>style.visibility</p:attrName>
+                                        </p:attrNameLst>
+                                      </p:cBhvr>
+                                      <p:to>
+                                        <p:strVal val="visible"/>
+                                      </p:to>
+                                    </p:set>
+                                    <p:animEffect transition="in" filter="fade">
+                                      <p:cBhvr>
+                                        <p:cTn id="7" dur="500"/>
+                                        <p:tgtEl>
+                                          <p:spTgt spid="4"/>
+                                        </p:tgtEl>
+                                      </p:cBhvr>
+                                    </p:animEffect>
+                                  </p:childTnLst>
+                                </p:cTn>
+                              </p:par>
+                            </p:childTnLst>
+                          </p:cTn>
+                        </p:par>
+                      </p:childTnLst>
+                    </p:cTn>
+                  </p:par>
+                </p:childTnLst>
+              </p:cTn>
+              <p:prevCondLst>
+                <p:cond evt="onPrev" delay="0">
+                  <p:tgtEl>
+                    <p:sldTgt/>
+                  </p:tgtEl>
+                </p:cond>
+              </p:prevCondLst>
+              <p:nextCondLst>
+                <p:cond evt="onNext" delay="0">
+                  <p:tgtEl>
+                    <p:sldTgt/>
+                  </p:tgtEl>
+                </p:cond>
+              </p:nextCondLst>
+            </p:seq>
+          </p:childTnLst>
+        </p:cTn>
+      </p:par>
+    </p:tnLst>
+    <p:bldLst>
+      <p:bldP spid="4" grpId="0"/>
+    </p:bldLst>
+  </p:timing>
+</p:sld>
+</file>
+
+<file path=ppt/slides/slide12.xml><?xml version="1.0" encoding="utf-8"?>
+<p:sld xmlns:a="http://schemas.openxmlformats.org/drawingml/2006/main" xmlns:r="http://schemas.openxmlformats.org/officeDocument/2006/relationships" xmlns:p="http://schemas.openxmlformats.org/presentationml/2006/main">
+  <p:cSld>
+    <p:spTree>
+      <p:nvGrpSpPr>
+        <p:cNvPr id="1" name=""/>
+        <p:cNvGrpSpPr/>
+        <p:nvPr/>
+      </p:nvGrpSpPr>
+      <p:grpSpPr>
+        <a:xfrm>
+          <a:off x="0" y="0"/>
+          <a:ext cx="0" cy="0"/>
+          <a:chOff x="0" y="0"/>
+          <a:chExt cx="0" cy="0"/>
+        </a:xfrm>
+      </p:grpSpPr>
+      <p:graphicFrame>
+        <p:nvGraphicFramePr>
+          <p:cNvPr id="8" name="Table 7"/>
+          <p:cNvGraphicFramePr>
+            <a:graphicFrameLocks noGrp="1"/>
+          </p:cNvGraphicFramePr>
+          <p:nvPr>
+            <p:extLst>
+              <p:ext uri="{D42A27DB-BD31-4B8C-83A1-F6EECF244321}">
+                <p14:modId xmlns:p14="http://schemas.microsoft.com/office/powerpoint/2010/main" val="252304114"/>
+              </p:ext>
+            </p:extLst>
+          </p:nvPr>
+        </p:nvGraphicFramePr>
+        <p:xfrm>
+          <a:off x="834854" y="1281113"/>
+          <a:ext cx="4816646" cy="4521200"/>
+        </p:xfrm>
+        <a:graphic>
+          <a:graphicData uri="http://schemas.openxmlformats.org/drawingml/2006/table">
+            <a:tbl>
+              <a:tblPr firstRow="1" bandRow="1">
+                <a:tableStyleId>{5C22544A-7EE6-4342-B048-85BDC9FD1C3A}</a:tableStyleId>
+              </a:tblPr>
+              <a:tblGrid>
+                <a:gridCol w="1628946"/>
+                <a:gridCol w="1562100"/>
+                <a:gridCol w="1625600"/>
+              </a:tblGrid>
+              <a:tr h="661616">
+                <a:tc>
+                  <a:txBody>
+                    <a:bodyPr/>
+                    <a:lstStyle/>
+                    <a:p>
+                      <a:pPr algn="ctr"/>
+                      <a:r>
+                        <a:rPr lang="en-US" sz="3200" dirty="0" err="1" smtClean="0">
+                          <a:solidFill>
+                            <a:srgbClr val="008000"/>
+                          </a:solidFill>
+                        </a:rPr>
+                        <a:t>n</a:t>
+                      </a:r>
+                      <a:endParaRPr lang="en-US" sz="3200" dirty="0">
+                        <a:solidFill>
+                          <a:srgbClr val="008000"/>
+                        </a:solidFill>
+                      </a:endParaRPr>
+                    </a:p>
+                  </a:txBody>
+                  <a:tcPr>
+                    <a:noFill/>
+                  </a:tcPr>
+                </a:tc>
+                <a:tc>
+                  <a:txBody>
+                    <a:bodyPr/>
+                    <a:lstStyle/>
+                    <a:p>
+                      <a:pPr algn="ctr"/>
+                      <a:endParaRPr lang="en-US" sz="3200" dirty="0">
+                        <a:solidFill>
+                          <a:srgbClr val="5959FF"/>
+                        </a:solidFill>
+                      </a:endParaRPr>
+                    </a:p>
+                  </a:txBody>
+                  <a:tcPr>
+                    <a:noFill/>
+                  </a:tcPr>
+                </a:tc>
+                <a:tc>
+                  <a:txBody>
+                    <a:bodyPr/>
+                    <a:lstStyle/>
+                    <a:p>
+                      <a:pPr algn="ctr"/>
+                      <a:endParaRPr lang="en-US" sz="3200" dirty="0">
+                        <a:solidFill>
+                          <a:srgbClr val="5959FF"/>
+                        </a:solidFill>
+                      </a:endParaRPr>
+                    </a:p>
+                  </a:txBody>
+                  <a:tcPr>
+                    <a:noFill/>
+                  </a:tcPr>
+                </a:tc>
+              </a:tr>
+              <a:tr h="643264">
+                <a:tc>
+                  <a:txBody>
+                    <a:bodyPr/>
+                    <a:lstStyle/>
+                    <a:p>
+                      <a:pPr algn="r"/>
+                      <a:endParaRPr lang="en-US" sz="3200" dirty="0">
+                        <a:solidFill>
+                          <a:srgbClr val="5959FF"/>
+                        </a:solidFill>
+                      </a:endParaRPr>
+                    </a:p>
+                  </a:txBody>
+                  <a:tcPr>
+                    <a:noFill/>
+                  </a:tcPr>
+                </a:tc>
+                <a:tc>
+                  <a:txBody>
+                    <a:bodyPr/>
+                    <a:lstStyle/>
+                    <a:p>
+                      <a:pPr algn="l"/>
+                      <a:endParaRPr lang="en-US" sz="3200" dirty="0">
+                        <a:solidFill>
+                          <a:srgbClr val="5959FF"/>
+                        </a:solidFill>
+                      </a:endParaRPr>
+                    </a:p>
+                  </a:txBody>
+                  <a:tcPr>
+                    <a:noFill/>
+                  </a:tcPr>
+                </a:tc>
+                <a:tc>
+                  <a:txBody>
+                    <a:bodyPr/>
+                    <a:lstStyle/>
+                    <a:p>
+                      <a:pPr marL="0" marR="0" indent="0" algn="l" defTabSz="914400" rtl="0" eaLnBrk="1" fontAlgn="auto" latinLnBrk="0" hangingPunct="1">
+                        <a:lnSpc>
+                          <a:spcPct val="100000"/>
+                        </a:lnSpc>
+                        <a:spcBef>
+                          <a:spcPts val="0"/>
+                        </a:spcBef>
+                        <a:spcAft>
+                          <a:spcPts val="0"/>
+                        </a:spcAft>
+                        <a:buClrTx/>
+                        <a:buSzTx/>
+                        <a:buFontTx/>
+                        <a:buNone/>
+                        <a:tabLst/>
+                        <a:defRPr/>
+                      </a:pPr>
+                      <a:endParaRPr lang="en-US" sz="3200" dirty="0">
+                        <a:solidFill>
+                          <a:srgbClr val="5959FF"/>
+                        </a:solidFill>
+                      </a:endParaRPr>
+                    </a:p>
+                  </a:txBody>
+                  <a:tcPr>
+                    <a:noFill/>
+                  </a:tcPr>
+                </a:tc>
+              </a:tr>
+              <a:tr h="643264">
+                <a:tc>
+                  <a:txBody>
+                    <a:bodyPr/>
+                    <a:lstStyle/>
+                    <a:p>
+                      <a:pPr algn="r"/>
+                      <a:endParaRPr lang="en-US" sz="3200" dirty="0">
+                        <a:solidFill>
+                          <a:srgbClr val="5959FF"/>
+                        </a:solidFill>
+                      </a:endParaRPr>
+                    </a:p>
+                  </a:txBody>
+                  <a:tcPr>
+                    <a:noFill/>
+                  </a:tcPr>
+                </a:tc>
+                <a:tc>
+                  <a:txBody>
+                    <a:bodyPr/>
+                    <a:lstStyle/>
+                    <a:p>
+                      <a:pPr algn="l"/>
+                      <a:endParaRPr lang="en-US" sz="3200" dirty="0">
+                        <a:solidFill>
+                          <a:srgbClr val="5959FF"/>
+                        </a:solidFill>
+                      </a:endParaRPr>
+                    </a:p>
+                  </a:txBody>
+                  <a:tcPr>
+                    <a:noFill/>
+                  </a:tcPr>
+                </a:tc>
+                <a:tc>
+                  <a:txBody>
+                    <a:bodyPr/>
+                    <a:lstStyle/>
+                    <a:p>
+                      <a:pPr algn="l"/>
+                      <a:endParaRPr lang="en-US" sz="3200" dirty="0">
+                        <a:solidFill>
+                          <a:srgbClr val="5959FF"/>
+                        </a:solidFill>
+                      </a:endParaRPr>
+                    </a:p>
+                  </a:txBody>
+                  <a:tcPr>
+                    <a:noFill/>
+                  </a:tcPr>
+                </a:tc>
+              </a:tr>
+              <a:tr h="643264">
+                <a:tc>
+                  <a:txBody>
+                    <a:bodyPr/>
+                    <a:lstStyle/>
+                    <a:p>
+                      <a:pPr algn="r"/>
+                      <a:endParaRPr lang="en-US" sz="3200" dirty="0">
+                        <a:solidFill>
+                          <a:srgbClr val="5959FF"/>
+                        </a:solidFill>
+                      </a:endParaRPr>
+                    </a:p>
+                  </a:txBody>
+                  <a:tcPr>
+                    <a:noFill/>
+                  </a:tcPr>
+                </a:tc>
+                <a:tc>
+                  <a:txBody>
+                    <a:bodyPr/>
+                    <a:lstStyle/>
+                    <a:p>
+                      <a:pPr algn="l"/>
+                      <a:endParaRPr lang="en-US" sz="3200" dirty="0">
+                        <a:solidFill>
+                          <a:srgbClr val="5959FF"/>
+                        </a:solidFill>
+                      </a:endParaRPr>
+                    </a:p>
+                  </a:txBody>
+                  <a:tcPr>
+                    <a:noFill/>
+                  </a:tcPr>
+                </a:tc>
+                <a:tc>
+                  <a:txBody>
+                    <a:bodyPr/>
+                    <a:lstStyle/>
+                    <a:p>
+                      <a:pPr algn="l"/>
+                      <a:endParaRPr lang="en-US" sz="3200" dirty="0">
+                        <a:solidFill>
+                          <a:srgbClr val="5959FF"/>
+                        </a:solidFill>
+                      </a:endParaRPr>
+                    </a:p>
+                  </a:txBody>
+                  <a:tcPr>
+                    <a:noFill/>
+                  </a:tcPr>
+                </a:tc>
+              </a:tr>
+              <a:tr h="643264">
+                <a:tc>
+                  <a:txBody>
+                    <a:bodyPr/>
+                    <a:lstStyle/>
+                    <a:p>
+                      <a:pPr algn="r"/>
+                      <a:endParaRPr lang="en-US" sz="3200" dirty="0">
+                        <a:solidFill>
+                          <a:srgbClr val="5959FF"/>
+                        </a:solidFill>
+                      </a:endParaRPr>
+                    </a:p>
+                  </a:txBody>
+                  <a:tcPr>
+                    <a:noFill/>
+                  </a:tcPr>
+                </a:tc>
+                <a:tc>
+                  <a:txBody>
+                    <a:bodyPr/>
+                    <a:lstStyle/>
+                    <a:p>
+                      <a:endParaRPr lang="en-US" dirty="0"/>
+                    </a:p>
+                  </a:txBody>
+                  <a:tcPr>
+                    <a:noFill/>
+                  </a:tcPr>
+                </a:tc>
+                <a:tc>
+                  <a:txBody>
+                    <a:bodyPr/>
+                    <a:lstStyle/>
+                    <a:p>
+                      <a:endParaRPr lang="en-US" dirty="0"/>
+                    </a:p>
+                  </a:txBody>
+                  <a:tcPr>
+                    <a:noFill/>
+                  </a:tcPr>
+                </a:tc>
+              </a:tr>
+              <a:tr h="643264">
+                <a:tc>
+                  <a:txBody>
+                    <a:bodyPr/>
+                    <a:lstStyle/>
+                    <a:p>
+                      <a:pPr marL="0" marR="0" indent="0" algn="r" defTabSz="914400" rtl="0" eaLnBrk="1" fontAlgn="auto" latinLnBrk="0" hangingPunct="1">
+                        <a:lnSpc>
+                          <a:spcPct val="100000"/>
+                        </a:lnSpc>
+                        <a:spcBef>
+                          <a:spcPts val="0"/>
+                        </a:spcBef>
+                        <a:spcAft>
+                          <a:spcPts val="0"/>
+                        </a:spcAft>
+                        <a:buClrTx/>
+                        <a:buSzTx/>
+                        <a:buFontTx/>
+                        <a:buNone/>
+                        <a:tabLst/>
+                        <a:defRPr/>
+                      </a:pPr>
+                      <a:r>
+                        <a:rPr lang="en-US" sz="3200" dirty="0" smtClean="0">
+                          <a:solidFill>
+                            <a:srgbClr val="FF00FF"/>
+                          </a:solidFill>
+                        </a:rPr>
+                        <a:t>3000</a:t>
+                      </a:r>
+                    </a:p>
+                  </a:txBody>
+                  <a:tcPr>
+                    <a:noFill/>
+                  </a:tcPr>
+                </a:tc>
+                <a:tc>
+                  <a:txBody>
+                    <a:bodyPr/>
+                    <a:lstStyle/>
+                    <a:p>
+                      <a:pPr algn="l"/>
+                      <a:r>
+                        <a:rPr lang="en-US" sz="3200" dirty="0" smtClean="0">
+                          <a:solidFill>
+                            <a:srgbClr val="FF00FF"/>
+                          </a:solidFill>
+                        </a:rPr>
+                        <a:t>0.98</a:t>
+                      </a:r>
+                      <a:endParaRPr lang="en-US" sz="3200" dirty="0">
+                        <a:solidFill>
+                          <a:srgbClr val="FF00FF"/>
+                        </a:solidFill>
+                      </a:endParaRPr>
+                    </a:p>
+                  </a:txBody>
+                  <a:tcPr>
+                    <a:noFill/>
+                  </a:tcPr>
+                </a:tc>
+                <a:tc>
+                  <a:txBody>
+                    <a:bodyPr/>
+                    <a:lstStyle/>
+                    <a:p>
+                      <a:pPr algn="l"/>
+                      <a:r>
+                        <a:rPr lang="en-US" sz="3200" dirty="0" smtClean="0">
+                          <a:solidFill>
+                            <a:srgbClr val="FF00FF"/>
+                          </a:solidFill>
+                        </a:rPr>
+                        <a:t>0.78</a:t>
+                      </a:r>
+                      <a:endParaRPr lang="en-US" sz="3200" dirty="0">
+                        <a:solidFill>
+                          <a:srgbClr val="FF00FF"/>
+                        </a:solidFill>
+                      </a:endParaRPr>
+                    </a:p>
+                  </a:txBody>
+                  <a:tcPr>
+                    <a:noFill/>
+                  </a:tcPr>
+                </a:tc>
+              </a:tr>
+              <a:tr h="643264">
+                <a:tc>
+                  <a:txBody>
+                    <a:bodyPr/>
+                    <a:lstStyle/>
+                    <a:p>
+                      <a:endParaRPr lang="en-US" dirty="0"/>
+                    </a:p>
+                  </a:txBody>
+                  <a:tcPr>
+                    <a:noFill/>
+                  </a:tcPr>
+                </a:tc>
+                <a:tc>
+                  <a:txBody>
+                    <a:bodyPr/>
+                    <a:lstStyle/>
+                    <a:p>
+                      <a:endParaRPr lang="en-US" dirty="0"/>
+                    </a:p>
+                  </a:txBody>
+                  <a:tcPr>
+                    <a:noFill/>
+                  </a:tcPr>
+                </a:tc>
+                <a:tc>
+                  <a:txBody>
+                    <a:bodyPr/>
+                    <a:lstStyle/>
+                    <a:p>
+                      <a:endParaRPr lang="en-US" dirty="0"/>
+                    </a:p>
+                  </a:txBody>
+                  <a:tcPr>
+                    <a:noFill/>
+                  </a:tcPr>
+                </a:tc>
+              </a:tr>
+            </a:tbl>
+          </a:graphicData>
+        </a:graphic>
+      </p:graphicFrame>
+      <p:grpSp>
+        <p:nvGrpSpPr>
+          <p:cNvPr id="5" name="Group 4"/>
+          <p:cNvGrpSpPr/>
+          <p:nvPr/>
+        </p:nvGrpSpPr>
+        <p:grpSpPr>
+          <a:xfrm>
+            <a:off x="2601913" y="1358900"/>
+            <a:ext cx="2469356" cy="482600"/>
+            <a:chOff x="2601913" y="1358900"/>
+            <a:chExt cx="2469356" cy="482600"/>
+          </a:xfrm>
+        </p:grpSpPr>
+        <p:graphicFrame>
+          <p:nvGraphicFramePr>
+            <p:cNvPr id="2" name="Object 1"/>
+            <p:cNvGraphicFramePr>
+              <a:graphicFrameLocks noChangeAspect="1"/>
+            </p:cNvGraphicFramePr>
+            <p:nvPr>
+              <p:extLst>
+                <p:ext uri="{D42A27DB-BD31-4B8C-83A1-F6EECF244321}">
+                  <p14:modId xmlns:p14="http://schemas.microsoft.com/office/powerpoint/2010/main" val="2293416298"/>
+                </p:ext>
+              </p:extLst>
+            </p:nvPr>
+          </p:nvGraphicFramePr>
+          <p:xfrm>
+            <a:off x="2601913" y="1358900"/>
+            <a:ext cx="1125537" cy="482600"/>
+          </p:xfrm>
+          <a:graphic>
+            <a:graphicData uri="http://schemas.openxmlformats.org/presentationml/2006/ole">
+              <mc:AlternateContent xmlns:mc="http://schemas.openxmlformats.org/markup-compatibility/2006">
+                <mc:Choice xmlns:v="urn:schemas-microsoft-com:vml" Requires="v">
+                  <p:oleObj spid="_x0000_s353287" name="Equation" r:id="rId4" imgW="444500" imgH="190500" progId="Equation.DSMT4">
+                    <p:embed/>
+                  </p:oleObj>
+                </mc:Choice>
+                <mc:Fallback>
+                  <p:oleObj name="Equation" r:id="rId4" imgW="444500" imgH="190500" progId="Equation.DSMT4">
+                    <p:embed/>
+                    <p:pic>
+                      <p:nvPicPr>
+                        <p:cNvPr id="0" name=""/>
+                        <p:cNvPicPr/>
+                        <p:nvPr/>
+                      </p:nvPicPr>
+                      <p:blipFill>
+                        <a:blip r:embed="rId5"/>
+                        <a:stretch>
+                          <a:fillRect/>
+                        </a:stretch>
+                      </p:blipFill>
+                      <p:spPr>
+                        <a:xfrm>
+                          <a:off x="2601913" y="1358900"/>
+                          <a:ext cx="1125537" cy="482600"/>
+                        </a:xfrm>
+                        <a:prstGeom prst="rect">
+                          <a:avLst/>
+                        </a:prstGeom>
+                      </p:spPr>
+                    </p:pic>
+                  </p:oleObj>
+                </mc:Fallback>
+              </mc:AlternateContent>
+            </a:graphicData>
+          </a:graphic>
+        </p:graphicFrame>
+        <p:graphicFrame>
+          <p:nvGraphicFramePr>
+            <p:cNvPr id="12" name="Object 11"/>
+            <p:cNvGraphicFramePr>
+              <a:graphicFrameLocks noChangeAspect="1"/>
+            </p:cNvGraphicFramePr>
+            <p:nvPr>
+              <p:extLst>
+                <p:ext uri="{D42A27DB-BD31-4B8C-83A1-F6EECF244321}">
+                  <p14:modId xmlns:p14="http://schemas.microsoft.com/office/powerpoint/2010/main" val="3460343100"/>
+                </p:ext>
+              </p:extLst>
+            </p:nvPr>
+          </p:nvGraphicFramePr>
+          <p:xfrm>
+            <a:off x="4107656" y="1358900"/>
+            <a:ext cx="963613" cy="482600"/>
+          </p:xfrm>
+          <a:graphic>
+            <a:graphicData uri="http://schemas.openxmlformats.org/presentationml/2006/ole">
+              <mc:AlternateContent xmlns:mc="http://schemas.openxmlformats.org/markup-compatibility/2006">
+                <mc:Choice xmlns:v="urn:schemas-microsoft-com:vml" Requires="v">
+                  <p:oleObj spid="_x0000_s353288" name="Equation" r:id="rId6" imgW="381000" imgH="190500" progId="Equation.DSMT4">
+                    <p:embed/>
+                  </p:oleObj>
+                </mc:Choice>
+                <mc:Fallback>
+                  <p:oleObj name="Equation" r:id="rId6" imgW="381000" imgH="190500" progId="Equation.DSMT4">
+                    <p:embed/>
+                    <p:pic>
+                      <p:nvPicPr>
+                        <p:cNvPr id="0" name=""/>
+                        <p:cNvPicPr/>
+                        <p:nvPr/>
+                      </p:nvPicPr>
+                      <p:blipFill>
+                        <a:blip r:embed="rId7"/>
+                        <a:stretch>
+                          <a:fillRect/>
+                        </a:stretch>
+                      </p:blipFill>
+                      <p:spPr>
+                        <a:xfrm>
+                          <a:off x="4107656" y="1358900"/>
+                          <a:ext cx="963613" cy="482600"/>
+                        </a:xfrm>
+                        <a:prstGeom prst="rect">
+                          <a:avLst/>
+                        </a:prstGeom>
+                      </p:spPr>
+                    </p:pic>
+                  </p:oleObj>
+                </mc:Fallback>
+              </mc:AlternateContent>
+            </a:graphicData>
+          </a:graphic>
+        </p:graphicFrame>
+      </p:grpSp>
+      <p:graphicFrame>
+        <p:nvGraphicFramePr>
+          <p:cNvPr id="16" name="Object 15"/>
+          <p:cNvGraphicFramePr>
+            <a:graphicFrameLocks noChangeAspect="1"/>
+          </p:cNvGraphicFramePr>
+          <p:nvPr>
+            <p:extLst>
+              <p:ext uri="{D42A27DB-BD31-4B8C-83A1-F6EECF244321}">
+                <p14:modId xmlns:p14="http://schemas.microsoft.com/office/powerpoint/2010/main" val="692481608"/>
+              </p:ext>
+            </p:extLst>
+          </p:nvPr>
+        </p:nvGraphicFramePr>
+        <p:xfrm>
+          <a:off x="1693863" y="120650"/>
+          <a:ext cx="6938962" cy="911225"/>
+        </p:xfrm>
+        <a:graphic>
+          <a:graphicData uri="http://schemas.openxmlformats.org/presentationml/2006/ole">
+            <mc:AlternateContent xmlns:mc="http://schemas.openxmlformats.org/markup-compatibility/2006">
+              <mc:Choice xmlns:v="urn:schemas-microsoft-com:vml" Requires="v">
+                <p:oleObj spid="_x0000_s353289" name="Equation" r:id="rId8" imgW="1739900" imgH="228600" progId="Equation.DSMT4">
+                  <p:embed/>
+                </p:oleObj>
+              </mc:Choice>
+              <mc:Fallback>
+                <p:oleObj name="Equation" r:id="rId8" imgW="1739900" imgH="228600" progId="Equation.DSMT4">
+                  <p:embed/>
+                  <p:pic>
+                    <p:nvPicPr>
+                      <p:cNvPr id="0" name=""/>
+                      <p:cNvPicPr>
+                        <a:picLocks noChangeAspect="1" noChangeArrowheads="1"/>
+                      </p:cNvPicPr>
+                      <p:nvPr/>
+                    </p:nvPicPr>
+                    <p:blipFill>
+                      <a:blip r:embed="rId9"/>
+                      <a:srcRect/>
+                      <a:stretch>
+                        <a:fillRect/>
+                      </a:stretch>
+                    </p:blipFill>
+                    <p:spPr bwMode="auto">
+                      <a:xfrm>
+                        <a:off x="1693863" y="120650"/>
+                        <a:ext cx="6938962" cy="911225"/>
+                      </a:xfrm>
+                      <a:prstGeom prst="rect">
+                        <a:avLst/>
+                      </a:prstGeom>
+                      <a:noFill/>
+                      <a:extLst>
+                        <a:ext uri="{909E8E84-426E-40dd-AFC4-6F175D3DCCD1}">
+                          <a14:hiddenFill xmlns:a14="http://schemas.microsoft.com/office/drawing/2010/main">
+                            <a:solidFill>
+                              <a:srgbClr val="FFFFFF"/>
+                            </a:solidFill>
+                          </a14:hiddenFill>
+                        </a:ext>
+                      </a:extLst>
+                    </p:spPr>
+                  </p:pic>
+                </p:oleObj>
+              </mc:Fallback>
+            </mc:AlternateContent>
+          </a:graphicData>
+        </a:graphic>
+      </p:graphicFrame>
+      <p:sp>
+        <p:nvSpPr>
+          <p:cNvPr id="4" name="TextBox 3"/>
+          <p:cNvSpPr txBox="1"/>
+          <p:nvPr/>
+        </p:nvSpPr>
+        <p:spPr>
+          <a:xfrm>
+            <a:off x="495300" y="1739900"/>
+            <a:ext cx="8150188" cy="3046988"/>
+          </a:xfrm>
+          <a:prstGeom prst="rect">
+            <a:avLst/>
+          </a:prstGeom>
+          <a:noFill/>
+        </p:spPr>
+        <p:txBody>
+          <a:bodyPr wrap="none" rtlCol="0">
+            <a:spAutoFit/>
+          </a:bodyPr>
+          <a:lstStyle/>
+          <a:p>
+            <a:r>
+              <a:rPr lang="en-US" sz="4800" dirty="0" smtClean="0">
+                <a:latin typeface="Comic Sans MS"/>
+                <a:cs typeface="Comic Sans MS"/>
+              </a:rPr>
+              <a:t>If you rolled 3000 times</a:t>
+            </a:r>
+          </a:p>
+          <a:p>
+            <a:r>
+              <a:rPr lang="en-US" sz="4800" dirty="0" smtClean="0">
+                <a:latin typeface="Comic Sans MS"/>
+                <a:cs typeface="Comic Sans MS"/>
+              </a:rPr>
+              <a:t>and did not get </a:t>
+            </a:r>
+            <a:r>
+              <a:rPr lang="en-US" sz="4800" dirty="0" smtClean="0">
+                <a:solidFill>
+                  <a:srgbClr val="A7097A"/>
+                </a:solidFill>
+                <a:latin typeface="Comic Sans MS"/>
+                <a:cs typeface="Comic Sans MS"/>
+              </a:rPr>
+              <a:t>450—550</a:t>
+            </a:r>
+          </a:p>
+          <a:p>
+            <a:r>
+              <a:rPr lang="en-US" sz="4800" dirty="0" smtClean="0">
+                <a:solidFill>
+                  <a:srgbClr val="0033CC"/>
+                </a:solidFill>
+                <a:latin typeface="Comic Sans MS"/>
+                <a:cs typeface="Comic Sans MS"/>
+              </a:rPr>
+              <a:t>6</a:t>
+            </a:r>
+            <a:r>
+              <a:rPr lang="en-US" sz="4800" dirty="0" smtClean="0">
+                <a:latin typeface="Comic Sans MS"/>
+                <a:cs typeface="Comic Sans MS"/>
+              </a:rPr>
+              <a:t>’s, you can be </a:t>
+            </a:r>
+            <a:r>
+              <a:rPr lang="en-US" sz="4800" dirty="0" smtClean="0">
+                <a:solidFill>
+                  <a:srgbClr val="FF00FF"/>
+                </a:solidFill>
+                <a:latin typeface="Comic Sans MS"/>
+                <a:cs typeface="Comic Sans MS"/>
+              </a:rPr>
+              <a:t>98%</a:t>
+            </a:r>
+          </a:p>
+          <a:p>
+            <a:r>
+              <a:rPr lang="en-US" sz="4800" dirty="0" smtClean="0">
+                <a:solidFill>
+                  <a:srgbClr val="000000"/>
+                </a:solidFill>
+                <a:latin typeface="Comic Sans MS"/>
+                <a:cs typeface="Comic Sans MS"/>
+              </a:rPr>
+              <a:t>confident your die is </a:t>
+            </a:r>
+            <a:r>
+              <a:rPr lang="en-US" sz="4800" dirty="0" smtClean="0">
+                <a:solidFill>
+                  <a:srgbClr val="FF0000"/>
+                </a:solidFill>
+                <a:latin typeface="Comic Sans MS"/>
+                <a:cs typeface="Comic Sans MS"/>
+              </a:rPr>
+              <a:t>loaded</a:t>
+            </a:r>
+          </a:p>
+        </p:txBody>
+      </p:sp>
+    </p:spTree>
+    <p:extLst>
+      <p:ext uri="{BB962C8B-B14F-4D97-AF65-F5344CB8AC3E}">
+        <p14:creationId xmlns:p14="http://schemas.microsoft.com/office/powerpoint/2010/main" val="2013585978"/>
+      </p:ext>
+    </p:extLst>
+  </p:cSld>
+  <p:clrMapOvr>
+    <a:masterClrMapping/>
+  </p:clrMapOvr>
+  <mc:AlternateContent xmlns:mc="http://schemas.openxmlformats.org/markup-compatibility/2006" xmlns:p14="http://schemas.microsoft.com/office/powerpoint/2010/main">
+    <mc:Choice Requires="p14">
+      <p:transition spd="med" p14:dur="700" advClick="0">
+        <p:fade/>
+      </p:transition>
+    </mc:Choice>
+    <mc:Fallback xmlns="">
+      <p:transition xmlns:p14="http://schemas.microsoft.com/office/powerpoint/2010/main" spd="med" advClick="0">
+        <p:fade/>
+      </p:transition>
+    </mc:Fallback>
+  </mc:AlternateContent>
+  <p:timing>
+    <p:tnLst>
+      <p:par>
+        <p:cTn xmlns:p14="http://schemas.microsoft.com/office/powerpoint/2010/main" id="1" dur="indefinite" restart="never" nodeType="tmRoot"/>
+      </p:par>
+    </p:tnLst>
+  </p:timing>
+</p:sld>
+</file>
+
+<file path=ppt/slides/slide13.xml><?xml version="1.0" encoding="utf-8"?>
+<p:sld xmlns:a="http://schemas.openxmlformats.org/drawingml/2006/main" xmlns:r="http://schemas.openxmlformats.org/officeDocument/2006/relationships" xmlns:p="http://schemas.openxmlformats.org/presentationml/2006/main">
+  <p:cSld>
+    <p:spTree>
+      <p:nvGrpSpPr>
+        <p:cNvPr id="1" name=""/>
+        <p:cNvGrpSpPr/>
+        <p:nvPr/>
+      </p:nvGrpSpPr>
+      <p:grpSpPr>
+        <a:xfrm>
+          <a:off x="0" y="0"/>
+          <a:ext cx="0" cy="0"/>
+          <a:chOff x="0" y="0"/>
+          <a:chExt cx="0" cy="0"/>
+        </a:xfrm>
+      </p:grpSpPr>
+      <p:graphicFrame>
+        <p:nvGraphicFramePr>
+          <p:cNvPr id="8" name="Table 7"/>
+          <p:cNvGraphicFramePr>
+            <a:graphicFrameLocks noGrp="1"/>
+          </p:cNvGraphicFramePr>
+          <p:nvPr>
+            <p:extLst>
+              <p:ext uri="{D42A27DB-BD31-4B8C-83A1-F6EECF244321}">
+                <p14:modId xmlns:p14="http://schemas.microsoft.com/office/powerpoint/2010/main" val="1501669164"/>
+              </p:ext>
+            </p:extLst>
+          </p:nvPr>
+        </p:nvGraphicFramePr>
+        <p:xfrm>
+          <a:off x="834854" y="1281113"/>
+          <a:ext cx="4816646" cy="4521200"/>
+        </p:xfrm>
+        <a:graphic>
+          <a:graphicData uri="http://schemas.openxmlformats.org/drawingml/2006/table">
+            <a:tbl>
+              <a:tblPr firstRow="1" bandRow="1">
+                <a:tableStyleId>{5C22544A-7EE6-4342-B048-85BDC9FD1C3A}</a:tableStyleId>
+              </a:tblPr>
+              <a:tblGrid>
+                <a:gridCol w="1628946"/>
+                <a:gridCol w="1562100"/>
+                <a:gridCol w="1625600"/>
+              </a:tblGrid>
+              <a:tr h="661616">
+                <a:tc>
+                  <a:txBody>
+                    <a:bodyPr/>
+                    <a:lstStyle/>
+                    <a:p>
+                      <a:pPr algn="ctr"/>
+                      <a:r>
+                        <a:rPr lang="en-US" sz="3200" dirty="0" err="1" smtClean="0">
+                          <a:solidFill>
+                            <a:srgbClr val="008000"/>
+                          </a:solidFill>
+                        </a:rPr>
+                        <a:t>n</a:t>
+                      </a:r>
+                      <a:endParaRPr lang="en-US" sz="3200" dirty="0">
+                        <a:solidFill>
+                          <a:srgbClr val="008000"/>
+                        </a:solidFill>
+                      </a:endParaRPr>
+                    </a:p>
+                  </a:txBody>
+                  <a:tcPr>
+                    <a:noFill/>
+                  </a:tcPr>
+                </a:tc>
+                <a:tc>
+                  <a:txBody>
+                    <a:bodyPr/>
+                    <a:lstStyle/>
+                    <a:p>
+                      <a:pPr algn="ctr"/>
+                      <a:endParaRPr lang="en-US" sz="3200" dirty="0">
+                        <a:solidFill>
+                          <a:srgbClr val="5959FF"/>
+                        </a:solidFill>
+                      </a:endParaRPr>
+                    </a:p>
+                  </a:txBody>
+                  <a:tcPr>
+                    <a:noFill/>
+                  </a:tcPr>
+                </a:tc>
+                <a:tc>
+                  <a:txBody>
+                    <a:bodyPr/>
+                    <a:lstStyle/>
+                    <a:p>
+                      <a:pPr algn="ctr"/>
+                      <a:endParaRPr lang="en-US" sz="3200" dirty="0">
+                        <a:solidFill>
+                          <a:srgbClr val="5959FF"/>
+                        </a:solidFill>
+                      </a:endParaRPr>
+                    </a:p>
+                  </a:txBody>
+                  <a:tcPr>
+                    <a:noFill/>
+                  </a:tcPr>
+                </a:tc>
+              </a:tr>
+              <a:tr h="643264">
+                <a:tc>
+                  <a:txBody>
+                    <a:bodyPr/>
+                    <a:lstStyle/>
+                    <a:p>
+                      <a:pPr algn="r"/>
+                      <a:endParaRPr lang="en-US" sz="3200" dirty="0">
+                        <a:solidFill>
+                          <a:srgbClr val="5959FF"/>
+                        </a:solidFill>
+                      </a:endParaRPr>
+                    </a:p>
+                  </a:txBody>
+                  <a:tcPr>
+                    <a:noFill/>
+                  </a:tcPr>
+                </a:tc>
+                <a:tc>
+                  <a:txBody>
+                    <a:bodyPr/>
+                    <a:lstStyle/>
+                    <a:p>
+                      <a:pPr algn="l"/>
+                      <a:endParaRPr lang="en-US" sz="3200" dirty="0">
+                        <a:solidFill>
+                          <a:srgbClr val="5959FF"/>
+                        </a:solidFill>
+                      </a:endParaRPr>
+                    </a:p>
+                  </a:txBody>
+                  <a:tcPr>
+                    <a:noFill/>
+                  </a:tcPr>
+                </a:tc>
+                <a:tc>
+                  <a:txBody>
+                    <a:bodyPr/>
+                    <a:lstStyle/>
+                    <a:p>
+                      <a:pPr marL="0" marR="0" indent="0" algn="l" defTabSz="914400" rtl="0" eaLnBrk="1" fontAlgn="auto" latinLnBrk="0" hangingPunct="1">
+                        <a:lnSpc>
+                          <a:spcPct val="100000"/>
+                        </a:lnSpc>
+                        <a:spcBef>
+                          <a:spcPts val="0"/>
+                        </a:spcBef>
+                        <a:spcAft>
+                          <a:spcPts val="0"/>
+                        </a:spcAft>
+                        <a:buClrTx/>
+                        <a:buSzTx/>
+                        <a:buFontTx/>
+                        <a:buNone/>
+                        <a:tabLst/>
+                        <a:defRPr/>
+                      </a:pPr>
+                      <a:endParaRPr lang="en-US" sz="3200" dirty="0">
+                        <a:solidFill>
+                          <a:srgbClr val="5959FF"/>
+                        </a:solidFill>
+                      </a:endParaRPr>
+                    </a:p>
+                  </a:txBody>
+                  <a:tcPr>
+                    <a:noFill/>
+                  </a:tcPr>
+                </a:tc>
+              </a:tr>
+              <a:tr h="643264">
+                <a:tc>
+                  <a:txBody>
+                    <a:bodyPr/>
+                    <a:lstStyle/>
+                    <a:p>
+                      <a:pPr algn="r"/>
+                      <a:endParaRPr lang="en-US" sz="3200" dirty="0">
+                        <a:solidFill>
+                          <a:srgbClr val="5959FF"/>
+                        </a:solidFill>
+                      </a:endParaRPr>
+                    </a:p>
+                  </a:txBody>
+                  <a:tcPr>
+                    <a:noFill/>
+                  </a:tcPr>
+                </a:tc>
+                <a:tc>
+                  <a:txBody>
+                    <a:bodyPr/>
+                    <a:lstStyle/>
+                    <a:p>
+                      <a:pPr algn="l"/>
+                      <a:endParaRPr lang="en-US" sz="3200" dirty="0">
+                        <a:solidFill>
+                          <a:srgbClr val="5959FF"/>
+                        </a:solidFill>
+                      </a:endParaRPr>
+                    </a:p>
+                  </a:txBody>
+                  <a:tcPr>
+                    <a:noFill/>
+                  </a:tcPr>
+                </a:tc>
+                <a:tc>
+                  <a:txBody>
+                    <a:bodyPr/>
+                    <a:lstStyle/>
+                    <a:p>
+                      <a:pPr algn="l"/>
+                      <a:endParaRPr lang="en-US" sz="3200" dirty="0">
+                        <a:solidFill>
+                          <a:srgbClr val="5959FF"/>
+                        </a:solidFill>
+                      </a:endParaRPr>
+                    </a:p>
+                  </a:txBody>
+                  <a:tcPr>
+                    <a:noFill/>
+                  </a:tcPr>
+                </a:tc>
+              </a:tr>
+              <a:tr h="643264">
+                <a:tc>
+                  <a:txBody>
+                    <a:bodyPr/>
+                    <a:lstStyle/>
+                    <a:p>
+                      <a:pPr algn="r"/>
+                      <a:endParaRPr lang="en-US" sz="3200" dirty="0">
+                        <a:solidFill>
+                          <a:srgbClr val="5959FF"/>
+                        </a:solidFill>
+                      </a:endParaRPr>
+                    </a:p>
+                  </a:txBody>
+                  <a:tcPr>
+                    <a:noFill/>
+                  </a:tcPr>
+                </a:tc>
+                <a:tc>
+                  <a:txBody>
+                    <a:bodyPr/>
+                    <a:lstStyle/>
+                    <a:p>
+                      <a:pPr algn="l"/>
+                      <a:endParaRPr lang="en-US" sz="3200" dirty="0">
+                        <a:solidFill>
+                          <a:srgbClr val="5959FF"/>
+                        </a:solidFill>
+                      </a:endParaRPr>
+                    </a:p>
+                  </a:txBody>
+                  <a:tcPr>
+                    <a:noFill/>
+                  </a:tcPr>
+                </a:tc>
+                <a:tc>
+                  <a:txBody>
+                    <a:bodyPr/>
+                    <a:lstStyle/>
+                    <a:p>
+                      <a:pPr algn="l"/>
+                      <a:endParaRPr lang="en-US" sz="3200" dirty="0">
+                        <a:solidFill>
+                          <a:srgbClr val="5959FF"/>
+                        </a:solidFill>
+                      </a:endParaRPr>
+                    </a:p>
+                  </a:txBody>
+                  <a:tcPr>
+                    <a:noFill/>
+                  </a:tcPr>
+                </a:tc>
+              </a:tr>
+              <a:tr h="643264">
+                <a:tc>
+                  <a:txBody>
+                    <a:bodyPr/>
+                    <a:lstStyle/>
+                    <a:p>
+                      <a:pPr algn="r"/>
+                      <a:endParaRPr lang="en-US" sz="3200" dirty="0">
+                        <a:solidFill>
+                          <a:srgbClr val="5959FF"/>
+                        </a:solidFill>
+                      </a:endParaRPr>
+                    </a:p>
+                  </a:txBody>
+                  <a:tcPr>
+                    <a:noFill/>
+                  </a:tcPr>
+                </a:tc>
+                <a:tc>
+                  <a:txBody>
+                    <a:bodyPr/>
+                    <a:lstStyle/>
+                    <a:p>
+                      <a:endParaRPr lang="en-US" dirty="0"/>
+                    </a:p>
+                  </a:txBody>
+                  <a:tcPr>
+                    <a:noFill/>
+                  </a:tcPr>
+                </a:tc>
+                <a:tc>
+                  <a:txBody>
+                    <a:bodyPr/>
+                    <a:lstStyle/>
+                    <a:p>
+                      <a:endParaRPr lang="en-US" dirty="0"/>
+                    </a:p>
+                  </a:txBody>
+                  <a:tcPr>
+                    <a:noFill/>
+                  </a:tcPr>
+                </a:tc>
+              </a:tr>
+              <a:tr h="643264">
+                <a:tc>
+                  <a:txBody>
+                    <a:bodyPr/>
+                    <a:lstStyle/>
+                    <a:p>
+                      <a:pPr marL="0" marR="0" indent="0" algn="r" defTabSz="914400" rtl="0" eaLnBrk="1" fontAlgn="auto" latinLnBrk="0" hangingPunct="1">
+                        <a:lnSpc>
+                          <a:spcPct val="100000"/>
+                        </a:lnSpc>
+                        <a:spcBef>
+                          <a:spcPts val="0"/>
+                        </a:spcBef>
+                        <a:spcAft>
+                          <a:spcPts val="0"/>
+                        </a:spcAft>
+                        <a:buClrTx/>
+                        <a:buSzTx/>
+                        <a:buFontTx/>
+                        <a:buNone/>
+                        <a:tabLst/>
+                        <a:defRPr/>
+                      </a:pPr>
+                      <a:r>
+                        <a:rPr lang="en-US" sz="3200" dirty="0" smtClean="0">
+                          <a:solidFill>
+                            <a:srgbClr val="FF00FF"/>
+                          </a:solidFill>
+                        </a:rPr>
+                        <a:t>3000</a:t>
+                      </a:r>
+                    </a:p>
+                  </a:txBody>
+                  <a:tcPr>
+                    <a:noFill/>
+                  </a:tcPr>
+                </a:tc>
+                <a:tc>
+                  <a:txBody>
+                    <a:bodyPr/>
+                    <a:lstStyle/>
+                    <a:p>
+                      <a:pPr algn="l"/>
+                      <a:r>
+                        <a:rPr lang="en-US" sz="3200" dirty="0" smtClean="0">
+                          <a:solidFill>
+                            <a:srgbClr val="FF00FF"/>
+                          </a:solidFill>
+                        </a:rPr>
+                        <a:t>0.98</a:t>
+                      </a:r>
+                      <a:endParaRPr lang="en-US" sz="3200" dirty="0">
+                        <a:solidFill>
+                          <a:srgbClr val="FF00FF"/>
+                        </a:solidFill>
+                      </a:endParaRPr>
+                    </a:p>
+                  </a:txBody>
+                  <a:tcPr>
+                    <a:noFill/>
+                  </a:tcPr>
+                </a:tc>
+                <a:tc>
+                  <a:txBody>
+                    <a:bodyPr/>
+                    <a:lstStyle/>
+                    <a:p>
+                      <a:pPr algn="l"/>
+                      <a:r>
+                        <a:rPr lang="en-US" sz="3200" dirty="0" smtClean="0">
+                          <a:solidFill>
+                            <a:srgbClr val="FF00FF"/>
+                          </a:solidFill>
+                        </a:rPr>
+                        <a:t>0.78</a:t>
+                      </a:r>
+                      <a:endParaRPr lang="en-US" sz="3200" dirty="0">
+                        <a:solidFill>
+                          <a:srgbClr val="FF00FF"/>
+                        </a:solidFill>
+                      </a:endParaRPr>
+                    </a:p>
+                  </a:txBody>
+                  <a:tcPr>
+                    <a:noFill/>
+                  </a:tcPr>
+                </a:tc>
+              </a:tr>
+              <a:tr h="643264">
+                <a:tc>
+                  <a:txBody>
+                    <a:bodyPr/>
+                    <a:lstStyle/>
+                    <a:p>
+                      <a:endParaRPr lang="en-US" dirty="0"/>
+                    </a:p>
+                  </a:txBody>
+                  <a:tcPr>
+                    <a:noFill/>
+                  </a:tcPr>
+                </a:tc>
+                <a:tc>
+                  <a:txBody>
+                    <a:bodyPr/>
+                    <a:lstStyle/>
+                    <a:p>
+                      <a:endParaRPr lang="en-US" dirty="0"/>
+                    </a:p>
+                  </a:txBody>
+                  <a:tcPr>
+                    <a:noFill/>
+                  </a:tcPr>
+                </a:tc>
+                <a:tc>
+                  <a:txBody>
+                    <a:bodyPr/>
+                    <a:lstStyle/>
+                    <a:p>
+                      <a:endParaRPr lang="en-US" dirty="0"/>
+                    </a:p>
+                  </a:txBody>
+                  <a:tcPr>
+                    <a:noFill/>
+                  </a:tcPr>
+                </a:tc>
+              </a:tr>
+            </a:tbl>
+          </a:graphicData>
+        </a:graphic>
+      </p:graphicFrame>
+      <p:grpSp>
+        <p:nvGrpSpPr>
+          <p:cNvPr id="5" name="Group 4"/>
+          <p:cNvGrpSpPr/>
+          <p:nvPr/>
+        </p:nvGrpSpPr>
+        <p:grpSpPr>
+          <a:xfrm>
+            <a:off x="2601913" y="1358900"/>
+            <a:ext cx="2469356" cy="482600"/>
+            <a:chOff x="2601913" y="1358900"/>
+            <a:chExt cx="2469356" cy="482600"/>
+          </a:xfrm>
+        </p:grpSpPr>
+        <p:graphicFrame>
+          <p:nvGraphicFramePr>
+            <p:cNvPr id="2" name="Object 1"/>
+            <p:cNvGraphicFramePr>
+              <a:graphicFrameLocks noChangeAspect="1"/>
+            </p:cNvGraphicFramePr>
+            <p:nvPr>
+              <p:extLst>
+                <p:ext uri="{D42A27DB-BD31-4B8C-83A1-F6EECF244321}">
+                  <p14:modId xmlns:p14="http://schemas.microsoft.com/office/powerpoint/2010/main" val="835490459"/>
+                </p:ext>
+              </p:extLst>
+            </p:nvPr>
+          </p:nvGraphicFramePr>
+          <p:xfrm>
+            <a:off x="2601913" y="1358900"/>
+            <a:ext cx="1125537" cy="482600"/>
+          </p:xfrm>
+          <a:graphic>
+            <a:graphicData uri="http://schemas.openxmlformats.org/presentationml/2006/ole">
+              <mc:AlternateContent xmlns:mc="http://schemas.openxmlformats.org/markup-compatibility/2006">
+                <mc:Choice xmlns:v="urn:schemas-microsoft-com:vml" Requires="v">
+                  <p:oleObj spid="_x0000_s352263" name="Equation" r:id="rId4" imgW="444500" imgH="190500" progId="Equation.DSMT4">
+                    <p:embed/>
+                  </p:oleObj>
+                </mc:Choice>
+                <mc:Fallback>
+                  <p:oleObj name="Equation" r:id="rId4" imgW="444500" imgH="190500" progId="Equation.DSMT4">
+                    <p:embed/>
+                    <p:pic>
+                      <p:nvPicPr>
+                        <p:cNvPr id="0" name=""/>
+                        <p:cNvPicPr/>
+                        <p:nvPr/>
+                      </p:nvPicPr>
+                      <p:blipFill>
+                        <a:blip r:embed="rId5"/>
+                        <a:stretch>
+                          <a:fillRect/>
+                        </a:stretch>
+                      </p:blipFill>
+                      <p:spPr>
+                        <a:xfrm>
+                          <a:off x="2601913" y="1358900"/>
+                          <a:ext cx="1125537" cy="482600"/>
+                        </a:xfrm>
+                        <a:prstGeom prst="rect">
+                          <a:avLst/>
+                        </a:prstGeom>
+                      </p:spPr>
+                    </p:pic>
+                  </p:oleObj>
+                </mc:Fallback>
+              </mc:AlternateContent>
+            </a:graphicData>
+          </a:graphic>
+        </p:graphicFrame>
+        <p:graphicFrame>
+          <p:nvGraphicFramePr>
+            <p:cNvPr id="12" name="Object 11"/>
+            <p:cNvGraphicFramePr>
+              <a:graphicFrameLocks noChangeAspect="1"/>
+            </p:cNvGraphicFramePr>
+            <p:nvPr>
+              <p:extLst>
+                <p:ext uri="{D42A27DB-BD31-4B8C-83A1-F6EECF244321}">
+                  <p14:modId xmlns:p14="http://schemas.microsoft.com/office/powerpoint/2010/main" val="2109080791"/>
+                </p:ext>
+              </p:extLst>
+            </p:nvPr>
+          </p:nvGraphicFramePr>
+          <p:xfrm>
+            <a:off x="4107656" y="1358900"/>
+            <a:ext cx="963613" cy="482600"/>
+          </p:xfrm>
+          <a:graphic>
+            <a:graphicData uri="http://schemas.openxmlformats.org/presentationml/2006/ole">
+              <mc:AlternateContent xmlns:mc="http://schemas.openxmlformats.org/markup-compatibility/2006">
+                <mc:Choice xmlns:v="urn:schemas-microsoft-com:vml" Requires="v">
+                  <p:oleObj spid="_x0000_s352264" name="Equation" r:id="rId6" imgW="381000" imgH="190500" progId="Equation.DSMT4">
+                    <p:embed/>
+                  </p:oleObj>
+                </mc:Choice>
+                <mc:Fallback>
+                  <p:oleObj name="Equation" r:id="rId6" imgW="381000" imgH="190500" progId="Equation.DSMT4">
+                    <p:embed/>
+                    <p:pic>
+                      <p:nvPicPr>
+                        <p:cNvPr id="0" name=""/>
+                        <p:cNvPicPr/>
+                        <p:nvPr/>
+                      </p:nvPicPr>
+                      <p:blipFill>
+                        <a:blip r:embed="rId7"/>
+                        <a:stretch>
+                          <a:fillRect/>
+                        </a:stretch>
+                      </p:blipFill>
+                      <p:spPr>
+                        <a:xfrm>
+                          <a:off x="4107656" y="1358900"/>
+                          <a:ext cx="963613" cy="482600"/>
+                        </a:xfrm>
+                        <a:prstGeom prst="rect">
+                          <a:avLst/>
+                        </a:prstGeom>
+                      </p:spPr>
+                    </p:pic>
+                  </p:oleObj>
+                </mc:Fallback>
+              </mc:AlternateContent>
+            </a:graphicData>
+          </a:graphic>
+        </p:graphicFrame>
+      </p:grpSp>
+      <p:graphicFrame>
+        <p:nvGraphicFramePr>
+          <p:cNvPr id="16" name="Object 15"/>
+          <p:cNvGraphicFramePr>
+            <a:graphicFrameLocks noChangeAspect="1"/>
+          </p:cNvGraphicFramePr>
+          <p:nvPr>
+            <p:extLst>
+              <p:ext uri="{D42A27DB-BD31-4B8C-83A1-F6EECF244321}">
+                <p14:modId xmlns:p14="http://schemas.microsoft.com/office/powerpoint/2010/main" val="1104037028"/>
+              </p:ext>
+            </p:extLst>
+          </p:nvPr>
+        </p:nvGraphicFramePr>
+        <p:xfrm>
+          <a:off x="1693863" y="120650"/>
+          <a:ext cx="6938962" cy="911225"/>
+        </p:xfrm>
+        <a:graphic>
+          <a:graphicData uri="http://schemas.openxmlformats.org/presentationml/2006/ole">
+            <mc:AlternateContent xmlns:mc="http://schemas.openxmlformats.org/markup-compatibility/2006">
+              <mc:Choice xmlns:v="urn:schemas-microsoft-com:vml" Requires="v">
+                <p:oleObj spid="_x0000_s352265" name="Equation" r:id="rId8" imgW="1739900" imgH="228600" progId="Equation.DSMT4">
+                  <p:embed/>
+                </p:oleObj>
+              </mc:Choice>
+              <mc:Fallback>
+                <p:oleObj name="Equation" r:id="rId8" imgW="1739900" imgH="228600" progId="Equation.DSMT4">
+                  <p:embed/>
+                  <p:pic>
+                    <p:nvPicPr>
+                      <p:cNvPr id="0" name=""/>
+                      <p:cNvPicPr>
+                        <a:picLocks noChangeAspect="1" noChangeArrowheads="1"/>
+                      </p:cNvPicPr>
+                      <p:nvPr/>
+                    </p:nvPicPr>
+                    <p:blipFill>
+                      <a:blip r:embed="rId9"/>
+                      <a:srcRect/>
+                      <a:stretch>
+                        <a:fillRect/>
+                      </a:stretch>
+                    </p:blipFill>
+                    <p:spPr bwMode="auto">
+                      <a:xfrm>
+                        <a:off x="1693863" y="120650"/>
+                        <a:ext cx="6938962" cy="911225"/>
+                      </a:xfrm>
+                      <a:prstGeom prst="rect">
+                        <a:avLst/>
+                      </a:prstGeom>
+                      <a:noFill/>
+                      <a:extLst>
+                        <a:ext uri="{909E8E84-426E-40dd-AFC4-6F175D3DCCD1}">
+                          <a14:hiddenFill xmlns:a14="http://schemas.microsoft.com/office/drawing/2010/main">
+                            <a:solidFill>
+                              <a:srgbClr val="FFFFFF"/>
+                            </a:solidFill>
+                          </a14:hiddenFill>
+                        </a:ext>
+                      </a:extLst>
+                    </p:spPr>
+                  </p:pic>
+                </p:oleObj>
+              </mc:Fallback>
+            </mc:AlternateContent>
+          </a:graphicData>
+        </a:graphic>
+      </p:graphicFrame>
+      <p:sp>
+        <p:nvSpPr>
+          <p:cNvPr id="4" name="TextBox 3"/>
+          <p:cNvSpPr txBox="1"/>
+          <p:nvPr/>
+        </p:nvSpPr>
+        <p:spPr>
+          <a:xfrm>
+            <a:off x="495300" y="1739900"/>
+            <a:ext cx="8150188" cy="3046988"/>
+          </a:xfrm>
+          <a:prstGeom prst="rect">
+            <a:avLst/>
+          </a:prstGeom>
+          <a:noFill/>
+        </p:spPr>
+        <p:txBody>
+          <a:bodyPr wrap="none" rtlCol="0">
+            <a:spAutoFit/>
+          </a:bodyPr>
+          <a:lstStyle/>
+          <a:p>
+            <a:r>
+              <a:rPr lang="en-US" sz="4800" dirty="0" smtClean="0">
+                <a:latin typeface="Comic Sans MS"/>
+                <a:cs typeface="Comic Sans MS"/>
+              </a:rPr>
+              <a:t>If you rolled 3000 times</a:t>
+            </a:r>
+          </a:p>
+          <a:p>
+            <a:r>
+              <a:rPr lang="en-US" sz="4800" dirty="0" smtClean="0">
+                <a:latin typeface="Comic Sans MS"/>
+                <a:cs typeface="Comic Sans MS"/>
+              </a:rPr>
+              <a:t>and did not get </a:t>
+            </a:r>
+            <a:r>
+              <a:rPr lang="en-US" sz="4800" dirty="0" smtClean="0">
+                <a:solidFill>
+                  <a:srgbClr val="A7097A"/>
+                </a:solidFill>
+                <a:latin typeface="Comic Sans MS"/>
+                <a:cs typeface="Comic Sans MS"/>
+              </a:rPr>
+              <a:t>425—525</a:t>
+            </a:r>
+          </a:p>
+          <a:p>
+            <a:r>
+              <a:rPr lang="en-US" sz="4800" dirty="0" smtClean="0">
+                <a:solidFill>
+                  <a:srgbClr val="0033CC"/>
+                </a:solidFill>
+                <a:latin typeface="Comic Sans MS"/>
+                <a:cs typeface="Comic Sans MS"/>
+              </a:rPr>
+              <a:t>6</a:t>
+            </a:r>
+            <a:r>
+              <a:rPr lang="en-US" sz="4800" dirty="0" smtClean="0">
+                <a:latin typeface="Comic Sans MS"/>
+                <a:cs typeface="Comic Sans MS"/>
+              </a:rPr>
+              <a:t>’s, you can be </a:t>
+            </a:r>
+            <a:r>
+              <a:rPr lang="en-US" sz="4800" dirty="0">
+                <a:solidFill>
+                  <a:srgbClr val="FF00FF"/>
+                </a:solidFill>
+                <a:latin typeface="Comic Sans MS"/>
+                <a:cs typeface="Comic Sans MS"/>
+              </a:rPr>
+              <a:t>7</a:t>
+            </a:r>
+            <a:r>
+              <a:rPr lang="en-US" sz="4800" dirty="0" smtClean="0">
+                <a:solidFill>
+                  <a:srgbClr val="FF00FF"/>
+                </a:solidFill>
+                <a:latin typeface="Comic Sans MS"/>
+                <a:cs typeface="Comic Sans MS"/>
+              </a:rPr>
+              <a:t>8%</a:t>
+            </a:r>
+          </a:p>
+          <a:p>
+            <a:r>
+              <a:rPr lang="en-US" sz="4800" dirty="0" smtClean="0">
+                <a:solidFill>
+                  <a:srgbClr val="000000"/>
+                </a:solidFill>
+                <a:latin typeface="Comic Sans MS"/>
+                <a:cs typeface="Comic Sans MS"/>
+              </a:rPr>
+              <a:t>confident your die is </a:t>
+            </a:r>
+            <a:r>
+              <a:rPr lang="en-US" sz="4800" dirty="0" smtClean="0">
+                <a:solidFill>
+                  <a:srgbClr val="FF0000"/>
+                </a:solidFill>
+                <a:latin typeface="Comic Sans MS"/>
+                <a:cs typeface="Comic Sans MS"/>
+              </a:rPr>
+              <a:t>loaded</a:t>
+            </a:r>
+          </a:p>
+        </p:txBody>
+      </p:sp>
+    </p:spTree>
+    <p:extLst>
+      <p:ext uri="{BB962C8B-B14F-4D97-AF65-F5344CB8AC3E}">
+        <p14:creationId xmlns:p14="http://schemas.microsoft.com/office/powerpoint/2010/main" val="4092269921"/>
+      </p:ext>
+    </p:extLst>
+  </p:cSld>
+  <p:clrMapOvr>
+    <a:masterClrMapping/>
+  </p:clrMapOvr>
+  <mc:AlternateContent xmlns:mc="http://schemas.openxmlformats.org/markup-compatibility/2006">
+    <mc:Choice xmlns:p14="http://schemas.microsoft.com/office/powerpoint/2010/main" Requires="p14">
+      <p:transition spd="slow" p14:dur="900" advClick="0">
+        <p:fade/>
+      </p:transition>
+    </mc:Choice>
+    <mc:Fallback>
+      <p:transition xmlns:p14="http://schemas.microsoft.com/office/powerpoint/2010/main" spd="slow" advClick="0">
+        <p:fade/>
+      </p:transition>
+    </mc:Fallback>
+  </mc:AlternateContent>
+  <p:timing>
+    <p:tnLst>
+      <p:par>
+        <p:cTn xmlns:p14="http://schemas.microsoft.com/office/powerpoint/2010/main" id="1" dur="indefinite" restart="never" nodeType="tmRoot"/>
+      </p:par>
+    </p:tnLst>
+  </p:timing>
+</p:sld>
+</file>
+
+<file path=ppt/slides/slide14.xml><?xml version="1.0" encoding="utf-8"?>
+<p:sld xmlns:a="http://schemas.openxmlformats.org/drawingml/2006/main" xmlns:r="http://schemas.openxmlformats.org/officeDocument/2006/relationships" xmlns:p="http://schemas.openxmlformats.org/presentationml/2006/main">
+  <p:cSld>
+    <p:spTree>
+      <p:nvGrpSpPr>
+        <p:cNvPr id="1" name=""/>
+        <p:cNvGrpSpPr/>
+        <p:nvPr/>
+      </p:nvGrpSpPr>
+      <p:grpSpPr>
+        <a:xfrm>
+          <a:off x="0" y="0"/>
+          <a:ext cx="0" cy="0"/>
+          <a:chOff x="0" y="0"/>
+          <a:chExt cx="0" cy="0"/>
+        </a:xfrm>
+      </p:grpSpPr>
       <p:sp>
         <p:nvSpPr>
           <p:cNvPr id="24580" name="Text Box 3"/>
@@ -5173,7 +9339,7 @@
 </p:sld>
 </file>
 
-<file path=ppt/slides/slide11.xml><?xml version="1.0" encoding="utf-8"?>
+<file path=ppt/slides/slide15.xml><?xml version="1.0" encoding="utf-8"?>
 <p:sld xmlns:a="http://schemas.openxmlformats.org/drawingml/2006/main" xmlns:r="http://schemas.openxmlformats.org/officeDocument/2006/relationships" xmlns:p="http://schemas.openxmlformats.org/presentationml/2006/main" showMasterPhAnim="0" show="0">
   <p:cSld>
     <p:spTree>
@@ -5411,7 +9577,7 @@
 </p:sld>
 </file>
 
-<file path=ppt/slides/slide12.xml><?xml version="1.0" encoding="utf-8"?>
+<file path=ppt/slides/slide16.xml><?xml version="1.0" encoding="utf-8"?>
 <p:sld xmlns:a="http://schemas.openxmlformats.org/drawingml/2006/main" xmlns:r="http://schemas.openxmlformats.org/officeDocument/2006/relationships" xmlns:p="http://schemas.openxmlformats.org/presentationml/2006/main" showMasterPhAnim="0">
   <p:cSld>
     <p:spTree>
@@ -5590,29 +9756,108 @@
   <p:clrMapOvr>
     <a:masterClrMapping/>
   </p:clrMapOvr>
-  <mc:AlternateContent xmlns:mc="http://schemas.openxmlformats.org/markup-compatibility/2006" xmlns:p14="http://schemas.microsoft.com/office/powerpoint/2010/main">
-    <mc:Choice Requires="p14">
-      <p:transition spd="med" p14:dur="600" advClick="0">
-        <p:fade/>
+  <mc:AlternateContent xmlns:mc="http://schemas.openxmlformats.org/markup-compatibility/2006">
+    <mc:Choice xmlns:p14="http://schemas.microsoft.com/office/powerpoint/2010/main" Requires="p14">
+      <p:transition spd="slow" p14:dur="1300" advClick="0">
+        <p:fade thruBlk="1"/>
       </p:transition>
     </mc:Choice>
-    <mc:Fallback xmlns="">
-      <p:transition xmlns:p14="http://schemas.microsoft.com/office/powerpoint/2010/main" spd="med" advClick="0">
-        <p:fade/>
+    <mc:Fallback>
+      <p:transition xmlns:p14="http://schemas.microsoft.com/office/powerpoint/2010/main" spd="slow" advClick="0">
+        <p:fade thruBlk="1"/>
       </p:transition>
     </mc:Fallback>
   </mc:AlternateContent>
   <p:timing>
     <p:tnLst>
       <p:par>
-        <p:cTn xmlns:p14="http://schemas.microsoft.com/office/powerpoint/2010/main" id="1" dur="indefinite" restart="never" nodeType="tmRoot"/>
+        <p:cTn xmlns:p14="http://schemas.microsoft.com/office/powerpoint/2010/main" id="1" dur="indefinite" restart="never" nodeType="tmRoot">
+          <p:childTnLst>
+            <p:seq concurrent="1" nextAc="seek">
+              <p:cTn id="2" dur="indefinite" nodeType="mainSeq">
+                <p:childTnLst>
+                  <p:par>
+                    <p:cTn id="3" fill="hold">
+                      <p:stCondLst>
+                        <p:cond delay="indefinite"/>
+                      </p:stCondLst>
+                      <p:childTnLst>
+                        <p:par>
+                          <p:cTn id="4" fill="hold">
+                            <p:stCondLst>
+                              <p:cond delay="0"/>
+                            </p:stCondLst>
+                            <p:childTnLst>
+                              <p:par>
+                                <p:cTn id="5" presetID="10" presetClass="entr" presetSubtype="0" fill="hold" grpId="0" nodeType="clickEffect">
+                                  <p:stCondLst>
+                                    <p:cond delay="0"/>
+                                  </p:stCondLst>
+                                  <p:childTnLst>
+                                    <p:set>
+                                      <p:cBhvr>
+                                        <p:cTn id="6" dur="1" fill="hold">
+                                          <p:stCondLst>
+                                            <p:cond delay="0"/>
+                                          </p:stCondLst>
+                                        </p:cTn>
+                                        <p:tgtEl>
+                                          <p:spTgt spid="30723"/>
+                                        </p:tgtEl>
+                                        <p:attrNameLst>
+                                          <p:attrName>style.visibility</p:attrName>
+                                        </p:attrNameLst>
+                                      </p:cBhvr>
+                                      <p:to>
+                                        <p:strVal val="visible"/>
+                                      </p:to>
+                                    </p:set>
+                                    <p:animEffect transition="in" filter="fade">
+                                      <p:cBhvr>
+                                        <p:cTn id="7" dur="500"/>
+                                        <p:tgtEl>
+                                          <p:spTgt spid="30723"/>
+                                        </p:tgtEl>
+                                      </p:cBhvr>
+                                    </p:animEffect>
+                                  </p:childTnLst>
+                                </p:cTn>
+                              </p:par>
+                            </p:childTnLst>
+                          </p:cTn>
+                        </p:par>
+                      </p:childTnLst>
+                    </p:cTn>
+                  </p:par>
+                </p:childTnLst>
+              </p:cTn>
+              <p:prevCondLst>
+                <p:cond evt="onPrev" delay="0">
+                  <p:tgtEl>
+                    <p:sldTgt/>
+                  </p:tgtEl>
+                </p:cond>
+              </p:prevCondLst>
+              <p:nextCondLst>
+                <p:cond evt="onNext" delay="0">
+                  <p:tgtEl>
+                    <p:sldTgt/>
+                  </p:tgtEl>
+                </p:cond>
+              </p:nextCondLst>
+            </p:seq>
+          </p:childTnLst>
+        </p:cTn>
       </p:par>
     </p:tnLst>
+    <p:bldLst>
+      <p:bldP spid="30723" grpId="0" animBg="1"/>
+    </p:bldLst>
   </p:timing>
 </p:sld>
 </file>
 
-<file path=ppt/slides/slide13.xml><?xml version="1.0" encoding="utf-8"?>
+<file path=ppt/slides/slide17.xml><?xml version="1.0" encoding="utf-8"?>
 <p:sld xmlns:a="http://schemas.openxmlformats.org/drawingml/2006/main" xmlns:r="http://schemas.openxmlformats.org/officeDocument/2006/relationships" xmlns:p="http://schemas.openxmlformats.org/presentationml/2006/main" showMasterPhAnim="0">
   <p:cSld>
     <p:spTree>
@@ -5952,7 +10197,7 @@
 </p:sld>
 </file>
 
-<file path=ppt/slides/slide14.xml><?xml version="1.0" encoding="utf-8"?>
+<file path=ppt/slides/slide18.xml><?xml version="1.0" encoding="utf-8"?>
 <p:sld xmlns:a="http://schemas.openxmlformats.org/drawingml/2006/main" xmlns:r="http://schemas.openxmlformats.org/officeDocument/2006/relationships" xmlns:p="http://schemas.openxmlformats.org/presentationml/2006/main" showMasterPhAnim="0">
   <p:cSld>
     <p:spTree>
@@ -5981,7 +10226,7 @@
         </p:nvSpPr>
         <p:spPr bwMode="auto">
           <a:xfrm>
-            <a:off x="689769" y="912812"/>
+            <a:off x="702469" y="912812"/>
             <a:ext cx="7806531" cy="5119688"/>
           </a:xfrm>
           <a:prstGeom prst="rect">
@@ -6188,6 +10433,105 @@
           </a:p>
         </p:txBody>
       </p:sp>
+      <p:sp useBgFill="1">
+        <p:nvSpPr>
+          <p:cNvPr id="4" name="Rectangle 3"/>
+          <p:cNvSpPr txBox="1">
+            <a:spLocks noChangeArrowheads="1"/>
+          </p:cNvSpPr>
+          <p:nvPr/>
+        </p:nvSpPr>
+        <p:spPr bwMode="auto">
+          <a:xfrm>
+            <a:off x="977900" y="165100"/>
+            <a:ext cx="6616700" cy="949960"/>
+          </a:xfrm>
+          <a:prstGeom prst="rect">
+            <a:avLst/>
+          </a:prstGeom>
+          <a:ln w="9525">
+            <a:noFill/>
+            <a:miter lim="800000"/>
+            <a:headEnd/>
+            <a:tailEnd/>
+          </a:ln>
+        </p:spPr>
+        <p:txBody>
+          <a:bodyPr vert="horz" wrap="square" lIns="91440" tIns="45720" rIns="91440" bIns="45720" numCol="1" anchor="ctr" anchorCtr="0" compatLnSpc="1">
+            <a:prstTxWarp prst="textNoShape">
+              <a:avLst/>
+            </a:prstTxWarp>
+          </a:bodyPr>
+          <a:lstStyle/>
+          <a:p>
+            <a:pPr marL="0" marR="0" lvl="0" indent="0" algn="l" defTabSz="914400" rtl="0" eaLnBrk="0" fontAlgn="base" latinLnBrk="0" hangingPunct="0">
+              <a:lnSpc>
+                <a:spcPct val="100000"/>
+              </a:lnSpc>
+              <a:spcBef>
+                <a:spcPct val="0"/>
+              </a:spcBef>
+              <a:spcAft>
+                <a:spcPct val="0"/>
+              </a:spcAft>
+              <a:buClrTx/>
+              <a:buSzTx/>
+              <a:buFontTx/>
+              <a:buNone/>
+              <a:tabLst/>
+              <a:defRPr/>
+            </a:pPr>
+            <a:r>
+              <a:rPr kumimoji="0" lang="en-US" sz="4400" b="1" i="0" u="none" strike="noStrike" kern="0" cap="none" spc="0" normalizeH="0" baseline="0" noProof="0" dirty="0" smtClean="0">
+                <a:ln>
+                  <a:noFill/>
+                </a:ln>
+                <a:solidFill>
+                  <a:schemeClr val="tx2"/>
+                </a:solidFill>
+                <a:effectLst/>
+                <a:uLnTx/>
+                <a:uFillTx/>
+                <a:latin typeface="+mj-lt"/>
+                <a:ea typeface="+mj-ea"/>
+                <a:cs typeface="+mj-cs"/>
+              </a:rPr>
+              <a:t>     Repeated Trials</a:t>
+            </a:r>
+            <a:r>
+              <a:rPr kumimoji="0" lang="en-US" sz="4400" b="1" u="none" strike="noStrike" kern="0" cap="none" spc="0" normalizeH="0" baseline="0" noProof="0" dirty="0" smtClean="0">
+                <a:ln>
+                  <a:noFill/>
+                </a:ln>
+                <a:solidFill>
+                  <a:schemeClr val="tx2"/>
+                </a:solidFill>
+                <a:effectLst/>
+                <a:uLnTx/>
+                <a:uFillTx/>
+                <a:latin typeface="+mj-lt"/>
+                <a:ea typeface="+mj-ea"/>
+                <a:cs typeface="+mj-cs"/>
+              </a:rPr>
+              <a:t>        </a:t>
+            </a:r>
+            <a:endParaRPr kumimoji="0" lang="en-US" sz="4400" b="1" u="none" strike="noStrike" kern="0" cap="none" spc="0" normalizeH="0" baseline="0" noProof="0" dirty="0">
+              <a:ln>
+                <a:noFill/>
+              </a:ln>
+              <a:solidFill>
+                <a:srgbClr val="0000CC"/>
+              </a:solidFill>
+              <a:effectLst/>
+              <a:uLnTx/>
+              <a:uFillTx/>
+              <a:latin typeface="+mj-lt"/>
+              <a:ea typeface="+mj-ea"/>
+              <a:cs typeface="+mj-cs"/>
+            </a:endParaRPr>
+          </a:p>
+        </p:txBody>
+      </p:sp>
     </p:spTree>
     <p:custDataLst>
       <p:tags r:id="rId1"/>
@@ -6202,7 +10546,7 @@
     <a:masterClrMapping/>
   </p:clrMapOvr>
   <p:transition xmlns:p14="http://schemas.microsoft.com/office/powerpoint/2010/main" spd="slow" advClick="0">
-    <p:fade thruBlk="1"/>
+    <p:fade/>
   </p:transition>
   <p:timing>
     <p:tnLst>
@@ -6334,6 +10678,59 @@
                       </p:childTnLst>
                     </p:cTn>
                   </p:par>
+                  <p:par>
+                    <p:cTn id="13" fill="hold">
+                      <p:stCondLst>
+                        <p:cond delay="indefinite"/>
+                      </p:stCondLst>
+                      <p:childTnLst>
+                        <p:par>
+                          <p:cTn id="14" fill="hold">
+                            <p:stCondLst>
+                              <p:cond delay="0"/>
+                            </p:stCondLst>
+                            <p:childTnLst>
+                              <p:par>
+                                <p:cTn id="15" presetID="10" presetClass="entr" presetSubtype="0" fill="hold" grpId="0" nodeType="clickEffect">
+                                  <p:stCondLst>
+                                    <p:cond delay="0"/>
+                                  </p:stCondLst>
+                                  <p:childTnLst>
+                                    <p:set>
+                                      <p:cBhvr>
+                                        <p:cTn id="16" dur="1" fill="hold">
+                                          <p:stCondLst>
+                                            <p:cond delay="0"/>
+                                          </p:stCondLst>
+                                        </p:cTn>
+                                        <p:tgtEl>
+                                          <p:spTgt spid="4"/>
+                                        </p:tgtEl>
+                                        <p:attrNameLst>
+                                          <p:attrName>style.visibility</p:attrName>
+                                        </p:attrNameLst>
+                                      </p:cBhvr>
+                                      <p:to>
+                                        <p:strVal val="visible"/>
+                                      </p:to>
+                                    </p:set>
+                                    <p:animEffect transition="in" filter="fade">
+                                      <p:cBhvr>
+                                        <p:cTn id="17" dur="500"/>
+                                        <p:tgtEl>
+                                          <p:spTgt spid="4"/>
+                                        </p:tgtEl>
+                                      </p:cBhvr>
+                                    </p:animEffect>
+                                  </p:childTnLst>
+                                </p:cTn>
+                              </p:par>
+                            </p:childTnLst>
+                          </p:cTn>
+                        </p:par>
+                      </p:childTnLst>
+                    </p:cTn>
+                  </p:par>
                 </p:childTnLst>
               </p:cTn>
               <p:prevCondLst>
@@ -6355,11 +10752,14 @@
         </p:cTn>
       </p:par>
     </p:tnLst>
+    <p:bldLst>
+      <p:bldP spid="4" grpId="0" animBg="1"/>
+    </p:bldLst>
   </p:timing>
 </p:sld>
 </file>
 
-<file path=ppt/slides/slide15.xml><?xml version="1.0" encoding="utf-8"?>
+<file path=ppt/slides/slide19.xml><?xml version="1.0" encoding="utf-8"?>
 <p:sld xmlns:a="http://schemas.openxmlformats.org/drawingml/2006/main" xmlns:r="http://schemas.openxmlformats.org/officeDocument/2006/relationships" xmlns:p="http://schemas.openxmlformats.org/presentationml/2006/main" showMasterPhAnim="0" show="0">
   <p:cSld>
     <p:spTree>
@@ -6398,7 +10798,7 @@
           <a:graphicData uri="http://schemas.openxmlformats.org/presentationml/2006/ole">
             <mc:AlternateContent xmlns:mc="http://schemas.openxmlformats.org/markup-compatibility/2006">
               <mc:Choice xmlns:v="urn:schemas-microsoft-com:vml" Requires="v">
-                <p:oleObj spid="_x0000_s144502" name="Equation" r:id="rId5" imgW="1397000" imgH="292100" progId="Equation.DSMT4">
+                <p:oleObj spid="_x0000_s144513" name="Equation" r:id="rId5" imgW="1397000" imgH="292100" progId="Equation.DSMT4">
                   <p:embed/>
                 </p:oleObj>
               </mc:Choice>
@@ -6694,7 +11094,7 @@
           <a:graphicData uri="http://schemas.openxmlformats.org/presentationml/2006/ole">
             <mc:AlternateContent xmlns:mc="http://schemas.openxmlformats.org/markup-compatibility/2006">
               <mc:Choice xmlns:v="urn:schemas-microsoft-com:vml" Requires="v">
-                <p:oleObj spid="_x0000_s144503" name="Equation" r:id="rId7" imgW="1524000" imgH="495300" progId="Equation.DSMT4">
+                <p:oleObj spid="_x0000_s144514" name="Equation" r:id="rId7" imgW="1524000" imgH="495300" progId="Equation.DSMT4">
                   <p:embed/>
                 </p:oleObj>
               </mc:Choice>
@@ -6742,9 +11142,9 @@
           </a:graphicData>
         </a:graphic>
       </p:graphicFrame>
-      <p:sp>
+      <p:sp useBgFill="1">
         <p:nvSpPr>
-          <p:cNvPr id="11" name="Rectangle 3"/>
+          <p:cNvPr id="8" name="Rectangle 3"/>
           <p:cNvSpPr txBox="1">
             <a:spLocks noChangeArrowheads="1"/>
           </p:cNvSpPr>
@@ -6752,13 +11152,12 @@
         </p:nvSpPr>
         <p:spPr bwMode="auto">
           <a:xfrm>
-            <a:off x="2255520" y="175260"/>
-            <a:ext cx="4655820" cy="990600"/>
+            <a:off x="977900" y="165100"/>
+            <a:ext cx="6616700" cy="949960"/>
           </a:xfrm>
           <a:prstGeom prst="rect">
             <a:avLst/>
           </a:prstGeom>
-          <a:noFill/>
           <a:ln w="9525">
             <a:noFill/>
             <a:miter lim="800000"/>
@@ -6792,7 +11191,7 @@
               <a:defRPr/>
             </a:pPr>
             <a:r>
-              <a:rPr kumimoji="0" lang="en-US" sz="4400" b="1" i="0" u="none" strike="noStrike" kern="0" cap="none" spc="0" normalizeH="0" baseline="0" noProof="0" smtClean="0">
+              <a:rPr kumimoji="0" lang="en-US" sz="4400" b="1" i="0" u="none" strike="noStrike" kern="0" cap="none" spc="0" normalizeH="0" baseline="0" noProof="0" dirty="0" smtClean="0">
                 <a:ln>
                   <a:noFill/>
                 </a:ln>
@@ -6806,9 +11205,26 @@
                 <a:ea typeface="+mj-ea"/>
                 <a:cs typeface="+mj-cs"/>
               </a:rPr>
-              <a:t>Repeated Trials</a:t>
-            </a:r>
-            <a:endParaRPr kumimoji="0" lang="en-US" sz="4400" b="1" i="1" u="none" strike="noStrike" kern="0" cap="none" spc="0" normalizeH="0" baseline="0" noProof="0" dirty="0">
+              <a:t>     Repeated Trials</a:t>
+            </a:r>
+            <a:r>
+              <a:rPr kumimoji="0" lang="en-US" sz="4400" b="1" u="none" strike="noStrike" kern="0" cap="none" spc="0" normalizeH="0" baseline="0" noProof="0" dirty="0" smtClean="0">
+                <a:ln>
+                  <a:noFill/>
+                </a:ln>
+                <a:solidFill>
+                  <a:schemeClr val="tx2"/>
+                </a:solidFill>
+                <a:effectLst/>
+                <a:uLnTx/>
+                <a:uFillTx/>
+                <a:latin typeface="+mj-lt"/>
+                <a:ea typeface="+mj-ea"/>
+                <a:cs typeface="+mj-cs"/>
+              </a:rPr>
+              <a:t>        </a:t>
+            </a:r>
+            <a:endParaRPr kumimoji="0" lang="en-US" sz="4400" b="1" u="none" strike="noStrike" kern="0" cap="none" spc="0" normalizeH="0" baseline="0" noProof="0" dirty="0">
               <a:ln>
                 <a:noFill/>
               </a:ln>
@@ -7085,7 +11501,346 @@
 </p:sld>
 </file>
 
-<file path=ppt/slides/slide16.xml><?xml version="1.0" encoding="utf-8"?>
+<file path=ppt/slides/slide2.xml><?xml version="1.0" encoding="utf-8"?>
+<p:sld xmlns:a="http://schemas.openxmlformats.org/drawingml/2006/main" xmlns:r="http://schemas.openxmlformats.org/officeDocument/2006/relationships" xmlns:p="http://schemas.openxmlformats.org/presentationml/2006/main">
+  <p:cSld>
+    <p:spTree>
+      <p:nvGrpSpPr>
+        <p:cNvPr id="1" name=""/>
+        <p:cNvGrpSpPr/>
+        <p:nvPr/>
+      </p:nvGrpSpPr>
+      <p:grpSpPr>
+        <a:xfrm>
+          <a:off x="0" y="0"/>
+          <a:ext cx="0" cy="0"/>
+          <a:chOff x="0" y="0"/>
+          <a:chExt cx="0" cy="0"/>
+        </a:xfrm>
+      </p:grpSpPr>
+      <p:sp>
+        <p:nvSpPr>
+          <p:cNvPr id="2" name="TextBox 1"/>
+          <p:cNvSpPr txBox="1"/>
+          <p:nvPr/>
+        </p:nvSpPr>
+        <p:spPr>
+          <a:xfrm>
+            <a:off x="1193800" y="177800"/>
+            <a:ext cx="6875500" cy="830997"/>
+          </a:xfrm>
+          <a:prstGeom prst="rect">
+            <a:avLst/>
+          </a:prstGeom>
+          <a:noFill/>
+        </p:spPr>
+        <p:txBody>
+          <a:bodyPr wrap="none" rtlCol="0">
+            <a:spAutoFit/>
+          </a:bodyPr>
+          <a:lstStyle/>
+          <a:p>
+            <a:r>
+              <a:rPr lang="en-US" sz="4800" b="1" dirty="0" smtClean="0">
+                <a:latin typeface="Comic Sans MS"/>
+                <a:cs typeface="Comic Sans MS"/>
+              </a:rPr>
+              <a:t>What the mean means</a:t>
+            </a:r>
+          </a:p>
+        </p:txBody>
+      </p:sp>
+      <p:sp>
+        <p:nvSpPr>
+          <p:cNvPr id="3" name="TextBox 2"/>
+          <p:cNvSpPr txBox="1"/>
+          <p:nvPr/>
+        </p:nvSpPr>
+        <p:spPr>
+          <a:xfrm>
+            <a:off x="736600" y="1041400"/>
+            <a:ext cx="7696200" cy="3046988"/>
+          </a:xfrm>
+          <a:prstGeom prst="rect">
+            <a:avLst/>
+          </a:prstGeom>
+          <a:noFill/>
+        </p:spPr>
+        <p:txBody>
+          <a:bodyPr wrap="square" rtlCol="0">
+            <a:spAutoFit/>
+          </a:bodyPr>
+          <a:lstStyle/>
+          <a:p>
+            <a:r>
+              <a:rPr lang="en-US" sz="4800" dirty="0" smtClean="0">
+                <a:latin typeface="Comic Sans MS"/>
+                <a:cs typeface="Comic Sans MS"/>
+              </a:rPr>
+              <a:t>The mean value of a fair die roll is </a:t>
+            </a:r>
+            <a:r>
+              <a:rPr lang="en-US" sz="4800" dirty="0" smtClean="0">
+                <a:solidFill>
+                  <a:schemeClr val="accent1">
+                    <a:lumMod val="50000"/>
+                  </a:schemeClr>
+                </a:solidFill>
+                <a:latin typeface="Comic Sans MS"/>
+                <a:cs typeface="Comic Sans MS"/>
+              </a:rPr>
+              <a:t>3.5</a:t>
+            </a:r>
+            <a:r>
+              <a:rPr lang="en-US" sz="4800" dirty="0" smtClean="0">
+                <a:latin typeface="Comic Sans MS"/>
+                <a:cs typeface="Comic Sans MS"/>
+              </a:rPr>
+              <a:t>, but we will </a:t>
+            </a:r>
+            <a:r>
+              <a:rPr lang="en-US" sz="4800" dirty="0" smtClean="0">
+                <a:solidFill>
+                  <a:srgbClr val="FF0000"/>
+                </a:solidFill>
+                <a:latin typeface="Comic Sans MS"/>
+                <a:cs typeface="Comic Sans MS"/>
+              </a:rPr>
+              <a:t>never roll</a:t>
+            </a:r>
+            <a:r>
+              <a:rPr lang="en-US" sz="4800" dirty="0" smtClean="0">
+                <a:latin typeface="Comic Sans MS"/>
+                <a:cs typeface="Comic Sans MS"/>
+              </a:rPr>
+              <a:t> </a:t>
+            </a:r>
+            <a:r>
+              <a:rPr lang="en-US" sz="4800" dirty="0" smtClean="0">
+                <a:solidFill>
+                  <a:srgbClr val="0000E5"/>
+                </a:solidFill>
+                <a:latin typeface="Comic Sans MS"/>
+                <a:cs typeface="Comic Sans MS"/>
+              </a:rPr>
+              <a:t>3.5</a:t>
+            </a:r>
+            <a:r>
+              <a:rPr lang="en-US" sz="4800" dirty="0" smtClean="0">
+                <a:latin typeface="Comic Sans MS"/>
+                <a:cs typeface="Comic Sans MS"/>
+              </a:rPr>
+              <a:t>.  So why do we care what the mean is?</a:t>
+            </a:r>
+          </a:p>
+        </p:txBody>
+      </p:sp>
+      <p:sp>
+        <p:nvSpPr>
+          <p:cNvPr id="4" name="TextBox 3"/>
+          <p:cNvSpPr txBox="1"/>
+          <p:nvPr/>
+        </p:nvSpPr>
+        <p:spPr>
+          <a:xfrm>
+            <a:off x="774700" y="4025900"/>
+            <a:ext cx="8152292" cy="2308324"/>
+          </a:xfrm>
+          <a:prstGeom prst="rect">
+            <a:avLst/>
+          </a:prstGeom>
+          <a:noFill/>
+        </p:spPr>
+        <p:txBody>
+          <a:bodyPr wrap="none" rtlCol="0">
+            <a:spAutoFit/>
+          </a:bodyPr>
+          <a:lstStyle/>
+          <a:p>
+            <a:r>
+              <a:rPr lang="en-US" sz="4800" dirty="0" smtClean="0">
+                <a:solidFill>
+                  <a:srgbClr val="A7097A"/>
+                </a:solidFill>
+                <a:latin typeface="Comic Sans MS"/>
+                <a:cs typeface="Comic Sans MS"/>
+              </a:rPr>
+              <a:t>We believe that after </a:t>
+            </a:r>
+            <a:r>
+              <a:rPr lang="en-US" sz="4800" dirty="0" smtClean="0">
+                <a:solidFill>
+                  <a:srgbClr val="008000"/>
+                </a:solidFill>
+                <a:latin typeface="Comic Sans MS"/>
+                <a:cs typeface="Comic Sans MS"/>
+              </a:rPr>
+              <a:t>many</a:t>
+            </a:r>
+          </a:p>
+          <a:p>
+            <a:r>
+              <a:rPr lang="en-US" sz="4800" dirty="0" smtClean="0">
+                <a:solidFill>
+                  <a:srgbClr val="A7097A"/>
+                </a:solidFill>
+                <a:latin typeface="Comic Sans MS"/>
+                <a:cs typeface="Comic Sans MS"/>
+              </a:rPr>
+              <a:t>rolls, the average roll will </a:t>
+            </a:r>
+          </a:p>
+          <a:p>
+            <a:r>
+              <a:rPr lang="en-US" sz="4800" dirty="0" smtClean="0">
+                <a:solidFill>
+                  <a:srgbClr val="A7097A"/>
+                </a:solidFill>
+                <a:latin typeface="Comic Sans MS"/>
+                <a:cs typeface="Comic Sans MS"/>
+              </a:rPr>
+              <a:t>be </a:t>
+            </a:r>
+            <a:r>
+              <a:rPr lang="en-US" sz="4800" dirty="0" smtClean="0">
+                <a:solidFill>
+                  <a:srgbClr val="008000"/>
+                </a:solidFill>
+                <a:latin typeface="Comic Sans MS"/>
+                <a:cs typeface="Comic Sans MS"/>
+              </a:rPr>
+              <a:t>near</a:t>
+            </a:r>
+            <a:r>
+              <a:rPr lang="en-US" sz="4800" dirty="0" smtClean="0">
+                <a:latin typeface="Comic Sans MS"/>
+                <a:cs typeface="Comic Sans MS"/>
+              </a:rPr>
+              <a:t> </a:t>
+            </a:r>
+            <a:r>
+              <a:rPr lang="en-US" sz="4800" dirty="0" smtClean="0">
+                <a:solidFill>
+                  <a:srgbClr val="0033CC"/>
+                </a:solidFill>
+                <a:latin typeface="Comic Sans MS"/>
+                <a:cs typeface="Comic Sans MS"/>
+              </a:rPr>
+              <a:t>3.5</a:t>
+            </a:r>
+            <a:r>
+              <a:rPr lang="en-US" sz="4800" dirty="0" smtClean="0">
+                <a:latin typeface="Comic Sans MS"/>
+                <a:cs typeface="Comic Sans MS"/>
+              </a:rPr>
+              <a:t>.</a:t>
+            </a:r>
+          </a:p>
+        </p:txBody>
+      </p:sp>
+    </p:spTree>
+    <p:extLst>
+      <p:ext uri="{BB962C8B-B14F-4D97-AF65-F5344CB8AC3E}">
+        <p14:creationId xmlns:p14="http://schemas.microsoft.com/office/powerpoint/2010/main" val="1727848221"/>
+      </p:ext>
+    </p:extLst>
+  </p:cSld>
+  <p:clrMapOvr>
+    <a:masterClrMapping/>
+  </p:clrMapOvr>
+  <p:transition xmlns:p14="http://schemas.microsoft.com/office/powerpoint/2010/main" spd="slow" advClick="0">
+    <p:fade thruBlk="1"/>
+  </p:transition>
+  <p:timing>
+    <p:tnLst>
+      <p:par>
+        <p:cTn xmlns:p14="http://schemas.microsoft.com/office/powerpoint/2010/main" id="1" dur="indefinite" restart="never" nodeType="tmRoot">
+          <p:childTnLst>
+            <p:seq concurrent="1" nextAc="seek">
+              <p:cTn id="2" dur="indefinite" nodeType="mainSeq">
+                <p:childTnLst>
+                  <p:par>
+                    <p:cTn id="3" fill="hold">
+                      <p:stCondLst>
+                        <p:cond delay="indefinite"/>
+                      </p:stCondLst>
+                      <p:childTnLst>
+                        <p:par>
+                          <p:cTn id="4" fill="hold">
+                            <p:stCondLst>
+                              <p:cond delay="0"/>
+                            </p:stCondLst>
+                            <p:childTnLst>
+                              <p:par>
+                                <p:cTn id="5" presetID="10" presetClass="entr" presetSubtype="0" fill="hold" grpId="0" nodeType="clickEffect">
+                                  <p:stCondLst>
+                                    <p:cond delay="0"/>
+                                  </p:stCondLst>
+                                  <p:childTnLst>
+                                    <p:set>
+                                      <p:cBhvr>
+                                        <p:cTn id="6" dur="1" fill="hold">
+                                          <p:stCondLst>
+                                            <p:cond delay="0"/>
+                                          </p:stCondLst>
+                                        </p:cTn>
+                                        <p:tgtEl>
+                                          <p:spTgt spid="4"/>
+                                        </p:tgtEl>
+                                        <p:attrNameLst>
+                                          <p:attrName>style.visibility</p:attrName>
+                                        </p:attrNameLst>
+                                      </p:cBhvr>
+                                      <p:to>
+                                        <p:strVal val="visible"/>
+                                      </p:to>
+                                    </p:set>
+                                    <p:animEffect transition="in" filter="fade">
+                                      <p:cBhvr>
+                                        <p:cTn id="7" dur="500"/>
+                                        <p:tgtEl>
+                                          <p:spTgt spid="4"/>
+                                        </p:tgtEl>
+                                      </p:cBhvr>
+                                    </p:animEffect>
+                                  </p:childTnLst>
+                                </p:cTn>
+                              </p:par>
+                            </p:childTnLst>
+                          </p:cTn>
+                        </p:par>
+                      </p:childTnLst>
+                    </p:cTn>
+                  </p:par>
+                </p:childTnLst>
+              </p:cTn>
+              <p:prevCondLst>
+                <p:cond evt="onPrev" delay="0">
+                  <p:tgtEl>
+                    <p:sldTgt/>
+                  </p:tgtEl>
+                </p:cond>
+              </p:prevCondLst>
+              <p:nextCondLst>
+                <p:cond evt="onNext" delay="0">
+                  <p:tgtEl>
+                    <p:sldTgt/>
+                  </p:tgtEl>
+                </p:cond>
+              </p:nextCondLst>
+            </p:seq>
+          </p:childTnLst>
+        </p:cTn>
+      </p:par>
+    </p:tnLst>
+    <p:bldLst>
+      <p:bldP spid="4" grpId="0"/>
+    </p:bldLst>
+  </p:timing>
+</p:sld>
+</file>
+
+<file path=ppt/slides/slide20.xml><?xml version="1.0" encoding="utf-8"?>
 <p:sld xmlns:a="http://schemas.openxmlformats.org/drawingml/2006/main" xmlns:r="http://schemas.openxmlformats.org/officeDocument/2006/relationships" xmlns:p="http://schemas.openxmlformats.org/presentationml/2006/main" showMasterPhAnim="0">
   <p:cSld>
     <p:spTree>
@@ -7312,7 +12067,7 @@
           <a:graphicData uri="http://schemas.openxmlformats.org/presentationml/2006/ole">
             <mc:AlternateContent xmlns:mc="http://schemas.openxmlformats.org/markup-compatibility/2006">
               <mc:Choice xmlns:v="urn:schemas-microsoft-com:vml" Requires="v">
-                <p:oleObj spid="_x0000_s332805" name="Equation" r:id="rId5" imgW="1524000" imgH="495300" progId="Equation.DSMT4">
+                <p:oleObj spid="_x0000_s332811" name="Equation" r:id="rId5" imgW="1524000" imgH="495300" progId="Equation.DSMT4">
                   <p:embed/>
                 </p:oleObj>
               </mc:Choice>
@@ -7360,9 +12115,9 @@
           </a:graphicData>
         </a:graphic>
       </p:graphicFrame>
-      <p:sp>
+      <p:sp useBgFill="1">
         <p:nvSpPr>
-          <p:cNvPr id="11" name="Rectangle 3"/>
+          <p:cNvPr id="6" name="Rectangle 3"/>
           <p:cNvSpPr txBox="1">
             <a:spLocks noChangeArrowheads="1"/>
           </p:cNvSpPr>
@@ -7370,13 +12125,12 @@
         </p:nvSpPr>
         <p:spPr bwMode="auto">
           <a:xfrm>
-            <a:off x="2255520" y="175260"/>
-            <a:ext cx="4655820" cy="990600"/>
+            <a:off x="977900" y="165100"/>
+            <a:ext cx="6616700" cy="949960"/>
           </a:xfrm>
           <a:prstGeom prst="rect">
             <a:avLst/>
           </a:prstGeom>
-          <a:noFill/>
           <a:ln w="9525">
             <a:noFill/>
             <a:miter lim="800000"/>
@@ -7410,7 +12164,7 @@
               <a:defRPr/>
             </a:pPr>
             <a:r>
-              <a:rPr kumimoji="0" lang="en-US" sz="4400" b="1" i="0" u="none" strike="noStrike" kern="0" cap="none" spc="0" normalizeH="0" baseline="0" noProof="0" smtClean="0">
+              <a:rPr kumimoji="0" lang="en-US" sz="4400" b="1" i="0" u="none" strike="noStrike" kern="0" cap="none" spc="0" normalizeH="0" baseline="0" noProof="0" dirty="0" smtClean="0">
                 <a:ln>
                   <a:noFill/>
                 </a:ln>
@@ -7424,9 +12178,26 @@
                 <a:ea typeface="+mj-ea"/>
                 <a:cs typeface="+mj-cs"/>
               </a:rPr>
-              <a:t>Repeated Trials</a:t>
-            </a:r>
-            <a:endParaRPr kumimoji="0" lang="en-US" sz="4400" b="1" i="1" u="none" strike="noStrike" kern="0" cap="none" spc="0" normalizeH="0" baseline="0" noProof="0" dirty="0">
+              <a:t>     Repeated Trials</a:t>
+            </a:r>
+            <a:r>
+              <a:rPr kumimoji="0" lang="en-US" sz="4400" b="1" u="none" strike="noStrike" kern="0" cap="none" spc="0" normalizeH="0" baseline="0" noProof="0" dirty="0" smtClean="0">
+                <a:ln>
+                  <a:noFill/>
+                </a:ln>
+                <a:solidFill>
+                  <a:schemeClr val="tx2"/>
+                </a:solidFill>
+                <a:effectLst/>
+                <a:uLnTx/>
+                <a:uFillTx/>
+                <a:latin typeface="+mj-lt"/>
+                <a:ea typeface="+mj-ea"/>
+                <a:cs typeface="+mj-cs"/>
+              </a:rPr>
+              <a:t>        </a:t>
+            </a:r>
+            <a:endParaRPr kumimoji="0" lang="en-US" sz="4400" b="1" u="none" strike="noStrike" kern="0" cap="none" spc="0" normalizeH="0" baseline="0" noProof="0" dirty="0">
               <a:ln>
                 <a:noFill/>
               </a:ln>
@@ -7610,7 +12381,7 @@
 </p:sld>
 </file>
 
-<file path=ppt/slides/slide17.xml><?xml version="1.0" encoding="utf-8"?>
+<file path=ppt/slides/slide21.xml><?xml version="1.0" encoding="utf-8"?>
 <p:sld xmlns:a="http://schemas.openxmlformats.org/drawingml/2006/main" xmlns:r="http://schemas.openxmlformats.org/officeDocument/2006/relationships" xmlns:p="http://schemas.openxmlformats.org/presentationml/2006/main" showMasterPhAnim="0">
   <p:cSld>
     <p:spTree>
@@ -7649,7 +12420,7 @@
           <a:graphicData uri="http://schemas.openxmlformats.org/presentationml/2006/ole">
             <mc:AlternateContent xmlns:mc="http://schemas.openxmlformats.org/markup-compatibility/2006">
               <mc:Choice xmlns:v="urn:schemas-microsoft-com:vml" Requires="v">
-                <p:oleObj spid="_x0000_s187558" name="Equation" r:id="rId4" imgW="1117600" imgH="444500" progId="Equation.DSMT4">
+                <p:oleObj spid="_x0000_s187574" name="Equation" r:id="rId4" imgW="1117600" imgH="444500" progId="Equation.DSMT4">
                   <p:embed/>
                 </p:oleObj>
               </mc:Choice>
@@ -7849,7 +12620,7 @@
           <a:graphicData uri="http://schemas.openxmlformats.org/presentationml/2006/ole">
             <mc:AlternateContent xmlns:mc="http://schemas.openxmlformats.org/markup-compatibility/2006">
               <mc:Choice xmlns:v="urn:schemas-microsoft-com:vml" Requires="v">
-                <p:oleObj spid="_x0000_s187559" name="Equation" r:id="rId6" imgW="1524000" imgH="495300" progId="Equation.DSMT4">
+                <p:oleObj spid="_x0000_s187575" name="Equation" r:id="rId6" imgW="1524000" imgH="495300" progId="Equation.DSMT4">
                   <p:embed/>
                 </p:oleObj>
               </mc:Choice>
@@ -7897,89 +12668,6 @@
           </a:graphicData>
         </a:graphic>
       </p:graphicFrame>
-      <p:sp>
-        <p:nvSpPr>
-          <p:cNvPr id="12" name="Rectangle 3"/>
-          <p:cNvSpPr txBox="1">
-            <a:spLocks noChangeArrowheads="1"/>
-          </p:cNvSpPr>
-          <p:nvPr/>
-        </p:nvSpPr>
-        <p:spPr bwMode="auto">
-          <a:xfrm>
-            <a:off x="2255520" y="175260"/>
-            <a:ext cx="4655820" cy="990600"/>
-          </a:xfrm>
-          <a:prstGeom prst="rect">
-            <a:avLst/>
-          </a:prstGeom>
-          <a:noFill/>
-          <a:ln w="9525">
-            <a:noFill/>
-            <a:miter lim="800000"/>
-            <a:headEnd/>
-            <a:tailEnd/>
-          </a:ln>
-        </p:spPr>
-        <p:txBody>
-          <a:bodyPr vert="horz" wrap="square" lIns="91440" tIns="45720" rIns="91440" bIns="45720" numCol="1" anchor="ctr" anchorCtr="0" compatLnSpc="1">
-            <a:prstTxWarp prst="textNoShape">
-              <a:avLst/>
-            </a:prstTxWarp>
-          </a:bodyPr>
-          <a:lstStyle/>
-          <a:p>
-            <a:pPr marL="0" marR="0" lvl="0" indent="0" algn="ctr" defTabSz="914400" rtl="0" eaLnBrk="1" fontAlgn="base" latinLnBrk="0" hangingPunct="1">
-              <a:lnSpc>
-                <a:spcPct val="100000"/>
-              </a:lnSpc>
-              <a:spcBef>
-                <a:spcPct val="0"/>
-              </a:spcBef>
-              <a:spcAft>
-                <a:spcPct val="0"/>
-              </a:spcAft>
-              <a:buClrTx/>
-              <a:buSzTx/>
-              <a:buFontTx/>
-              <a:buNone/>
-              <a:tabLst/>
-              <a:defRPr/>
-            </a:pPr>
-            <a:r>
-              <a:rPr kumimoji="0" lang="en-US" sz="4400" b="1" i="0" u="none" strike="noStrike" kern="0" cap="none" spc="0" normalizeH="0" baseline="0" noProof="0" smtClean="0">
-                <a:ln>
-                  <a:noFill/>
-                </a:ln>
-                <a:solidFill>
-                  <a:schemeClr val="tx2"/>
-                </a:solidFill>
-                <a:effectLst/>
-                <a:uLnTx/>
-                <a:uFillTx/>
-                <a:latin typeface="Comic Sans MS"/>
-                <a:ea typeface="+mj-ea"/>
-                <a:cs typeface="Comic Sans MS"/>
-              </a:rPr>
-              <a:t>Repeated Trials</a:t>
-            </a:r>
-            <a:endParaRPr kumimoji="0" lang="en-US" sz="4400" b="1" i="1" u="none" strike="noStrike" kern="0" cap="none" spc="0" normalizeH="0" baseline="0" noProof="0" dirty="0">
-              <a:ln>
-                <a:noFill/>
-              </a:ln>
-              <a:solidFill>
-                <a:srgbClr val="0000CC"/>
-              </a:solidFill>
-              <a:effectLst/>
-              <a:uLnTx/>
-              <a:uFillTx/>
-              <a:latin typeface="Comic Sans MS"/>
-              <a:ea typeface="+mj-ea"/>
-              <a:cs typeface="Comic Sans MS"/>
-            </a:endParaRPr>
-          </a:p>
-        </p:txBody>
-      </p:sp>
       <p:graphicFrame>
         <p:nvGraphicFramePr>
           <p:cNvPr id="11" name="Object 10"/>
@@ -8002,7 +12690,7 @@
           <a:graphicData uri="http://schemas.openxmlformats.org/presentationml/2006/ole">
             <mc:AlternateContent xmlns:mc="http://schemas.openxmlformats.org/markup-compatibility/2006">
               <mc:Choice xmlns:v="urn:schemas-microsoft-com:vml" Requires="v">
-                <p:oleObj spid="_x0000_s187560" name="Equation" r:id="rId8" imgW="1397000" imgH="292100" progId="Equation.DSMT4">
+                <p:oleObj spid="_x0000_s187576" name="Equation" r:id="rId8" imgW="1397000" imgH="292100" progId="Equation.DSMT4">
                   <p:embed/>
                 </p:oleObj>
               </mc:Choice>
@@ -8091,6 +12779,105 @@
               </a:rPr>
               <a:t>?</a:t>
             </a:r>
+          </a:p>
+        </p:txBody>
+      </p:sp>
+      <p:sp useBgFill="1">
+        <p:nvSpPr>
+          <p:cNvPr id="10" name="Rectangle 3"/>
+          <p:cNvSpPr txBox="1">
+            <a:spLocks noChangeArrowheads="1"/>
+          </p:cNvSpPr>
+          <p:nvPr/>
+        </p:nvSpPr>
+        <p:spPr bwMode="auto">
+          <a:xfrm>
+            <a:off x="977900" y="165100"/>
+            <a:ext cx="6616700" cy="949960"/>
+          </a:xfrm>
+          <a:prstGeom prst="rect">
+            <a:avLst/>
+          </a:prstGeom>
+          <a:ln w="9525">
+            <a:noFill/>
+            <a:miter lim="800000"/>
+            <a:headEnd/>
+            <a:tailEnd/>
+          </a:ln>
+        </p:spPr>
+        <p:txBody>
+          <a:bodyPr vert="horz" wrap="square" lIns="91440" tIns="45720" rIns="91440" bIns="45720" numCol="1" anchor="ctr" anchorCtr="0" compatLnSpc="1">
+            <a:prstTxWarp prst="textNoShape">
+              <a:avLst/>
+            </a:prstTxWarp>
+          </a:bodyPr>
+          <a:lstStyle/>
+          <a:p>
+            <a:pPr marL="0" marR="0" lvl="0" indent="0" algn="l" defTabSz="914400" rtl="0" eaLnBrk="0" fontAlgn="base" latinLnBrk="0" hangingPunct="0">
+              <a:lnSpc>
+                <a:spcPct val="100000"/>
+              </a:lnSpc>
+              <a:spcBef>
+                <a:spcPct val="0"/>
+              </a:spcBef>
+              <a:spcAft>
+                <a:spcPct val="0"/>
+              </a:spcAft>
+              <a:buClrTx/>
+              <a:buSzTx/>
+              <a:buFontTx/>
+              <a:buNone/>
+              <a:tabLst/>
+              <a:defRPr/>
+            </a:pPr>
+            <a:r>
+              <a:rPr kumimoji="0" lang="en-US" sz="4400" b="1" i="0" u="none" strike="noStrike" kern="0" cap="none" spc="0" normalizeH="0" baseline="0" noProof="0" dirty="0" smtClean="0">
+                <a:ln>
+                  <a:noFill/>
+                </a:ln>
+                <a:solidFill>
+                  <a:schemeClr val="tx2"/>
+                </a:solidFill>
+                <a:effectLst/>
+                <a:uLnTx/>
+                <a:uFillTx/>
+                <a:latin typeface="+mj-lt"/>
+                <a:ea typeface="+mj-ea"/>
+                <a:cs typeface="+mj-cs"/>
+              </a:rPr>
+              <a:t>     Repeated Trials</a:t>
+            </a:r>
+            <a:r>
+              <a:rPr kumimoji="0" lang="en-US" sz="4400" b="1" u="none" strike="noStrike" kern="0" cap="none" spc="0" normalizeH="0" baseline="0" noProof="0" dirty="0" smtClean="0">
+                <a:ln>
+                  <a:noFill/>
+                </a:ln>
+                <a:solidFill>
+                  <a:schemeClr val="tx2"/>
+                </a:solidFill>
+                <a:effectLst/>
+                <a:uLnTx/>
+                <a:uFillTx/>
+                <a:latin typeface="+mj-lt"/>
+                <a:ea typeface="+mj-ea"/>
+                <a:cs typeface="+mj-cs"/>
+              </a:rPr>
+              <a:t>        </a:t>
+            </a:r>
+            <a:endParaRPr kumimoji="0" lang="en-US" sz="4400" b="1" u="none" strike="noStrike" kern="0" cap="none" spc="0" normalizeH="0" baseline="0" noProof="0" dirty="0">
+              <a:ln>
+                <a:noFill/>
+              </a:ln>
+              <a:solidFill>
+                <a:srgbClr val="0000CC"/>
+              </a:solidFill>
+              <a:effectLst/>
+              <a:uLnTx/>
+              <a:uFillTx/>
+              <a:latin typeface="+mj-lt"/>
+              <a:ea typeface="+mj-ea"/>
+              <a:cs typeface="+mj-cs"/>
+            </a:endParaRPr>
           </a:p>
         </p:txBody>
       </p:sp>
@@ -8297,7 +13084,7 @@
 </p:sld>
 </file>
 
-<file path=ppt/slides/slide18.xml><?xml version="1.0" encoding="utf-8"?>
+<file path=ppt/slides/slide22.xml><?xml version="1.0" encoding="utf-8"?>
 <p:sld xmlns:a="http://schemas.openxmlformats.org/drawingml/2006/main" xmlns:r="http://schemas.openxmlformats.org/officeDocument/2006/relationships" xmlns:p="http://schemas.openxmlformats.org/presentationml/2006/main">
   <p:cSld>
     <p:spTree>
@@ -8538,7 +13325,7 @@
 </p:sld>
 </file>
 
-<file path=ppt/slides/slide19.xml><?xml version="1.0" encoding="utf-8"?>
+<file path=ppt/slides/slide23.xml><?xml version="1.0" encoding="utf-8"?>
 <p:sld xmlns:a="http://schemas.openxmlformats.org/drawingml/2006/main" xmlns:r="http://schemas.openxmlformats.org/officeDocument/2006/relationships" xmlns:p="http://schemas.openxmlformats.org/presentationml/2006/main">
   <p:cSld>
     <p:spTree>
@@ -8577,7 +13364,7 @@
           <a:graphicData uri="http://schemas.openxmlformats.org/presentationml/2006/ole">
             <mc:AlternateContent xmlns:mc="http://schemas.openxmlformats.org/markup-compatibility/2006">
               <mc:Choice xmlns:v="urn:schemas-microsoft-com:vml" Requires="v">
-                <p:oleObj spid="_x0000_s169073" name="Equation" r:id="rId5" imgW="1638300" imgH="330200" progId="Equation.DSMT4">
+                <p:oleObj spid="_x0000_s169078" name="Equation" r:id="rId5" imgW="1638300" imgH="330200" progId="Equation.DSMT4">
                   <p:embed/>
                 </p:oleObj>
               </mc:Choice>
@@ -8693,346 +13480,7 @@
 </p:sld>
 </file>
 
-<file path=ppt/slides/slide2.xml><?xml version="1.0" encoding="utf-8"?>
-<p:sld xmlns:a="http://schemas.openxmlformats.org/drawingml/2006/main" xmlns:r="http://schemas.openxmlformats.org/officeDocument/2006/relationships" xmlns:p="http://schemas.openxmlformats.org/presentationml/2006/main">
-  <p:cSld>
-    <p:spTree>
-      <p:nvGrpSpPr>
-        <p:cNvPr id="1" name=""/>
-        <p:cNvGrpSpPr/>
-        <p:nvPr/>
-      </p:nvGrpSpPr>
-      <p:grpSpPr>
-        <a:xfrm>
-          <a:off x="0" y="0"/>
-          <a:ext cx="0" cy="0"/>
-          <a:chOff x="0" y="0"/>
-          <a:chExt cx="0" cy="0"/>
-        </a:xfrm>
-      </p:grpSpPr>
-      <p:sp>
-        <p:nvSpPr>
-          <p:cNvPr id="2" name="TextBox 1"/>
-          <p:cNvSpPr txBox="1"/>
-          <p:nvPr/>
-        </p:nvSpPr>
-        <p:spPr>
-          <a:xfrm>
-            <a:off x="1193800" y="177800"/>
-            <a:ext cx="6875500" cy="830997"/>
-          </a:xfrm>
-          <a:prstGeom prst="rect">
-            <a:avLst/>
-          </a:prstGeom>
-          <a:noFill/>
-        </p:spPr>
-        <p:txBody>
-          <a:bodyPr wrap="none" rtlCol="0">
-            <a:spAutoFit/>
-          </a:bodyPr>
-          <a:lstStyle/>
-          <a:p>
-            <a:r>
-              <a:rPr lang="en-US" sz="4800" b="1" dirty="0" smtClean="0">
-                <a:latin typeface="Comic Sans MS"/>
-                <a:cs typeface="Comic Sans MS"/>
-              </a:rPr>
-              <a:t>What the mean means</a:t>
-            </a:r>
-          </a:p>
-        </p:txBody>
-      </p:sp>
-      <p:sp>
-        <p:nvSpPr>
-          <p:cNvPr id="3" name="TextBox 2"/>
-          <p:cNvSpPr txBox="1"/>
-          <p:nvPr/>
-        </p:nvSpPr>
-        <p:spPr>
-          <a:xfrm>
-            <a:off x="736600" y="1041400"/>
-            <a:ext cx="7696200" cy="3046988"/>
-          </a:xfrm>
-          <a:prstGeom prst="rect">
-            <a:avLst/>
-          </a:prstGeom>
-          <a:noFill/>
-        </p:spPr>
-        <p:txBody>
-          <a:bodyPr wrap="square" rtlCol="0">
-            <a:spAutoFit/>
-          </a:bodyPr>
-          <a:lstStyle/>
-          <a:p>
-            <a:r>
-              <a:rPr lang="en-US" sz="4800" dirty="0" smtClean="0">
-                <a:latin typeface="Comic Sans MS"/>
-                <a:cs typeface="Comic Sans MS"/>
-              </a:rPr>
-              <a:t>The mean value of a fair die roll is </a:t>
-            </a:r>
-            <a:r>
-              <a:rPr lang="en-US" sz="4800" dirty="0" smtClean="0">
-                <a:solidFill>
-                  <a:schemeClr val="accent1">
-                    <a:lumMod val="50000"/>
-                  </a:schemeClr>
-                </a:solidFill>
-                <a:latin typeface="Comic Sans MS"/>
-                <a:cs typeface="Comic Sans MS"/>
-              </a:rPr>
-              <a:t>3.5</a:t>
-            </a:r>
-            <a:r>
-              <a:rPr lang="en-US" sz="4800" dirty="0" smtClean="0">
-                <a:latin typeface="Comic Sans MS"/>
-                <a:cs typeface="Comic Sans MS"/>
-              </a:rPr>
-              <a:t>, but we will </a:t>
-            </a:r>
-            <a:r>
-              <a:rPr lang="en-US" sz="4800" dirty="0" smtClean="0">
-                <a:solidFill>
-                  <a:srgbClr val="FF0000"/>
-                </a:solidFill>
-                <a:latin typeface="Comic Sans MS"/>
-                <a:cs typeface="Comic Sans MS"/>
-              </a:rPr>
-              <a:t>never roll</a:t>
-            </a:r>
-            <a:r>
-              <a:rPr lang="en-US" sz="4800" dirty="0" smtClean="0">
-                <a:latin typeface="Comic Sans MS"/>
-                <a:cs typeface="Comic Sans MS"/>
-              </a:rPr>
-              <a:t> </a:t>
-            </a:r>
-            <a:r>
-              <a:rPr lang="en-US" sz="4800" dirty="0" smtClean="0">
-                <a:solidFill>
-                  <a:srgbClr val="0000E5"/>
-                </a:solidFill>
-                <a:latin typeface="Comic Sans MS"/>
-                <a:cs typeface="Comic Sans MS"/>
-              </a:rPr>
-              <a:t>3.5</a:t>
-            </a:r>
-            <a:r>
-              <a:rPr lang="en-US" sz="4800" dirty="0" smtClean="0">
-                <a:latin typeface="Comic Sans MS"/>
-                <a:cs typeface="Comic Sans MS"/>
-              </a:rPr>
-              <a:t>.  So why do we care what the mean is?</a:t>
-            </a:r>
-          </a:p>
-        </p:txBody>
-      </p:sp>
-      <p:sp>
-        <p:nvSpPr>
-          <p:cNvPr id="4" name="TextBox 3"/>
-          <p:cNvSpPr txBox="1"/>
-          <p:nvPr/>
-        </p:nvSpPr>
-        <p:spPr>
-          <a:xfrm>
-            <a:off x="774700" y="4025900"/>
-            <a:ext cx="8152292" cy="2308324"/>
-          </a:xfrm>
-          <a:prstGeom prst="rect">
-            <a:avLst/>
-          </a:prstGeom>
-          <a:noFill/>
-        </p:spPr>
-        <p:txBody>
-          <a:bodyPr wrap="none" rtlCol="0">
-            <a:spAutoFit/>
-          </a:bodyPr>
-          <a:lstStyle/>
-          <a:p>
-            <a:r>
-              <a:rPr lang="en-US" sz="4800" dirty="0" smtClean="0">
-                <a:solidFill>
-                  <a:srgbClr val="A7097A"/>
-                </a:solidFill>
-                <a:latin typeface="Comic Sans MS"/>
-                <a:cs typeface="Comic Sans MS"/>
-              </a:rPr>
-              <a:t>We believe that after </a:t>
-            </a:r>
-            <a:r>
-              <a:rPr lang="en-US" sz="4800" dirty="0" smtClean="0">
-                <a:solidFill>
-                  <a:srgbClr val="008000"/>
-                </a:solidFill>
-                <a:latin typeface="Comic Sans MS"/>
-                <a:cs typeface="Comic Sans MS"/>
-              </a:rPr>
-              <a:t>many</a:t>
-            </a:r>
-          </a:p>
-          <a:p>
-            <a:r>
-              <a:rPr lang="en-US" sz="4800" dirty="0" smtClean="0">
-                <a:solidFill>
-                  <a:srgbClr val="A7097A"/>
-                </a:solidFill>
-                <a:latin typeface="Comic Sans MS"/>
-                <a:cs typeface="Comic Sans MS"/>
-              </a:rPr>
-              <a:t>rolls, the average roll will </a:t>
-            </a:r>
-          </a:p>
-          <a:p>
-            <a:r>
-              <a:rPr lang="en-US" sz="4800" dirty="0" smtClean="0">
-                <a:solidFill>
-                  <a:srgbClr val="A7097A"/>
-                </a:solidFill>
-                <a:latin typeface="Comic Sans MS"/>
-                <a:cs typeface="Comic Sans MS"/>
-              </a:rPr>
-              <a:t>be </a:t>
-            </a:r>
-            <a:r>
-              <a:rPr lang="en-US" sz="4800" dirty="0" smtClean="0">
-                <a:solidFill>
-                  <a:srgbClr val="008000"/>
-                </a:solidFill>
-                <a:latin typeface="Comic Sans MS"/>
-                <a:cs typeface="Comic Sans MS"/>
-              </a:rPr>
-              <a:t>near</a:t>
-            </a:r>
-            <a:r>
-              <a:rPr lang="en-US" sz="4800" dirty="0" smtClean="0">
-                <a:latin typeface="Comic Sans MS"/>
-                <a:cs typeface="Comic Sans MS"/>
-              </a:rPr>
-              <a:t> </a:t>
-            </a:r>
-            <a:r>
-              <a:rPr lang="en-US" sz="4800" dirty="0" smtClean="0">
-                <a:solidFill>
-                  <a:srgbClr val="0033CC"/>
-                </a:solidFill>
-                <a:latin typeface="Comic Sans MS"/>
-                <a:cs typeface="Comic Sans MS"/>
-              </a:rPr>
-              <a:t>3.5</a:t>
-            </a:r>
-            <a:r>
-              <a:rPr lang="en-US" sz="4800" dirty="0" smtClean="0">
-                <a:latin typeface="Comic Sans MS"/>
-                <a:cs typeface="Comic Sans MS"/>
-              </a:rPr>
-              <a:t>.</a:t>
-            </a:r>
-          </a:p>
-        </p:txBody>
-      </p:sp>
-    </p:spTree>
-    <p:extLst>
-      <p:ext uri="{BB962C8B-B14F-4D97-AF65-F5344CB8AC3E}">
-        <p14:creationId xmlns:p14="http://schemas.microsoft.com/office/powerpoint/2010/main" val="1727848221"/>
-      </p:ext>
-    </p:extLst>
-  </p:cSld>
-  <p:clrMapOvr>
-    <a:masterClrMapping/>
-  </p:clrMapOvr>
-  <p:transition xmlns:p14="http://schemas.microsoft.com/office/powerpoint/2010/main" spd="slow" advClick="0">
-    <p:fade thruBlk="1"/>
-  </p:transition>
-  <p:timing>
-    <p:tnLst>
-      <p:par>
-        <p:cTn xmlns:p14="http://schemas.microsoft.com/office/powerpoint/2010/main" id="1" dur="indefinite" restart="never" nodeType="tmRoot">
-          <p:childTnLst>
-            <p:seq concurrent="1" nextAc="seek">
-              <p:cTn id="2" dur="indefinite" nodeType="mainSeq">
-                <p:childTnLst>
-                  <p:par>
-                    <p:cTn id="3" fill="hold">
-                      <p:stCondLst>
-                        <p:cond delay="indefinite"/>
-                      </p:stCondLst>
-                      <p:childTnLst>
-                        <p:par>
-                          <p:cTn id="4" fill="hold">
-                            <p:stCondLst>
-                              <p:cond delay="0"/>
-                            </p:stCondLst>
-                            <p:childTnLst>
-                              <p:par>
-                                <p:cTn id="5" presetID="10" presetClass="entr" presetSubtype="0" fill="hold" grpId="0" nodeType="clickEffect">
-                                  <p:stCondLst>
-                                    <p:cond delay="0"/>
-                                  </p:stCondLst>
-                                  <p:childTnLst>
-                                    <p:set>
-                                      <p:cBhvr>
-                                        <p:cTn id="6" dur="1" fill="hold">
-                                          <p:stCondLst>
-                                            <p:cond delay="0"/>
-                                          </p:stCondLst>
-                                        </p:cTn>
-                                        <p:tgtEl>
-                                          <p:spTgt spid="4"/>
-                                        </p:tgtEl>
-                                        <p:attrNameLst>
-                                          <p:attrName>style.visibility</p:attrName>
-                                        </p:attrNameLst>
-                                      </p:cBhvr>
-                                      <p:to>
-                                        <p:strVal val="visible"/>
-                                      </p:to>
-                                    </p:set>
-                                    <p:animEffect transition="in" filter="fade">
-                                      <p:cBhvr>
-                                        <p:cTn id="7" dur="500"/>
-                                        <p:tgtEl>
-                                          <p:spTgt spid="4"/>
-                                        </p:tgtEl>
-                                      </p:cBhvr>
-                                    </p:animEffect>
-                                  </p:childTnLst>
-                                </p:cTn>
-                              </p:par>
-                            </p:childTnLst>
-                          </p:cTn>
-                        </p:par>
-                      </p:childTnLst>
-                    </p:cTn>
-                  </p:par>
-                </p:childTnLst>
-              </p:cTn>
-              <p:prevCondLst>
-                <p:cond evt="onPrev" delay="0">
-                  <p:tgtEl>
-                    <p:sldTgt/>
-                  </p:tgtEl>
-                </p:cond>
-              </p:prevCondLst>
-              <p:nextCondLst>
-                <p:cond evt="onNext" delay="0">
-                  <p:tgtEl>
-                    <p:sldTgt/>
-                  </p:tgtEl>
-                </p:cond>
-              </p:nextCondLst>
-            </p:seq>
-          </p:childTnLst>
-        </p:cTn>
-      </p:par>
-    </p:tnLst>
-    <p:bldLst>
-      <p:bldP spid="4" grpId="0"/>
-    </p:bldLst>
-  </p:timing>
-</p:sld>
-</file>
-
-<file path=ppt/slides/slide20.xml><?xml version="1.0" encoding="utf-8"?>
+<file path=ppt/slides/slide24.xml><?xml version="1.0" encoding="utf-8"?>
 <p:sld xmlns:a="http://schemas.openxmlformats.org/drawingml/2006/main" xmlns:r="http://schemas.openxmlformats.org/officeDocument/2006/relationships" xmlns:p="http://schemas.openxmlformats.org/presentationml/2006/main">
   <p:cSld>
     <p:spTree>
@@ -9071,7 +13519,7 @@
           <a:graphicData uri="http://schemas.openxmlformats.org/presentationml/2006/ole">
             <mc:AlternateContent xmlns:mc="http://schemas.openxmlformats.org/markup-compatibility/2006">
               <mc:Choice xmlns:v="urn:schemas-microsoft-com:vml" Requires="v">
-                <p:oleObj spid="_x0000_s333828" name="Equation" r:id="rId5" imgW="1638300" imgH="330200" progId="Equation.DSMT4">
+                <p:oleObj spid="_x0000_s333833" name="Equation" r:id="rId5" imgW="1638300" imgH="330200" progId="Equation.DSMT4">
                   <p:embed/>
                 </p:oleObj>
               </mc:Choice>
@@ -9745,7 +14193,7 @@
 </p:sld>
 </file>
 
-<file path=ppt/slides/slide21.xml><?xml version="1.0" encoding="utf-8"?>
+<file path=ppt/slides/slide25.xml><?xml version="1.0" encoding="utf-8"?>
 <p:sld xmlns:a="http://schemas.openxmlformats.org/drawingml/2006/main" xmlns:r="http://schemas.openxmlformats.org/officeDocument/2006/relationships" xmlns:p="http://schemas.openxmlformats.org/presentationml/2006/main">
   <p:cSld>
     <p:spTree>
@@ -9935,7 +14383,7 @@
           <a:graphicData uri="http://schemas.openxmlformats.org/presentationml/2006/ole">
             <mc:AlternateContent xmlns:mc="http://schemas.openxmlformats.org/markup-compatibility/2006">
               <mc:Choice xmlns:v="urn:schemas-microsoft-com:vml" Requires="v">
-                <p:oleObj spid="_x0000_s185422" name="Equation" r:id="rId4" imgW="1651000" imgH="330200" progId="Equation.DSMT4">
+                <p:oleObj spid="_x0000_s185427" name="Equation" r:id="rId4" imgW="1651000" imgH="330200" progId="Equation.DSMT4">
                   <p:embed/>
                 </p:oleObj>
               </mc:Choice>
@@ -10120,21 +14568,7 @@
                 <a:latin typeface="Comic Sans MS"/>
                 <a:cs typeface="Comic Sans MS"/>
               </a:rPr>
-              <a:t>What </a:t>
-            </a:r>
-            <a:r>
-              <a:rPr lang="en-US" sz="4800" b="1" dirty="0" smtClean="0">
-                <a:latin typeface="Comic Sans MS"/>
-                <a:cs typeface="Comic Sans MS"/>
-              </a:rPr>
-              <a:t>probability </a:t>
-            </a:r>
-            <a:r>
-              <a:rPr lang="en-US" sz="4800" b="1" dirty="0" smtClean="0">
-                <a:latin typeface="Comic Sans MS"/>
-                <a:cs typeface="Comic Sans MS"/>
-              </a:rPr>
-              <a:t>means</a:t>
+              <a:t>What probability means</a:t>
             </a:r>
           </a:p>
         </p:txBody>
@@ -10191,7 +14625,17 @@
                 <a:latin typeface="Comic Sans MS"/>
                 <a:cs typeface="Comic Sans MS"/>
               </a:rPr>
-              <a:t>rolls, the </a:t>
+              <a:t>rolls, the fraction of </a:t>
+            </a:r>
+            <a:r>
+              <a:rPr lang="en-US" sz="4800" dirty="0" smtClean="0">
+                <a:solidFill>
+                  <a:srgbClr val="0033CC"/>
+                </a:solidFill>
+                <a:latin typeface="Comic Sans MS"/>
+                <a:cs typeface="Comic Sans MS"/>
+              </a:rPr>
+              <a:t>6</a:t>
             </a:r>
             <a:r>
               <a:rPr lang="en-US" sz="4800" dirty="0" smtClean="0">
@@ -10201,7 +14645,36 @@
                 <a:latin typeface="Comic Sans MS"/>
                 <a:cs typeface="Comic Sans MS"/>
               </a:rPr>
-              <a:t>fraction of </a:t>
+              <a:t>’s</a:t>
+            </a:r>
+          </a:p>
+          <a:p>
+            <a:r>
+              <a:rPr lang="en-US" sz="4800" dirty="0" smtClean="0">
+                <a:solidFill>
+                  <a:srgbClr val="A7097A"/>
+                </a:solidFill>
+                <a:latin typeface="Comic Sans MS"/>
+                <a:cs typeface="Comic Sans MS"/>
+              </a:rPr>
+              <a:t>will be </a:t>
+            </a:r>
+            <a:r>
+              <a:rPr lang="en-US" sz="4800" dirty="0" smtClean="0">
+                <a:solidFill>
+                  <a:srgbClr val="008000"/>
+                </a:solidFill>
+                <a:latin typeface="Comic Sans MS"/>
+                <a:cs typeface="Comic Sans MS"/>
+              </a:rPr>
+              <a:t>near</a:t>
+            </a:r>
+            <a:r>
+              <a:rPr lang="en-US" sz="4800" dirty="0" smtClean="0">
+                <a:latin typeface="Comic Sans MS"/>
+                <a:cs typeface="Comic Sans MS"/>
+              </a:rPr>
+              <a:t> </a:t>
             </a:r>
             <a:r>
               <a:rPr lang="en-US" sz="4800" dirty="0" smtClean="0">
@@ -10211,68 +14684,15 @@
                 <a:latin typeface="Comic Sans MS"/>
                 <a:cs typeface="Comic Sans MS"/>
               </a:rPr>
-              <a:t>6</a:t>
-            </a:r>
-            <a:r>
-              <a:rPr lang="en-US" sz="4800" dirty="0" smtClean="0">
-                <a:solidFill>
-                  <a:srgbClr val="A7097A"/>
-                </a:solidFill>
-                <a:latin typeface="Comic Sans MS"/>
-                <a:cs typeface="Comic Sans MS"/>
-              </a:rPr>
-              <a:t>’s</a:t>
-            </a:r>
-          </a:p>
-          <a:p>
-            <a:r>
-              <a:rPr lang="en-US" sz="4800" dirty="0" smtClean="0">
-                <a:solidFill>
-                  <a:srgbClr val="A7097A"/>
-                </a:solidFill>
-                <a:latin typeface="Comic Sans MS"/>
-                <a:cs typeface="Comic Sans MS"/>
-              </a:rPr>
-              <a:t>will be </a:t>
-            </a:r>
-            <a:r>
-              <a:rPr lang="en-US" sz="4800" dirty="0" smtClean="0">
-                <a:solidFill>
-                  <a:srgbClr val="008000"/>
-                </a:solidFill>
-                <a:latin typeface="Comic Sans MS"/>
-                <a:cs typeface="Comic Sans MS"/>
-              </a:rPr>
-              <a:t>near</a:t>
+              <a:t>1/6</a:t>
             </a:r>
             <a:r>
               <a:rPr lang="en-US" sz="4800" dirty="0" smtClean="0">
                 <a:latin typeface="Comic Sans MS"/>
                 <a:cs typeface="Comic Sans MS"/>
               </a:rPr>
-              <a:t> </a:t>
-            </a:r>
-            <a:r>
-              <a:rPr lang="en-US" sz="4800" dirty="0" smtClean="0">
-                <a:solidFill>
-                  <a:srgbClr val="0033CC"/>
-                </a:solidFill>
-                <a:latin typeface="Comic Sans MS"/>
-                <a:cs typeface="Comic Sans MS"/>
-              </a:rPr>
-              <a:t>1/6</a:t>
-            </a:r>
-            <a:r>
-              <a:rPr lang="en-US" sz="4800" dirty="0" smtClean="0">
-                <a:latin typeface="Comic Sans MS"/>
-                <a:cs typeface="Comic Sans MS"/>
-              </a:rPr>
               <a:t>.</a:t>
             </a:r>
-            <a:endParaRPr lang="en-US" sz="4800" dirty="0" smtClean="0">
-              <a:latin typeface="Comic Sans MS"/>
-              <a:cs typeface="Comic Sans MS"/>
-            </a:endParaRPr>
           </a:p>
         </p:txBody>
       </p:sp>
@@ -10298,12 +14718,12 @@
           <a:graphicData uri="http://schemas.openxmlformats.org/presentationml/2006/ole">
             <mc:AlternateContent xmlns:mc="http://schemas.openxmlformats.org/markup-compatibility/2006">
               <mc:Choice xmlns:v="urn:schemas-microsoft-com:vml" Requires="v">
-                <p:oleObj spid="_x0000_s337922" name="Equation" r:id="rId3" imgW="901700" imgH="469900" progId="Equation.DSMT4">
+                <p:oleObj spid="_x0000_s337927" name="Equation" r:id="rId4" imgW="901700" imgH="469900" progId="Equation.DSMT4">
                   <p:embed/>
                 </p:oleObj>
               </mc:Choice>
               <mc:Fallback>
-                <p:oleObj name="Equation" r:id="rId3" imgW="901700" imgH="469900" progId="Equation.DSMT4">
+                <p:oleObj name="Equation" r:id="rId4" imgW="901700" imgH="469900" progId="Equation.DSMT4">
                   <p:embed/>
                   <p:pic>
                     <p:nvPicPr>
@@ -10314,7 +14734,7 @@
                       <p:nvPr/>
                     </p:nvPicPr>
                     <p:blipFill>
-                      <a:blip r:embed="rId4"/>
+                      <a:blip r:embed="rId5"/>
                       <a:srcRect/>
                       <a:stretch>
                         <a:fillRect/>
@@ -10356,13 +14776,13 @@
   <p:clrMapOvr>
     <a:masterClrMapping/>
   </p:clrMapOvr>
-  <mc:AlternateContent xmlns:mc="http://schemas.openxmlformats.org/markup-compatibility/2006">
-    <mc:Choice xmlns:p14="http://schemas.microsoft.com/office/powerpoint/2010/main" Requires="p14">
+  <mc:AlternateContent xmlns:mc="http://schemas.openxmlformats.org/markup-compatibility/2006" xmlns:p14="http://schemas.microsoft.com/office/powerpoint/2010/main">
+    <mc:Choice Requires="p14">
       <p:transition spd="med" p14:dur="700" advClick="0">
         <p:fade/>
       </p:transition>
     </mc:Choice>
-    <mc:Fallback>
+    <mc:Fallback xmlns="">
       <p:transition xmlns:p14="http://schemas.microsoft.com/office/powerpoint/2010/main" spd="med" advClick="0">
         <p:fade/>
       </p:transition>
@@ -10902,7 +15322,7 @@
           <a:graphicData uri="http://schemas.openxmlformats.org/presentationml/2006/ole">
             <mc:AlternateContent xmlns:mc="http://schemas.openxmlformats.org/markup-compatibility/2006">
               <mc:Choice xmlns:v="urn:schemas-microsoft-com:vml" Requires="v">
-                <p:oleObj spid="_x0000_s213124" name="Equation" r:id="rId4" imgW="990600" imgH="228600" progId="Equation.DSMT4">
+                <p:oleObj spid="_x0000_s213137" name="Equation" r:id="rId4" imgW="990600" imgH="228600" progId="Equation.DSMT4">
                   <p:embed/>
                 </p:oleObj>
               </mc:Choice>
@@ -11081,7 +15501,7 @@
           <a:graphicData uri="http://schemas.openxmlformats.org/presentationml/2006/ole">
             <mc:AlternateContent xmlns:mc="http://schemas.openxmlformats.org/markup-compatibility/2006">
               <mc:Choice xmlns:v="urn:schemas-microsoft-com:vml" Requires="v">
-                <p:oleObj spid="_x0000_s213125" name="Equation" r:id="rId7" imgW="901700" imgH="469900" progId="Equation.DSMT4">
+                <p:oleObj spid="_x0000_s213138" name="Equation" r:id="rId7" imgW="901700" imgH="469900" progId="Equation.DSMT4">
                   <p:embed/>
                 </p:oleObj>
               </mc:Choice>
@@ -11151,7 +15571,7 @@
           <a:graphicData uri="http://schemas.openxmlformats.org/presentationml/2006/ole">
             <mc:AlternateContent xmlns:mc="http://schemas.openxmlformats.org/markup-compatibility/2006">
               <mc:Choice xmlns:v="urn:schemas-microsoft-com:vml" Requires="v">
-                <p:oleObj spid="_x0000_s213126" name="Equation" r:id="rId9" imgW="927100" imgH="469900" progId="Equation.DSMT4">
+                <p:oleObj spid="_x0000_s213139" name="Equation" r:id="rId9" imgW="927100" imgH="469900" progId="Equation.DSMT4">
                   <p:embed/>
                 </p:oleObj>
               </mc:Choice>
@@ -11215,7 +15635,7 @@
                             </p:stCondLst>
                             <p:childTnLst>
                               <p:par>
-                                <p:cTn id="5" presetID="22" presetClass="entr" presetSubtype="8" fill="hold" nodeType="clickEffect">
+                                <p:cTn id="5" presetID="10" presetClass="entr" presetSubtype="0" fill="hold" nodeType="clickEffect">
                                   <p:stCondLst>
                                     <p:cond delay="0"/>
                                   </p:stCondLst>
@@ -11228,7 +15648,7 @@
                                           </p:stCondLst>
                                         </p:cTn>
                                         <p:tgtEl>
-                                          <p:spTgt spid="13"/>
+                                          <p:spTgt spid="213001"/>
                                         </p:tgtEl>
                                         <p:attrNameLst>
                                           <p:attrName>style.visibility</p:attrName>
@@ -11238,11 +15658,11 @@
                                         <p:strVal val="visible"/>
                                       </p:to>
                                     </p:set>
-                                    <p:animEffect transition="in" filter="wipe(left)">
+                                    <p:animEffect transition="in" filter="fade">
                                       <p:cBhvr>
-                                        <p:cTn id="7" dur="1000"/>
+                                        <p:cTn id="7" dur="500"/>
                                         <p:tgtEl>
-                                          <p:spTgt spid="13"/>
+                                          <p:spTgt spid="213001"/>
                                         </p:tgtEl>
                                       </p:cBhvr>
                                     </p:animEffect>
@@ -11281,7 +15701,7 @@
                                           </p:stCondLst>
                                         </p:cTn>
                                         <p:tgtEl>
-                                          <p:spTgt spid="213001"/>
+                                          <p:spTgt spid="2"/>
                                         </p:tgtEl>
                                         <p:attrNameLst>
                                           <p:attrName>style.visibility</p:attrName>
@@ -11294,59 +15714,6 @@
                                     <p:animEffect transition="in" filter="fade">
                                       <p:cBhvr>
                                         <p:cTn id="12" dur="500"/>
-                                        <p:tgtEl>
-                                          <p:spTgt spid="213001"/>
-                                        </p:tgtEl>
-                                      </p:cBhvr>
-                                    </p:animEffect>
-                                  </p:childTnLst>
-                                </p:cTn>
-                              </p:par>
-                            </p:childTnLst>
-                          </p:cTn>
-                        </p:par>
-                      </p:childTnLst>
-                    </p:cTn>
-                  </p:par>
-                  <p:par>
-                    <p:cTn id="13" fill="hold">
-                      <p:stCondLst>
-                        <p:cond delay="indefinite"/>
-                      </p:stCondLst>
-                      <p:childTnLst>
-                        <p:par>
-                          <p:cTn id="14" fill="hold">
-                            <p:stCondLst>
-                              <p:cond delay="0"/>
-                            </p:stCondLst>
-                            <p:childTnLst>
-                              <p:par>
-                                <p:cTn id="15" presetID="10" presetClass="entr" presetSubtype="0" fill="hold" nodeType="clickEffect">
-                                  <p:stCondLst>
-                                    <p:cond delay="0"/>
-                                  </p:stCondLst>
-                                  <p:childTnLst>
-                                    <p:set>
-                                      <p:cBhvr>
-                                        <p:cTn id="16" dur="1" fill="hold">
-                                          <p:stCondLst>
-                                            <p:cond delay="0"/>
-                                          </p:stCondLst>
-                                        </p:cTn>
-                                        <p:tgtEl>
-                                          <p:spTgt spid="2"/>
-                                        </p:tgtEl>
-                                        <p:attrNameLst>
-                                          <p:attrName>style.visibility</p:attrName>
-                                        </p:attrNameLst>
-                                      </p:cBhvr>
-                                      <p:to>
-                                        <p:strVal val="visible"/>
-                                      </p:to>
-                                    </p:set>
-                                    <p:animEffect transition="in" filter="fade">
-                                      <p:cBhvr>
-                                        <p:cTn id="17" dur="500"/>
                                         <p:tgtEl>
                                           <p:spTgt spid="2"/>
                                         </p:tgtEl>
@@ -11587,7 +15954,7 @@
           <a:graphicData uri="http://schemas.openxmlformats.org/presentationml/2006/ole">
             <mc:AlternateContent xmlns:mc="http://schemas.openxmlformats.org/markup-compatibility/2006">
               <mc:Choice xmlns:v="urn:schemas-microsoft-com:vml" Requires="v">
-                <p:oleObj spid="_x0000_s1036" name="Equation" r:id="rId5" imgW="927100" imgH="469900" progId="Equation.DSMT4">
+                <p:oleObj spid="_x0000_s1045" name="Equation" r:id="rId5" imgW="927100" imgH="469900" progId="Equation.DSMT4">
                   <p:embed/>
                 </p:oleObj>
               </mc:Choice>
@@ -11644,7 +16011,7 @@
           <a:graphicData uri="http://schemas.openxmlformats.org/presentationml/2006/ole">
             <mc:AlternateContent xmlns:mc="http://schemas.openxmlformats.org/markup-compatibility/2006">
               <mc:Choice xmlns:v="urn:schemas-microsoft-com:vml" Requires="v">
-                <p:oleObj spid="_x0000_s1037" name="Equation" r:id="rId7" imgW="1079500" imgH="469900" progId="Equation.DSMT4">
+                <p:oleObj spid="_x0000_s1046" name="Equation" r:id="rId7" imgW="1079500" imgH="469900" progId="Equation.DSMT4">
                   <p:embed/>
                 </p:oleObj>
               </mc:Choice>
@@ -12056,7 +16423,7 @@
           <a:graphicData uri="http://schemas.openxmlformats.org/presentationml/2006/ole">
             <mc:AlternateContent xmlns:mc="http://schemas.openxmlformats.org/markup-compatibility/2006">
               <mc:Choice xmlns:v="urn:schemas-microsoft-com:vml" Requires="v">
-                <p:oleObj spid="_x0000_s323662" name="Equation" r:id="rId5" imgW="927100" imgH="469900" progId="Equation.DSMT4">
+                <p:oleObj spid="_x0000_s323671" name="Equation" r:id="rId5" imgW="927100" imgH="469900" progId="Equation.DSMT4">
                   <p:embed/>
                 </p:oleObj>
               </mc:Choice>
@@ -12113,7 +16480,7 @@
           <a:graphicData uri="http://schemas.openxmlformats.org/presentationml/2006/ole">
             <mc:AlternateContent xmlns:mc="http://schemas.openxmlformats.org/markup-compatibility/2006">
               <mc:Choice xmlns:v="urn:schemas-microsoft-com:vml" Requires="v">
-                <p:oleObj spid="_x0000_s323663" name="Equation" r:id="rId7" imgW="1079500" imgH="469900" progId="Equation.DSMT4">
+                <p:oleObj spid="_x0000_s323672" name="Equation" r:id="rId7" imgW="1079500" imgH="469900" progId="Equation.DSMT4">
                   <p:embed/>
                 </p:oleObj>
               </mc:Choice>
@@ -12293,12 +16660,12 @@
           <a:graphicData uri="http://schemas.openxmlformats.org/presentationml/2006/ole">
             <mc:AlternateContent xmlns:mc="http://schemas.openxmlformats.org/markup-compatibility/2006">
               <mc:Choice xmlns:v="urn:schemas-microsoft-com:vml" Requires="v">
-                <p:oleObj spid="_x0000_s329738" name="Equation" r:id="rId3" imgW="1739900" imgH="228600" progId="Equation.DSMT4">
+                <p:oleObj spid="_x0000_s329747" name="Equation" r:id="rId4" imgW="1739900" imgH="228600" progId="Equation.DSMT4">
                   <p:embed/>
                 </p:oleObj>
               </mc:Choice>
               <mc:Fallback>
-                <p:oleObj name="Equation" r:id="rId3" imgW="1739900" imgH="228600" progId="Equation.DSMT4">
+                <p:oleObj name="Equation" r:id="rId4" imgW="1739900" imgH="228600" progId="Equation.DSMT4">
                   <p:embed/>
                   <p:pic>
                     <p:nvPicPr>
@@ -12309,7 +16676,7 @@
                       <p:nvPr/>
                     </p:nvPicPr>
                     <p:blipFill>
-                      <a:blip r:embed="rId4"/>
+                      <a:blip r:embed="rId5"/>
                       <a:srcRect/>
                       <a:stretch>
                         <a:fillRect/>
@@ -12762,12 +17129,12 @@
           <a:graphicData uri="http://schemas.openxmlformats.org/presentationml/2006/ole">
             <mc:AlternateContent xmlns:mc="http://schemas.openxmlformats.org/markup-compatibility/2006">
               <mc:Choice xmlns:v="urn:schemas-microsoft-com:vml" Requires="v">
-                <p:oleObj spid="_x0000_s329739" name="Equation" r:id="rId5" imgW="444500" imgH="190500" progId="Equation.DSMT4">
+                <p:oleObj spid="_x0000_s329748" name="Equation" r:id="rId6" imgW="444500" imgH="190500" progId="Equation.DSMT4">
                   <p:embed/>
                 </p:oleObj>
               </mc:Choice>
               <mc:Fallback>
-                <p:oleObj name="Equation" r:id="rId5" imgW="444500" imgH="190500" progId="Equation.DSMT4">
+                <p:oleObj name="Equation" r:id="rId6" imgW="444500" imgH="190500" progId="Equation.DSMT4">
                   <p:embed/>
                   <p:pic>
                     <p:nvPicPr>
@@ -12776,7 +17143,7 @@
                       <p:nvPr/>
                     </p:nvPicPr>
                     <p:blipFill>
-                      <a:blip r:embed="rId6"/>
+                      <a:blip r:embed="rId7"/>
                       <a:stretch>
                         <a:fillRect/>
                       </a:stretch>
@@ -13725,12 +18092,12 @@
             <a:graphicData uri="http://schemas.openxmlformats.org/presentationml/2006/ole">
               <mc:AlternateContent xmlns:mc="http://schemas.openxmlformats.org/markup-compatibility/2006">
                 <mc:Choice xmlns:v="urn:schemas-microsoft-com:vml" Requires="v">
-                  <p:oleObj spid="_x0000_s330766" name="Equation" r:id="rId3" imgW="444500" imgH="190500" progId="Equation.DSMT4">
+                  <p:oleObj spid="_x0000_s330779" name="Equation" r:id="rId4" imgW="444500" imgH="190500" progId="Equation.DSMT4">
                     <p:embed/>
                   </p:oleObj>
                 </mc:Choice>
                 <mc:Fallback>
-                  <p:oleObj name="Equation" r:id="rId3" imgW="444500" imgH="190500" progId="Equation.DSMT4">
+                  <p:oleObj name="Equation" r:id="rId4" imgW="444500" imgH="190500" progId="Equation.DSMT4">
                     <p:embed/>
                     <p:pic>
                       <p:nvPicPr>
@@ -13739,7 +18106,7 @@
                         <p:nvPr/>
                       </p:nvPicPr>
                       <p:blipFill>
-                        <a:blip r:embed="rId4"/>
+                        <a:blip r:embed="rId5"/>
                         <a:stretch>
                           <a:fillRect/>
                         </a:stretch>
@@ -13782,12 +18149,12 @@
             <a:graphicData uri="http://schemas.openxmlformats.org/presentationml/2006/ole">
               <mc:AlternateContent xmlns:mc="http://schemas.openxmlformats.org/markup-compatibility/2006">
                 <mc:Choice xmlns:v="urn:schemas-microsoft-com:vml" Requires="v">
-                  <p:oleObj spid="_x0000_s330767" name="Equation" r:id="rId5" imgW="381000" imgH="190500" progId="Equation.DSMT4">
+                  <p:oleObj spid="_x0000_s330780" name="Equation" r:id="rId6" imgW="381000" imgH="190500" progId="Equation.DSMT4">
                     <p:embed/>
                   </p:oleObj>
                 </mc:Choice>
                 <mc:Fallback>
-                  <p:oleObj name="Equation" r:id="rId5" imgW="381000" imgH="190500" progId="Equation.DSMT4">
+                  <p:oleObj name="Equation" r:id="rId6" imgW="381000" imgH="190500" progId="Equation.DSMT4">
                     <p:embed/>
                     <p:pic>
                       <p:nvPicPr>
@@ -13796,7 +18163,7 @@
                         <p:nvPr/>
                       </p:nvPicPr>
                       <p:blipFill>
-                        <a:blip r:embed="rId6"/>
+                        <a:blip r:embed="rId7"/>
                         <a:stretch>
                           <a:fillRect/>
                         </a:stretch>
@@ -14033,12 +18400,12 @@
           <a:graphicData uri="http://schemas.openxmlformats.org/presentationml/2006/ole">
             <mc:AlternateContent xmlns:mc="http://schemas.openxmlformats.org/markup-compatibility/2006">
               <mc:Choice xmlns:v="urn:schemas-microsoft-com:vml" Requires="v">
-                <p:oleObj spid="_x0000_s330768" name="Equation" r:id="rId7" imgW="1739900" imgH="228600" progId="Equation.DSMT4">
+                <p:oleObj spid="_x0000_s330781" name="Equation" r:id="rId8" imgW="1739900" imgH="228600" progId="Equation.DSMT4">
                   <p:embed/>
                 </p:oleObj>
               </mc:Choice>
               <mc:Fallback>
-                <p:oleObj name="Equation" r:id="rId7" imgW="1739900" imgH="228600" progId="Equation.DSMT4">
+                <p:oleObj name="Equation" r:id="rId8" imgW="1739900" imgH="228600" progId="Equation.DSMT4">
                   <p:embed/>
                   <p:pic>
                     <p:nvPicPr>
@@ -14049,7 +18416,7 @@
                       <p:nvPr/>
                     </p:nvPicPr>
                     <p:blipFill>
-                      <a:blip r:embed="rId8"/>
+                      <a:blip r:embed="rId9"/>
                       <a:srcRect/>
                       <a:stretch>
                         <a:fillRect/>

--- a/spring13/slides13/law-of-large-numbers.pptx
+++ b/spring13/slides13/law-of-large-numbers.pptx
@@ -6255,7 +6255,7 @@
             <a:graphicData uri="http://schemas.openxmlformats.org/presentationml/2006/ole">
               <mc:AlternateContent xmlns:mc="http://schemas.openxmlformats.org/markup-compatibility/2006">
                 <mc:Choice xmlns:v="urn:schemas-microsoft-com:vml" Requires="v">
-                  <p:oleObj spid="_x0000_s349194" name="Equation" r:id="rId4" imgW="444500" imgH="190500" progId="Equation.DSMT4">
+                  <p:oleObj spid="_x0000_s349198" name="Equation" r:id="rId4" imgW="444500" imgH="190500" progId="Equation.DSMT4">
                     <p:embed/>
                   </p:oleObj>
                 </mc:Choice>
@@ -6312,7 +6312,7 @@
             <a:graphicData uri="http://schemas.openxmlformats.org/presentationml/2006/ole">
               <mc:AlternateContent xmlns:mc="http://schemas.openxmlformats.org/markup-compatibility/2006">
                 <mc:Choice xmlns:v="urn:schemas-microsoft-com:vml" Requires="v">
-                  <p:oleObj spid="_x0000_s349195" name="Equation" r:id="rId6" imgW="381000" imgH="190500" progId="Equation.DSMT4">
+                  <p:oleObj spid="_x0000_s349199" name="Equation" r:id="rId6" imgW="381000" imgH="190500" progId="Equation.DSMT4">
                     <p:embed/>
                   </p:oleObj>
                 </mc:Choice>
@@ -6563,7 +6563,7 @@
           <a:graphicData uri="http://schemas.openxmlformats.org/presentationml/2006/ole">
             <mc:AlternateContent xmlns:mc="http://schemas.openxmlformats.org/markup-compatibility/2006">
               <mc:Choice xmlns:v="urn:schemas-microsoft-com:vml" Requires="v">
-                <p:oleObj spid="_x0000_s349196" name="Equation" r:id="rId8" imgW="1739900" imgH="228600" progId="Equation.DSMT4">
+                <p:oleObj spid="_x0000_s349200" name="Equation" r:id="rId8" imgW="1739900" imgH="228600" progId="Equation.DSMT4">
                   <p:embed/>
                 </p:oleObj>
               </mc:Choice>
@@ -6621,13 +6621,13 @@
   <p:clrMapOvr>
     <a:masterClrMapping/>
   </p:clrMapOvr>
-  <mc:AlternateContent xmlns:mc="http://schemas.openxmlformats.org/markup-compatibility/2006">
-    <mc:Choice xmlns:p14="http://schemas.microsoft.com/office/powerpoint/2010/main" Requires="p14">
+  <mc:AlternateContent xmlns:mc="http://schemas.openxmlformats.org/markup-compatibility/2006" xmlns:p14="http://schemas.microsoft.com/office/powerpoint/2010/main">
+    <mc:Choice Requires="p14">
       <p:transition spd="med" p14:dur="600" advClick="0">
         <p:fade/>
       </p:transition>
     </mc:Choice>
-    <mc:Fallback>
+    <mc:Fallback xmlns="">
       <p:transition xmlns:p14="http://schemas.microsoft.com/office/powerpoint/2010/main" spd="med" advClick="0">
         <p:fade/>
       </p:transition>
@@ -7134,7 +7134,7 @@
             <a:graphicData uri="http://schemas.openxmlformats.org/presentationml/2006/ole">
               <mc:AlternateContent xmlns:mc="http://schemas.openxmlformats.org/markup-compatibility/2006">
                 <mc:Choice xmlns:v="urn:schemas-microsoft-com:vml" Requires="v">
-                  <p:oleObj spid="_x0000_s351242" name="Equation" r:id="rId4" imgW="444500" imgH="190500" progId="Equation.DSMT4">
+                  <p:oleObj spid="_x0000_s351246" name="Equation" r:id="rId4" imgW="444500" imgH="190500" progId="Equation.DSMT4">
                     <p:embed/>
                   </p:oleObj>
                 </mc:Choice>
@@ -7191,7 +7191,7 @@
             <a:graphicData uri="http://schemas.openxmlformats.org/presentationml/2006/ole">
               <mc:AlternateContent xmlns:mc="http://schemas.openxmlformats.org/markup-compatibility/2006">
                 <mc:Choice xmlns:v="urn:schemas-microsoft-com:vml" Requires="v">
-                  <p:oleObj spid="_x0000_s351243" name="Equation" r:id="rId6" imgW="381000" imgH="190500" progId="Equation.DSMT4">
+                  <p:oleObj spid="_x0000_s351247" name="Equation" r:id="rId6" imgW="381000" imgH="190500" progId="Equation.DSMT4">
                     <p:embed/>
                   </p:oleObj>
                 </mc:Choice>
@@ -7249,7 +7249,7 @@
           <a:graphicData uri="http://schemas.openxmlformats.org/presentationml/2006/ole">
             <mc:AlternateContent xmlns:mc="http://schemas.openxmlformats.org/markup-compatibility/2006">
               <mc:Choice xmlns:v="urn:schemas-microsoft-com:vml" Requires="v">
-                <p:oleObj spid="_x0000_s351244" name="Equation" r:id="rId8" imgW="1739900" imgH="228600" progId="Equation.DSMT4">
+                <p:oleObj spid="_x0000_s351248" name="Equation" r:id="rId8" imgW="1739900" imgH="228600" progId="Equation.DSMT4">
                   <p:embed/>
                 </p:oleObj>
               </mc:Choice>
@@ -7966,7 +7966,7 @@
             <a:graphicData uri="http://schemas.openxmlformats.org/presentationml/2006/ole">
               <mc:AlternateContent xmlns:mc="http://schemas.openxmlformats.org/markup-compatibility/2006">
                 <mc:Choice xmlns:v="urn:schemas-microsoft-com:vml" Requires="v">
-                  <p:oleObj spid="_x0000_s353287" name="Equation" r:id="rId4" imgW="444500" imgH="190500" progId="Equation.DSMT4">
+                  <p:oleObj spid="_x0000_s353291" name="Equation" r:id="rId4" imgW="444500" imgH="190500" progId="Equation.DSMT4">
                     <p:embed/>
                   </p:oleObj>
                 </mc:Choice>
@@ -8023,7 +8023,7 @@
             <a:graphicData uri="http://schemas.openxmlformats.org/presentationml/2006/ole">
               <mc:AlternateContent xmlns:mc="http://schemas.openxmlformats.org/markup-compatibility/2006">
                 <mc:Choice xmlns:v="urn:schemas-microsoft-com:vml" Requires="v">
-                  <p:oleObj spid="_x0000_s353288" name="Equation" r:id="rId6" imgW="381000" imgH="190500" progId="Equation.DSMT4">
+                  <p:oleObj spid="_x0000_s353292" name="Equation" r:id="rId6" imgW="381000" imgH="190500" progId="Equation.DSMT4">
                     <p:embed/>
                   </p:oleObj>
                 </mc:Choice>
@@ -8081,7 +8081,7 @@
           <a:graphicData uri="http://schemas.openxmlformats.org/presentationml/2006/ole">
             <mc:AlternateContent xmlns:mc="http://schemas.openxmlformats.org/markup-compatibility/2006">
               <mc:Choice xmlns:v="urn:schemas-microsoft-com:vml" Requires="v">
-                <p:oleObj spid="_x0000_s353289" name="Equation" r:id="rId8" imgW="1739900" imgH="228600" progId="Equation.DSMT4">
+                <p:oleObj spid="_x0000_s353293" name="Equation" r:id="rId8" imgW="1739900" imgH="228600" progId="Equation.DSMT4">
                   <p:embed/>
                 </p:oleObj>
               </mc:Choice>
@@ -8754,7 +8754,7 @@
             <a:graphicData uri="http://schemas.openxmlformats.org/presentationml/2006/ole">
               <mc:AlternateContent xmlns:mc="http://schemas.openxmlformats.org/markup-compatibility/2006">
                 <mc:Choice xmlns:v="urn:schemas-microsoft-com:vml" Requires="v">
-                  <p:oleObj spid="_x0000_s352263" name="Equation" r:id="rId4" imgW="444500" imgH="190500" progId="Equation.DSMT4">
+                  <p:oleObj spid="_x0000_s352267" name="Equation" r:id="rId4" imgW="444500" imgH="190500" progId="Equation.DSMT4">
                     <p:embed/>
                   </p:oleObj>
                 </mc:Choice>
@@ -8811,7 +8811,7 @@
             <a:graphicData uri="http://schemas.openxmlformats.org/presentationml/2006/ole">
               <mc:AlternateContent xmlns:mc="http://schemas.openxmlformats.org/markup-compatibility/2006">
                 <mc:Choice xmlns:v="urn:schemas-microsoft-com:vml" Requires="v">
-                  <p:oleObj spid="_x0000_s352264" name="Equation" r:id="rId6" imgW="381000" imgH="190500" progId="Equation.DSMT4">
+                  <p:oleObj spid="_x0000_s352268" name="Equation" r:id="rId6" imgW="381000" imgH="190500" progId="Equation.DSMT4">
                     <p:embed/>
                   </p:oleObj>
                 </mc:Choice>
@@ -8869,7 +8869,7 @@
           <a:graphicData uri="http://schemas.openxmlformats.org/presentationml/2006/ole">
             <mc:AlternateContent xmlns:mc="http://schemas.openxmlformats.org/markup-compatibility/2006">
               <mc:Choice xmlns:v="urn:schemas-microsoft-com:vml" Requires="v">
-                <p:oleObj spid="_x0000_s352265" name="Equation" r:id="rId8" imgW="1739900" imgH="228600" progId="Equation.DSMT4">
+                <p:oleObj spid="_x0000_s352269" name="Equation" r:id="rId8" imgW="1739900" imgH="228600" progId="Equation.DSMT4">
                   <p:embed/>
                 </p:oleObj>
               </mc:Choice>
@@ -8963,7 +8963,17 @@
                 <a:latin typeface="Comic Sans MS"/>
                 <a:cs typeface="Comic Sans MS"/>
               </a:rPr>
-              <a:t>425—525</a:t>
+              <a:t>475</a:t>
+            </a:r>
+            <a:r>
+              <a:rPr lang="en-US" sz="4800" dirty="0" smtClean="0">
+                <a:solidFill>
+                  <a:srgbClr val="A7097A"/>
+                </a:solidFill>
+                <a:latin typeface="Comic Sans MS"/>
+                <a:cs typeface="Comic Sans MS"/>
+              </a:rPr>
+              <a:t>—525</a:t>
             </a:r>
           </a:p>
           <a:p>
@@ -9039,13 +9049,13 @@
   <p:clrMapOvr>
     <a:masterClrMapping/>
   </p:clrMapOvr>
-  <mc:AlternateContent xmlns:mc="http://schemas.openxmlformats.org/markup-compatibility/2006">
-    <mc:Choice xmlns:p14="http://schemas.microsoft.com/office/powerpoint/2010/main" Requires="p14">
+  <mc:AlternateContent xmlns:mc="http://schemas.openxmlformats.org/markup-compatibility/2006" xmlns:p14="http://schemas.microsoft.com/office/powerpoint/2010/main">
+    <mc:Choice Requires="p14">
       <p:transition spd="slow" p14:dur="900" advClick="0">
         <p:fade/>
       </p:transition>
     </mc:Choice>
-    <mc:Fallback>
+    <mc:Fallback xmlns="">
       <p:transition xmlns:p14="http://schemas.microsoft.com/office/powerpoint/2010/main" spd="slow" advClick="0">
         <p:fade/>
       </p:transition>
@@ -9756,13 +9766,13 @@
   <p:clrMapOvr>
     <a:masterClrMapping/>
   </p:clrMapOvr>
-  <mc:AlternateContent xmlns:mc="http://schemas.openxmlformats.org/markup-compatibility/2006">
-    <mc:Choice xmlns:p14="http://schemas.microsoft.com/office/powerpoint/2010/main" Requires="p14">
+  <mc:AlternateContent xmlns:mc="http://schemas.openxmlformats.org/markup-compatibility/2006" xmlns:p14="http://schemas.microsoft.com/office/powerpoint/2010/main">
+    <mc:Choice Requires="p14">
       <p:transition spd="slow" p14:dur="1300" advClick="0">
         <p:fade thruBlk="1"/>
       </p:transition>
     </mc:Choice>
-    <mc:Fallback>
+    <mc:Fallback xmlns="">
       <p:transition xmlns:p14="http://schemas.microsoft.com/office/powerpoint/2010/main" spd="slow" advClick="0">
         <p:fade thruBlk="1"/>
       </p:transition>
@@ -10798,7 +10808,7 @@
           <a:graphicData uri="http://schemas.openxmlformats.org/presentationml/2006/ole">
             <mc:AlternateContent xmlns:mc="http://schemas.openxmlformats.org/markup-compatibility/2006">
               <mc:Choice xmlns:v="urn:schemas-microsoft-com:vml" Requires="v">
-                <p:oleObj spid="_x0000_s144513" name="Equation" r:id="rId5" imgW="1397000" imgH="292100" progId="Equation.DSMT4">
+                <p:oleObj spid="_x0000_s144516" name="Equation" r:id="rId5" imgW="1397000" imgH="292100" progId="Equation.DSMT4">
                   <p:embed/>
                 </p:oleObj>
               </mc:Choice>
@@ -11094,7 +11104,7 @@
           <a:graphicData uri="http://schemas.openxmlformats.org/presentationml/2006/ole">
             <mc:AlternateContent xmlns:mc="http://schemas.openxmlformats.org/markup-compatibility/2006">
               <mc:Choice xmlns:v="urn:schemas-microsoft-com:vml" Requires="v">
-                <p:oleObj spid="_x0000_s144514" name="Equation" r:id="rId7" imgW="1524000" imgH="495300" progId="Equation.DSMT4">
+                <p:oleObj spid="_x0000_s144517" name="Equation" r:id="rId7" imgW="1524000" imgH="495300" progId="Equation.DSMT4">
                   <p:embed/>
                 </p:oleObj>
               </mc:Choice>
@@ -12067,7 +12077,7 @@
           <a:graphicData uri="http://schemas.openxmlformats.org/presentationml/2006/ole">
             <mc:AlternateContent xmlns:mc="http://schemas.openxmlformats.org/markup-compatibility/2006">
               <mc:Choice xmlns:v="urn:schemas-microsoft-com:vml" Requires="v">
-                <p:oleObj spid="_x0000_s332811" name="Equation" r:id="rId5" imgW="1524000" imgH="495300" progId="Equation.DSMT4">
+                <p:oleObj spid="_x0000_s332813" name="Equation" r:id="rId5" imgW="1524000" imgH="495300" progId="Equation.DSMT4">
                   <p:embed/>
                 </p:oleObj>
               </mc:Choice>
@@ -12420,7 +12430,7 @@
           <a:graphicData uri="http://schemas.openxmlformats.org/presentationml/2006/ole">
             <mc:AlternateContent xmlns:mc="http://schemas.openxmlformats.org/markup-compatibility/2006">
               <mc:Choice xmlns:v="urn:schemas-microsoft-com:vml" Requires="v">
-                <p:oleObj spid="_x0000_s187574" name="Equation" r:id="rId4" imgW="1117600" imgH="444500" progId="Equation.DSMT4">
+                <p:oleObj spid="_x0000_s187578" name="Equation" r:id="rId4" imgW="1117600" imgH="444500" progId="Equation.DSMT4">
                   <p:embed/>
                 </p:oleObj>
               </mc:Choice>
@@ -12620,7 +12630,7 @@
           <a:graphicData uri="http://schemas.openxmlformats.org/presentationml/2006/ole">
             <mc:AlternateContent xmlns:mc="http://schemas.openxmlformats.org/markup-compatibility/2006">
               <mc:Choice xmlns:v="urn:schemas-microsoft-com:vml" Requires="v">
-                <p:oleObj spid="_x0000_s187575" name="Equation" r:id="rId6" imgW="1524000" imgH="495300" progId="Equation.DSMT4">
+                <p:oleObj spid="_x0000_s187579" name="Equation" r:id="rId6" imgW="1524000" imgH="495300" progId="Equation.DSMT4">
                   <p:embed/>
                 </p:oleObj>
               </mc:Choice>
@@ -12690,7 +12700,7 @@
           <a:graphicData uri="http://schemas.openxmlformats.org/presentationml/2006/ole">
             <mc:AlternateContent xmlns:mc="http://schemas.openxmlformats.org/markup-compatibility/2006">
               <mc:Choice xmlns:v="urn:schemas-microsoft-com:vml" Requires="v">
-                <p:oleObj spid="_x0000_s187576" name="Equation" r:id="rId8" imgW="1397000" imgH="292100" progId="Equation.DSMT4">
+                <p:oleObj spid="_x0000_s187580" name="Equation" r:id="rId8" imgW="1397000" imgH="292100" progId="Equation.DSMT4">
                   <p:embed/>
                 </p:oleObj>
               </mc:Choice>
@@ -13364,7 +13374,7 @@
           <a:graphicData uri="http://schemas.openxmlformats.org/presentationml/2006/ole">
             <mc:AlternateContent xmlns:mc="http://schemas.openxmlformats.org/markup-compatibility/2006">
               <mc:Choice xmlns:v="urn:schemas-microsoft-com:vml" Requires="v">
-                <p:oleObj spid="_x0000_s169078" name="Equation" r:id="rId5" imgW="1638300" imgH="330200" progId="Equation.DSMT4">
+                <p:oleObj spid="_x0000_s169080" name="Equation" r:id="rId5" imgW="1638300" imgH="330200" progId="Equation.DSMT4">
                   <p:embed/>
                 </p:oleObj>
               </mc:Choice>
@@ -13519,7 +13529,7 @@
           <a:graphicData uri="http://schemas.openxmlformats.org/presentationml/2006/ole">
             <mc:AlternateContent xmlns:mc="http://schemas.openxmlformats.org/markup-compatibility/2006">
               <mc:Choice xmlns:v="urn:schemas-microsoft-com:vml" Requires="v">
-                <p:oleObj spid="_x0000_s333833" name="Equation" r:id="rId5" imgW="1638300" imgH="330200" progId="Equation.DSMT4">
+                <p:oleObj spid="_x0000_s333835" name="Equation" r:id="rId5" imgW="1638300" imgH="330200" progId="Equation.DSMT4">
                   <p:embed/>
                 </p:oleObj>
               </mc:Choice>
@@ -14383,7 +14393,7 @@
           <a:graphicData uri="http://schemas.openxmlformats.org/presentationml/2006/ole">
             <mc:AlternateContent xmlns:mc="http://schemas.openxmlformats.org/markup-compatibility/2006">
               <mc:Choice xmlns:v="urn:schemas-microsoft-com:vml" Requires="v">
-                <p:oleObj spid="_x0000_s185427" name="Equation" r:id="rId4" imgW="1651000" imgH="330200" progId="Equation.DSMT4">
+                <p:oleObj spid="_x0000_s185429" name="Equation" r:id="rId4" imgW="1651000" imgH="330200" progId="Equation.DSMT4">
                   <p:embed/>
                 </p:oleObj>
               </mc:Choice>
@@ -14718,7 +14728,7 @@
           <a:graphicData uri="http://schemas.openxmlformats.org/presentationml/2006/ole">
             <mc:AlternateContent xmlns:mc="http://schemas.openxmlformats.org/markup-compatibility/2006">
               <mc:Choice xmlns:v="urn:schemas-microsoft-com:vml" Requires="v">
-                <p:oleObj spid="_x0000_s337927" name="Equation" r:id="rId4" imgW="901700" imgH="469900" progId="Equation.DSMT4">
+                <p:oleObj spid="_x0000_s337929" name="Equation" r:id="rId4" imgW="901700" imgH="469900" progId="Equation.DSMT4">
                   <p:embed/>
                 </p:oleObj>
               </mc:Choice>
@@ -15322,7 +15332,7 @@
           <a:graphicData uri="http://schemas.openxmlformats.org/presentationml/2006/ole">
             <mc:AlternateContent xmlns:mc="http://schemas.openxmlformats.org/markup-compatibility/2006">
               <mc:Choice xmlns:v="urn:schemas-microsoft-com:vml" Requires="v">
-                <p:oleObj spid="_x0000_s213137" name="Equation" r:id="rId4" imgW="990600" imgH="228600" progId="Equation.DSMT4">
+                <p:oleObj spid="_x0000_s213141" name="Equation" r:id="rId4" imgW="990600" imgH="228600" progId="Equation.DSMT4">
                   <p:embed/>
                 </p:oleObj>
               </mc:Choice>
@@ -15501,7 +15511,7 @@
           <a:graphicData uri="http://schemas.openxmlformats.org/presentationml/2006/ole">
             <mc:AlternateContent xmlns:mc="http://schemas.openxmlformats.org/markup-compatibility/2006">
               <mc:Choice xmlns:v="urn:schemas-microsoft-com:vml" Requires="v">
-                <p:oleObj spid="_x0000_s213138" name="Equation" r:id="rId7" imgW="901700" imgH="469900" progId="Equation.DSMT4">
+                <p:oleObj spid="_x0000_s213142" name="Equation" r:id="rId7" imgW="901700" imgH="469900" progId="Equation.DSMT4">
                   <p:embed/>
                 </p:oleObj>
               </mc:Choice>
@@ -15571,7 +15581,7 @@
           <a:graphicData uri="http://schemas.openxmlformats.org/presentationml/2006/ole">
             <mc:AlternateContent xmlns:mc="http://schemas.openxmlformats.org/markup-compatibility/2006">
               <mc:Choice xmlns:v="urn:schemas-microsoft-com:vml" Requires="v">
-                <p:oleObj spid="_x0000_s213139" name="Equation" r:id="rId9" imgW="927100" imgH="469900" progId="Equation.DSMT4">
+                <p:oleObj spid="_x0000_s213143" name="Equation" r:id="rId9" imgW="927100" imgH="469900" progId="Equation.DSMT4">
                   <p:embed/>
                 </p:oleObj>
               </mc:Choice>
@@ -15954,7 +15964,7 @@
           <a:graphicData uri="http://schemas.openxmlformats.org/presentationml/2006/ole">
             <mc:AlternateContent xmlns:mc="http://schemas.openxmlformats.org/markup-compatibility/2006">
               <mc:Choice xmlns:v="urn:schemas-microsoft-com:vml" Requires="v">
-                <p:oleObj spid="_x0000_s1045" name="Equation" r:id="rId5" imgW="927100" imgH="469900" progId="Equation.DSMT4">
+                <p:oleObj spid="_x0000_s1048" name="Equation" r:id="rId5" imgW="927100" imgH="469900" progId="Equation.DSMT4">
                   <p:embed/>
                 </p:oleObj>
               </mc:Choice>
@@ -16011,7 +16021,7 @@
           <a:graphicData uri="http://schemas.openxmlformats.org/presentationml/2006/ole">
             <mc:AlternateContent xmlns:mc="http://schemas.openxmlformats.org/markup-compatibility/2006">
               <mc:Choice xmlns:v="urn:schemas-microsoft-com:vml" Requires="v">
-                <p:oleObj spid="_x0000_s1046" name="Equation" r:id="rId7" imgW="1079500" imgH="469900" progId="Equation.DSMT4">
+                <p:oleObj spid="_x0000_s1049" name="Equation" r:id="rId7" imgW="1079500" imgH="469900" progId="Equation.DSMT4">
                   <p:embed/>
                 </p:oleObj>
               </mc:Choice>
@@ -16423,7 +16433,7 @@
           <a:graphicData uri="http://schemas.openxmlformats.org/presentationml/2006/ole">
             <mc:AlternateContent xmlns:mc="http://schemas.openxmlformats.org/markup-compatibility/2006">
               <mc:Choice xmlns:v="urn:schemas-microsoft-com:vml" Requires="v">
-                <p:oleObj spid="_x0000_s323671" name="Equation" r:id="rId5" imgW="927100" imgH="469900" progId="Equation.DSMT4">
+                <p:oleObj spid="_x0000_s323674" name="Equation" r:id="rId5" imgW="927100" imgH="469900" progId="Equation.DSMT4">
                   <p:embed/>
                 </p:oleObj>
               </mc:Choice>
@@ -16480,7 +16490,7 @@
           <a:graphicData uri="http://schemas.openxmlformats.org/presentationml/2006/ole">
             <mc:AlternateContent xmlns:mc="http://schemas.openxmlformats.org/markup-compatibility/2006">
               <mc:Choice xmlns:v="urn:schemas-microsoft-com:vml" Requires="v">
-                <p:oleObj spid="_x0000_s323672" name="Equation" r:id="rId7" imgW="1079500" imgH="469900" progId="Equation.DSMT4">
+                <p:oleObj spid="_x0000_s323675" name="Equation" r:id="rId7" imgW="1079500" imgH="469900" progId="Equation.DSMT4">
                   <p:embed/>
                 </p:oleObj>
               </mc:Choice>
@@ -16660,7 +16670,7 @@
           <a:graphicData uri="http://schemas.openxmlformats.org/presentationml/2006/ole">
             <mc:AlternateContent xmlns:mc="http://schemas.openxmlformats.org/markup-compatibility/2006">
               <mc:Choice xmlns:v="urn:schemas-microsoft-com:vml" Requires="v">
-                <p:oleObj spid="_x0000_s329747" name="Equation" r:id="rId4" imgW="1739900" imgH="228600" progId="Equation.DSMT4">
+                <p:oleObj spid="_x0000_s329750" name="Equation" r:id="rId4" imgW="1739900" imgH="228600" progId="Equation.DSMT4">
                   <p:embed/>
                 </p:oleObj>
               </mc:Choice>
@@ -17129,7 +17139,7 @@
           <a:graphicData uri="http://schemas.openxmlformats.org/presentationml/2006/ole">
             <mc:AlternateContent xmlns:mc="http://schemas.openxmlformats.org/markup-compatibility/2006">
               <mc:Choice xmlns:v="urn:schemas-microsoft-com:vml" Requires="v">
-                <p:oleObj spid="_x0000_s329748" name="Equation" r:id="rId6" imgW="444500" imgH="190500" progId="Equation.DSMT4">
+                <p:oleObj spid="_x0000_s329751" name="Equation" r:id="rId6" imgW="444500" imgH="190500" progId="Equation.DSMT4">
                   <p:embed/>
                 </p:oleObj>
               </mc:Choice>
@@ -18092,7 +18102,7 @@
             <a:graphicData uri="http://schemas.openxmlformats.org/presentationml/2006/ole">
               <mc:AlternateContent xmlns:mc="http://schemas.openxmlformats.org/markup-compatibility/2006">
                 <mc:Choice xmlns:v="urn:schemas-microsoft-com:vml" Requires="v">
-                  <p:oleObj spid="_x0000_s330779" name="Equation" r:id="rId4" imgW="444500" imgH="190500" progId="Equation.DSMT4">
+                  <p:oleObj spid="_x0000_s330783" name="Equation" r:id="rId4" imgW="444500" imgH="190500" progId="Equation.DSMT4">
                     <p:embed/>
                   </p:oleObj>
                 </mc:Choice>
@@ -18149,7 +18159,7 @@
             <a:graphicData uri="http://schemas.openxmlformats.org/presentationml/2006/ole">
               <mc:AlternateContent xmlns:mc="http://schemas.openxmlformats.org/markup-compatibility/2006">
                 <mc:Choice xmlns:v="urn:schemas-microsoft-com:vml" Requires="v">
-                  <p:oleObj spid="_x0000_s330780" name="Equation" r:id="rId6" imgW="381000" imgH="190500" progId="Equation.DSMT4">
+                  <p:oleObj spid="_x0000_s330784" name="Equation" r:id="rId6" imgW="381000" imgH="190500" progId="Equation.DSMT4">
                     <p:embed/>
                   </p:oleObj>
                 </mc:Choice>
@@ -18400,7 +18410,7 @@
           <a:graphicData uri="http://schemas.openxmlformats.org/presentationml/2006/ole">
             <mc:AlternateContent xmlns:mc="http://schemas.openxmlformats.org/markup-compatibility/2006">
               <mc:Choice xmlns:v="urn:schemas-microsoft-com:vml" Requires="v">
-                <p:oleObj spid="_x0000_s330781" name="Equation" r:id="rId8" imgW="1739900" imgH="228600" progId="Equation.DSMT4">
+                <p:oleObj spid="_x0000_s330785" name="Equation" r:id="rId8" imgW="1739900" imgH="228600" progId="Equation.DSMT4">
                   <p:embed/>
                 </p:oleObj>
               </mc:Choice>

--- a/spring13/slides13/law-of-large-numbers.pptx
+++ b/spring13/slides13/law-of-large-numbers.pptx
@@ -6255,7 +6255,7 @@
             <a:graphicData uri="http://schemas.openxmlformats.org/presentationml/2006/ole">
               <mc:AlternateContent xmlns:mc="http://schemas.openxmlformats.org/markup-compatibility/2006">
                 <mc:Choice xmlns:v="urn:schemas-microsoft-com:vml" Requires="v">
-                  <p:oleObj spid="_x0000_s349198" name="Equation" r:id="rId4" imgW="444500" imgH="190500" progId="Equation.DSMT4">
+                  <p:oleObj spid="_x0000_s349202" name="Equation" r:id="rId4" imgW="444500" imgH="190500" progId="Equation.DSMT4">
                     <p:embed/>
                   </p:oleObj>
                 </mc:Choice>
@@ -6312,7 +6312,7 @@
             <a:graphicData uri="http://schemas.openxmlformats.org/presentationml/2006/ole">
               <mc:AlternateContent xmlns:mc="http://schemas.openxmlformats.org/markup-compatibility/2006">
                 <mc:Choice xmlns:v="urn:schemas-microsoft-com:vml" Requires="v">
-                  <p:oleObj spid="_x0000_s349199" name="Equation" r:id="rId6" imgW="381000" imgH="190500" progId="Equation.DSMT4">
+                  <p:oleObj spid="_x0000_s349203" name="Equation" r:id="rId6" imgW="381000" imgH="190500" progId="Equation.DSMT4">
                     <p:embed/>
                   </p:oleObj>
                 </mc:Choice>
@@ -6563,7 +6563,7 @@
           <a:graphicData uri="http://schemas.openxmlformats.org/presentationml/2006/ole">
             <mc:AlternateContent xmlns:mc="http://schemas.openxmlformats.org/markup-compatibility/2006">
               <mc:Choice xmlns:v="urn:schemas-microsoft-com:vml" Requires="v">
-                <p:oleObj spid="_x0000_s349200" name="Equation" r:id="rId8" imgW="1739900" imgH="228600" progId="Equation.DSMT4">
+                <p:oleObj spid="_x0000_s349204" name="Equation" r:id="rId8" imgW="1739900" imgH="228600" progId="Equation.DSMT4">
                   <p:embed/>
                 </p:oleObj>
               </mc:Choice>
@@ -7134,7 +7134,7 @@
             <a:graphicData uri="http://schemas.openxmlformats.org/presentationml/2006/ole">
               <mc:AlternateContent xmlns:mc="http://schemas.openxmlformats.org/markup-compatibility/2006">
                 <mc:Choice xmlns:v="urn:schemas-microsoft-com:vml" Requires="v">
-                  <p:oleObj spid="_x0000_s351246" name="Equation" r:id="rId4" imgW="444500" imgH="190500" progId="Equation.DSMT4">
+                  <p:oleObj spid="_x0000_s351250" name="Equation" r:id="rId4" imgW="444500" imgH="190500" progId="Equation.DSMT4">
                     <p:embed/>
                   </p:oleObj>
                 </mc:Choice>
@@ -7191,7 +7191,7 @@
             <a:graphicData uri="http://schemas.openxmlformats.org/presentationml/2006/ole">
               <mc:AlternateContent xmlns:mc="http://schemas.openxmlformats.org/markup-compatibility/2006">
                 <mc:Choice xmlns:v="urn:schemas-microsoft-com:vml" Requires="v">
-                  <p:oleObj spid="_x0000_s351247" name="Equation" r:id="rId6" imgW="381000" imgH="190500" progId="Equation.DSMT4">
+                  <p:oleObj spid="_x0000_s351251" name="Equation" r:id="rId6" imgW="381000" imgH="190500" progId="Equation.DSMT4">
                     <p:embed/>
                   </p:oleObj>
                 </mc:Choice>
@@ -7249,7 +7249,7 @@
           <a:graphicData uri="http://schemas.openxmlformats.org/presentationml/2006/ole">
             <mc:AlternateContent xmlns:mc="http://schemas.openxmlformats.org/markup-compatibility/2006">
               <mc:Choice xmlns:v="urn:schemas-microsoft-com:vml" Requires="v">
-                <p:oleObj spid="_x0000_s351248" name="Equation" r:id="rId8" imgW="1739900" imgH="228600" progId="Equation.DSMT4">
+                <p:oleObj spid="_x0000_s351252" name="Equation" r:id="rId8" imgW="1739900" imgH="228600" progId="Equation.DSMT4">
                   <p:embed/>
                 </p:oleObj>
               </mc:Choice>
@@ -7333,8 +7333,19 @@
                 <a:latin typeface="Comic Sans MS"/>
                 <a:cs typeface="Comic Sans MS"/>
               </a:rPr>
-              <a:t>and did not get 450—550</a:t>
-            </a:r>
+              <a:t>and did not get </a:t>
+            </a:r>
+            <a:r>
+              <a:rPr lang="en-US" sz="4800" dirty="0" smtClean="0">
+                <a:latin typeface="Comic Sans MS"/>
+                <a:cs typeface="Comic Sans MS"/>
+              </a:rPr>
+              <a:t>540—660</a:t>
+            </a:r>
+            <a:endParaRPr lang="en-US" sz="4800" dirty="0" smtClean="0">
+              <a:latin typeface="Comic Sans MS"/>
+              <a:cs typeface="Comic Sans MS"/>
+            </a:endParaRPr>
           </a:p>
           <a:p>
             <a:r>
@@ -7966,7 +7977,7 @@
             <a:graphicData uri="http://schemas.openxmlformats.org/presentationml/2006/ole">
               <mc:AlternateContent xmlns:mc="http://schemas.openxmlformats.org/markup-compatibility/2006">
                 <mc:Choice xmlns:v="urn:schemas-microsoft-com:vml" Requires="v">
-                  <p:oleObj spid="_x0000_s353291" name="Equation" r:id="rId4" imgW="444500" imgH="190500" progId="Equation.DSMT4">
+                  <p:oleObj spid="_x0000_s353295" name="Equation" r:id="rId4" imgW="444500" imgH="190500" progId="Equation.DSMT4">
                     <p:embed/>
                   </p:oleObj>
                 </mc:Choice>
@@ -8023,7 +8034,7 @@
             <a:graphicData uri="http://schemas.openxmlformats.org/presentationml/2006/ole">
               <mc:AlternateContent xmlns:mc="http://schemas.openxmlformats.org/markup-compatibility/2006">
                 <mc:Choice xmlns:v="urn:schemas-microsoft-com:vml" Requires="v">
-                  <p:oleObj spid="_x0000_s353292" name="Equation" r:id="rId6" imgW="381000" imgH="190500" progId="Equation.DSMT4">
+                  <p:oleObj spid="_x0000_s353296" name="Equation" r:id="rId6" imgW="381000" imgH="190500" progId="Equation.DSMT4">
                     <p:embed/>
                   </p:oleObj>
                 </mc:Choice>
@@ -8081,7 +8092,7 @@
           <a:graphicData uri="http://schemas.openxmlformats.org/presentationml/2006/ole">
             <mc:AlternateContent xmlns:mc="http://schemas.openxmlformats.org/markup-compatibility/2006">
               <mc:Choice xmlns:v="urn:schemas-microsoft-com:vml" Requires="v">
-                <p:oleObj spid="_x0000_s353293" name="Equation" r:id="rId8" imgW="1739900" imgH="228600" progId="Equation.DSMT4">
+                <p:oleObj spid="_x0000_s353297" name="Equation" r:id="rId8" imgW="1739900" imgH="228600" progId="Equation.DSMT4">
                   <p:embed/>
                 </p:oleObj>
               </mc:Choice>
@@ -8175,8 +8186,15 @@
                 <a:latin typeface="Comic Sans MS"/>
                 <a:cs typeface="Comic Sans MS"/>
               </a:rPr>
-              <a:t>450—550</a:t>
-            </a:r>
+              <a:t>540—660</a:t>
+            </a:r>
+            <a:endParaRPr lang="en-US" sz="4800" dirty="0" smtClean="0">
+              <a:solidFill>
+                <a:srgbClr val="A7097A"/>
+              </a:solidFill>
+              <a:latin typeface="Comic Sans MS"/>
+              <a:cs typeface="Comic Sans MS"/>
+            </a:endParaRPr>
           </a:p>
           <a:p>
             <a:r>
@@ -8754,7 +8772,7 @@
             <a:graphicData uri="http://schemas.openxmlformats.org/presentationml/2006/ole">
               <mc:AlternateContent xmlns:mc="http://schemas.openxmlformats.org/markup-compatibility/2006">
                 <mc:Choice xmlns:v="urn:schemas-microsoft-com:vml" Requires="v">
-                  <p:oleObj spid="_x0000_s352267" name="Equation" r:id="rId4" imgW="444500" imgH="190500" progId="Equation.DSMT4">
+                  <p:oleObj spid="_x0000_s352271" name="Equation" r:id="rId4" imgW="444500" imgH="190500" progId="Equation.DSMT4">
                     <p:embed/>
                   </p:oleObj>
                 </mc:Choice>
@@ -8811,7 +8829,7 @@
             <a:graphicData uri="http://schemas.openxmlformats.org/presentationml/2006/ole">
               <mc:AlternateContent xmlns:mc="http://schemas.openxmlformats.org/markup-compatibility/2006">
                 <mc:Choice xmlns:v="urn:schemas-microsoft-com:vml" Requires="v">
-                  <p:oleObj spid="_x0000_s352268" name="Equation" r:id="rId6" imgW="381000" imgH="190500" progId="Equation.DSMT4">
+                  <p:oleObj spid="_x0000_s352272" name="Equation" r:id="rId6" imgW="381000" imgH="190500" progId="Equation.DSMT4">
                     <p:embed/>
                   </p:oleObj>
                 </mc:Choice>
@@ -8869,7 +8887,7 @@
           <a:graphicData uri="http://schemas.openxmlformats.org/presentationml/2006/ole">
             <mc:AlternateContent xmlns:mc="http://schemas.openxmlformats.org/markup-compatibility/2006">
               <mc:Choice xmlns:v="urn:schemas-microsoft-com:vml" Requires="v">
-                <p:oleObj spid="_x0000_s352269" name="Equation" r:id="rId8" imgW="1739900" imgH="228600" progId="Equation.DSMT4">
+                <p:oleObj spid="_x0000_s352273" name="Equation" r:id="rId8" imgW="1739900" imgH="228600" progId="Equation.DSMT4">
                   <p:embed/>
                 </p:oleObj>
               </mc:Choice>
@@ -8963,7 +8981,17 @@
                 <a:latin typeface="Comic Sans MS"/>
                 <a:cs typeface="Comic Sans MS"/>
               </a:rPr>
-              <a:t>475</a:t>
+              <a:t>575—</a:t>
+            </a:r>
+            <a:r>
+              <a:rPr lang="en-US" sz="4800" dirty="0">
+                <a:solidFill>
+                  <a:srgbClr val="A7097A"/>
+                </a:solidFill>
+                <a:latin typeface="Comic Sans MS"/>
+                <a:cs typeface="Comic Sans MS"/>
+              </a:rPr>
+              <a:t>6</a:t>
             </a:r>
             <a:r>
               <a:rPr lang="en-US" sz="4800" dirty="0" smtClean="0">
@@ -8973,8 +9001,15 @@
                 <a:latin typeface="Comic Sans MS"/>
                 <a:cs typeface="Comic Sans MS"/>
               </a:rPr>
-              <a:t>—525</a:t>
-            </a:r>
+              <a:t>25</a:t>
+            </a:r>
+            <a:endParaRPr lang="en-US" sz="4800" dirty="0" smtClean="0">
+              <a:solidFill>
+                <a:srgbClr val="A7097A"/>
+              </a:solidFill>
+              <a:latin typeface="Comic Sans MS"/>
+              <a:cs typeface="Comic Sans MS"/>
+            </a:endParaRPr>
           </a:p>
           <a:p>
             <a:r>
@@ -10808,7 +10843,7 @@
           <a:graphicData uri="http://schemas.openxmlformats.org/presentationml/2006/ole">
             <mc:AlternateContent xmlns:mc="http://schemas.openxmlformats.org/markup-compatibility/2006">
               <mc:Choice xmlns:v="urn:schemas-microsoft-com:vml" Requires="v">
-                <p:oleObj spid="_x0000_s144516" name="Equation" r:id="rId5" imgW="1397000" imgH="292100" progId="Equation.DSMT4">
+                <p:oleObj spid="_x0000_s144519" name="Equation" r:id="rId5" imgW="1397000" imgH="292100" progId="Equation.DSMT4">
                   <p:embed/>
                 </p:oleObj>
               </mc:Choice>
@@ -11104,7 +11139,7 @@
           <a:graphicData uri="http://schemas.openxmlformats.org/presentationml/2006/ole">
             <mc:AlternateContent xmlns:mc="http://schemas.openxmlformats.org/markup-compatibility/2006">
               <mc:Choice xmlns:v="urn:schemas-microsoft-com:vml" Requires="v">
-                <p:oleObj spid="_x0000_s144517" name="Equation" r:id="rId7" imgW="1524000" imgH="495300" progId="Equation.DSMT4">
+                <p:oleObj spid="_x0000_s144520" name="Equation" r:id="rId7" imgW="1524000" imgH="495300" progId="Equation.DSMT4">
                   <p:embed/>
                 </p:oleObj>
               </mc:Choice>
@@ -12077,7 +12112,7 @@
           <a:graphicData uri="http://schemas.openxmlformats.org/presentationml/2006/ole">
             <mc:AlternateContent xmlns:mc="http://schemas.openxmlformats.org/markup-compatibility/2006">
               <mc:Choice xmlns:v="urn:schemas-microsoft-com:vml" Requires="v">
-                <p:oleObj spid="_x0000_s332813" name="Equation" r:id="rId5" imgW="1524000" imgH="495300" progId="Equation.DSMT4">
+                <p:oleObj spid="_x0000_s332815" name="Equation" r:id="rId5" imgW="1524000" imgH="495300" progId="Equation.DSMT4">
                   <p:embed/>
                 </p:oleObj>
               </mc:Choice>
@@ -12430,7 +12465,7 @@
           <a:graphicData uri="http://schemas.openxmlformats.org/presentationml/2006/ole">
             <mc:AlternateContent xmlns:mc="http://schemas.openxmlformats.org/markup-compatibility/2006">
               <mc:Choice xmlns:v="urn:schemas-microsoft-com:vml" Requires="v">
-                <p:oleObj spid="_x0000_s187578" name="Equation" r:id="rId4" imgW="1117600" imgH="444500" progId="Equation.DSMT4">
+                <p:oleObj spid="_x0000_s187582" name="Equation" r:id="rId4" imgW="1117600" imgH="444500" progId="Equation.DSMT4">
                   <p:embed/>
                 </p:oleObj>
               </mc:Choice>
@@ -12630,7 +12665,7 @@
           <a:graphicData uri="http://schemas.openxmlformats.org/presentationml/2006/ole">
             <mc:AlternateContent xmlns:mc="http://schemas.openxmlformats.org/markup-compatibility/2006">
               <mc:Choice xmlns:v="urn:schemas-microsoft-com:vml" Requires="v">
-                <p:oleObj spid="_x0000_s187579" name="Equation" r:id="rId6" imgW="1524000" imgH="495300" progId="Equation.DSMT4">
+                <p:oleObj spid="_x0000_s187583" name="Equation" r:id="rId6" imgW="1524000" imgH="495300" progId="Equation.DSMT4">
                   <p:embed/>
                 </p:oleObj>
               </mc:Choice>
@@ -12700,7 +12735,7 @@
           <a:graphicData uri="http://schemas.openxmlformats.org/presentationml/2006/ole">
             <mc:AlternateContent xmlns:mc="http://schemas.openxmlformats.org/markup-compatibility/2006">
               <mc:Choice xmlns:v="urn:schemas-microsoft-com:vml" Requires="v">
-                <p:oleObj spid="_x0000_s187580" name="Equation" r:id="rId8" imgW="1397000" imgH="292100" progId="Equation.DSMT4">
+                <p:oleObj spid="_x0000_s187584" name="Equation" r:id="rId8" imgW="1397000" imgH="292100" progId="Equation.DSMT4">
                   <p:embed/>
                 </p:oleObj>
               </mc:Choice>
@@ -13374,7 +13409,7 @@
           <a:graphicData uri="http://schemas.openxmlformats.org/presentationml/2006/ole">
             <mc:AlternateContent xmlns:mc="http://schemas.openxmlformats.org/markup-compatibility/2006">
               <mc:Choice xmlns:v="urn:schemas-microsoft-com:vml" Requires="v">
-                <p:oleObj spid="_x0000_s169080" name="Equation" r:id="rId5" imgW="1638300" imgH="330200" progId="Equation.DSMT4">
+                <p:oleObj spid="_x0000_s169082" name="Equation" r:id="rId5" imgW="1638300" imgH="330200" progId="Equation.DSMT4">
                   <p:embed/>
                 </p:oleObj>
               </mc:Choice>
@@ -13529,7 +13564,7 @@
           <a:graphicData uri="http://schemas.openxmlformats.org/presentationml/2006/ole">
             <mc:AlternateContent xmlns:mc="http://schemas.openxmlformats.org/markup-compatibility/2006">
               <mc:Choice xmlns:v="urn:schemas-microsoft-com:vml" Requires="v">
-                <p:oleObj spid="_x0000_s333835" name="Equation" r:id="rId5" imgW="1638300" imgH="330200" progId="Equation.DSMT4">
+                <p:oleObj spid="_x0000_s333837" name="Equation" r:id="rId5" imgW="1638300" imgH="330200" progId="Equation.DSMT4">
                   <p:embed/>
                 </p:oleObj>
               </mc:Choice>
@@ -14393,7 +14428,7 @@
           <a:graphicData uri="http://schemas.openxmlformats.org/presentationml/2006/ole">
             <mc:AlternateContent xmlns:mc="http://schemas.openxmlformats.org/markup-compatibility/2006">
               <mc:Choice xmlns:v="urn:schemas-microsoft-com:vml" Requires="v">
-                <p:oleObj spid="_x0000_s185429" name="Equation" r:id="rId4" imgW="1651000" imgH="330200" progId="Equation.DSMT4">
+                <p:oleObj spid="_x0000_s185431" name="Equation" r:id="rId4" imgW="1651000" imgH="330200" progId="Equation.DSMT4">
                   <p:embed/>
                 </p:oleObj>
               </mc:Choice>
@@ -14728,7 +14763,7 @@
           <a:graphicData uri="http://schemas.openxmlformats.org/presentationml/2006/ole">
             <mc:AlternateContent xmlns:mc="http://schemas.openxmlformats.org/markup-compatibility/2006">
               <mc:Choice xmlns:v="urn:schemas-microsoft-com:vml" Requires="v">
-                <p:oleObj spid="_x0000_s337929" name="Equation" r:id="rId4" imgW="901700" imgH="469900" progId="Equation.DSMT4">
+                <p:oleObj spid="_x0000_s337931" name="Equation" r:id="rId4" imgW="901700" imgH="469900" progId="Equation.DSMT4">
                   <p:embed/>
                 </p:oleObj>
               </mc:Choice>
@@ -15332,7 +15367,7 @@
           <a:graphicData uri="http://schemas.openxmlformats.org/presentationml/2006/ole">
             <mc:AlternateContent xmlns:mc="http://schemas.openxmlformats.org/markup-compatibility/2006">
               <mc:Choice xmlns:v="urn:schemas-microsoft-com:vml" Requires="v">
-                <p:oleObj spid="_x0000_s213141" name="Equation" r:id="rId4" imgW="990600" imgH="228600" progId="Equation.DSMT4">
+                <p:oleObj spid="_x0000_s213145" name="Equation" r:id="rId4" imgW="990600" imgH="228600" progId="Equation.DSMT4">
                   <p:embed/>
                 </p:oleObj>
               </mc:Choice>
@@ -15511,7 +15546,7 @@
           <a:graphicData uri="http://schemas.openxmlformats.org/presentationml/2006/ole">
             <mc:AlternateContent xmlns:mc="http://schemas.openxmlformats.org/markup-compatibility/2006">
               <mc:Choice xmlns:v="urn:schemas-microsoft-com:vml" Requires="v">
-                <p:oleObj spid="_x0000_s213142" name="Equation" r:id="rId7" imgW="901700" imgH="469900" progId="Equation.DSMT4">
+                <p:oleObj spid="_x0000_s213146" name="Equation" r:id="rId7" imgW="901700" imgH="469900" progId="Equation.DSMT4">
                   <p:embed/>
                 </p:oleObj>
               </mc:Choice>
@@ -15581,7 +15616,7 @@
           <a:graphicData uri="http://schemas.openxmlformats.org/presentationml/2006/ole">
             <mc:AlternateContent xmlns:mc="http://schemas.openxmlformats.org/markup-compatibility/2006">
               <mc:Choice xmlns:v="urn:schemas-microsoft-com:vml" Requires="v">
-                <p:oleObj spid="_x0000_s213143" name="Equation" r:id="rId9" imgW="927100" imgH="469900" progId="Equation.DSMT4">
+                <p:oleObj spid="_x0000_s213147" name="Equation" r:id="rId9" imgW="927100" imgH="469900" progId="Equation.DSMT4">
                   <p:embed/>
                 </p:oleObj>
               </mc:Choice>
@@ -15964,7 +15999,7 @@
           <a:graphicData uri="http://schemas.openxmlformats.org/presentationml/2006/ole">
             <mc:AlternateContent xmlns:mc="http://schemas.openxmlformats.org/markup-compatibility/2006">
               <mc:Choice xmlns:v="urn:schemas-microsoft-com:vml" Requires="v">
-                <p:oleObj spid="_x0000_s1048" name="Equation" r:id="rId5" imgW="927100" imgH="469900" progId="Equation.DSMT4">
+                <p:oleObj spid="_x0000_s1051" name="Equation" r:id="rId5" imgW="927100" imgH="469900" progId="Equation.DSMT4">
                   <p:embed/>
                 </p:oleObj>
               </mc:Choice>
@@ -16021,7 +16056,7 @@
           <a:graphicData uri="http://schemas.openxmlformats.org/presentationml/2006/ole">
             <mc:AlternateContent xmlns:mc="http://schemas.openxmlformats.org/markup-compatibility/2006">
               <mc:Choice xmlns:v="urn:schemas-microsoft-com:vml" Requires="v">
-                <p:oleObj spid="_x0000_s1049" name="Equation" r:id="rId7" imgW="1079500" imgH="469900" progId="Equation.DSMT4">
+                <p:oleObj spid="_x0000_s1052" name="Equation" r:id="rId7" imgW="1079500" imgH="469900" progId="Equation.DSMT4">
                   <p:embed/>
                 </p:oleObj>
               </mc:Choice>
@@ -16433,7 +16468,7 @@
           <a:graphicData uri="http://schemas.openxmlformats.org/presentationml/2006/ole">
             <mc:AlternateContent xmlns:mc="http://schemas.openxmlformats.org/markup-compatibility/2006">
               <mc:Choice xmlns:v="urn:schemas-microsoft-com:vml" Requires="v">
-                <p:oleObj spid="_x0000_s323674" name="Equation" r:id="rId5" imgW="927100" imgH="469900" progId="Equation.DSMT4">
+                <p:oleObj spid="_x0000_s323677" name="Equation" r:id="rId5" imgW="927100" imgH="469900" progId="Equation.DSMT4">
                   <p:embed/>
                 </p:oleObj>
               </mc:Choice>
@@ -16490,7 +16525,7 @@
           <a:graphicData uri="http://schemas.openxmlformats.org/presentationml/2006/ole">
             <mc:AlternateContent xmlns:mc="http://schemas.openxmlformats.org/markup-compatibility/2006">
               <mc:Choice xmlns:v="urn:schemas-microsoft-com:vml" Requires="v">
-                <p:oleObj spid="_x0000_s323675" name="Equation" r:id="rId7" imgW="1079500" imgH="469900" progId="Equation.DSMT4">
+                <p:oleObj spid="_x0000_s323678" name="Equation" r:id="rId7" imgW="1079500" imgH="469900" progId="Equation.DSMT4">
                   <p:embed/>
                 </p:oleObj>
               </mc:Choice>
@@ -16670,7 +16705,7 @@
           <a:graphicData uri="http://schemas.openxmlformats.org/presentationml/2006/ole">
             <mc:AlternateContent xmlns:mc="http://schemas.openxmlformats.org/markup-compatibility/2006">
               <mc:Choice xmlns:v="urn:schemas-microsoft-com:vml" Requires="v">
-                <p:oleObj spid="_x0000_s329750" name="Equation" r:id="rId4" imgW="1739900" imgH="228600" progId="Equation.DSMT4">
+                <p:oleObj spid="_x0000_s329753" name="Equation" r:id="rId4" imgW="1739900" imgH="228600" progId="Equation.DSMT4">
                   <p:embed/>
                 </p:oleObj>
               </mc:Choice>
@@ -17139,7 +17174,7 @@
           <a:graphicData uri="http://schemas.openxmlformats.org/presentationml/2006/ole">
             <mc:AlternateContent xmlns:mc="http://schemas.openxmlformats.org/markup-compatibility/2006">
               <mc:Choice xmlns:v="urn:schemas-microsoft-com:vml" Requires="v">
-                <p:oleObj spid="_x0000_s329751" name="Equation" r:id="rId6" imgW="444500" imgH="190500" progId="Equation.DSMT4">
+                <p:oleObj spid="_x0000_s329754" name="Equation" r:id="rId6" imgW="444500" imgH="190500" progId="Equation.DSMT4">
                   <p:embed/>
                 </p:oleObj>
               </mc:Choice>
@@ -18102,7 +18137,7 @@
             <a:graphicData uri="http://schemas.openxmlformats.org/presentationml/2006/ole">
               <mc:AlternateContent xmlns:mc="http://schemas.openxmlformats.org/markup-compatibility/2006">
                 <mc:Choice xmlns:v="urn:schemas-microsoft-com:vml" Requires="v">
-                  <p:oleObj spid="_x0000_s330783" name="Equation" r:id="rId4" imgW="444500" imgH="190500" progId="Equation.DSMT4">
+                  <p:oleObj spid="_x0000_s330787" name="Equation" r:id="rId4" imgW="444500" imgH="190500" progId="Equation.DSMT4">
                     <p:embed/>
                   </p:oleObj>
                 </mc:Choice>
@@ -18159,7 +18194,7 @@
             <a:graphicData uri="http://schemas.openxmlformats.org/presentationml/2006/ole">
               <mc:AlternateContent xmlns:mc="http://schemas.openxmlformats.org/markup-compatibility/2006">
                 <mc:Choice xmlns:v="urn:schemas-microsoft-com:vml" Requires="v">
-                  <p:oleObj spid="_x0000_s330784" name="Equation" r:id="rId6" imgW="381000" imgH="190500" progId="Equation.DSMT4">
+                  <p:oleObj spid="_x0000_s330788" name="Equation" r:id="rId6" imgW="381000" imgH="190500" progId="Equation.DSMT4">
                     <p:embed/>
                   </p:oleObj>
                 </mc:Choice>
@@ -18410,7 +18445,7 @@
           <a:graphicData uri="http://schemas.openxmlformats.org/presentationml/2006/ole">
             <mc:AlternateContent xmlns:mc="http://schemas.openxmlformats.org/markup-compatibility/2006">
               <mc:Choice xmlns:v="urn:schemas-microsoft-com:vml" Requires="v">
-                <p:oleObj spid="_x0000_s330785" name="Equation" r:id="rId8" imgW="1739900" imgH="228600" progId="Equation.DSMT4">
+                <p:oleObj spid="_x0000_s330789" name="Equation" r:id="rId8" imgW="1739900" imgH="228600" progId="Equation.DSMT4">
                   <p:embed/>
                 </p:oleObj>
               </mc:Choice>

--- a/spring13/slides13/law-of-large-numbers.pptx
+++ b/spring13/slides13/law-of-large-numbers.pptx
@@ -23,7 +23,7 @@
     <p:sldId id="857" r:id="rId11"/>
     <p:sldId id="865" r:id="rId12"/>
     <p:sldId id="866" r:id="rId13"/>
-    <p:sldId id="868" r:id="rId14"/>
+    <p:sldId id="869" r:id="rId14"/>
     <p:sldId id="867" r:id="rId15"/>
     <p:sldId id="821" r:id="rId16"/>
     <p:sldId id="859" r:id="rId17"/>
@@ -1261,7 +1261,7 @@
     </p:spTree>
     <p:extLst>
       <p:ext uri="{BB962C8B-B14F-4D97-AF65-F5344CB8AC3E}">
-        <p14:creationId xmlns:p14="http://schemas.microsoft.com/office/powerpoint/2010/main" val="304060934"/>
+        <p14:creationId xmlns:p14="http://schemas.microsoft.com/office/powerpoint/2010/main" val="2442812194"/>
       </p:ext>
     </p:extLst>
   </p:cSld>
@@ -6255,7 +6255,7 @@
             <a:graphicData uri="http://schemas.openxmlformats.org/presentationml/2006/ole">
               <mc:AlternateContent xmlns:mc="http://schemas.openxmlformats.org/markup-compatibility/2006">
                 <mc:Choice xmlns:v="urn:schemas-microsoft-com:vml" Requires="v">
-                  <p:oleObj spid="_x0000_s349202" name="Equation" r:id="rId4" imgW="444500" imgH="190500" progId="Equation.DSMT4">
+                  <p:oleObj spid="_x0000_s349206" name="Equation" r:id="rId4" imgW="444500" imgH="190500" progId="Equation.DSMT4">
                     <p:embed/>
                   </p:oleObj>
                 </mc:Choice>
@@ -6312,7 +6312,7 @@
             <a:graphicData uri="http://schemas.openxmlformats.org/presentationml/2006/ole">
               <mc:AlternateContent xmlns:mc="http://schemas.openxmlformats.org/markup-compatibility/2006">
                 <mc:Choice xmlns:v="urn:schemas-microsoft-com:vml" Requires="v">
-                  <p:oleObj spid="_x0000_s349203" name="Equation" r:id="rId6" imgW="381000" imgH="190500" progId="Equation.DSMT4">
+                  <p:oleObj spid="_x0000_s349207" name="Equation" r:id="rId6" imgW="381000" imgH="190500" progId="Equation.DSMT4">
                     <p:embed/>
                   </p:oleObj>
                 </mc:Choice>
@@ -6563,7 +6563,7 @@
           <a:graphicData uri="http://schemas.openxmlformats.org/presentationml/2006/ole">
             <mc:AlternateContent xmlns:mc="http://schemas.openxmlformats.org/markup-compatibility/2006">
               <mc:Choice xmlns:v="urn:schemas-microsoft-com:vml" Requires="v">
-                <p:oleObj spid="_x0000_s349204" name="Equation" r:id="rId8" imgW="1739900" imgH="228600" progId="Equation.DSMT4">
+                <p:oleObj spid="_x0000_s349208" name="Equation" r:id="rId8" imgW="1739900" imgH="228600" progId="Equation.DSMT4">
                   <p:embed/>
                 </p:oleObj>
               </mc:Choice>
@@ -7134,7 +7134,7 @@
             <a:graphicData uri="http://schemas.openxmlformats.org/presentationml/2006/ole">
               <mc:AlternateContent xmlns:mc="http://schemas.openxmlformats.org/markup-compatibility/2006">
                 <mc:Choice xmlns:v="urn:schemas-microsoft-com:vml" Requires="v">
-                  <p:oleObj spid="_x0000_s351250" name="Equation" r:id="rId4" imgW="444500" imgH="190500" progId="Equation.DSMT4">
+                  <p:oleObj spid="_x0000_s351254" name="Equation" r:id="rId4" imgW="444500" imgH="190500" progId="Equation.DSMT4">
                     <p:embed/>
                   </p:oleObj>
                 </mc:Choice>
@@ -7191,7 +7191,7 @@
             <a:graphicData uri="http://schemas.openxmlformats.org/presentationml/2006/ole">
               <mc:AlternateContent xmlns:mc="http://schemas.openxmlformats.org/markup-compatibility/2006">
                 <mc:Choice xmlns:v="urn:schemas-microsoft-com:vml" Requires="v">
-                  <p:oleObj spid="_x0000_s351251" name="Equation" r:id="rId6" imgW="381000" imgH="190500" progId="Equation.DSMT4">
+                  <p:oleObj spid="_x0000_s351255" name="Equation" r:id="rId6" imgW="381000" imgH="190500" progId="Equation.DSMT4">
                     <p:embed/>
                   </p:oleObj>
                 </mc:Choice>
@@ -7249,7 +7249,7 @@
           <a:graphicData uri="http://schemas.openxmlformats.org/presentationml/2006/ole">
             <mc:AlternateContent xmlns:mc="http://schemas.openxmlformats.org/markup-compatibility/2006">
               <mc:Choice xmlns:v="urn:schemas-microsoft-com:vml" Requires="v">
-                <p:oleObj spid="_x0000_s351252" name="Equation" r:id="rId8" imgW="1739900" imgH="228600" progId="Equation.DSMT4">
+                <p:oleObj spid="_x0000_s351256" name="Equation" r:id="rId8" imgW="1739900" imgH="228600" progId="Equation.DSMT4">
                   <p:embed/>
                 </p:oleObj>
               </mc:Choice>
@@ -7305,8 +7305,8 @@
         </p:nvSpPr>
         <p:spPr>
           <a:xfrm>
-            <a:off x="495300" y="1739900"/>
-            <a:ext cx="7502474" cy="2308324"/>
+            <a:off x="495300" y="1739899"/>
+            <a:ext cx="8534400" cy="1569660"/>
           </a:xfrm>
           <a:prstGeom prst="rect">
             <a:avLst/>
@@ -7314,7 +7314,7 @@
           <a:noFill/>
         </p:spPr>
         <p:txBody>
-          <a:bodyPr wrap="none" rtlCol="0">
+          <a:bodyPr wrap="square" rtlCol="0">
             <a:spAutoFit/>
           </a:bodyPr>
           <a:lstStyle/>
@@ -7337,17 +7337,51 @@
             </a:r>
             <a:r>
               <a:rPr lang="en-US" sz="4800" dirty="0" smtClean="0">
+                <a:solidFill>
+                  <a:srgbClr val="A7097A"/>
+                </a:solidFill>
                 <a:latin typeface="Comic Sans MS"/>
                 <a:cs typeface="Comic Sans MS"/>
               </a:rPr>
-              <a:t>540—660</a:t>
-            </a:r>
-            <a:endParaRPr lang="en-US" sz="4800" dirty="0" smtClean="0">
-              <a:latin typeface="Comic Sans MS"/>
-              <a:cs typeface="Comic Sans MS"/>
-            </a:endParaRPr>
-          </a:p>
-          <a:p>
+              <a:t>45</a:t>
+            </a:r>
+            <a:r>
+              <a:rPr lang="en-US" sz="4800" dirty="0" smtClean="0">
+                <a:solidFill>
+                  <a:srgbClr val="A7097A"/>
+                </a:solidFill>
+                <a:latin typeface="Comic Sans MS"/>
+                <a:cs typeface="Comic Sans MS"/>
+              </a:rPr>
+              <a:t>0—</a:t>
+            </a:r>
+            <a:r>
+              <a:rPr lang="en-US" sz="4800" dirty="0" smtClean="0">
+                <a:solidFill>
+                  <a:srgbClr val="A7097A"/>
+                </a:solidFill>
+                <a:latin typeface="Comic Sans MS"/>
+                <a:cs typeface="Comic Sans MS"/>
+              </a:rPr>
+              <a:t>55</a:t>
+            </a:r>
+            <a:r>
+              <a:rPr lang="en-US" sz="4800" dirty="0" smtClean="0">
+                <a:solidFill>
+                  <a:srgbClr val="A7097A"/>
+                </a:solidFill>
+                <a:latin typeface="Comic Sans MS"/>
+                <a:cs typeface="Comic Sans MS"/>
+              </a:rPr>
+              <a:t>0</a:t>
+            </a:r>
+            <a:r>
+              <a:rPr lang="en-US" sz="4800" dirty="0">
+                <a:latin typeface="Comic Sans MS"/>
+                <a:cs typeface="Comic Sans MS"/>
+              </a:rPr>
+              <a:t> </a:t>
+            </a:r>
             <a:r>
               <a:rPr lang="en-US" sz="4800" dirty="0" smtClean="0">
                 <a:solidFill>
@@ -7512,7 +7546,7 @@
           <p:nvPr>
             <p:extLst>
               <p:ext uri="{D42A27DB-BD31-4B8C-83A1-F6EECF244321}">
-                <p14:modId xmlns:p14="http://schemas.microsoft.com/office/powerpoint/2010/main" val="252304114"/>
+                <p14:modId xmlns:p14="http://schemas.microsoft.com/office/powerpoint/2010/main" val="1997512783"/>
               </p:ext>
             </p:extLst>
           </p:nvPr>
@@ -7964,7 +7998,7 @@
             <p:nvPr>
               <p:extLst>
                 <p:ext uri="{D42A27DB-BD31-4B8C-83A1-F6EECF244321}">
-                  <p14:modId xmlns:p14="http://schemas.microsoft.com/office/powerpoint/2010/main" val="2293416298"/>
+                  <p14:modId xmlns:p14="http://schemas.microsoft.com/office/powerpoint/2010/main" val="1654250098"/>
                 </p:ext>
               </p:extLst>
             </p:nvPr>
@@ -7977,7 +8011,7 @@
             <a:graphicData uri="http://schemas.openxmlformats.org/presentationml/2006/ole">
               <mc:AlternateContent xmlns:mc="http://schemas.openxmlformats.org/markup-compatibility/2006">
                 <mc:Choice xmlns:v="urn:schemas-microsoft-com:vml" Requires="v">
-                  <p:oleObj spid="_x0000_s353295" name="Equation" r:id="rId4" imgW="444500" imgH="190500" progId="Equation.DSMT4">
+                  <p:oleObj spid="_x0000_s361473" name="Equation" r:id="rId4" imgW="444500" imgH="190500" progId="Equation.DSMT4">
                     <p:embed/>
                   </p:oleObj>
                 </mc:Choice>
@@ -8021,7 +8055,7 @@
             <p:nvPr>
               <p:extLst>
                 <p:ext uri="{D42A27DB-BD31-4B8C-83A1-F6EECF244321}">
-                  <p14:modId xmlns:p14="http://schemas.microsoft.com/office/powerpoint/2010/main" val="3460343100"/>
+                  <p14:modId xmlns:p14="http://schemas.microsoft.com/office/powerpoint/2010/main" val="2623341144"/>
                 </p:ext>
               </p:extLst>
             </p:nvPr>
@@ -8034,7 +8068,7 @@
             <a:graphicData uri="http://schemas.openxmlformats.org/presentationml/2006/ole">
               <mc:AlternateContent xmlns:mc="http://schemas.openxmlformats.org/markup-compatibility/2006">
                 <mc:Choice xmlns:v="urn:schemas-microsoft-com:vml" Requires="v">
-                  <p:oleObj spid="_x0000_s353296" name="Equation" r:id="rId6" imgW="381000" imgH="190500" progId="Equation.DSMT4">
+                  <p:oleObj spid="_x0000_s361474" name="Equation" r:id="rId6" imgW="381000" imgH="190500" progId="Equation.DSMT4">
                     <p:embed/>
                   </p:oleObj>
                 </mc:Choice>
@@ -8079,7 +8113,7 @@
           <p:nvPr>
             <p:extLst>
               <p:ext uri="{D42A27DB-BD31-4B8C-83A1-F6EECF244321}">
-                <p14:modId xmlns:p14="http://schemas.microsoft.com/office/powerpoint/2010/main" val="692481608"/>
+                <p14:modId xmlns:p14="http://schemas.microsoft.com/office/powerpoint/2010/main" val="2463843113"/>
               </p:ext>
             </p:extLst>
           </p:nvPr>
@@ -8092,7 +8126,7 @@
           <a:graphicData uri="http://schemas.openxmlformats.org/presentationml/2006/ole">
             <mc:AlternateContent xmlns:mc="http://schemas.openxmlformats.org/markup-compatibility/2006">
               <mc:Choice xmlns:v="urn:schemas-microsoft-com:vml" Requires="v">
-                <p:oleObj spid="_x0000_s353297" name="Equation" r:id="rId8" imgW="1739900" imgH="228600" progId="Equation.DSMT4">
+                <p:oleObj spid="_x0000_s361475" name="Equation" r:id="rId8" imgW="1739900" imgH="228600" progId="Equation.DSMT4">
                   <p:embed/>
                 </p:oleObj>
               </mc:Choice>
@@ -8148,8 +8182,8 @@
         </p:nvSpPr>
         <p:spPr>
           <a:xfrm>
-            <a:off x="495300" y="1739900"/>
-            <a:ext cx="8150188" cy="3046988"/>
+            <a:off x="495300" y="1739899"/>
+            <a:ext cx="8534400" cy="3046988"/>
           </a:xfrm>
           <a:prstGeom prst="rect">
             <a:avLst/>
@@ -8157,7 +8191,7 @@
           <a:noFill/>
         </p:spPr>
         <p:txBody>
-          <a:bodyPr wrap="none" rtlCol="0">
+          <a:bodyPr wrap="square" rtlCol="0">
             <a:spAutoFit/>
           </a:bodyPr>
           <a:lstStyle/>
@@ -8186,17 +8220,45 @@
                 <a:latin typeface="Comic Sans MS"/>
                 <a:cs typeface="Comic Sans MS"/>
               </a:rPr>
-              <a:t>540—660</a:t>
-            </a:r>
-            <a:endParaRPr lang="en-US" sz="4800" dirty="0" smtClean="0">
-              <a:solidFill>
-                <a:srgbClr val="A7097A"/>
-              </a:solidFill>
-              <a:latin typeface="Comic Sans MS"/>
-              <a:cs typeface="Comic Sans MS"/>
-            </a:endParaRPr>
-          </a:p>
-          <a:p>
+              <a:t>45</a:t>
+            </a:r>
+            <a:r>
+              <a:rPr lang="en-US" sz="4800" dirty="0" smtClean="0">
+                <a:solidFill>
+                  <a:srgbClr val="A7097A"/>
+                </a:solidFill>
+                <a:latin typeface="Comic Sans MS"/>
+                <a:cs typeface="Comic Sans MS"/>
+              </a:rPr>
+              <a:t>0—</a:t>
+            </a:r>
+            <a:r>
+              <a:rPr lang="en-US" sz="4800" dirty="0" smtClean="0">
+                <a:solidFill>
+                  <a:srgbClr val="A7097A"/>
+                </a:solidFill>
+                <a:latin typeface="Comic Sans MS"/>
+                <a:cs typeface="Comic Sans MS"/>
+              </a:rPr>
+              <a:t>55</a:t>
+            </a:r>
+            <a:r>
+              <a:rPr lang="en-US" sz="4800" dirty="0" smtClean="0">
+                <a:solidFill>
+                  <a:srgbClr val="A7097A"/>
+                </a:solidFill>
+                <a:latin typeface="Comic Sans MS"/>
+                <a:cs typeface="Comic Sans MS"/>
+              </a:rPr>
+              <a:t>0</a:t>
+            </a:r>
+            <a:r>
+              <a:rPr lang="en-US" sz="4800" dirty="0">
+                <a:latin typeface="Comic Sans MS"/>
+                <a:cs typeface="Comic Sans MS"/>
+              </a:rPr>
+              <a:t> </a:t>
+            </a:r>
             <a:r>
               <a:rPr lang="en-US" sz="4800" dirty="0" smtClean="0">
                 <a:solidFill>
@@ -8212,7 +8274,33 @@
                 <a:latin typeface="Comic Sans MS"/>
                 <a:cs typeface="Comic Sans MS"/>
               </a:rPr>
-              <a:t>’s, you can be </a:t>
+              <a:t>’</a:t>
+            </a:r>
+            <a:r>
+              <a:rPr lang="en-US" sz="4800" dirty="0" smtClean="0">
+                <a:latin typeface="Comic Sans MS"/>
+                <a:cs typeface="Comic Sans MS"/>
+              </a:rPr>
+              <a:t>s</a:t>
+            </a:r>
+          </a:p>
+          <a:p>
+            <a:r>
+              <a:rPr lang="en-US" sz="4800" dirty="0">
+                <a:latin typeface="Comic Sans MS"/>
+                <a:cs typeface="Comic Sans MS"/>
+              </a:rPr>
+              <a:t>you can be </a:t>
+            </a:r>
+            <a:r>
+              <a:rPr lang="en-US" sz="4800" dirty="0">
+                <a:solidFill>
+                  <a:srgbClr val="FF00FF"/>
+                </a:solidFill>
+                <a:latin typeface="Comic Sans MS"/>
+                <a:cs typeface="Comic Sans MS"/>
+              </a:rPr>
+              <a:t>98</a:t>
             </a:r>
             <a:r>
               <a:rPr lang="en-US" sz="4800" dirty="0" smtClean="0">
@@ -8222,10 +8310,8 @@
                 <a:latin typeface="Comic Sans MS"/>
                 <a:cs typeface="Comic Sans MS"/>
               </a:rPr>
-              <a:t>98%</a:t>
-            </a:r>
-          </a:p>
-          <a:p>
+              <a:t>% </a:t>
+            </a:r>
             <a:r>
               <a:rPr lang="en-US" sz="4800" dirty="0" smtClean="0">
                 <a:solidFill>
@@ -8234,7 +8320,17 @@
                 <a:latin typeface="Comic Sans MS"/>
                 <a:cs typeface="Comic Sans MS"/>
               </a:rPr>
-              <a:t>confident your die is </a:t>
+              <a:t>confident </a:t>
+            </a:r>
+            <a:r>
+              <a:rPr lang="en-US" sz="4800" dirty="0">
+                <a:solidFill>
+                  <a:srgbClr val="000000"/>
+                </a:solidFill>
+                <a:latin typeface="Comic Sans MS"/>
+                <a:cs typeface="Comic Sans MS"/>
+              </a:rPr>
+              <a:t>your die is </a:t>
             </a:r>
             <a:r>
               <a:rPr lang="en-US" sz="4800" dirty="0" smtClean="0">
@@ -8246,13 +8342,20 @@
               </a:rPr>
               <a:t>loaded</a:t>
             </a:r>
+            <a:endParaRPr lang="en-US" sz="4800" dirty="0">
+              <a:solidFill>
+                <a:srgbClr val="FF0000"/>
+              </a:solidFill>
+              <a:latin typeface="Comic Sans MS"/>
+              <a:cs typeface="Comic Sans MS"/>
+            </a:endParaRPr>
           </a:p>
         </p:txBody>
       </p:sp>
     </p:spTree>
     <p:extLst>
       <p:ext uri="{BB962C8B-B14F-4D97-AF65-F5344CB8AC3E}">
-        <p14:creationId xmlns:p14="http://schemas.microsoft.com/office/powerpoint/2010/main" val="2013585978"/>
+        <p14:creationId xmlns:p14="http://schemas.microsoft.com/office/powerpoint/2010/main" val="37727036"/>
       </p:ext>
     </p:extLst>
   </p:cSld>
@@ -8274,9 +8377,88 @@
   <p:timing>
     <p:tnLst>
       <p:par>
-        <p:cTn xmlns:p14="http://schemas.microsoft.com/office/powerpoint/2010/main" id="1" dur="indefinite" restart="never" nodeType="tmRoot"/>
+        <p:cTn xmlns:p14="http://schemas.microsoft.com/office/powerpoint/2010/main" id="1" dur="indefinite" restart="never" nodeType="tmRoot">
+          <p:childTnLst>
+            <p:seq concurrent="1" nextAc="seek">
+              <p:cTn id="2" dur="indefinite" nodeType="mainSeq">
+                <p:childTnLst>
+                  <p:par>
+                    <p:cTn id="3" fill="hold">
+                      <p:stCondLst>
+                        <p:cond delay="indefinite"/>
+                      </p:stCondLst>
+                      <p:childTnLst>
+                        <p:par>
+                          <p:cTn id="4" fill="hold">
+                            <p:stCondLst>
+                              <p:cond delay="0"/>
+                            </p:stCondLst>
+                            <p:childTnLst>
+                              <p:par>
+                                <p:cTn id="5" presetID="10" presetClass="entr" presetSubtype="0" fill="hold" grpId="0" nodeType="clickEffect">
+                                  <p:stCondLst>
+                                    <p:cond delay="0"/>
+                                  </p:stCondLst>
+                                  <p:childTnLst>
+                                    <p:set>
+                                      <p:cBhvr>
+                                        <p:cTn id="6" dur="1" fill="hold">
+                                          <p:stCondLst>
+                                            <p:cond delay="0"/>
+                                          </p:stCondLst>
+                                        </p:cTn>
+                                        <p:tgtEl>
+                                          <p:spTgt spid="4"/>
+                                        </p:tgtEl>
+                                        <p:attrNameLst>
+                                          <p:attrName>style.visibility</p:attrName>
+                                        </p:attrNameLst>
+                                      </p:cBhvr>
+                                      <p:to>
+                                        <p:strVal val="visible"/>
+                                      </p:to>
+                                    </p:set>
+                                    <p:animEffect transition="in" filter="fade">
+                                      <p:cBhvr>
+                                        <p:cTn id="7" dur="500"/>
+                                        <p:tgtEl>
+                                          <p:spTgt spid="4"/>
+                                        </p:tgtEl>
+                                      </p:cBhvr>
+                                    </p:animEffect>
+                                  </p:childTnLst>
+                                </p:cTn>
+                              </p:par>
+                            </p:childTnLst>
+                          </p:cTn>
+                        </p:par>
+                      </p:childTnLst>
+                    </p:cTn>
+                  </p:par>
+                </p:childTnLst>
+              </p:cTn>
+              <p:prevCondLst>
+                <p:cond evt="onPrev" delay="0">
+                  <p:tgtEl>
+                    <p:sldTgt/>
+                  </p:tgtEl>
+                </p:cond>
+              </p:prevCondLst>
+              <p:nextCondLst>
+                <p:cond evt="onNext" delay="0">
+                  <p:tgtEl>
+                    <p:sldTgt/>
+                  </p:tgtEl>
+                </p:cond>
+              </p:nextCondLst>
+            </p:seq>
+          </p:childTnLst>
+        </p:cTn>
       </p:par>
     </p:tnLst>
+    <p:bldLst>
+      <p:bldP spid="4" grpId="0"/>
+    </p:bldLst>
   </p:timing>
 </p:sld>
 </file>
@@ -8772,7 +8954,7 @@
             <a:graphicData uri="http://schemas.openxmlformats.org/presentationml/2006/ole">
               <mc:AlternateContent xmlns:mc="http://schemas.openxmlformats.org/markup-compatibility/2006">
                 <mc:Choice xmlns:v="urn:schemas-microsoft-com:vml" Requires="v">
-                  <p:oleObj spid="_x0000_s352271" name="Equation" r:id="rId4" imgW="444500" imgH="190500" progId="Equation.DSMT4">
+                  <p:oleObj spid="_x0000_s352275" name="Equation" r:id="rId4" imgW="444500" imgH="190500" progId="Equation.DSMT4">
                     <p:embed/>
                   </p:oleObj>
                 </mc:Choice>
@@ -8829,7 +9011,7 @@
             <a:graphicData uri="http://schemas.openxmlformats.org/presentationml/2006/ole">
               <mc:AlternateContent xmlns:mc="http://schemas.openxmlformats.org/markup-compatibility/2006">
                 <mc:Choice xmlns:v="urn:schemas-microsoft-com:vml" Requires="v">
-                  <p:oleObj spid="_x0000_s352272" name="Equation" r:id="rId6" imgW="381000" imgH="190500" progId="Equation.DSMT4">
+                  <p:oleObj spid="_x0000_s352276" name="Equation" r:id="rId6" imgW="381000" imgH="190500" progId="Equation.DSMT4">
                     <p:embed/>
                   </p:oleObj>
                 </mc:Choice>
@@ -8887,7 +9069,7 @@
           <a:graphicData uri="http://schemas.openxmlformats.org/presentationml/2006/ole">
             <mc:AlternateContent xmlns:mc="http://schemas.openxmlformats.org/markup-compatibility/2006">
               <mc:Choice xmlns:v="urn:schemas-microsoft-com:vml" Requires="v">
-                <p:oleObj spid="_x0000_s352273" name="Equation" r:id="rId8" imgW="1739900" imgH="228600" progId="Equation.DSMT4">
+                <p:oleObj spid="_x0000_s352277" name="Equation" r:id="rId8" imgW="1739900" imgH="228600" progId="Equation.DSMT4">
                   <p:embed/>
                 </p:oleObj>
               </mc:Choice>
@@ -8943,8 +9125,8 @@
         </p:nvSpPr>
         <p:spPr>
           <a:xfrm>
-            <a:off x="495300" y="1739900"/>
-            <a:ext cx="8150188" cy="3046988"/>
+            <a:off x="284989" y="1651000"/>
+            <a:ext cx="8643111" cy="3046988"/>
           </a:xfrm>
           <a:prstGeom prst="rect">
             <a:avLst/>
@@ -8981,37 +9163,8 @@
                 <a:latin typeface="Comic Sans MS"/>
                 <a:cs typeface="Comic Sans MS"/>
               </a:rPr>
-              <a:t>575—</a:t>
-            </a:r>
-            <a:r>
-              <a:rPr lang="en-US" sz="4800" dirty="0">
-                <a:solidFill>
-                  <a:srgbClr val="A7097A"/>
-                </a:solidFill>
-                <a:latin typeface="Comic Sans MS"/>
-                <a:cs typeface="Comic Sans MS"/>
-              </a:rPr>
-              <a:t>6</a:t>
-            </a:r>
-            <a:r>
-              <a:rPr lang="en-US" sz="4800" dirty="0" smtClean="0">
-                <a:solidFill>
-                  <a:srgbClr val="A7097A"/>
-                </a:solidFill>
-                <a:latin typeface="Comic Sans MS"/>
-                <a:cs typeface="Comic Sans MS"/>
-              </a:rPr>
-              <a:t>25</a:t>
-            </a:r>
-            <a:endParaRPr lang="en-US" sz="4800" dirty="0" smtClean="0">
-              <a:solidFill>
-                <a:srgbClr val="A7097A"/>
-              </a:solidFill>
-              <a:latin typeface="Comic Sans MS"/>
-              <a:cs typeface="Comic Sans MS"/>
-            </a:endParaRPr>
-          </a:p>
-          <a:p>
+              <a:t>475—525 </a:t>
+            </a:r>
             <a:r>
               <a:rPr lang="en-US" sz="4800" dirty="0" smtClean="0">
                 <a:solidFill>
@@ -9027,7 +9180,30 @@
                 <a:latin typeface="Comic Sans MS"/>
                 <a:cs typeface="Comic Sans MS"/>
               </a:rPr>
-              <a:t>’s, you can be </a:t>
+              <a:t>’s</a:t>
+            </a:r>
+            <a:r>
+              <a:rPr lang="en-US" sz="4800" dirty="0" smtClean="0">
+                <a:latin typeface="Comic Sans MS"/>
+                <a:cs typeface="Comic Sans MS"/>
+              </a:rPr>
+              <a:t>,</a:t>
+            </a:r>
+          </a:p>
+          <a:p>
+            <a:r>
+              <a:rPr lang="en-US" sz="4800" dirty="0" smtClean="0">
+                <a:latin typeface="Comic Sans MS"/>
+                <a:cs typeface="Comic Sans MS"/>
+              </a:rPr>
+              <a:t>you </a:t>
+            </a:r>
+            <a:r>
+              <a:rPr lang="en-US" sz="4800" dirty="0" smtClean="0">
+                <a:latin typeface="Comic Sans MS"/>
+                <a:cs typeface="Comic Sans MS"/>
+              </a:rPr>
+              <a:t>can be </a:t>
             </a:r>
             <a:r>
               <a:rPr lang="en-US" sz="4800" dirty="0">
@@ -9047,10 +9223,18 @@
                 <a:latin typeface="Comic Sans MS"/>
                 <a:cs typeface="Comic Sans MS"/>
               </a:rPr>
-              <a:t>8%</a:t>
-            </a:r>
-          </a:p>
-          <a:p>
+              <a:t>8</a:t>
+            </a:r>
+            <a:r>
+              <a:rPr lang="en-US" sz="4800" dirty="0" smtClean="0">
+                <a:solidFill>
+                  <a:srgbClr val="FF00FF"/>
+                </a:solidFill>
+                <a:latin typeface="Comic Sans MS"/>
+                <a:cs typeface="Comic Sans MS"/>
+              </a:rPr>
+              <a:t>% </a:t>
+            </a:r>
             <a:r>
               <a:rPr lang="en-US" sz="4800" dirty="0" smtClean="0">
                 <a:solidFill>
@@ -9059,7 +9243,29 @@
                 <a:latin typeface="Comic Sans MS"/>
                 <a:cs typeface="Comic Sans MS"/>
               </a:rPr>
-              <a:t>confident your die is </a:t>
+              <a:t>confident</a:t>
+            </a:r>
+          </a:p>
+          <a:p>
+            <a:r>
+              <a:rPr lang="en-US" sz="4800" dirty="0" smtClean="0">
+                <a:solidFill>
+                  <a:srgbClr val="000000"/>
+                </a:solidFill>
+                <a:latin typeface="Comic Sans MS"/>
+                <a:cs typeface="Comic Sans MS"/>
+              </a:rPr>
+              <a:t>your </a:t>
+            </a:r>
+            <a:r>
+              <a:rPr lang="en-US" sz="4800" dirty="0" smtClean="0">
+                <a:solidFill>
+                  <a:srgbClr val="000000"/>
+                </a:solidFill>
+                <a:latin typeface="Comic Sans MS"/>
+                <a:cs typeface="Comic Sans MS"/>
+              </a:rPr>
+              <a:t>die is </a:t>
             </a:r>
             <a:r>
               <a:rPr lang="en-US" sz="4800" dirty="0" smtClean="0">
@@ -10843,7 +11049,7 @@
           <a:graphicData uri="http://schemas.openxmlformats.org/presentationml/2006/ole">
             <mc:AlternateContent xmlns:mc="http://schemas.openxmlformats.org/markup-compatibility/2006">
               <mc:Choice xmlns:v="urn:schemas-microsoft-com:vml" Requires="v">
-                <p:oleObj spid="_x0000_s144519" name="Equation" r:id="rId5" imgW="1397000" imgH="292100" progId="Equation.DSMT4">
+                <p:oleObj spid="_x0000_s144522" name="Equation" r:id="rId5" imgW="1397000" imgH="292100" progId="Equation.DSMT4">
                   <p:embed/>
                 </p:oleObj>
               </mc:Choice>
@@ -11139,7 +11345,7 @@
           <a:graphicData uri="http://schemas.openxmlformats.org/presentationml/2006/ole">
             <mc:AlternateContent xmlns:mc="http://schemas.openxmlformats.org/markup-compatibility/2006">
               <mc:Choice xmlns:v="urn:schemas-microsoft-com:vml" Requires="v">
-                <p:oleObj spid="_x0000_s144520" name="Equation" r:id="rId7" imgW="1524000" imgH="495300" progId="Equation.DSMT4">
+                <p:oleObj spid="_x0000_s144523" name="Equation" r:id="rId7" imgW="1524000" imgH="495300" progId="Equation.DSMT4">
                   <p:embed/>
                 </p:oleObj>
               </mc:Choice>
@@ -12112,7 +12318,7 @@
           <a:graphicData uri="http://schemas.openxmlformats.org/presentationml/2006/ole">
             <mc:AlternateContent xmlns:mc="http://schemas.openxmlformats.org/markup-compatibility/2006">
               <mc:Choice xmlns:v="urn:schemas-microsoft-com:vml" Requires="v">
-                <p:oleObj spid="_x0000_s332815" name="Equation" r:id="rId5" imgW="1524000" imgH="495300" progId="Equation.DSMT4">
+                <p:oleObj spid="_x0000_s332817" name="Equation" r:id="rId5" imgW="1524000" imgH="495300" progId="Equation.DSMT4">
                   <p:embed/>
                 </p:oleObj>
               </mc:Choice>
@@ -12465,7 +12671,7 @@
           <a:graphicData uri="http://schemas.openxmlformats.org/presentationml/2006/ole">
             <mc:AlternateContent xmlns:mc="http://schemas.openxmlformats.org/markup-compatibility/2006">
               <mc:Choice xmlns:v="urn:schemas-microsoft-com:vml" Requires="v">
-                <p:oleObj spid="_x0000_s187582" name="Equation" r:id="rId4" imgW="1117600" imgH="444500" progId="Equation.DSMT4">
+                <p:oleObj spid="_x0000_s187586" name="Equation" r:id="rId4" imgW="1117600" imgH="444500" progId="Equation.DSMT4">
                   <p:embed/>
                 </p:oleObj>
               </mc:Choice>
@@ -12665,7 +12871,7 @@
           <a:graphicData uri="http://schemas.openxmlformats.org/presentationml/2006/ole">
             <mc:AlternateContent xmlns:mc="http://schemas.openxmlformats.org/markup-compatibility/2006">
               <mc:Choice xmlns:v="urn:schemas-microsoft-com:vml" Requires="v">
-                <p:oleObj spid="_x0000_s187583" name="Equation" r:id="rId6" imgW="1524000" imgH="495300" progId="Equation.DSMT4">
+                <p:oleObj spid="_x0000_s187587" name="Equation" r:id="rId6" imgW="1524000" imgH="495300" progId="Equation.DSMT4">
                   <p:embed/>
                 </p:oleObj>
               </mc:Choice>
@@ -12735,7 +12941,7 @@
           <a:graphicData uri="http://schemas.openxmlformats.org/presentationml/2006/ole">
             <mc:AlternateContent xmlns:mc="http://schemas.openxmlformats.org/markup-compatibility/2006">
               <mc:Choice xmlns:v="urn:schemas-microsoft-com:vml" Requires="v">
-                <p:oleObj spid="_x0000_s187584" name="Equation" r:id="rId8" imgW="1397000" imgH="292100" progId="Equation.DSMT4">
+                <p:oleObj spid="_x0000_s187588" name="Equation" r:id="rId8" imgW="1397000" imgH="292100" progId="Equation.DSMT4">
                   <p:embed/>
                 </p:oleObj>
               </mc:Choice>
@@ -13409,7 +13615,7 @@
           <a:graphicData uri="http://schemas.openxmlformats.org/presentationml/2006/ole">
             <mc:AlternateContent xmlns:mc="http://schemas.openxmlformats.org/markup-compatibility/2006">
               <mc:Choice xmlns:v="urn:schemas-microsoft-com:vml" Requires="v">
-                <p:oleObj spid="_x0000_s169082" name="Equation" r:id="rId5" imgW="1638300" imgH="330200" progId="Equation.DSMT4">
+                <p:oleObj spid="_x0000_s169084" name="Equation" r:id="rId5" imgW="1638300" imgH="330200" progId="Equation.DSMT4">
                   <p:embed/>
                 </p:oleObj>
               </mc:Choice>
@@ -13564,7 +13770,7 @@
           <a:graphicData uri="http://schemas.openxmlformats.org/presentationml/2006/ole">
             <mc:AlternateContent xmlns:mc="http://schemas.openxmlformats.org/markup-compatibility/2006">
               <mc:Choice xmlns:v="urn:schemas-microsoft-com:vml" Requires="v">
-                <p:oleObj spid="_x0000_s333837" name="Equation" r:id="rId5" imgW="1638300" imgH="330200" progId="Equation.DSMT4">
+                <p:oleObj spid="_x0000_s333839" name="Equation" r:id="rId5" imgW="1638300" imgH="330200" progId="Equation.DSMT4">
                   <p:embed/>
                 </p:oleObj>
               </mc:Choice>
@@ -14428,7 +14634,7 @@
           <a:graphicData uri="http://schemas.openxmlformats.org/presentationml/2006/ole">
             <mc:AlternateContent xmlns:mc="http://schemas.openxmlformats.org/markup-compatibility/2006">
               <mc:Choice xmlns:v="urn:schemas-microsoft-com:vml" Requires="v">
-                <p:oleObj spid="_x0000_s185431" name="Equation" r:id="rId4" imgW="1651000" imgH="330200" progId="Equation.DSMT4">
+                <p:oleObj spid="_x0000_s185433" name="Equation" r:id="rId4" imgW="1651000" imgH="330200" progId="Equation.DSMT4">
                   <p:embed/>
                 </p:oleObj>
               </mc:Choice>
@@ -14763,7 +14969,7 @@
           <a:graphicData uri="http://schemas.openxmlformats.org/presentationml/2006/ole">
             <mc:AlternateContent xmlns:mc="http://schemas.openxmlformats.org/markup-compatibility/2006">
               <mc:Choice xmlns:v="urn:schemas-microsoft-com:vml" Requires="v">
-                <p:oleObj spid="_x0000_s337931" name="Equation" r:id="rId4" imgW="901700" imgH="469900" progId="Equation.DSMT4">
+                <p:oleObj spid="_x0000_s337933" name="Equation" r:id="rId4" imgW="901700" imgH="469900" progId="Equation.DSMT4">
                   <p:embed/>
                 </p:oleObj>
               </mc:Choice>
@@ -15367,7 +15573,7 @@
           <a:graphicData uri="http://schemas.openxmlformats.org/presentationml/2006/ole">
             <mc:AlternateContent xmlns:mc="http://schemas.openxmlformats.org/markup-compatibility/2006">
               <mc:Choice xmlns:v="urn:schemas-microsoft-com:vml" Requires="v">
-                <p:oleObj spid="_x0000_s213145" name="Equation" r:id="rId4" imgW="990600" imgH="228600" progId="Equation.DSMT4">
+                <p:oleObj spid="_x0000_s213149" name="Equation" r:id="rId4" imgW="990600" imgH="228600" progId="Equation.DSMT4">
                   <p:embed/>
                 </p:oleObj>
               </mc:Choice>
@@ -15546,7 +15752,7 @@
           <a:graphicData uri="http://schemas.openxmlformats.org/presentationml/2006/ole">
             <mc:AlternateContent xmlns:mc="http://schemas.openxmlformats.org/markup-compatibility/2006">
               <mc:Choice xmlns:v="urn:schemas-microsoft-com:vml" Requires="v">
-                <p:oleObj spid="_x0000_s213146" name="Equation" r:id="rId7" imgW="901700" imgH="469900" progId="Equation.DSMT4">
+                <p:oleObj spid="_x0000_s213150" name="Equation" r:id="rId7" imgW="901700" imgH="469900" progId="Equation.DSMT4">
                   <p:embed/>
                 </p:oleObj>
               </mc:Choice>
@@ -15616,7 +15822,7 @@
           <a:graphicData uri="http://schemas.openxmlformats.org/presentationml/2006/ole">
             <mc:AlternateContent xmlns:mc="http://schemas.openxmlformats.org/markup-compatibility/2006">
               <mc:Choice xmlns:v="urn:schemas-microsoft-com:vml" Requires="v">
-                <p:oleObj spid="_x0000_s213147" name="Equation" r:id="rId9" imgW="927100" imgH="469900" progId="Equation.DSMT4">
+                <p:oleObj spid="_x0000_s213151" name="Equation" r:id="rId9" imgW="927100" imgH="469900" progId="Equation.DSMT4">
                   <p:embed/>
                 </p:oleObj>
               </mc:Choice>
@@ -15999,7 +16205,7 @@
           <a:graphicData uri="http://schemas.openxmlformats.org/presentationml/2006/ole">
             <mc:AlternateContent xmlns:mc="http://schemas.openxmlformats.org/markup-compatibility/2006">
               <mc:Choice xmlns:v="urn:schemas-microsoft-com:vml" Requires="v">
-                <p:oleObj spid="_x0000_s1051" name="Equation" r:id="rId5" imgW="927100" imgH="469900" progId="Equation.DSMT4">
+                <p:oleObj spid="_x0000_s1054" name="Equation" r:id="rId5" imgW="927100" imgH="469900" progId="Equation.DSMT4">
                   <p:embed/>
                 </p:oleObj>
               </mc:Choice>
@@ -16056,7 +16262,7 @@
           <a:graphicData uri="http://schemas.openxmlformats.org/presentationml/2006/ole">
             <mc:AlternateContent xmlns:mc="http://schemas.openxmlformats.org/markup-compatibility/2006">
               <mc:Choice xmlns:v="urn:schemas-microsoft-com:vml" Requires="v">
-                <p:oleObj spid="_x0000_s1052" name="Equation" r:id="rId7" imgW="1079500" imgH="469900" progId="Equation.DSMT4">
+                <p:oleObj spid="_x0000_s1055" name="Equation" r:id="rId7" imgW="1079500" imgH="469900" progId="Equation.DSMT4">
                   <p:embed/>
                 </p:oleObj>
               </mc:Choice>
@@ -16468,7 +16674,7 @@
           <a:graphicData uri="http://schemas.openxmlformats.org/presentationml/2006/ole">
             <mc:AlternateContent xmlns:mc="http://schemas.openxmlformats.org/markup-compatibility/2006">
               <mc:Choice xmlns:v="urn:schemas-microsoft-com:vml" Requires="v">
-                <p:oleObj spid="_x0000_s323677" name="Equation" r:id="rId5" imgW="927100" imgH="469900" progId="Equation.DSMT4">
+                <p:oleObj spid="_x0000_s323680" name="Equation" r:id="rId5" imgW="927100" imgH="469900" progId="Equation.DSMT4">
                   <p:embed/>
                 </p:oleObj>
               </mc:Choice>
@@ -16525,7 +16731,7 @@
           <a:graphicData uri="http://schemas.openxmlformats.org/presentationml/2006/ole">
             <mc:AlternateContent xmlns:mc="http://schemas.openxmlformats.org/markup-compatibility/2006">
               <mc:Choice xmlns:v="urn:schemas-microsoft-com:vml" Requires="v">
-                <p:oleObj spid="_x0000_s323678" name="Equation" r:id="rId7" imgW="1079500" imgH="469900" progId="Equation.DSMT4">
+                <p:oleObj spid="_x0000_s323681" name="Equation" r:id="rId7" imgW="1079500" imgH="469900" progId="Equation.DSMT4">
                   <p:embed/>
                 </p:oleObj>
               </mc:Choice>
@@ -16705,7 +16911,7 @@
           <a:graphicData uri="http://schemas.openxmlformats.org/presentationml/2006/ole">
             <mc:AlternateContent xmlns:mc="http://schemas.openxmlformats.org/markup-compatibility/2006">
               <mc:Choice xmlns:v="urn:schemas-microsoft-com:vml" Requires="v">
-                <p:oleObj spid="_x0000_s329753" name="Equation" r:id="rId4" imgW="1739900" imgH="228600" progId="Equation.DSMT4">
+                <p:oleObj spid="_x0000_s329756" name="Equation" r:id="rId4" imgW="1739900" imgH="228600" progId="Equation.DSMT4">
                   <p:embed/>
                 </p:oleObj>
               </mc:Choice>
@@ -17174,7 +17380,7 @@
           <a:graphicData uri="http://schemas.openxmlformats.org/presentationml/2006/ole">
             <mc:AlternateContent xmlns:mc="http://schemas.openxmlformats.org/markup-compatibility/2006">
               <mc:Choice xmlns:v="urn:schemas-microsoft-com:vml" Requires="v">
-                <p:oleObj spid="_x0000_s329754" name="Equation" r:id="rId6" imgW="444500" imgH="190500" progId="Equation.DSMT4">
+                <p:oleObj spid="_x0000_s329757" name="Equation" r:id="rId6" imgW="444500" imgH="190500" progId="Equation.DSMT4">
                   <p:embed/>
                 </p:oleObj>
               </mc:Choice>
@@ -18137,7 +18343,7 @@
             <a:graphicData uri="http://schemas.openxmlformats.org/presentationml/2006/ole">
               <mc:AlternateContent xmlns:mc="http://schemas.openxmlformats.org/markup-compatibility/2006">
                 <mc:Choice xmlns:v="urn:schemas-microsoft-com:vml" Requires="v">
-                  <p:oleObj spid="_x0000_s330787" name="Equation" r:id="rId4" imgW="444500" imgH="190500" progId="Equation.DSMT4">
+                  <p:oleObj spid="_x0000_s330791" name="Equation" r:id="rId4" imgW="444500" imgH="190500" progId="Equation.DSMT4">
                     <p:embed/>
                   </p:oleObj>
                 </mc:Choice>
@@ -18194,7 +18400,7 @@
             <a:graphicData uri="http://schemas.openxmlformats.org/presentationml/2006/ole">
               <mc:AlternateContent xmlns:mc="http://schemas.openxmlformats.org/markup-compatibility/2006">
                 <mc:Choice xmlns:v="urn:schemas-microsoft-com:vml" Requires="v">
-                  <p:oleObj spid="_x0000_s330788" name="Equation" r:id="rId6" imgW="381000" imgH="190500" progId="Equation.DSMT4">
+                  <p:oleObj spid="_x0000_s330792" name="Equation" r:id="rId6" imgW="381000" imgH="190500" progId="Equation.DSMT4">
                     <p:embed/>
                   </p:oleObj>
                 </mc:Choice>
@@ -18445,7 +18651,7 @@
           <a:graphicData uri="http://schemas.openxmlformats.org/presentationml/2006/ole">
             <mc:AlternateContent xmlns:mc="http://schemas.openxmlformats.org/markup-compatibility/2006">
               <mc:Choice xmlns:v="urn:schemas-microsoft-com:vml" Requires="v">
-                <p:oleObj spid="_x0000_s330789" name="Equation" r:id="rId8" imgW="1739900" imgH="228600" progId="Equation.DSMT4">
+                <p:oleObj spid="_x0000_s330793" name="Equation" r:id="rId8" imgW="1739900" imgH="228600" progId="Equation.DSMT4">
                   <p:embed/>
                 </p:oleObj>
               </mc:Choice>
